--- a/slides/courseintroduction.pptx
+++ b/slides/courseintroduction.pptx
@@ -5,60 +5,59 @@
     <p:sldMasterId id="2147483728" r:id="rId1"/>
   </p:sldMasterIdLst>
   <p:notesMasterIdLst>
-    <p:notesMasterId r:id="rId45"/>
+    <p:notesMasterId r:id="rId44"/>
   </p:notesMasterIdLst>
   <p:handoutMasterIdLst>
-    <p:handoutMasterId r:id="rId46"/>
+    <p:handoutMasterId r:id="rId45"/>
   </p:handoutMasterIdLst>
   <p:sldIdLst>
     <p:sldId id="447" r:id="rId2"/>
     <p:sldId id="484" r:id="rId3"/>
     <p:sldId id="402" r:id="rId4"/>
-    <p:sldId id="401" r:id="rId5"/>
-    <p:sldId id="426" r:id="rId6"/>
-    <p:sldId id="403" r:id="rId7"/>
-    <p:sldId id="470" r:id="rId8"/>
-    <p:sldId id="474" r:id="rId9"/>
-    <p:sldId id="487" r:id="rId10"/>
-    <p:sldId id="488" r:id="rId11"/>
-    <p:sldId id="489" r:id="rId12"/>
-    <p:sldId id="492" r:id="rId13"/>
+    <p:sldId id="426" r:id="rId5"/>
+    <p:sldId id="403" r:id="rId6"/>
+    <p:sldId id="470" r:id="rId7"/>
+    <p:sldId id="474" r:id="rId8"/>
+    <p:sldId id="487" r:id="rId9"/>
+    <p:sldId id="488" r:id="rId10"/>
+    <p:sldId id="489" r:id="rId11"/>
+    <p:sldId id="492" r:id="rId12"/>
+    <p:sldId id="490" r:id="rId13"/>
     <p:sldId id="471" r:id="rId14"/>
     <p:sldId id="485" r:id="rId15"/>
     <p:sldId id="463" r:id="rId16"/>
     <p:sldId id="464" r:id="rId17"/>
-    <p:sldId id="490" r:id="rId18"/>
-    <p:sldId id="491" r:id="rId19"/>
-    <p:sldId id="396" r:id="rId20"/>
-    <p:sldId id="397" r:id="rId21"/>
-    <p:sldId id="399" r:id="rId22"/>
-    <p:sldId id="400" r:id="rId23"/>
-    <p:sldId id="475" r:id="rId24"/>
-    <p:sldId id="482" r:id="rId25"/>
-    <p:sldId id="441" r:id="rId26"/>
-    <p:sldId id="435" r:id="rId27"/>
-    <p:sldId id="436" r:id="rId28"/>
-    <p:sldId id="437" r:id="rId29"/>
-    <p:sldId id="456" r:id="rId30"/>
-    <p:sldId id="457" r:id="rId31"/>
-    <p:sldId id="454" r:id="rId32"/>
-    <p:sldId id="455" r:id="rId33"/>
-    <p:sldId id="465" r:id="rId34"/>
-    <p:sldId id="466" r:id="rId35"/>
-    <p:sldId id="434" r:id="rId36"/>
-    <p:sldId id="467" r:id="rId37"/>
-    <p:sldId id="483" r:id="rId38"/>
-    <p:sldId id="476" r:id="rId39"/>
-    <p:sldId id="477" r:id="rId40"/>
-    <p:sldId id="478" r:id="rId41"/>
-    <p:sldId id="481" r:id="rId42"/>
-    <p:sldId id="479" r:id="rId43"/>
-    <p:sldId id="480" r:id="rId44"/>
+    <p:sldId id="491" r:id="rId18"/>
+    <p:sldId id="396" r:id="rId19"/>
+    <p:sldId id="397" r:id="rId20"/>
+    <p:sldId id="399" r:id="rId21"/>
+    <p:sldId id="400" r:id="rId22"/>
+    <p:sldId id="475" r:id="rId23"/>
+    <p:sldId id="482" r:id="rId24"/>
+    <p:sldId id="441" r:id="rId25"/>
+    <p:sldId id="435" r:id="rId26"/>
+    <p:sldId id="436" r:id="rId27"/>
+    <p:sldId id="437" r:id="rId28"/>
+    <p:sldId id="456" r:id="rId29"/>
+    <p:sldId id="457" r:id="rId30"/>
+    <p:sldId id="454" r:id="rId31"/>
+    <p:sldId id="455" r:id="rId32"/>
+    <p:sldId id="465" r:id="rId33"/>
+    <p:sldId id="466" r:id="rId34"/>
+    <p:sldId id="434" r:id="rId35"/>
+    <p:sldId id="467" r:id="rId36"/>
+    <p:sldId id="483" r:id="rId37"/>
+    <p:sldId id="476" r:id="rId38"/>
+    <p:sldId id="477" r:id="rId39"/>
+    <p:sldId id="478" r:id="rId40"/>
+    <p:sldId id="481" r:id="rId41"/>
+    <p:sldId id="479" r:id="rId42"/>
+    <p:sldId id="480" r:id="rId43"/>
   </p:sldIdLst>
   <p:sldSz cx="9144000" cy="6858000" type="screen4x3"/>
   <p:notesSz cx="7315200" cy="9601200"/>
   <p:custDataLst>
-    <p:tags r:id="rId47"/>
+    <p:tags r:id="rId46"/>
   </p:custDataLst>
   <p:defaultTextStyle>
     <a:defPPr>
@@ -953,7 +952,7 @@
             <a:fld id="{3A6D2E47-C92D-4534-9BB8-6325B253624D}" type="slidenum">
               <a:rPr lang="en-US" smtClean="0"/>
               <a:pPr/>
-              <a:t>28</a:t>
+              <a:t>27</a:t>
             </a:fld>
             <a:endParaRPr lang="en-US"/>
           </a:p>
@@ -1056,7 +1055,7 @@
             <a:fld id="{0E1F8137-5628-489C-8F34-1267C6EC6E68}" type="slidenum">
               <a:rPr lang="en-US" smtClean="0"/>
               <a:pPr/>
-              <a:t>32</a:t>
+              <a:t>31</a:t>
             </a:fld>
             <a:endParaRPr lang="en-US"/>
           </a:p>
@@ -1313,7 +1312,7 @@
             <a:fld id="{E4886CB5-510A-4EF6-9466-BC7A8F0DDE87}" type="datetime1">
               <a:rPr lang="en-US" smtClean="0"/>
               <a:pPr/>
-              <a:t>1/27/21</a:t>
+              <a:t>1/28/21</a:t>
             </a:fld>
             <a:endParaRPr lang="en-US"/>
           </a:p>
@@ -1673,7 +1672,7 @@
             <a:fld id="{9B297853-24B4-4D05-83E4-0AD2E86C55E5}" type="datetime1">
               <a:rPr lang="en-US" smtClean="0"/>
               <a:pPr/>
-              <a:t>1/27/21</a:t>
+              <a:t>1/28/21</a:t>
             </a:fld>
             <a:endParaRPr lang="en-US"/>
           </a:p>
@@ -1849,7 +1848,7 @@
             <a:fld id="{01FCDD9E-5768-4705-9537-0C020B1BB310}" type="datetime1">
               <a:rPr lang="en-US" smtClean="0"/>
               <a:pPr/>
-              <a:t>1/27/21</a:t>
+              <a:t>1/28/21</a:t>
             </a:fld>
             <a:endParaRPr lang="en-US"/>
           </a:p>
@@ -2085,7 +2084,7 @@
             <a:fld id="{4257C27E-59C2-41CA-9776-94955CBEE440}" type="datetime1">
               <a:rPr lang="en-US" smtClean="0"/>
               <a:pPr/>
-              <a:t>1/27/21</a:t>
+              <a:t>1/28/21</a:t>
             </a:fld>
             <a:endParaRPr lang="en-US"/>
           </a:p>
@@ -2371,7 +2370,7 @@
             <a:fld id="{03180747-A137-49C6-9C74-AB7EE86F4904}" type="datetime1">
               <a:rPr lang="en-US" smtClean="0"/>
               <a:pPr/>
-              <a:t>1/27/21</a:t>
+              <a:t>1/28/21</a:t>
             </a:fld>
             <a:endParaRPr lang="en-US"/>
           </a:p>
@@ -2592,7 +2591,7 @@
             <a:fld id="{EBBA31D9-ADC1-480D-86A8-1EAFB6A86A35}" type="datetime1">
               <a:rPr lang="en-US" smtClean="0"/>
               <a:pPr/>
-              <a:t>1/27/21</a:t>
+              <a:t>1/28/21</a:t>
             </a:fld>
             <a:endParaRPr lang="en-US"/>
           </a:p>
@@ -2945,7 +2944,7 @@
             <a:fld id="{80AAE9AE-3B2F-4DEA-8C41-BDDF4CDF6F40}" type="datetime1">
               <a:rPr lang="en-US" smtClean="0"/>
               <a:pPr/>
-              <a:t>1/27/21</a:t>
+              <a:t>1/28/21</a:t>
             </a:fld>
             <a:endParaRPr lang="en-US"/>
           </a:p>
@@ -3178,7 +3177,7 @@
             <a:fld id="{48252F7F-E8FE-413B-8521-D4ED924C6DE5}" type="datetime1">
               <a:rPr lang="en-US" smtClean="0"/>
               <a:pPr/>
-              <a:t>1/27/21</a:t>
+              <a:t>1/28/21</a:t>
             </a:fld>
             <a:endParaRPr lang="en-US"/>
           </a:p>
@@ -3320,7 +3319,7 @@
             <a:fld id="{2FF1B124-70E3-4E4A-90E2-6B55DB7659B3}" type="datetime1">
               <a:rPr lang="en-US" smtClean="0"/>
               <a:pPr/>
-              <a:t>1/27/21</a:t>
+              <a:t>1/28/21</a:t>
             </a:fld>
             <a:endParaRPr lang="en-US"/>
           </a:p>
@@ -3598,7 +3597,7 @@
             <a:fld id="{4EBF4C98-3CD6-4C87-BD40-5718C2628835}" type="datetime1">
               <a:rPr lang="en-US" smtClean="0"/>
               <a:pPr/>
-              <a:t>1/27/21</a:t>
+              <a:t>1/28/21</a:t>
             </a:fld>
             <a:endParaRPr lang="en-US"/>
           </a:p>
@@ -4006,7 +4005,7 @@
             <a:fld id="{6D6408A8-6B1B-4CDA-875E-7BEECDBA31DF}" type="datetime1">
               <a:rPr lang="en-US" smtClean="0"/>
               <a:pPr/>
-              <a:t>1/27/21</a:t>
+              <a:t>1/28/21</a:t>
             </a:fld>
             <a:endParaRPr lang="en-US"/>
           </a:p>
@@ -4344,7 +4343,7 @@
             <a:fld id="{C55AAF07-D2F5-4B3C-B443-40DE8C337A77}" type="datetime1">
               <a:rPr lang="en-US" smtClean="0"/>
               <a:pPr/>
-              <a:t>1/27/21</a:t>
+              <a:t>1/28/21</a:t>
             </a:fld>
             <a:endParaRPr lang="en-US"/>
           </a:p>
@@ -5096,10 +5095,9 @@
           <a:lstStyle/>
           <a:p>
             <a:r>
-              <a:rPr lang="en-US" dirty="0" err="1"/>
-              <a:t>Homeworks</a:t>
-            </a:r>
-            <a:endParaRPr lang="en-US" dirty="0"/>
+              <a:rPr lang="en-US" dirty="0"/>
+              <a:t>Homework Grades</a:t>
+            </a:r>
           </a:p>
         </p:txBody>
       </p:sp>
@@ -5139,76 +5137,69 @@
         </p:nvSpPr>
         <p:spPr/>
         <p:txBody>
-          <a:bodyPr>
-            <a:normAutofit lnSpcReduction="10000"/>
-          </a:bodyPr>
-          <a:lstStyle/>
-          <a:p>
-            <a:r>
-              <a:rPr lang="en-US" dirty="0"/>
-              <a:t>Most </a:t>
-            </a:r>
+          <a:bodyPr/>
+          <a:lstStyle/>
+          <a:p>
             <a:r>
               <a:rPr lang="en-US" dirty="0" err="1"/>
               <a:t>Homeworks</a:t>
             </a:r>
             <a:r>
               <a:rPr lang="en-US" dirty="0"/>
-              <a:t> are programming assignments or written descriptions of algorithms / proofs</a:t>
-            </a:r>
-          </a:p>
-          <a:p>
-            <a:r>
-              <a:rPr lang="en-US" dirty="0"/>
-              <a:t>Programming HW:</a:t>
+              <a:t> also have three grade levels:</a:t>
             </a:r>
           </a:p>
           <a:p>
             <a:pPr lvl="1"/>
             <a:r>
-              <a:rPr lang="en-US" dirty="0"/>
-              <a:t>Can be written in Java, C++, or Python (your choice)</a:t>
+              <a:rPr lang="en-US" b="1" i="1" u="sng" dirty="0"/>
+              <a:t>Incomplete</a:t>
+            </a:r>
+            <a:r>
+              <a:rPr lang="en-US" dirty="0"/>
+              <a:t>: HW is not complete or does not show a minimum level of competence.</a:t>
             </a:r>
           </a:p>
           <a:p>
             <a:pPr lvl="1"/>
             <a:r>
-              <a:rPr lang="en-US" dirty="0"/>
-              <a:t>Homework will specify the problem, input, and output specs. That is it. Sometimes a target runtime will be given</a:t>
+              <a:rPr lang="en-US" b="1" i="1" u="sng" dirty="0"/>
+              <a:t>Satisfactory</a:t>
+            </a:r>
+            <a:r>
+              <a:rPr lang="en-US" dirty="0"/>
+              <a:t>: HW is good, but contains noticeable issues that need to be addressed.</a:t>
             </a:r>
           </a:p>
           <a:p>
             <a:pPr lvl="1"/>
             <a:r>
-              <a:rPr lang="en-US" dirty="0"/>
-              <a:t>Must also submit a written summary of your approach, and description of runtime complexity</a:t>
-            </a:r>
-          </a:p>
-          <a:p>
-            <a:r>
-              <a:rPr lang="en-US" dirty="0"/>
-              <a:t>Written HW</a:t>
+              <a:rPr lang="en-US" b="1" i="1" u="sng" dirty="0"/>
+              <a:t>Mastered</a:t>
+            </a:r>
+            <a:r>
+              <a:rPr lang="en-US" dirty="0"/>
+              <a:t>: HW looks very good, might contain minor errors.</a:t>
+            </a:r>
+          </a:p>
+          <a:p>
+            <a:endParaRPr lang="en-US" dirty="0"/>
+          </a:p>
+          <a:p>
+            <a:r>
+              <a:rPr lang="en-US" dirty="0" err="1"/>
+              <a:t>Homeworks</a:t>
+            </a:r>
+            <a:r>
+              <a:rPr lang="en-US" dirty="0"/>
+              <a:t> can be submitted multiple times to allow you to reach higher grade levels. </a:t>
             </a:r>
           </a:p>
           <a:p>
             <a:pPr lvl="1"/>
             <a:r>
               <a:rPr lang="en-US" dirty="0"/>
-              <a:t>Solving small problems, analyzing runtimes, etc.</a:t>
-            </a:r>
-          </a:p>
-          <a:p>
-            <a:pPr lvl="1"/>
-            <a:r>
-              <a:rPr lang="en-US" dirty="0"/>
-              <a:t>Sometimes proofs of correctness, etc.</a:t>
-            </a:r>
-          </a:p>
-          <a:p>
-            <a:pPr lvl="1"/>
-            <a:r>
-              <a:rPr lang="en-US" dirty="0"/>
-              <a:t>Written in Latex (tutorial on course webpage)</a:t>
+              <a:t>Some restrictions apply. More on this when we look at the schedule.</a:t>
             </a:r>
           </a:p>
         </p:txBody>
@@ -5216,7 +5207,7 @@
     </p:spTree>
     <p:extLst>
       <p:ext uri="{BB962C8B-B14F-4D97-AF65-F5344CB8AC3E}">
-        <p14:creationId xmlns:p14="http://schemas.microsoft.com/office/powerpoint/2010/main" val="2696101080"/>
+        <p14:creationId xmlns:p14="http://schemas.microsoft.com/office/powerpoint/2010/main" val="59157919"/>
       </p:ext>
     </p:extLst>
   </p:cSld>
@@ -5265,7 +5256,7 @@
           <a:p>
             <a:r>
               <a:rPr lang="en-US" dirty="0"/>
-              <a:t>Homework Grades</a:t>
+              <a:t>Quiz and Homework Deadlines</a:t>
             </a:r>
           </a:p>
         </p:txBody>
@@ -5310,61 +5301,90 @@
           <a:lstStyle/>
           <a:p>
             <a:r>
-              <a:rPr lang="en-US" dirty="0" err="1"/>
+              <a:rPr lang="en-US" dirty="0"/>
+              <a:t>Let’s look at schedule on course website </a:t>
+            </a:r>
+            <a:r>
+              <a:rPr lang="en-US" dirty="0">
+                <a:sym typeface="Wingdings" pitchFamily="2" charset="2"/>
+              </a:rPr>
+              <a:t></a:t>
+            </a:r>
+          </a:p>
+          <a:p>
+            <a:endParaRPr lang="en-US" dirty="0">
+              <a:sym typeface="Wingdings" pitchFamily="2" charset="2"/>
+            </a:endParaRPr>
+          </a:p>
+          <a:p>
+            <a:r>
+              <a:rPr lang="en-US" dirty="0">
+                <a:sym typeface="Wingdings" pitchFamily="2" charset="2"/>
+              </a:rPr>
+              <a:t>Summary:</a:t>
+            </a:r>
+          </a:p>
+          <a:p>
+            <a:pPr lvl="1"/>
+            <a:r>
+              <a:rPr lang="en-US" dirty="0">
+                <a:sym typeface="Wingdings" pitchFamily="2" charset="2"/>
+              </a:rPr>
+              <a:t>Quizzes are at end of every module. Most have a second attempt during the next module (if time allows)</a:t>
+            </a:r>
+          </a:p>
+          <a:p>
+            <a:pPr lvl="1"/>
+            <a:r>
+              <a:rPr lang="en-US" dirty="0" err="1">
+                <a:sym typeface="Wingdings" pitchFamily="2" charset="2"/>
+              </a:rPr>
               <a:t>Homeworks</a:t>
             </a:r>
             <a:r>
-              <a:rPr lang="en-US" dirty="0"/>
-              <a:t> also have three grade levels:</a:t>
-            </a:r>
-          </a:p>
-          <a:p>
-            <a:pPr lvl="1"/>
-            <a:r>
-              <a:rPr lang="en-US" dirty="0"/>
-              <a:t>Incomplete: HW is not complete or does not show a minimum level of competence.</a:t>
-            </a:r>
-          </a:p>
-          <a:p>
-            <a:pPr lvl="1"/>
-            <a:r>
-              <a:rPr lang="en-US" dirty="0"/>
-              <a:t>Satisfactory: HW is good, but contains noticeable issues that need to be addressed.</a:t>
-            </a:r>
-          </a:p>
-          <a:p>
-            <a:pPr lvl="1"/>
-            <a:r>
-              <a:rPr lang="en-US" dirty="0"/>
-              <a:t>Mastered: HW looks very good, might contain minor errors.</a:t>
-            </a:r>
-          </a:p>
-          <a:p>
+              <a:rPr lang="en-US" dirty="0">
+                <a:sym typeface="Wingdings" pitchFamily="2" charset="2"/>
+              </a:rPr>
+              <a:t> have a soft deadline and a hard deadline</a:t>
+            </a:r>
+          </a:p>
+          <a:p>
+            <a:pPr lvl="2"/>
+            <a:r>
+              <a:rPr lang="en-US" dirty="0">
+                <a:sym typeface="Wingdings" pitchFamily="2" charset="2"/>
+              </a:rPr>
+              <a:t>Will be graded and feedback given if submitted at either deadline.</a:t>
+            </a:r>
+          </a:p>
+          <a:p>
+            <a:pPr lvl="2"/>
+            <a:r>
+              <a:rPr lang="en-US" dirty="0">
+                <a:sym typeface="Wingdings" pitchFamily="2" charset="2"/>
+              </a:rPr>
+              <a:t>Expectation is you will submit at soft deadline, and resubmit at hard deadline IF you don’t pass the </a:t>
+            </a:r>
+            <a:r>
+              <a:rPr lang="en-US" dirty="0" err="1">
+                <a:sym typeface="Wingdings" pitchFamily="2" charset="2"/>
+              </a:rPr>
+              <a:t>hw</a:t>
+            </a:r>
+            <a:r>
+              <a:rPr lang="en-US" dirty="0">
+                <a:sym typeface="Wingdings" pitchFamily="2" charset="2"/>
+              </a:rPr>
+              <a:t>. But…up to you.</a:t>
+            </a:r>
             <a:endParaRPr lang="en-US" dirty="0"/>
-          </a:p>
-          <a:p>
-            <a:r>
-              <a:rPr lang="en-US" dirty="0" err="1"/>
-              <a:t>Homeworks</a:t>
-            </a:r>
-            <a:r>
-              <a:rPr lang="en-US" dirty="0"/>
-              <a:t> can be submitted multiple times to allow you to reach higher grade levels. </a:t>
-            </a:r>
-          </a:p>
-          <a:p>
-            <a:pPr lvl="1"/>
-            <a:r>
-              <a:rPr lang="en-US" dirty="0"/>
-              <a:t>Some restrictions apply.</a:t>
-            </a:r>
           </a:p>
         </p:txBody>
       </p:sp>
     </p:spTree>
     <p:extLst>
       <p:ext uri="{BB962C8B-B14F-4D97-AF65-F5344CB8AC3E}">
-        <p14:creationId xmlns:p14="http://schemas.microsoft.com/office/powerpoint/2010/main" val="59157919"/>
+        <p14:creationId xmlns:p14="http://schemas.microsoft.com/office/powerpoint/2010/main" val="1233055087"/>
       </p:ext>
     </p:extLst>
   </p:cSld>
@@ -5393,27 +5413,74 @@
       </p:grpSpPr>
       <p:sp>
         <p:nvSpPr>
-          <p:cNvPr id="12290" name="Rectangle 2"/>
-          <p:cNvSpPr>
-            <a:spLocks noGrp="1" noChangeArrowheads="1"/>
+          <p:cNvPr id="18434" name="Title 1"/>
+          <p:cNvSpPr>
+            <a:spLocks noGrp="1"/>
           </p:cNvSpPr>
           <p:nvPr>
             <p:ph type="title"/>
           </p:nvPr>
         </p:nvSpPr>
-        <p:spPr>
-          <a:xfrm>
-            <a:off x="457200" y="152400"/>
-            <a:ext cx="8229600" cy="990600"/>
-          </a:xfrm>
-        </p:spPr>
-        <p:txBody>
-          <a:bodyPr/>
-          <a:lstStyle/>
-          <a:p>
-            <a:r>
-              <a:rPr lang="en-US" dirty="0"/>
-              <a:t>Quiz and Homework Deadlines</a:t>
+        <p:spPr/>
+        <p:txBody>
+          <a:bodyPr/>
+          <a:lstStyle/>
+          <a:p>
+            <a:r>
+              <a:rPr lang="en-US" dirty="0"/>
+              <a:t>Final Exam</a:t>
+            </a:r>
+          </a:p>
+        </p:txBody>
+      </p:sp>
+      <p:sp>
+        <p:nvSpPr>
+          <p:cNvPr id="18435" name="Content Placeholder 2"/>
+          <p:cNvSpPr>
+            <a:spLocks noGrp="1"/>
+          </p:cNvSpPr>
+          <p:nvPr>
+            <p:ph sz="quarter" idx="1"/>
+          </p:nvPr>
+        </p:nvSpPr>
+        <p:spPr/>
+        <p:txBody>
+          <a:bodyPr>
+            <a:normAutofit/>
+          </a:bodyPr>
+          <a:lstStyle/>
+          <a:p>
+            <a:r>
+              <a:rPr lang="en-US" dirty="0"/>
+              <a:t>Our final exam time will be used to provide another attempt at each quiz.</a:t>
+            </a:r>
+          </a:p>
+          <a:p>
+            <a:pPr lvl="1"/>
+            <a:r>
+              <a:rPr lang="en-US" dirty="0"/>
+              <a:t>You will be given five quizzes, one per module and a final “putting it all together” quiz.</a:t>
+            </a:r>
+          </a:p>
+          <a:p>
+            <a:pPr lvl="1"/>
+            <a:r>
+              <a:rPr lang="en-US" dirty="0"/>
+              <a:t>If you already passed some of these, you don’t need to do them again during the final.</a:t>
+            </a:r>
+          </a:p>
+          <a:p>
+            <a:pPr lvl="1"/>
+            <a:r>
+              <a:rPr lang="en-US" dirty="0"/>
+              <a:t>If you want to reattempt any quiz (or multiple ones) you may do so.</a:t>
+            </a:r>
+          </a:p>
+          <a:p>
+            <a:pPr lvl="1"/>
+            <a:r>
+              <a:rPr lang="en-US" dirty="0"/>
+              <a:t>This will be your ONLY ATTEMPT at the last “putting it all together” quiz. </a:t>
             </a:r>
           </a:p>
         </p:txBody>
@@ -5438,81 +5505,6 @@
               <a:pPr/>
               <a:t>12</a:t>
             </a:fld>
-            <a:endParaRPr lang="en-US"/>
-          </a:p>
-        </p:txBody>
-      </p:sp>
-      <p:sp>
-        <p:nvSpPr>
-          <p:cNvPr id="12291" name="Rectangle 3"/>
-          <p:cNvSpPr>
-            <a:spLocks noGrp="1" noChangeArrowheads="1"/>
-          </p:cNvSpPr>
-          <p:nvPr>
-            <p:ph sz="quarter" idx="1"/>
-          </p:nvPr>
-        </p:nvSpPr>
-        <p:spPr/>
-        <p:txBody>
-          <a:bodyPr/>
-          <a:lstStyle/>
-          <a:p>
-            <a:r>
-              <a:rPr lang="en-US" dirty="0"/>
-              <a:t>Let’s look at schedule on course website </a:t>
-            </a:r>
-            <a:r>
-              <a:rPr lang="en-US" dirty="0">
-                <a:sym typeface="Wingdings" pitchFamily="2" charset="2"/>
-              </a:rPr>
-              <a:t></a:t>
-            </a:r>
-          </a:p>
-          <a:p>
-            <a:endParaRPr lang="en-US" dirty="0">
-              <a:sym typeface="Wingdings" pitchFamily="2" charset="2"/>
-            </a:endParaRPr>
-          </a:p>
-          <a:p>
-            <a:r>
-              <a:rPr lang="en-US" dirty="0">
-                <a:sym typeface="Wingdings" pitchFamily="2" charset="2"/>
-              </a:rPr>
-              <a:t>Summary:</a:t>
-            </a:r>
-          </a:p>
-          <a:p>
-            <a:pPr lvl="1"/>
-            <a:r>
-              <a:rPr lang="en-US" dirty="0">
-                <a:sym typeface="Wingdings" pitchFamily="2" charset="2"/>
-              </a:rPr>
-              <a:t>Quizzes are every two weeks, and are rolling so multiple quizzes available many weeks (if you missed one or failed one and would like to resubmit)</a:t>
-            </a:r>
-          </a:p>
-          <a:p>
-            <a:pPr lvl="1"/>
-            <a:r>
-              <a:rPr lang="en-US" dirty="0" err="1">
-                <a:sym typeface="Wingdings" pitchFamily="2" charset="2"/>
-              </a:rPr>
-              <a:t>Homeworks</a:t>
-            </a:r>
-            <a:r>
-              <a:rPr lang="en-US" dirty="0">
-                <a:sym typeface="Wingdings" pitchFamily="2" charset="2"/>
-              </a:rPr>
-              <a:t> have a recommended due date at end of module, but homework from each module has a hard deadline of three weeks after that module ended!!</a:t>
-            </a:r>
-          </a:p>
-          <a:p>
-            <a:pPr lvl="2"/>
-            <a:r>
-              <a:rPr lang="en-US" dirty="0">
-                <a:sym typeface="Wingdings" pitchFamily="2" charset="2"/>
-              </a:rPr>
-              <a:t>You have A LOT of buffer, but don’t play with fire.</a:t>
-            </a:r>
             <a:endParaRPr lang="en-US" dirty="0"/>
           </a:p>
         </p:txBody>
@@ -5520,7 +5512,7 @@
     </p:spTree>
     <p:extLst>
       <p:ext uri="{BB962C8B-B14F-4D97-AF65-F5344CB8AC3E}">
-        <p14:creationId xmlns:p14="http://schemas.microsoft.com/office/powerpoint/2010/main" val="1233055087"/>
+        <p14:creationId xmlns:p14="http://schemas.microsoft.com/office/powerpoint/2010/main" val="3820992401"/>
       </p:ext>
     </p:extLst>
   </p:cSld>
@@ -5797,7 +5789,7 @@
         <p:spPr/>
         <p:txBody>
           <a:bodyPr>
-            <a:normAutofit lnSpcReduction="10000"/>
+            <a:normAutofit fontScale="92500"/>
           </a:bodyPr>
           <a:lstStyle/>
           <a:p>
@@ -5810,7 +5802,7 @@
             <a:pPr lvl="1"/>
             <a:r>
               <a:rPr lang="en-US" dirty="0"/>
-              <a:t>Yes! You should be able to do this, and it is good practice.</a:t>
+              <a:t>Yes! You should be able to do this, and it is good practice. Also, sorting is one of our first topics this semester.</a:t>
             </a:r>
           </a:p>
           <a:p>
@@ -6152,59 +6144,7 @@
           <a:p>
             <a:r>
               <a:rPr lang="en-US" dirty="0"/>
-              <a:t>Final Exam</a:t>
-            </a:r>
-          </a:p>
-        </p:txBody>
-      </p:sp>
-      <p:sp>
-        <p:nvSpPr>
-          <p:cNvPr id="18435" name="Content Placeholder 2"/>
-          <p:cNvSpPr>
-            <a:spLocks noGrp="1"/>
-          </p:cNvSpPr>
-          <p:nvPr>
-            <p:ph sz="quarter" idx="1"/>
-          </p:nvPr>
-        </p:nvSpPr>
-        <p:spPr/>
-        <p:txBody>
-          <a:bodyPr>
-            <a:normAutofit/>
-          </a:bodyPr>
-          <a:lstStyle/>
-          <a:p>
-            <a:r>
-              <a:rPr lang="en-US" dirty="0"/>
-              <a:t>Our final exam time will be used to provide another attempt at each quiz.</a:t>
-            </a:r>
-          </a:p>
-          <a:p>
-            <a:pPr lvl="1"/>
-            <a:r>
-              <a:rPr lang="en-US" dirty="0"/>
-              <a:t>You will be given five quizzes, one per module and a final “putting it all together” quiz.</a:t>
-            </a:r>
-          </a:p>
-          <a:p>
-            <a:pPr lvl="1"/>
-            <a:r>
-              <a:rPr lang="en-US" dirty="0"/>
-              <a:t>If you already passed some of these, you don’t need to do them again during the final.</a:t>
-            </a:r>
-          </a:p>
-          <a:p>
-            <a:pPr lvl="1"/>
-            <a:r>
-              <a:rPr lang="en-US" dirty="0"/>
-              <a:t>If you want to reattempt any quiz (or multiple ones) you may do so.</a:t>
-            </a:r>
-          </a:p>
-          <a:p>
-            <a:pPr lvl="1"/>
-            <a:r>
-              <a:rPr lang="en-US" dirty="0"/>
-              <a:t>This will be your ONLY ATTEMPT at the last “putting it all together” quiz. </a:t>
+              <a:t>Grading Overview</a:t>
             </a:r>
           </a:p>
         </p:txBody>
@@ -6233,10 +6173,97 @@
           </a:p>
         </p:txBody>
       </p:sp>
+      <p:sp>
+        <p:nvSpPr>
+          <p:cNvPr id="3" name="Content Placeholder 2">
+            <a:extLst>
+              <a:ext uri="{FF2B5EF4-FFF2-40B4-BE49-F238E27FC236}">
+                <a16:creationId xmlns:a16="http://schemas.microsoft.com/office/drawing/2014/main" id="{267DFEF5-BEAA-974F-B91B-2D8B6E94C721}"/>
+              </a:ext>
+            </a:extLst>
+          </p:cNvPr>
+          <p:cNvSpPr>
+            <a:spLocks noGrp="1"/>
+          </p:cNvSpPr>
+          <p:nvPr>
+            <p:ph sz="quarter" idx="1"/>
+          </p:nvPr>
+        </p:nvSpPr>
+        <p:spPr/>
+        <p:txBody>
+          <a:bodyPr/>
+          <a:lstStyle/>
+          <a:p>
+            <a:r>
+              <a:rPr lang="en-US" dirty="0"/>
+              <a:t>Let’s look at how grades work on course website </a:t>
+            </a:r>
+            <a:r>
+              <a:rPr lang="en-US" dirty="0">
+                <a:sym typeface="Wingdings" pitchFamily="2" charset="2"/>
+              </a:rPr>
+              <a:t></a:t>
+            </a:r>
+          </a:p>
+          <a:p>
+            <a:endParaRPr lang="en-US" dirty="0">
+              <a:sym typeface="Wingdings" pitchFamily="2" charset="2"/>
+            </a:endParaRPr>
+          </a:p>
+          <a:p>
+            <a:r>
+              <a:rPr lang="en-US" dirty="0">
+                <a:sym typeface="Wingdings" pitchFamily="2" charset="2"/>
+              </a:rPr>
+              <a:t>Summary:</a:t>
+            </a:r>
+          </a:p>
+          <a:p>
+            <a:pPr lvl="1"/>
+            <a:r>
+              <a:rPr lang="en-US" dirty="0">
+                <a:sym typeface="Wingdings" pitchFamily="2" charset="2"/>
+              </a:rPr>
+              <a:t>Count how many </a:t>
+            </a:r>
+            <a:r>
+              <a:rPr lang="en-US" dirty="0" err="1">
+                <a:sym typeface="Wingdings" pitchFamily="2" charset="2"/>
+              </a:rPr>
+              <a:t>homeworks</a:t>
+            </a:r>
+            <a:r>
+              <a:rPr lang="en-US" dirty="0">
+                <a:sym typeface="Wingdings" pitchFamily="2" charset="2"/>
+              </a:rPr>
+              <a:t> / quizzes you’ve mastered, satisfied, etc.</a:t>
+            </a:r>
+          </a:p>
+          <a:p>
+            <a:pPr lvl="1"/>
+            <a:r>
+              <a:rPr lang="en-US" dirty="0">
+                <a:sym typeface="Wingdings" pitchFamily="2" charset="2"/>
+              </a:rPr>
+              <a:t>Look up the HIGHEST LETTER GRADE row on the table that for which you satisfy or exceed the requirements.</a:t>
+            </a:r>
+          </a:p>
+          <a:p>
+            <a:pPr lvl="2"/>
+            <a:r>
+              <a:rPr lang="en-US" dirty="0">
+                <a:sym typeface="Wingdings" pitchFamily="2" charset="2"/>
+              </a:rPr>
+              <a:t>That is your final letter grade for the course.</a:t>
+            </a:r>
+            <a:endParaRPr lang="en-US" dirty="0"/>
+          </a:p>
+        </p:txBody>
+      </p:sp>
     </p:spTree>
     <p:extLst>
       <p:ext uri="{BB962C8B-B14F-4D97-AF65-F5344CB8AC3E}">
-        <p14:creationId xmlns:p14="http://schemas.microsoft.com/office/powerpoint/2010/main" val="3820992401"/>
+        <p14:creationId xmlns:p14="http://schemas.microsoft.com/office/powerpoint/2010/main" val="4277655406"/>
       </p:ext>
     </p:extLst>
   </p:cSld>
@@ -6265,22 +6292,25 @@
       </p:grpSpPr>
       <p:sp>
         <p:nvSpPr>
-          <p:cNvPr id="18434" name="Title 1"/>
-          <p:cNvSpPr>
-            <a:spLocks noGrp="1"/>
+          <p:cNvPr id="21506" name="Rectangle 2"/>
+          <p:cNvSpPr>
+            <a:spLocks noGrp="1" noChangeArrowheads="1"/>
           </p:cNvSpPr>
           <p:nvPr>
             <p:ph type="title"/>
-          </p:nvPr>
-        </p:nvSpPr>
-        <p:spPr/>
-        <p:txBody>
-          <a:bodyPr/>
-          <a:lstStyle/>
-          <a:p>
-            <a:r>
-              <a:rPr lang="en-US" dirty="0"/>
-              <a:t>Grading Overview</a:t>
+            <p:custDataLst>
+              <p:tags r:id="rId1"/>
+            </p:custDataLst>
+          </p:nvPr>
+        </p:nvSpPr>
+        <p:spPr/>
+        <p:txBody>
+          <a:bodyPr/>
+          <a:lstStyle/>
+          <a:p>
+            <a:r>
+              <a:rPr lang="en-US" dirty="0"/>
+              <a:t>What you know already from CS2150</a:t>
             </a:r>
           </a:p>
         </p:txBody>
@@ -6305,103 +6335,85 @@
               <a:pPr/>
               <a:t>18</a:t>
             </a:fld>
-            <a:endParaRPr lang="en-US" dirty="0"/>
-          </a:p>
-        </p:txBody>
-      </p:sp>
-      <p:sp>
-        <p:nvSpPr>
-          <p:cNvPr id="3" name="Content Placeholder 2">
-            <a:extLst>
-              <a:ext uri="{FF2B5EF4-FFF2-40B4-BE49-F238E27FC236}">
-                <a16:creationId xmlns:a16="http://schemas.microsoft.com/office/drawing/2014/main" id="{267DFEF5-BEAA-974F-B91B-2D8B6E94C721}"/>
-              </a:ext>
-            </a:extLst>
-          </p:cNvPr>
-          <p:cNvSpPr>
-            <a:spLocks noGrp="1"/>
+            <a:endParaRPr lang="en-US"/>
+          </a:p>
+        </p:txBody>
+      </p:sp>
+      <p:sp>
+        <p:nvSpPr>
+          <p:cNvPr id="21507" name="Rectangle 3"/>
+          <p:cNvSpPr>
+            <a:spLocks noGrp="1" noChangeArrowheads="1"/>
           </p:cNvSpPr>
           <p:nvPr>
             <p:ph sz="quarter" idx="1"/>
-          </p:nvPr>
-        </p:nvSpPr>
-        <p:spPr/>
-        <p:txBody>
-          <a:bodyPr/>
-          <a:lstStyle/>
-          <a:p>
-            <a:r>
-              <a:rPr lang="en-US" dirty="0"/>
-              <a:t>Let’s look at how grades work on course website </a:t>
-            </a:r>
-            <a:r>
-              <a:rPr lang="en-US" dirty="0">
-                <a:sym typeface="Wingdings" pitchFamily="2" charset="2"/>
-              </a:rPr>
-              <a:t></a:t>
-            </a:r>
-          </a:p>
-          <a:p>
-            <a:endParaRPr lang="en-US" dirty="0">
-              <a:sym typeface="Wingdings" pitchFamily="2" charset="2"/>
-            </a:endParaRPr>
-          </a:p>
-          <a:p>
-            <a:r>
-              <a:rPr lang="en-US" dirty="0">
-                <a:sym typeface="Wingdings" pitchFamily="2" charset="2"/>
-              </a:rPr>
-              <a:t>Summary:</a:t>
+            <p:custDataLst>
+              <p:tags r:id="rId2"/>
+            </p:custDataLst>
+          </p:nvPr>
+        </p:nvSpPr>
+        <p:spPr/>
+        <p:txBody>
+          <a:bodyPr/>
+          <a:lstStyle/>
+          <a:p>
+            <a:r>
+              <a:rPr lang="en-US" dirty="0"/>
+              <a:t>Definition of an algorithm</a:t>
+            </a:r>
+          </a:p>
+          <a:p>
+            <a:r>
+              <a:rPr lang="en-US" dirty="0"/>
+              <a:t>Definition of algorithm “complexity”</a:t>
+            </a:r>
+          </a:p>
+          <a:p>
+            <a:r>
+              <a:rPr lang="en-US" dirty="0"/>
+              <a:t>Measuring worst-case complexity</a:t>
+            </a:r>
+          </a:p>
+          <a:p>
+            <a:r>
+              <a:rPr lang="en-US" dirty="0"/>
+              <a:t>Cost as a function of input size</a:t>
+            </a:r>
+          </a:p>
+          <a:p>
+            <a:r>
+              <a:rPr lang="en-US" dirty="0"/>
+              <a:t>Asymptotic rate of growth: Big-Oh, Big-Theta</a:t>
+            </a:r>
+          </a:p>
+          <a:p>
+            <a:r>
+              <a:rPr lang="en-US" dirty="0"/>
+              <a:t>Relative ordering of rates of growth</a:t>
+            </a:r>
+          </a:p>
+          <a:p>
+            <a:r>
+              <a:rPr lang="en-US" dirty="0"/>
+              <a:t>Analyzing an algorithm's cost:</a:t>
             </a:r>
           </a:p>
           <a:p>
             <a:pPr lvl="1"/>
             <a:r>
-              <a:rPr lang="en-US" dirty="0">
-                <a:sym typeface="Wingdings" pitchFamily="2" charset="2"/>
-              </a:rPr>
-              <a:t>Count how many </a:t>
-            </a:r>
-            <a:r>
-              <a:rPr lang="en-US" dirty="0" err="1">
-                <a:sym typeface="Wingdings" pitchFamily="2" charset="2"/>
-              </a:rPr>
-              <a:t>homeworks</a:t>
-            </a:r>
-            <a:r>
-              <a:rPr lang="en-US" dirty="0">
-                <a:sym typeface="Wingdings" pitchFamily="2" charset="2"/>
-              </a:rPr>
-              <a:t> / quizzes you’ve mastered, satisfied, etc.</a:t>
-            </a:r>
-          </a:p>
-          <a:p>
-            <a:pPr lvl="1"/>
-            <a:r>
-              <a:rPr lang="en-US" dirty="0">
-                <a:sym typeface="Wingdings" pitchFamily="2" charset="2"/>
-              </a:rPr>
-              <a:t>Look up the HIGHEST LETTER GRADE row on the table that for which you satisfy or exceed the requirements.</a:t>
-            </a:r>
-          </a:p>
-          <a:p>
-            <a:pPr lvl="2"/>
-            <a:r>
-              <a:rPr lang="en-US" dirty="0">
-                <a:sym typeface="Wingdings" pitchFamily="2" charset="2"/>
-              </a:rPr>
-              <a:t>That is your final letter grade for the course.</a:t>
-            </a:r>
-            <a:endParaRPr lang="en-US" dirty="0"/>
+              <a:rPr lang="en-US" dirty="0"/>
+              <a:t>sequences, loops, if/else, functions, recursion</a:t>
+            </a:r>
+          </a:p>
+          <a:p>
+            <a:r>
+              <a:rPr lang="en-US" dirty="0"/>
+              <a:t>Focus on counting one particular statement or operation; don’t count all statements</a:t>
+            </a:r>
           </a:p>
         </p:txBody>
       </p:sp>
     </p:spTree>
-    <p:extLst>
-      <p:ext uri="{BB962C8B-B14F-4D97-AF65-F5344CB8AC3E}">
-        <p14:creationId xmlns:p14="http://schemas.microsoft.com/office/powerpoint/2010/main" val="4277655406"/>
-      </p:ext>
-    </p:extLst>
   </p:cSld>
   <p:clrMapOvr>
     <a:masterClrMapping/>
@@ -6428,7 +6440,7 @@
       </p:grpSpPr>
       <p:sp>
         <p:nvSpPr>
-          <p:cNvPr id="21506" name="Rectangle 2"/>
+          <p:cNvPr id="22530" name="Rectangle 2"/>
           <p:cNvSpPr>
             <a:spLocks noGrp="1" noChangeArrowheads="1"/>
           </p:cNvSpPr>
@@ -6439,9 +6451,16 @@
             </p:custDataLst>
           </p:nvPr>
         </p:nvSpPr>
-        <p:spPr/>
-        <p:txBody>
-          <a:bodyPr/>
+        <p:spPr>
+          <a:xfrm>
+            <a:off x="457200" y="152400"/>
+            <a:ext cx="8686800" cy="990600"/>
+          </a:xfrm>
+        </p:spPr>
+        <p:txBody>
+          <a:bodyPr>
+            <a:normAutofit/>
+          </a:bodyPr>
           <a:lstStyle/>
           <a:p>
             <a:r>
@@ -6477,7 +6496,7 @@
       </p:sp>
       <p:sp>
         <p:nvSpPr>
-          <p:cNvPr id="21507" name="Rectangle 3"/>
+          <p:cNvPr id="22531" name="Rectangle 3"/>
           <p:cNvSpPr>
             <a:spLocks noGrp="1" noChangeArrowheads="1"/>
           </p:cNvSpPr>
@@ -6495,56 +6514,43 @@
           <a:p>
             <a:r>
               <a:rPr lang="en-US" dirty="0"/>
-              <a:t>Definition of an algorithm</a:t>
-            </a:r>
-          </a:p>
-          <a:p>
-            <a:r>
-              <a:rPr lang="en-US" dirty="0"/>
-              <a:t>Definition of algorithm “complexity”</a:t>
-            </a:r>
-          </a:p>
-          <a:p>
-            <a:r>
-              <a:rPr lang="en-US" dirty="0"/>
-              <a:t>Measuring worst-case complexity</a:t>
-            </a:r>
-          </a:p>
-          <a:p>
-            <a:r>
-              <a:rPr lang="en-US" dirty="0"/>
-              <a:t>Cost as a function of input size</a:t>
-            </a:r>
-          </a:p>
-          <a:p>
-            <a:r>
-              <a:rPr lang="en-US" dirty="0"/>
-              <a:t>Asymptotic rate of growth: Big-Oh, Big-Theta</a:t>
-            </a:r>
-          </a:p>
-          <a:p>
-            <a:r>
-              <a:rPr lang="en-US" dirty="0"/>
-              <a:t>Relative ordering of rates of growth</a:t>
-            </a:r>
-          </a:p>
-          <a:p>
-            <a:r>
-              <a:rPr lang="en-US" dirty="0"/>
-              <a:t>Analyzing an algorithm's cost:</a:t>
+              <a:t>Problems and their solutions:</a:t>
             </a:r>
           </a:p>
           <a:p>
             <a:pPr lvl="1"/>
             <a:r>
               <a:rPr lang="en-US" dirty="0"/>
-              <a:t>sequences, loops, if/else, functions, recursion</a:t>
-            </a:r>
-          </a:p>
-          <a:p>
-            <a:r>
-              <a:rPr lang="en-US" dirty="0"/>
-              <a:t>Focus on counting one particular statement or operation; don’t count all statements</a:t>
+              <a:t>Linear data structures vs. tree data structures</a:t>
+            </a:r>
+          </a:p>
+          <a:p>
+            <a:pPr lvl="1"/>
+            <a:r>
+              <a:rPr lang="en-US" dirty="0"/>
+              <a:t>Searching: linear/sequential search, binary search (?), hashing</a:t>
+            </a:r>
+          </a:p>
+          <a:p>
+            <a:pPr lvl="1"/>
+            <a:r>
+              <a:rPr lang="en-US" dirty="0"/>
+              <a:t>Sorting:  quicksort, </a:t>
+            </a:r>
+            <a:r>
+              <a:rPr lang="en-US" dirty="0" err="1"/>
+              <a:t>mergesort</a:t>
+            </a:r>
+            <a:r>
+              <a:rPr lang="en-US" dirty="0"/>
+              <a:t> in CS2110 (?)</a:t>
+            </a:r>
+          </a:p>
+          <a:p>
+            <a:pPr lvl="1"/>
+            <a:r>
+              <a:rPr lang="en-US" dirty="0"/>
+              <a:t>Priority Queue ADT and Heap Implementation</a:t>
             </a:r>
           </a:p>
         </p:txBody>
@@ -6666,7 +6672,7 @@
       </p:grpSpPr>
       <p:sp>
         <p:nvSpPr>
-          <p:cNvPr id="22530" name="Rectangle 2"/>
+          <p:cNvPr id="23554" name="Rectangle 2"/>
           <p:cNvSpPr>
             <a:spLocks noGrp="1" noChangeArrowheads="1"/>
           </p:cNvSpPr>
@@ -6685,13 +6691,13 @@
         </p:spPr>
         <p:txBody>
           <a:bodyPr>
-            <a:normAutofit/>
+            <a:normAutofit fontScale="90000"/>
           </a:bodyPr>
           <a:lstStyle/>
           <a:p>
             <a:r>
               <a:rPr lang="en-US" dirty="0"/>
-              <a:t>What you know already from CS2150</a:t>
+              <a:t>What you know already from all your courses</a:t>
             </a:r>
           </a:p>
         </p:txBody>
@@ -6722,7 +6728,7 @@
       </p:sp>
       <p:sp>
         <p:nvSpPr>
-          <p:cNvPr id="22531" name="Rectangle 3"/>
+          <p:cNvPr id="23555" name="Rectangle 3"/>
           <p:cNvSpPr>
             <a:spLocks noGrp="1" noChangeArrowheads="1"/>
           </p:cNvSpPr>
@@ -6740,28 +6746,14 @@
           <a:p>
             <a:r>
               <a:rPr lang="en-US" dirty="0"/>
-              <a:t>Problems and their solutions:</a:t>
+              <a:t>Examples of Algorithm design methods:</a:t>
             </a:r>
           </a:p>
           <a:p>
             <a:pPr lvl="1"/>
             <a:r>
               <a:rPr lang="en-US" dirty="0"/>
-              <a:t>Linear data structures vs. tree data structures</a:t>
-            </a:r>
-          </a:p>
-          <a:p>
-            <a:pPr lvl="1"/>
-            <a:r>
-              <a:rPr lang="en-US" dirty="0"/>
-              <a:t>Searching: linear/sequential search, binary search (?), hashing</a:t>
-            </a:r>
-          </a:p>
-          <a:p>
-            <a:pPr lvl="1"/>
-            <a:r>
-              <a:rPr lang="en-US" dirty="0"/>
-              <a:t>Sorting:  quicksort, </a:t>
+              <a:t>Divide and Conquer (quicksort, </a:t>
             </a:r>
             <a:r>
               <a:rPr lang="en-US" dirty="0" err="1"/>
@@ -6769,15 +6761,49 @@
             </a:r>
             <a:r>
               <a:rPr lang="en-US" dirty="0"/>
-              <a:t> in CS2110 (?)</a:t>
+              <a:t>)</a:t>
             </a:r>
           </a:p>
           <a:p>
             <a:pPr lvl="1"/>
             <a:r>
               <a:rPr lang="en-US" dirty="0"/>
-              <a:t>Priority Queue ADT and Heap Implementation</a:t>
-            </a:r>
+              <a:t>Greedy (though you didn’t call it this)</a:t>
+            </a:r>
+          </a:p>
+          <a:p>
+            <a:pPr lvl="1"/>
+            <a:r>
+              <a:rPr lang="en-US" dirty="0"/>
+              <a:t>Dynamic programming (</a:t>
+            </a:r>
+            <a:r>
+              <a:rPr lang="en-US" dirty="0" err="1"/>
+              <a:t>fibonacci</a:t>
+            </a:r>
+            <a:r>
+              <a:rPr lang="en-US" dirty="0"/>
+              <a:t> numbers, Floyd-</a:t>
+            </a:r>
+            <a:r>
+              <a:rPr lang="en-US" dirty="0" err="1"/>
+              <a:t>Warshall</a:t>
+            </a:r>
+            <a:r>
+              <a:rPr lang="en-US" dirty="0"/>
+              <a:t>)</a:t>
+            </a:r>
+          </a:p>
+          <a:p>
+            <a:pPr lvl="1"/>
+            <a:r>
+              <a:rPr lang="en-US" dirty="0"/>
+              <a:t>NP-complete (traveling salesperson. Have you seen this?)</a:t>
+            </a:r>
+          </a:p>
+          <a:p>
+            <a:pPr lvl="1"/>
+            <a:endParaRPr lang="en-US" dirty="0"/>
           </a:p>
         </p:txBody>
       </p:sp>
@@ -6808,7 +6834,7 @@
       </p:grpSpPr>
       <p:sp>
         <p:nvSpPr>
-          <p:cNvPr id="23554" name="Rectangle 2"/>
+          <p:cNvPr id="24578" name="Rectangle 2"/>
           <p:cNvSpPr>
             <a:spLocks noGrp="1" noChangeArrowheads="1"/>
           </p:cNvSpPr>
@@ -6819,12 +6845,7 @@
             </p:custDataLst>
           </p:nvPr>
         </p:nvSpPr>
-        <p:spPr>
-          <a:xfrm>
-            <a:off x="457200" y="152400"/>
-            <a:ext cx="8686800" cy="990600"/>
-          </a:xfrm>
-        </p:spPr>
+        <p:spPr/>
         <p:txBody>
           <a:bodyPr>
             <a:normAutofit fontScale="90000"/>
@@ -6832,8 +6853,8 @@
           <a:lstStyle/>
           <a:p>
             <a:r>
-              <a:rPr lang="en-US" dirty="0"/>
-              <a:t>What you know already from all your courses</a:t>
+              <a:rPr lang="en-US"/>
+              <a:t>What you know already from Discrete Math and Theory of Computation…</a:t>
             </a:r>
           </a:p>
         </p:txBody>
@@ -6864,7 +6885,7 @@
       </p:sp>
       <p:sp>
         <p:nvSpPr>
-          <p:cNvPr id="23555" name="Rectangle 3"/>
+          <p:cNvPr id="24579" name="Rectangle 3"/>
           <p:cNvSpPr>
             <a:spLocks noGrp="1" noChangeArrowheads="1"/>
           </p:cNvSpPr>
@@ -6877,64 +6898,89 @@
         </p:nvSpPr>
         <p:spPr/>
         <p:txBody>
-          <a:bodyPr/>
-          <a:lstStyle/>
-          <a:p>
-            <a:r>
-              <a:rPr lang="en-US" dirty="0"/>
-              <a:t>Examples of Algorithm design methods:</a:t>
+          <a:bodyPr>
+            <a:normAutofit fontScale="92500" lnSpcReduction="10000"/>
+          </a:bodyPr>
+          <a:lstStyle/>
+          <a:p>
+            <a:r>
+              <a:rPr lang="en-US" dirty="0"/>
+              <a:t>From CS2102:</a:t>
             </a:r>
           </a:p>
           <a:p>
             <a:pPr lvl="1"/>
             <a:r>
               <a:rPr lang="en-US" dirty="0"/>
-              <a:t>Divide and Conquer (quicksort, </a:t>
+              <a:t>Proofs: induction, contradiction</a:t>
+            </a:r>
+          </a:p>
+          <a:p>
+            <a:pPr lvl="2"/>
+            <a:r>
+              <a:rPr lang="en-US" dirty="0"/>
+              <a:t>If you are uncomfortable with these two, review them NOW!</a:t>
+            </a:r>
+          </a:p>
+          <a:p>
+            <a:pPr lvl="1"/>
+            <a:r>
+              <a:rPr lang="en-US" dirty="0"/>
+              <a:t>Counting, probability, </a:t>
             </a:r>
             <a:r>
               <a:rPr lang="en-US" dirty="0" err="1"/>
-              <a:t>mergesort</a:t>
-            </a:r>
-            <a:r>
-              <a:rPr lang="en-US" dirty="0"/>
-              <a:t>)</a:t>
+              <a:t>combinatorics</a:t>
+            </a:r>
+            <a:r>
+              <a:rPr lang="en-US" dirty="0"/>
+              <a:t>, permutations</a:t>
+            </a:r>
+          </a:p>
+          <a:p>
+            <a:endParaRPr lang="en-US" dirty="0"/>
+          </a:p>
+          <a:p>
+            <a:r>
+              <a:rPr lang="en-US" dirty="0"/>
+              <a:t>From some earlier math class:</a:t>
             </a:r>
           </a:p>
           <a:p>
             <a:pPr lvl="1"/>
             <a:r>
               <a:rPr lang="en-US" dirty="0"/>
-              <a:t>Greedy (though you didn’t call it this)</a:t>
+              <a:t>Exponents, logarithms, limits, differentiation on polynomials and other simple functions</a:t>
+            </a:r>
+          </a:p>
+          <a:p>
+            <a:endParaRPr lang="en-US" dirty="0"/>
+          </a:p>
+          <a:p>
+            <a:r>
+              <a:rPr lang="en-US" dirty="0"/>
+              <a:t>From CS3102 (if you have taken it)</a:t>
             </a:r>
           </a:p>
           <a:p>
             <a:pPr lvl="1"/>
             <a:r>
               <a:rPr lang="en-US" dirty="0"/>
-              <a:t>Dynamic programming (</a:t>
-            </a:r>
-            <a:r>
-              <a:rPr lang="en-US" dirty="0" err="1"/>
-              <a:t>fibonacci</a:t>
-            </a:r>
-            <a:r>
-              <a:rPr lang="en-US" dirty="0"/>
-              <a:t> numbers, Floyd-</a:t>
-            </a:r>
-            <a:r>
-              <a:rPr lang="en-US" dirty="0" err="1"/>
-              <a:t>Warshall</a:t>
-            </a:r>
-            <a:r>
-              <a:rPr lang="en-US" dirty="0"/>
-              <a:t>)</a:t>
+              <a:t>Maturity in mathematics and computing theory</a:t>
             </a:r>
           </a:p>
           <a:p>
             <a:pPr lvl="1"/>
             <a:r>
               <a:rPr lang="en-US" dirty="0"/>
-              <a:t>NP-complete (traveling salesperson. Have you seen this?)</a:t>
+              <a:t>Ability to do proofs</a:t>
+            </a:r>
+          </a:p>
+          <a:p>
+            <a:pPr lvl="1"/>
+            <a:r>
+              <a:rPr lang="en-US" dirty="0"/>
+              <a:t>Abstract models of computation, such as Turing machines</a:t>
             </a:r>
           </a:p>
           <a:p>
@@ -6970,28 +7016,24 @@
       </p:grpSpPr>
       <p:sp>
         <p:nvSpPr>
-          <p:cNvPr id="24578" name="Rectangle 2"/>
-          <p:cNvSpPr>
-            <a:spLocks noGrp="1" noChangeArrowheads="1"/>
+          <p:cNvPr id="2" name="Title 1"/>
+          <p:cNvSpPr>
+            <a:spLocks noGrp="1"/>
           </p:cNvSpPr>
           <p:nvPr>
             <p:ph type="title"/>
-            <p:custDataLst>
-              <p:tags r:id="rId1"/>
-            </p:custDataLst>
-          </p:nvPr>
-        </p:nvSpPr>
-        <p:spPr/>
-        <p:txBody>
-          <a:bodyPr>
-            <a:normAutofit fontScale="90000"/>
-          </a:bodyPr>
+          </p:nvPr>
+        </p:nvSpPr>
+        <p:spPr/>
+        <p:txBody>
+          <a:bodyPr/>
           <a:lstStyle/>
           <a:p>
             <a:r>
               <a:rPr lang="en-US"/>
-              <a:t>What you know already from Discrete Math and Theory of Computation…</a:t>
-            </a:r>
+              <a:t>Questions?  Concerns?  Wrath to vent?</a:t>
+            </a:r>
+            <a:endParaRPr lang="en-US" dirty="0"/>
           </a:p>
         </p:txBody>
       </p:sp>
@@ -7021,107 +7063,20 @@
       </p:sp>
       <p:sp>
         <p:nvSpPr>
-          <p:cNvPr id="24579" name="Rectangle 3"/>
-          <p:cNvSpPr>
-            <a:spLocks noGrp="1" noChangeArrowheads="1"/>
+          <p:cNvPr id="7" name="Content Placeholder 6"/>
+          <p:cNvSpPr>
+            <a:spLocks noGrp="1"/>
           </p:cNvSpPr>
           <p:nvPr>
             <p:ph sz="quarter" idx="1"/>
-            <p:custDataLst>
-              <p:tags r:id="rId2"/>
-            </p:custDataLst>
-          </p:nvPr>
-        </p:nvSpPr>
-        <p:spPr/>
-        <p:txBody>
-          <a:bodyPr>
-            <a:normAutofit fontScale="92500" lnSpcReduction="10000"/>
-          </a:bodyPr>
-          <a:lstStyle/>
-          <a:p>
-            <a:r>
-              <a:rPr lang="en-US" dirty="0"/>
-              <a:t>From CS2102:</a:t>
-            </a:r>
-          </a:p>
-          <a:p>
-            <a:pPr lvl="1"/>
-            <a:r>
-              <a:rPr lang="en-US" dirty="0"/>
-              <a:t>Proofs: induction, contradiction</a:t>
-            </a:r>
-          </a:p>
-          <a:p>
-            <a:pPr lvl="2"/>
-            <a:r>
-              <a:rPr lang="en-US" dirty="0"/>
-              <a:t>If you are uncomfortable with these two, review them NOW!</a:t>
-            </a:r>
-          </a:p>
-          <a:p>
-            <a:pPr lvl="1"/>
-            <a:r>
-              <a:rPr lang="en-US" dirty="0"/>
-              <a:t>Counting, probability, </a:t>
-            </a:r>
-            <a:r>
-              <a:rPr lang="en-US" dirty="0" err="1"/>
-              <a:t>combinatorics</a:t>
-            </a:r>
-            <a:r>
-              <a:rPr lang="en-US" dirty="0"/>
-              <a:t>, permutations</a:t>
-            </a:r>
-          </a:p>
-          <a:p>
-            <a:endParaRPr lang="en-US" dirty="0"/>
-          </a:p>
-          <a:p>
-            <a:r>
-              <a:rPr lang="en-US" dirty="0"/>
-              <a:t>From some earlier math class:</a:t>
-            </a:r>
-          </a:p>
-          <a:p>
-            <a:pPr lvl="1"/>
-            <a:r>
-              <a:rPr lang="en-US" dirty="0"/>
-              <a:t>Exponents, logarithms, limits, differentiation on polynomials and other simple functions</a:t>
-            </a:r>
-          </a:p>
-          <a:p>
-            <a:endParaRPr lang="en-US" dirty="0"/>
-          </a:p>
-          <a:p>
-            <a:r>
-              <a:rPr lang="en-US" dirty="0"/>
-              <a:t>From CS3102 (if you have taken it)</a:t>
-            </a:r>
-          </a:p>
-          <a:p>
-            <a:pPr lvl="1"/>
-            <a:r>
-              <a:rPr lang="en-US" dirty="0"/>
-              <a:t>Maturity in mathematics and computing theory</a:t>
-            </a:r>
-          </a:p>
-          <a:p>
-            <a:pPr lvl="1"/>
-            <a:r>
-              <a:rPr lang="en-US" dirty="0"/>
-              <a:t>Ability to do proofs</a:t>
-            </a:r>
-          </a:p>
-          <a:p>
-            <a:pPr lvl="1"/>
-            <a:r>
-              <a:rPr lang="en-US" dirty="0"/>
-              <a:t>Abstract models of computation, such as Turing machines</a:t>
-            </a:r>
-          </a:p>
-          <a:p>
-            <a:pPr lvl="1"/>
-            <a:endParaRPr lang="en-US" dirty="0"/>
+          </p:nvPr>
+        </p:nvSpPr>
+        <p:spPr/>
+        <p:txBody>
+          <a:bodyPr/>
+          <a:lstStyle/>
+          <a:p>
+            <a:endParaRPr lang="en-US"/>
           </a:p>
         </p:txBody>
       </p:sp>
@@ -7152,7 +7107,7 @@
       </p:grpSpPr>
       <p:sp>
         <p:nvSpPr>
-          <p:cNvPr id="2" name="Title 1"/>
+          <p:cNvPr id="5" name="Title 4"/>
           <p:cNvSpPr>
             <a:spLocks noGrp="1"/>
           </p:cNvSpPr>
@@ -7166,16 +7121,34 @@
           <a:lstStyle/>
           <a:p>
             <a:r>
-              <a:rPr lang="en-US"/>
-              <a:t>Questions?  Concerns?  Wrath to vent?</a:t>
-            </a:r>
-            <a:endParaRPr lang="en-US" dirty="0"/>
-          </a:p>
-        </p:txBody>
-      </p:sp>
-      <p:sp>
-        <p:nvSpPr>
-          <p:cNvPr id="4" name="Slide Number Placeholder 3"/>
+              <a:rPr lang="en-US" dirty="0"/>
+              <a:t>A first algorithm: making change</a:t>
+            </a:r>
+          </a:p>
+        </p:txBody>
+      </p:sp>
+      <p:sp>
+        <p:nvSpPr>
+          <p:cNvPr id="6" name="Text Placeholder 5"/>
+          <p:cNvSpPr>
+            <a:spLocks noGrp="1"/>
+          </p:cNvSpPr>
+          <p:nvPr>
+            <p:ph type="body" idx="1"/>
+          </p:nvPr>
+        </p:nvSpPr>
+        <p:spPr/>
+        <p:txBody>
+          <a:bodyPr/>
+          <a:lstStyle/>
+          <a:p>
+            <a:endParaRPr lang="en-US"/>
+          </a:p>
+        </p:txBody>
+      </p:sp>
+      <p:sp>
+        <p:nvSpPr>
+          <p:cNvPr id="3" name="Slide Number Placeholder 2"/>
           <p:cNvSpPr>
             <a:spLocks noGrp="1"/>
           </p:cNvSpPr>
@@ -7193,25 +7166,6 @@
               <a:pPr/>
               <a:t>23</a:t>
             </a:fld>
-            <a:endParaRPr lang="en-US"/>
-          </a:p>
-        </p:txBody>
-      </p:sp>
-      <p:sp>
-        <p:nvSpPr>
-          <p:cNvPr id="7" name="Content Placeholder 6"/>
-          <p:cNvSpPr>
-            <a:spLocks noGrp="1"/>
-          </p:cNvSpPr>
-          <p:nvPr>
-            <p:ph sz="quarter" idx="1"/>
-          </p:nvPr>
-        </p:nvSpPr>
-        <p:spPr/>
-        <p:txBody>
-          <a:bodyPr/>
-          <a:lstStyle/>
-          <a:p>
             <a:endParaRPr lang="en-US"/>
           </a:p>
         </p:txBody>
@@ -7243,48 +7197,32 @@
       </p:grpSpPr>
       <p:sp>
         <p:nvSpPr>
-          <p:cNvPr id="5" name="Title 4"/>
-          <p:cNvSpPr>
-            <a:spLocks noGrp="1"/>
+          <p:cNvPr id="30722" name="Rectangle 2"/>
+          <p:cNvSpPr>
+            <a:spLocks noGrp="1" noChangeArrowheads="1"/>
           </p:cNvSpPr>
           <p:nvPr>
             <p:ph type="title"/>
-          </p:nvPr>
-        </p:nvSpPr>
-        <p:spPr/>
-        <p:txBody>
-          <a:bodyPr/>
-          <a:lstStyle/>
-          <a:p>
-            <a:r>
-              <a:rPr lang="en-US" dirty="0"/>
-              <a:t>A first algorithm: making change</a:t>
-            </a:r>
-          </a:p>
-        </p:txBody>
-      </p:sp>
-      <p:sp>
-        <p:nvSpPr>
-          <p:cNvPr id="6" name="Text Placeholder 5"/>
-          <p:cNvSpPr>
-            <a:spLocks noGrp="1"/>
-          </p:cNvSpPr>
-          <p:nvPr>
-            <p:ph type="body" idx="1"/>
-          </p:nvPr>
-        </p:nvSpPr>
-        <p:spPr/>
-        <p:txBody>
-          <a:bodyPr/>
-          <a:lstStyle/>
-          <a:p>
-            <a:endParaRPr lang="en-US"/>
-          </a:p>
-        </p:txBody>
-      </p:sp>
-      <p:sp>
-        <p:nvSpPr>
-          <p:cNvPr id="3" name="Slide Number Placeholder 2"/>
+            <p:custDataLst>
+              <p:tags r:id="rId1"/>
+            </p:custDataLst>
+          </p:nvPr>
+        </p:nvSpPr>
+        <p:spPr/>
+        <p:txBody>
+          <a:bodyPr/>
+          <a:lstStyle/>
+          <a:p>
+            <a:r>
+              <a:rPr lang="en-US"/>
+              <a:t>OK… But What’s It Really All About?</a:t>
+            </a:r>
+          </a:p>
+        </p:txBody>
+      </p:sp>
+      <p:sp>
+        <p:nvSpPr>
+          <p:cNvPr id="4" name="Slide Number Placeholder 3"/>
           <p:cNvSpPr>
             <a:spLocks noGrp="1"/>
           </p:cNvSpPr>
@@ -7303,6 +7241,93 @@
               <a:t>24</a:t>
             </a:fld>
             <a:endParaRPr lang="en-US"/>
+          </a:p>
+        </p:txBody>
+      </p:sp>
+      <p:sp>
+        <p:nvSpPr>
+          <p:cNvPr id="30723" name="Rectangle 3"/>
+          <p:cNvSpPr>
+            <a:spLocks noGrp="1" noChangeArrowheads="1"/>
+          </p:cNvSpPr>
+          <p:nvPr>
+            <p:ph sz="quarter" idx="1"/>
+            <p:custDataLst>
+              <p:tags r:id="rId2"/>
+            </p:custDataLst>
+          </p:nvPr>
+        </p:nvSpPr>
+        <p:spPr/>
+        <p:txBody>
+          <a:bodyPr/>
+          <a:lstStyle/>
+          <a:p>
+            <a:r>
+              <a:rPr lang="en-US"/>
+              <a:t>Let’s illustrate some ideas you’ll see throughout the course</a:t>
+            </a:r>
+          </a:p>
+          <a:p>
+            <a:pPr lvl="1"/>
+            <a:r>
+              <a:rPr lang="en-US"/>
+              <a:t>Using one example</a:t>
+            </a:r>
+          </a:p>
+          <a:p>
+            <a:r>
+              <a:rPr lang="en-US"/>
+              <a:t>Concepts:</a:t>
+            </a:r>
+          </a:p>
+          <a:p>
+            <a:pPr lvl="1"/>
+            <a:r>
+              <a:rPr lang="en-US"/>
+              <a:t>Describing an algorithm</a:t>
+            </a:r>
+          </a:p>
+          <a:p>
+            <a:pPr lvl="1"/>
+            <a:r>
+              <a:rPr lang="en-US"/>
+              <a:t>Measuring algorithm efficiency</a:t>
+            </a:r>
+          </a:p>
+          <a:p>
+            <a:pPr lvl="1"/>
+            <a:r>
+              <a:rPr lang="en-US"/>
+              <a:t>Families or types of problems</a:t>
+            </a:r>
+          </a:p>
+          <a:p>
+            <a:pPr lvl="1"/>
+            <a:r>
+              <a:rPr lang="en-US"/>
+              <a:t>Algorithm design strategies</a:t>
+            </a:r>
+          </a:p>
+          <a:p>
+            <a:pPr lvl="2"/>
+            <a:r>
+              <a:rPr lang="en-US"/>
+              <a:t>Alternative strategies</a:t>
+            </a:r>
+          </a:p>
+          <a:p>
+            <a:pPr lvl="1"/>
+            <a:r>
+              <a:rPr lang="en-US"/>
+              <a:t>Lower bounds and optimal algorithms</a:t>
+            </a:r>
+          </a:p>
+          <a:p>
+            <a:pPr lvl="1"/>
+            <a:r>
+              <a:rPr lang="en-US"/>
+              <a:t>Problems that seem very hard</a:t>
+            </a:r>
           </a:p>
         </p:txBody>
       </p:sp>
@@ -7315,6 +7340,134 @@
 </file>
 
 <file path=ppt/slides/slide25.xml><?xml version="1.0" encoding="utf-8"?>
+<p:sld xmlns:a="http://schemas.openxmlformats.org/drawingml/2006/main" xmlns:r="http://schemas.openxmlformats.org/officeDocument/2006/relationships" xmlns:p="http://schemas.openxmlformats.org/presentationml/2006/main" showMasterPhAnim="0">
+  <p:cSld>
+    <p:spTree>
+      <p:nvGrpSpPr>
+        <p:cNvPr id="1" name=""/>
+        <p:cNvGrpSpPr/>
+        <p:nvPr/>
+      </p:nvGrpSpPr>
+      <p:grpSpPr>
+        <a:xfrm>
+          <a:off x="0" y="0"/>
+          <a:ext cx="0" cy="0"/>
+          <a:chOff x="0" y="0"/>
+          <a:chExt cx="0" cy="0"/>
+        </a:xfrm>
+      </p:grpSpPr>
+      <p:sp>
+        <p:nvSpPr>
+          <p:cNvPr id="31746" name="Rectangle 2"/>
+          <p:cNvSpPr>
+            <a:spLocks noGrp="1" noChangeArrowheads="1"/>
+          </p:cNvSpPr>
+          <p:nvPr>
+            <p:ph type="title"/>
+            <p:custDataLst>
+              <p:tags r:id="rId1"/>
+            </p:custDataLst>
+          </p:nvPr>
+        </p:nvSpPr>
+        <p:spPr/>
+        <p:txBody>
+          <a:bodyPr>
+            <a:normAutofit fontScale="90000"/>
+          </a:bodyPr>
+          <a:lstStyle/>
+          <a:p>
+            <a:r>
+              <a:rPr lang="en-US"/>
+              <a:t>Everyone Already Knows Many Algorithms! </a:t>
+            </a:r>
+          </a:p>
+        </p:txBody>
+      </p:sp>
+      <p:sp>
+        <p:nvSpPr>
+          <p:cNvPr id="4" name="Slide Number Placeholder 3"/>
+          <p:cNvSpPr>
+            <a:spLocks noGrp="1"/>
+          </p:cNvSpPr>
+          <p:nvPr>
+            <p:ph type="sldNum" sz="quarter" idx="12"/>
+          </p:nvPr>
+        </p:nvSpPr>
+        <p:spPr/>
+        <p:txBody>
+          <a:bodyPr/>
+          <a:lstStyle/>
+          <a:p>
+            <a:fld id="{F26D9103-0C5C-48AC-B68E-3ED2C1647047}" type="slidenum">
+              <a:rPr lang="en-US" smtClean="0"/>
+              <a:pPr/>
+              <a:t>25</a:t>
+            </a:fld>
+            <a:endParaRPr lang="en-US"/>
+          </a:p>
+        </p:txBody>
+      </p:sp>
+      <p:sp>
+        <p:nvSpPr>
+          <p:cNvPr id="316419" name="Rectangle 3"/>
+          <p:cNvSpPr>
+            <a:spLocks noGrp="1" noChangeArrowheads="1"/>
+          </p:cNvSpPr>
+          <p:nvPr>
+            <p:ph sz="quarter" idx="1"/>
+            <p:custDataLst>
+              <p:tags r:id="rId2"/>
+            </p:custDataLst>
+          </p:nvPr>
+        </p:nvSpPr>
+        <p:spPr/>
+        <p:txBody>
+          <a:bodyPr/>
+          <a:lstStyle/>
+          <a:p>
+            <a:r>
+              <a:rPr lang="en-US"/>
+              <a:t>Worked retail? You know how to make change!</a:t>
+            </a:r>
+          </a:p>
+          <a:p>
+            <a:r>
+              <a:rPr lang="en-US"/>
+              <a:t>Example:</a:t>
+            </a:r>
+          </a:p>
+          <a:p>
+            <a:pPr lvl="1"/>
+            <a:r>
+              <a:rPr lang="en-US"/>
+              <a:t>My item costs $4.37.  I give you a five dollar bill.  What do you give me in change?</a:t>
+            </a:r>
+          </a:p>
+          <a:p>
+            <a:pPr lvl="1"/>
+            <a:r>
+              <a:rPr lang="en-US"/>
+              <a:t>Answer: two quarters, a dime, three pennies</a:t>
+            </a:r>
+          </a:p>
+          <a:p>
+            <a:pPr lvl="1"/>
+            <a:r>
+              <a:rPr lang="en-US"/>
+              <a:t>Why? How do we figure that out?</a:t>
+            </a:r>
+          </a:p>
+        </p:txBody>
+      </p:sp>
+    </p:spTree>
+  </p:cSld>
+  <p:clrMapOvr>
+    <a:masterClrMapping/>
+  </p:clrMapOvr>
+</p:sld>
+</file>
+
+<file path=ppt/slides/slide26.xml><?xml version="1.0" encoding="utf-8"?>
 <p:sld xmlns:a="http://schemas.openxmlformats.org/drawingml/2006/main" xmlns:r="http://schemas.openxmlformats.org/officeDocument/2006/relationships" xmlns:p="http://schemas.openxmlformats.org/presentationml/2006/main">
   <p:cSld>
     <p:spTree>
@@ -7333,7 +7486,7 @@
       </p:grpSpPr>
       <p:sp>
         <p:nvSpPr>
-          <p:cNvPr id="30722" name="Rectangle 2"/>
+          <p:cNvPr id="32770" name="Rectangle 2"/>
           <p:cNvSpPr>
             <a:spLocks noGrp="1" noChangeArrowheads="1"/>
           </p:cNvSpPr>
@@ -7351,7 +7504,7 @@
           <a:p>
             <a:r>
               <a:rPr lang="en-US"/>
-              <a:t>OK… But What’s It Really All About?</a:t>
+              <a:t>Making Change</a:t>
             </a:r>
           </a:p>
         </p:txBody>
@@ -7374,7 +7527,7 @@
             <a:fld id="{F26D9103-0C5C-48AC-B68E-3ED2C1647047}" type="slidenum">
               <a:rPr lang="en-US" smtClean="0"/>
               <a:pPr/>
-              <a:t>25</a:t>
+              <a:t>26</a:t>
             </a:fld>
             <a:endParaRPr lang="en-US"/>
           </a:p>
@@ -7382,7 +7535,7 @@
       </p:sp>
       <p:sp>
         <p:nvSpPr>
-          <p:cNvPr id="30723" name="Rectangle 3"/>
+          <p:cNvPr id="32771" name="Rectangle 3"/>
           <p:cNvSpPr>
             <a:spLocks noGrp="1" noChangeArrowheads="1"/>
           </p:cNvSpPr>
@@ -7395,74 +7548,76 @@
         </p:nvSpPr>
         <p:spPr/>
         <p:txBody>
-          <a:bodyPr/>
+          <a:bodyPr>
+            <a:normAutofit lnSpcReduction="10000"/>
+          </a:bodyPr>
           <a:lstStyle/>
           <a:p>
             <a:r>
               <a:rPr lang="en-US"/>
-              <a:t>Let’s illustrate some ideas you’ll see throughout the course</a:t>
+              <a:t>The problem: </a:t>
             </a:r>
           </a:p>
           <a:p>
             <a:pPr lvl="1"/>
             <a:r>
               <a:rPr lang="en-US"/>
-              <a:t>Using one example</a:t>
-            </a:r>
-          </a:p>
-          <a:p>
+              <a:t>Give back the right amount of change, and…</a:t>
+            </a:r>
+          </a:p>
+          <a:p>
+            <a:pPr lvl="1"/>
             <a:r>
               <a:rPr lang="en-US"/>
-              <a:t>Concepts:</a:t>
+              <a:t>Return the fewest number of coins!</a:t>
+            </a:r>
+          </a:p>
+          <a:p>
+            <a:r>
+              <a:rPr lang="en-US"/>
+              <a:t>Inputs: the dollar-amount to return</a:t>
             </a:r>
           </a:p>
           <a:p>
             <a:pPr lvl="1"/>
             <a:r>
               <a:rPr lang="en-US"/>
-              <a:t>Describing an algorithm</a:t>
+              <a:t>Also, the set of possible coins. (Do we have half-dollars?  That affects the answer we give.)</a:t>
+            </a:r>
+          </a:p>
+          <a:p>
+            <a:r>
+              <a:rPr lang="en-US"/>
+              <a:t>Output: a set of coins</a:t>
+            </a:r>
+          </a:p>
+          <a:p>
+            <a:endParaRPr lang="en-US"/>
+          </a:p>
+          <a:p>
+            <a:r>
+              <a:rPr lang="en-US"/>
+              <a:t>Note this problem statement is simply a transformation</a:t>
             </a:r>
           </a:p>
           <a:p>
             <a:pPr lvl="1"/>
             <a:r>
               <a:rPr lang="en-US"/>
-              <a:t>Measuring algorithm efficiency</a:t>
+              <a:t>Given input, generate output with certain properties</a:t>
             </a:r>
           </a:p>
           <a:p>
             <a:pPr lvl="1"/>
             <a:r>
               <a:rPr lang="en-US"/>
-              <a:t>Families or types of problems</a:t>
-            </a:r>
-          </a:p>
-          <a:p>
-            <a:pPr lvl="1"/>
+              <a:t>No statement about how to do it.</a:t>
+            </a:r>
+          </a:p>
+          <a:p>
             <a:r>
               <a:rPr lang="en-US"/>
-              <a:t>Algorithm design strategies</a:t>
-            </a:r>
-          </a:p>
-          <a:p>
-            <a:pPr lvl="2"/>
-            <a:r>
-              <a:rPr lang="en-US"/>
-              <a:t>Alternative strategies</a:t>
-            </a:r>
-          </a:p>
-          <a:p>
-            <a:pPr lvl="1"/>
-            <a:r>
-              <a:rPr lang="en-US"/>
-              <a:t>Lower bounds and optimal algorithms</a:t>
-            </a:r>
-          </a:p>
-          <a:p>
-            <a:pPr lvl="1"/>
-            <a:r>
-              <a:rPr lang="en-US"/>
-              <a:t>Problems that seem very hard</a:t>
+              <a:t>Can you describe the algorithm you use?</a:t>
             </a:r>
           </a:p>
         </p:txBody>
@@ -7475,7 +7630,7 @@
 </p:sld>
 </file>
 
-<file path=ppt/slides/slide26.xml><?xml version="1.0" encoding="utf-8"?>
+<file path=ppt/slides/slide27.xml><?xml version="1.0" encoding="utf-8"?>
 <p:sld xmlns:a="http://schemas.openxmlformats.org/drawingml/2006/main" xmlns:r="http://schemas.openxmlformats.org/officeDocument/2006/relationships" xmlns:p="http://schemas.openxmlformats.org/presentationml/2006/main" showMasterPhAnim="0">
   <p:cSld>
     <p:spTree>
@@ -7494,7 +7649,7 @@
       </p:grpSpPr>
       <p:sp>
         <p:nvSpPr>
-          <p:cNvPr id="31746" name="Rectangle 2"/>
+          <p:cNvPr id="33794" name="Rectangle 2"/>
           <p:cNvSpPr>
             <a:spLocks noGrp="1" noChangeArrowheads="1"/>
           </p:cNvSpPr>
@@ -7507,14 +7662,12 @@
         </p:nvSpPr>
         <p:spPr/>
         <p:txBody>
-          <a:bodyPr>
-            <a:normAutofit fontScale="90000"/>
-          </a:bodyPr>
+          <a:bodyPr/>
           <a:lstStyle/>
           <a:p>
             <a:r>
               <a:rPr lang="en-US"/>
-              <a:t>Everyone Already Knows Many Algorithms! </a:t>
+              <a:t>A Change Algorithm</a:t>
             </a:r>
           </a:p>
         </p:txBody>
@@ -7537,7 +7690,7 @@
             <a:fld id="{F26D9103-0C5C-48AC-B68E-3ED2C1647047}" type="slidenum">
               <a:rPr lang="en-US" smtClean="0"/>
               <a:pPr/>
-              <a:t>26</a:t>
+              <a:t>27</a:t>
             </a:fld>
             <a:endParaRPr lang="en-US"/>
           </a:p>
@@ -7545,7 +7698,7 @@
       </p:sp>
       <p:sp>
         <p:nvSpPr>
-          <p:cNvPr id="316419" name="Rectangle 3"/>
+          <p:cNvPr id="318467" name="Rectangle 3"/>
           <p:cNvSpPr>
             <a:spLocks noGrp="1" noChangeArrowheads="1"/>
           </p:cNvSpPr>
@@ -7561,36 +7714,63 @@
           <a:bodyPr/>
           <a:lstStyle/>
           <a:p>
-            <a:r>
-              <a:rPr lang="en-US"/>
-              <a:t>Worked retail? You know how to make change!</a:t>
-            </a:r>
-          </a:p>
-          <a:p>
-            <a:r>
-              <a:rPr lang="en-US"/>
-              <a:t>Example:</a:t>
-            </a:r>
-          </a:p>
-          <a:p>
-            <a:pPr lvl="1"/>
-            <a:r>
-              <a:rPr lang="en-US"/>
-              <a:t>My item costs $4.37.  I give you a five dollar bill.  What do you give me in change?</a:t>
-            </a:r>
-          </a:p>
-          <a:p>
-            <a:pPr lvl="1"/>
-            <a:r>
-              <a:rPr lang="en-US"/>
-              <a:t>Answer: two quarters, a dime, three pennies</a:t>
-            </a:r>
-          </a:p>
-          <a:p>
-            <a:pPr lvl="1"/>
-            <a:r>
-              <a:rPr lang="en-US"/>
-              <a:t>Why? How do we figure that out?</a:t>
+            <a:pPr marL="514350" indent="-514350">
+              <a:buFont typeface="+mj-lt"/>
+              <a:buAutoNum type="arabicPeriod"/>
+            </a:pPr>
+            <a:r>
+              <a:rPr lang="en-US" dirty="0"/>
+              <a:t>Consider the largest coin</a:t>
+            </a:r>
+          </a:p>
+          <a:p>
+            <a:pPr marL="514350" indent="-514350">
+              <a:buFont typeface="+mj-lt"/>
+              <a:buAutoNum type="arabicPeriod"/>
+            </a:pPr>
+            <a:r>
+              <a:rPr lang="en-US" dirty="0"/>
+              <a:t>How many go into the amount left?</a:t>
+            </a:r>
+          </a:p>
+          <a:p>
+            <a:pPr marL="514350" indent="-514350">
+              <a:buFont typeface="+mj-lt"/>
+              <a:buAutoNum type="arabicPeriod"/>
+            </a:pPr>
+            <a:r>
+              <a:rPr lang="en-US" dirty="0"/>
+              <a:t>Add that many of that coin to the output</a:t>
+            </a:r>
+          </a:p>
+          <a:p>
+            <a:pPr marL="514350" indent="-514350">
+              <a:buFont typeface="+mj-lt"/>
+              <a:buAutoNum type="arabicPeriod"/>
+            </a:pPr>
+            <a:r>
+              <a:rPr lang="en-US" dirty="0"/>
+              <a:t>Subtract the amount for those coins from the amount left to return</a:t>
+            </a:r>
+          </a:p>
+          <a:p>
+            <a:pPr marL="514350" indent="-514350">
+              <a:buFont typeface="+mj-lt"/>
+              <a:buAutoNum type="arabicPeriod"/>
+            </a:pPr>
+            <a:r>
+              <a:rPr lang="en-US" dirty="0"/>
+              <a:t>If the amount left is zero, done!</a:t>
+            </a:r>
+          </a:p>
+          <a:p>
+            <a:pPr marL="514350" indent="-514350">
+              <a:buFont typeface="+mj-lt"/>
+              <a:buAutoNum type="arabicPeriod"/>
+            </a:pPr>
+            <a:r>
+              <a:rPr lang="en-US" dirty="0"/>
+              <a:t>If not, consider next largest coin, and go back to Step 2</a:t>
             </a:r>
           </a:p>
         </p:txBody>
@@ -7603,7 +7783,7 @@
 </p:sld>
 </file>
 
-<file path=ppt/slides/slide27.xml><?xml version="1.0" encoding="utf-8"?>
+<file path=ppt/slides/slide28.xml><?xml version="1.0" encoding="utf-8"?>
 <p:sld xmlns:a="http://schemas.openxmlformats.org/drawingml/2006/main" xmlns:r="http://schemas.openxmlformats.org/officeDocument/2006/relationships" xmlns:p="http://schemas.openxmlformats.org/presentationml/2006/main">
   <p:cSld>
     <p:spTree>
@@ -7622,15 +7802,12 @@
       </p:grpSpPr>
       <p:sp>
         <p:nvSpPr>
-          <p:cNvPr id="32770" name="Rectangle 2"/>
+          <p:cNvPr id="34818" name="Rectangle 2"/>
           <p:cNvSpPr>
             <a:spLocks noGrp="1" noChangeArrowheads="1"/>
           </p:cNvSpPr>
           <p:nvPr>
             <p:ph type="title"/>
-            <p:custDataLst>
-              <p:tags r:id="rId1"/>
-            </p:custDataLst>
           </p:nvPr>
         </p:nvSpPr>
         <p:spPr/>
@@ -7640,170 +7817,7 @@
           <a:p>
             <a:r>
               <a:rPr lang="en-US"/>
-              <a:t>Making Change</a:t>
-            </a:r>
-          </a:p>
-        </p:txBody>
-      </p:sp>
-      <p:sp>
-        <p:nvSpPr>
-          <p:cNvPr id="4" name="Slide Number Placeholder 3"/>
-          <p:cNvSpPr>
-            <a:spLocks noGrp="1"/>
-          </p:cNvSpPr>
-          <p:nvPr>
-            <p:ph type="sldNum" sz="quarter" idx="12"/>
-          </p:nvPr>
-        </p:nvSpPr>
-        <p:spPr/>
-        <p:txBody>
-          <a:bodyPr/>
-          <a:lstStyle/>
-          <a:p>
-            <a:fld id="{F26D9103-0C5C-48AC-B68E-3ED2C1647047}" type="slidenum">
-              <a:rPr lang="en-US" smtClean="0"/>
-              <a:pPr/>
-              <a:t>27</a:t>
-            </a:fld>
-            <a:endParaRPr lang="en-US"/>
-          </a:p>
-        </p:txBody>
-      </p:sp>
-      <p:sp>
-        <p:nvSpPr>
-          <p:cNvPr id="32771" name="Rectangle 3"/>
-          <p:cNvSpPr>
-            <a:spLocks noGrp="1" noChangeArrowheads="1"/>
-          </p:cNvSpPr>
-          <p:nvPr>
-            <p:ph sz="quarter" idx="1"/>
-            <p:custDataLst>
-              <p:tags r:id="rId2"/>
-            </p:custDataLst>
-          </p:nvPr>
-        </p:nvSpPr>
-        <p:spPr/>
-        <p:txBody>
-          <a:bodyPr>
-            <a:normAutofit lnSpcReduction="10000"/>
-          </a:bodyPr>
-          <a:lstStyle/>
-          <a:p>
-            <a:r>
-              <a:rPr lang="en-US"/>
-              <a:t>The problem: </a:t>
-            </a:r>
-          </a:p>
-          <a:p>
-            <a:pPr lvl="1"/>
-            <a:r>
-              <a:rPr lang="en-US"/>
-              <a:t>Give back the right amount of change, and…</a:t>
-            </a:r>
-          </a:p>
-          <a:p>
-            <a:pPr lvl="1"/>
-            <a:r>
-              <a:rPr lang="en-US"/>
-              <a:t>Return the fewest number of coins!</a:t>
-            </a:r>
-          </a:p>
-          <a:p>
-            <a:r>
-              <a:rPr lang="en-US"/>
-              <a:t>Inputs: the dollar-amount to return</a:t>
-            </a:r>
-          </a:p>
-          <a:p>
-            <a:pPr lvl="1"/>
-            <a:r>
-              <a:rPr lang="en-US"/>
-              <a:t>Also, the set of possible coins. (Do we have half-dollars?  That affects the answer we give.)</a:t>
-            </a:r>
-          </a:p>
-          <a:p>
-            <a:r>
-              <a:rPr lang="en-US"/>
-              <a:t>Output: a set of coins</a:t>
-            </a:r>
-          </a:p>
-          <a:p>
-            <a:endParaRPr lang="en-US"/>
-          </a:p>
-          <a:p>
-            <a:r>
-              <a:rPr lang="en-US"/>
-              <a:t>Note this problem statement is simply a transformation</a:t>
-            </a:r>
-          </a:p>
-          <a:p>
-            <a:pPr lvl="1"/>
-            <a:r>
-              <a:rPr lang="en-US"/>
-              <a:t>Given input, generate output with certain properties</a:t>
-            </a:r>
-          </a:p>
-          <a:p>
-            <a:pPr lvl="1"/>
-            <a:r>
-              <a:rPr lang="en-US"/>
-              <a:t>No statement about how to do it.</a:t>
-            </a:r>
-          </a:p>
-          <a:p>
-            <a:r>
-              <a:rPr lang="en-US"/>
-              <a:t>Can you describe the algorithm you use?</a:t>
-            </a:r>
-          </a:p>
-        </p:txBody>
-      </p:sp>
-    </p:spTree>
-  </p:cSld>
-  <p:clrMapOvr>
-    <a:masterClrMapping/>
-  </p:clrMapOvr>
-</p:sld>
-</file>
-
-<file path=ppt/slides/slide28.xml><?xml version="1.0" encoding="utf-8"?>
-<p:sld xmlns:a="http://schemas.openxmlformats.org/drawingml/2006/main" xmlns:r="http://schemas.openxmlformats.org/officeDocument/2006/relationships" xmlns:p="http://schemas.openxmlformats.org/presentationml/2006/main" showMasterPhAnim="0">
-  <p:cSld>
-    <p:spTree>
-      <p:nvGrpSpPr>
-        <p:cNvPr id="1" name=""/>
-        <p:cNvGrpSpPr/>
-        <p:nvPr/>
-      </p:nvGrpSpPr>
-      <p:grpSpPr>
-        <a:xfrm>
-          <a:off x="0" y="0"/>
-          <a:ext cx="0" cy="0"/>
-          <a:chOff x="0" y="0"/>
-          <a:chExt cx="0" cy="0"/>
-        </a:xfrm>
-      </p:grpSpPr>
-      <p:sp>
-        <p:nvSpPr>
-          <p:cNvPr id="33794" name="Rectangle 2"/>
-          <p:cNvSpPr>
-            <a:spLocks noGrp="1" noChangeArrowheads="1"/>
-          </p:cNvSpPr>
-          <p:nvPr>
-            <p:ph type="title"/>
-            <p:custDataLst>
-              <p:tags r:id="rId1"/>
-            </p:custDataLst>
-          </p:nvPr>
-        </p:nvSpPr>
-        <p:spPr/>
-        <p:txBody>
-          <a:bodyPr/>
-          <a:lstStyle/>
-          <a:p>
-            <a:r>
-              <a:rPr lang="en-US"/>
-              <a:t>A Change Algorithm</a:t>
+              <a:t>Is this a “good” algorithm?</a:t>
             </a:r>
           </a:p>
         </p:txBody>
@@ -7827,156 +7841,6 @@
               <a:rPr lang="en-US" smtClean="0"/>
               <a:pPr/>
               <a:t>28</a:t>
-            </a:fld>
-            <a:endParaRPr lang="en-US"/>
-          </a:p>
-        </p:txBody>
-      </p:sp>
-      <p:sp>
-        <p:nvSpPr>
-          <p:cNvPr id="318467" name="Rectangle 3"/>
-          <p:cNvSpPr>
-            <a:spLocks noGrp="1" noChangeArrowheads="1"/>
-          </p:cNvSpPr>
-          <p:nvPr>
-            <p:ph sz="quarter" idx="1"/>
-            <p:custDataLst>
-              <p:tags r:id="rId2"/>
-            </p:custDataLst>
-          </p:nvPr>
-        </p:nvSpPr>
-        <p:spPr/>
-        <p:txBody>
-          <a:bodyPr/>
-          <a:lstStyle/>
-          <a:p>
-            <a:pPr marL="514350" indent="-514350">
-              <a:buFont typeface="+mj-lt"/>
-              <a:buAutoNum type="arabicPeriod"/>
-            </a:pPr>
-            <a:r>
-              <a:rPr lang="en-US" dirty="0"/>
-              <a:t>Consider the largest coin</a:t>
-            </a:r>
-          </a:p>
-          <a:p>
-            <a:pPr marL="514350" indent="-514350">
-              <a:buFont typeface="+mj-lt"/>
-              <a:buAutoNum type="arabicPeriod"/>
-            </a:pPr>
-            <a:r>
-              <a:rPr lang="en-US" dirty="0"/>
-              <a:t>How many go into the amount left?</a:t>
-            </a:r>
-          </a:p>
-          <a:p>
-            <a:pPr marL="514350" indent="-514350">
-              <a:buFont typeface="+mj-lt"/>
-              <a:buAutoNum type="arabicPeriod"/>
-            </a:pPr>
-            <a:r>
-              <a:rPr lang="en-US" dirty="0"/>
-              <a:t>Add that many of that coin to the output</a:t>
-            </a:r>
-          </a:p>
-          <a:p>
-            <a:pPr marL="514350" indent="-514350">
-              <a:buFont typeface="+mj-lt"/>
-              <a:buAutoNum type="arabicPeriod"/>
-            </a:pPr>
-            <a:r>
-              <a:rPr lang="en-US" dirty="0"/>
-              <a:t>Subtract the amount for those coins from the amount left to return</a:t>
-            </a:r>
-          </a:p>
-          <a:p>
-            <a:pPr marL="514350" indent="-514350">
-              <a:buFont typeface="+mj-lt"/>
-              <a:buAutoNum type="arabicPeriod"/>
-            </a:pPr>
-            <a:r>
-              <a:rPr lang="en-US" dirty="0"/>
-              <a:t>If the amount left is zero, done!</a:t>
-            </a:r>
-          </a:p>
-          <a:p>
-            <a:pPr marL="514350" indent="-514350">
-              <a:buFont typeface="+mj-lt"/>
-              <a:buAutoNum type="arabicPeriod"/>
-            </a:pPr>
-            <a:r>
-              <a:rPr lang="en-US" dirty="0"/>
-              <a:t>If not, consider next largest coin, and go back to Step 2</a:t>
-            </a:r>
-          </a:p>
-        </p:txBody>
-      </p:sp>
-    </p:spTree>
-  </p:cSld>
-  <p:clrMapOvr>
-    <a:masterClrMapping/>
-  </p:clrMapOvr>
-</p:sld>
-</file>
-
-<file path=ppt/slides/slide29.xml><?xml version="1.0" encoding="utf-8"?>
-<p:sld xmlns:a="http://schemas.openxmlformats.org/drawingml/2006/main" xmlns:r="http://schemas.openxmlformats.org/officeDocument/2006/relationships" xmlns:p="http://schemas.openxmlformats.org/presentationml/2006/main">
-  <p:cSld>
-    <p:spTree>
-      <p:nvGrpSpPr>
-        <p:cNvPr id="1" name=""/>
-        <p:cNvGrpSpPr/>
-        <p:nvPr/>
-      </p:nvGrpSpPr>
-      <p:grpSpPr>
-        <a:xfrm>
-          <a:off x="0" y="0"/>
-          <a:ext cx="0" cy="0"/>
-          <a:chOff x="0" y="0"/>
-          <a:chExt cx="0" cy="0"/>
-        </a:xfrm>
-      </p:grpSpPr>
-      <p:sp>
-        <p:nvSpPr>
-          <p:cNvPr id="34818" name="Rectangle 2"/>
-          <p:cNvSpPr>
-            <a:spLocks noGrp="1" noChangeArrowheads="1"/>
-          </p:cNvSpPr>
-          <p:nvPr>
-            <p:ph type="title"/>
-          </p:nvPr>
-        </p:nvSpPr>
-        <p:spPr/>
-        <p:txBody>
-          <a:bodyPr/>
-          <a:lstStyle/>
-          <a:p>
-            <a:r>
-              <a:rPr lang="en-US"/>
-              <a:t>Is this a “good” algorithm?</a:t>
-            </a:r>
-          </a:p>
-        </p:txBody>
-      </p:sp>
-      <p:sp>
-        <p:nvSpPr>
-          <p:cNvPr id="4" name="Slide Number Placeholder 3"/>
-          <p:cNvSpPr>
-            <a:spLocks noGrp="1"/>
-          </p:cNvSpPr>
-          <p:nvPr>
-            <p:ph type="sldNum" sz="quarter" idx="12"/>
-          </p:nvPr>
-        </p:nvSpPr>
-        <p:spPr/>
-        <p:txBody>
-          <a:bodyPr/>
-          <a:lstStyle/>
-          <a:p>
-            <a:fld id="{F26D9103-0C5C-48AC-B68E-3ED2C1647047}" type="slidenum">
-              <a:rPr lang="en-US" smtClean="0"/>
-              <a:pPr/>
-              <a:t>29</a:t>
             </a:fld>
             <a:endParaRPr lang="en-US"/>
           </a:p>
@@ -8248,7 +8112,7 @@
 </p:sld>
 </file>
 
-<file path=ppt/slides/slide3.xml><?xml version="1.0" encoding="utf-8"?>
+<file path=ppt/slides/slide29.xml><?xml version="1.0" encoding="utf-8"?>
 <p:sld xmlns:a="http://schemas.openxmlformats.org/drawingml/2006/main" xmlns:r="http://schemas.openxmlformats.org/officeDocument/2006/relationships" xmlns:p="http://schemas.openxmlformats.org/presentationml/2006/main">
   <p:cSld>
     <p:spTree>
@@ -8267,147 +8131,22 @@
       </p:grpSpPr>
       <p:sp>
         <p:nvSpPr>
-          <p:cNvPr id="6146" name="Rectangle 2"/>
+          <p:cNvPr id="35842" name="Rectangle 2"/>
           <p:cNvSpPr>
             <a:spLocks noGrp="1" noChangeArrowheads="1"/>
           </p:cNvSpPr>
           <p:nvPr>
             <p:ph type="title"/>
-            <p:custDataLst>
-              <p:tags r:id="rId1"/>
-            </p:custDataLst>
-          </p:nvPr>
-        </p:nvSpPr>
-        <p:spPr/>
-        <p:txBody>
-          <a:bodyPr/>
-          <a:lstStyle/>
-          <a:p>
-            <a:r>
-              <a:rPr lang="en-US" dirty="0"/>
-              <a:t>General Info</a:t>
-            </a:r>
-          </a:p>
-        </p:txBody>
-      </p:sp>
-      <p:sp>
-        <p:nvSpPr>
-          <p:cNvPr id="6147" name="Rectangle 3"/>
-          <p:cNvSpPr>
-            <a:spLocks noGrp="1" noChangeArrowheads="1"/>
-          </p:cNvSpPr>
-          <p:nvPr>
-            <p:ph sz="quarter" idx="1"/>
-            <p:custDataLst>
-              <p:tags r:id="rId2"/>
-            </p:custDataLst>
-          </p:nvPr>
-        </p:nvSpPr>
-        <p:spPr>
-          <a:xfrm>
-            <a:off x="381000" y="1371600"/>
-            <a:ext cx="8255000" cy="4800600"/>
-          </a:xfrm>
-        </p:spPr>
-        <p:txBody>
-          <a:bodyPr>
-            <a:normAutofit fontScale="85000" lnSpcReduction="20000"/>
-          </a:bodyPr>
-          <a:lstStyle/>
-          <a:p>
-            <a:r>
-              <a:rPr lang="en-US" dirty="0"/>
-              <a:t>See syllabus on course website for general information</a:t>
-            </a:r>
-          </a:p>
-          <a:p>
-            <a:r>
-              <a:rPr lang="en-US" dirty="0"/>
-              <a:t>Pre-requisites:</a:t>
-            </a:r>
-          </a:p>
-          <a:p>
-            <a:pPr lvl="1"/>
-            <a:r>
-              <a:rPr lang="en-US" dirty="0"/>
-              <a:t>CS2150 (with C- or better)</a:t>
-            </a:r>
-          </a:p>
-          <a:p>
-            <a:pPr lvl="1"/>
-            <a:r>
-              <a:rPr lang="en-US" dirty="0"/>
-              <a:t>Math topics: proof by induction, proof by contradiction, exponents, logarithms, limits, simple differentiations (covered in APMA 1090 or MATH 1210 or MATH 1310)</a:t>
-            </a:r>
-          </a:p>
-          <a:p>
-            <a:r>
-              <a:rPr lang="en-US" dirty="0"/>
-              <a:t>Teaching Assistants</a:t>
-            </a:r>
-          </a:p>
-          <a:p>
-            <a:pPr lvl="1"/>
-            <a:r>
-              <a:rPr lang="en-US" dirty="0"/>
-              <a:t>Graduates (?):</a:t>
-            </a:r>
-          </a:p>
-          <a:p>
-            <a:pPr lvl="2"/>
-            <a:r>
-              <a:rPr lang="en-US" dirty="0"/>
-              <a:t>TBD: Will likely have one graduate student</a:t>
-            </a:r>
-          </a:p>
-          <a:p>
-            <a:pPr lvl="1"/>
-            <a:r>
-              <a:rPr lang="en-US" dirty="0"/>
-              <a:t>Undergraduates (~20)</a:t>
-            </a:r>
-          </a:p>
-          <a:p>
-            <a:pPr lvl="2"/>
-            <a:r>
-              <a:rPr lang="en-US" dirty="0"/>
-              <a:t>We should have plenty of undergraduate support!</a:t>
-            </a:r>
-          </a:p>
-          <a:p>
-            <a:pPr lvl="1"/>
-            <a:r>
-              <a:rPr lang="en-US" dirty="0"/>
-              <a:t>Both will hold office hours, which will start next week</a:t>
-            </a:r>
-          </a:p>
-          <a:p>
-            <a:pPr lvl="2"/>
-            <a:r>
-              <a:rPr lang="en-US" dirty="0"/>
-              <a:t>Locations and hours TBA</a:t>
-            </a:r>
-          </a:p>
-          <a:p>
-            <a:pPr lvl="1"/>
-            <a:r>
-              <a:rPr lang="en-US" dirty="0"/>
-              <a:t>Also, we’ll use Piazza for questions</a:t>
-            </a:r>
-          </a:p>
-          <a:p>
-            <a:pPr lvl="2"/>
-            <a:r>
-              <a:rPr lang="en-US" dirty="0"/>
-              <a:t>Post all questions about HW, topics, </a:t>
-            </a:r>
-            <a:r>
-              <a:rPr lang="en-US" dirty="0" err="1"/>
-              <a:t>etc</a:t>
-            </a:r>
-            <a:r>
-              <a:rPr lang="en-US" dirty="0"/>
-              <a:t> to Piazza NOT email to instructors!</a:t>
+          </p:nvPr>
+        </p:nvSpPr>
+        <p:spPr/>
+        <p:txBody>
+          <a:bodyPr/>
+          <a:lstStyle/>
+          <a:p>
+            <a:r>
+              <a:rPr lang="en-US"/>
+              <a:t>Evaluating Our Greedy Algorithm</a:t>
             </a:r>
           </a:p>
         </p:txBody>
@@ -8430,78 +8169,7 @@
             <a:fld id="{F26D9103-0C5C-48AC-B68E-3ED2C1647047}" type="slidenum">
               <a:rPr lang="en-US" smtClean="0"/>
               <a:pPr/>
-              <a:t>3</a:t>
-            </a:fld>
-            <a:endParaRPr lang="en-US" dirty="0"/>
-          </a:p>
-        </p:txBody>
-      </p:sp>
-    </p:spTree>
-  </p:cSld>
-  <p:clrMapOvr>
-    <a:masterClrMapping/>
-  </p:clrMapOvr>
-</p:sld>
-</file>
-
-<file path=ppt/slides/slide30.xml><?xml version="1.0" encoding="utf-8"?>
-<p:sld xmlns:a="http://schemas.openxmlformats.org/drawingml/2006/main" xmlns:r="http://schemas.openxmlformats.org/officeDocument/2006/relationships" xmlns:p="http://schemas.openxmlformats.org/presentationml/2006/main">
-  <p:cSld>
-    <p:spTree>
-      <p:nvGrpSpPr>
-        <p:cNvPr id="1" name=""/>
-        <p:cNvGrpSpPr/>
-        <p:nvPr/>
-      </p:nvGrpSpPr>
-      <p:grpSpPr>
-        <a:xfrm>
-          <a:off x="0" y="0"/>
-          <a:ext cx="0" cy="0"/>
-          <a:chOff x="0" y="0"/>
-          <a:chExt cx="0" cy="0"/>
-        </a:xfrm>
-      </p:grpSpPr>
-      <p:sp>
-        <p:nvSpPr>
-          <p:cNvPr id="35842" name="Rectangle 2"/>
-          <p:cNvSpPr>
-            <a:spLocks noGrp="1" noChangeArrowheads="1"/>
-          </p:cNvSpPr>
-          <p:nvPr>
-            <p:ph type="title"/>
-          </p:nvPr>
-        </p:nvSpPr>
-        <p:spPr/>
-        <p:txBody>
-          <a:bodyPr/>
-          <a:lstStyle/>
-          <a:p>
-            <a:r>
-              <a:rPr lang="en-US"/>
-              <a:t>Evaluating Our Greedy Algorithm</a:t>
-            </a:r>
-          </a:p>
-        </p:txBody>
-      </p:sp>
-      <p:sp>
-        <p:nvSpPr>
-          <p:cNvPr id="4" name="Slide Number Placeholder 3"/>
-          <p:cNvSpPr>
-            <a:spLocks noGrp="1"/>
-          </p:cNvSpPr>
-          <p:nvPr>
-            <p:ph type="sldNum" sz="quarter" idx="12"/>
-          </p:nvPr>
-        </p:nvSpPr>
-        <p:spPr/>
-        <p:txBody>
-          <a:bodyPr/>
-          <a:lstStyle/>
-          <a:p>
-            <a:fld id="{F26D9103-0C5C-48AC-B68E-3ED2C1647047}" type="slidenum">
-              <a:rPr lang="en-US" smtClean="0"/>
-              <a:pPr/>
-              <a:t>30</a:t>
+              <a:t>29</a:t>
             </a:fld>
             <a:endParaRPr lang="en-US"/>
           </a:p>
@@ -8751,6 +8419,361 @@
 </p:sld>
 </file>
 
+<file path=ppt/slides/slide3.xml><?xml version="1.0" encoding="utf-8"?>
+<p:sld xmlns:a="http://schemas.openxmlformats.org/drawingml/2006/main" xmlns:r="http://schemas.openxmlformats.org/officeDocument/2006/relationships" xmlns:p="http://schemas.openxmlformats.org/presentationml/2006/main">
+  <p:cSld>
+    <p:spTree>
+      <p:nvGrpSpPr>
+        <p:cNvPr id="1" name=""/>
+        <p:cNvGrpSpPr/>
+        <p:nvPr/>
+      </p:nvGrpSpPr>
+      <p:grpSpPr>
+        <a:xfrm>
+          <a:off x="0" y="0"/>
+          <a:ext cx="0" cy="0"/>
+          <a:chOff x="0" y="0"/>
+          <a:chExt cx="0" cy="0"/>
+        </a:xfrm>
+      </p:grpSpPr>
+      <p:sp>
+        <p:nvSpPr>
+          <p:cNvPr id="6146" name="Rectangle 2"/>
+          <p:cNvSpPr>
+            <a:spLocks noGrp="1" noChangeArrowheads="1"/>
+          </p:cNvSpPr>
+          <p:nvPr>
+            <p:ph type="title"/>
+            <p:custDataLst>
+              <p:tags r:id="rId1"/>
+            </p:custDataLst>
+          </p:nvPr>
+        </p:nvSpPr>
+        <p:spPr/>
+        <p:txBody>
+          <a:bodyPr/>
+          <a:lstStyle/>
+          <a:p>
+            <a:r>
+              <a:rPr lang="en-US" dirty="0"/>
+              <a:t>General Info</a:t>
+            </a:r>
+          </a:p>
+        </p:txBody>
+      </p:sp>
+      <p:sp>
+        <p:nvSpPr>
+          <p:cNvPr id="6147" name="Rectangle 3"/>
+          <p:cNvSpPr>
+            <a:spLocks noGrp="1" noChangeArrowheads="1"/>
+          </p:cNvSpPr>
+          <p:nvPr>
+            <p:ph sz="quarter" idx="1"/>
+            <p:custDataLst>
+              <p:tags r:id="rId2"/>
+            </p:custDataLst>
+          </p:nvPr>
+        </p:nvSpPr>
+        <p:spPr>
+          <a:xfrm>
+            <a:off x="381000" y="1371600"/>
+            <a:ext cx="8255000" cy="4800600"/>
+          </a:xfrm>
+        </p:spPr>
+        <p:txBody>
+          <a:bodyPr>
+            <a:normAutofit fontScale="85000" lnSpcReduction="20000"/>
+          </a:bodyPr>
+          <a:lstStyle/>
+          <a:p>
+            <a:r>
+              <a:rPr lang="en-US" dirty="0"/>
+              <a:t>See syllabus on course website for general information</a:t>
+            </a:r>
+          </a:p>
+          <a:p>
+            <a:r>
+              <a:rPr lang="en-US" dirty="0"/>
+              <a:t>Pre-requisites:</a:t>
+            </a:r>
+          </a:p>
+          <a:p>
+            <a:pPr lvl="1"/>
+            <a:r>
+              <a:rPr lang="en-US" dirty="0"/>
+              <a:t>CS2150 (with C- or better)</a:t>
+            </a:r>
+          </a:p>
+          <a:p>
+            <a:pPr lvl="1"/>
+            <a:r>
+              <a:rPr lang="en-US" dirty="0"/>
+              <a:t>Math topics: proof by induction, proof by contradiction, exponents, logarithms, limits, simple differentiations (covered in APMA 1090 or MATH 1210 or MATH 1310)</a:t>
+            </a:r>
+          </a:p>
+          <a:p>
+            <a:r>
+              <a:rPr lang="en-US" dirty="0"/>
+              <a:t>Teaching Assistants</a:t>
+            </a:r>
+          </a:p>
+          <a:p>
+            <a:pPr lvl="1"/>
+            <a:r>
+              <a:rPr lang="en-US" dirty="0"/>
+              <a:t>Graduates (?):</a:t>
+            </a:r>
+          </a:p>
+          <a:p>
+            <a:pPr lvl="2"/>
+            <a:r>
+              <a:rPr lang="en-US" dirty="0"/>
+              <a:t>TBD: Will likely have one graduate student</a:t>
+            </a:r>
+          </a:p>
+          <a:p>
+            <a:pPr lvl="1"/>
+            <a:r>
+              <a:rPr lang="en-US" dirty="0"/>
+              <a:t>Undergraduates (~20)</a:t>
+            </a:r>
+          </a:p>
+          <a:p>
+            <a:pPr lvl="2"/>
+            <a:r>
+              <a:rPr lang="en-US" dirty="0"/>
+              <a:t>We should have plenty of undergraduate support!</a:t>
+            </a:r>
+          </a:p>
+          <a:p>
+            <a:pPr lvl="1"/>
+            <a:r>
+              <a:rPr lang="en-US" dirty="0"/>
+              <a:t>Both will hold office hours, which will start next week</a:t>
+            </a:r>
+          </a:p>
+          <a:p>
+            <a:pPr lvl="2"/>
+            <a:r>
+              <a:rPr lang="en-US" dirty="0"/>
+              <a:t>Locations and hours TBA</a:t>
+            </a:r>
+          </a:p>
+          <a:p>
+            <a:pPr lvl="1"/>
+            <a:r>
+              <a:rPr lang="en-US" dirty="0"/>
+              <a:t>Also, we’ll use Piazza for questions</a:t>
+            </a:r>
+          </a:p>
+          <a:p>
+            <a:pPr lvl="2"/>
+            <a:r>
+              <a:rPr lang="en-US" dirty="0"/>
+              <a:t>Post all questions about HW, topics, </a:t>
+            </a:r>
+            <a:r>
+              <a:rPr lang="en-US" dirty="0" err="1"/>
+              <a:t>etc</a:t>
+            </a:r>
+            <a:r>
+              <a:rPr lang="en-US" dirty="0"/>
+              <a:t> to Piazza NOT email to instructors!</a:t>
+            </a:r>
+          </a:p>
+        </p:txBody>
+      </p:sp>
+      <p:sp>
+        <p:nvSpPr>
+          <p:cNvPr id="4" name="Slide Number Placeholder 3"/>
+          <p:cNvSpPr>
+            <a:spLocks noGrp="1"/>
+          </p:cNvSpPr>
+          <p:nvPr>
+            <p:ph type="sldNum" sz="quarter" idx="12"/>
+          </p:nvPr>
+        </p:nvSpPr>
+        <p:spPr/>
+        <p:txBody>
+          <a:bodyPr/>
+          <a:lstStyle/>
+          <a:p>
+            <a:fld id="{F26D9103-0C5C-48AC-B68E-3ED2C1647047}" type="slidenum">
+              <a:rPr lang="en-US" smtClean="0"/>
+              <a:pPr/>
+              <a:t>3</a:t>
+            </a:fld>
+            <a:endParaRPr lang="en-US" dirty="0"/>
+          </a:p>
+        </p:txBody>
+      </p:sp>
+    </p:spTree>
+  </p:cSld>
+  <p:clrMapOvr>
+    <a:masterClrMapping/>
+  </p:clrMapOvr>
+</p:sld>
+</file>
+
+<file path=ppt/slides/slide30.xml><?xml version="1.0" encoding="utf-8"?>
+<p:sld xmlns:a="http://schemas.openxmlformats.org/drawingml/2006/main" xmlns:r="http://schemas.openxmlformats.org/officeDocument/2006/relationships" xmlns:p="http://schemas.openxmlformats.org/presentationml/2006/main">
+  <p:cSld>
+    <p:spTree>
+      <p:nvGrpSpPr>
+        <p:cNvPr id="1" name=""/>
+        <p:cNvGrpSpPr/>
+        <p:nvPr/>
+      </p:nvGrpSpPr>
+      <p:grpSpPr>
+        <a:xfrm>
+          <a:off x="0" y="0"/>
+          <a:ext cx="0" cy="0"/>
+          <a:chOff x="0" y="0"/>
+          <a:chExt cx="0" cy="0"/>
+        </a:xfrm>
+      </p:grpSpPr>
+      <p:sp>
+        <p:nvSpPr>
+          <p:cNvPr id="36866" name="Rectangle 2"/>
+          <p:cNvSpPr>
+            <a:spLocks noGrp="1" noChangeArrowheads="1"/>
+          </p:cNvSpPr>
+          <p:nvPr>
+            <p:ph type="title"/>
+            <p:custDataLst>
+              <p:tags r:id="rId1"/>
+            </p:custDataLst>
+          </p:nvPr>
+        </p:nvSpPr>
+        <p:spPr/>
+        <p:txBody>
+          <a:bodyPr/>
+          <a:lstStyle/>
+          <a:p>
+            <a:r>
+              <a:rPr lang="en-US"/>
+              <a:t>You’re Being Greedy!</a:t>
+            </a:r>
+          </a:p>
+        </p:txBody>
+      </p:sp>
+      <p:sp>
+        <p:nvSpPr>
+          <p:cNvPr id="4" name="Slide Number Placeholder 3"/>
+          <p:cNvSpPr>
+            <a:spLocks noGrp="1"/>
+          </p:cNvSpPr>
+          <p:nvPr>
+            <p:ph type="sldNum" sz="quarter" idx="12"/>
+          </p:nvPr>
+        </p:nvSpPr>
+        <p:spPr/>
+        <p:txBody>
+          <a:bodyPr/>
+          <a:lstStyle/>
+          <a:p>
+            <a:fld id="{F26D9103-0C5C-48AC-B68E-3ED2C1647047}" type="slidenum">
+              <a:rPr lang="en-US" smtClean="0"/>
+              <a:pPr/>
+              <a:t>30</a:t>
+            </a:fld>
+            <a:endParaRPr lang="en-US"/>
+          </a:p>
+        </p:txBody>
+      </p:sp>
+      <p:sp>
+        <p:nvSpPr>
+          <p:cNvPr id="36867" name="Rectangle 3"/>
+          <p:cNvSpPr>
+            <a:spLocks noGrp="1" noChangeArrowheads="1"/>
+          </p:cNvSpPr>
+          <p:nvPr>
+            <p:ph sz="quarter" idx="1"/>
+            <p:custDataLst>
+              <p:tags r:id="rId2"/>
+            </p:custDataLst>
+          </p:nvPr>
+        </p:nvSpPr>
+        <p:spPr/>
+        <p:txBody>
+          <a:bodyPr>
+            <a:normAutofit fontScale="92500"/>
+          </a:bodyPr>
+          <a:lstStyle/>
+          <a:p>
+            <a:r>
+              <a:rPr lang="en-US" dirty="0"/>
+              <a:t>This algorithm is an example of a family of algorithms called </a:t>
+            </a:r>
+            <a:r>
+              <a:rPr lang="en-US" i="1" dirty="0"/>
+              <a:t>greedy algorithms</a:t>
+            </a:r>
+          </a:p>
+          <a:p>
+            <a:r>
+              <a:rPr lang="en-US" dirty="0"/>
+              <a:t>Suitable for optimization problems</a:t>
+            </a:r>
+          </a:p>
+          <a:p>
+            <a:pPr lvl="1"/>
+            <a:r>
+              <a:rPr lang="en-US" dirty="0"/>
+              <a:t>There are many </a:t>
+            </a:r>
+            <a:r>
+              <a:rPr lang="en-US" i="1" dirty="0"/>
+              <a:t>feasible answers </a:t>
+            </a:r>
+            <a:r>
+              <a:rPr lang="en-US" dirty="0"/>
+              <a:t>that add up to the right amount, but one is optimal or best (fewest coins)</a:t>
+            </a:r>
+          </a:p>
+          <a:p>
+            <a:r>
+              <a:rPr lang="en-US" dirty="0"/>
+              <a:t>Immediately greedy: at each step, choose what looks best now.  No “look-ahead” into the future!</a:t>
+            </a:r>
+          </a:p>
+          <a:p>
+            <a:endParaRPr lang="en-US" dirty="0"/>
+          </a:p>
+          <a:p>
+            <a:r>
+              <a:rPr lang="en-US" dirty="0"/>
+              <a:t>What’s an optimization problem?</a:t>
+            </a:r>
+          </a:p>
+          <a:p>
+            <a:pPr lvl="1"/>
+            <a:r>
+              <a:rPr lang="en-US" dirty="0"/>
+              <a:t>Some subset or combination of values satisfies problem constraints (feasible solutions)</a:t>
+            </a:r>
+          </a:p>
+          <a:p>
+            <a:pPr lvl="1"/>
+            <a:r>
+              <a:rPr lang="en-US" dirty="0"/>
+              <a:t>But, a way of comparing these.  One is best: the optimal solution</a:t>
+            </a:r>
+          </a:p>
+          <a:p>
+            <a:pPr lvl="1"/>
+            <a:endParaRPr lang="en-US" dirty="0"/>
+          </a:p>
+        </p:txBody>
+      </p:sp>
+    </p:spTree>
+  </p:cSld>
+  <p:clrMapOvr>
+    <a:masterClrMapping/>
+  </p:clrMapOvr>
+</p:sld>
+</file>
+
 <file path=ppt/slides/slide31.xml><?xml version="1.0" encoding="utf-8"?>
 <p:sld xmlns:a="http://schemas.openxmlformats.org/drawingml/2006/main" xmlns:r="http://schemas.openxmlformats.org/officeDocument/2006/relationships" xmlns:p="http://schemas.openxmlformats.org/presentationml/2006/main">
   <p:cSld>
@@ -8770,7 +8793,7 @@
       </p:grpSpPr>
       <p:sp>
         <p:nvSpPr>
-          <p:cNvPr id="36866" name="Rectangle 2"/>
+          <p:cNvPr id="37890" name="Rectangle 2"/>
           <p:cNvSpPr>
             <a:spLocks noGrp="1" noChangeArrowheads="1"/>
           </p:cNvSpPr>
@@ -8788,7 +8811,7 @@
           <a:p>
             <a:r>
               <a:rPr lang="en-US"/>
-              <a:t>You’re Being Greedy!</a:t>
+              <a:t>Does Greed Pay Off?</a:t>
             </a:r>
           </a:p>
         </p:txBody>
@@ -8812,165 +8835,6 @@
               <a:rPr lang="en-US" smtClean="0"/>
               <a:pPr/>
               <a:t>31</a:t>
-            </a:fld>
-            <a:endParaRPr lang="en-US"/>
-          </a:p>
-        </p:txBody>
-      </p:sp>
-      <p:sp>
-        <p:nvSpPr>
-          <p:cNvPr id="36867" name="Rectangle 3"/>
-          <p:cNvSpPr>
-            <a:spLocks noGrp="1" noChangeArrowheads="1"/>
-          </p:cNvSpPr>
-          <p:nvPr>
-            <p:ph sz="quarter" idx="1"/>
-            <p:custDataLst>
-              <p:tags r:id="rId2"/>
-            </p:custDataLst>
-          </p:nvPr>
-        </p:nvSpPr>
-        <p:spPr/>
-        <p:txBody>
-          <a:bodyPr>
-            <a:normAutofit fontScale="92500"/>
-          </a:bodyPr>
-          <a:lstStyle/>
-          <a:p>
-            <a:r>
-              <a:rPr lang="en-US" dirty="0"/>
-              <a:t>This algorithm is an example of a family of algorithms called </a:t>
-            </a:r>
-            <a:r>
-              <a:rPr lang="en-US" i="1" dirty="0"/>
-              <a:t>greedy algorithms</a:t>
-            </a:r>
-          </a:p>
-          <a:p>
-            <a:r>
-              <a:rPr lang="en-US" dirty="0"/>
-              <a:t>Suitable for optimization problems</a:t>
-            </a:r>
-          </a:p>
-          <a:p>
-            <a:pPr lvl="1"/>
-            <a:r>
-              <a:rPr lang="en-US" dirty="0"/>
-              <a:t>There are many </a:t>
-            </a:r>
-            <a:r>
-              <a:rPr lang="en-US" i="1" dirty="0"/>
-              <a:t>feasible answers </a:t>
-            </a:r>
-            <a:r>
-              <a:rPr lang="en-US" dirty="0"/>
-              <a:t>that add up to the right amount, but one is optimal or best (fewest coins)</a:t>
-            </a:r>
-          </a:p>
-          <a:p>
-            <a:r>
-              <a:rPr lang="en-US" dirty="0"/>
-              <a:t>Immediately greedy: at each step, choose what looks best now.  No “look-ahead” into the future!</a:t>
-            </a:r>
-          </a:p>
-          <a:p>
-            <a:endParaRPr lang="en-US" dirty="0"/>
-          </a:p>
-          <a:p>
-            <a:r>
-              <a:rPr lang="en-US" dirty="0"/>
-              <a:t>What’s an optimization problem?</a:t>
-            </a:r>
-          </a:p>
-          <a:p>
-            <a:pPr lvl="1"/>
-            <a:r>
-              <a:rPr lang="en-US" dirty="0"/>
-              <a:t>Some subset or combination of values satisfies problem constraints (feasible solutions)</a:t>
-            </a:r>
-          </a:p>
-          <a:p>
-            <a:pPr lvl="1"/>
-            <a:r>
-              <a:rPr lang="en-US" dirty="0"/>
-              <a:t>But, a way of comparing these.  One is best: the optimal solution</a:t>
-            </a:r>
-          </a:p>
-          <a:p>
-            <a:pPr lvl="1"/>
-            <a:endParaRPr lang="en-US" dirty="0"/>
-          </a:p>
-        </p:txBody>
-      </p:sp>
-    </p:spTree>
-  </p:cSld>
-  <p:clrMapOvr>
-    <a:masterClrMapping/>
-  </p:clrMapOvr>
-</p:sld>
-</file>
-
-<file path=ppt/slides/slide32.xml><?xml version="1.0" encoding="utf-8"?>
-<p:sld xmlns:a="http://schemas.openxmlformats.org/drawingml/2006/main" xmlns:r="http://schemas.openxmlformats.org/officeDocument/2006/relationships" xmlns:p="http://schemas.openxmlformats.org/presentationml/2006/main">
-  <p:cSld>
-    <p:spTree>
-      <p:nvGrpSpPr>
-        <p:cNvPr id="1" name=""/>
-        <p:cNvGrpSpPr/>
-        <p:nvPr/>
-      </p:nvGrpSpPr>
-      <p:grpSpPr>
-        <a:xfrm>
-          <a:off x="0" y="0"/>
-          <a:ext cx="0" cy="0"/>
-          <a:chOff x="0" y="0"/>
-          <a:chExt cx="0" cy="0"/>
-        </a:xfrm>
-      </p:grpSpPr>
-      <p:sp>
-        <p:nvSpPr>
-          <p:cNvPr id="37890" name="Rectangle 2"/>
-          <p:cNvSpPr>
-            <a:spLocks noGrp="1" noChangeArrowheads="1"/>
-          </p:cNvSpPr>
-          <p:nvPr>
-            <p:ph type="title"/>
-            <p:custDataLst>
-              <p:tags r:id="rId1"/>
-            </p:custDataLst>
-          </p:nvPr>
-        </p:nvSpPr>
-        <p:spPr/>
-        <p:txBody>
-          <a:bodyPr/>
-          <a:lstStyle/>
-          <a:p>
-            <a:r>
-              <a:rPr lang="en-US"/>
-              <a:t>Does Greed Pay Off?</a:t>
-            </a:r>
-          </a:p>
-        </p:txBody>
-      </p:sp>
-      <p:sp>
-        <p:nvSpPr>
-          <p:cNvPr id="4" name="Slide Number Placeholder 3"/>
-          <p:cNvSpPr>
-            <a:spLocks noGrp="1"/>
-          </p:cNvSpPr>
-          <p:nvPr>
-            <p:ph type="sldNum" sz="quarter" idx="12"/>
-          </p:nvPr>
-        </p:nvSpPr>
-        <p:spPr/>
-        <p:txBody>
-          <a:bodyPr/>
-          <a:lstStyle/>
-          <a:p>
-            <a:fld id="{F26D9103-0C5C-48AC-B68E-3ED2C1647047}" type="slidenum">
-              <a:rPr lang="en-US" smtClean="0"/>
-              <a:pPr/>
-              <a:t>32</a:t>
             </a:fld>
             <a:endParaRPr lang="en-US"/>
           </a:p>
@@ -9502,6 +9366,159 @@
 </p:sld>
 </file>
 
+<file path=ppt/slides/slide32.xml><?xml version="1.0" encoding="utf-8"?>
+<p:sld xmlns:a="http://schemas.openxmlformats.org/drawingml/2006/main" xmlns:r="http://schemas.openxmlformats.org/officeDocument/2006/relationships" xmlns:p="http://schemas.openxmlformats.org/presentationml/2006/main">
+  <p:cSld>
+    <p:spTree>
+      <p:nvGrpSpPr>
+        <p:cNvPr id="1" name=""/>
+        <p:cNvGrpSpPr/>
+        <p:nvPr/>
+      </p:nvGrpSpPr>
+      <p:grpSpPr>
+        <a:xfrm>
+          <a:off x="0" y="0"/>
+          <a:ext cx="0" cy="0"/>
+          <a:chOff x="0" y="0"/>
+          <a:chExt cx="0" cy="0"/>
+        </a:xfrm>
+      </p:grpSpPr>
+      <p:sp>
+        <p:nvSpPr>
+          <p:cNvPr id="38914" name="Title 1"/>
+          <p:cNvSpPr>
+            <a:spLocks noGrp="1"/>
+          </p:cNvSpPr>
+          <p:nvPr>
+            <p:ph type="title"/>
+          </p:nvPr>
+        </p:nvSpPr>
+        <p:spPr/>
+        <p:txBody>
+          <a:bodyPr/>
+          <a:lstStyle/>
+          <a:p>
+            <a:r>
+              <a:rPr lang="en-US"/>
+              <a:t>Formal algorithmic description</a:t>
+            </a:r>
+          </a:p>
+        </p:txBody>
+      </p:sp>
+      <p:sp>
+        <p:nvSpPr>
+          <p:cNvPr id="4" name="Slide Number Placeholder 3"/>
+          <p:cNvSpPr>
+            <a:spLocks noGrp="1"/>
+          </p:cNvSpPr>
+          <p:nvPr>
+            <p:ph type="sldNum" sz="quarter" idx="12"/>
+          </p:nvPr>
+        </p:nvSpPr>
+        <p:spPr/>
+        <p:txBody>
+          <a:bodyPr/>
+          <a:lstStyle/>
+          <a:p>
+            <a:fld id="{F26D9103-0C5C-48AC-B68E-3ED2C1647047}" type="slidenum">
+              <a:rPr lang="en-US" smtClean="0"/>
+              <a:pPr/>
+              <a:t>32</a:t>
+            </a:fld>
+            <a:endParaRPr lang="en-US"/>
+          </a:p>
+        </p:txBody>
+      </p:sp>
+      <p:sp>
+        <p:nvSpPr>
+          <p:cNvPr id="38915" name="Content Placeholder 2"/>
+          <p:cNvSpPr>
+            <a:spLocks noGrp="1"/>
+          </p:cNvSpPr>
+          <p:nvPr>
+            <p:ph sz="quarter" idx="1"/>
+          </p:nvPr>
+        </p:nvSpPr>
+        <p:spPr/>
+        <p:txBody>
+          <a:bodyPr/>
+          <a:lstStyle/>
+          <a:p>
+            <a:r>
+              <a:rPr lang="en-US" i="1" dirty="0"/>
+              <a:t>All</a:t>
+            </a:r>
+            <a:r>
+              <a:rPr lang="en-US" dirty="0"/>
+              <a:t> algorithms in this course must have the following components:</a:t>
+            </a:r>
+          </a:p>
+          <a:p>
+            <a:pPr lvl="1"/>
+            <a:r>
+              <a:rPr lang="en-US" dirty="0"/>
+              <a:t>Problem description (1 line max)</a:t>
+            </a:r>
+          </a:p>
+          <a:p>
+            <a:pPr lvl="1"/>
+            <a:r>
+              <a:rPr lang="en-US" dirty="0"/>
+              <a:t>Inputs</a:t>
+            </a:r>
+          </a:p>
+          <a:p>
+            <a:pPr lvl="1"/>
+            <a:r>
+              <a:rPr lang="en-US" dirty="0"/>
+              <a:t>Outputs</a:t>
+            </a:r>
+          </a:p>
+          <a:p>
+            <a:pPr lvl="1"/>
+            <a:r>
+              <a:rPr lang="en-US" dirty="0"/>
+              <a:t>Assumptions</a:t>
+            </a:r>
+          </a:p>
+          <a:p>
+            <a:pPr lvl="1"/>
+            <a:r>
+              <a:rPr lang="en-US" dirty="0"/>
+              <a:t>Strategy overview</a:t>
+            </a:r>
+          </a:p>
+          <a:p>
+            <a:pPr lvl="2"/>
+            <a:r>
+              <a:rPr lang="en-US" dirty="0"/>
+              <a:t>1 or 2 sentences outlining the basic strategy, including the name of the method you are going to use for the algorithm</a:t>
+            </a:r>
+          </a:p>
+          <a:p>
+            <a:pPr lvl="1"/>
+            <a:r>
+              <a:rPr lang="en-US" dirty="0"/>
+              <a:t>Algorithm description</a:t>
+            </a:r>
+          </a:p>
+          <a:p>
+            <a:pPr lvl="2"/>
+            <a:r>
+              <a:rPr lang="en-US" dirty="0"/>
+              <a:t>If listed in English (as opposed to pseudo-code), then it should be listed in steps</a:t>
+            </a:r>
+          </a:p>
+        </p:txBody>
+      </p:sp>
+    </p:spTree>
+  </p:cSld>
+  <p:clrMapOvr>
+    <a:masterClrMapping/>
+  </p:clrMapOvr>
+</p:sld>
+</file>
+
 <file path=ppt/slides/slide33.xml><?xml version="1.0" encoding="utf-8"?>
 <p:sld xmlns:a="http://schemas.openxmlformats.org/drawingml/2006/main" xmlns:r="http://schemas.openxmlformats.org/officeDocument/2006/relationships" xmlns:p="http://schemas.openxmlformats.org/presentationml/2006/main">
   <p:cSld>
@@ -9521,7 +9538,7 @@
       </p:grpSpPr>
       <p:sp>
         <p:nvSpPr>
-          <p:cNvPr id="38914" name="Title 1"/>
+          <p:cNvPr id="39938" name="Title 1"/>
           <p:cNvSpPr>
             <a:spLocks noGrp="1"/>
           </p:cNvSpPr>
@@ -9536,8 +9553,115 @@
           <a:p>
             <a:r>
               <a:rPr lang="en-US"/>
-              <a:t>Formal algorithmic description</a:t>
-            </a:r>
+              <a:t>Change solution (greedy)</a:t>
+            </a:r>
+          </a:p>
+        </p:txBody>
+      </p:sp>
+      <p:sp>
+        <p:nvSpPr>
+          <p:cNvPr id="39939" name="Content Placeholder 2"/>
+          <p:cNvSpPr>
+            <a:spLocks noGrp="1"/>
+          </p:cNvSpPr>
+          <p:nvPr>
+            <p:ph sz="quarter" idx="1"/>
+          </p:nvPr>
+        </p:nvSpPr>
+        <p:spPr/>
+        <p:txBody>
+          <a:bodyPr/>
+          <a:lstStyle/>
+          <a:p>
+            <a:pPr>
+              <a:lnSpc>
+                <a:spcPct val="90000"/>
+              </a:lnSpc>
+            </a:pPr>
+            <a:r>
+              <a:rPr lang="en-US" sz="2400" b="1"/>
+              <a:t>Problem description:</a:t>
+            </a:r>
+            <a:r>
+              <a:rPr lang="en-US" sz="2400"/>
+              <a:t> providing coin change of a given amount in the fewest number of coins</a:t>
+            </a:r>
+          </a:p>
+          <a:p>
+            <a:pPr>
+              <a:lnSpc>
+                <a:spcPct val="90000"/>
+              </a:lnSpc>
+            </a:pPr>
+            <a:r>
+              <a:rPr lang="en-US" sz="2400" b="1"/>
+              <a:t>Inputs:</a:t>
+            </a:r>
+            <a:r>
+              <a:rPr lang="en-US" sz="2400"/>
+              <a:t> the dollar-amount to return.  Perhaps the possible set of coins, if it is non-obvious.</a:t>
+            </a:r>
+          </a:p>
+          <a:p>
+            <a:pPr>
+              <a:lnSpc>
+                <a:spcPct val="90000"/>
+              </a:lnSpc>
+            </a:pPr>
+            <a:r>
+              <a:rPr lang="en-US" sz="2400" b="1"/>
+              <a:t>Output:</a:t>
+            </a:r>
+            <a:r>
+              <a:rPr lang="en-US" sz="2400"/>
+              <a:t> a set of coins that obtains the desired amount of change in the fewest number of coins</a:t>
+            </a:r>
+          </a:p>
+          <a:p>
+            <a:pPr>
+              <a:lnSpc>
+                <a:spcPct val="90000"/>
+              </a:lnSpc>
+            </a:pPr>
+            <a:r>
+              <a:rPr lang="en-US" sz="2400" b="1"/>
+              <a:t>Assumptions:</a:t>
+            </a:r>
+            <a:r>
+              <a:rPr lang="en-US" sz="2400"/>
+              <a:t> If the coins are not stated, then they are the standard quarter, dime, nickel, and penny.  All inputs are non-negative, and dollar amounts are ignored.</a:t>
+            </a:r>
+          </a:p>
+          <a:p>
+            <a:pPr>
+              <a:lnSpc>
+                <a:spcPct val="90000"/>
+              </a:lnSpc>
+            </a:pPr>
+            <a:r>
+              <a:rPr lang="en-US" sz="2400" b="1"/>
+              <a:t>Strategy:</a:t>
+            </a:r>
+            <a:r>
+              <a:rPr lang="en-US" sz="2400"/>
+              <a:t> a greedy algorithm that uses the largest coins first</a:t>
+            </a:r>
+          </a:p>
+          <a:p>
+            <a:pPr>
+              <a:lnSpc>
+                <a:spcPct val="90000"/>
+              </a:lnSpc>
+            </a:pPr>
+            <a:r>
+              <a:rPr lang="en-US" sz="2400" b="1"/>
+              <a:t>Description:</a:t>
+            </a:r>
+            <a:r>
+              <a:rPr lang="en-US" sz="2400"/>
+              <a:t> Issue the largest coin (quarters) until the amount left is less than the amount of a quarter ($0.25).  Repeat with decreasing coin sizes (dimes, nickels, pennies).</a:t>
+            </a:r>
+            <a:endParaRPr lang="en-US"/>
           </a:p>
         </p:txBody>
       </p:sp>
@@ -9562,88 +9686,6 @@
               <a:t>33</a:t>
             </a:fld>
             <a:endParaRPr lang="en-US"/>
-          </a:p>
-        </p:txBody>
-      </p:sp>
-      <p:sp>
-        <p:nvSpPr>
-          <p:cNvPr id="38915" name="Content Placeholder 2"/>
-          <p:cNvSpPr>
-            <a:spLocks noGrp="1"/>
-          </p:cNvSpPr>
-          <p:nvPr>
-            <p:ph sz="quarter" idx="1"/>
-          </p:nvPr>
-        </p:nvSpPr>
-        <p:spPr/>
-        <p:txBody>
-          <a:bodyPr/>
-          <a:lstStyle/>
-          <a:p>
-            <a:r>
-              <a:rPr lang="en-US" i="1" dirty="0"/>
-              <a:t>All</a:t>
-            </a:r>
-            <a:r>
-              <a:rPr lang="en-US" dirty="0"/>
-              <a:t> algorithms in this course must have the following components:</a:t>
-            </a:r>
-          </a:p>
-          <a:p>
-            <a:pPr lvl="1"/>
-            <a:r>
-              <a:rPr lang="en-US" dirty="0"/>
-              <a:t>Problem description (1 line max)</a:t>
-            </a:r>
-          </a:p>
-          <a:p>
-            <a:pPr lvl="1"/>
-            <a:r>
-              <a:rPr lang="en-US" dirty="0"/>
-              <a:t>Inputs</a:t>
-            </a:r>
-          </a:p>
-          <a:p>
-            <a:pPr lvl="1"/>
-            <a:r>
-              <a:rPr lang="en-US" dirty="0"/>
-              <a:t>Outputs</a:t>
-            </a:r>
-          </a:p>
-          <a:p>
-            <a:pPr lvl="1"/>
-            <a:r>
-              <a:rPr lang="en-US" dirty="0"/>
-              <a:t>Assumptions</a:t>
-            </a:r>
-          </a:p>
-          <a:p>
-            <a:pPr lvl="1"/>
-            <a:r>
-              <a:rPr lang="en-US" dirty="0"/>
-              <a:t>Strategy overview</a:t>
-            </a:r>
-          </a:p>
-          <a:p>
-            <a:pPr lvl="2"/>
-            <a:r>
-              <a:rPr lang="en-US" dirty="0"/>
-              <a:t>1 or 2 sentences outlining the basic strategy, including the name of the method you are going to use for the algorithm</a:t>
-            </a:r>
-          </a:p>
-          <a:p>
-            <a:pPr lvl="1"/>
-            <a:r>
-              <a:rPr lang="en-US" dirty="0"/>
-              <a:t>Algorithm description</a:t>
-            </a:r>
-          </a:p>
-          <a:p>
-            <a:pPr lvl="2"/>
-            <a:r>
-              <a:rPr lang="en-US" dirty="0"/>
-              <a:t>If listed in English (as opposed to pseudo-code), then it should be listed in steps</a:t>
-            </a:r>
           </a:p>
         </p:txBody>
       </p:sp>
@@ -9674,12 +9716,15 @@
       </p:grpSpPr>
       <p:sp>
         <p:nvSpPr>
-          <p:cNvPr id="39938" name="Title 1"/>
-          <p:cNvSpPr>
-            <a:spLocks noGrp="1"/>
+          <p:cNvPr id="40962" name="Rectangle 2"/>
+          <p:cNvSpPr>
+            <a:spLocks noGrp="1" noChangeArrowheads="1"/>
           </p:cNvSpPr>
           <p:nvPr>
             <p:ph type="title"/>
+            <p:custDataLst>
+              <p:tags r:id="rId1"/>
+            </p:custDataLst>
           </p:nvPr>
         </p:nvSpPr>
         <p:spPr/>
@@ -9689,115 +9734,8 @@
           <a:p>
             <a:r>
               <a:rPr lang="en-US"/>
-              <a:t>Change solution (greedy)</a:t>
-            </a:r>
-          </a:p>
-        </p:txBody>
-      </p:sp>
-      <p:sp>
-        <p:nvSpPr>
-          <p:cNvPr id="39939" name="Content Placeholder 2"/>
-          <p:cNvSpPr>
-            <a:spLocks noGrp="1"/>
-          </p:cNvSpPr>
-          <p:nvPr>
-            <p:ph sz="quarter" idx="1"/>
-          </p:nvPr>
-        </p:nvSpPr>
-        <p:spPr/>
-        <p:txBody>
-          <a:bodyPr/>
-          <a:lstStyle/>
-          <a:p>
-            <a:pPr>
-              <a:lnSpc>
-                <a:spcPct val="90000"/>
-              </a:lnSpc>
-            </a:pPr>
-            <a:r>
-              <a:rPr lang="en-US" sz="2400" b="1"/>
-              <a:t>Problem description:</a:t>
-            </a:r>
-            <a:r>
-              <a:rPr lang="en-US" sz="2400"/>
-              <a:t> providing coin change of a given amount in the fewest number of coins</a:t>
-            </a:r>
-          </a:p>
-          <a:p>
-            <a:pPr>
-              <a:lnSpc>
-                <a:spcPct val="90000"/>
-              </a:lnSpc>
-            </a:pPr>
-            <a:r>
-              <a:rPr lang="en-US" sz="2400" b="1"/>
-              <a:t>Inputs:</a:t>
-            </a:r>
-            <a:r>
-              <a:rPr lang="en-US" sz="2400"/>
-              <a:t> the dollar-amount to return.  Perhaps the possible set of coins, if it is non-obvious.</a:t>
-            </a:r>
-          </a:p>
-          <a:p>
-            <a:pPr>
-              <a:lnSpc>
-                <a:spcPct val="90000"/>
-              </a:lnSpc>
-            </a:pPr>
-            <a:r>
-              <a:rPr lang="en-US" sz="2400" b="1"/>
-              <a:t>Output:</a:t>
-            </a:r>
-            <a:r>
-              <a:rPr lang="en-US" sz="2400"/>
-              <a:t> a set of coins that obtains the desired amount of change in the fewest number of coins</a:t>
-            </a:r>
-          </a:p>
-          <a:p>
-            <a:pPr>
-              <a:lnSpc>
-                <a:spcPct val="90000"/>
-              </a:lnSpc>
-            </a:pPr>
-            <a:r>
-              <a:rPr lang="en-US" sz="2400" b="1"/>
-              <a:t>Assumptions:</a:t>
-            </a:r>
-            <a:r>
-              <a:rPr lang="en-US" sz="2400"/>
-              <a:t> If the coins are not stated, then they are the standard quarter, dime, nickel, and penny.  All inputs are non-negative, and dollar amounts are ignored.</a:t>
-            </a:r>
-          </a:p>
-          <a:p>
-            <a:pPr>
-              <a:lnSpc>
-                <a:spcPct val="90000"/>
-              </a:lnSpc>
-            </a:pPr>
-            <a:r>
-              <a:rPr lang="en-US" sz="2400" b="1"/>
-              <a:t>Strategy:</a:t>
-            </a:r>
-            <a:r>
-              <a:rPr lang="en-US" sz="2400"/>
-              <a:t> a greedy algorithm that uses the largest coins first</a:t>
-            </a:r>
-          </a:p>
-          <a:p>
-            <a:pPr>
-              <a:lnSpc>
-                <a:spcPct val="90000"/>
-              </a:lnSpc>
-            </a:pPr>
-            <a:r>
-              <a:rPr lang="en-US" sz="2400" b="1"/>
-              <a:t>Description:</a:t>
-            </a:r>
-            <a:r>
-              <a:rPr lang="en-US" sz="2400"/>
-              <a:t> Issue the largest coin (quarters) until the amount left is less than the amount of a quarter ($0.25).  Repeat with decreasing coin sizes (dimes, nickels, pennies).</a:t>
-            </a:r>
-            <a:endParaRPr lang="en-US"/>
+              <a:t>Another Change Algorithm</a:t>
+            </a:r>
           </a:p>
         </p:txBody>
       </p:sp>
@@ -9820,80 +9758,6 @@
               <a:rPr lang="en-US" smtClean="0"/>
               <a:pPr/>
               <a:t>34</a:t>
-            </a:fld>
-            <a:endParaRPr lang="en-US"/>
-          </a:p>
-        </p:txBody>
-      </p:sp>
-    </p:spTree>
-  </p:cSld>
-  <p:clrMapOvr>
-    <a:masterClrMapping/>
-  </p:clrMapOvr>
-</p:sld>
-</file>
-
-<file path=ppt/slides/slide35.xml><?xml version="1.0" encoding="utf-8"?>
-<p:sld xmlns:a="http://schemas.openxmlformats.org/drawingml/2006/main" xmlns:r="http://schemas.openxmlformats.org/officeDocument/2006/relationships" xmlns:p="http://schemas.openxmlformats.org/presentationml/2006/main">
-  <p:cSld>
-    <p:spTree>
-      <p:nvGrpSpPr>
-        <p:cNvPr id="1" name=""/>
-        <p:cNvGrpSpPr/>
-        <p:nvPr/>
-      </p:nvGrpSpPr>
-      <p:grpSpPr>
-        <a:xfrm>
-          <a:off x="0" y="0"/>
-          <a:ext cx="0" cy="0"/>
-          <a:chOff x="0" y="0"/>
-          <a:chExt cx="0" cy="0"/>
-        </a:xfrm>
-      </p:grpSpPr>
-      <p:sp>
-        <p:nvSpPr>
-          <p:cNvPr id="40962" name="Rectangle 2"/>
-          <p:cNvSpPr>
-            <a:spLocks noGrp="1" noChangeArrowheads="1"/>
-          </p:cNvSpPr>
-          <p:nvPr>
-            <p:ph type="title"/>
-            <p:custDataLst>
-              <p:tags r:id="rId1"/>
-            </p:custDataLst>
-          </p:nvPr>
-        </p:nvSpPr>
-        <p:spPr/>
-        <p:txBody>
-          <a:bodyPr/>
-          <a:lstStyle/>
-          <a:p>
-            <a:r>
-              <a:rPr lang="en-US"/>
-              <a:t>Another Change Algorithm</a:t>
-            </a:r>
-          </a:p>
-        </p:txBody>
-      </p:sp>
-      <p:sp>
-        <p:nvSpPr>
-          <p:cNvPr id="4" name="Slide Number Placeholder 3"/>
-          <p:cNvSpPr>
-            <a:spLocks noGrp="1"/>
-          </p:cNvSpPr>
-          <p:nvPr>
-            <p:ph type="sldNum" sz="quarter" idx="12"/>
-          </p:nvPr>
-        </p:nvSpPr>
-        <p:spPr/>
-        <p:txBody>
-          <a:bodyPr/>
-          <a:lstStyle/>
-          <a:p>
-            <a:fld id="{F26D9103-0C5C-48AC-B68E-3ED2C1647047}" type="slidenum">
-              <a:rPr lang="en-US" smtClean="0"/>
-              <a:pPr/>
-              <a:t>35</a:t>
             </a:fld>
             <a:endParaRPr lang="en-US"/>
           </a:p>
@@ -10293,6 +10157,245 @@
 </p:sld>
 </file>
 
+<file path=ppt/slides/slide35.xml><?xml version="1.0" encoding="utf-8"?>
+<p:sld xmlns:a="http://schemas.openxmlformats.org/drawingml/2006/main" xmlns:r="http://schemas.openxmlformats.org/officeDocument/2006/relationships" xmlns:p="http://schemas.openxmlformats.org/presentationml/2006/main">
+  <p:cSld>
+    <p:spTree>
+      <p:nvGrpSpPr>
+        <p:cNvPr id="1" name=""/>
+        <p:cNvGrpSpPr/>
+        <p:nvPr/>
+      </p:nvGrpSpPr>
+      <p:grpSpPr>
+        <a:xfrm>
+          <a:off x="0" y="0"/>
+          <a:ext cx="0" cy="0"/>
+          <a:chOff x="0" y="0"/>
+          <a:chExt cx="0" cy="0"/>
+        </a:xfrm>
+      </p:grpSpPr>
+      <p:sp>
+        <p:nvSpPr>
+          <p:cNvPr id="41986" name="Title 1"/>
+          <p:cNvSpPr>
+            <a:spLocks noGrp="1"/>
+          </p:cNvSpPr>
+          <p:nvPr>
+            <p:ph type="title"/>
+          </p:nvPr>
+        </p:nvSpPr>
+        <p:spPr/>
+        <p:txBody>
+          <a:bodyPr/>
+          <a:lstStyle/>
+          <a:p>
+            <a:r>
+              <a:rPr lang="en-US"/>
+              <a:t>Change solution (brute-force)</a:t>
+            </a:r>
+          </a:p>
+        </p:txBody>
+      </p:sp>
+      <p:sp>
+        <p:nvSpPr>
+          <p:cNvPr id="3" name="Content Placeholder 2"/>
+          <p:cNvSpPr>
+            <a:spLocks noGrp="1"/>
+          </p:cNvSpPr>
+          <p:nvPr>
+            <p:ph sz="quarter" idx="1"/>
+          </p:nvPr>
+        </p:nvSpPr>
+        <p:spPr>
+          <a:xfrm>
+            <a:off x="457200" y="1219200"/>
+            <a:ext cx="8229600" cy="5410200"/>
+          </a:xfrm>
+        </p:spPr>
+        <p:txBody>
+          <a:bodyPr>
+            <a:normAutofit/>
+          </a:bodyPr>
+          <a:lstStyle/>
+          <a:p>
+            <a:pPr>
+              <a:lnSpc>
+                <a:spcPct val="90000"/>
+              </a:lnSpc>
+              <a:defRPr/>
+            </a:pPr>
+            <a:r>
+              <a:rPr lang="en-US" sz="2400" b="1" dirty="0">
+                <a:solidFill>
+                  <a:schemeClr val="bg1">
+                    <a:lumMod val="75000"/>
+                  </a:schemeClr>
+                </a:solidFill>
+              </a:rPr>
+              <a:t>Problem description:</a:t>
+            </a:r>
+            <a:r>
+              <a:rPr lang="en-US" sz="2400" dirty="0">
+                <a:solidFill>
+                  <a:schemeClr val="bg1">
+                    <a:lumMod val="75000"/>
+                  </a:schemeClr>
+                </a:solidFill>
+              </a:rPr>
+              <a:t> providing coin change of a given amount in the fewest number of coins</a:t>
+            </a:r>
+          </a:p>
+          <a:p>
+            <a:pPr>
+              <a:lnSpc>
+                <a:spcPct val="90000"/>
+              </a:lnSpc>
+              <a:defRPr/>
+            </a:pPr>
+            <a:r>
+              <a:rPr lang="en-US" sz="2400" b="1" dirty="0">
+                <a:solidFill>
+                  <a:schemeClr val="bg1">
+                    <a:lumMod val="75000"/>
+                  </a:schemeClr>
+                </a:solidFill>
+              </a:rPr>
+              <a:t>Inputs:</a:t>
+            </a:r>
+            <a:r>
+              <a:rPr lang="en-US" sz="2400" dirty="0">
+                <a:solidFill>
+                  <a:schemeClr val="bg1">
+                    <a:lumMod val="75000"/>
+                  </a:schemeClr>
+                </a:solidFill>
+              </a:rPr>
+              <a:t> the dollar-amount to return.  Perhaps the possible set of coins, if it is non-obvious.</a:t>
+            </a:r>
+          </a:p>
+          <a:p>
+            <a:pPr>
+              <a:lnSpc>
+                <a:spcPct val="90000"/>
+              </a:lnSpc>
+              <a:defRPr/>
+            </a:pPr>
+            <a:r>
+              <a:rPr lang="en-US" sz="2400" b="1" dirty="0">
+                <a:solidFill>
+                  <a:schemeClr val="bg1">
+                    <a:lumMod val="75000"/>
+                  </a:schemeClr>
+                </a:solidFill>
+              </a:rPr>
+              <a:t>Output:</a:t>
+            </a:r>
+            <a:r>
+              <a:rPr lang="en-US" sz="2400" dirty="0">
+                <a:solidFill>
+                  <a:schemeClr val="bg1">
+                    <a:lumMod val="75000"/>
+                  </a:schemeClr>
+                </a:solidFill>
+              </a:rPr>
+              <a:t> a set of coins that obtains the desired amount of change in the fewest number of coins</a:t>
+            </a:r>
+          </a:p>
+          <a:p>
+            <a:pPr>
+              <a:lnSpc>
+                <a:spcPct val="90000"/>
+              </a:lnSpc>
+              <a:defRPr/>
+            </a:pPr>
+            <a:r>
+              <a:rPr lang="en-US" sz="2400" b="1" dirty="0">
+                <a:solidFill>
+                  <a:schemeClr val="bg1">
+                    <a:lumMod val="75000"/>
+                  </a:schemeClr>
+                </a:solidFill>
+              </a:rPr>
+              <a:t>Assumptions:</a:t>
+            </a:r>
+            <a:r>
+              <a:rPr lang="en-US" sz="2400" dirty="0">
+                <a:solidFill>
+                  <a:schemeClr val="bg1">
+                    <a:lumMod val="75000"/>
+                  </a:schemeClr>
+                </a:solidFill>
+              </a:rPr>
+              <a:t> If the coins are not stated, then they are the standard quarter, dime, nickel, and penny.  All inputs are non-negative, and dollar amounts are ignored.</a:t>
+            </a:r>
+          </a:p>
+          <a:p>
+            <a:pPr>
+              <a:lnSpc>
+                <a:spcPct val="90000"/>
+              </a:lnSpc>
+              <a:defRPr/>
+            </a:pPr>
+            <a:r>
+              <a:rPr lang="en-US" sz="2400" b="1" dirty="0"/>
+              <a:t>Strategy:</a:t>
+            </a:r>
+            <a:r>
+              <a:rPr lang="en-US" sz="2400" dirty="0"/>
+              <a:t> a brute-force algorithm that considers every possibility and picks the one with the fewest number of coins</a:t>
+            </a:r>
+          </a:p>
+          <a:p>
+            <a:pPr>
+              <a:lnSpc>
+                <a:spcPct val="90000"/>
+              </a:lnSpc>
+              <a:defRPr/>
+            </a:pPr>
+            <a:r>
+              <a:rPr lang="en-US" sz="2400" b="1" dirty="0"/>
+              <a:t>Description:</a:t>
+            </a:r>
+            <a:r>
+              <a:rPr lang="en-US" sz="2400" dirty="0"/>
+              <a:t> Consider every possible combination of coins that add to the given amount (done via a depth-first search).  Return the one with the fewest number of coins.</a:t>
+            </a:r>
+            <a:endParaRPr lang="en-US" dirty="0"/>
+          </a:p>
+        </p:txBody>
+      </p:sp>
+      <p:sp>
+        <p:nvSpPr>
+          <p:cNvPr id="4" name="Slide Number Placeholder 3"/>
+          <p:cNvSpPr>
+            <a:spLocks noGrp="1"/>
+          </p:cNvSpPr>
+          <p:nvPr>
+            <p:ph type="sldNum" sz="quarter" idx="12"/>
+          </p:nvPr>
+        </p:nvSpPr>
+        <p:spPr/>
+        <p:txBody>
+          <a:bodyPr/>
+          <a:lstStyle/>
+          <a:p>
+            <a:fld id="{F26D9103-0C5C-48AC-B68E-3ED2C1647047}" type="slidenum">
+              <a:rPr lang="en-US" smtClean="0"/>
+              <a:pPr/>
+              <a:t>35</a:t>
+            </a:fld>
+            <a:endParaRPr lang="en-US"/>
+          </a:p>
+        </p:txBody>
+      </p:sp>
+    </p:spTree>
+  </p:cSld>
+  <p:clrMapOvr>
+    <a:masterClrMapping/>
+  </p:clrMapOvr>
+</p:sld>
+</file>
+
 <file path=ppt/slides/slide36.xml><?xml version="1.0" encoding="utf-8"?>
 <p:sld xmlns:a="http://schemas.openxmlformats.org/drawingml/2006/main" xmlns:r="http://schemas.openxmlformats.org/officeDocument/2006/relationships" xmlns:p="http://schemas.openxmlformats.org/presentationml/2006/main">
   <p:cSld>
@@ -10312,7 +10415,7 @@
       </p:grpSpPr>
       <p:sp>
         <p:nvSpPr>
-          <p:cNvPr id="41986" name="Title 1"/>
+          <p:cNvPr id="5" name="Title 4"/>
           <p:cNvSpPr>
             <a:spLocks noGrp="1"/>
           </p:cNvSpPr>
@@ -10326,183 +10429,34 @@
           <a:lstStyle/>
           <a:p>
             <a:r>
-              <a:rPr lang="en-US"/>
-              <a:t>Change solution (brute-force)</a:t>
-            </a:r>
-          </a:p>
-        </p:txBody>
-      </p:sp>
-      <p:sp>
-        <p:nvSpPr>
-          <p:cNvPr id="3" name="Content Placeholder 2"/>
-          <p:cNvSpPr>
-            <a:spLocks noGrp="1"/>
-          </p:cNvSpPr>
-          <p:nvPr>
-            <p:ph sz="quarter" idx="1"/>
-          </p:nvPr>
-        </p:nvSpPr>
-        <p:spPr>
-          <a:xfrm>
-            <a:off x="457200" y="1219200"/>
-            <a:ext cx="8229600" cy="5410200"/>
-          </a:xfrm>
-        </p:spPr>
-        <p:txBody>
-          <a:bodyPr>
-            <a:normAutofit/>
-          </a:bodyPr>
-          <a:lstStyle/>
-          <a:p>
-            <a:pPr>
-              <a:lnSpc>
-                <a:spcPct val="90000"/>
-              </a:lnSpc>
-              <a:defRPr/>
-            </a:pPr>
-            <a:r>
-              <a:rPr lang="en-US" sz="2400" b="1" dirty="0">
-                <a:solidFill>
-                  <a:schemeClr val="bg1">
-                    <a:lumMod val="75000"/>
-                  </a:schemeClr>
-                </a:solidFill>
-              </a:rPr>
-              <a:t>Problem description:</a:t>
-            </a:r>
-            <a:r>
-              <a:rPr lang="en-US" sz="2400" dirty="0">
-                <a:solidFill>
-                  <a:schemeClr val="bg1">
-                    <a:lumMod val="75000"/>
-                  </a:schemeClr>
-                </a:solidFill>
-              </a:rPr>
-              <a:t> providing coin change of a given amount in the fewest number of coins</a:t>
-            </a:r>
-          </a:p>
-          <a:p>
-            <a:pPr>
-              <a:lnSpc>
-                <a:spcPct val="90000"/>
-              </a:lnSpc>
-              <a:defRPr/>
-            </a:pPr>
-            <a:r>
-              <a:rPr lang="en-US" sz="2400" b="1" dirty="0">
-                <a:solidFill>
-                  <a:schemeClr val="bg1">
-                    <a:lumMod val="75000"/>
-                  </a:schemeClr>
-                </a:solidFill>
-              </a:rPr>
-              <a:t>Inputs:</a:t>
-            </a:r>
-            <a:r>
-              <a:rPr lang="en-US" sz="2400" dirty="0">
-                <a:solidFill>
-                  <a:schemeClr val="bg1">
-                    <a:lumMod val="75000"/>
-                  </a:schemeClr>
-                </a:solidFill>
-              </a:rPr>
-              <a:t> the dollar-amount to return.  Perhaps the possible set of coins, if it is non-obvious.</a:t>
-            </a:r>
-          </a:p>
-          <a:p>
-            <a:pPr>
-              <a:lnSpc>
-                <a:spcPct val="90000"/>
-              </a:lnSpc>
-              <a:defRPr/>
-            </a:pPr>
-            <a:r>
-              <a:rPr lang="en-US" sz="2400" b="1" dirty="0">
-                <a:solidFill>
-                  <a:schemeClr val="bg1">
-                    <a:lumMod val="75000"/>
-                  </a:schemeClr>
-                </a:solidFill>
-              </a:rPr>
-              <a:t>Output:</a:t>
-            </a:r>
-            <a:r>
-              <a:rPr lang="en-US" sz="2400" dirty="0">
-                <a:solidFill>
-                  <a:schemeClr val="bg1">
-                    <a:lumMod val="75000"/>
-                  </a:schemeClr>
-                </a:solidFill>
-              </a:rPr>
-              <a:t> a set of coins that obtains the desired amount of change in the fewest number of coins</a:t>
-            </a:r>
-          </a:p>
-          <a:p>
-            <a:pPr>
-              <a:lnSpc>
-                <a:spcPct val="90000"/>
-              </a:lnSpc>
-              <a:defRPr/>
-            </a:pPr>
-            <a:r>
-              <a:rPr lang="en-US" sz="2400" b="1" dirty="0">
-                <a:solidFill>
-                  <a:schemeClr val="bg1">
-                    <a:lumMod val="75000"/>
-                  </a:schemeClr>
-                </a:solidFill>
-              </a:rPr>
-              <a:t>Assumptions:</a:t>
-            </a:r>
-            <a:r>
-              <a:rPr lang="en-US" sz="2400" dirty="0">
-                <a:solidFill>
-                  <a:schemeClr val="bg1">
-                    <a:lumMod val="75000"/>
-                  </a:schemeClr>
-                </a:solidFill>
-              </a:rPr>
-              <a:t> If the coins are not stated, then they are the standard quarter, dime, nickel, and penny.  All inputs are non-negative, and dollar amounts are ignored.</a:t>
-            </a:r>
-          </a:p>
-          <a:p>
-            <a:pPr>
-              <a:lnSpc>
-                <a:spcPct val="90000"/>
-              </a:lnSpc>
-              <a:defRPr/>
-            </a:pPr>
-            <a:r>
-              <a:rPr lang="en-US" sz="2400" b="1" dirty="0"/>
-              <a:t>Strategy:</a:t>
-            </a:r>
-            <a:r>
-              <a:rPr lang="en-US" sz="2400" dirty="0"/>
-              <a:t> a brute-force algorithm that considers every possibility and picks the one with the fewest number of coins</a:t>
-            </a:r>
-          </a:p>
-          <a:p>
-            <a:pPr>
-              <a:lnSpc>
-                <a:spcPct val="90000"/>
-              </a:lnSpc>
-              <a:defRPr/>
-            </a:pPr>
-            <a:r>
-              <a:rPr lang="en-US" sz="2400" b="1" dirty="0"/>
-              <a:t>Description:</a:t>
-            </a:r>
-            <a:r>
-              <a:rPr lang="en-US" sz="2400" dirty="0"/>
-              <a:t> Consider every possible combination of coins that add to the given amount (done via a depth-first search).  Return the one with the fewest number of coins.</a:t>
-            </a:r>
-            <a:endParaRPr lang="en-US" dirty="0"/>
-          </a:p>
-        </p:txBody>
-      </p:sp>
-      <p:sp>
-        <p:nvSpPr>
-          <p:cNvPr id="4" name="Slide Number Placeholder 3"/>
+              <a:rPr lang="en-US" dirty="0"/>
+              <a:t>Motivating problems</a:t>
+            </a:r>
+          </a:p>
+        </p:txBody>
+      </p:sp>
+      <p:sp>
+        <p:nvSpPr>
+          <p:cNvPr id="6" name="Text Placeholder 5"/>
+          <p:cNvSpPr>
+            <a:spLocks noGrp="1"/>
+          </p:cNvSpPr>
+          <p:nvPr>
+            <p:ph type="body" idx="1"/>
+          </p:nvPr>
+        </p:nvSpPr>
+        <p:spPr/>
+        <p:txBody>
+          <a:bodyPr/>
+          <a:lstStyle/>
+          <a:p>
+            <a:endParaRPr lang="en-US"/>
+          </a:p>
+        </p:txBody>
+      </p:sp>
+      <p:sp>
+        <p:nvSpPr>
+          <p:cNvPr id="3" name="Slide Number Placeholder 2"/>
           <p:cNvSpPr>
             <a:spLocks noGrp="1"/>
           </p:cNvSpPr>
@@ -10533,96 +10487,6 @@
 </file>
 
 <file path=ppt/slides/slide37.xml><?xml version="1.0" encoding="utf-8"?>
-<p:sld xmlns:a="http://schemas.openxmlformats.org/drawingml/2006/main" xmlns:r="http://schemas.openxmlformats.org/officeDocument/2006/relationships" xmlns:p="http://schemas.openxmlformats.org/presentationml/2006/main">
-  <p:cSld>
-    <p:spTree>
-      <p:nvGrpSpPr>
-        <p:cNvPr id="1" name=""/>
-        <p:cNvGrpSpPr/>
-        <p:nvPr/>
-      </p:nvGrpSpPr>
-      <p:grpSpPr>
-        <a:xfrm>
-          <a:off x="0" y="0"/>
-          <a:ext cx="0" cy="0"/>
-          <a:chOff x="0" y="0"/>
-          <a:chExt cx="0" cy="0"/>
-        </a:xfrm>
-      </p:grpSpPr>
-      <p:sp>
-        <p:nvSpPr>
-          <p:cNvPr id="5" name="Title 4"/>
-          <p:cNvSpPr>
-            <a:spLocks noGrp="1"/>
-          </p:cNvSpPr>
-          <p:nvPr>
-            <p:ph type="title"/>
-          </p:nvPr>
-        </p:nvSpPr>
-        <p:spPr/>
-        <p:txBody>
-          <a:bodyPr/>
-          <a:lstStyle/>
-          <a:p>
-            <a:r>
-              <a:rPr lang="en-US" dirty="0"/>
-              <a:t>Motivating problems</a:t>
-            </a:r>
-          </a:p>
-        </p:txBody>
-      </p:sp>
-      <p:sp>
-        <p:nvSpPr>
-          <p:cNvPr id="6" name="Text Placeholder 5"/>
-          <p:cNvSpPr>
-            <a:spLocks noGrp="1"/>
-          </p:cNvSpPr>
-          <p:nvPr>
-            <p:ph type="body" idx="1"/>
-          </p:nvPr>
-        </p:nvSpPr>
-        <p:spPr/>
-        <p:txBody>
-          <a:bodyPr/>
-          <a:lstStyle/>
-          <a:p>
-            <a:endParaRPr lang="en-US"/>
-          </a:p>
-        </p:txBody>
-      </p:sp>
-      <p:sp>
-        <p:nvSpPr>
-          <p:cNvPr id="3" name="Slide Number Placeholder 2"/>
-          <p:cNvSpPr>
-            <a:spLocks noGrp="1"/>
-          </p:cNvSpPr>
-          <p:nvPr>
-            <p:ph type="sldNum" sz="quarter" idx="12"/>
-          </p:nvPr>
-        </p:nvSpPr>
-        <p:spPr/>
-        <p:txBody>
-          <a:bodyPr/>
-          <a:lstStyle/>
-          <a:p>
-            <a:fld id="{F26D9103-0C5C-48AC-B68E-3ED2C1647047}" type="slidenum">
-              <a:rPr lang="en-US" smtClean="0"/>
-              <a:pPr/>
-              <a:t>37</a:t>
-            </a:fld>
-            <a:endParaRPr lang="en-US"/>
-          </a:p>
-        </p:txBody>
-      </p:sp>
-    </p:spTree>
-  </p:cSld>
-  <p:clrMapOvr>
-    <a:masterClrMapping/>
-  </p:clrMapOvr>
-</p:sld>
-</file>
-
-<file path=ppt/slides/slide38.xml><?xml version="1.0" encoding="utf-8"?>
 <p:sld xmlns:a="http://schemas.openxmlformats.org/drawingml/2006/main" xmlns:r="http://schemas.openxmlformats.org/officeDocument/2006/relationships" xmlns:p="http://schemas.openxmlformats.org/presentationml/2006/main">
   <p:cSld>
     <p:spTree>
@@ -10778,7 +10642,7 @@
             <a:fld id="{F26D9103-0C5C-48AC-B68E-3ED2C1647047}" type="slidenum">
               <a:rPr lang="en-US" smtClean="0"/>
               <a:pPr/>
-              <a:t>38</a:t>
+              <a:t>37</a:t>
             </a:fld>
             <a:endParaRPr lang="en-US"/>
           </a:p>
@@ -10792,7 +10656,7 @@
 </p:sld>
 </file>
 
-<file path=ppt/slides/slide39.xml><?xml version="1.0" encoding="utf-8"?>
+<file path=ppt/slides/slide38.xml><?xml version="1.0" encoding="utf-8"?>
 <p:sld xmlns:a="http://schemas.openxmlformats.org/drawingml/2006/main" xmlns:r="http://schemas.openxmlformats.org/officeDocument/2006/relationships" xmlns:p="http://schemas.openxmlformats.org/presentationml/2006/main">
   <p:cSld>
     <p:spTree>
@@ -10940,7 +10804,7 @@
             <a:fld id="{F26D9103-0C5C-48AC-B68E-3ED2C1647047}" type="slidenum">
               <a:rPr lang="en-US" smtClean="0"/>
               <a:pPr/>
-              <a:t>39</a:t>
+              <a:t>38</a:t>
             </a:fld>
             <a:endParaRPr lang="en-US"/>
           </a:p>
@@ -10954,155 +10818,7 @@
 </p:sld>
 </file>
 
-<file path=ppt/slides/slide4.xml><?xml version="1.0" encoding="utf-8"?>
-<p:sld xmlns:a="http://schemas.openxmlformats.org/drawingml/2006/main" xmlns:r="http://schemas.openxmlformats.org/officeDocument/2006/relationships" xmlns:p="http://schemas.openxmlformats.org/presentationml/2006/main">
-  <p:cSld>
-    <p:spTree>
-      <p:nvGrpSpPr>
-        <p:cNvPr id="1" name=""/>
-        <p:cNvGrpSpPr/>
-        <p:nvPr/>
-      </p:nvGrpSpPr>
-      <p:grpSpPr>
-        <a:xfrm>
-          <a:off x="0" y="0"/>
-          <a:ext cx="0" cy="0"/>
-          <a:chOff x="0" y="0"/>
-          <a:chExt cx="0" cy="0"/>
-        </a:xfrm>
-      </p:grpSpPr>
-      <p:sp>
-        <p:nvSpPr>
-          <p:cNvPr id="8194" name="Rectangle 2"/>
-          <p:cNvSpPr>
-            <a:spLocks noGrp="1" noChangeArrowheads="1"/>
-          </p:cNvSpPr>
-          <p:nvPr>
-            <p:ph type="title"/>
-            <p:custDataLst>
-              <p:tags r:id="rId1"/>
-            </p:custDataLst>
-          </p:nvPr>
-        </p:nvSpPr>
-        <p:spPr/>
-        <p:txBody>
-          <a:bodyPr/>
-          <a:lstStyle/>
-          <a:p>
-            <a:r>
-              <a:rPr lang="en-US" dirty="0"/>
-              <a:t>Expectations</a:t>
-            </a:r>
-          </a:p>
-        </p:txBody>
-      </p:sp>
-      <p:sp>
-        <p:nvSpPr>
-          <p:cNvPr id="8195" name="Rectangle 3"/>
-          <p:cNvSpPr>
-            <a:spLocks noGrp="1" noChangeArrowheads="1"/>
-          </p:cNvSpPr>
-          <p:nvPr>
-            <p:ph sz="quarter" idx="1"/>
-            <p:custDataLst>
-              <p:tags r:id="rId2"/>
-            </p:custDataLst>
-          </p:nvPr>
-        </p:nvSpPr>
-        <p:spPr/>
-        <p:txBody>
-          <a:bodyPr>
-            <a:normAutofit/>
-          </a:bodyPr>
-          <a:lstStyle/>
-          <a:p>
-            <a:r>
-              <a:rPr lang="en-US" dirty="0"/>
-              <a:t>For a given week/unit, I will post:</a:t>
-            </a:r>
-          </a:p>
-          <a:p>
-            <a:pPr lvl="1"/>
-            <a:r>
-              <a:rPr lang="en-US" dirty="0"/>
-              <a:t>The slides for that unit (all slides already on course website but will be updated throughout semester)</a:t>
-            </a:r>
-          </a:p>
-          <a:p>
-            <a:pPr lvl="1"/>
-            <a:r>
-              <a:rPr lang="en-US" dirty="0"/>
-              <a:t>Any proofs that we are doing in class so you can review them</a:t>
-            </a:r>
-          </a:p>
-          <a:p>
-            <a:pPr lvl="1"/>
-            <a:endParaRPr lang="en-US" dirty="0"/>
-          </a:p>
-          <a:p>
-            <a:r>
-              <a:rPr lang="en-US" dirty="0"/>
-              <a:t>This will allow us to:</a:t>
-            </a:r>
-          </a:p>
-          <a:p>
-            <a:pPr lvl="1"/>
-            <a:r>
-              <a:rPr lang="en-US" dirty="0"/>
-              <a:t>Have more interesting class sessions than just lecturing</a:t>
-            </a:r>
-          </a:p>
-          <a:p>
-            <a:pPr lvl="1"/>
-            <a:r>
-              <a:rPr lang="en-US" dirty="0"/>
-              <a:t>A more successful educational experience (better grades)</a:t>
-            </a:r>
-          </a:p>
-          <a:p>
-            <a:endParaRPr lang="en-US" dirty="0"/>
-          </a:p>
-          <a:p>
-            <a:r>
-              <a:rPr lang="en-US" dirty="0"/>
-              <a:t>Let’s all live up to our expectations (the high ones)!</a:t>
-            </a:r>
-          </a:p>
-        </p:txBody>
-      </p:sp>
-      <p:sp>
-        <p:nvSpPr>
-          <p:cNvPr id="4" name="Slide Number Placeholder 3"/>
-          <p:cNvSpPr>
-            <a:spLocks noGrp="1"/>
-          </p:cNvSpPr>
-          <p:nvPr>
-            <p:ph type="sldNum" sz="quarter" idx="12"/>
-          </p:nvPr>
-        </p:nvSpPr>
-        <p:spPr/>
-        <p:txBody>
-          <a:bodyPr/>
-          <a:lstStyle/>
-          <a:p>
-            <a:fld id="{F26D9103-0C5C-48AC-B68E-3ED2C1647047}" type="slidenum">
-              <a:rPr lang="en-US" smtClean="0"/>
-              <a:pPr/>
-              <a:t>4</a:t>
-            </a:fld>
-            <a:endParaRPr lang="en-US" dirty="0"/>
-          </a:p>
-        </p:txBody>
-      </p:sp>
-    </p:spTree>
-  </p:cSld>
-  <p:clrMapOvr>
-    <a:masterClrMapping/>
-  </p:clrMapOvr>
-</p:sld>
-</file>
-
-<file path=ppt/slides/slide40.xml><?xml version="1.0" encoding="utf-8"?>
+<file path=ppt/slides/slide39.xml><?xml version="1.0" encoding="utf-8"?>
 <p:sld xmlns:a="http://schemas.openxmlformats.org/drawingml/2006/main" xmlns:r="http://schemas.openxmlformats.org/officeDocument/2006/relationships" xmlns:p="http://schemas.openxmlformats.org/presentationml/2006/main">
   <p:cSld>
     <p:spTree>
@@ -11343,7 +11059,7 @@
             <a:fld id="{F26D9103-0C5C-48AC-B68E-3ED2C1647047}" type="slidenum">
               <a:rPr lang="en-US" smtClean="0"/>
               <a:pPr/>
-              <a:t>40</a:t>
+              <a:t>39</a:t>
             </a:fld>
             <a:endParaRPr lang="en-US"/>
           </a:p>
@@ -11357,7 +11073,7 @@
 </p:sld>
 </file>
 
-<file path=ppt/slides/slide41.xml><?xml version="1.0" encoding="utf-8"?>
+<file path=ppt/slides/slide4.xml><?xml version="1.0" encoding="utf-8"?>
 <p:sld xmlns:a="http://schemas.openxmlformats.org/drawingml/2006/main" xmlns:r="http://schemas.openxmlformats.org/officeDocument/2006/relationships" xmlns:p="http://schemas.openxmlformats.org/presentationml/2006/main">
   <p:cSld>
     <p:spTree>
@@ -11376,584 +11092,6 @@
       </p:grpSpPr>
       <p:sp>
         <p:nvSpPr>
-          <p:cNvPr id="2" name="Title 1"/>
-          <p:cNvSpPr>
-            <a:spLocks noGrp="1"/>
-          </p:cNvSpPr>
-          <p:nvPr>
-            <p:ph type="title"/>
-          </p:nvPr>
-        </p:nvSpPr>
-        <p:spPr/>
-        <p:txBody>
-          <a:bodyPr/>
-          <a:lstStyle/>
-          <a:p>
-            <a:r>
-              <a:rPr lang="en-US" dirty="0"/>
-              <a:t>Motivating problem: Sorting</a:t>
-            </a:r>
-          </a:p>
-        </p:txBody>
-      </p:sp>
-      <p:sp>
-        <p:nvSpPr>
-          <p:cNvPr id="3" name="Slide Number Placeholder 2"/>
-          <p:cNvSpPr>
-            <a:spLocks noGrp="1"/>
-          </p:cNvSpPr>
-          <p:nvPr>
-            <p:ph type="sldNum" sz="quarter" idx="12"/>
-          </p:nvPr>
-        </p:nvSpPr>
-        <p:spPr/>
-        <p:txBody>
-          <a:bodyPr/>
-          <a:lstStyle/>
-          <a:p>
-            <a:fld id="{F26D9103-0C5C-48AC-B68E-3ED2C1647047}" type="slidenum">
-              <a:rPr lang="en-US" smtClean="0"/>
-              <a:pPr/>
-              <a:t>41</a:t>
-            </a:fld>
-            <a:endParaRPr lang="en-US"/>
-          </a:p>
-        </p:txBody>
-      </p:sp>
-      <p:sp>
-        <p:nvSpPr>
-          <p:cNvPr id="4" name="Content Placeholder 3"/>
-          <p:cNvSpPr>
-            <a:spLocks noGrp="1"/>
-          </p:cNvSpPr>
-          <p:nvPr>
-            <p:ph sz="quarter" idx="1"/>
-          </p:nvPr>
-        </p:nvSpPr>
-        <p:spPr/>
-        <p:txBody>
-          <a:bodyPr/>
-          <a:lstStyle/>
-          <a:p>
-            <a:r>
-              <a:rPr lang="en-US" dirty="0"/>
-              <a:t>How do you implement a general-purpose sort that is as efficient as possible in both space and time, and is </a:t>
-            </a:r>
-            <a:r>
-              <a:rPr lang="en-US" i="1" dirty="0"/>
-              <a:t>stable</a:t>
-            </a:r>
-            <a:r>
-              <a:rPr lang="en-US" dirty="0"/>
-              <a:t>?</a:t>
-            </a:r>
-          </a:p>
-          <a:p>
-            <a:r>
-              <a:rPr lang="en-US" dirty="0"/>
-              <a:t>One solution is merge-sort</a:t>
-            </a:r>
-          </a:p>
-          <a:p>
-            <a:pPr lvl="1" algn="l"/>
-            <a:r>
-              <a:rPr lang="en-US" dirty="0"/>
-              <a:t>We’ll see later why </a:t>
-            </a:r>
-            <a:r>
-              <a:rPr lang="en-US" dirty="0" err="1"/>
-              <a:t>quicksort</a:t>
-            </a:r>
-            <a:r>
-              <a:rPr lang="en-US" dirty="0"/>
-              <a:t>, </a:t>
-            </a:r>
-            <a:br>
-              <a:rPr lang="en-US" dirty="0"/>
-            </a:br>
-            <a:r>
-              <a:rPr lang="en-US" dirty="0" err="1"/>
-              <a:t>heapsort</a:t>
-            </a:r>
-            <a:r>
-              <a:rPr lang="en-US" dirty="0"/>
-              <a:t>, and radix sort are </a:t>
-            </a:r>
-            <a:br>
-              <a:rPr lang="en-US" dirty="0"/>
-            </a:br>
-            <a:r>
-              <a:rPr lang="en-US" dirty="0"/>
-              <a:t>not sufficient</a:t>
-            </a:r>
-          </a:p>
-          <a:p>
-            <a:pPr algn="l"/>
-            <a:r>
-              <a:rPr lang="en-US" dirty="0"/>
-              <a:t>This is an application </a:t>
-            </a:r>
-            <a:br>
-              <a:rPr lang="en-US" dirty="0"/>
-            </a:br>
-            <a:r>
-              <a:rPr lang="en-US" dirty="0"/>
-              <a:t>of both </a:t>
-            </a:r>
-            <a:r>
-              <a:rPr lang="en-US" i="1" dirty="0"/>
-              <a:t>sorting</a:t>
-            </a:r>
-            <a:r>
-              <a:rPr lang="en-US" dirty="0"/>
-              <a:t> and </a:t>
-            </a:r>
-            <a:br>
-              <a:rPr lang="en-US" dirty="0"/>
-            </a:br>
-            <a:r>
-              <a:rPr lang="en-US" i="1" dirty="0"/>
-              <a:t>divide and conquer</a:t>
-            </a:r>
-            <a:endParaRPr lang="en-US" dirty="0"/>
-          </a:p>
-        </p:txBody>
-      </p:sp>
-      <p:pic>
-        <p:nvPicPr>
-          <p:cNvPr id="5" name="Picture 4" descr="500px-Merge_sort_algorithm_diagram.svg.png"/>
-          <p:cNvPicPr>
-            <a:picLocks noChangeAspect="1"/>
-          </p:cNvPicPr>
-          <p:nvPr/>
-        </p:nvPicPr>
-        <p:blipFill>
-          <a:blip r:embed="rId2">
-            <a:clrChange>
-              <a:clrFrom>
-                <a:srgbClr val="FFFFFF"/>
-              </a:clrFrom>
-              <a:clrTo>
-                <a:srgbClr val="FFFFFF">
-                  <a:alpha val="0"/>
-                </a:srgbClr>
-              </a:clrTo>
-            </a:clrChange>
-          </a:blip>
-          <a:stretch>
-            <a:fillRect/>
-          </a:stretch>
-        </p:blipFill>
-        <p:spPr>
-          <a:xfrm>
-            <a:off x="4152900" y="2133600"/>
-            <a:ext cx="4762500" cy="4581525"/>
-          </a:xfrm>
-          <a:prstGeom prst="rect">
-            <a:avLst/>
-          </a:prstGeom>
-        </p:spPr>
-      </p:pic>
-    </p:spTree>
-  </p:cSld>
-  <p:clrMapOvr>
-    <a:masterClrMapping/>
-  </p:clrMapOvr>
-</p:sld>
-</file>
-
-<file path=ppt/slides/slide42.xml><?xml version="1.0" encoding="utf-8"?>
-<p:sld xmlns:a="http://schemas.openxmlformats.org/drawingml/2006/main" xmlns:r="http://schemas.openxmlformats.org/officeDocument/2006/relationships" xmlns:p="http://schemas.openxmlformats.org/presentationml/2006/main">
-  <p:cSld>
-    <p:spTree>
-      <p:nvGrpSpPr>
-        <p:cNvPr id="1" name=""/>
-        <p:cNvGrpSpPr/>
-        <p:nvPr/>
-      </p:nvGrpSpPr>
-      <p:grpSpPr>
-        <a:xfrm>
-          <a:off x="0" y="0"/>
-          <a:ext cx="0" cy="0"/>
-          <a:chOff x="0" y="0"/>
-          <a:chExt cx="0" cy="0"/>
-        </a:xfrm>
-      </p:grpSpPr>
-      <p:sp>
-        <p:nvSpPr>
-          <p:cNvPr id="2" name="Title 1"/>
-          <p:cNvSpPr>
-            <a:spLocks noGrp="1"/>
-          </p:cNvSpPr>
-          <p:nvPr>
-            <p:ph type="title"/>
-          </p:nvPr>
-        </p:nvSpPr>
-        <p:spPr/>
-        <p:txBody>
-          <a:bodyPr/>
-          <a:lstStyle/>
-          <a:p>
-            <a:r>
-              <a:rPr lang="en-US" dirty="0"/>
-              <a:t>Motivating problem: Independent set</a:t>
-            </a:r>
-          </a:p>
-        </p:txBody>
-      </p:sp>
-      <p:sp>
-        <p:nvSpPr>
-          <p:cNvPr id="3" name="Content Placeholder 2"/>
-          <p:cNvSpPr>
-            <a:spLocks noGrp="1"/>
-          </p:cNvSpPr>
-          <p:nvPr>
-            <p:ph sz="quarter" idx="1"/>
-          </p:nvPr>
-        </p:nvSpPr>
-        <p:spPr/>
-        <p:txBody>
-          <a:bodyPr/>
-          <a:lstStyle/>
-          <a:p>
-            <a:r>
-              <a:rPr lang="en-US" dirty="0"/>
-              <a:t>Independent set</a:t>
-            </a:r>
-          </a:p>
-          <a:p>
-            <a:pPr lvl="1"/>
-            <a:r>
-              <a:rPr lang="en-US" dirty="0"/>
-              <a:t>Given a graph </a:t>
-            </a:r>
-            <a:r>
-              <a:rPr lang="en-US" i="1" dirty="0"/>
-              <a:t>G</a:t>
-            </a:r>
-            <a:r>
-              <a:rPr lang="en-US" dirty="0"/>
-              <a:t>, find the maximum size subset </a:t>
-            </a:r>
-            <a:r>
-              <a:rPr lang="en-US" i="1" dirty="0"/>
-              <a:t>X</a:t>
-            </a:r>
-            <a:r>
-              <a:rPr lang="en-US" dirty="0"/>
-              <a:t> of </a:t>
-            </a:r>
-            <a:r>
-              <a:rPr lang="en-US" i="1" dirty="0"/>
-              <a:t>G</a:t>
-            </a:r>
-            <a:r>
-              <a:rPr lang="en-US" dirty="0"/>
-              <a:t> such that no two nodes in </a:t>
-            </a:r>
-            <a:r>
-              <a:rPr lang="en-US" i="1" dirty="0"/>
-              <a:t>X</a:t>
-            </a:r>
-            <a:r>
-              <a:rPr lang="en-US" dirty="0"/>
-              <a:t> are connected to each other</a:t>
-            </a:r>
-          </a:p>
-          <a:p>
-            <a:pPr lvl="1" algn="l"/>
-            <a:r>
-              <a:rPr lang="en-US" dirty="0"/>
-              <a:t>This is a </a:t>
-            </a:r>
-            <a:r>
-              <a:rPr lang="en-US" i="1" dirty="0"/>
-              <a:t>NP-complete</a:t>
-            </a:r>
-            <a:r>
-              <a:rPr lang="en-US" dirty="0"/>
-              <a:t> </a:t>
-            </a:r>
-            <a:br>
-              <a:rPr lang="en-US" dirty="0"/>
-            </a:br>
-            <a:r>
-              <a:rPr lang="en-US" dirty="0"/>
-              <a:t>problem</a:t>
-            </a:r>
-          </a:p>
-          <a:p>
-            <a:pPr lvl="1" algn="l"/>
-            <a:r>
-              <a:rPr lang="en-US" dirty="0"/>
-              <a:t>You’ve seen TSP (travelling </a:t>
-            </a:r>
-            <a:br>
-              <a:rPr lang="en-US" dirty="0"/>
-            </a:br>
-            <a:r>
-              <a:rPr lang="en-US" dirty="0"/>
-              <a:t>salesperson problem) in CS </a:t>
-            </a:r>
-            <a:br>
-              <a:rPr lang="en-US" dirty="0"/>
-            </a:br>
-            <a:r>
-              <a:rPr lang="en-US" dirty="0"/>
-              <a:t>2150, which is a </a:t>
-            </a:r>
-            <a:br>
-              <a:rPr lang="en-US" dirty="0"/>
-            </a:br>
-            <a:r>
-              <a:rPr lang="en-US" dirty="0"/>
-              <a:t>NP-complete problem</a:t>
-            </a:r>
-          </a:p>
-        </p:txBody>
-      </p:sp>
-      <p:pic>
-        <p:nvPicPr>
-          <p:cNvPr id="4" name="Picture 2" descr="C:\WINDOWS\Desktop\Oh_type\kleinberg_GIF_01to10\kleinberg_01F06.gif"/>
-          <p:cNvPicPr preferRelativeResize="0">
-            <a:picLocks noChangeAspect="1" noChangeArrowheads="1"/>
-          </p:cNvPicPr>
-          <p:nvPr>
-            <p:custDataLst>
-              <p:tags r:id="rId1"/>
-            </p:custDataLst>
-          </p:nvPr>
-        </p:nvPicPr>
-        <p:blipFill>
-          <a:blip r:embed="rId3"/>
-          <a:srcRect l="6671" t="9150" r="4827" b="28105"/>
-          <a:stretch>
-            <a:fillRect/>
-          </a:stretch>
-        </p:blipFill>
-        <p:spPr bwMode="auto">
-          <a:xfrm>
-            <a:off x="4495800" y="2895600"/>
-            <a:ext cx="4191000" cy="3657600"/>
-          </a:xfrm>
-          <a:prstGeom prst="rect">
-            <a:avLst/>
-          </a:prstGeom>
-          <a:noFill/>
-          <a:ln w="9525">
-            <a:noFill/>
-            <a:miter lim="800000"/>
-            <a:headEnd/>
-            <a:tailEnd/>
-          </a:ln>
-          <a:effectLst/>
-        </p:spPr>
-      </p:pic>
-      <p:sp>
-        <p:nvSpPr>
-          <p:cNvPr id="5" name="Slide Number Placeholder 4"/>
-          <p:cNvSpPr>
-            <a:spLocks noGrp="1"/>
-          </p:cNvSpPr>
-          <p:nvPr>
-            <p:ph type="sldNum" sz="quarter" idx="12"/>
-          </p:nvPr>
-        </p:nvSpPr>
-        <p:spPr/>
-        <p:txBody>
-          <a:bodyPr/>
-          <a:lstStyle/>
-          <a:p>
-            <a:fld id="{F26D9103-0C5C-48AC-B68E-3ED2C1647047}" type="slidenum">
-              <a:rPr lang="en-US" smtClean="0"/>
-              <a:pPr/>
-              <a:t>42</a:t>
-            </a:fld>
-            <a:endParaRPr lang="en-US"/>
-          </a:p>
-        </p:txBody>
-      </p:sp>
-    </p:spTree>
-  </p:cSld>
-  <p:clrMapOvr>
-    <a:masterClrMapping/>
-  </p:clrMapOvr>
-</p:sld>
-</file>
-
-<file path=ppt/slides/slide43.xml><?xml version="1.0" encoding="utf-8"?>
-<p:sld xmlns:a="http://schemas.openxmlformats.org/drawingml/2006/main" xmlns:r="http://schemas.openxmlformats.org/officeDocument/2006/relationships" xmlns:p="http://schemas.openxmlformats.org/presentationml/2006/main">
-  <p:cSld>
-    <p:spTree>
-      <p:nvGrpSpPr>
-        <p:cNvPr id="1" name=""/>
-        <p:cNvGrpSpPr/>
-        <p:nvPr/>
-      </p:nvGrpSpPr>
-      <p:grpSpPr>
-        <a:xfrm>
-          <a:off x="0" y="0"/>
-          <a:ext cx="0" cy="0"/>
-          <a:chOff x="0" y="0"/>
-          <a:chExt cx="0" cy="0"/>
-        </a:xfrm>
-      </p:grpSpPr>
-      <p:sp>
-        <p:nvSpPr>
-          <p:cNvPr id="2" name="Title 1"/>
-          <p:cNvSpPr>
-            <a:spLocks noGrp="1"/>
-          </p:cNvSpPr>
-          <p:nvPr>
-            <p:ph type="title"/>
-          </p:nvPr>
-        </p:nvSpPr>
-        <p:spPr/>
-        <p:txBody>
-          <a:bodyPr>
-            <a:normAutofit fontScale="90000"/>
-          </a:bodyPr>
-          <a:lstStyle/>
-          <a:p>
-            <a:r>
-              <a:rPr lang="en-US" dirty="0"/>
-              <a:t>Motivating problem: Competitive facility location</a:t>
-            </a:r>
-          </a:p>
-        </p:txBody>
-      </p:sp>
-      <p:sp>
-        <p:nvSpPr>
-          <p:cNvPr id="3" name="Content Placeholder 2"/>
-          <p:cNvSpPr>
-            <a:spLocks noGrp="1"/>
-          </p:cNvSpPr>
-          <p:nvPr>
-            <p:ph sz="quarter" idx="1"/>
-          </p:nvPr>
-        </p:nvSpPr>
-        <p:spPr/>
-        <p:txBody>
-          <a:bodyPr/>
-          <a:lstStyle/>
-          <a:p>
-            <a:r>
-              <a:rPr lang="en-US" dirty="0"/>
-              <a:t>Competitive facility location</a:t>
-            </a:r>
-          </a:p>
-          <a:p>
-            <a:pPr lvl="1"/>
-            <a:r>
-              <a:rPr lang="en-US" dirty="0"/>
-              <a:t>Consider a graph G, where two ‘players’ choose nodes in alternating order.  No two nodes can be chosen (by either side) if a connecting node is already chosen.  Choose the winning strategy for your player.</a:t>
-            </a:r>
-          </a:p>
-          <a:p>
-            <a:pPr lvl="1"/>
-            <a:r>
-              <a:rPr lang="en-US" dirty="0"/>
-              <a:t>This is a </a:t>
-            </a:r>
-            <a:r>
-              <a:rPr lang="en-US" i="1" dirty="0"/>
-              <a:t>PSPACE problem</a:t>
-            </a:r>
-            <a:r>
-              <a:rPr lang="en-US" dirty="0"/>
-              <a:t>, which are harder than NP-complete problems</a:t>
-            </a:r>
-          </a:p>
-        </p:txBody>
-      </p:sp>
-      <p:pic>
-        <p:nvPicPr>
-          <p:cNvPr id="4" name="Picture 2" descr="C:\WINDOWS\Desktop\Oh_type\kleinberg_GIF_01to10\kleinberg_01F07.gif"/>
-          <p:cNvPicPr preferRelativeResize="0">
-            <a:picLocks noChangeAspect="1" noChangeArrowheads="1"/>
-          </p:cNvPicPr>
-          <p:nvPr>
-            <p:custDataLst>
-              <p:tags r:id="rId1"/>
-            </p:custDataLst>
-          </p:nvPr>
-        </p:nvPicPr>
-        <p:blipFill>
-          <a:blip r:embed="rId3"/>
-          <a:srcRect b="37527"/>
-          <a:stretch>
-            <a:fillRect/>
-          </a:stretch>
-        </p:blipFill>
-        <p:spPr bwMode="auto">
-          <a:xfrm>
-            <a:off x="533400" y="4800600"/>
-            <a:ext cx="7772400" cy="914400"/>
-          </a:xfrm>
-          <a:prstGeom prst="rect">
-            <a:avLst/>
-          </a:prstGeom>
-          <a:noFill/>
-          <a:ln w="9525">
-            <a:noFill/>
-            <a:miter lim="800000"/>
-            <a:headEnd/>
-            <a:tailEnd/>
-          </a:ln>
-          <a:effectLst/>
-        </p:spPr>
-      </p:pic>
-      <p:sp>
-        <p:nvSpPr>
-          <p:cNvPr id="5" name="Slide Number Placeholder 4"/>
-          <p:cNvSpPr>
-            <a:spLocks noGrp="1"/>
-          </p:cNvSpPr>
-          <p:nvPr>
-            <p:ph type="sldNum" sz="quarter" idx="12"/>
-          </p:nvPr>
-        </p:nvSpPr>
-        <p:spPr/>
-        <p:txBody>
-          <a:bodyPr/>
-          <a:lstStyle/>
-          <a:p>
-            <a:fld id="{F26D9103-0C5C-48AC-B68E-3ED2C1647047}" type="slidenum">
-              <a:rPr lang="en-US" smtClean="0"/>
-              <a:pPr/>
-              <a:t>43</a:t>
-            </a:fld>
-            <a:endParaRPr lang="en-US"/>
-          </a:p>
-        </p:txBody>
-      </p:sp>
-    </p:spTree>
-  </p:cSld>
-  <p:clrMapOvr>
-    <a:masterClrMapping/>
-  </p:clrMapOvr>
-</p:sld>
-</file>
-
-<file path=ppt/slides/slide5.xml><?xml version="1.0" encoding="utf-8"?>
-<p:sld xmlns:a="http://schemas.openxmlformats.org/drawingml/2006/main" xmlns:r="http://schemas.openxmlformats.org/officeDocument/2006/relationships" xmlns:p="http://schemas.openxmlformats.org/presentationml/2006/main">
-  <p:cSld>
-    <p:spTree>
-      <p:nvGrpSpPr>
-        <p:cNvPr id="1" name=""/>
-        <p:cNvGrpSpPr/>
-        <p:nvPr/>
-      </p:nvGrpSpPr>
-      <p:grpSpPr>
-        <a:xfrm>
-          <a:off x="0" y="0"/>
-          <a:ext cx="0" cy="0"/>
-          <a:chOff x="0" y="0"/>
-          <a:chExt cx="0" cy="0"/>
-        </a:xfrm>
-      </p:grpSpPr>
-      <p:sp>
-        <p:nvSpPr>
           <p:cNvPr id="9218" name="Rectangle 2"/>
           <p:cNvSpPr>
             <a:spLocks noGrp="1" noChangeArrowheads="1"/>
@@ -12145,7 +11283,7 @@
             <a:fld id="{F26D9103-0C5C-48AC-B68E-3ED2C1647047}" type="slidenum">
               <a:rPr lang="en-US" smtClean="0"/>
               <a:pPr/>
-              <a:t>5</a:t>
+              <a:t>4</a:t>
             </a:fld>
             <a:endParaRPr lang="en-US"/>
           </a:p>
@@ -12362,6 +11500,739 @@
 </p:sld>
 </file>
 
+<file path=ppt/slides/slide40.xml><?xml version="1.0" encoding="utf-8"?>
+<p:sld xmlns:a="http://schemas.openxmlformats.org/drawingml/2006/main" xmlns:r="http://schemas.openxmlformats.org/officeDocument/2006/relationships" xmlns:p="http://schemas.openxmlformats.org/presentationml/2006/main">
+  <p:cSld>
+    <p:spTree>
+      <p:nvGrpSpPr>
+        <p:cNvPr id="1" name=""/>
+        <p:cNvGrpSpPr/>
+        <p:nvPr/>
+      </p:nvGrpSpPr>
+      <p:grpSpPr>
+        <a:xfrm>
+          <a:off x="0" y="0"/>
+          <a:ext cx="0" cy="0"/>
+          <a:chOff x="0" y="0"/>
+          <a:chExt cx="0" cy="0"/>
+        </a:xfrm>
+      </p:grpSpPr>
+      <p:sp>
+        <p:nvSpPr>
+          <p:cNvPr id="2" name="Title 1"/>
+          <p:cNvSpPr>
+            <a:spLocks noGrp="1"/>
+          </p:cNvSpPr>
+          <p:nvPr>
+            <p:ph type="title"/>
+          </p:nvPr>
+        </p:nvSpPr>
+        <p:spPr/>
+        <p:txBody>
+          <a:bodyPr/>
+          <a:lstStyle/>
+          <a:p>
+            <a:r>
+              <a:rPr lang="en-US" dirty="0"/>
+              <a:t>Motivating problem: Sorting</a:t>
+            </a:r>
+          </a:p>
+        </p:txBody>
+      </p:sp>
+      <p:sp>
+        <p:nvSpPr>
+          <p:cNvPr id="3" name="Slide Number Placeholder 2"/>
+          <p:cNvSpPr>
+            <a:spLocks noGrp="1"/>
+          </p:cNvSpPr>
+          <p:nvPr>
+            <p:ph type="sldNum" sz="quarter" idx="12"/>
+          </p:nvPr>
+        </p:nvSpPr>
+        <p:spPr/>
+        <p:txBody>
+          <a:bodyPr/>
+          <a:lstStyle/>
+          <a:p>
+            <a:fld id="{F26D9103-0C5C-48AC-B68E-3ED2C1647047}" type="slidenum">
+              <a:rPr lang="en-US" smtClean="0"/>
+              <a:pPr/>
+              <a:t>40</a:t>
+            </a:fld>
+            <a:endParaRPr lang="en-US"/>
+          </a:p>
+        </p:txBody>
+      </p:sp>
+      <p:sp>
+        <p:nvSpPr>
+          <p:cNvPr id="4" name="Content Placeholder 3"/>
+          <p:cNvSpPr>
+            <a:spLocks noGrp="1"/>
+          </p:cNvSpPr>
+          <p:nvPr>
+            <p:ph sz="quarter" idx="1"/>
+          </p:nvPr>
+        </p:nvSpPr>
+        <p:spPr/>
+        <p:txBody>
+          <a:bodyPr/>
+          <a:lstStyle/>
+          <a:p>
+            <a:r>
+              <a:rPr lang="en-US" dirty="0"/>
+              <a:t>How do you implement a general-purpose sort that is as efficient as possible in both space and time, and is </a:t>
+            </a:r>
+            <a:r>
+              <a:rPr lang="en-US" i="1" dirty="0"/>
+              <a:t>stable</a:t>
+            </a:r>
+            <a:r>
+              <a:rPr lang="en-US" dirty="0"/>
+              <a:t>?</a:t>
+            </a:r>
+          </a:p>
+          <a:p>
+            <a:r>
+              <a:rPr lang="en-US" dirty="0"/>
+              <a:t>One solution is merge-sort</a:t>
+            </a:r>
+          </a:p>
+          <a:p>
+            <a:pPr lvl="1" algn="l"/>
+            <a:r>
+              <a:rPr lang="en-US" dirty="0"/>
+              <a:t>We’ll see later why </a:t>
+            </a:r>
+            <a:r>
+              <a:rPr lang="en-US" dirty="0" err="1"/>
+              <a:t>quicksort</a:t>
+            </a:r>
+            <a:r>
+              <a:rPr lang="en-US" dirty="0"/>
+              <a:t>, </a:t>
+            </a:r>
+            <a:br>
+              <a:rPr lang="en-US" dirty="0"/>
+            </a:br>
+            <a:r>
+              <a:rPr lang="en-US" dirty="0" err="1"/>
+              <a:t>heapsort</a:t>
+            </a:r>
+            <a:r>
+              <a:rPr lang="en-US" dirty="0"/>
+              <a:t>, and radix sort are </a:t>
+            </a:r>
+            <a:br>
+              <a:rPr lang="en-US" dirty="0"/>
+            </a:br>
+            <a:r>
+              <a:rPr lang="en-US" dirty="0"/>
+              <a:t>not sufficient</a:t>
+            </a:r>
+          </a:p>
+          <a:p>
+            <a:pPr algn="l"/>
+            <a:r>
+              <a:rPr lang="en-US" dirty="0"/>
+              <a:t>This is an application </a:t>
+            </a:r>
+            <a:br>
+              <a:rPr lang="en-US" dirty="0"/>
+            </a:br>
+            <a:r>
+              <a:rPr lang="en-US" dirty="0"/>
+              <a:t>of both </a:t>
+            </a:r>
+            <a:r>
+              <a:rPr lang="en-US" i="1" dirty="0"/>
+              <a:t>sorting</a:t>
+            </a:r>
+            <a:r>
+              <a:rPr lang="en-US" dirty="0"/>
+              <a:t> and </a:t>
+            </a:r>
+            <a:br>
+              <a:rPr lang="en-US" dirty="0"/>
+            </a:br>
+            <a:r>
+              <a:rPr lang="en-US" i="1" dirty="0"/>
+              <a:t>divide and conquer</a:t>
+            </a:r>
+            <a:endParaRPr lang="en-US" dirty="0"/>
+          </a:p>
+        </p:txBody>
+      </p:sp>
+      <p:pic>
+        <p:nvPicPr>
+          <p:cNvPr id="5" name="Picture 4" descr="500px-Merge_sort_algorithm_diagram.svg.png"/>
+          <p:cNvPicPr>
+            <a:picLocks noChangeAspect="1"/>
+          </p:cNvPicPr>
+          <p:nvPr/>
+        </p:nvPicPr>
+        <p:blipFill>
+          <a:blip r:embed="rId2">
+            <a:clrChange>
+              <a:clrFrom>
+                <a:srgbClr val="FFFFFF"/>
+              </a:clrFrom>
+              <a:clrTo>
+                <a:srgbClr val="FFFFFF">
+                  <a:alpha val="0"/>
+                </a:srgbClr>
+              </a:clrTo>
+            </a:clrChange>
+          </a:blip>
+          <a:stretch>
+            <a:fillRect/>
+          </a:stretch>
+        </p:blipFill>
+        <p:spPr>
+          <a:xfrm>
+            <a:off x="4152900" y="2133600"/>
+            <a:ext cx="4762500" cy="4581525"/>
+          </a:xfrm>
+          <a:prstGeom prst="rect">
+            <a:avLst/>
+          </a:prstGeom>
+        </p:spPr>
+      </p:pic>
+    </p:spTree>
+  </p:cSld>
+  <p:clrMapOvr>
+    <a:masterClrMapping/>
+  </p:clrMapOvr>
+</p:sld>
+</file>
+
+<file path=ppt/slides/slide41.xml><?xml version="1.0" encoding="utf-8"?>
+<p:sld xmlns:a="http://schemas.openxmlformats.org/drawingml/2006/main" xmlns:r="http://schemas.openxmlformats.org/officeDocument/2006/relationships" xmlns:p="http://schemas.openxmlformats.org/presentationml/2006/main">
+  <p:cSld>
+    <p:spTree>
+      <p:nvGrpSpPr>
+        <p:cNvPr id="1" name=""/>
+        <p:cNvGrpSpPr/>
+        <p:nvPr/>
+      </p:nvGrpSpPr>
+      <p:grpSpPr>
+        <a:xfrm>
+          <a:off x="0" y="0"/>
+          <a:ext cx="0" cy="0"/>
+          <a:chOff x="0" y="0"/>
+          <a:chExt cx="0" cy="0"/>
+        </a:xfrm>
+      </p:grpSpPr>
+      <p:sp>
+        <p:nvSpPr>
+          <p:cNvPr id="2" name="Title 1"/>
+          <p:cNvSpPr>
+            <a:spLocks noGrp="1"/>
+          </p:cNvSpPr>
+          <p:nvPr>
+            <p:ph type="title"/>
+          </p:nvPr>
+        </p:nvSpPr>
+        <p:spPr/>
+        <p:txBody>
+          <a:bodyPr/>
+          <a:lstStyle/>
+          <a:p>
+            <a:r>
+              <a:rPr lang="en-US" dirty="0"/>
+              <a:t>Motivating problem: Independent set</a:t>
+            </a:r>
+          </a:p>
+        </p:txBody>
+      </p:sp>
+      <p:sp>
+        <p:nvSpPr>
+          <p:cNvPr id="3" name="Content Placeholder 2"/>
+          <p:cNvSpPr>
+            <a:spLocks noGrp="1"/>
+          </p:cNvSpPr>
+          <p:nvPr>
+            <p:ph sz="quarter" idx="1"/>
+          </p:nvPr>
+        </p:nvSpPr>
+        <p:spPr/>
+        <p:txBody>
+          <a:bodyPr/>
+          <a:lstStyle/>
+          <a:p>
+            <a:r>
+              <a:rPr lang="en-US" dirty="0"/>
+              <a:t>Independent set</a:t>
+            </a:r>
+          </a:p>
+          <a:p>
+            <a:pPr lvl="1"/>
+            <a:r>
+              <a:rPr lang="en-US" dirty="0"/>
+              <a:t>Given a graph </a:t>
+            </a:r>
+            <a:r>
+              <a:rPr lang="en-US" i="1" dirty="0"/>
+              <a:t>G</a:t>
+            </a:r>
+            <a:r>
+              <a:rPr lang="en-US" dirty="0"/>
+              <a:t>, find the maximum size subset </a:t>
+            </a:r>
+            <a:r>
+              <a:rPr lang="en-US" i="1" dirty="0"/>
+              <a:t>X</a:t>
+            </a:r>
+            <a:r>
+              <a:rPr lang="en-US" dirty="0"/>
+              <a:t> of </a:t>
+            </a:r>
+            <a:r>
+              <a:rPr lang="en-US" i="1" dirty="0"/>
+              <a:t>G</a:t>
+            </a:r>
+            <a:r>
+              <a:rPr lang="en-US" dirty="0"/>
+              <a:t> such that no two nodes in </a:t>
+            </a:r>
+            <a:r>
+              <a:rPr lang="en-US" i="1" dirty="0"/>
+              <a:t>X</a:t>
+            </a:r>
+            <a:r>
+              <a:rPr lang="en-US" dirty="0"/>
+              <a:t> are connected to each other</a:t>
+            </a:r>
+          </a:p>
+          <a:p>
+            <a:pPr lvl="1" algn="l"/>
+            <a:r>
+              <a:rPr lang="en-US" dirty="0"/>
+              <a:t>This is a </a:t>
+            </a:r>
+            <a:r>
+              <a:rPr lang="en-US" i="1" dirty="0"/>
+              <a:t>NP-complete</a:t>
+            </a:r>
+            <a:r>
+              <a:rPr lang="en-US" dirty="0"/>
+              <a:t> </a:t>
+            </a:r>
+            <a:br>
+              <a:rPr lang="en-US" dirty="0"/>
+            </a:br>
+            <a:r>
+              <a:rPr lang="en-US" dirty="0"/>
+              <a:t>problem</a:t>
+            </a:r>
+          </a:p>
+          <a:p>
+            <a:pPr lvl="1" algn="l"/>
+            <a:r>
+              <a:rPr lang="en-US" dirty="0"/>
+              <a:t>You’ve seen TSP (travelling </a:t>
+            </a:r>
+            <a:br>
+              <a:rPr lang="en-US" dirty="0"/>
+            </a:br>
+            <a:r>
+              <a:rPr lang="en-US" dirty="0"/>
+              <a:t>salesperson problem) in CS </a:t>
+            </a:r>
+            <a:br>
+              <a:rPr lang="en-US" dirty="0"/>
+            </a:br>
+            <a:r>
+              <a:rPr lang="en-US" dirty="0"/>
+              <a:t>2150, which is a </a:t>
+            </a:r>
+            <a:br>
+              <a:rPr lang="en-US" dirty="0"/>
+            </a:br>
+            <a:r>
+              <a:rPr lang="en-US" dirty="0"/>
+              <a:t>NP-complete problem</a:t>
+            </a:r>
+          </a:p>
+        </p:txBody>
+      </p:sp>
+      <p:pic>
+        <p:nvPicPr>
+          <p:cNvPr id="4" name="Picture 2" descr="C:\WINDOWS\Desktop\Oh_type\kleinberg_GIF_01to10\kleinberg_01F06.gif"/>
+          <p:cNvPicPr preferRelativeResize="0">
+            <a:picLocks noChangeAspect="1" noChangeArrowheads="1"/>
+          </p:cNvPicPr>
+          <p:nvPr>
+            <p:custDataLst>
+              <p:tags r:id="rId1"/>
+            </p:custDataLst>
+          </p:nvPr>
+        </p:nvPicPr>
+        <p:blipFill>
+          <a:blip r:embed="rId3"/>
+          <a:srcRect l="6671" t="9150" r="4827" b="28105"/>
+          <a:stretch>
+            <a:fillRect/>
+          </a:stretch>
+        </p:blipFill>
+        <p:spPr bwMode="auto">
+          <a:xfrm>
+            <a:off x="4495800" y="2895600"/>
+            <a:ext cx="4191000" cy="3657600"/>
+          </a:xfrm>
+          <a:prstGeom prst="rect">
+            <a:avLst/>
+          </a:prstGeom>
+          <a:noFill/>
+          <a:ln w="9525">
+            <a:noFill/>
+            <a:miter lim="800000"/>
+            <a:headEnd/>
+            <a:tailEnd/>
+          </a:ln>
+          <a:effectLst/>
+        </p:spPr>
+      </p:pic>
+      <p:sp>
+        <p:nvSpPr>
+          <p:cNvPr id="5" name="Slide Number Placeholder 4"/>
+          <p:cNvSpPr>
+            <a:spLocks noGrp="1"/>
+          </p:cNvSpPr>
+          <p:nvPr>
+            <p:ph type="sldNum" sz="quarter" idx="12"/>
+          </p:nvPr>
+        </p:nvSpPr>
+        <p:spPr/>
+        <p:txBody>
+          <a:bodyPr/>
+          <a:lstStyle/>
+          <a:p>
+            <a:fld id="{F26D9103-0C5C-48AC-B68E-3ED2C1647047}" type="slidenum">
+              <a:rPr lang="en-US" smtClean="0"/>
+              <a:pPr/>
+              <a:t>41</a:t>
+            </a:fld>
+            <a:endParaRPr lang="en-US"/>
+          </a:p>
+        </p:txBody>
+      </p:sp>
+    </p:spTree>
+  </p:cSld>
+  <p:clrMapOvr>
+    <a:masterClrMapping/>
+  </p:clrMapOvr>
+</p:sld>
+</file>
+
+<file path=ppt/slides/slide42.xml><?xml version="1.0" encoding="utf-8"?>
+<p:sld xmlns:a="http://schemas.openxmlformats.org/drawingml/2006/main" xmlns:r="http://schemas.openxmlformats.org/officeDocument/2006/relationships" xmlns:p="http://schemas.openxmlformats.org/presentationml/2006/main">
+  <p:cSld>
+    <p:spTree>
+      <p:nvGrpSpPr>
+        <p:cNvPr id="1" name=""/>
+        <p:cNvGrpSpPr/>
+        <p:nvPr/>
+      </p:nvGrpSpPr>
+      <p:grpSpPr>
+        <a:xfrm>
+          <a:off x="0" y="0"/>
+          <a:ext cx="0" cy="0"/>
+          <a:chOff x="0" y="0"/>
+          <a:chExt cx="0" cy="0"/>
+        </a:xfrm>
+      </p:grpSpPr>
+      <p:sp>
+        <p:nvSpPr>
+          <p:cNvPr id="2" name="Title 1"/>
+          <p:cNvSpPr>
+            <a:spLocks noGrp="1"/>
+          </p:cNvSpPr>
+          <p:nvPr>
+            <p:ph type="title"/>
+          </p:nvPr>
+        </p:nvSpPr>
+        <p:spPr/>
+        <p:txBody>
+          <a:bodyPr>
+            <a:normAutofit fontScale="90000"/>
+          </a:bodyPr>
+          <a:lstStyle/>
+          <a:p>
+            <a:r>
+              <a:rPr lang="en-US" dirty="0"/>
+              <a:t>Motivating problem: Competitive facility location</a:t>
+            </a:r>
+          </a:p>
+        </p:txBody>
+      </p:sp>
+      <p:sp>
+        <p:nvSpPr>
+          <p:cNvPr id="3" name="Content Placeholder 2"/>
+          <p:cNvSpPr>
+            <a:spLocks noGrp="1"/>
+          </p:cNvSpPr>
+          <p:nvPr>
+            <p:ph sz="quarter" idx="1"/>
+          </p:nvPr>
+        </p:nvSpPr>
+        <p:spPr/>
+        <p:txBody>
+          <a:bodyPr/>
+          <a:lstStyle/>
+          <a:p>
+            <a:r>
+              <a:rPr lang="en-US" dirty="0"/>
+              <a:t>Competitive facility location</a:t>
+            </a:r>
+          </a:p>
+          <a:p>
+            <a:pPr lvl="1"/>
+            <a:r>
+              <a:rPr lang="en-US" dirty="0"/>
+              <a:t>Consider a graph G, where two ‘players’ choose nodes in alternating order.  No two nodes can be chosen (by either side) if a connecting node is already chosen.  Choose the winning strategy for your player.</a:t>
+            </a:r>
+          </a:p>
+          <a:p>
+            <a:pPr lvl="1"/>
+            <a:r>
+              <a:rPr lang="en-US" dirty="0"/>
+              <a:t>This is a </a:t>
+            </a:r>
+            <a:r>
+              <a:rPr lang="en-US" i="1" dirty="0"/>
+              <a:t>PSPACE problem</a:t>
+            </a:r>
+            <a:r>
+              <a:rPr lang="en-US" dirty="0"/>
+              <a:t>, which are harder than NP-complete problems</a:t>
+            </a:r>
+          </a:p>
+        </p:txBody>
+      </p:sp>
+      <p:pic>
+        <p:nvPicPr>
+          <p:cNvPr id="4" name="Picture 2" descr="C:\WINDOWS\Desktop\Oh_type\kleinberg_GIF_01to10\kleinberg_01F07.gif"/>
+          <p:cNvPicPr preferRelativeResize="0">
+            <a:picLocks noChangeAspect="1" noChangeArrowheads="1"/>
+          </p:cNvPicPr>
+          <p:nvPr>
+            <p:custDataLst>
+              <p:tags r:id="rId1"/>
+            </p:custDataLst>
+          </p:nvPr>
+        </p:nvPicPr>
+        <p:blipFill>
+          <a:blip r:embed="rId3"/>
+          <a:srcRect b="37527"/>
+          <a:stretch>
+            <a:fillRect/>
+          </a:stretch>
+        </p:blipFill>
+        <p:spPr bwMode="auto">
+          <a:xfrm>
+            <a:off x="533400" y="4800600"/>
+            <a:ext cx="7772400" cy="914400"/>
+          </a:xfrm>
+          <a:prstGeom prst="rect">
+            <a:avLst/>
+          </a:prstGeom>
+          <a:noFill/>
+          <a:ln w="9525">
+            <a:noFill/>
+            <a:miter lim="800000"/>
+            <a:headEnd/>
+            <a:tailEnd/>
+          </a:ln>
+          <a:effectLst/>
+        </p:spPr>
+      </p:pic>
+      <p:sp>
+        <p:nvSpPr>
+          <p:cNvPr id="5" name="Slide Number Placeholder 4"/>
+          <p:cNvSpPr>
+            <a:spLocks noGrp="1"/>
+          </p:cNvSpPr>
+          <p:nvPr>
+            <p:ph type="sldNum" sz="quarter" idx="12"/>
+          </p:nvPr>
+        </p:nvSpPr>
+        <p:spPr/>
+        <p:txBody>
+          <a:bodyPr/>
+          <a:lstStyle/>
+          <a:p>
+            <a:fld id="{F26D9103-0C5C-48AC-B68E-3ED2C1647047}" type="slidenum">
+              <a:rPr lang="en-US" smtClean="0"/>
+              <a:pPr/>
+              <a:t>42</a:t>
+            </a:fld>
+            <a:endParaRPr lang="en-US"/>
+          </a:p>
+        </p:txBody>
+      </p:sp>
+    </p:spTree>
+  </p:cSld>
+  <p:clrMapOvr>
+    <a:masterClrMapping/>
+  </p:clrMapOvr>
+</p:sld>
+</file>
+
+<file path=ppt/slides/slide5.xml><?xml version="1.0" encoding="utf-8"?>
+<p:sld xmlns:a="http://schemas.openxmlformats.org/drawingml/2006/main" xmlns:r="http://schemas.openxmlformats.org/officeDocument/2006/relationships" xmlns:p="http://schemas.openxmlformats.org/presentationml/2006/main">
+  <p:cSld>
+    <p:spTree>
+      <p:nvGrpSpPr>
+        <p:cNvPr id="1" name=""/>
+        <p:cNvGrpSpPr/>
+        <p:nvPr/>
+      </p:nvGrpSpPr>
+      <p:grpSpPr>
+        <a:xfrm>
+          <a:off x="0" y="0"/>
+          <a:ext cx="0" cy="0"/>
+          <a:chOff x="0" y="0"/>
+          <a:chExt cx="0" cy="0"/>
+        </a:xfrm>
+      </p:grpSpPr>
+      <p:sp>
+        <p:nvSpPr>
+          <p:cNvPr id="7170" name="Rectangle 2"/>
+          <p:cNvSpPr>
+            <a:spLocks noGrp="1" noChangeArrowheads="1"/>
+          </p:cNvSpPr>
+          <p:nvPr>
+            <p:ph type="title"/>
+            <p:custDataLst>
+              <p:tags r:id="rId1"/>
+            </p:custDataLst>
+          </p:nvPr>
+        </p:nvSpPr>
+        <p:spPr/>
+        <p:txBody>
+          <a:bodyPr/>
+          <a:lstStyle/>
+          <a:p>
+            <a:r>
+              <a:rPr lang="en-US" dirty="0"/>
+              <a:t>General Info</a:t>
+            </a:r>
+          </a:p>
+        </p:txBody>
+      </p:sp>
+      <p:sp>
+        <p:nvSpPr>
+          <p:cNvPr id="7171" name="Rectangle 3"/>
+          <p:cNvSpPr>
+            <a:spLocks noGrp="1" noChangeArrowheads="1"/>
+          </p:cNvSpPr>
+          <p:nvPr>
+            <p:ph sz="quarter" idx="1"/>
+            <p:custDataLst>
+              <p:tags r:id="rId2"/>
+            </p:custDataLst>
+          </p:nvPr>
+        </p:nvSpPr>
+        <p:spPr/>
+        <p:txBody>
+          <a:bodyPr/>
+          <a:lstStyle/>
+          <a:p>
+            <a:r>
+              <a:rPr lang="en-US" dirty="0"/>
+              <a:t>Recommended (not required) Textbook:</a:t>
+            </a:r>
+          </a:p>
+          <a:p>
+            <a:pPr lvl="1"/>
+            <a:r>
+              <a:rPr lang="en-US" dirty="0"/>
+              <a:t>Introduction to Algorithms, 3</a:t>
+            </a:r>
+            <a:r>
+              <a:rPr lang="en-US" baseline="30000" dirty="0"/>
+              <a:t>rd</a:t>
+            </a:r>
+            <a:r>
+              <a:rPr lang="en-US" dirty="0"/>
+              <a:t> edition, by </a:t>
+            </a:r>
+            <a:r>
+              <a:rPr lang="en-US" dirty="0" err="1"/>
+              <a:t>Cormen</a:t>
+            </a:r>
+            <a:r>
+              <a:rPr lang="en-US" dirty="0"/>
+              <a:t>, et. al.</a:t>
+            </a:r>
+          </a:p>
+          <a:p>
+            <a:r>
+              <a:rPr lang="en-US" dirty="0"/>
+              <a:t>Other references:</a:t>
+            </a:r>
+          </a:p>
+          <a:p>
+            <a:pPr lvl="1"/>
+            <a:r>
+              <a:rPr lang="en-US" dirty="0"/>
+              <a:t>Your CS2150 material (will be VERY useful here)</a:t>
+            </a:r>
+          </a:p>
+          <a:p>
+            <a:pPr lvl="1"/>
+            <a:r>
+              <a:rPr lang="en-US" dirty="0"/>
+              <a:t>Discrete Math textbook / references</a:t>
+            </a:r>
+          </a:p>
+          <a:p>
+            <a:r>
+              <a:rPr lang="en-US" dirty="0"/>
+              <a:t>Other readings may be assigned</a:t>
+            </a:r>
+          </a:p>
+          <a:p>
+            <a:pPr lvl="1"/>
+            <a:r>
+              <a:rPr lang="en-US" dirty="0"/>
+              <a:t>We’ll see…</a:t>
+            </a:r>
+          </a:p>
+        </p:txBody>
+      </p:sp>
+      <p:sp>
+        <p:nvSpPr>
+          <p:cNvPr id="4" name="Slide Number Placeholder 3"/>
+          <p:cNvSpPr>
+            <a:spLocks noGrp="1"/>
+          </p:cNvSpPr>
+          <p:nvPr>
+            <p:ph type="sldNum" sz="quarter" idx="12"/>
+          </p:nvPr>
+        </p:nvSpPr>
+        <p:spPr/>
+        <p:txBody>
+          <a:bodyPr/>
+          <a:lstStyle/>
+          <a:p>
+            <a:fld id="{F26D9103-0C5C-48AC-B68E-3ED2C1647047}" type="slidenum">
+              <a:rPr lang="en-US" smtClean="0"/>
+              <a:pPr/>
+              <a:t>5</a:t>
+            </a:fld>
+            <a:endParaRPr lang="en-US"/>
+          </a:p>
+        </p:txBody>
+      </p:sp>
+    </p:spTree>
+  </p:cSld>
+  <p:clrMapOvr>
+    <a:masterClrMapping/>
+  </p:clrMapOvr>
+</p:sld>
+</file>
+
 <file path=ppt/slides/slide6.xml><?xml version="1.0" encoding="utf-8"?>
 <p:sld xmlns:a="http://schemas.openxmlformats.org/drawingml/2006/main" xmlns:r="http://schemas.openxmlformats.org/officeDocument/2006/relationships" xmlns:p="http://schemas.openxmlformats.org/presentationml/2006/main">
   <p:cSld>
@@ -12381,65 +12252,47 @@
       </p:grpSpPr>
       <p:sp>
         <p:nvSpPr>
-          <p:cNvPr id="7170" name="Rectangle 2"/>
-          <p:cNvSpPr>
-            <a:spLocks noGrp="1" noChangeArrowheads="1"/>
+          <p:cNvPr id="10243" name="Title 1"/>
+          <p:cNvSpPr>
+            <a:spLocks noGrp="1"/>
           </p:cNvSpPr>
           <p:nvPr>
             <p:ph type="title"/>
-            <p:custDataLst>
-              <p:tags r:id="rId1"/>
-            </p:custDataLst>
-          </p:nvPr>
-        </p:nvSpPr>
-        <p:spPr/>
-        <p:txBody>
-          <a:bodyPr/>
-          <a:lstStyle/>
-          <a:p>
-            <a:r>
-              <a:rPr lang="en-US" dirty="0"/>
-              <a:t>General Info</a:t>
-            </a:r>
-          </a:p>
-        </p:txBody>
-      </p:sp>
-      <p:sp>
-        <p:nvSpPr>
-          <p:cNvPr id="7171" name="Rectangle 3"/>
-          <p:cNvSpPr>
-            <a:spLocks noGrp="1" noChangeArrowheads="1"/>
+          </p:nvPr>
+        </p:nvSpPr>
+        <p:spPr/>
+        <p:txBody>
+          <a:bodyPr/>
+          <a:lstStyle/>
+          <a:p>
+            <a:r>
+              <a:rPr lang="en-US" dirty="0"/>
+              <a:t>Recommended Textbook</a:t>
+            </a:r>
+          </a:p>
+        </p:txBody>
+      </p:sp>
+      <p:sp>
+        <p:nvSpPr>
+          <p:cNvPr id="10244" name="Content Placeholder 5"/>
+          <p:cNvSpPr>
+            <a:spLocks noGrp="1"/>
           </p:cNvSpPr>
           <p:nvPr>
             <p:ph sz="quarter" idx="1"/>
-            <p:custDataLst>
-              <p:tags r:id="rId2"/>
-            </p:custDataLst>
-          </p:nvPr>
-        </p:nvSpPr>
-        <p:spPr/>
-        <p:txBody>
-          <a:bodyPr/>
-          <a:lstStyle/>
-          <a:p>
-            <a:r>
-              <a:rPr lang="en-US" dirty="0"/>
-              <a:t>Recommended (not required) Textbook:</a:t>
-            </a:r>
-          </a:p>
-          <a:p>
-            <a:pPr lvl="1"/>
-            <a:r>
-              <a:rPr lang="en-US" dirty="0"/>
-              <a:t>Introduction to Algorithms, 3</a:t>
-            </a:r>
-            <a:r>
-              <a:rPr lang="en-US" baseline="30000" dirty="0"/>
-              <a:t>rd</a:t>
-            </a:r>
-            <a:r>
-              <a:rPr lang="en-US" dirty="0"/>
-              <a:t> edition, by </a:t>
+          </p:nvPr>
+        </p:nvSpPr>
+        <p:spPr/>
+        <p:txBody>
+          <a:bodyPr>
+            <a:normAutofit/>
+          </a:bodyPr>
+          <a:lstStyle/>
+          <a:p>
+            <a:pPr algn="l"/>
+            <a:r>
+              <a:rPr lang="en-US" dirty="0"/>
+              <a:t>Introduction to Algorithms by </a:t>
             </a:r>
             <a:r>
               <a:rPr lang="en-US" dirty="0" err="1"/>
@@ -12451,43 +12304,50 @@
             </a:r>
           </a:p>
           <a:p>
-            <a:r>
-              <a:rPr lang="en-US" dirty="0"/>
-              <a:t>Other references:</a:t>
-            </a:r>
-          </a:p>
-          <a:p>
-            <a:pPr lvl="1"/>
-            <a:r>
-              <a:rPr lang="en-US" dirty="0"/>
-              <a:t>Your CS2150 material (will be VERY useful here)</a:t>
-            </a:r>
-          </a:p>
-          <a:p>
-            <a:pPr lvl="1"/>
-            <a:r>
-              <a:rPr lang="en-US" dirty="0"/>
-              <a:t>Discrete Math textbook / references</a:t>
-            </a:r>
-          </a:p>
-          <a:p>
-            <a:r>
-              <a:rPr lang="en-US" dirty="0"/>
-              <a:t>Other readings may be assigned</a:t>
-            </a:r>
-          </a:p>
-          <a:p>
-            <a:pPr lvl="1"/>
-            <a:r>
-              <a:rPr lang="en-US" dirty="0"/>
-              <a:t>We’ll see…</a:t>
-            </a:r>
-          </a:p>
-        </p:txBody>
-      </p:sp>
-      <p:sp>
-        <p:nvSpPr>
-          <p:cNvPr id="4" name="Slide Number Placeholder 3"/>
+            <a:pPr lvl="1" algn="l"/>
+            <a:r>
+              <a:rPr lang="en-US" dirty="0"/>
+              <a:t>ISBN 0262033844</a:t>
+            </a:r>
+          </a:p>
+          <a:p>
+            <a:pPr algn="l"/>
+            <a:r>
+              <a:rPr lang="en-US" dirty="0"/>
+              <a:t>We will follow selected section of the textbook, but many lecture examples will not follow the textbook examples</a:t>
+            </a:r>
+          </a:p>
+          <a:p>
+            <a:endParaRPr lang="en-US" dirty="0"/>
+          </a:p>
+        </p:txBody>
+      </p:sp>
+      <p:pic>
+        <p:nvPicPr>
+          <p:cNvPr id="7" name="Content Placeholder 6" descr="cormen-cover.jpg"/>
+          <p:cNvPicPr>
+            <a:picLocks noGrp="1" noChangeAspect="1"/>
+          </p:cNvPicPr>
+          <p:nvPr>
+            <p:ph sz="quarter" idx="2"/>
+          </p:nvPr>
+        </p:nvPicPr>
+        <p:blipFill>
+          <a:blip r:embed="rId2"/>
+          <a:stretch>
+            <a:fillRect/>
+          </a:stretch>
+        </p:blipFill>
+        <p:spPr>
+          <a:xfrm>
+            <a:off x="4632325" y="1399060"/>
+            <a:ext cx="4041775" cy="4571055"/>
+          </a:xfrm>
+        </p:spPr>
+      </p:pic>
+      <p:sp>
+        <p:nvSpPr>
+          <p:cNvPr id="8" name="Slide Number Placeholder 7"/>
           <p:cNvSpPr>
             <a:spLocks noGrp="1"/>
           </p:cNvSpPr>
@@ -12536,34 +12396,12 @@
       </p:grpSpPr>
       <p:sp>
         <p:nvSpPr>
-          <p:cNvPr id="10243" name="Title 1"/>
+          <p:cNvPr id="2" name="Title 1"/>
           <p:cNvSpPr>
             <a:spLocks noGrp="1"/>
           </p:cNvSpPr>
           <p:nvPr>
             <p:ph type="title"/>
-          </p:nvPr>
-        </p:nvSpPr>
-        <p:spPr/>
-        <p:txBody>
-          <a:bodyPr/>
-          <a:lstStyle/>
-          <a:p>
-            <a:r>
-              <a:rPr lang="en-US" dirty="0"/>
-              <a:t>Recommended Textbook</a:t>
-            </a:r>
-          </a:p>
-        </p:txBody>
-      </p:sp>
-      <p:sp>
-        <p:nvSpPr>
-          <p:cNvPr id="10244" name="Content Placeholder 5"/>
-          <p:cNvSpPr>
-            <a:spLocks noGrp="1"/>
-          </p:cNvSpPr>
-          <p:nvPr>
-            <p:ph sz="quarter" idx="1"/>
           </p:nvPr>
         </p:nvSpPr>
         <p:spPr/>
@@ -12573,65 +12411,16 @@
           </a:bodyPr>
           <a:lstStyle/>
           <a:p>
-            <a:pPr algn="l"/>
-            <a:r>
-              <a:rPr lang="en-US" dirty="0"/>
-              <a:t>Introduction to Algorithms by </a:t>
-            </a:r>
-            <a:r>
-              <a:rPr lang="en-US" dirty="0" err="1"/>
-              <a:t>Cormen</a:t>
-            </a:r>
-            <a:r>
-              <a:rPr lang="en-US" dirty="0"/>
-              <a:t>, et. al.</a:t>
-            </a:r>
-          </a:p>
-          <a:p>
-            <a:pPr lvl="1" algn="l"/>
-            <a:r>
-              <a:rPr lang="en-US" dirty="0"/>
-              <a:t>ISBN 0262033844</a:t>
-            </a:r>
-          </a:p>
-          <a:p>
-            <a:pPr algn="l"/>
-            <a:r>
-              <a:rPr lang="en-US" dirty="0"/>
-              <a:t>We will follow selected section of the textbook, but many lecture examples will not follow the textbook examples</a:t>
-            </a:r>
-          </a:p>
-          <a:p>
-            <a:endParaRPr lang="en-US" dirty="0"/>
-          </a:p>
-        </p:txBody>
-      </p:sp>
-      <p:pic>
-        <p:nvPicPr>
-          <p:cNvPr id="7" name="Content Placeholder 6" descr="cormen-cover.jpg"/>
-          <p:cNvPicPr>
-            <a:picLocks noGrp="1" noChangeAspect="1"/>
-          </p:cNvPicPr>
-          <p:nvPr>
-            <p:ph sz="quarter" idx="2"/>
-          </p:nvPr>
-        </p:nvPicPr>
-        <p:blipFill>
-          <a:blip r:embed="rId2"/>
-          <a:stretch>
-            <a:fillRect/>
-          </a:stretch>
-        </p:blipFill>
-        <p:spPr>
-          <a:xfrm>
-            <a:off x="4632325" y="1399060"/>
-            <a:ext cx="4041775" cy="4571055"/>
-          </a:xfrm>
-        </p:spPr>
-      </p:pic>
-      <p:sp>
-        <p:nvSpPr>
-          <p:cNvPr id="8" name="Slide Number Placeholder 7"/>
+            <a:r>
+              <a:rPr lang="en-US" dirty="0"/>
+              <a:t>Modules</a:t>
+            </a:r>
+          </a:p>
+        </p:txBody>
+      </p:sp>
+      <p:sp>
+        <p:nvSpPr>
+          <p:cNvPr id="4" name="Slide Number Placeholder 3"/>
           <p:cNvSpPr>
             <a:spLocks noGrp="1"/>
           </p:cNvSpPr>
@@ -12650,6 +12439,105 @@
               <a:t>7</a:t>
             </a:fld>
             <a:endParaRPr lang="en-US"/>
+          </a:p>
+        </p:txBody>
+      </p:sp>
+      <p:sp>
+        <p:nvSpPr>
+          <p:cNvPr id="3" name="Content Placeholder 2"/>
+          <p:cNvSpPr>
+            <a:spLocks noGrp="1"/>
+          </p:cNvSpPr>
+          <p:nvPr>
+            <p:ph sz="quarter" idx="1"/>
+          </p:nvPr>
+        </p:nvSpPr>
+        <p:spPr/>
+        <p:txBody>
+          <a:bodyPr>
+            <a:normAutofit/>
+          </a:bodyPr>
+          <a:lstStyle/>
+          <a:p>
+            <a:r>
+              <a:rPr lang="en-US" i="1" dirty="0"/>
+              <a:t>The course is divided into 4 modules</a:t>
+            </a:r>
+          </a:p>
+          <a:p>
+            <a:pPr lvl="1"/>
+            <a:r>
+              <a:rPr lang="en-US" i="1" dirty="0"/>
+              <a:t>Divide and Conquer / Sorting</a:t>
+            </a:r>
+          </a:p>
+          <a:p>
+            <a:pPr lvl="1"/>
+            <a:r>
+              <a:rPr lang="en-US" i="1" dirty="0"/>
+              <a:t>Graphs, MST, Find-Union</a:t>
+            </a:r>
+          </a:p>
+          <a:p>
+            <a:pPr lvl="1"/>
+            <a:r>
+              <a:rPr lang="en-US" i="1" dirty="0"/>
+              <a:t>Greedy Algorithms and Dynamic Programming</a:t>
+            </a:r>
+          </a:p>
+          <a:p>
+            <a:pPr lvl="1"/>
+            <a:r>
+              <a:rPr lang="en-US" i="1" dirty="0"/>
+              <a:t>Network Flow and Reductions</a:t>
+            </a:r>
+          </a:p>
+          <a:p>
+            <a:endParaRPr lang="en-US" i="1" dirty="0"/>
+          </a:p>
+          <a:p>
+            <a:r>
+              <a:rPr lang="en-US" i="1" dirty="0"/>
+              <a:t>Each is approximately 3 weeks of content. Each contains:</a:t>
+            </a:r>
+          </a:p>
+          <a:p>
+            <a:pPr lvl="1"/>
+            <a:r>
+              <a:rPr lang="en-US" i="1" dirty="0"/>
+              <a:t>2 basic </a:t>
+            </a:r>
+            <a:r>
+              <a:rPr lang="en-US" i="1" dirty="0" err="1"/>
+              <a:t>homeworks</a:t>
+            </a:r>
+            <a:endParaRPr lang="en-US" i="1" dirty="0"/>
+          </a:p>
+          <a:p>
+            <a:pPr lvl="1"/>
+            <a:r>
+              <a:rPr lang="en-US" i="1" dirty="0"/>
+              <a:t>2 advanced </a:t>
+            </a:r>
+            <a:r>
+              <a:rPr lang="en-US" i="1" dirty="0" err="1"/>
+              <a:t>homeworks</a:t>
+            </a:r>
+            <a:endParaRPr lang="en-US" i="1" dirty="0"/>
+          </a:p>
+          <a:p>
+            <a:pPr lvl="1"/>
+            <a:r>
+              <a:rPr lang="en-US" i="1" dirty="0"/>
+              <a:t>1 quiz</a:t>
+            </a:r>
+          </a:p>
+          <a:p>
+            <a:pPr lvl="1"/>
+            <a:r>
+              <a:rPr lang="en-US" i="1" dirty="0"/>
+              <a:t>More on all this in a moment</a:t>
+            </a:r>
           </a:p>
         </p:txBody>
       </p:sp>
@@ -12680,24 +12568,27 @@
       </p:grpSpPr>
       <p:sp>
         <p:nvSpPr>
-          <p:cNvPr id="2" name="Title 1"/>
-          <p:cNvSpPr>
-            <a:spLocks noGrp="1"/>
+          <p:cNvPr id="12290" name="Rectangle 2"/>
+          <p:cNvSpPr>
+            <a:spLocks noGrp="1" noChangeArrowheads="1"/>
           </p:cNvSpPr>
           <p:nvPr>
             <p:ph type="title"/>
           </p:nvPr>
         </p:nvSpPr>
-        <p:spPr/>
-        <p:txBody>
-          <a:bodyPr>
-            <a:normAutofit/>
-          </a:bodyPr>
-          <a:lstStyle/>
-          <a:p>
-            <a:r>
-              <a:rPr lang="en-US" dirty="0"/>
-              <a:t>Modules</a:t>
+        <p:spPr>
+          <a:xfrm>
+            <a:off x="457200" y="152400"/>
+            <a:ext cx="8229600" cy="990600"/>
+          </a:xfrm>
+        </p:spPr>
+        <p:txBody>
+          <a:bodyPr/>
+          <a:lstStyle/>
+          <a:p>
+            <a:r>
+              <a:rPr lang="en-US" dirty="0"/>
+              <a:t>Quizzes</a:t>
             </a:r>
           </a:p>
         </p:txBody>
@@ -12728,9 +12619,9 @@
       </p:sp>
       <p:sp>
         <p:nvSpPr>
-          <p:cNvPr id="3" name="Content Placeholder 2"/>
-          <p:cNvSpPr>
-            <a:spLocks noGrp="1"/>
+          <p:cNvPr id="12291" name="Rectangle 3"/>
+          <p:cNvSpPr>
+            <a:spLocks noGrp="1" noChangeArrowheads="1"/>
           </p:cNvSpPr>
           <p:nvPr>
             <p:ph sz="quarter" idx="1"/>
@@ -12738,94 +12629,85 @@
         </p:nvSpPr>
         <p:spPr/>
         <p:txBody>
-          <a:bodyPr>
-            <a:normAutofit/>
-          </a:bodyPr>
-          <a:lstStyle/>
-          <a:p>
-            <a:r>
-              <a:rPr lang="en-US" i="1" dirty="0"/>
-              <a:t>The course is divided into 4 modules</a:t>
+          <a:bodyPr/>
+          <a:lstStyle/>
+          <a:p>
+            <a:r>
+              <a:rPr lang="en-US" dirty="0"/>
+              <a:t>Short assessments for each module</a:t>
             </a:r>
           </a:p>
           <a:p>
             <a:pPr lvl="1"/>
             <a:r>
-              <a:rPr lang="en-US" i="1" dirty="0"/>
-              <a:t>Divide and Conquer / Sorting</a:t>
+              <a:rPr lang="en-US" dirty="0"/>
+              <a:t>Will be take-home over an ~24 hour period</a:t>
             </a:r>
           </a:p>
           <a:p>
             <a:pPr lvl="1"/>
             <a:r>
-              <a:rPr lang="en-US" i="1" dirty="0"/>
-              <a:t>Graphs, MST, Find-Union</a:t>
+              <a:rPr lang="en-US" dirty="0"/>
+              <a:t>Meant to challenge your problem-solving skills, make sure you attended class, force you to analyze across topics, etc.</a:t>
+            </a:r>
+          </a:p>
+          <a:p>
+            <a:r>
+              <a:rPr lang="en-US" dirty="0"/>
+              <a:t>Three possible grade outcomes:</a:t>
             </a:r>
           </a:p>
           <a:p>
             <a:pPr lvl="1"/>
             <a:r>
-              <a:rPr lang="en-US" i="1" dirty="0"/>
-              <a:t>Greedy Algorithms and Dynamic Programming</a:t>
+              <a:rPr lang="en-US" b="1" i="1" u="sng" dirty="0"/>
+              <a:t>Incomplete</a:t>
+            </a:r>
+            <a:r>
+              <a:rPr lang="en-US" dirty="0"/>
+              <a:t>: Knowledge not shown</a:t>
             </a:r>
           </a:p>
           <a:p>
             <a:pPr lvl="1"/>
             <a:r>
-              <a:rPr lang="en-US" i="1" dirty="0"/>
-              <a:t>Network Flow and Reductions</a:t>
-            </a:r>
-          </a:p>
-          <a:p>
-            <a:endParaRPr lang="en-US" i="1" dirty="0"/>
-          </a:p>
-          <a:p>
-            <a:r>
-              <a:rPr lang="en-US" i="1" dirty="0"/>
-              <a:t>Each is approximately 3 weeks of content. Each contains:</a:t>
+              <a:rPr lang="en-US" b="1" i="1" u="sng" dirty="0"/>
+              <a:t>Satisfactory</a:t>
+            </a:r>
+            <a:r>
+              <a:rPr lang="en-US" dirty="0"/>
+              <a:t>: Good, but noticeable issues remain </a:t>
             </a:r>
           </a:p>
           <a:p>
             <a:pPr lvl="1"/>
             <a:r>
-              <a:rPr lang="en-US" i="1" dirty="0"/>
-              <a:t>2 basic </a:t>
-            </a:r>
-            <a:r>
-              <a:rPr lang="en-US" i="1" dirty="0" err="1"/>
-              <a:t>homeworks</a:t>
-            </a:r>
-            <a:endParaRPr lang="en-US" i="1" dirty="0"/>
+              <a:rPr lang="en-US" b="1" i="1" u="sng" dirty="0"/>
+              <a:t>Mastered</a:t>
+            </a:r>
+            <a:r>
+              <a:rPr lang="en-US" dirty="0"/>
+              <a:t>: Looks great, can have minor errors / flaws</a:t>
+            </a:r>
           </a:p>
           <a:p>
             <a:pPr lvl="1"/>
-            <a:r>
-              <a:rPr lang="en-US" i="1" dirty="0"/>
-              <a:t>2 advanced </a:t>
-            </a:r>
-            <a:r>
-              <a:rPr lang="en-US" i="1" dirty="0" err="1"/>
-              <a:t>homeworks</a:t>
-            </a:r>
-            <a:endParaRPr lang="en-US" i="1" dirty="0"/>
-          </a:p>
-          <a:p>
-            <a:pPr lvl="1"/>
-            <a:r>
-              <a:rPr lang="en-US" i="1" dirty="0"/>
-              <a:t>1 quiz</a:t>
-            </a:r>
-          </a:p>
-          <a:p>
-            <a:pPr lvl="1"/>
-            <a:r>
-              <a:rPr lang="en-US" i="1" dirty="0"/>
-              <a:t>More on all this in a moment</a:t>
+            <a:endParaRPr lang="en-US" dirty="0"/>
+          </a:p>
+          <a:p>
+            <a:r>
+              <a:rPr lang="en-US" dirty="0"/>
+              <a:t>You will have three attempts at most of these (sometimes only two due to time constraints). More details later.</a:t>
             </a:r>
           </a:p>
         </p:txBody>
       </p:sp>
     </p:spTree>
+    <p:extLst>
+      <p:ext uri="{BB962C8B-B14F-4D97-AF65-F5344CB8AC3E}">
+        <p14:creationId xmlns:p14="http://schemas.microsoft.com/office/powerpoint/2010/main" val="36255159"/>
+      </p:ext>
+    </p:extLst>
   </p:cSld>
   <p:clrMapOvr>
     <a:masterClrMapping/>
@@ -12871,9 +12753,10 @@
           <a:lstStyle/>
           <a:p>
             <a:r>
-              <a:rPr lang="en-US" dirty="0"/>
-              <a:t>Quizzes</a:t>
-            </a:r>
+              <a:rPr lang="en-US" dirty="0" err="1"/>
+              <a:t>Homeworks</a:t>
+            </a:r>
+            <a:endParaRPr lang="en-US" dirty="0"/>
           </a:p>
         </p:txBody>
       </p:sp>
@@ -12913,69 +12796,76 @@
         </p:nvSpPr>
         <p:spPr/>
         <p:txBody>
-          <a:bodyPr/>
-          <a:lstStyle/>
-          <a:p>
-            <a:r>
-              <a:rPr lang="en-US" dirty="0"/>
-              <a:t>Short assessments for each module</a:t>
+          <a:bodyPr>
+            <a:normAutofit lnSpcReduction="10000"/>
+          </a:bodyPr>
+          <a:lstStyle/>
+          <a:p>
+            <a:r>
+              <a:rPr lang="en-US" dirty="0"/>
+              <a:t>Most </a:t>
+            </a:r>
+            <a:r>
+              <a:rPr lang="en-US" dirty="0" err="1"/>
+              <a:t>Homeworks</a:t>
+            </a:r>
+            <a:r>
+              <a:rPr lang="en-US" dirty="0"/>
+              <a:t> are programming assignments or written descriptions of algorithms / proofs</a:t>
+            </a:r>
+          </a:p>
+          <a:p>
+            <a:r>
+              <a:rPr lang="en-US" dirty="0"/>
+              <a:t>Programming HW:</a:t>
             </a:r>
           </a:p>
           <a:p>
             <a:pPr lvl="1"/>
             <a:r>
               <a:rPr lang="en-US" dirty="0"/>
-              <a:t>Will be take-home over an ~24 hour period</a:t>
+              <a:t>Can be written in Java, C++, or Python (your choice)</a:t>
             </a:r>
           </a:p>
           <a:p>
             <a:pPr lvl="1"/>
             <a:r>
               <a:rPr lang="en-US" dirty="0"/>
-              <a:t>Meant to challenge your problem-solving skills, make sure you attended class, force you to analyze across topics, etc.</a:t>
-            </a:r>
-          </a:p>
-          <a:p>
-            <a:r>
-              <a:rPr lang="en-US" dirty="0"/>
-              <a:t>Three possible grade outcomes:</a:t>
+              <a:t>Homework will specify the problem, input, and output specs. That is it. Sometimes a target runtime will be given</a:t>
             </a:r>
           </a:p>
           <a:p>
             <a:pPr lvl="1"/>
             <a:r>
               <a:rPr lang="en-US" dirty="0"/>
-              <a:t>Incomplete: Knowledge not shown</a:t>
+              <a:t>Must also submit a written summary of your approach, and description of runtime complexity</a:t>
+            </a:r>
+          </a:p>
+          <a:p>
+            <a:r>
+              <a:rPr lang="en-US" dirty="0"/>
+              <a:t>Written HW</a:t>
             </a:r>
           </a:p>
           <a:p>
             <a:pPr lvl="1"/>
             <a:r>
               <a:rPr lang="en-US" dirty="0"/>
-              <a:t>Satisfactory: Good, but noticeable issues remain </a:t>
+              <a:t>Solving small problems, analyzing runtimes, etc.</a:t>
             </a:r>
           </a:p>
           <a:p>
             <a:pPr lvl="1"/>
             <a:r>
               <a:rPr lang="en-US" dirty="0"/>
-              <a:t>Mastered: Looks great, can have minor errors / flaws</a:t>
+              <a:t>Sometimes proofs of correctness, etc.</a:t>
             </a:r>
           </a:p>
           <a:p>
             <a:pPr lvl="1"/>
-            <a:endParaRPr lang="en-US" dirty="0"/>
-          </a:p>
-          <a:p>
-            <a:r>
-              <a:rPr lang="en-US" dirty="0"/>
-              <a:t>Will be given approximately every other week.</a:t>
-            </a:r>
-          </a:p>
-          <a:p>
-            <a:r>
-              <a:rPr lang="en-US" dirty="0"/>
-              <a:t>Can be taken multiple times (max of 3)</a:t>
+            <a:r>
+              <a:rPr lang="en-US" dirty="0"/>
+              <a:t>Written in Latex (tutorial on course webpage)</a:t>
             </a:r>
           </a:p>
         </p:txBody>
@@ -12983,7 +12873,7 @@
     </p:spTree>
     <p:extLst>
       <p:ext uri="{BB962C8B-B14F-4D97-AF65-F5344CB8AC3E}">
-        <p14:creationId xmlns:p14="http://schemas.microsoft.com/office/powerpoint/2010/main" val="36255159"/>
+        <p14:creationId xmlns:p14="http://schemas.microsoft.com/office/powerpoint/2010/main" val="2696101080"/>
       </p:ext>
     </p:extLst>
   </p:cSld>
@@ -13133,13 +13023,13 @@
 
 <file path=ppt/tags/tag30.xml><?xml version="1.0" encoding="utf-8"?>
 <p:tagLst xmlns:a="http://schemas.openxmlformats.org/drawingml/2006/main" xmlns:r="http://schemas.openxmlformats.org/officeDocument/2006/relationships" xmlns:p="http://schemas.openxmlformats.org/presentationml/2006/main">
-  <p:tag name="_INSTRUCTOR VIEW19C14C36-AC8E-43BC-9DB6-C2AAF774C7DC|PANE__TAG" val="_"/>
+  <p:tag name="IIW_TYPE_IMAGE" val="Text Box 3"/>
 </p:tagLst>
 </file>
 
 <file path=ppt/tags/tag31.xml><?xml version="1.0" encoding="utf-8"?>
 <p:tagLst xmlns:a="http://schemas.openxmlformats.org/drawingml/2006/main" xmlns:r="http://schemas.openxmlformats.org/officeDocument/2006/relationships" xmlns:p="http://schemas.openxmlformats.org/presentationml/2006/main">
-  <p:tag name="_INSTRUCTOR VIEW19C14C36-AC8E-43BC-9DB6-C2AAF774C7DC|PANE__TAG" val="_"/>
+  <p:tag name="IIW_TYPE_IMAGE" val="Text Box 3"/>
 </p:tagLst>
 </file>
 
@@ -13156,18 +13046,6 @@
 </file>
 
 <file path=ppt/tags/tag34.xml><?xml version="1.0" encoding="utf-8"?>
-<p:tagLst xmlns:a="http://schemas.openxmlformats.org/drawingml/2006/main" xmlns:r="http://schemas.openxmlformats.org/officeDocument/2006/relationships" xmlns:p="http://schemas.openxmlformats.org/presentationml/2006/main">
-  <p:tag name="IIW_TYPE_IMAGE" val="Text Box 3"/>
-</p:tagLst>
-</file>
-
-<file path=ppt/tags/tag35.xml><?xml version="1.0" encoding="utf-8"?>
-<p:tagLst xmlns:a="http://schemas.openxmlformats.org/drawingml/2006/main" xmlns:r="http://schemas.openxmlformats.org/officeDocument/2006/relationships" xmlns:p="http://schemas.openxmlformats.org/presentationml/2006/main">
-  <p:tag name="IIW_TYPE_IMAGE" val="Text Box 3"/>
-</p:tagLst>
-</file>
-
-<file path=ppt/tags/tag36.xml><?xml version="1.0" encoding="utf-8"?>
 <p:tagLst xmlns:a="http://schemas.openxmlformats.org/drawingml/2006/main" xmlns:r="http://schemas.openxmlformats.org/officeDocument/2006/relationships" xmlns:p="http://schemas.openxmlformats.org/presentationml/2006/main">
   <p:tag name="IIW_TYPE_IMAGE" val="Text Box 3"/>
 </p:tagLst>

--- a/slides/courseintroduction.pptx
+++ b/slides/courseintroduction.pptx
@@ -5,10 +5,10 @@
     <p:sldMasterId id="2147483728" r:id="rId1"/>
   </p:sldMasterIdLst>
   <p:notesMasterIdLst>
-    <p:notesMasterId r:id="rId44"/>
+    <p:notesMasterId r:id="rId46"/>
   </p:notesMasterIdLst>
   <p:handoutMasterIdLst>
-    <p:handoutMasterId r:id="rId45"/>
+    <p:handoutMasterId r:id="rId47"/>
   </p:handoutMasterIdLst>
   <p:sldIdLst>
     <p:sldId id="447" r:id="rId2"/>
@@ -27,37 +27,39 @@
     <p:sldId id="485" r:id="rId15"/>
     <p:sldId id="463" r:id="rId16"/>
     <p:sldId id="464" r:id="rId17"/>
-    <p:sldId id="491" r:id="rId18"/>
-    <p:sldId id="396" r:id="rId19"/>
-    <p:sldId id="397" r:id="rId20"/>
-    <p:sldId id="399" r:id="rId21"/>
-    <p:sldId id="400" r:id="rId22"/>
-    <p:sldId id="475" r:id="rId23"/>
-    <p:sldId id="482" r:id="rId24"/>
-    <p:sldId id="441" r:id="rId25"/>
-    <p:sldId id="435" r:id="rId26"/>
-    <p:sldId id="436" r:id="rId27"/>
-    <p:sldId id="437" r:id="rId28"/>
-    <p:sldId id="456" r:id="rId29"/>
-    <p:sldId id="457" r:id="rId30"/>
-    <p:sldId id="454" r:id="rId31"/>
-    <p:sldId id="455" r:id="rId32"/>
-    <p:sldId id="465" r:id="rId33"/>
-    <p:sldId id="466" r:id="rId34"/>
-    <p:sldId id="434" r:id="rId35"/>
-    <p:sldId id="467" r:id="rId36"/>
-    <p:sldId id="483" r:id="rId37"/>
-    <p:sldId id="476" r:id="rId38"/>
-    <p:sldId id="477" r:id="rId39"/>
-    <p:sldId id="478" r:id="rId40"/>
-    <p:sldId id="481" r:id="rId41"/>
-    <p:sldId id="479" r:id="rId42"/>
-    <p:sldId id="480" r:id="rId43"/>
+    <p:sldId id="263" r:id="rId18"/>
+    <p:sldId id="491" r:id="rId19"/>
+    <p:sldId id="493" r:id="rId20"/>
+    <p:sldId id="396" r:id="rId21"/>
+    <p:sldId id="397" r:id="rId22"/>
+    <p:sldId id="399" r:id="rId23"/>
+    <p:sldId id="400" r:id="rId24"/>
+    <p:sldId id="475" r:id="rId25"/>
+    <p:sldId id="482" r:id="rId26"/>
+    <p:sldId id="441" r:id="rId27"/>
+    <p:sldId id="435" r:id="rId28"/>
+    <p:sldId id="436" r:id="rId29"/>
+    <p:sldId id="437" r:id="rId30"/>
+    <p:sldId id="456" r:id="rId31"/>
+    <p:sldId id="457" r:id="rId32"/>
+    <p:sldId id="454" r:id="rId33"/>
+    <p:sldId id="455" r:id="rId34"/>
+    <p:sldId id="465" r:id="rId35"/>
+    <p:sldId id="466" r:id="rId36"/>
+    <p:sldId id="434" r:id="rId37"/>
+    <p:sldId id="467" r:id="rId38"/>
+    <p:sldId id="483" r:id="rId39"/>
+    <p:sldId id="476" r:id="rId40"/>
+    <p:sldId id="477" r:id="rId41"/>
+    <p:sldId id="478" r:id="rId42"/>
+    <p:sldId id="481" r:id="rId43"/>
+    <p:sldId id="479" r:id="rId44"/>
+    <p:sldId id="480" r:id="rId45"/>
   </p:sldIdLst>
   <p:sldSz cx="9144000" cy="6858000" type="screen4x3"/>
   <p:notesSz cx="7315200" cy="9601200"/>
   <p:custDataLst>
-    <p:tags r:id="rId46"/>
+    <p:tags r:id="rId48"/>
   </p:custDataLst>
   <p:defaultTextStyle>
     <a:defPPr>
@@ -952,7 +954,7 @@
             <a:fld id="{3A6D2E47-C92D-4534-9BB8-6325B253624D}" type="slidenum">
               <a:rPr lang="en-US" smtClean="0"/>
               <a:pPr/>
-              <a:t>27</a:t>
+              <a:t>29</a:t>
             </a:fld>
             <a:endParaRPr lang="en-US"/>
           </a:p>
@@ -1055,7 +1057,7 @@
             <a:fld id="{0E1F8137-5628-489C-8F34-1267C6EC6E68}" type="slidenum">
               <a:rPr lang="en-US" smtClean="0"/>
               <a:pPr/>
-              <a:t>31</a:t>
+              <a:t>33</a:t>
             </a:fld>
             <a:endParaRPr lang="en-US"/>
           </a:p>
@@ -1312,7 +1314,7 @@
             <a:fld id="{E4886CB5-510A-4EF6-9466-BC7A8F0DDE87}" type="datetime1">
               <a:rPr lang="en-US" smtClean="0"/>
               <a:pPr/>
-              <a:t>1/28/21</a:t>
+              <a:t>1/31/21</a:t>
             </a:fld>
             <a:endParaRPr lang="en-US"/>
           </a:p>
@@ -1672,7 +1674,7 @@
             <a:fld id="{9B297853-24B4-4D05-83E4-0AD2E86C55E5}" type="datetime1">
               <a:rPr lang="en-US" smtClean="0"/>
               <a:pPr/>
-              <a:t>1/28/21</a:t>
+              <a:t>1/31/21</a:t>
             </a:fld>
             <a:endParaRPr lang="en-US"/>
           </a:p>
@@ -1848,7 +1850,7 @@
             <a:fld id="{01FCDD9E-5768-4705-9537-0C020B1BB310}" type="datetime1">
               <a:rPr lang="en-US" smtClean="0"/>
               <a:pPr/>
-              <a:t>1/28/21</a:t>
+              <a:t>1/31/21</a:t>
             </a:fld>
             <a:endParaRPr lang="en-US"/>
           </a:p>
@@ -2084,7 +2086,7 @@
             <a:fld id="{4257C27E-59C2-41CA-9776-94955CBEE440}" type="datetime1">
               <a:rPr lang="en-US" smtClean="0"/>
               <a:pPr/>
-              <a:t>1/28/21</a:t>
+              <a:t>1/31/21</a:t>
             </a:fld>
             <a:endParaRPr lang="en-US"/>
           </a:p>
@@ -2370,7 +2372,7 @@
             <a:fld id="{03180747-A137-49C6-9C74-AB7EE86F4904}" type="datetime1">
               <a:rPr lang="en-US" smtClean="0"/>
               <a:pPr/>
-              <a:t>1/28/21</a:t>
+              <a:t>1/31/21</a:t>
             </a:fld>
             <a:endParaRPr lang="en-US"/>
           </a:p>
@@ -2591,7 +2593,7 @@
             <a:fld id="{EBBA31D9-ADC1-480D-86A8-1EAFB6A86A35}" type="datetime1">
               <a:rPr lang="en-US" smtClean="0"/>
               <a:pPr/>
-              <a:t>1/28/21</a:t>
+              <a:t>1/31/21</a:t>
             </a:fld>
             <a:endParaRPr lang="en-US"/>
           </a:p>
@@ -2944,7 +2946,7 @@
             <a:fld id="{80AAE9AE-3B2F-4DEA-8C41-BDDF4CDF6F40}" type="datetime1">
               <a:rPr lang="en-US" smtClean="0"/>
               <a:pPr/>
-              <a:t>1/28/21</a:t>
+              <a:t>1/31/21</a:t>
             </a:fld>
             <a:endParaRPr lang="en-US"/>
           </a:p>
@@ -3177,7 +3179,7 @@
             <a:fld id="{48252F7F-E8FE-413B-8521-D4ED924C6DE5}" type="datetime1">
               <a:rPr lang="en-US" smtClean="0"/>
               <a:pPr/>
-              <a:t>1/28/21</a:t>
+              <a:t>1/31/21</a:t>
             </a:fld>
             <a:endParaRPr lang="en-US"/>
           </a:p>
@@ -3319,7 +3321,7 @@
             <a:fld id="{2FF1B124-70E3-4E4A-90E2-6B55DB7659B3}" type="datetime1">
               <a:rPr lang="en-US" smtClean="0"/>
               <a:pPr/>
-              <a:t>1/28/21</a:t>
+              <a:t>1/31/21</a:t>
             </a:fld>
             <a:endParaRPr lang="en-US"/>
           </a:p>
@@ -3597,7 +3599,7 @@
             <a:fld id="{4EBF4C98-3CD6-4C87-BD40-5718C2628835}" type="datetime1">
               <a:rPr lang="en-US" smtClean="0"/>
               <a:pPr/>
-              <a:t>1/28/21</a:t>
+              <a:t>1/31/21</a:t>
             </a:fld>
             <a:endParaRPr lang="en-US"/>
           </a:p>
@@ -4005,7 +4007,7 @@
             <a:fld id="{6D6408A8-6B1B-4CDA-875E-7BEECDBA31DF}" type="datetime1">
               <a:rPr lang="en-US" smtClean="0"/>
               <a:pPr/>
-              <a:t>1/28/21</a:t>
+              <a:t>1/31/21</a:t>
             </a:fld>
             <a:endParaRPr lang="en-US"/>
           </a:p>
@@ -4343,7 +4345,7 @@
             <a:fld id="{C55AAF07-D2F5-4B3C-B443-40DE8C337A77}" type="datetime1">
               <a:rPr lang="en-US" smtClean="0"/>
               <a:pPr/>
-              <a:t>1/28/21</a:t>
+              <a:t>1/31/21</a:t>
             </a:fld>
             <a:endParaRPr lang="en-US"/>
           </a:p>
@@ -5297,28 +5299,30 @@
         </p:nvSpPr>
         <p:spPr/>
         <p:txBody>
-          <a:bodyPr/>
-          <a:lstStyle/>
-          <a:p>
-            <a:r>
-              <a:rPr lang="en-US" dirty="0"/>
+          <a:bodyPr>
+            <a:normAutofit lnSpcReduction="10000"/>
+          </a:bodyPr>
+          <a:lstStyle/>
+          <a:p>
+            <a:r>
+              <a:rPr lang="en-US" sz="2800" dirty="0"/>
               <a:t>Let’s look at schedule on course website </a:t>
             </a:r>
             <a:r>
-              <a:rPr lang="en-US" dirty="0">
+              <a:rPr lang="en-US" sz="2800" dirty="0">
                 <a:sym typeface="Wingdings" pitchFamily="2" charset="2"/>
               </a:rPr>
               <a:t></a:t>
             </a:r>
           </a:p>
           <a:p>
-            <a:endParaRPr lang="en-US" dirty="0">
+            <a:endParaRPr lang="en-US" sz="2800" dirty="0">
               <a:sym typeface="Wingdings" pitchFamily="2" charset="2"/>
             </a:endParaRPr>
           </a:p>
           <a:p>
             <a:r>
-              <a:rPr lang="en-US" dirty="0">
+              <a:rPr lang="en-US" sz="2800" dirty="0">
                 <a:sym typeface="Wingdings" pitchFamily="2" charset="2"/>
               </a:rPr>
               <a:t>Summary:</a:t>
@@ -5327,7 +5331,7 @@
           <a:p>
             <a:pPr lvl="1"/>
             <a:r>
-              <a:rPr lang="en-US" dirty="0">
+              <a:rPr lang="en-US" sz="2400" dirty="0">
                 <a:sym typeface="Wingdings" pitchFamily="2" charset="2"/>
               </a:rPr>
               <a:t>Quizzes are at end of every module. Most have a second attempt during the next module (if time allows)</a:t>
@@ -5336,13 +5340,23 @@
           <a:p>
             <a:pPr lvl="1"/>
             <a:r>
-              <a:rPr lang="en-US" dirty="0" err="1">
+              <a:rPr lang="en-US" sz="2400" dirty="0"/>
+              <a:t>A final “putting it all together” quiz</a:t>
+            </a:r>
+            <a:endParaRPr lang="en-US" sz="2400" dirty="0">
+              <a:sym typeface="Wingdings" pitchFamily="2" charset="2"/>
+            </a:endParaRPr>
+          </a:p>
+          <a:p>
+            <a:pPr lvl="1"/>
+            <a:r>
+              <a:rPr lang="en-US" sz="2400" dirty="0" err="1">
                 <a:sym typeface="Wingdings" pitchFamily="2" charset="2"/>
               </a:rPr>
               <a:t>Homeworks</a:t>
             </a:r>
             <a:r>
-              <a:rPr lang="en-US" dirty="0">
+              <a:rPr lang="en-US" sz="2400" dirty="0">
                 <a:sym typeface="Wingdings" pitchFamily="2" charset="2"/>
               </a:rPr>
               <a:t> have a soft deadline and a hard deadline</a:t>
@@ -5351,7 +5365,7 @@
           <a:p>
             <a:pPr lvl="2"/>
             <a:r>
-              <a:rPr lang="en-US" dirty="0">
+              <a:rPr lang="en-US" sz="2400" dirty="0">
                 <a:sym typeface="Wingdings" pitchFamily="2" charset="2"/>
               </a:rPr>
               <a:t>Will be graded and feedback given if submitted at either deadline.</a:t>
@@ -5360,24 +5374,12 @@
           <a:p>
             <a:pPr lvl="2"/>
             <a:r>
-              <a:rPr lang="en-US" dirty="0">
+              <a:rPr lang="en-US" sz="2400" dirty="0">
                 <a:sym typeface="Wingdings" pitchFamily="2" charset="2"/>
               </a:rPr>
-              <a:t>Expectation is you will submit at soft deadline, and resubmit at hard deadline IF you don’t pass the </a:t>
-            </a:r>
-            <a:r>
-              <a:rPr lang="en-US" dirty="0" err="1">
-                <a:sym typeface="Wingdings" pitchFamily="2" charset="2"/>
-              </a:rPr>
-              <a:t>hw</a:t>
-            </a:r>
-            <a:r>
-              <a:rPr lang="en-US" dirty="0">
-                <a:sym typeface="Wingdings" pitchFamily="2" charset="2"/>
-              </a:rPr>
-              <a:t>. But…up to you.</a:t>
-            </a:r>
-            <a:endParaRPr lang="en-US" dirty="0"/>
+              <a:t>Expectation is you will submit at soft deadline, and resubmit at hard deadline IF you don’t pass the HW. But…up to you.</a:t>
+            </a:r>
+            <a:endParaRPr lang="en-US" sz="2400" dirty="0"/>
           </a:p>
         </p:txBody>
       </p:sp>
@@ -5450,13 +5452,32 @@
           </a:bodyPr>
           <a:lstStyle/>
           <a:p>
-            <a:r>
-              <a:rPr lang="en-US" dirty="0"/>
-              <a:t>Our final exam time will be used to provide another attempt at each quiz.</a:t>
+            <a:pPr algn="l"/>
+            <a:r>
+              <a:rPr lang="en-US" dirty="0"/>
+              <a:t>Our final exam time will be used to:</a:t>
+            </a:r>
+            <a:br>
+              <a:rPr lang="en-US" dirty="0"/>
+            </a:br>
+            <a:r>
+              <a:rPr lang="en-US" dirty="0"/>
+              <a:t>      Provide another attempt at each module quiz, and</a:t>
+            </a:r>
+            <a:br>
+              <a:rPr lang="en-US" dirty="0"/>
+            </a:br>
+            <a:r>
+              <a:rPr lang="en-US" dirty="0"/>
+              <a:t>      Take the “putting it all together” quiz.</a:t>
             </a:r>
           </a:p>
           <a:p>
             <a:pPr lvl="1"/>
+            <a:endParaRPr lang="en-US" dirty="0"/>
+          </a:p>
+          <a:p>
+            <a:pPr lvl="1"/>
             <a:r>
               <a:rPr lang="en-US" dirty="0"/>
               <a:t>You will be given five quizzes, one per module and a final “putting it all together” quiz.</a:t>
@@ -5480,7 +5501,7 @@
             <a:pPr lvl="1"/>
             <a:r>
               <a:rPr lang="en-US" dirty="0"/>
-              <a:t>This will be your ONLY ATTEMPT at the last “putting it all together” quiz. </a:t>
+              <a:t>This will be your ONLY ATTEMPT at the “putting it all together” quiz. </a:t>
             </a:r>
           </a:p>
         </p:txBody>
@@ -6129,7 +6150,7 @@
       </p:grpSpPr>
       <p:sp>
         <p:nvSpPr>
-          <p:cNvPr id="18434" name="Title 1"/>
+          <p:cNvPr id="2" name="Title 1"/>
           <p:cNvSpPr>
             <a:spLocks noGrp="1"/>
           </p:cNvSpPr>
@@ -6144,132 +6165,526 @@
           <a:p>
             <a:r>
               <a:rPr lang="en-US" dirty="0"/>
-              <a:t>Grading Overview</a:t>
-            </a:r>
-          </a:p>
-        </p:txBody>
-      </p:sp>
-      <p:sp>
-        <p:nvSpPr>
-          <p:cNvPr id="4" name="Slide Number Placeholder 3"/>
-          <p:cNvSpPr>
-            <a:spLocks noGrp="1"/>
-          </p:cNvSpPr>
-          <p:nvPr>
-            <p:ph type="sldNum" sz="quarter" idx="12"/>
-          </p:nvPr>
-        </p:nvSpPr>
-        <p:spPr/>
-        <p:txBody>
-          <a:bodyPr/>
-          <a:lstStyle/>
-          <a:p>
-            <a:fld id="{F26D9103-0C5C-48AC-B68E-3ED2C1647047}" type="slidenum">
-              <a:rPr lang="en-US" smtClean="0"/>
-              <a:pPr/>
-              <a:t>17</a:t>
-            </a:fld>
-            <a:endParaRPr lang="en-US" dirty="0"/>
-          </a:p>
-        </p:txBody>
-      </p:sp>
-      <p:sp>
-        <p:nvSpPr>
-          <p:cNvPr id="3" name="Content Placeholder 2">
+              <a:t>Academic Integrity</a:t>
+            </a:r>
+          </a:p>
+        </p:txBody>
+      </p:sp>
+      <p:sp>
+        <p:nvSpPr>
+          <p:cNvPr id="3" name="Content Placeholder 2"/>
+          <p:cNvSpPr>
+            <a:spLocks noGrp="1"/>
+          </p:cNvSpPr>
+          <p:nvPr>
+            <p:ph idx="1"/>
+          </p:nvPr>
+        </p:nvSpPr>
+        <p:spPr>
+          <a:xfrm>
+            <a:off x="457200" y="1295400"/>
+            <a:ext cx="5562600" cy="4724400"/>
+          </a:xfrm>
+        </p:spPr>
+        <p:txBody>
+          <a:bodyPr>
+            <a:normAutofit fontScale="92500" lnSpcReduction="20000"/>
+          </a:bodyPr>
+          <a:lstStyle/>
+          <a:p>
+            <a:r>
+              <a:rPr lang="en-US" dirty="0"/>
+              <a:t>Collaboration allowed and encouraged!</a:t>
+            </a:r>
+          </a:p>
+          <a:p>
+            <a:pPr lvl="1"/>
+            <a:r>
+              <a:rPr lang="en-US" dirty="0"/>
+              <a:t>But only within your groups of up to 3 per assignment (you + 2 more)</a:t>
+            </a:r>
+          </a:p>
+          <a:p>
+            <a:r>
+              <a:rPr lang="en-US" dirty="0"/>
+              <a:t>Write-ups/code written independently</a:t>
+            </a:r>
+          </a:p>
+          <a:p>
+            <a:pPr lvl="1"/>
+            <a:r>
+              <a:rPr lang="en-US" dirty="0">
+                <a:solidFill>
+                  <a:srgbClr val="FF0000"/>
+                </a:solidFill>
+              </a:rPr>
+              <a:t>DO NOT share written solutions / code</a:t>
+            </a:r>
+          </a:p>
+          <a:p>
+            <a:pPr lvl="1"/>
+            <a:r>
+              <a:rPr lang="en-US" dirty="0">
+                <a:solidFill>
+                  <a:srgbClr val="FF0000"/>
+                </a:solidFill>
+              </a:rPr>
+              <a:t>DO NOT share documents (ex: Overleaf)</a:t>
+            </a:r>
+          </a:p>
+          <a:p>
+            <a:pPr lvl="1"/>
+            <a:r>
+              <a:rPr lang="en-US" dirty="0">
+                <a:solidFill>
+                  <a:srgbClr val="FF0000"/>
+                </a:solidFill>
+              </a:rPr>
+              <a:t>DO NOT share debugging of code</a:t>
+            </a:r>
+          </a:p>
+          <a:p>
+            <a:r>
+              <a:rPr lang="en-US" dirty="0">
+                <a:solidFill>
+                  <a:srgbClr val="FF0000"/>
+                </a:solidFill>
+              </a:rPr>
+              <a:t>DO NOT seek published solutions online</a:t>
+            </a:r>
+          </a:p>
+          <a:p>
+            <a:r>
+              <a:rPr lang="en-US" dirty="0"/>
+              <a:t>Be able to explain any solution you submit!</a:t>
+            </a:r>
+            <a:endParaRPr lang="en-US" dirty="0">
+              <a:solidFill>
+                <a:srgbClr val="FF0000"/>
+              </a:solidFill>
+            </a:endParaRPr>
+          </a:p>
+          <a:p>
+            <a:endParaRPr lang="en-US" dirty="0">
+              <a:solidFill>
+                <a:srgbClr val="FF0000"/>
+              </a:solidFill>
+            </a:endParaRPr>
+          </a:p>
+          <a:p>
+            <a:r>
+              <a:rPr lang="en-US" dirty="0"/>
+              <a:t>We will find those who don’t do the right thing.</a:t>
+            </a:r>
+          </a:p>
+        </p:txBody>
+      </p:sp>
+      <p:grpSp>
+        <p:nvGrpSpPr>
+          <p:cNvPr id="11" name="Group 10">
             <a:extLst>
               <a:ext uri="{FF2B5EF4-FFF2-40B4-BE49-F238E27FC236}">
-                <a16:creationId xmlns:a16="http://schemas.microsoft.com/office/drawing/2014/main" id="{267DFEF5-BEAA-974F-B91B-2D8B6E94C721}"/>
+                <a16:creationId xmlns:a16="http://schemas.microsoft.com/office/drawing/2014/main" id="{AB3EB379-62DF-4491-BBCC-5137CD8F09E6}"/>
               </a:ext>
             </a:extLst>
           </p:cNvPr>
-          <p:cNvSpPr>
-            <a:spLocks noGrp="1"/>
-          </p:cNvSpPr>
-          <p:nvPr>
-            <p:ph sz="quarter" idx="1"/>
-          </p:nvPr>
-        </p:nvSpPr>
-        <p:spPr/>
-        <p:txBody>
-          <a:bodyPr/>
-          <a:lstStyle/>
-          <a:p>
-            <a:r>
-              <a:rPr lang="en-US" dirty="0"/>
-              <a:t>Let’s look at how grades work on course website </a:t>
-            </a:r>
-            <a:r>
-              <a:rPr lang="en-US" dirty="0">
-                <a:sym typeface="Wingdings" pitchFamily="2" charset="2"/>
-              </a:rPr>
-              <a:t></a:t>
-            </a:r>
-          </a:p>
-          <a:p>
-            <a:endParaRPr lang="en-US" dirty="0">
-              <a:sym typeface="Wingdings" pitchFamily="2" charset="2"/>
-            </a:endParaRPr>
-          </a:p>
-          <a:p>
-            <a:r>
-              <a:rPr lang="en-US" dirty="0">
-                <a:sym typeface="Wingdings" pitchFamily="2" charset="2"/>
-              </a:rPr>
-              <a:t>Summary:</a:t>
-            </a:r>
-          </a:p>
-          <a:p>
-            <a:pPr lvl="1"/>
-            <a:r>
-              <a:rPr lang="en-US" dirty="0">
-                <a:sym typeface="Wingdings" pitchFamily="2" charset="2"/>
-              </a:rPr>
-              <a:t>Count how many </a:t>
-            </a:r>
-            <a:r>
-              <a:rPr lang="en-US" dirty="0" err="1">
-                <a:sym typeface="Wingdings" pitchFamily="2" charset="2"/>
-              </a:rPr>
-              <a:t>homeworks</a:t>
-            </a:r>
-            <a:r>
-              <a:rPr lang="en-US" dirty="0">
-                <a:sym typeface="Wingdings" pitchFamily="2" charset="2"/>
-              </a:rPr>
-              <a:t> / quizzes you’ve mastered, satisfied, etc.</a:t>
-            </a:r>
-          </a:p>
-          <a:p>
-            <a:pPr lvl="1"/>
-            <a:r>
-              <a:rPr lang="en-US" dirty="0">
-                <a:sym typeface="Wingdings" pitchFamily="2" charset="2"/>
-              </a:rPr>
-              <a:t>Look up the HIGHEST LETTER GRADE row on the table that for which you satisfy or exceed the requirements.</a:t>
-            </a:r>
-          </a:p>
-          <a:p>
-            <a:pPr lvl="2"/>
-            <a:r>
-              <a:rPr lang="en-US" dirty="0">
-                <a:sym typeface="Wingdings" pitchFamily="2" charset="2"/>
-              </a:rPr>
-              <a:t>That is your final letter grade for the course.</a:t>
-            </a:r>
-            <a:endParaRPr lang="en-US" dirty="0"/>
-          </a:p>
-        </p:txBody>
-      </p:sp>
+          <p:cNvGrpSpPr/>
+          <p:nvPr/>
+        </p:nvGrpSpPr>
+        <p:grpSpPr>
+          <a:xfrm>
+            <a:off x="6409068" y="3429000"/>
+            <a:ext cx="1980277" cy="1771651"/>
+            <a:chOff x="8326527" y="4343400"/>
+            <a:chExt cx="2640369" cy="2362201"/>
+          </a:xfrm>
+        </p:grpSpPr>
+        <p:pic>
+          <p:nvPicPr>
+            <p:cNvPr id="6" name="Picture 5">
+              <a:extLst>
+                <a:ext uri="{FF2B5EF4-FFF2-40B4-BE49-F238E27FC236}">
+                  <a16:creationId xmlns:a16="http://schemas.microsoft.com/office/drawing/2014/main" id="{6FAD62C0-7E32-4E41-A439-437A42EB0333}"/>
+                </a:ext>
+              </a:extLst>
+            </p:cNvPr>
+            <p:cNvPicPr>
+              <a:picLocks noChangeAspect="1"/>
+            </p:cNvPicPr>
+            <p:nvPr/>
+          </p:nvPicPr>
+          <p:blipFill>
+            <a:blip r:embed="rId2" cstate="email">
+              <a:extLst>
+                <a:ext uri="{28A0092B-C50C-407E-A947-70E740481C1C}">
+                  <a14:useLocalDpi xmlns:a14="http://schemas.microsoft.com/office/drawing/2010/main"/>
+                </a:ext>
+              </a:extLst>
+            </a:blip>
+            <a:stretch>
+              <a:fillRect/>
+            </a:stretch>
+          </p:blipFill>
+          <p:spPr>
+            <a:xfrm>
+              <a:off x="8326527" y="4676829"/>
+              <a:ext cx="2640369" cy="1477638"/>
+            </a:xfrm>
+            <a:prstGeom prst="rect">
+              <a:avLst/>
+            </a:prstGeom>
+            <a:solidFill>
+              <a:srgbClr val="FFFFFF">
+                <a:shade val="85000"/>
+              </a:srgbClr>
+            </a:solidFill>
+            <a:ln w="88900" cap="sq">
+              <a:solidFill>
+                <a:srgbClr val="FFFFFF"/>
+              </a:solidFill>
+              <a:miter lim="800000"/>
+            </a:ln>
+            <a:effectLst>
+              <a:outerShdw blurRad="55000" dist="18000" dir="5400000" algn="tl" rotWithShape="0">
+                <a:srgbClr val="000000">
+                  <a:alpha val="40000"/>
+                </a:srgbClr>
+              </a:outerShdw>
+            </a:effectLst>
+            <a:scene3d>
+              <a:camera prst="orthographicFront"/>
+              <a:lightRig rig="twoPt" dir="t">
+                <a:rot lat="0" lon="0" rev="7200000"/>
+              </a:lightRig>
+            </a:scene3d>
+            <a:sp3d>
+              <a:bevelT w="25400" h="19050"/>
+              <a:contourClr>
+                <a:srgbClr val="FFFFFF"/>
+              </a:contourClr>
+            </a:sp3d>
+          </p:spPr>
+        </p:pic>
+        <p:sp>
+          <p:nvSpPr>
+            <p:cNvPr id="7" name="&quot;No&quot; Symbol 7">
+              <a:extLst>
+                <a:ext uri="{FF2B5EF4-FFF2-40B4-BE49-F238E27FC236}">
+                  <a16:creationId xmlns:a16="http://schemas.microsoft.com/office/drawing/2014/main" id="{481BA617-ADD4-42D8-BBE9-2F922C116728}"/>
+                </a:ext>
+              </a:extLst>
+            </p:cNvPr>
+            <p:cNvSpPr/>
+            <p:nvPr/>
+          </p:nvSpPr>
+          <p:spPr>
+            <a:xfrm>
+              <a:off x="8501503" y="4343400"/>
+              <a:ext cx="2362201" cy="2362201"/>
+            </a:xfrm>
+            <a:prstGeom prst="noSmoking">
+              <a:avLst>
+                <a:gd name="adj" fmla="val 9414"/>
+              </a:avLst>
+            </a:prstGeom>
+            <a:solidFill>
+              <a:srgbClr val="C00000"/>
+            </a:solidFill>
+            <a:ln>
+              <a:solidFill>
+                <a:schemeClr val="tx1"/>
+              </a:solidFill>
+            </a:ln>
+          </p:spPr>
+          <p:style>
+            <a:lnRef idx="2">
+              <a:schemeClr val="accent1">
+                <a:shade val="50000"/>
+              </a:schemeClr>
+            </a:lnRef>
+            <a:fillRef idx="1">
+              <a:schemeClr val="accent1"/>
+            </a:fillRef>
+            <a:effectRef idx="0">
+              <a:schemeClr val="accent1"/>
+            </a:effectRef>
+            <a:fontRef idx="minor">
+              <a:schemeClr val="lt1"/>
+            </a:fontRef>
+          </p:style>
+          <p:txBody>
+            <a:bodyPr rtlCol="0" anchor="ctr"/>
+            <a:lstStyle/>
+            <a:p>
+              <a:pPr algn="ctr"/>
+              <a:endParaRPr lang="en-US" sz="1800">
+                <a:solidFill>
+                  <a:schemeClr val="tx1"/>
+                </a:solidFill>
+              </a:endParaRPr>
+            </a:p>
+          </p:txBody>
+        </p:sp>
+      </p:grpSp>
+      <p:grpSp>
+        <p:nvGrpSpPr>
+          <p:cNvPr id="10" name="Group 9">
+            <a:extLst>
+              <a:ext uri="{FF2B5EF4-FFF2-40B4-BE49-F238E27FC236}">
+                <a16:creationId xmlns:a16="http://schemas.microsoft.com/office/drawing/2014/main" id="{41577348-F108-4966-A808-BC996EA6F42F}"/>
+              </a:ext>
+            </a:extLst>
+          </p:cNvPr>
+          <p:cNvGrpSpPr/>
+          <p:nvPr/>
+        </p:nvGrpSpPr>
+        <p:grpSpPr>
+          <a:xfrm>
+            <a:off x="6467774" y="1279065"/>
+            <a:ext cx="1914137" cy="1771651"/>
+            <a:chOff x="8425303" y="1501219"/>
+            <a:chExt cx="2552183" cy="2362201"/>
+          </a:xfrm>
+        </p:grpSpPr>
+        <p:pic>
+          <p:nvPicPr>
+            <p:cNvPr id="8" name="Picture 7">
+              <a:extLst>
+                <a:ext uri="{FF2B5EF4-FFF2-40B4-BE49-F238E27FC236}">
+                  <a16:creationId xmlns:a16="http://schemas.microsoft.com/office/drawing/2014/main" id="{7B871F85-F248-4C9C-8D10-D4F815BEC4AA}"/>
+                </a:ext>
+              </a:extLst>
+            </p:cNvPr>
+            <p:cNvPicPr>
+              <a:picLocks noChangeAspect="1"/>
+            </p:cNvPicPr>
+            <p:nvPr/>
+          </p:nvPicPr>
+          <p:blipFill>
+            <a:blip r:embed="rId3" cstate="email">
+              <a:extLst>
+                <a:ext uri="{28A0092B-C50C-407E-A947-70E740481C1C}">
+                  <a14:useLocalDpi xmlns:a14="http://schemas.microsoft.com/office/drawing/2010/main"/>
+                </a:ext>
+              </a:extLst>
+            </a:blip>
+            <a:stretch>
+              <a:fillRect/>
+            </a:stretch>
+          </p:blipFill>
+          <p:spPr>
+            <a:xfrm>
+              <a:off x="8425303" y="1599509"/>
+              <a:ext cx="2552183" cy="1979023"/>
+            </a:xfrm>
+            <a:prstGeom prst="rect">
+              <a:avLst/>
+            </a:prstGeom>
+            <a:solidFill>
+              <a:srgbClr val="FFFFFF">
+                <a:shade val="85000"/>
+              </a:srgbClr>
+            </a:solidFill>
+            <a:ln w="88900" cap="sq">
+              <a:solidFill>
+                <a:srgbClr val="FFFFFF"/>
+              </a:solidFill>
+              <a:miter lim="800000"/>
+            </a:ln>
+            <a:effectLst>
+              <a:outerShdw blurRad="55000" dist="18000" dir="5400000" algn="tl" rotWithShape="0">
+                <a:srgbClr val="000000">
+                  <a:alpha val="40000"/>
+                </a:srgbClr>
+              </a:outerShdw>
+            </a:effectLst>
+            <a:scene3d>
+              <a:camera prst="orthographicFront"/>
+              <a:lightRig rig="twoPt" dir="t">
+                <a:rot lat="0" lon="0" rev="7200000"/>
+              </a:lightRig>
+            </a:scene3d>
+            <a:sp3d>
+              <a:bevelT w="25400" h="19050"/>
+              <a:contourClr>
+                <a:srgbClr val="FFFFFF"/>
+              </a:contourClr>
+            </a:sp3d>
+          </p:spPr>
+        </p:pic>
+        <p:sp>
+          <p:nvSpPr>
+            <p:cNvPr id="9" name="&quot;No&quot; Symbol 4">
+              <a:extLst>
+                <a:ext uri="{FF2B5EF4-FFF2-40B4-BE49-F238E27FC236}">
+                  <a16:creationId xmlns:a16="http://schemas.microsoft.com/office/drawing/2014/main" id="{192C3FA9-D1AB-4F22-9C79-26087AAA8849}"/>
+                </a:ext>
+              </a:extLst>
+            </p:cNvPr>
+            <p:cNvSpPr/>
+            <p:nvPr/>
+          </p:nvSpPr>
+          <p:spPr>
+            <a:xfrm>
+              <a:off x="8501503" y="1501219"/>
+              <a:ext cx="2362201" cy="2362201"/>
+            </a:xfrm>
+            <a:prstGeom prst="noSmoking">
+              <a:avLst>
+                <a:gd name="adj" fmla="val 9414"/>
+              </a:avLst>
+            </a:prstGeom>
+            <a:solidFill>
+              <a:srgbClr val="C00000"/>
+            </a:solidFill>
+            <a:ln>
+              <a:solidFill>
+                <a:schemeClr val="tx1"/>
+              </a:solidFill>
+            </a:ln>
+          </p:spPr>
+          <p:style>
+            <a:lnRef idx="2">
+              <a:schemeClr val="accent1">
+                <a:shade val="50000"/>
+              </a:schemeClr>
+            </a:lnRef>
+            <a:fillRef idx="1">
+              <a:schemeClr val="accent1"/>
+            </a:fillRef>
+            <a:effectRef idx="0">
+              <a:schemeClr val="accent1"/>
+            </a:effectRef>
+            <a:fontRef idx="minor">
+              <a:schemeClr val="lt1"/>
+            </a:fontRef>
+          </p:style>
+          <p:txBody>
+            <a:bodyPr rtlCol="0" anchor="ctr"/>
+            <a:lstStyle/>
+            <a:p>
+              <a:pPr algn="ctr"/>
+              <a:endParaRPr lang="en-US" sz="1800">
+                <a:solidFill>
+                  <a:schemeClr val="tx1"/>
+                </a:solidFill>
+              </a:endParaRPr>
+            </a:p>
+          </p:txBody>
+        </p:sp>
+      </p:grpSp>
     </p:spTree>
     <p:extLst>
       <p:ext uri="{BB962C8B-B14F-4D97-AF65-F5344CB8AC3E}">
-        <p14:creationId xmlns:p14="http://schemas.microsoft.com/office/powerpoint/2010/main" val="4277655406"/>
+        <p14:creationId xmlns:p14="http://schemas.microsoft.com/office/powerpoint/2010/main" val="1705420377"/>
       </p:ext>
     </p:extLst>
   </p:cSld>
   <p:clrMapOvr>
     <a:masterClrMapping/>
   </p:clrMapOvr>
+  <p:timing>
+    <p:tnLst>
+      <p:par>
+        <p:cTn id="1" dur="indefinite" restart="never" nodeType="tmRoot">
+          <p:childTnLst>
+            <p:seq concurrent="1" nextAc="seek">
+              <p:cTn id="2" dur="indefinite" nodeType="mainSeq">
+                <p:childTnLst>
+                  <p:par>
+                    <p:cTn id="3" fill="hold">
+                      <p:stCondLst>
+                        <p:cond delay="indefinite"/>
+                      </p:stCondLst>
+                      <p:childTnLst>
+                        <p:par>
+                          <p:cTn id="4" fill="hold">
+                            <p:stCondLst>
+                              <p:cond delay="0"/>
+                            </p:stCondLst>
+                            <p:childTnLst>
+                              <p:par>
+                                <p:cTn id="5" presetID="1" presetClass="entr" presetSubtype="0" fill="hold" nodeType="clickEffect">
+                                  <p:stCondLst>
+                                    <p:cond delay="0"/>
+                                  </p:stCondLst>
+                                  <p:childTnLst>
+                                    <p:set>
+                                      <p:cBhvr>
+                                        <p:cTn id="6" dur="1" fill="hold">
+                                          <p:stCondLst>
+                                            <p:cond delay="0"/>
+                                          </p:stCondLst>
+                                        </p:cTn>
+                                        <p:tgtEl>
+                                          <p:spTgt spid="10"/>
+                                        </p:tgtEl>
+                                        <p:attrNameLst>
+                                          <p:attrName>style.visibility</p:attrName>
+                                        </p:attrNameLst>
+                                      </p:cBhvr>
+                                      <p:to>
+                                        <p:strVal val="visible"/>
+                                      </p:to>
+                                    </p:set>
+                                  </p:childTnLst>
+                                </p:cTn>
+                              </p:par>
+                              <p:par>
+                                <p:cTn id="7" presetID="1" presetClass="entr" presetSubtype="0" fill="hold" nodeType="withEffect">
+                                  <p:stCondLst>
+                                    <p:cond delay="0"/>
+                                  </p:stCondLst>
+                                  <p:childTnLst>
+                                    <p:set>
+                                      <p:cBhvr>
+                                        <p:cTn id="8" dur="1" fill="hold">
+                                          <p:stCondLst>
+                                            <p:cond delay="0"/>
+                                          </p:stCondLst>
+                                        </p:cTn>
+                                        <p:tgtEl>
+                                          <p:spTgt spid="11"/>
+                                        </p:tgtEl>
+                                        <p:attrNameLst>
+                                          <p:attrName>style.visibility</p:attrName>
+                                        </p:attrNameLst>
+                                      </p:cBhvr>
+                                      <p:to>
+                                        <p:strVal val="visible"/>
+                                      </p:to>
+                                    </p:set>
+                                  </p:childTnLst>
+                                </p:cTn>
+                              </p:par>
+                            </p:childTnLst>
+                          </p:cTn>
+                        </p:par>
+                      </p:childTnLst>
+                    </p:cTn>
+                  </p:par>
+                </p:childTnLst>
+              </p:cTn>
+              <p:prevCondLst>
+                <p:cond evt="onPrev" delay="0">
+                  <p:tgtEl>
+                    <p:sldTgt/>
+                  </p:tgtEl>
+                </p:cond>
+              </p:prevCondLst>
+              <p:nextCondLst>
+                <p:cond evt="onNext" delay="0">
+                  <p:tgtEl>
+                    <p:sldTgt/>
+                  </p:tgtEl>
+                </p:cond>
+              </p:nextCondLst>
+            </p:seq>
+          </p:childTnLst>
+        </p:cTn>
+      </p:par>
+    </p:tnLst>
+  </p:timing>
 </p:sld>
 </file>
 
@@ -6292,15 +6707,12 @@
       </p:grpSpPr>
       <p:sp>
         <p:nvSpPr>
-          <p:cNvPr id="21506" name="Rectangle 2"/>
-          <p:cNvSpPr>
-            <a:spLocks noGrp="1" noChangeArrowheads="1"/>
+          <p:cNvPr id="18434" name="Title 1"/>
+          <p:cNvSpPr>
+            <a:spLocks noGrp="1"/>
           </p:cNvSpPr>
           <p:nvPr>
             <p:ph type="title"/>
-            <p:custDataLst>
-              <p:tags r:id="rId1"/>
-            </p:custDataLst>
           </p:nvPr>
         </p:nvSpPr>
         <p:spPr/>
@@ -6310,7 +6722,7 @@
           <a:p>
             <a:r>
               <a:rPr lang="en-US" dirty="0"/>
-              <a:t>What you know already from CS2150</a:t>
+              <a:t>Grading Overview</a:t>
             </a:r>
           </a:p>
         </p:txBody>
@@ -6335,21 +6747,24 @@
               <a:pPr/>
               <a:t>18</a:t>
             </a:fld>
-            <a:endParaRPr lang="en-US"/>
-          </a:p>
-        </p:txBody>
-      </p:sp>
-      <p:sp>
-        <p:nvSpPr>
-          <p:cNvPr id="21507" name="Rectangle 3"/>
-          <p:cNvSpPr>
-            <a:spLocks noGrp="1" noChangeArrowheads="1"/>
+            <a:endParaRPr lang="en-US" dirty="0"/>
+          </a:p>
+        </p:txBody>
+      </p:sp>
+      <p:sp>
+        <p:nvSpPr>
+          <p:cNvPr id="3" name="Content Placeholder 2">
+            <a:extLst>
+              <a:ext uri="{FF2B5EF4-FFF2-40B4-BE49-F238E27FC236}">
+                <a16:creationId xmlns:a16="http://schemas.microsoft.com/office/drawing/2014/main" id="{267DFEF5-BEAA-974F-B91B-2D8B6E94C721}"/>
+              </a:ext>
+            </a:extLst>
+          </p:cNvPr>
+          <p:cNvSpPr>
+            <a:spLocks noGrp="1"/>
           </p:cNvSpPr>
           <p:nvPr>
             <p:ph sz="quarter" idx="1"/>
-            <p:custDataLst>
-              <p:tags r:id="rId2"/>
-            </p:custDataLst>
           </p:nvPr>
         </p:nvSpPr>
         <p:spPr/>
@@ -6359,61 +6774,76 @@
           <a:p>
             <a:r>
               <a:rPr lang="en-US" dirty="0"/>
-              <a:t>Definition of an algorithm</a:t>
-            </a:r>
-          </a:p>
-          <a:p>
-            <a:r>
-              <a:rPr lang="en-US" dirty="0"/>
-              <a:t>Definition of algorithm “complexity”</a:t>
-            </a:r>
-          </a:p>
-          <a:p>
-            <a:r>
-              <a:rPr lang="en-US" dirty="0"/>
-              <a:t>Measuring worst-case complexity</a:t>
-            </a:r>
-          </a:p>
-          <a:p>
-            <a:r>
-              <a:rPr lang="en-US" dirty="0"/>
-              <a:t>Cost as a function of input size</a:t>
-            </a:r>
-          </a:p>
-          <a:p>
-            <a:r>
-              <a:rPr lang="en-US" dirty="0"/>
-              <a:t>Asymptotic rate of growth: Big-Oh, Big-Theta</a:t>
-            </a:r>
-          </a:p>
-          <a:p>
-            <a:r>
-              <a:rPr lang="en-US" dirty="0"/>
-              <a:t>Relative ordering of rates of growth</a:t>
-            </a:r>
-          </a:p>
-          <a:p>
-            <a:r>
-              <a:rPr lang="en-US" dirty="0"/>
-              <a:t>Analyzing an algorithm's cost:</a:t>
+              <a:t>Let’s look at how grades work on course website </a:t>
+            </a:r>
+            <a:r>
+              <a:rPr lang="en-US" dirty="0">
+                <a:sym typeface="Wingdings" pitchFamily="2" charset="2"/>
+              </a:rPr>
+              <a:t></a:t>
+            </a:r>
+          </a:p>
+          <a:p>
+            <a:endParaRPr lang="en-US" dirty="0">
+              <a:sym typeface="Wingdings" pitchFamily="2" charset="2"/>
+            </a:endParaRPr>
+          </a:p>
+          <a:p>
+            <a:r>
+              <a:rPr lang="en-US" dirty="0">
+                <a:sym typeface="Wingdings" pitchFamily="2" charset="2"/>
+              </a:rPr>
+              <a:t>Summary:</a:t>
             </a:r>
           </a:p>
           <a:p>
             <a:pPr lvl="1"/>
             <a:r>
-              <a:rPr lang="en-US" dirty="0"/>
-              <a:t>sequences, loops, if/else, functions, recursion</a:t>
-            </a:r>
-          </a:p>
-          <a:p>
-            <a:r>
-              <a:rPr lang="en-US" dirty="0"/>
-              <a:t>Focus on counting one particular statement or operation; don’t count all statements</a:t>
-            </a:r>
+              <a:rPr lang="en-US" dirty="0">
+                <a:sym typeface="Wingdings" pitchFamily="2" charset="2"/>
+              </a:rPr>
+              <a:t>Count how many </a:t>
+            </a:r>
+            <a:r>
+              <a:rPr lang="en-US" dirty="0" err="1">
+                <a:sym typeface="Wingdings" pitchFamily="2" charset="2"/>
+              </a:rPr>
+              <a:t>homeworks</a:t>
+            </a:r>
+            <a:r>
+              <a:rPr lang="en-US" dirty="0">
+                <a:sym typeface="Wingdings" pitchFamily="2" charset="2"/>
+              </a:rPr>
+              <a:t> / quizzes you’ve mastered, satisfied, etc.</a:t>
+            </a:r>
+          </a:p>
+          <a:p>
+            <a:pPr lvl="1"/>
+            <a:r>
+              <a:rPr lang="en-US" dirty="0">
+                <a:sym typeface="Wingdings" pitchFamily="2" charset="2"/>
+              </a:rPr>
+              <a:t>Look up the HIGHEST LETTER GRADE row on the table that for which you satisfy or exceed the requirements.</a:t>
+            </a:r>
+          </a:p>
+          <a:p>
+            <a:pPr lvl="2"/>
+            <a:r>
+              <a:rPr lang="en-US" dirty="0">
+                <a:sym typeface="Wingdings" pitchFamily="2" charset="2"/>
+              </a:rPr>
+              <a:t>That is your final letter grade for the course.</a:t>
+            </a:r>
+            <a:endParaRPr lang="en-US" dirty="0"/>
           </a:p>
         </p:txBody>
       </p:sp>
     </p:spTree>
+    <p:extLst>
+      <p:ext uri="{BB962C8B-B14F-4D97-AF65-F5344CB8AC3E}">
+        <p14:creationId xmlns:p14="http://schemas.microsoft.com/office/powerpoint/2010/main" val="4277655406"/>
+      </p:ext>
+    </p:extLst>
   </p:cSld>
   <p:clrMapOvr>
     <a:masterClrMapping/>
@@ -6440,39 +6870,38 @@
       </p:grpSpPr>
       <p:sp>
         <p:nvSpPr>
-          <p:cNvPr id="22530" name="Rectangle 2"/>
-          <p:cNvSpPr>
-            <a:spLocks noGrp="1" noChangeArrowheads="1"/>
+          <p:cNvPr id="2" name="Title 1">
+            <a:extLst>
+              <a:ext uri="{FF2B5EF4-FFF2-40B4-BE49-F238E27FC236}">
+                <a16:creationId xmlns:a16="http://schemas.microsoft.com/office/drawing/2014/main" id="{B6C21D28-983F-964A-89CC-AC9573CD4242}"/>
+              </a:ext>
+            </a:extLst>
+          </p:cNvPr>
+          <p:cNvSpPr>
+            <a:spLocks noGrp="1"/>
           </p:cNvSpPr>
           <p:nvPr>
             <p:ph type="title"/>
-            <p:custDataLst>
-              <p:tags r:id="rId1"/>
-            </p:custDataLst>
-          </p:nvPr>
-        </p:nvSpPr>
-        <p:spPr>
-          <a:xfrm>
-            <a:off x="457200" y="152400"/>
-            <a:ext cx="8686800" cy="990600"/>
-          </a:xfrm>
-        </p:spPr>
-        <p:txBody>
-          <a:bodyPr>
-            <a:normAutofit/>
-          </a:bodyPr>
-          <a:lstStyle/>
-          <a:p>
-            <a:r>
-              <a:rPr lang="en-US" dirty="0"/>
-              <a:t>What you know already from CS2150</a:t>
-            </a:r>
-          </a:p>
-        </p:txBody>
-      </p:sp>
-      <p:sp>
-        <p:nvSpPr>
-          <p:cNvPr id="4" name="Slide Number Placeholder 3"/>
+          </p:nvPr>
+        </p:nvSpPr>
+        <p:spPr/>
+        <p:txBody>
+          <a:bodyPr/>
+          <a:lstStyle/>
+          <a:p>
+            <a:endParaRPr lang="en-US" dirty="0"/>
+          </a:p>
+        </p:txBody>
+      </p:sp>
+      <p:sp>
+        <p:nvSpPr>
+          <p:cNvPr id="3" name="Slide Number Placeholder 2">
+            <a:extLst>
+              <a:ext uri="{FF2B5EF4-FFF2-40B4-BE49-F238E27FC236}">
+                <a16:creationId xmlns:a16="http://schemas.microsoft.com/office/drawing/2014/main" id="{30C00481-393E-2147-853E-98B0BCF84021}"/>
+              </a:ext>
+            </a:extLst>
+          </p:cNvPr>
           <p:cNvSpPr>
             <a:spLocks noGrp="1"/>
           </p:cNvSpPr>
@@ -6496,15 +6925,18 @@
       </p:sp>
       <p:sp>
         <p:nvSpPr>
-          <p:cNvPr id="22531" name="Rectangle 3"/>
-          <p:cNvSpPr>
-            <a:spLocks noGrp="1" noChangeArrowheads="1"/>
+          <p:cNvPr id="4" name="Content Placeholder 3">
+            <a:extLst>
+              <a:ext uri="{FF2B5EF4-FFF2-40B4-BE49-F238E27FC236}">
+                <a16:creationId xmlns:a16="http://schemas.microsoft.com/office/drawing/2014/main" id="{2E5AB323-BB33-934A-B444-E5392B7C9676}"/>
+              </a:ext>
+            </a:extLst>
+          </p:cNvPr>
+          <p:cNvSpPr>
+            <a:spLocks noGrp="1"/>
           </p:cNvSpPr>
           <p:nvPr>
             <p:ph sz="quarter" idx="1"/>
-            <p:custDataLst>
-              <p:tags r:id="rId2"/>
-            </p:custDataLst>
           </p:nvPr>
         </p:nvSpPr>
         <p:spPr/>
@@ -6512,50 +6944,16 @@
           <a:bodyPr/>
           <a:lstStyle/>
           <a:p>
-            <a:r>
-              <a:rPr lang="en-US" dirty="0"/>
-              <a:t>Problems and their solutions:</a:t>
-            </a:r>
-          </a:p>
-          <a:p>
-            <a:pPr lvl="1"/>
-            <a:r>
-              <a:rPr lang="en-US" dirty="0"/>
-              <a:t>Linear data structures vs. tree data structures</a:t>
-            </a:r>
-          </a:p>
-          <a:p>
-            <a:pPr lvl="1"/>
-            <a:r>
-              <a:rPr lang="en-US" dirty="0"/>
-              <a:t>Searching: linear/sequential search, binary search (?), hashing</a:t>
-            </a:r>
-          </a:p>
-          <a:p>
-            <a:pPr lvl="1"/>
-            <a:r>
-              <a:rPr lang="en-US" dirty="0"/>
-              <a:t>Sorting:  quicksort, </a:t>
-            </a:r>
-            <a:r>
-              <a:rPr lang="en-US" dirty="0" err="1"/>
-              <a:t>mergesort</a:t>
-            </a:r>
-            <a:r>
-              <a:rPr lang="en-US" dirty="0"/>
-              <a:t> in CS2110 (?)</a:t>
-            </a:r>
-          </a:p>
-          <a:p>
-            <a:pPr lvl="1"/>
-            <a:r>
-              <a:rPr lang="en-US" dirty="0"/>
-              <a:t>Priority Queue ADT and Heap Implementation</a:t>
-            </a:r>
+            <a:endParaRPr lang="en-US"/>
           </a:p>
         </p:txBody>
       </p:sp>
     </p:spTree>
+    <p:extLst>
+      <p:ext uri="{BB962C8B-B14F-4D97-AF65-F5344CB8AC3E}">
+        <p14:creationId xmlns:p14="http://schemas.microsoft.com/office/powerpoint/2010/main" val="50215907"/>
+      </p:ext>
+    </p:extLst>
   </p:cSld>
   <p:clrMapOvr>
     <a:masterClrMapping/>
@@ -6672,7 +7070,7 @@
       </p:grpSpPr>
       <p:sp>
         <p:nvSpPr>
-          <p:cNvPr id="23554" name="Rectangle 2"/>
+          <p:cNvPr id="21506" name="Rectangle 2"/>
           <p:cNvSpPr>
             <a:spLocks noGrp="1" noChangeArrowheads="1"/>
           </p:cNvSpPr>
@@ -6683,21 +7081,14 @@
             </p:custDataLst>
           </p:nvPr>
         </p:nvSpPr>
-        <p:spPr>
-          <a:xfrm>
-            <a:off x="457200" y="152400"/>
-            <a:ext cx="8686800" cy="990600"/>
-          </a:xfrm>
-        </p:spPr>
-        <p:txBody>
-          <a:bodyPr>
-            <a:normAutofit fontScale="90000"/>
-          </a:bodyPr>
-          <a:lstStyle/>
-          <a:p>
-            <a:r>
-              <a:rPr lang="en-US" dirty="0"/>
-              <a:t>What you know already from all your courses</a:t>
+        <p:spPr/>
+        <p:txBody>
+          <a:bodyPr/>
+          <a:lstStyle/>
+          <a:p>
+            <a:r>
+              <a:rPr lang="en-US" dirty="0"/>
+              <a:t>What you know already from CS2150</a:t>
             </a:r>
           </a:p>
         </p:txBody>
@@ -6728,7 +7119,7 @@
       </p:sp>
       <p:sp>
         <p:nvSpPr>
-          <p:cNvPr id="23555" name="Rectangle 3"/>
+          <p:cNvPr id="21507" name="Rectangle 3"/>
           <p:cNvSpPr>
             <a:spLocks noGrp="1" noChangeArrowheads="1"/>
           </p:cNvSpPr>
@@ -6746,64 +7137,57 @@
           <a:p>
             <a:r>
               <a:rPr lang="en-US" dirty="0"/>
-              <a:t>Examples of Algorithm design methods:</a:t>
+              <a:t>Definition of an algorithm</a:t>
+            </a:r>
+          </a:p>
+          <a:p>
+            <a:r>
+              <a:rPr lang="en-US" dirty="0"/>
+              <a:t>Definition of algorithm “complexity”</a:t>
+            </a:r>
+          </a:p>
+          <a:p>
+            <a:r>
+              <a:rPr lang="en-US" dirty="0"/>
+              <a:t>Measuring worst-case complexity</a:t>
+            </a:r>
+          </a:p>
+          <a:p>
+            <a:r>
+              <a:rPr lang="en-US" dirty="0"/>
+              <a:t>Cost as a function of input size</a:t>
+            </a:r>
+          </a:p>
+          <a:p>
+            <a:r>
+              <a:rPr lang="en-US" dirty="0"/>
+              <a:t>Asymptotic rate of growth: Big-Oh, Big-Theta</a:t>
+            </a:r>
+          </a:p>
+          <a:p>
+            <a:r>
+              <a:rPr lang="en-US" dirty="0"/>
+              <a:t>Relative ordering of rates of growth</a:t>
+            </a:r>
+          </a:p>
+          <a:p>
+            <a:r>
+              <a:rPr lang="en-US" dirty="0"/>
+              <a:t>Analyzing an algorithm's cost:</a:t>
             </a:r>
           </a:p>
           <a:p>
             <a:pPr lvl="1"/>
             <a:r>
               <a:rPr lang="en-US" dirty="0"/>
-              <a:t>Divide and Conquer (quicksort, </a:t>
-            </a:r>
-            <a:r>
-              <a:rPr lang="en-US" dirty="0" err="1"/>
-              <a:t>mergesort</a:t>
-            </a:r>
-            <a:r>
-              <a:rPr lang="en-US" dirty="0"/>
-              <a:t>)</a:t>
-            </a:r>
-          </a:p>
-          <a:p>
-            <a:pPr lvl="1"/>
-            <a:r>
-              <a:rPr lang="en-US" dirty="0"/>
-              <a:t>Greedy (though you didn’t call it this)</a:t>
-            </a:r>
-          </a:p>
-          <a:p>
-            <a:pPr lvl="1"/>
-            <a:r>
-              <a:rPr lang="en-US" dirty="0"/>
-              <a:t>Dynamic programming (</a:t>
-            </a:r>
-            <a:r>
-              <a:rPr lang="en-US" dirty="0" err="1"/>
-              <a:t>fibonacci</a:t>
-            </a:r>
-            <a:r>
-              <a:rPr lang="en-US" dirty="0"/>
-              <a:t> numbers, Floyd-</a:t>
-            </a:r>
-            <a:r>
-              <a:rPr lang="en-US" dirty="0" err="1"/>
-              <a:t>Warshall</a:t>
-            </a:r>
-            <a:r>
-              <a:rPr lang="en-US" dirty="0"/>
-              <a:t>)</a:t>
-            </a:r>
-          </a:p>
-          <a:p>
-            <a:pPr lvl="1"/>
-            <a:r>
-              <a:rPr lang="en-US" dirty="0"/>
-              <a:t>NP-complete (traveling salesperson. Have you seen this?)</a:t>
-            </a:r>
-          </a:p>
-          <a:p>
-            <a:pPr lvl="1"/>
-            <a:endParaRPr lang="en-US" dirty="0"/>
+              <a:t>sequences, loops, if/else, functions, recursion</a:t>
+            </a:r>
+          </a:p>
+          <a:p>
+            <a:r>
+              <a:rPr lang="en-US" dirty="0"/>
+              <a:t>Focus on counting one particular statement or operation; don’t count all statements</a:t>
+            </a:r>
           </a:p>
         </p:txBody>
       </p:sp>
@@ -6834,7 +7218,7 @@
       </p:grpSpPr>
       <p:sp>
         <p:nvSpPr>
-          <p:cNvPr id="24578" name="Rectangle 2"/>
+          <p:cNvPr id="22530" name="Rectangle 2"/>
           <p:cNvSpPr>
             <a:spLocks noGrp="1" noChangeArrowheads="1"/>
           </p:cNvSpPr>
@@ -6845,16 +7229,21 @@
             </p:custDataLst>
           </p:nvPr>
         </p:nvSpPr>
-        <p:spPr/>
+        <p:spPr>
+          <a:xfrm>
+            <a:off x="457200" y="152400"/>
+            <a:ext cx="8686800" cy="990600"/>
+          </a:xfrm>
+        </p:spPr>
         <p:txBody>
           <a:bodyPr>
-            <a:normAutofit fontScale="90000"/>
+            <a:normAutofit/>
           </a:bodyPr>
           <a:lstStyle/>
           <a:p>
             <a:r>
-              <a:rPr lang="en-US"/>
-              <a:t>What you know already from Discrete Math and Theory of Computation…</a:t>
+              <a:rPr lang="en-US" dirty="0"/>
+              <a:t>What you know already from CS2150</a:t>
             </a:r>
           </a:p>
         </p:txBody>
@@ -6885,7 +7274,7 @@
       </p:sp>
       <p:sp>
         <p:nvSpPr>
-          <p:cNvPr id="24579" name="Rectangle 3"/>
+          <p:cNvPr id="22531" name="Rectangle 3"/>
           <p:cNvSpPr>
             <a:spLocks noGrp="1" noChangeArrowheads="1"/>
           </p:cNvSpPr>
@@ -6898,94 +7287,49 @@
         </p:nvSpPr>
         <p:spPr/>
         <p:txBody>
-          <a:bodyPr>
-            <a:normAutofit fontScale="92500" lnSpcReduction="10000"/>
-          </a:bodyPr>
-          <a:lstStyle/>
-          <a:p>
-            <a:r>
-              <a:rPr lang="en-US" dirty="0"/>
-              <a:t>From CS2102:</a:t>
+          <a:bodyPr/>
+          <a:lstStyle/>
+          <a:p>
+            <a:r>
+              <a:rPr lang="en-US" dirty="0"/>
+              <a:t>Problems and their solutions:</a:t>
             </a:r>
           </a:p>
           <a:p>
             <a:pPr lvl="1"/>
             <a:r>
               <a:rPr lang="en-US" dirty="0"/>
-              <a:t>Proofs: induction, contradiction</a:t>
-            </a:r>
-          </a:p>
-          <a:p>
-            <a:pPr lvl="2"/>
-            <a:r>
-              <a:rPr lang="en-US" dirty="0"/>
-              <a:t>If you are uncomfortable with these two, review them NOW!</a:t>
+              <a:t>Linear data structures vs. tree data structures</a:t>
             </a:r>
           </a:p>
           <a:p>
             <a:pPr lvl="1"/>
             <a:r>
               <a:rPr lang="en-US" dirty="0"/>
-              <a:t>Counting, probability, </a:t>
+              <a:t>Searching: linear/sequential search, binary search (?), hashing</a:t>
+            </a:r>
+          </a:p>
+          <a:p>
+            <a:pPr lvl="1"/>
+            <a:r>
+              <a:rPr lang="en-US" dirty="0"/>
+              <a:t>Sorting:  quicksort, </a:t>
             </a:r>
             <a:r>
               <a:rPr lang="en-US" dirty="0" err="1"/>
-              <a:t>combinatorics</a:t>
-            </a:r>
-            <a:r>
-              <a:rPr lang="en-US" dirty="0"/>
-              <a:t>, permutations</a:t>
-            </a:r>
-          </a:p>
-          <a:p>
-            <a:endParaRPr lang="en-US" dirty="0"/>
-          </a:p>
-          <a:p>
-            <a:r>
-              <a:rPr lang="en-US" dirty="0"/>
-              <a:t>From some earlier math class:</a:t>
+              <a:t>mergesort</a:t>
+            </a:r>
+            <a:r>
+              <a:rPr lang="en-US" dirty="0"/>
+              <a:t> in CS2110 (?)</a:t>
             </a:r>
           </a:p>
           <a:p>
             <a:pPr lvl="1"/>
             <a:r>
               <a:rPr lang="en-US" dirty="0"/>
-              <a:t>Exponents, logarithms, limits, differentiation on polynomials and other simple functions</a:t>
-            </a:r>
-          </a:p>
-          <a:p>
-            <a:endParaRPr lang="en-US" dirty="0"/>
-          </a:p>
-          <a:p>
-            <a:r>
-              <a:rPr lang="en-US" dirty="0"/>
-              <a:t>From CS3102 (if you have taken it)</a:t>
-            </a:r>
-          </a:p>
-          <a:p>
-            <a:pPr lvl="1"/>
-            <a:r>
-              <a:rPr lang="en-US" dirty="0"/>
-              <a:t>Maturity in mathematics and computing theory</a:t>
-            </a:r>
-          </a:p>
-          <a:p>
-            <a:pPr lvl="1"/>
-            <a:r>
-              <a:rPr lang="en-US" dirty="0"/>
-              <a:t>Ability to do proofs</a:t>
-            </a:r>
-          </a:p>
-          <a:p>
-            <a:pPr lvl="1"/>
-            <a:r>
-              <a:rPr lang="en-US" dirty="0"/>
-              <a:t>Abstract models of computation, such as Turing machines</a:t>
-            </a:r>
-          </a:p>
-          <a:p>
-            <a:pPr lvl="1"/>
-            <a:endParaRPr lang="en-US" dirty="0"/>
+              <a:t>Priority Queue ADT and Heap Implementation</a:t>
+            </a:r>
           </a:p>
         </p:txBody>
       </p:sp>
@@ -7016,24 +7360,33 @@
       </p:grpSpPr>
       <p:sp>
         <p:nvSpPr>
-          <p:cNvPr id="2" name="Title 1"/>
-          <p:cNvSpPr>
-            <a:spLocks noGrp="1"/>
+          <p:cNvPr id="23554" name="Rectangle 2"/>
+          <p:cNvSpPr>
+            <a:spLocks noGrp="1" noChangeArrowheads="1"/>
           </p:cNvSpPr>
           <p:nvPr>
             <p:ph type="title"/>
-          </p:nvPr>
-        </p:nvSpPr>
-        <p:spPr/>
-        <p:txBody>
-          <a:bodyPr/>
-          <a:lstStyle/>
-          <a:p>
-            <a:r>
-              <a:rPr lang="en-US"/>
-              <a:t>Questions?  Concerns?  Wrath to vent?</a:t>
-            </a:r>
-            <a:endParaRPr lang="en-US" dirty="0"/>
+            <p:custDataLst>
+              <p:tags r:id="rId1"/>
+            </p:custDataLst>
+          </p:nvPr>
+        </p:nvSpPr>
+        <p:spPr>
+          <a:xfrm>
+            <a:off x="457200" y="152400"/>
+            <a:ext cx="8686800" cy="990600"/>
+          </a:xfrm>
+        </p:spPr>
+        <p:txBody>
+          <a:bodyPr>
+            <a:normAutofit fontScale="90000"/>
+          </a:bodyPr>
+          <a:lstStyle/>
+          <a:p>
+            <a:r>
+              <a:rPr lang="en-US" dirty="0"/>
+              <a:t>What you know already from all your courses</a:t>
+            </a:r>
           </a:p>
         </p:txBody>
       </p:sp>
@@ -7063,12 +7416,15 @@
       </p:sp>
       <p:sp>
         <p:nvSpPr>
-          <p:cNvPr id="7" name="Content Placeholder 6"/>
-          <p:cNvSpPr>
-            <a:spLocks noGrp="1"/>
+          <p:cNvPr id="23555" name="Rectangle 3"/>
+          <p:cNvSpPr>
+            <a:spLocks noGrp="1" noChangeArrowheads="1"/>
           </p:cNvSpPr>
           <p:nvPr>
             <p:ph sz="quarter" idx="1"/>
+            <p:custDataLst>
+              <p:tags r:id="rId2"/>
+            </p:custDataLst>
           </p:nvPr>
         </p:nvSpPr>
         <p:spPr/>
@@ -7076,7 +7432,66 @@
           <a:bodyPr/>
           <a:lstStyle/>
           <a:p>
-            <a:endParaRPr lang="en-US"/>
+            <a:r>
+              <a:rPr lang="en-US" dirty="0"/>
+              <a:t>Examples of Algorithm design methods:</a:t>
+            </a:r>
+          </a:p>
+          <a:p>
+            <a:pPr lvl="1"/>
+            <a:r>
+              <a:rPr lang="en-US" dirty="0"/>
+              <a:t>Divide and Conquer (quicksort, </a:t>
+            </a:r>
+            <a:r>
+              <a:rPr lang="en-US" dirty="0" err="1"/>
+              <a:t>mergesort</a:t>
+            </a:r>
+            <a:r>
+              <a:rPr lang="en-US" dirty="0"/>
+              <a:t>)</a:t>
+            </a:r>
+          </a:p>
+          <a:p>
+            <a:pPr lvl="1"/>
+            <a:r>
+              <a:rPr lang="en-US" dirty="0"/>
+              <a:t>Greedy (though you didn’t call it this)</a:t>
+            </a:r>
+          </a:p>
+          <a:p>
+            <a:pPr lvl="1"/>
+            <a:r>
+              <a:rPr lang="en-US" dirty="0"/>
+              <a:t>Dynamic programming (</a:t>
+            </a:r>
+            <a:r>
+              <a:rPr lang="en-US" dirty="0" err="1"/>
+              <a:t>fibonacci</a:t>
+            </a:r>
+            <a:r>
+              <a:rPr lang="en-US" dirty="0"/>
+              <a:t> numbers, Floyd-</a:t>
+            </a:r>
+            <a:r>
+              <a:rPr lang="en-US" dirty="0" err="1"/>
+              <a:t>Warshall</a:t>
+            </a:r>
+            <a:r>
+              <a:rPr lang="en-US" dirty="0"/>
+              <a:t>)</a:t>
+            </a:r>
+          </a:p>
+          <a:p>
+            <a:pPr lvl="1"/>
+            <a:r>
+              <a:rPr lang="en-US" dirty="0"/>
+              <a:t>NP-complete (traveling salesperson. Have you seen this?)</a:t>
+            </a:r>
+          </a:p>
+          <a:p>
+            <a:pPr lvl="1"/>
+            <a:endParaRPr lang="en-US" dirty="0"/>
           </a:p>
         </p:txBody>
       </p:sp>
@@ -7107,48 +7522,34 @@
       </p:grpSpPr>
       <p:sp>
         <p:nvSpPr>
-          <p:cNvPr id="5" name="Title 4"/>
-          <p:cNvSpPr>
-            <a:spLocks noGrp="1"/>
+          <p:cNvPr id="24578" name="Rectangle 2"/>
+          <p:cNvSpPr>
+            <a:spLocks noGrp="1" noChangeArrowheads="1"/>
           </p:cNvSpPr>
           <p:nvPr>
             <p:ph type="title"/>
+            <p:custDataLst>
+              <p:tags r:id="rId1"/>
+            </p:custDataLst>
           </p:nvPr>
         </p:nvSpPr>
         <p:spPr/>
         <p:txBody>
-          <a:bodyPr/>
-          <a:lstStyle/>
-          <a:p>
-            <a:r>
-              <a:rPr lang="en-US" dirty="0"/>
-              <a:t>A first algorithm: making change</a:t>
-            </a:r>
-          </a:p>
-        </p:txBody>
-      </p:sp>
-      <p:sp>
-        <p:nvSpPr>
-          <p:cNvPr id="6" name="Text Placeholder 5"/>
-          <p:cNvSpPr>
-            <a:spLocks noGrp="1"/>
-          </p:cNvSpPr>
-          <p:nvPr>
-            <p:ph type="body" idx="1"/>
-          </p:nvPr>
-        </p:nvSpPr>
-        <p:spPr/>
-        <p:txBody>
-          <a:bodyPr/>
-          <a:lstStyle/>
-          <a:p>
-            <a:endParaRPr lang="en-US"/>
-          </a:p>
-        </p:txBody>
-      </p:sp>
-      <p:sp>
-        <p:nvSpPr>
-          <p:cNvPr id="3" name="Slide Number Placeholder 2"/>
+          <a:bodyPr>
+            <a:normAutofit fontScale="90000"/>
+          </a:bodyPr>
+          <a:lstStyle/>
+          <a:p>
+            <a:r>
+              <a:rPr lang="en-US"/>
+              <a:t>What you know already from Discrete Math and Theory of Computation…</a:t>
+            </a:r>
+          </a:p>
+        </p:txBody>
+      </p:sp>
+      <p:sp>
+        <p:nvSpPr>
+          <p:cNvPr id="4" name="Slide Number Placeholder 3"/>
           <p:cNvSpPr>
             <a:spLocks noGrp="1"/>
           </p:cNvSpPr>
@@ -7167,6 +7568,112 @@
               <a:t>23</a:t>
             </a:fld>
             <a:endParaRPr lang="en-US"/>
+          </a:p>
+        </p:txBody>
+      </p:sp>
+      <p:sp>
+        <p:nvSpPr>
+          <p:cNvPr id="24579" name="Rectangle 3"/>
+          <p:cNvSpPr>
+            <a:spLocks noGrp="1" noChangeArrowheads="1"/>
+          </p:cNvSpPr>
+          <p:nvPr>
+            <p:ph sz="quarter" idx="1"/>
+            <p:custDataLst>
+              <p:tags r:id="rId2"/>
+            </p:custDataLst>
+          </p:nvPr>
+        </p:nvSpPr>
+        <p:spPr/>
+        <p:txBody>
+          <a:bodyPr>
+            <a:normAutofit fontScale="92500" lnSpcReduction="10000"/>
+          </a:bodyPr>
+          <a:lstStyle/>
+          <a:p>
+            <a:r>
+              <a:rPr lang="en-US" dirty="0"/>
+              <a:t>From CS2102:</a:t>
+            </a:r>
+          </a:p>
+          <a:p>
+            <a:pPr lvl="1"/>
+            <a:r>
+              <a:rPr lang="en-US" dirty="0"/>
+              <a:t>Proofs: induction, contradiction</a:t>
+            </a:r>
+          </a:p>
+          <a:p>
+            <a:pPr lvl="2"/>
+            <a:r>
+              <a:rPr lang="en-US" dirty="0"/>
+              <a:t>If you are uncomfortable with these two, review them NOW!</a:t>
+            </a:r>
+          </a:p>
+          <a:p>
+            <a:pPr lvl="1"/>
+            <a:r>
+              <a:rPr lang="en-US" dirty="0"/>
+              <a:t>Counting, probability, </a:t>
+            </a:r>
+            <a:r>
+              <a:rPr lang="en-US" dirty="0" err="1"/>
+              <a:t>combinatorics</a:t>
+            </a:r>
+            <a:r>
+              <a:rPr lang="en-US" dirty="0"/>
+              <a:t>, permutations</a:t>
+            </a:r>
+          </a:p>
+          <a:p>
+            <a:endParaRPr lang="en-US" dirty="0"/>
+          </a:p>
+          <a:p>
+            <a:r>
+              <a:rPr lang="en-US" dirty="0"/>
+              <a:t>From some earlier math class:</a:t>
+            </a:r>
+          </a:p>
+          <a:p>
+            <a:pPr lvl="1"/>
+            <a:r>
+              <a:rPr lang="en-US" dirty="0"/>
+              <a:t>Exponents, logarithms, limits, differentiation on polynomials and other simple functions</a:t>
+            </a:r>
+          </a:p>
+          <a:p>
+            <a:endParaRPr lang="en-US" dirty="0"/>
+          </a:p>
+          <a:p>
+            <a:r>
+              <a:rPr lang="en-US" dirty="0"/>
+              <a:t>From CS3102 (if you have taken it)</a:t>
+            </a:r>
+          </a:p>
+          <a:p>
+            <a:pPr lvl="1"/>
+            <a:r>
+              <a:rPr lang="en-US" dirty="0"/>
+              <a:t>Maturity in mathematics and computing theory</a:t>
+            </a:r>
+          </a:p>
+          <a:p>
+            <a:pPr lvl="1"/>
+            <a:r>
+              <a:rPr lang="en-US" dirty="0"/>
+              <a:t>Ability to do proofs</a:t>
+            </a:r>
+          </a:p>
+          <a:p>
+            <a:pPr lvl="1"/>
+            <a:r>
+              <a:rPr lang="en-US" dirty="0"/>
+              <a:t>Abstract models of computation, such as Turing machines</a:t>
+            </a:r>
+          </a:p>
+          <a:p>
+            <a:pPr lvl="1"/>
+            <a:endParaRPr lang="en-US" dirty="0"/>
           </a:p>
         </p:txBody>
       </p:sp>
@@ -7197,15 +7704,12 @@
       </p:grpSpPr>
       <p:sp>
         <p:nvSpPr>
-          <p:cNvPr id="30722" name="Rectangle 2"/>
-          <p:cNvSpPr>
-            <a:spLocks noGrp="1" noChangeArrowheads="1"/>
+          <p:cNvPr id="2" name="Title 1"/>
+          <p:cNvSpPr>
+            <a:spLocks noGrp="1"/>
           </p:cNvSpPr>
           <p:nvPr>
             <p:ph type="title"/>
-            <p:custDataLst>
-              <p:tags r:id="rId1"/>
-            </p:custDataLst>
           </p:nvPr>
         </p:nvSpPr>
         <p:spPr/>
@@ -7215,8 +7719,9 @@
           <a:p>
             <a:r>
               <a:rPr lang="en-US"/>
-              <a:t>OK… But What’s It Really All About?</a:t>
-            </a:r>
+              <a:t>Questions?  Concerns?  Wrath to vent?</a:t>
+            </a:r>
+            <a:endParaRPr lang="en-US" dirty="0"/>
           </a:p>
         </p:txBody>
       </p:sp>
@@ -7246,15 +7751,12 @@
       </p:sp>
       <p:sp>
         <p:nvSpPr>
-          <p:cNvPr id="30723" name="Rectangle 3"/>
-          <p:cNvSpPr>
-            <a:spLocks noGrp="1" noChangeArrowheads="1"/>
+          <p:cNvPr id="7" name="Content Placeholder 6"/>
+          <p:cNvSpPr>
+            <a:spLocks noGrp="1"/>
           </p:cNvSpPr>
           <p:nvPr>
             <p:ph sz="quarter" idx="1"/>
-            <p:custDataLst>
-              <p:tags r:id="rId2"/>
-            </p:custDataLst>
           </p:nvPr>
         </p:nvSpPr>
         <p:spPr/>
@@ -7262,72 +7764,7 @@
           <a:bodyPr/>
           <a:lstStyle/>
           <a:p>
-            <a:r>
-              <a:rPr lang="en-US"/>
-              <a:t>Let’s illustrate some ideas you’ll see throughout the course</a:t>
-            </a:r>
-          </a:p>
-          <a:p>
-            <a:pPr lvl="1"/>
-            <a:r>
-              <a:rPr lang="en-US"/>
-              <a:t>Using one example</a:t>
-            </a:r>
-          </a:p>
-          <a:p>
-            <a:r>
-              <a:rPr lang="en-US"/>
-              <a:t>Concepts:</a:t>
-            </a:r>
-          </a:p>
-          <a:p>
-            <a:pPr lvl="1"/>
-            <a:r>
-              <a:rPr lang="en-US"/>
-              <a:t>Describing an algorithm</a:t>
-            </a:r>
-          </a:p>
-          <a:p>
-            <a:pPr lvl="1"/>
-            <a:r>
-              <a:rPr lang="en-US"/>
-              <a:t>Measuring algorithm efficiency</a:t>
-            </a:r>
-          </a:p>
-          <a:p>
-            <a:pPr lvl="1"/>
-            <a:r>
-              <a:rPr lang="en-US"/>
-              <a:t>Families or types of problems</a:t>
-            </a:r>
-          </a:p>
-          <a:p>
-            <a:pPr lvl="1"/>
-            <a:r>
-              <a:rPr lang="en-US"/>
-              <a:t>Algorithm design strategies</a:t>
-            </a:r>
-          </a:p>
-          <a:p>
-            <a:pPr lvl="2"/>
-            <a:r>
-              <a:rPr lang="en-US"/>
-              <a:t>Alternative strategies</a:t>
-            </a:r>
-          </a:p>
-          <a:p>
-            <a:pPr lvl="1"/>
-            <a:r>
-              <a:rPr lang="en-US"/>
-              <a:t>Lower bounds and optimal algorithms</a:t>
-            </a:r>
-          </a:p>
-          <a:p>
-            <a:pPr lvl="1"/>
-            <a:r>
-              <a:rPr lang="en-US"/>
-              <a:t>Problems that seem very hard</a:t>
-            </a:r>
+            <a:endParaRPr lang="en-US"/>
           </a:p>
         </p:txBody>
       </p:sp>
@@ -7340,7 +7777,7 @@
 </file>
 
 <file path=ppt/slides/slide25.xml><?xml version="1.0" encoding="utf-8"?>
-<p:sld xmlns:a="http://schemas.openxmlformats.org/drawingml/2006/main" xmlns:r="http://schemas.openxmlformats.org/officeDocument/2006/relationships" xmlns:p="http://schemas.openxmlformats.org/presentationml/2006/main" showMasterPhAnim="0">
+<p:sld xmlns:a="http://schemas.openxmlformats.org/drawingml/2006/main" xmlns:r="http://schemas.openxmlformats.org/officeDocument/2006/relationships" xmlns:p="http://schemas.openxmlformats.org/presentationml/2006/main">
   <p:cSld>
     <p:spTree>
       <p:nvGrpSpPr>
@@ -7358,34 +7795,48 @@
       </p:grpSpPr>
       <p:sp>
         <p:nvSpPr>
-          <p:cNvPr id="31746" name="Rectangle 2"/>
-          <p:cNvSpPr>
-            <a:spLocks noGrp="1" noChangeArrowheads="1"/>
+          <p:cNvPr id="5" name="Title 4"/>
+          <p:cNvSpPr>
+            <a:spLocks noGrp="1"/>
           </p:cNvSpPr>
           <p:nvPr>
             <p:ph type="title"/>
-            <p:custDataLst>
-              <p:tags r:id="rId1"/>
-            </p:custDataLst>
           </p:nvPr>
         </p:nvSpPr>
         <p:spPr/>
         <p:txBody>
-          <a:bodyPr>
-            <a:normAutofit fontScale="90000"/>
-          </a:bodyPr>
-          <a:lstStyle/>
-          <a:p>
-            <a:r>
-              <a:rPr lang="en-US"/>
-              <a:t>Everyone Already Knows Many Algorithms! </a:t>
-            </a:r>
-          </a:p>
-        </p:txBody>
-      </p:sp>
-      <p:sp>
-        <p:nvSpPr>
-          <p:cNvPr id="4" name="Slide Number Placeholder 3"/>
+          <a:bodyPr/>
+          <a:lstStyle/>
+          <a:p>
+            <a:r>
+              <a:rPr lang="en-US" dirty="0"/>
+              <a:t>A first algorithm: making change</a:t>
+            </a:r>
+          </a:p>
+        </p:txBody>
+      </p:sp>
+      <p:sp>
+        <p:nvSpPr>
+          <p:cNvPr id="6" name="Text Placeholder 5"/>
+          <p:cNvSpPr>
+            <a:spLocks noGrp="1"/>
+          </p:cNvSpPr>
+          <p:nvPr>
+            <p:ph type="body" idx="1"/>
+          </p:nvPr>
+        </p:nvSpPr>
+        <p:spPr/>
+        <p:txBody>
+          <a:bodyPr/>
+          <a:lstStyle/>
+          <a:p>
+            <a:endParaRPr lang="en-US"/>
+          </a:p>
+        </p:txBody>
+      </p:sp>
+      <p:sp>
+        <p:nvSpPr>
+          <p:cNvPr id="3" name="Slide Number Placeholder 2"/>
           <p:cNvSpPr>
             <a:spLocks noGrp="1"/>
           </p:cNvSpPr>
@@ -7404,58 +7855,6 @@
               <a:t>25</a:t>
             </a:fld>
             <a:endParaRPr lang="en-US"/>
-          </a:p>
-        </p:txBody>
-      </p:sp>
-      <p:sp>
-        <p:nvSpPr>
-          <p:cNvPr id="316419" name="Rectangle 3"/>
-          <p:cNvSpPr>
-            <a:spLocks noGrp="1" noChangeArrowheads="1"/>
-          </p:cNvSpPr>
-          <p:nvPr>
-            <p:ph sz="quarter" idx="1"/>
-            <p:custDataLst>
-              <p:tags r:id="rId2"/>
-            </p:custDataLst>
-          </p:nvPr>
-        </p:nvSpPr>
-        <p:spPr/>
-        <p:txBody>
-          <a:bodyPr/>
-          <a:lstStyle/>
-          <a:p>
-            <a:r>
-              <a:rPr lang="en-US"/>
-              <a:t>Worked retail? You know how to make change!</a:t>
-            </a:r>
-          </a:p>
-          <a:p>
-            <a:r>
-              <a:rPr lang="en-US"/>
-              <a:t>Example:</a:t>
-            </a:r>
-          </a:p>
-          <a:p>
-            <a:pPr lvl="1"/>
-            <a:r>
-              <a:rPr lang="en-US"/>
-              <a:t>My item costs $4.37.  I give you a five dollar bill.  What do you give me in change?</a:t>
-            </a:r>
-          </a:p>
-          <a:p>
-            <a:pPr lvl="1"/>
-            <a:r>
-              <a:rPr lang="en-US"/>
-              <a:t>Answer: two quarters, a dime, three pennies</a:t>
-            </a:r>
-          </a:p>
-          <a:p>
-            <a:pPr lvl="1"/>
-            <a:r>
-              <a:rPr lang="en-US"/>
-              <a:t>Why? How do we figure that out?</a:t>
-            </a:r>
           </a:p>
         </p:txBody>
       </p:sp>
@@ -7486,7 +7885,7 @@
       </p:grpSpPr>
       <p:sp>
         <p:nvSpPr>
-          <p:cNvPr id="32770" name="Rectangle 2"/>
+          <p:cNvPr id="30722" name="Rectangle 2"/>
           <p:cNvSpPr>
             <a:spLocks noGrp="1" noChangeArrowheads="1"/>
           </p:cNvSpPr>
@@ -7504,7 +7903,7 @@
           <a:p>
             <a:r>
               <a:rPr lang="en-US"/>
-              <a:t>Making Change</a:t>
+              <a:t>OK… But What’s It Really All About?</a:t>
             </a:r>
           </a:p>
         </p:txBody>
@@ -7535,7 +7934,7 @@
       </p:sp>
       <p:sp>
         <p:nvSpPr>
-          <p:cNvPr id="32771" name="Rectangle 3"/>
+          <p:cNvPr id="30723" name="Rectangle 3"/>
           <p:cNvSpPr>
             <a:spLocks noGrp="1" noChangeArrowheads="1"/>
           </p:cNvSpPr>
@@ -7548,76 +7947,74 @@
         </p:nvSpPr>
         <p:spPr/>
         <p:txBody>
-          <a:bodyPr>
-            <a:normAutofit lnSpcReduction="10000"/>
-          </a:bodyPr>
+          <a:bodyPr/>
           <a:lstStyle/>
           <a:p>
             <a:r>
               <a:rPr lang="en-US"/>
-              <a:t>The problem: </a:t>
+              <a:t>Let’s illustrate some ideas you’ll see throughout the course</a:t>
             </a:r>
           </a:p>
           <a:p>
             <a:pPr lvl="1"/>
             <a:r>
               <a:rPr lang="en-US"/>
-              <a:t>Give back the right amount of change, and…</a:t>
+              <a:t>Using one example</a:t>
+            </a:r>
+          </a:p>
+          <a:p>
+            <a:r>
+              <a:rPr lang="en-US"/>
+              <a:t>Concepts:</a:t>
             </a:r>
           </a:p>
           <a:p>
             <a:pPr lvl="1"/>
             <a:r>
               <a:rPr lang="en-US"/>
-              <a:t>Return the fewest number of coins!</a:t>
-            </a:r>
-          </a:p>
-          <a:p>
+              <a:t>Describing an algorithm</a:t>
+            </a:r>
+          </a:p>
+          <a:p>
+            <a:pPr lvl="1"/>
             <a:r>
               <a:rPr lang="en-US"/>
-              <a:t>Inputs: the dollar-amount to return</a:t>
+              <a:t>Measuring algorithm efficiency</a:t>
             </a:r>
           </a:p>
           <a:p>
             <a:pPr lvl="1"/>
             <a:r>
               <a:rPr lang="en-US"/>
-              <a:t>Also, the set of possible coins. (Do we have half-dollars?  That affects the answer we give.)</a:t>
-            </a:r>
-          </a:p>
-          <a:p>
+              <a:t>Families or types of problems</a:t>
+            </a:r>
+          </a:p>
+          <a:p>
+            <a:pPr lvl="1"/>
             <a:r>
               <a:rPr lang="en-US"/>
-              <a:t>Output: a set of coins</a:t>
-            </a:r>
-          </a:p>
-          <a:p>
-            <a:endParaRPr lang="en-US"/>
-          </a:p>
-          <a:p>
+              <a:t>Algorithm design strategies</a:t>
+            </a:r>
+          </a:p>
+          <a:p>
+            <a:pPr lvl="2"/>
             <a:r>
               <a:rPr lang="en-US"/>
-              <a:t>Note this problem statement is simply a transformation</a:t>
+              <a:t>Alternative strategies</a:t>
             </a:r>
           </a:p>
           <a:p>
             <a:pPr lvl="1"/>
             <a:r>
               <a:rPr lang="en-US"/>
-              <a:t>Given input, generate output with certain properties</a:t>
+              <a:t>Lower bounds and optimal algorithms</a:t>
             </a:r>
           </a:p>
           <a:p>
             <a:pPr lvl="1"/>
             <a:r>
               <a:rPr lang="en-US"/>
-              <a:t>No statement about how to do it.</a:t>
-            </a:r>
-          </a:p>
-          <a:p>
-            <a:r>
-              <a:rPr lang="en-US"/>
-              <a:t>Can you describe the algorithm you use?</a:t>
+              <a:t>Problems that seem very hard</a:t>
             </a:r>
           </a:p>
         </p:txBody>
@@ -7649,7 +8046,7 @@
       </p:grpSpPr>
       <p:sp>
         <p:nvSpPr>
-          <p:cNvPr id="33794" name="Rectangle 2"/>
+          <p:cNvPr id="31746" name="Rectangle 2"/>
           <p:cNvSpPr>
             <a:spLocks noGrp="1" noChangeArrowheads="1"/>
           </p:cNvSpPr>
@@ -7662,12 +8059,14 @@
         </p:nvSpPr>
         <p:spPr/>
         <p:txBody>
-          <a:bodyPr/>
+          <a:bodyPr>
+            <a:normAutofit fontScale="90000"/>
+          </a:bodyPr>
           <a:lstStyle/>
           <a:p>
             <a:r>
               <a:rPr lang="en-US"/>
-              <a:t>A Change Algorithm</a:t>
+              <a:t>Everyone Already Knows Many Algorithms! </a:t>
             </a:r>
           </a:p>
         </p:txBody>
@@ -7698,7 +8097,7 @@
       </p:sp>
       <p:sp>
         <p:nvSpPr>
-          <p:cNvPr id="318467" name="Rectangle 3"/>
+          <p:cNvPr id="316419" name="Rectangle 3"/>
           <p:cNvSpPr>
             <a:spLocks noGrp="1" noChangeArrowheads="1"/>
           </p:cNvSpPr>
@@ -7714,63 +8113,36 @@
           <a:bodyPr/>
           <a:lstStyle/>
           <a:p>
-            <a:pPr marL="514350" indent="-514350">
-              <a:buFont typeface="+mj-lt"/>
-              <a:buAutoNum type="arabicPeriod"/>
-            </a:pPr>
-            <a:r>
-              <a:rPr lang="en-US" dirty="0"/>
-              <a:t>Consider the largest coin</a:t>
-            </a:r>
-          </a:p>
-          <a:p>
-            <a:pPr marL="514350" indent="-514350">
-              <a:buFont typeface="+mj-lt"/>
-              <a:buAutoNum type="arabicPeriod"/>
-            </a:pPr>
-            <a:r>
-              <a:rPr lang="en-US" dirty="0"/>
-              <a:t>How many go into the amount left?</a:t>
-            </a:r>
-          </a:p>
-          <a:p>
-            <a:pPr marL="514350" indent="-514350">
-              <a:buFont typeface="+mj-lt"/>
-              <a:buAutoNum type="arabicPeriod"/>
-            </a:pPr>
-            <a:r>
-              <a:rPr lang="en-US" dirty="0"/>
-              <a:t>Add that many of that coin to the output</a:t>
-            </a:r>
-          </a:p>
-          <a:p>
-            <a:pPr marL="514350" indent="-514350">
-              <a:buFont typeface="+mj-lt"/>
-              <a:buAutoNum type="arabicPeriod"/>
-            </a:pPr>
-            <a:r>
-              <a:rPr lang="en-US" dirty="0"/>
-              <a:t>Subtract the amount for those coins from the amount left to return</a:t>
-            </a:r>
-          </a:p>
-          <a:p>
-            <a:pPr marL="514350" indent="-514350">
-              <a:buFont typeface="+mj-lt"/>
-              <a:buAutoNum type="arabicPeriod"/>
-            </a:pPr>
-            <a:r>
-              <a:rPr lang="en-US" dirty="0"/>
-              <a:t>If the amount left is zero, done!</a:t>
-            </a:r>
-          </a:p>
-          <a:p>
-            <a:pPr marL="514350" indent="-514350">
-              <a:buFont typeface="+mj-lt"/>
-              <a:buAutoNum type="arabicPeriod"/>
-            </a:pPr>
-            <a:r>
-              <a:rPr lang="en-US" dirty="0"/>
-              <a:t>If not, consider next largest coin, and go back to Step 2</a:t>
+            <a:r>
+              <a:rPr lang="en-US"/>
+              <a:t>Worked retail? You know how to make change!</a:t>
+            </a:r>
+          </a:p>
+          <a:p>
+            <a:r>
+              <a:rPr lang="en-US"/>
+              <a:t>Example:</a:t>
+            </a:r>
+          </a:p>
+          <a:p>
+            <a:pPr lvl="1"/>
+            <a:r>
+              <a:rPr lang="en-US"/>
+              <a:t>My item costs $4.37.  I give you a five dollar bill.  What do you give me in change?</a:t>
+            </a:r>
+          </a:p>
+          <a:p>
+            <a:pPr lvl="1"/>
+            <a:r>
+              <a:rPr lang="en-US"/>
+              <a:t>Answer: two quarters, a dime, three pennies</a:t>
+            </a:r>
+          </a:p>
+          <a:p>
+            <a:pPr lvl="1"/>
+            <a:r>
+              <a:rPr lang="en-US"/>
+              <a:t>Why? How do we figure that out?</a:t>
             </a:r>
           </a:p>
         </p:txBody>
@@ -7802,12 +8174,15 @@
       </p:grpSpPr>
       <p:sp>
         <p:nvSpPr>
-          <p:cNvPr id="34818" name="Rectangle 2"/>
+          <p:cNvPr id="32770" name="Rectangle 2"/>
           <p:cNvSpPr>
             <a:spLocks noGrp="1" noChangeArrowheads="1"/>
           </p:cNvSpPr>
           <p:nvPr>
             <p:ph type="title"/>
+            <p:custDataLst>
+              <p:tags r:id="rId1"/>
+            </p:custDataLst>
           </p:nvPr>
         </p:nvSpPr>
         <p:spPr/>
@@ -7817,7 +8192,7 @@
           <a:p>
             <a:r>
               <a:rPr lang="en-US"/>
-              <a:t>Is this a “good” algorithm?</a:t>
+              <a:t>Making Change</a:t>
             </a:r>
           </a:p>
         </p:txBody>
@@ -7841,6 +8216,515 @@
               <a:rPr lang="en-US" smtClean="0"/>
               <a:pPr/>
               <a:t>28</a:t>
+            </a:fld>
+            <a:endParaRPr lang="en-US"/>
+          </a:p>
+        </p:txBody>
+      </p:sp>
+      <p:sp>
+        <p:nvSpPr>
+          <p:cNvPr id="32771" name="Rectangle 3"/>
+          <p:cNvSpPr>
+            <a:spLocks noGrp="1" noChangeArrowheads="1"/>
+          </p:cNvSpPr>
+          <p:nvPr>
+            <p:ph sz="quarter" idx="1"/>
+            <p:custDataLst>
+              <p:tags r:id="rId2"/>
+            </p:custDataLst>
+          </p:nvPr>
+        </p:nvSpPr>
+        <p:spPr/>
+        <p:txBody>
+          <a:bodyPr>
+            <a:normAutofit lnSpcReduction="10000"/>
+          </a:bodyPr>
+          <a:lstStyle/>
+          <a:p>
+            <a:r>
+              <a:rPr lang="en-US"/>
+              <a:t>The problem: </a:t>
+            </a:r>
+          </a:p>
+          <a:p>
+            <a:pPr lvl="1"/>
+            <a:r>
+              <a:rPr lang="en-US"/>
+              <a:t>Give back the right amount of change, and…</a:t>
+            </a:r>
+          </a:p>
+          <a:p>
+            <a:pPr lvl="1"/>
+            <a:r>
+              <a:rPr lang="en-US"/>
+              <a:t>Return the fewest number of coins!</a:t>
+            </a:r>
+          </a:p>
+          <a:p>
+            <a:r>
+              <a:rPr lang="en-US"/>
+              <a:t>Inputs: the dollar-amount to return</a:t>
+            </a:r>
+          </a:p>
+          <a:p>
+            <a:pPr lvl="1"/>
+            <a:r>
+              <a:rPr lang="en-US"/>
+              <a:t>Also, the set of possible coins. (Do we have half-dollars?  That affects the answer we give.)</a:t>
+            </a:r>
+          </a:p>
+          <a:p>
+            <a:r>
+              <a:rPr lang="en-US"/>
+              <a:t>Output: a set of coins</a:t>
+            </a:r>
+          </a:p>
+          <a:p>
+            <a:endParaRPr lang="en-US"/>
+          </a:p>
+          <a:p>
+            <a:r>
+              <a:rPr lang="en-US"/>
+              <a:t>Note this problem statement is simply a transformation</a:t>
+            </a:r>
+          </a:p>
+          <a:p>
+            <a:pPr lvl="1"/>
+            <a:r>
+              <a:rPr lang="en-US"/>
+              <a:t>Given input, generate output with certain properties</a:t>
+            </a:r>
+          </a:p>
+          <a:p>
+            <a:pPr lvl="1"/>
+            <a:r>
+              <a:rPr lang="en-US"/>
+              <a:t>No statement about how to do it.</a:t>
+            </a:r>
+          </a:p>
+          <a:p>
+            <a:r>
+              <a:rPr lang="en-US"/>
+              <a:t>Can you describe the algorithm you use?</a:t>
+            </a:r>
+          </a:p>
+        </p:txBody>
+      </p:sp>
+    </p:spTree>
+  </p:cSld>
+  <p:clrMapOvr>
+    <a:masterClrMapping/>
+  </p:clrMapOvr>
+</p:sld>
+</file>
+
+<file path=ppt/slides/slide29.xml><?xml version="1.0" encoding="utf-8"?>
+<p:sld xmlns:a="http://schemas.openxmlformats.org/drawingml/2006/main" xmlns:r="http://schemas.openxmlformats.org/officeDocument/2006/relationships" xmlns:p="http://schemas.openxmlformats.org/presentationml/2006/main" showMasterPhAnim="0">
+  <p:cSld>
+    <p:spTree>
+      <p:nvGrpSpPr>
+        <p:cNvPr id="1" name=""/>
+        <p:cNvGrpSpPr/>
+        <p:nvPr/>
+      </p:nvGrpSpPr>
+      <p:grpSpPr>
+        <a:xfrm>
+          <a:off x="0" y="0"/>
+          <a:ext cx="0" cy="0"/>
+          <a:chOff x="0" y="0"/>
+          <a:chExt cx="0" cy="0"/>
+        </a:xfrm>
+      </p:grpSpPr>
+      <p:sp>
+        <p:nvSpPr>
+          <p:cNvPr id="33794" name="Rectangle 2"/>
+          <p:cNvSpPr>
+            <a:spLocks noGrp="1" noChangeArrowheads="1"/>
+          </p:cNvSpPr>
+          <p:nvPr>
+            <p:ph type="title"/>
+            <p:custDataLst>
+              <p:tags r:id="rId1"/>
+            </p:custDataLst>
+          </p:nvPr>
+        </p:nvSpPr>
+        <p:spPr/>
+        <p:txBody>
+          <a:bodyPr/>
+          <a:lstStyle/>
+          <a:p>
+            <a:r>
+              <a:rPr lang="en-US"/>
+              <a:t>A Change Algorithm</a:t>
+            </a:r>
+          </a:p>
+        </p:txBody>
+      </p:sp>
+      <p:sp>
+        <p:nvSpPr>
+          <p:cNvPr id="4" name="Slide Number Placeholder 3"/>
+          <p:cNvSpPr>
+            <a:spLocks noGrp="1"/>
+          </p:cNvSpPr>
+          <p:nvPr>
+            <p:ph type="sldNum" sz="quarter" idx="12"/>
+          </p:nvPr>
+        </p:nvSpPr>
+        <p:spPr/>
+        <p:txBody>
+          <a:bodyPr/>
+          <a:lstStyle/>
+          <a:p>
+            <a:fld id="{F26D9103-0C5C-48AC-B68E-3ED2C1647047}" type="slidenum">
+              <a:rPr lang="en-US" smtClean="0"/>
+              <a:pPr/>
+              <a:t>29</a:t>
+            </a:fld>
+            <a:endParaRPr lang="en-US"/>
+          </a:p>
+        </p:txBody>
+      </p:sp>
+      <p:sp>
+        <p:nvSpPr>
+          <p:cNvPr id="318467" name="Rectangle 3"/>
+          <p:cNvSpPr>
+            <a:spLocks noGrp="1" noChangeArrowheads="1"/>
+          </p:cNvSpPr>
+          <p:nvPr>
+            <p:ph sz="quarter" idx="1"/>
+            <p:custDataLst>
+              <p:tags r:id="rId2"/>
+            </p:custDataLst>
+          </p:nvPr>
+        </p:nvSpPr>
+        <p:spPr/>
+        <p:txBody>
+          <a:bodyPr/>
+          <a:lstStyle/>
+          <a:p>
+            <a:pPr marL="514350" indent="-514350">
+              <a:buFont typeface="+mj-lt"/>
+              <a:buAutoNum type="arabicPeriod"/>
+            </a:pPr>
+            <a:r>
+              <a:rPr lang="en-US" dirty="0"/>
+              <a:t>Consider the largest coin</a:t>
+            </a:r>
+          </a:p>
+          <a:p>
+            <a:pPr marL="514350" indent="-514350">
+              <a:buFont typeface="+mj-lt"/>
+              <a:buAutoNum type="arabicPeriod"/>
+            </a:pPr>
+            <a:r>
+              <a:rPr lang="en-US" dirty="0"/>
+              <a:t>How many go into the amount left?</a:t>
+            </a:r>
+          </a:p>
+          <a:p>
+            <a:pPr marL="514350" indent="-514350">
+              <a:buFont typeface="+mj-lt"/>
+              <a:buAutoNum type="arabicPeriod"/>
+            </a:pPr>
+            <a:r>
+              <a:rPr lang="en-US" dirty="0"/>
+              <a:t>Add that many of that coin to the output</a:t>
+            </a:r>
+          </a:p>
+          <a:p>
+            <a:pPr marL="514350" indent="-514350">
+              <a:buFont typeface="+mj-lt"/>
+              <a:buAutoNum type="arabicPeriod"/>
+            </a:pPr>
+            <a:r>
+              <a:rPr lang="en-US" dirty="0"/>
+              <a:t>Subtract the amount for those coins from the amount left to return</a:t>
+            </a:r>
+          </a:p>
+          <a:p>
+            <a:pPr marL="514350" indent="-514350">
+              <a:buFont typeface="+mj-lt"/>
+              <a:buAutoNum type="arabicPeriod"/>
+            </a:pPr>
+            <a:r>
+              <a:rPr lang="en-US" dirty="0"/>
+              <a:t>If the amount left is zero, done!</a:t>
+            </a:r>
+          </a:p>
+          <a:p>
+            <a:pPr marL="514350" indent="-514350">
+              <a:buFont typeface="+mj-lt"/>
+              <a:buAutoNum type="arabicPeriod"/>
+            </a:pPr>
+            <a:r>
+              <a:rPr lang="en-US" dirty="0"/>
+              <a:t>If not, consider next largest coin, and go back to Step 2</a:t>
+            </a:r>
+          </a:p>
+        </p:txBody>
+      </p:sp>
+    </p:spTree>
+  </p:cSld>
+  <p:clrMapOvr>
+    <a:masterClrMapping/>
+  </p:clrMapOvr>
+</p:sld>
+</file>
+
+<file path=ppt/slides/slide3.xml><?xml version="1.0" encoding="utf-8"?>
+<p:sld xmlns:a="http://schemas.openxmlformats.org/drawingml/2006/main" xmlns:r="http://schemas.openxmlformats.org/officeDocument/2006/relationships" xmlns:p="http://schemas.openxmlformats.org/presentationml/2006/main">
+  <p:cSld>
+    <p:spTree>
+      <p:nvGrpSpPr>
+        <p:cNvPr id="1" name=""/>
+        <p:cNvGrpSpPr/>
+        <p:nvPr/>
+      </p:nvGrpSpPr>
+      <p:grpSpPr>
+        <a:xfrm>
+          <a:off x="0" y="0"/>
+          <a:ext cx="0" cy="0"/>
+          <a:chOff x="0" y="0"/>
+          <a:chExt cx="0" cy="0"/>
+        </a:xfrm>
+      </p:grpSpPr>
+      <p:sp>
+        <p:nvSpPr>
+          <p:cNvPr id="6146" name="Rectangle 2"/>
+          <p:cNvSpPr>
+            <a:spLocks noGrp="1" noChangeArrowheads="1"/>
+          </p:cNvSpPr>
+          <p:nvPr>
+            <p:ph type="title"/>
+            <p:custDataLst>
+              <p:tags r:id="rId1"/>
+            </p:custDataLst>
+          </p:nvPr>
+        </p:nvSpPr>
+        <p:spPr/>
+        <p:txBody>
+          <a:bodyPr/>
+          <a:lstStyle/>
+          <a:p>
+            <a:r>
+              <a:rPr lang="en-US" dirty="0"/>
+              <a:t>General Info</a:t>
+            </a:r>
+          </a:p>
+        </p:txBody>
+      </p:sp>
+      <p:sp>
+        <p:nvSpPr>
+          <p:cNvPr id="6147" name="Rectangle 3"/>
+          <p:cNvSpPr>
+            <a:spLocks noGrp="1" noChangeArrowheads="1"/>
+          </p:cNvSpPr>
+          <p:nvPr>
+            <p:ph sz="quarter" idx="1"/>
+            <p:custDataLst>
+              <p:tags r:id="rId2"/>
+            </p:custDataLst>
+          </p:nvPr>
+        </p:nvSpPr>
+        <p:spPr>
+          <a:xfrm>
+            <a:off x="381000" y="1371600"/>
+            <a:ext cx="8255000" cy="4800600"/>
+          </a:xfrm>
+        </p:spPr>
+        <p:txBody>
+          <a:bodyPr>
+            <a:normAutofit fontScale="85000" lnSpcReduction="20000"/>
+          </a:bodyPr>
+          <a:lstStyle/>
+          <a:p>
+            <a:r>
+              <a:rPr lang="en-US" dirty="0"/>
+              <a:t>See syllabus on course website for general information</a:t>
+            </a:r>
+          </a:p>
+          <a:p>
+            <a:r>
+              <a:rPr lang="en-US" dirty="0"/>
+              <a:t>Pre-requisites:</a:t>
+            </a:r>
+          </a:p>
+          <a:p>
+            <a:pPr lvl="1"/>
+            <a:r>
+              <a:rPr lang="en-US" dirty="0"/>
+              <a:t>CS2150 (with C- or better)</a:t>
+            </a:r>
+          </a:p>
+          <a:p>
+            <a:pPr lvl="1"/>
+            <a:r>
+              <a:rPr lang="en-US" dirty="0"/>
+              <a:t>Math topics: proof by induction, proof by contradiction, exponents, logarithms, limits, simple differentiations (covered in APMA 1090 or MATH 1210 or MATH 1310)</a:t>
+            </a:r>
+          </a:p>
+          <a:p>
+            <a:r>
+              <a:rPr lang="en-US" dirty="0"/>
+              <a:t>Teaching Assistants</a:t>
+            </a:r>
+          </a:p>
+          <a:p>
+            <a:pPr lvl="1"/>
+            <a:r>
+              <a:rPr lang="en-US" dirty="0"/>
+              <a:t>Graduates (?):</a:t>
+            </a:r>
+          </a:p>
+          <a:p>
+            <a:pPr lvl="2"/>
+            <a:r>
+              <a:rPr lang="en-US" dirty="0"/>
+              <a:t>TBD: Will likely have one graduate student</a:t>
+            </a:r>
+          </a:p>
+          <a:p>
+            <a:pPr lvl="1"/>
+            <a:r>
+              <a:rPr lang="en-US" dirty="0"/>
+              <a:t>Undergraduates (~20)</a:t>
+            </a:r>
+          </a:p>
+          <a:p>
+            <a:pPr lvl="2"/>
+            <a:r>
+              <a:rPr lang="en-US" dirty="0"/>
+              <a:t>We should have plenty of undergraduate support!</a:t>
+            </a:r>
+          </a:p>
+          <a:p>
+            <a:pPr lvl="1"/>
+            <a:r>
+              <a:rPr lang="en-US" dirty="0"/>
+              <a:t>Both will hold office hours, which will start next week</a:t>
+            </a:r>
+          </a:p>
+          <a:p>
+            <a:pPr lvl="2"/>
+            <a:r>
+              <a:rPr lang="en-US" dirty="0"/>
+              <a:t>Locations and hours TBA</a:t>
+            </a:r>
+          </a:p>
+          <a:p>
+            <a:pPr lvl="1"/>
+            <a:r>
+              <a:rPr lang="en-US" dirty="0"/>
+              <a:t>Also, we’ll use Piazza for questions</a:t>
+            </a:r>
+          </a:p>
+          <a:p>
+            <a:pPr lvl="2"/>
+            <a:r>
+              <a:rPr lang="en-US" dirty="0"/>
+              <a:t>Post all questions about HW, topics, </a:t>
+            </a:r>
+            <a:r>
+              <a:rPr lang="en-US" dirty="0" err="1"/>
+              <a:t>etc</a:t>
+            </a:r>
+            <a:r>
+              <a:rPr lang="en-US" dirty="0"/>
+              <a:t> to Piazza NOT email to instructors!</a:t>
+            </a:r>
+          </a:p>
+        </p:txBody>
+      </p:sp>
+      <p:sp>
+        <p:nvSpPr>
+          <p:cNvPr id="4" name="Slide Number Placeholder 3"/>
+          <p:cNvSpPr>
+            <a:spLocks noGrp="1"/>
+          </p:cNvSpPr>
+          <p:nvPr>
+            <p:ph type="sldNum" sz="quarter" idx="12"/>
+          </p:nvPr>
+        </p:nvSpPr>
+        <p:spPr/>
+        <p:txBody>
+          <a:bodyPr/>
+          <a:lstStyle/>
+          <a:p>
+            <a:fld id="{F26D9103-0C5C-48AC-B68E-3ED2C1647047}" type="slidenum">
+              <a:rPr lang="en-US" smtClean="0"/>
+              <a:pPr/>
+              <a:t>3</a:t>
+            </a:fld>
+            <a:endParaRPr lang="en-US" dirty="0"/>
+          </a:p>
+        </p:txBody>
+      </p:sp>
+    </p:spTree>
+  </p:cSld>
+  <p:clrMapOvr>
+    <a:masterClrMapping/>
+  </p:clrMapOvr>
+</p:sld>
+</file>
+
+<file path=ppt/slides/slide30.xml><?xml version="1.0" encoding="utf-8"?>
+<p:sld xmlns:a="http://schemas.openxmlformats.org/drawingml/2006/main" xmlns:r="http://schemas.openxmlformats.org/officeDocument/2006/relationships" xmlns:p="http://schemas.openxmlformats.org/presentationml/2006/main">
+  <p:cSld>
+    <p:spTree>
+      <p:nvGrpSpPr>
+        <p:cNvPr id="1" name=""/>
+        <p:cNvGrpSpPr/>
+        <p:nvPr/>
+      </p:nvGrpSpPr>
+      <p:grpSpPr>
+        <a:xfrm>
+          <a:off x="0" y="0"/>
+          <a:ext cx="0" cy="0"/>
+          <a:chOff x="0" y="0"/>
+          <a:chExt cx="0" cy="0"/>
+        </a:xfrm>
+      </p:grpSpPr>
+      <p:sp>
+        <p:nvSpPr>
+          <p:cNvPr id="34818" name="Rectangle 2"/>
+          <p:cNvSpPr>
+            <a:spLocks noGrp="1" noChangeArrowheads="1"/>
+          </p:cNvSpPr>
+          <p:nvPr>
+            <p:ph type="title"/>
+          </p:nvPr>
+        </p:nvSpPr>
+        <p:spPr/>
+        <p:txBody>
+          <a:bodyPr/>
+          <a:lstStyle/>
+          <a:p>
+            <a:r>
+              <a:rPr lang="en-US"/>
+              <a:t>Is this a “good” algorithm?</a:t>
+            </a:r>
+          </a:p>
+        </p:txBody>
+      </p:sp>
+      <p:sp>
+        <p:nvSpPr>
+          <p:cNvPr id="4" name="Slide Number Placeholder 3"/>
+          <p:cNvSpPr>
+            <a:spLocks noGrp="1"/>
+          </p:cNvSpPr>
+          <p:nvPr>
+            <p:ph type="sldNum" sz="quarter" idx="12"/>
+          </p:nvPr>
+        </p:nvSpPr>
+        <p:spPr/>
+        <p:txBody>
+          <a:bodyPr/>
+          <a:lstStyle/>
+          <a:p>
+            <a:fld id="{F26D9103-0C5C-48AC-B68E-3ED2C1647047}" type="slidenum">
+              <a:rPr lang="en-US" smtClean="0"/>
+              <a:pPr/>
+              <a:t>30</a:t>
             </a:fld>
             <a:endParaRPr lang="en-US"/>
           </a:p>
@@ -8112,7 +8996,7 @@
 </p:sld>
 </file>
 
-<file path=ppt/slides/slide29.xml><?xml version="1.0" encoding="utf-8"?>
+<file path=ppt/slides/slide31.xml><?xml version="1.0" encoding="utf-8"?>
 <p:sld xmlns:a="http://schemas.openxmlformats.org/drawingml/2006/main" xmlns:r="http://schemas.openxmlformats.org/officeDocument/2006/relationships" xmlns:p="http://schemas.openxmlformats.org/presentationml/2006/main">
   <p:cSld>
     <p:spTree>
@@ -8169,7 +9053,7 @@
             <a:fld id="{F26D9103-0C5C-48AC-B68E-3ED2C1647047}" type="slidenum">
               <a:rPr lang="en-US" smtClean="0"/>
               <a:pPr/>
-              <a:t>29</a:t>
+              <a:t>31</a:t>
             </a:fld>
             <a:endParaRPr lang="en-US"/>
           </a:p>
@@ -8419,7 +9303,7 @@
 </p:sld>
 </file>
 
-<file path=ppt/slides/slide3.xml><?xml version="1.0" encoding="utf-8"?>
+<file path=ppt/slides/slide32.xml><?xml version="1.0" encoding="utf-8"?>
 <p:sld xmlns:a="http://schemas.openxmlformats.org/drawingml/2006/main" xmlns:r="http://schemas.openxmlformats.org/officeDocument/2006/relationships" xmlns:p="http://schemas.openxmlformats.org/presentationml/2006/main">
   <p:cSld>
     <p:spTree>
@@ -8438,7 +9322,7 @@
       </p:grpSpPr>
       <p:sp>
         <p:nvSpPr>
-          <p:cNvPr id="6146" name="Rectangle 2"/>
+          <p:cNvPr id="36866" name="Rectangle 2"/>
           <p:cNvSpPr>
             <a:spLocks noGrp="1" noChangeArrowheads="1"/>
           </p:cNvSpPr>
@@ -8455,15 +9339,39 @@
           <a:lstStyle/>
           <a:p>
             <a:r>
-              <a:rPr lang="en-US" dirty="0"/>
-              <a:t>General Info</a:t>
-            </a:r>
-          </a:p>
-        </p:txBody>
-      </p:sp>
-      <p:sp>
-        <p:nvSpPr>
-          <p:cNvPr id="6147" name="Rectangle 3"/>
+              <a:rPr lang="en-US"/>
+              <a:t>You’re Being Greedy!</a:t>
+            </a:r>
+          </a:p>
+        </p:txBody>
+      </p:sp>
+      <p:sp>
+        <p:nvSpPr>
+          <p:cNvPr id="4" name="Slide Number Placeholder 3"/>
+          <p:cNvSpPr>
+            <a:spLocks noGrp="1"/>
+          </p:cNvSpPr>
+          <p:nvPr>
+            <p:ph type="sldNum" sz="quarter" idx="12"/>
+          </p:nvPr>
+        </p:nvSpPr>
+        <p:spPr/>
+        <p:txBody>
+          <a:bodyPr/>
+          <a:lstStyle/>
+          <a:p>
+            <a:fld id="{F26D9103-0C5C-48AC-B68E-3ED2C1647047}" type="slidenum">
+              <a:rPr lang="en-US" smtClean="0"/>
+              <a:pPr/>
+              <a:t>32</a:t>
+            </a:fld>
+            <a:endParaRPr lang="en-US"/>
+          </a:p>
+        </p:txBody>
+      </p:sp>
+      <p:sp>
+        <p:nvSpPr>
+          <p:cNvPr id="36867" name="Rectangle 3"/>
           <p:cNvSpPr>
             <a:spLocks noGrp="1" noChangeArrowheads="1"/>
           </p:cNvSpPr>
@@ -8474,135 +9382,74 @@
             </p:custDataLst>
           </p:nvPr>
         </p:nvSpPr>
-        <p:spPr>
-          <a:xfrm>
-            <a:off x="381000" y="1371600"/>
-            <a:ext cx="8255000" cy="4800600"/>
-          </a:xfrm>
-        </p:spPr>
+        <p:spPr/>
         <p:txBody>
           <a:bodyPr>
-            <a:normAutofit fontScale="85000" lnSpcReduction="20000"/>
+            <a:normAutofit fontScale="92500"/>
           </a:bodyPr>
           <a:lstStyle/>
           <a:p>
             <a:r>
               <a:rPr lang="en-US" dirty="0"/>
-              <a:t>See syllabus on course website for general information</a:t>
-            </a:r>
-          </a:p>
-          <a:p>
-            <a:r>
-              <a:rPr lang="en-US" dirty="0"/>
-              <a:t>Pre-requisites:</a:t>
+              <a:t>This algorithm is an example of a family of algorithms called </a:t>
+            </a:r>
+            <a:r>
+              <a:rPr lang="en-US" i="1" dirty="0"/>
+              <a:t>greedy algorithms</a:t>
+            </a:r>
+          </a:p>
+          <a:p>
+            <a:r>
+              <a:rPr lang="en-US" dirty="0"/>
+              <a:t>Suitable for optimization problems</a:t>
             </a:r>
           </a:p>
           <a:p>
             <a:pPr lvl="1"/>
             <a:r>
               <a:rPr lang="en-US" dirty="0"/>
-              <a:t>CS2150 (with C- or better)</a:t>
+              <a:t>There are many </a:t>
+            </a:r>
+            <a:r>
+              <a:rPr lang="en-US" i="1" dirty="0"/>
+              <a:t>feasible answers </a:t>
+            </a:r>
+            <a:r>
+              <a:rPr lang="en-US" dirty="0"/>
+              <a:t>that add up to the right amount, but one is optimal or best (fewest coins)</a:t>
+            </a:r>
+          </a:p>
+          <a:p>
+            <a:r>
+              <a:rPr lang="en-US" dirty="0"/>
+              <a:t>Immediately greedy: at each step, choose what looks best now.  No “look-ahead” into the future!</a:t>
+            </a:r>
+          </a:p>
+          <a:p>
+            <a:endParaRPr lang="en-US" dirty="0"/>
+          </a:p>
+          <a:p>
+            <a:r>
+              <a:rPr lang="en-US" dirty="0"/>
+              <a:t>What’s an optimization problem?</a:t>
             </a:r>
           </a:p>
           <a:p>
             <a:pPr lvl="1"/>
             <a:r>
               <a:rPr lang="en-US" dirty="0"/>
-              <a:t>Math topics: proof by induction, proof by contradiction, exponents, logarithms, limits, simple differentiations (covered in APMA 1090 or MATH 1210 or MATH 1310)</a:t>
-            </a:r>
-          </a:p>
-          <a:p>
-            <a:r>
-              <a:rPr lang="en-US" dirty="0"/>
-              <a:t>Teaching Assistants</a:t>
+              <a:t>Some subset or combination of values satisfies problem constraints (feasible solutions)</a:t>
             </a:r>
           </a:p>
           <a:p>
             <a:pPr lvl="1"/>
             <a:r>
               <a:rPr lang="en-US" dirty="0"/>
-              <a:t>Graduates (?):</a:t>
-            </a:r>
-          </a:p>
-          <a:p>
-            <a:pPr lvl="2"/>
-            <a:r>
-              <a:rPr lang="en-US" dirty="0"/>
-              <a:t>TBD: Will likely have one graduate student</a:t>
+              <a:t>But, a way of comparing these.  One is best: the optimal solution</a:t>
             </a:r>
           </a:p>
           <a:p>
             <a:pPr lvl="1"/>
-            <a:r>
-              <a:rPr lang="en-US" dirty="0"/>
-              <a:t>Undergraduates (~20)</a:t>
-            </a:r>
-          </a:p>
-          <a:p>
-            <a:pPr lvl="2"/>
-            <a:r>
-              <a:rPr lang="en-US" dirty="0"/>
-              <a:t>We should have plenty of undergraduate support!</a:t>
-            </a:r>
-          </a:p>
-          <a:p>
-            <a:pPr lvl="1"/>
-            <a:r>
-              <a:rPr lang="en-US" dirty="0"/>
-              <a:t>Both will hold office hours, which will start next week</a:t>
-            </a:r>
-          </a:p>
-          <a:p>
-            <a:pPr lvl="2"/>
-            <a:r>
-              <a:rPr lang="en-US" dirty="0"/>
-              <a:t>Locations and hours TBA</a:t>
-            </a:r>
-          </a:p>
-          <a:p>
-            <a:pPr lvl="1"/>
-            <a:r>
-              <a:rPr lang="en-US" dirty="0"/>
-              <a:t>Also, we’ll use Piazza for questions</a:t>
-            </a:r>
-          </a:p>
-          <a:p>
-            <a:pPr lvl="2"/>
-            <a:r>
-              <a:rPr lang="en-US" dirty="0"/>
-              <a:t>Post all questions about HW, topics, </a:t>
-            </a:r>
-            <a:r>
-              <a:rPr lang="en-US" dirty="0" err="1"/>
-              <a:t>etc</a:t>
-            </a:r>
-            <a:r>
-              <a:rPr lang="en-US" dirty="0"/>
-              <a:t> to Piazza NOT email to instructors!</a:t>
-            </a:r>
-          </a:p>
-        </p:txBody>
-      </p:sp>
-      <p:sp>
-        <p:nvSpPr>
-          <p:cNvPr id="4" name="Slide Number Placeholder 3"/>
-          <p:cNvSpPr>
-            <a:spLocks noGrp="1"/>
-          </p:cNvSpPr>
-          <p:nvPr>
-            <p:ph type="sldNum" sz="quarter" idx="12"/>
-          </p:nvPr>
-        </p:nvSpPr>
-        <p:spPr/>
-        <p:txBody>
-          <a:bodyPr/>
-          <a:lstStyle/>
-          <a:p>
-            <a:fld id="{F26D9103-0C5C-48AC-B68E-3ED2C1647047}" type="slidenum">
-              <a:rPr lang="en-US" smtClean="0"/>
-              <a:pPr/>
-              <a:t>3</a:t>
-            </a:fld>
             <a:endParaRPr lang="en-US" dirty="0"/>
           </a:p>
         </p:txBody>
@@ -8615,7 +9462,7 @@
 </p:sld>
 </file>
 
-<file path=ppt/slides/slide30.xml><?xml version="1.0" encoding="utf-8"?>
+<file path=ppt/slides/slide33.xml><?xml version="1.0" encoding="utf-8"?>
 <p:sld xmlns:a="http://schemas.openxmlformats.org/drawingml/2006/main" xmlns:r="http://schemas.openxmlformats.org/officeDocument/2006/relationships" xmlns:p="http://schemas.openxmlformats.org/presentationml/2006/main">
   <p:cSld>
     <p:spTree>
@@ -8634,7 +9481,7 @@
       </p:grpSpPr>
       <p:sp>
         <p:nvSpPr>
-          <p:cNvPr id="36866" name="Rectangle 2"/>
+          <p:cNvPr id="37890" name="Rectangle 2"/>
           <p:cNvSpPr>
             <a:spLocks noGrp="1" noChangeArrowheads="1"/>
           </p:cNvSpPr>
@@ -8652,7 +9499,7 @@
           <a:p>
             <a:r>
               <a:rPr lang="en-US"/>
-              <a:t>You’re Being Greedy!</a:t>
+              <a:t>Does Greed Pay Off?</a:t>
             </a:r>
           </a:p>
         </p:txBody>
@@ -8675,166 +9522,7 @@
             <a:fld id="{F26D9103-0C5C-48AC-B68E-3ED2C1647047}" type="slidenum">
               <a:rPr lang="en-US" smtClean="0"/>
               <a:pPr/>
-              <a:t>30</a:t>
-            </a:fld>
-            <a:endParaRPr lang="en-US"/>
-          </a:p>
-        </p:txBody>
-      </p:sp>
-      <p:sp>
-        <p:nvSpPr>
-          <p:cNvPr id="36867" name="Rectangle 3"/>
-          <p:cNvSpPr>
-            <a:spLocks noGrp="1" noChangeArrowheads="1"/>
-          </p:cNvSpPr>
-          <p:nvPr>
-            <p:ph sz="quarter" idx="1"/>
-            <p:custDataLst>
-              <p:tags r:id="rId2"/>
-            </p:custDataLst>
-          </p:nvPr>
-        </p:nvSpPr>
-        <p:spPr/>
-        <p:txBody>
-          <a:bodyPr>
-            <a:normAutofit fontScale="92500"/>
-          </a:bodyPr>
-          <a:lstStyle/>
-          <a:p>
-            <a:r>
-              <a:rPr lang="en-US" dirty="0"/>
-              <a:t>This algorithm is an example of a family of algorithms called </a:t>
-            </a:r>
-            <a:r>
-              <a:rPr lang="en-US" i="1" dirty="0"/>
-              <a:t>greedy algorithms</a:t>
-            </a:r>
-          </a:p>
-          <a:p>
-            <a:r>
-              <a:rPr lang="en-US" dirty="0"/>
-              <a:t>Suitable for optimization problems</a:t>
-            </a:r>
-          </a:p>
-          <a:p>
-            <a:pPr lvl="1"/>
-            <a:r>
-              <a:rPr lang="en-US" dirty="0"/>
-              <a:t>There are many </a:t>
-            </a:r>
-            <a:r>
-              <a:rPr lang="en-US" i="1" dirty="0"/>
-              <a:t>feasible answers </a:t>
-            </a:r>
-            <a:r>
-              <a:rPr lang="en-US" dirty="0"/>
-              <a:t>that add up to the right amount, but one is optimal or best (fewest coins)</a:t>
-            </a:r>
-          </a:p>
-          <a:p>
-            <a:r>
-              <a:rPr lang="en-US" dirty="0"/>
-              <a:t>Immediately greedy: at each step, choose what looks best now.  No “look-ahead” into the future!</a:t>
-            </a:r>
-          </a:p>
-          <a:p>
-            <a:endParaRPr lang="en-US" dirty="0"/>
-          </a:p>
-          <a:p>
-            <a:r>
-              <a:rPr lang="en-US" dirty="0"/>
-              <a:t>What’s an optimization problem?</a:t>
-            </a:r>
-          </a:p>
-          <a:p>
-            <a:pPr lvl="1"/>
-            <a:r>
-              <a:rPr lang="en-US" dirty="0"/>
-              <a:t>Some subset or combination of values satisfies problem constraints (feasible solutions)</a:t>
-            </a:r>
-          </a:p>
-          <a:p>
-            <a:pPr lvl="1"/>
-            <a:r>
-              <a:rPr lang="en-US" dirty="0"/>
-              <a:t>But, a way of comparing these.  One is best: the optimal solution</a:t>
-            </a:r>
-          </a:p>
-          <a:p>
-            <a:pPr lvl="1"/>
-            <a:endParaRPr lang="en-US" dirty="0"/>
-          </a:p>
-        </p:txBody>
-      </p:sp>
-    </p:spTree>
-  </p:cSld>
-  <p:clrMapOvr>
-    <a:masterClrMapping/>
-  </p:clrMapOvr>
-</p:sld>
-</file>
-
-<file path=ppt/slides/slide31.xml><?xml version="1.0" encoding="utf-8"?>
-<p:sld xmlns:a="http://schemas.openxmlformats.org/drawingml/2006/main" xmlns:r="http://schemas.openxmlformats.org/officeDocument/2006/relationships" xmlns:p="http://schemas.openxmlformats.org/presentationml/2006/main">
-  <p:cSld>
-    <p:spTree>
-      <p:nvGrpSpPr>
-        <p:cNvPr id="1" name=""/>
-        <p:cNvGrpSpPr/>
-        <p:nvPr/>
-      </p:nvGrpSpPr>
-      <p:grpSpPr>
-        <a:xfrm>
-          <a:off x="0" y="0"/>
-          <a:ext cx="0" cy="0"/>
-          <a:chOff x="0" y="0"/>
-          <a:chExt cx="0" cy="0"/>
-        </a:xfrm>
-      </p:grpSpPr>
-      <p:sp>
-        <p:nvSpPr>
-          <p:cNvPr id="37890" name="Rectangle 2"/>
-          <p:cNvSpPr>
-            <a:spLocks noGrp="1" noChangeArrowheads="1"/>
-          </p:cNvSpPr>
-          <p:nvPr>
-            <p:ph type="title"/>
-            <p:custDataLst>
-              <p:tags r:id="rId1"/>
-            </p:custDataLst>
-          </p:nvPr>
-        </p:nvSpPr>
-        <p:spPr/>
-        <p:txBody>
-          <a:bodyPr/>
-          <a:lstStyle/>
-          <a:p>
-            <a:r>
-              <a:rPr lang="en-US"/>
-              <a:t>Does Greed Pay Off?</a:t>
-            </a:r>
-          </a:p>
-        </p:txBody>
-      </p:sp>
-      <p:sp>
-        <p:nvSpPr>
-          <p:cNvPr id="4" name="Slide Number Placeholder 3"/>
-          <p:cNvSpPr>
-            <a:spLocks noGrp="1"/>
-          </p:cNvSpPr>
-          <p:nvPr>
-            <p:ph type="sldNum" sz="quarter" idx="12"/>
-          </p:nvPr>
-        </p:nvSpPr>
-        <p:spPr/>
-        <p:txBody>
-          <a:bodyPr/>
-          <a:lstStyle/>
-          <a:p>
-            <a:fld id="{F26D9103-0C5C-48AC-B68E-3ED2C1647047}" type="slidenum">
-              <a:rPr lang="en-US" smtClean="0"/>
-              <a:pPr/>
-              <a:t>31</a:t>
+              <a:t>33</a:t>
             </a:fld>
             <a:endParaRPr lang="en-US"/>
           </a:p>
@@ -9366,337 +10054,6 @@
 </p:sld>
 </file>
 
-<file path=ppt/slides/slide32.xml><?xml version="1.0" encoding="utf-8"?>
-<p:sld xmlns:a="http://schemas.openxmlformats.org/drawingml/2006/main" xmlns:r="http://schemas.openxmlformats.org/officeDocument/2006/relationships" xmlns:p="http://schemas.openxmlformats.org/presentationml/2006/main">
-  <p:cSld>
-    <p:spTree>
-      <p:nvGrpSpPr>
-        <p:cNvPr id="1" name=""/>
-        <p:cNvGrpSpPr/>
-        <p:nvPr/>
-      </p:nvGrpSpPr>
-      <p:grpSpPr>
-        <a:xfrm>
-          <a:off x="0" y="0"/>
-          <a:ext cx="0" cy="0"/>
-          <a:chOff x="0" y="0"/>
-          <a:chExt cx="0" cy="0"/>
-        </a:xfrm>
-      </p:grpSpPr>
-      <p:sp>
-        <p:nvSpPr>
-          <p:cNvPr id="38914" name="Title 1"/>
-          <p:cNvSpPr>
-            <a:spLocks noGrp="1"/>
-          </p:cNvSpPr>
-          <p:nvPr>
-            <p:ph type="title"/>
-          </p:nvPr>
-        </p:nvSpPr>
-        <p:spPr/>
-        <p:txBody>
-          <a:bodyPr/>
-          <a:lstStyle/>
-          <a:p>
-            <a:r>
-              <a:rPr lang="en-US"/>
-              <a:t>Formal algorithmic description</a:t>
-            </a:r>
-          </a:p>
-        </p:txBody>
-      </p:sp>
-      <p:sp>
-        <p:nvSpPr>
-          <p:cNvPr id="4" name="Slide Number Placeholder 3"/>
-          <p:cNvSpPr>
-            <a:spLocks noGrp="1"/>
-          </p:cNvSpPr>
-          <p:nvPr>
-            <p:ph type="sldNum" sz="quarter" idx="12"/>
-          </p:nvPr>
-        </p:nvSpPr>
-        <p:spPr/>
-        <p:txBody>
-          <a:bodyPr/>
-          <a:lstStyle/>
-          <a:p>
-            <a:fld id="{F26D9103-0C5C-48AC-B68E-3ED2C1647047}" type="slidenum">
-              <a:rPr lang="en-US" smtClean="0"/>
-              <a:pPr/>
-              <a:t>32</a:t>
-            </a:fld>
-            <a:endParaRPr lang="en-US"/>
-          </a:p>
-        </p:txBody>
-      </p:sp>
-      <p:sp>
-        <p:nvSpPr>
-          <p:cNvPr id="38915" name="Content Placeholder 2"/>
-          <p:cNvSpPr>
-            <a:spLocks noGrp="1"/>
-          </p:cNvSpPr>
-          <p:nvPr>
-            <p:ph sz="quarter" idx="1"/>
-          </p:nvPr>
-        </p:nvSpPr>
-        <p:spPr/>
-        <p:txBody>
-          <a:bodyPr/>
-          <a:lstStyle/>
-          <a:p>
-            <a:r>
-              <a:rPr lang="en-US" i="1" dirty="0"/>
-              <a:t>All</a:t>
-            </a:r>
-            <a:r>
-              <a:rPr lang="en-US" dirty="0"/>
-              <a:t> algorithms in this course must have the following components:</a:t>
-            </a:r>
-          </a:p>
-          <a:p>
-            <a:pPr lvl="1"/>
-            <a:r>
-              <a:rPr lang="en-US" dirty="0"/>
-              <a:t>Problem description (1 line max)</a:t>
-            </a:r>
-          </a:p>
-          <a:p>
-            <a:pPr lvl="1"/>
-            <a:r>
-              <a:rPr lang="en-US" dirty="0"/>
-              <a:t>Inputs</a:t>
-            </a:r>
-          </a:p>
-          <a:p>
-            <a:pPr lvl="1"/>
-            <a:r>
-              <a:rPr lang="en-US" dirty="0"/>
-              <a:t>Outputs</a:t>
-            </a:r>
-          </a:p>
-          <a:p>
-            <a:pPr lvl="1"/>
-            <a:r>
-              <a:rPr lang="en-US" dirty="0"/>
-              <a:t>Assumptions</a:t>
-            </a:r>
-          </a:p>
-          <a:p>
-            <a:pPr lvl="1"/>
-            <a:r>
-              <a:rPr lang="en-US" dirty="0"/>
-              <a:t>Strategy overview</a:t>
-            </a:r>
-          </a:p>
-          <a:p>
-            <a:pPr lvl="2"/>
-            <a:r>
-              <a:rPr lang="en-US" dirty="0"/>
-              <a:t>1 or 2 sentences outlining the basic strategy, including the name of the method you are going to use for the algorithm</a:t>
-            </a:r>
-          </a:p>
-          <a:p>
-            <a:pPr lvl="1"/>
-            <a:r>
-              <a:rPr lang="en-US" dirty="0"/>
-              <a:t>Algorithm description</a:t>
-            </a:r>
-          </a:p>
-          <a:p>
-            <a:pPr lvl="2"/>
-            <a:r>
-              <a:rPr lang="en-US" dirty="0"/>
-              <a:t>If listed in English (as opposed to pseudo-code), then it should be listed in steps</a:t>
-            </a:r>
-          </a:p>
-        </p:txBody>
-      </p:sp>
-    </p:spTree>
-  </p:cSld>
-  <p:clrMapOvr>
-    <a:masterClrMapping/>
-  </p:clrMapOvr>
-</p:sld>
-</file>
-
-<file path=ppt/slides/slide33.xml><?xml version="1.0" encoding="utf-8"?>
-<p:sld xmlns:a="http://schemas.openxmlformats.org/drawingml/2006/main" xmlns:r="http://schemas.openxmlformats.org/officeDocument/2006/relationships" xmlns:p="http://schemas.openxmlformats.org/presentationml/2006/main">
-  <p:cSld>
-    <p:spTree>
-      <p:nvGrpSpPr>
-        <p:cNvPr id="1" name=""/>
-        <p:cNvGrpSpPr/>
-        <p:nvPr/>
-      </p:nvGrpSpPr>
-      <p:grpSpPr>
-        <a:xfrm>
-          <a:off x="0" y="0"/>
-          <a:ext cx="0" cy="0"/>
-          <a:chOff x="0" y="0"/>
-          <a:chExt cx="0" cy="0"/>
-        </a:xfrm>
-      </p:grpSpPr>
-      <p:sp>
-        <p:nvSpPr>
-          <p:cNvPr id="39938" name="Title 1"/>
-          <p:cNvSpPr>
-            <a:spLocks noGrp="1"/>
-          </p:cNvSpPr>
-          <p:nvPr>
-            <p:ph type="title"/>
-          </p:nvPr>
-        </p:nvSpPr>
-        <p:spPr/>
-        <p:txBody>
-          <a:bodyPr/>
-          <a:lstStyle/>
-          <a:p>
-            <a:r>
-              <a:rPr lang="en-US"/>
-              <a:t>Change solution (greedy)</a:t>
-            </a:r>
-          </a:p>
-        </p:txBody>
-      </p:sp>
-      <p:sp>
-        <p:nvSpPr>
-          <p:cNvPr id="39939" name="Content Placeholder 2"/>
-          <p:cNvSpPr>
-            <a:spLocks noGrp="1"/>
-          </p:cNvSpPr>
-          <p:nvPr>
-            <p:ph sz="quarter" idx="1"/>
-          </p:nvPr>
-        </p:nvSpPr>
-        <p:spPr/>
-        <p:txBody>
-          <a:bodyPr/>
-          <a:lstStyle/>
-          <a:p>
-            <a:pPr>
-              <a:lnSpc>
-                <a:spcPct val="90000"/>
-              </a:lnSpc>
-            </a:pPr>
-            <a:r>
-              <a:rPr lang="en-US" sz="2400" b="1"/>
-              <a:t>Problem description:</a:t>
-            </a:r>
-            <a:r>
-              <a:rPr lang="en-US" sz="2400"/>
-              <a:t> providing coin change of a given amount in the fewest number of coins</a:t>
-            </a:r>
-          </a:p>
-          <a:p>
-            <a:pPr>
-              <a:lnSpc>
-                <a:spcPct val="90000"/>
-              </a:lnSpc>
-            </a:pPr>
-            <a:r>
-              <a:rPr lang="en-US" sz="2400" b="1"/>
-              <a:t>Inputs:</a:t>
-            </a:r>
-            <a:r>
-              <a:rPr lang="en-US" sz="2400"/>
-              <a:t> the dollar-amount to return.  Perhaps the possible set of coins, if it is non-obvious.</a:t>
-            </a:r>
-          </a:p>
-          <a:p>
-            <a:pPr>
-              <a:lnSpc>
-                <a:spcPct val="90000"/>
-              </a:lnSpc>
-            </a:pPr>
-            <a:r>
-              <a:rPr lang="en-US" sz="2400" b="1"/>
-              <a:t>Output:</a:t>
-            </a:r>
-            <a:r>
-              <a:rPr lang="en-US" sz="2400"/>
-              <a:t> a set of coins that obtains the desired amount of change in the fewest number of coins</a:t>
-            </a:r>
-          </a:p>
-          <a:p>
-            <a:pPr>
-              <a:lnSpc>
-                <a:spcPct val="90000"/>
-              </a:lnSpc>
-            </a:pPr>
-            <a:r>
-              <a:rPr lang="en-US" sz="2400" b="1"/>
-              <a:t>Assumptions:</a:t>
-            </a:r>
-            <a:r>
-              <a:rPr lang="en-US" sz="2400"/>
-              <a:t> If the coins are not stated, then they are the standard quarter, dime, nickel, and penny.  All inputs are non-negative, and dollar amounts are ignored.</a:t>
-            </a:r>
-          </a:p>
-          <a:p>
-            <a:pPr>
-              <a:lnSpc>
-                <a:spcPct val="90000"/>
-              </a:lnSpc>
-            </a:pPr>
-            <a:r>
-              <a:rPr lang="en-US" sz="2400" b="1"/>
-              <a:t>Strategy:</a:t>
-            </a:r>
-            <a:r>
-              <a:rPr lang="en-US" sz="2400"/>
-              <a:t> a greedy algorithm that uses the largest coins first</a:t>
-            </a:r>
-          </a:p>
-          <a:p>
-            <a:pPr>
-              <a:lnSpc>
-                <a:spcPct val="90000"/>
-              </a:lnSpc>
-            </a:pPr>
-            <a:r>
-              <a:rPr lang="en-US" sz="2400" b="1"/>
-              <a:t>Description:</a:t>
-            </a:r>
-            <a:r>
-              <a:rPr lang="en-US" sz="2400"/>
-              <a:t> Issue the largest coin (quarters) until the amount left is less than the amount of a quarter ($0.25).  Repeat with decreasing coin sizes (dimes, nickels, pennies).</a:t>
-            </a:r>
-            <a:endParaRPr lang="en-US"/>
-          </a:p>
-        </p:txBody>
-      </p:sp>
-      <p:sp>
-        <p:nvSpPr>
-          <p:cNvPr id="4" name="Slide Number Placeholder 3"/>
-          <p:cNvSpPr>
-            <a:spLocks noGrp="1"/>
-          </p:cNvSpPr>
-          <p:nvPr>
-            <p:ph type="sldNum" sz="quarter" idx="12"/>
-          </p:nvPr>
-        </p:nvSpPr>
-        <p:spPr/>
-        <p:txBody>
-          <a:bodyPr/>
-          <a:lstStyle/>
-          <a:p>
-            <a:fld id="{F26D9103-0C5C-48AC-B68E-3ED2C1647047}" type="slidenum">
-              <a:rPr lang="en-US" smtClean="0"/>
-              <a:pPr/>
-              <a:t>33</a:t>
-            </a:fld>
-            <a:endParaRPr lang="en-US"/>
-          </a:p>
-        </p:txBody>
-      </p:sp>
-    </p:spTree>
-  </p:cSld>
-  <p:clrMapOvr>
-    <a:masterClrMapping/>
-  </p:clrMapOvr>
-</p:sld>
-</file>
-
 <file path=ppt/slides/slide34.xml><?xml version="1.0" encoding="utf-8"?>
 <p:sld xmlns:a="http://schemas.openxmlformats.org/drawingml/2006/main" xmlns:r="http://schemas.openxmlformats.org/officeDocument/2006/relationships" xmlns:p="http://schemas.openxmlformats.org/presentationml/2006/main">
   <p:cSld>
@@ -9716,6 +10073,337 @@
       </p:grpSpPr>
       <p:sp>
         <p:nvSpPr>
+          <p:cNvPr id="38914" name="Title 1"/>
+          <p:cNvSpPr>
+            <a:spLocks noGrp="1"/>
+          </p:cNvSpPr>
+          <p:nvPr>
+            <p:ph type="title"/>
+          </p:nvPr>
+        </p:nvSpPr>
+        <p:spPr/>
+        <p:txBody>
+          <a:bodyPr/>
+          <a:lstStyle/>
+          <a:p>
+            <a:r>
+              <a:rPr lang="en-US"/>
+              <a:t>Formal algorithmic description</a:t>
+            </a:r>
+          </a:p>
+        </p:txBody>
+      </p:sp>
+      <p:sp>
+        <p:nvSpPr>
+          <p:cNvPr id="4" name="Slide Number Placeholder 3"/>
+          <p:cNvSpPr>
+            <a:spLocks noGrp="1"/>
+          </p:cNvSpPr>
+          <p:nvPr>
+            <p:ph type="sldNum" sz="quarter" idx="12"/>
+          </p:nvPr>
+        </p:nvSpPr>
+        <p:spPr/>
+        <p:txBody>
+          <a:bodyPr/>
+          <a:lstStyle/>
+          <a:p>
+            <a:fld id="{F26D9103-0C5C-48AC-B68E-3ED2C1647047}" type="slidenum">
+              <a:rPr lang="en-US" smtClean="0"/>
+              <a:pPr/>
+              <a:t>34</a:t>
+            </a:fld>
+            <a:endParaRPr lang="en-US"/>
+          </a:p>
+        </p:txBody>
+      </p:sp>
+      <p:sp>
+        <p:nvSpPr>
+          <p:cNvPr id="38915" name="Content Placeholder 2"/>
+          <p:cNvSpPr>
+            <a:spLocks noGrp="1"/>
+          </p:cNvSpPr>
+          <p:nvPr>
+            <p:ph sz="quarter" idx="1"/>
+          </p:nvPr>
+        </p:nvSpPr>
+        <p:spPr/>
+        <p:txBody>
+          <a:bodyPr/>
+          <a:lstStyle/>
+          <a:p>
+            <a:r>
+              <a:rPr lang="en-US" i="1" dirty="0"/>
+              <a:t>All</a:t>
+            </a:r>
+            <a:r>
+              <a:rPr lang="en-US" dirty="0"/>
+              <a:t> algorithms in this course must have the following components:</a:t>
+            </a:r>
+          </a:p>
+          <a:p>
+            <a:pPr lvl="1"/>
+            <a:r>
+              <a:rPr lang="en-US" dirty="0"/>
+              <a:t>Problem description (1 line max)</a:t>
+            </a:r>
+          </a:p>
+          <a:p>
+            <a:pPr lvl="1"/>
+            <a:r>
+              <a:rPr lang="en-US" dirty="0"/>
+              <a:t>Inputs</a:t>
+            </a:r>
+          </a:p>
+          <a:p>
+            <a:pPr lvl="1"/>
+            <a:r>
+              <a:rPr lang="en-US" dirty="0"/>
+              <a:t>Outputs</a:t>
+            </a:r>
+          </a:p>
+          <a:p>
+            <a:pPr lvl="1"/>
+            <a:r>
+              <a:rPr lang="en-US" dirty="0"/>
+              <a:t>Assumptions</a:t>
+            </a:r>
+          </a:p>
+          <a:p>
+            <a:pPr lvl="1"/>
+            <a:r>
+              <a:rPr lang="en-US" dirty="0"/>
+              <a:t>Strategy overview</a:t>
+            </a:r>
+          </a:p>
+          <a:p>
+            <a:pPr lvl="2"/>
+            <a:r>
+              <a:rPr lang="en-US" dirty="0"/>
+              <a:t>1 or 2 sentences outlining the basic strategy, including the name of the method you are going to use for the algorithm</a:t>
+            </a:r>
+          </a:p>
+          <a:p>
+            <a:pPr lvl="1"/>
+            <a:r>
+              <a:rPr lang="en-US" dirty="0"/>
+              <a:t>Algorithm description</a:t>
+            </a:r>
+          </a:p>
+          <a:p>
+            <a:pPr lvl="2"/>
+            <a:r>
+              <a:rPr lang="en-US" dirty="0"/>
+              <a:t>If listed in English (as opposed to pseudo-code), then it should be listed in steps</a:t>
+            </a:r>
+          </a:p>
+        </p:txBody>
+      </p:sp>
+    </p:spTree>
+  </p:cSld>
+  <p:clrMapOvr>
+    <a:masterClrMapping/>
+  </p:clrMapOvr>
+</p:sld>
+</file>
+
+<file path=ppt/slides/slide35.xml><?xml version="1.0" encoding="utf-8"?>
+<p:sld xmlns:a="http://schemas.openxmlformats.org/drawingml/2006/main" xmlns:r="http://schemas.openxmlformats.org/officeDocument/2006/relationships" xmlns:p="http://schemas.openxmlformats.org/presentationml/2006/main">
+  <p:cSld>
+    <p:spTree>
+      <p:nvGrpSpPr>
+        <p:cNvPr id="1" name=""/>
+        <p:cNvGrpSpPr/>
+        <p:nvPr/>
+      </p:nvGrpSpPr>
+      <p:grpSpPr>
+        <a:xfrm>
+          <a:off x="0" y="0"/>
+          <a:ext cx="0" cy="0"/>
+          <a:chOff x="0" y="0"/>
+          <a:chExt cx="0" cy="0"/>
+        </a:xfrm>
+      </p:grpSpPr>
+      <p:sp>
+        <p:nvSpPr>
+          <p:cNvPr id="39938" name="Title 1"/>
+          <p:cNvSpPr>
+            <a:spLocks noGrp="1"/>
+          </p:cNvSpPr>
+          <p:nvPr>
+            <p:ph type="title"/>
+          </p:nvPr>
+        </p:nvSpPr>
+        <p:spPr/>
+        <p:txBody>
+          <a:bodyPr/>
+          <a:lstStyle/>
+          <a:p>
+            <a:r>
+              <a:rPr lang="en-US"/>
+              <a:t>Change solution (greedy)</a:t>
+            </a:r>
+          </a:p>
+        </p:txBody>
+      </p:sp>
+      <p:sp>
+        <p:nvSpPr>
+          <p:cNvPr id="39939" name="Content Placeholder 2"/>
+          <p:cNvSpPr>
+            <a:spLocks noGrp="1"/>
+          </p:cNvSpPr>
+          <p:nvPr>
+            <p:ph sz="quarter" idx="1"/>
+          </p:nvPr>
+        </p:nvSpPr>
+        <p:spPr/>
+        <p:txBody>
+          <a:bodyPr/>
+          <a:lstStyle/>
+          <a:p>
+            <a:pPr>
+              <a:lnSpc>
+                <a:spcPct val="90000"/>
+              </a:lnSpc>
+            </a:pPr>
+            <a:r>
+              <a:rPr lang="en-US" sz="2400" b="1"/>
+              <a:t>Problem description:</a:t>
+            </a:r>
+            <a:r>
+              <a:rPr lang="en-US" sz="2400"/>
+              <a:t> providing coin change of a given amount in the fewest number of coins</a:t>
+            </a:r>
+          </a:p>
+          <a:p>
+            <a:pPr>
+              <a:lnSpc>
+                <a:spcPct val="90000"/>
+              </a:lnSpc>
+            </a:pPr>
+            <a:r>
+              <a:rPr lang="en-US" sz="2400" b="1"/>
+              <a:t>Inputs:</a:t>
+            </a:r>
+            <a:r>
+              <a:rPr lang="en-US" sz="2400"/>
+              <a:t> the dollar-amount to return.  Perhaps the possible set of coins, if it is non-obvious.</a:t>
+            </a:r>
+          </a:p>
+          <a:p>
+            <a:pPr>
+              <a:lnSpc>
+                <a:spcPct val="90000"/>
+              </a:lnSpc>
+            </a:pPr>
+            <a:r>
+              <a:rPr lang="en-US" sz="2400" b="1"/>
+              <a:t>Output:</a:t>
+            </a:r>
+            <a:r>
+              <a:rPr lang="en-US" sz="2400"/>
+              <a:t> a set of coins that obtains the desired amount of change in the fewest number of coins</a:t>
+            </a:r>
+          </a:p>
+          <a:p>
+            <a:pPr>
+              <a:lnSpc>
+                <a:spcPct val="90000"/>
+              </a:lnSpc>
+            </a:pPr>
+            <a:r>
+              <a:rPr lang="en-US" sz="2400" b="1"/>
+              <a:t>Assumptions:</a:t>
+            </a:r>
+            <a:r>
+              <a:rPr lang="en-US" sz="2400"/>
+              <a:t> If the coins are not stated, then they are the standard quarter, dime, nickel, and penny.  All inputs are non-negative, and dollar amounts are ignored.</a:t>
+            </a:r>
+          </a:p>
+          <a:p>
+            <a:pPr>
+              <a:lnSpc>
+                <a:spcPct val="90000"/>
+              </a:lnSpc>
+            </a:pPr>
+            <a:r>
+              <a:rPr lang="en-US" sz="2400" b="1"/>
+              <a:t>Strategy:</a:t>
+            </a:r>
+            <a:r>
+              <a:rPr lang="en-US" sz="2400"/>
+              <a:t> a greedy algorithm that uses the largest coins first</a:t>
+            </a:r>
+          </a:p>
+          <a:p>
+            <a:pPr>
+              <a:lnSpc>
+                <a:spcPct val="90000"/>
+              </a:lnSpc>
+            </a:pPr>
+            <a:r>
+              <a:rPr lang="en-US" sz="2400" b="1"/>
+              <a:t>Description:</a:t>
+            </a:r>
+            <a:r>
+              <a:rPr lang="en-US" sz="2400"/>
+              <a:t> Issue the largest coin (quarters) until the amount left is less than the amount of a quarter ($0.25).  Repeat with decreasing coin sizes (dimes, nickels, pennies).</a:t>
+            </a:r>
+            <a:endParaRPr lang="en-US"/>
+          </a:p>
+        </p:txBody>
+      </p:sp>
+      <p:sp>
+        <p:nvSpPr>
+          <p:cNvPr id="4" name="Slide Number Placeholder 3"/>
+          <p:cNvSpPr>
+            <a:spLocks noGrp="1"/>
+          </p:cNvSpPr>
+          <p:nvPr>
+            <p:ph type="sldNum" sz="quarter" idx="12"/>
+          </p:nvPr>
+        </p:nvSpPr>
+        <p:spPr/>
+        <p:txBody>
+          <a:bodyPr/>
+          <a:lstStyle/>
+          <a:p>
+            <a:fld id="{F26D9103-0C5C-48AC-B68E-3ED2C1647047}" type="slidenum">
+              <a:rPr lang="en-US" smtClean="0"/>
+              <a:pPr/>
+              <a:t>35</a:t>
+            </a:fld>
+            <a:endParaRPr lang="en-US"/>
+          </a:p>
+        </p:txBody>
+      </p:sp>
+    </p:spTree>
+  </p:cSld>
+  <p:clrMapOvr>
+    <a:masterClrMapping/>
+  </p:clrMapOvr>
+</p:sld>
+</file>
+
+<file path=ppt/slides/slide36.xml><?xml version="1.0" encoding="utf-8"?>
+<p:sld xmlns:a="http://schemas.openxmlformats.org/drawingml/2006/main" xmlns:r="http://schemas.openxmlformats.org/officeDocument/2006/relationships" xmlns:p="http://schemas.openxmlformats.org/presentationml/2006/main">
+  <p:cSld>
+    <p:spTree>
+      <p:nvGrpSpPr>
+        <p:cNvPr id="1" name=""/>
+        <p:cNvGrpSpPr/>
+        <p:nvPr/>
+      </p:nvGrpSpPr>
+      <p:grpSpPr>
+        <a:xfrm>
+          <a:off x="0" y="0"/>
+          <a:ext cx="0" cy="0"/>
+          <a:chOff x="0" y="0"/>
+          <a:chExt cx="0" cy="0"/>
+        </a:xfrm>
+      </p:grpSpPr>
+      <p:sp>
+        <p:nvSpPr>
           <p:cNvPr id="40962" name="Rectangle 2"/>
           <p:cNvSpPr>
             <a:spLocks noGrp="1" noChangeArrowheads="1"/>
@@ -9757,7 +10445,7 @@
             <a:fld id="{F26D9103-0C5C-48AC-B68E-3ED2C1647047}" type="slidenum">
               <a:rPr lang="en-US" smtClean="0"/>
               <a:pPr/>
-              <a:t>34</a:t>
+              <a:t>36</a:t>
             </a:fld>
             <a:endParaRPr lang="en-US"/>
           </a:p>
@@ -10157,335 +10845,6 @@
 </p:sld>
 </file>
 
-<file path=ppt/slides/slide35.xml><?xml version="1.0" encoding="utf-8"?>
-<p:sld xmlns:a="http://schemas.openxmlformats.org/drawingml/2006/main" xmlns:r="http://schemas.openxmlformats.org/officeDocument/2006/relationships" xmlns:p="http://schemas.openxmlformats.org/presentationml/2006/main">
-  <p:cSld>
-    <p:spTree>
-      <p:nvGrpSpPr>
-        <p:cNvPr id="1" name=""/>
-        <p:cNvGrpSpPr/>
-        <p:nvPr/>
-      </p:nvGrpSpPr>
-      <p:grpSpPr>
-        <a:xfrm>
-          <a:off x="0" y="0"/>
-          <a:ext cx="0" cy="0"/>
-          <a:chOff x="0" y="0"/>
-          <a:chExt cx="0" cy="0"/>
-        </a:xfrm>
-      </p:grpSpPr>
-      <p:sp>
-        <p:nvSpPr>
-          <p:cNvPr id="41986" name="Title 1"/>
-          <p:cNvSpPr>
-            <a:spLocks noGrp="1"/>
-          </p:cNvSpPr>
-          <p:nvPr>
-            <p:ph type="title"/>
-          </p:nvPr>
-        </p:nvSpPr>
-        <p:spPr/>
-        <p:txBody>
-          <a:bodyPr/>
-          <a:lstStyle/>
-          <a:p>
-            <a:r>
-              <a:rPr lang="en-US"/>
-              <a:t>Change solution (brute-force)</a:t>
-            </a:r>
-          </a:p>
-        </p:txBody>
-      </p:sp>
-      <p:sp>
-        <p:nvSpPr>
-          <p:cNvPr id="3" name="Content Placeholder 2"/>
-          <p:cNvSpPr>
-            <a:spLocks noGrp="1"/>
-          </p:cNvSpPr>
-          <p:nvPr>
-            <p:ph sz="quarter" idx="1"/>
-          </p:nvPr>
-        </p:nvSpPr>
-        <p:spPr>
-          <a:xfrm>
-            <a:off x="457200" y="1219200"/>
-            <a:ext cx="8229600" cy="5410200"/>
-          </a:xfrm>
-        </p:spPr>
-        <p:txBody>
-          <a:bodyPr>
-            <a:normAutofit/>
-          </a:bodyPr>
-          <a:lstStyle/>
-          <a:p>
-            <a:pPr>
-              <a:lnSpc>
-                <a:spcPct val="90000"/>
-              </a:lnSpc>
-              <a:defRPr/>
-            </a:pPr>
-            <a:r>
-              <a:rPr lang="en-US" sz="2400" b="1" dirty="0">
-                <a:solidFill>
-                  <a:schemeClr val="bg1">
-                    <a:lumMod val="75000"/>
-                  </a:schemeClr>
-                </a:solidFill>
-              </a:rPr>
-              <a:t>Problem description:</a:t>
-            </a:r>
-            <a:r>
-              <a:rPr lang="en-US" sz="2400" dirty="0">
-                <a:solidFill>
-                  <a:schemeClr val="bg1">
-                    <a:lumMod val="75000"/>
-                  </a:schemeClr>
-                </a:solidFill>
-              </a:rPr>
-              <a:t> providing coin change of a given amount in the fewest number of coins</a:t>
-            </a:r>
-          </a:p>
-          <a:p>
-            <a:pPr>
-              <a:lnSpc>
-                <a:spcPct val="90000"/>
-              </a:lnSpc>
-              <a:defRPr/>
-            </a:pPr>
-            <a:r>
-              <a:rPr lang="en-US" sz="2400" b="1" dirty="0">
-                <a:solidFill>
-                  <a:schemeClr val="bg1">
-                    <a:lumMod val="75000"/>
-                  </a:schemeClr>
-                </a:solidFill>
-              </a:rPr>
-              <a:t>Inputs:</a:t>
-            </a:r>
-            <a:r>
-              <a:rPr lang="en-US" sz="2400" dirty="0">
-                <a:solidFill>
-                  <a:schemeClr val="bg1">
-                    <a:lumMod val="75000"/>
-                  </a:schemeClr>
-                </a:solidFill>
-              </a:rPr>
-              <a:t> the dollar-amount to return.  Perhaps the possible set of coins, if it is non-obvious.</a:t>
-            </a:r>
-          </a:p>
-          <a:p>
-            <a:pPr>
-              <a:lnSpc>
-                <a:spcPct val="90000"/>
-              </a:lnSpc>
-              <a:defRPr/>
-            </a:pPr>
-            <a:r>
-              <a:rPr lang="en-US" sz="2400" b="1" dirty="0">
-                <a:solidFill>
-                  <a:schemeClr val="bg1">
-                    <a:lumMod val="75000"/>
-                  </a:schemeClr>
-                </a:solidFill>
-              </a:rPr>
-              <a:t>Output:</a:t>
-            </a:r>
-            <a:r>
-              <a:rPr lang="en-US" sz="2400" dirty="0">
-                <a:solidFill>
-                  <a:schemeClr val="bg1">
-                    <a:lumMod val="75000"/>
-                  </a:schemeClr>
-                </a:solidFill>
-              </a:rPr>
-              <a:t> a set of coins that obtains the desired amount of change in the fewest number of coins</a:t>
-            </a:r>
-          </a:p>
-          <a:p>
-            <a:pPr>
-              <a:lnSpc>
-                <a:spcPct val="90000"/>
-              </a:lnSpc>
-              <a:defRPr/>
-            </a:pPr>
-            <a:r>
-              <a:rPr lang="en-US" sz="2400" b="1" dirty="0">
-                <a:solidFill>
-                  <a:schemeClr val="bg1">
-                    <a:lumMod val="75000"/>
-                  </a:schemeClr>
-                </a:solidFill>
-              </a:rPr>
-              <a:t>Assumptions:</a:t>
-            </a:r>
-            <a:r>
-              <a:rPr lang="en-US" sz="2400" dirty="0">
-                <a:solidFill>
-                  <a:schemeClr val="bg1">
-                    <a:lumMod val="75000"/>
-                  </a:schemeClr>
-                </a:solidFill>
-              </a:rPr>
-              <a:t> If the coins are not stated, then they are the standard quarter, dime, nickel, and penny.  All inputs are non-negative, and dollar amounts are ignored.</a:t>
-            </a:r>
-          </a:p>
-          <a:p>
-            <a:pPr>
-              <a:lnSpc>
-                <a:spcPct val="90000"/>
-              </a:lnSpc>
-              <a:defRPr/>
-            </a:pPr>
-            <a:r>
-              <a:rPr lang="en-US" sz="2400" b="1" dirty="0"/>
-              <a:t>Strategy:</a:t>
-            </a:r>
-            <a:r>
-              <a:rPr lang="en-US" sz="2400" dirty="0"/>
-              <a:t> a brute-force algorithm that considers every possibility and picks the one with the fewest number of coins</a:t>
-            </a:r>
-          </a:p>
-          <a:p>
-            <a:pPr>
-              <a:lnSpc>
-                <a:spcPct val="90000"/>
-              </a:lnSpc>
-              <a:defRPr/>
-            </a:pPr>
-            <a:r>
-              <a:rPr lang="en-US" sz="2400" b="1" dirty="0"/>
-              <a:t>Description:</a:t>
-            </a:r>
-            <a:r>
-              <a:rPr lang="en-US" sz="2400" dirty="0"/>
-              <a:t> Consider every possible combination of coins that add to the given amount (done via a depth-first search).  Return the one with the fewest number of coins.</a:t>
-            </a:r>
-            <a:endParaRPr lang="en-US" dirty="0"/>
-          </a:p>
-        </p:txBody>
-      </p:sp>
-      <p:sp>
-        <p:nvSpPr>
-          <p:cNvPr id="4" name="Slide Number Placeholder 3"/>
-          <p:cNvSpPr>
-            <a:spLocks noGrp="1"/>
-          </p:cNvSpPr>
-          <p:nvPr>
-            <p:ph type="sldNum" sz="quarter" idx="12"/>
-          </p:nvPr>
-        </p:nvSpPr>
-        <p:spPr/>
-        <p:txBody>
-          <a:bodyPr/>
-          <a:lstStyle/>
-          <a:p>
-            <a:fld id="{F26D9103-0C5C-48AC-B68E-3ED2C1647047}" type="slidenum">
-              <a:rPr lang="en-US" smtClean="0"/>
-              <a:pPr/>
-              <a:t>35</a:t>
-            </a:fld>
-            <a:endParaRPr lang="en-US"/>
-          </a:p>
-        </p:txBody>
-      </p:sp>
-    </p:spTree>
-  </p:cSld>
-  <p:clrMapOvr>
-    <a:masterClrMapping/>
-  </p:clrMapOvr>
-</p:sld>
-</file>
-
-<file path=ppt/slides/slide36.xml><?xml version="1.0" encoding="utf-8"?>
-<p:sld xmlns:a="http://schemas.openxmlformats.org/drawingml/2006/main" xmlns:r="http://schemas.openxmlformats.org/officeDocument/2006/relationships" xmlns:p="http://schemas.openxmlformats.org/presentationml/2006/main">
-  <p:cSld>
-    <p:spTree>
-      <p:nvGrpSpPr>
-        <p:cNvPr id="1" name=""/>
-        <p:cNvGrpSpPr/>
-        <p:nvPr/>
-      </p:nvGrpSpPr>
-      <p:grpSpPr>
-        <a:xfrm>
-          <a:off x="0" y="0"/>
-          <a:ext cx="0" cy="0"/>
-          <a:chOff x="0" y="0"/>
-          <a:chExt cx="0" cy="0"/>
-        </a:xfrm>
-      </p:grpSpPr>
-      <p:sp>
-        <p:nvSpPr>
-          <p:cNvPr id="5" name="Title 4"/>
-          <p:cNvSpPr>
-            <a:spLocks noGrp="1"/>
-          </p:cNvSpPr>
-          <p:nvPr>
-            <p:ph type="title"/>
-          </p:nvPr>
-        </p:nvSpPr>
-        <p:spPr/>
-        <p:txBody>
-          <a:bodyPr/>
-          <a:lstStyle/>
-          <a:p>
-            <a:r>
-              <a:rPr lang="en-US" dirty="0"/>
-              <a:t>Motivating problems</a:t>
-            </a:r>
-          </a:p>
-        </p:txBody>
-      </p:sp>
-      <p:sp>
-        <p:nvSpPr>
-          <p:cNvPr id="6" name="Text Placeholder 5"/>
-          <p:cNvSpPr>
-            <a:spLocks noGrp="1"/>
-          </p:cNvSpPr>
-          <p:nvPr>
-            <p:ph type="body" idx="1"/>
-          </p:nvPr>
-        </p:nvSpPr>
-        <p:spPr/>
-        <p:txBody>
-          <a:bodyPr/>
-          <a:lstStyle/>
-          <a:p>
-            <a:endParaRPr lang="en-US"/>
-          </a:p>
-        </p:txBody>
-      </p:sp>
-      <p:sp>
-        <p:nvSpPr>
-          <p:cNvPr id="3" name="Slide Number Placeholder 2"/>
-          <p:cNvSpPr>
-            <a:spLocks noGrp="1"/>
-          </p:cNvSpPr>
-          <p:nvPr>
-            <p:ph type="sldNum" sz="quarter" idx="12"/>
-          </p:nvPr>
-        </p:nvSpPr>
-        <p:spPr/>
-        <p:txBody>
-          <a:bodyPr/>
-          <a:lstStyle/>
-          <a:p>
-            <a:fld id="{F26D9103-0C5C-48AC-B68E-3ED2C1647047}" type="slidenum">
-              <a:rPr lang="en-US" smtClean="0"/>
-              <a:pPr/>
-              <a:t>36</a:t>
-            </a:fld>
-            <a:endParaRPr lang="en-US"/>
-          </a:p>
-        </p:txBody>
-      </p:sp>
-    </p:spTree>
-  </p:cSld>
-  <p:clrMapOvr>
-    <a:masterClrMapping/>
-  </p:clrMapOvr>
-</p:sld>
-</file>
-
 <file path=ppt/slides/slide37.xml><?xml version="1.0" encoding="utf-8"?>
 <p:sld xmlns:a="http://schemas.openxmlformats.org/drawingml/2006/main" xmlns:r="http://schemas.openxmlformats.org/officeDocument/2006/relationships" xmlns:p="http://schemas.openxmlformats.org/presentationml/2006/main">
   <p:cSld>
@@ -10505,7 +10864,7 @@
       </p:grpSpPr>
       <p:sp>
         <p:nvSpPr>
-          <p:cNvPr id="2" name="Title 1"/>
+          <p:cNvPr id="41986" name="Title 1"/>
           <p:cNvSpPr>
             <a:spLocks noGrp="1"/>
           </p:cNvSpPr>
@@ -10519,8 +10878,8 @@
           <a:lstStyle/>
           <a:p>
             <a:r>
-              <a:rPr lang="en-US" dirty="0"/>
-              <a:t>Motivating problem: Interval scheduling</a:t>
+              <a:rPr lang="en-US"/>
+              <a:t>Change solution (brute-force)</a:t>
             </a:r>
           </a:p>
         </p:txBody>
@@ -10535,98 +10894,167 @@
             <p:ph sz="quarter" idx="1"/>
           </p:nvPr>
         </p:nvSpPr>
-        <p:spPr/>
-        <p:txBody>
-          <a:bodyPr/>
-          <a:lstStyle/>
-          <a:p>
-            <a:r>
-              <a:rPr lang="en-US" dirty="0"/>
-              <a:t>Interval scheduling</a:t>
-            </a:r>
-          </a:p>
-          <a:p>
-            <a:pPr lvl="1"/>
-            <a:r>
-              <a:rPr lang="en-US" dirty="0"/>
-              <a:t>Given a series of requests, each with a start time and end time, maximize the number of requests scheduled</a:t>
-            </a:r>
-          </a:p>
-          <a:p>
-            <a:pPr lvl="1"/>
-            <a:r>
-              <a:rPr lang="en-US" dirty="0"/>
-              <a:t>This is solved by a </a:t>
-            </a:r>
-            <a:r>
-              <a:rPr lang="en-US" i="1" dirty="0"/>
-              <a:t>greedy </a:t>
-            </a:r>
-            <a:r>
-              <a:rPr lang="en-US" dirty="0"/>
-              <a:t>algorithm</a:t>
-            </a:r>
-          </a:p>
-          <a:p>
-            <a:pPr lvl="1"/>
-            <a:r>
-              <a:rPr lang="en-US" dirty="0"/>
-              <a:t>Most of the CS 2150 algorithms you’ve seen are greedy algorithms: </a:t>
-            </a:r>
-            <a:r>
-              <a:rPr lang="en-US" dirty="0" err="1"/>
-              <a:t>Dijkstra’s</a:t>
-            </a:r>
-            <a:r>
-              <a:rPr lang="en-US" dirty="0"/>
-              <a:t> shortest path, both MST algorithms, etc.</a:t>
-            </a:r>
-          </a:p>
-          <a:p>
+        <p:spPr>
+          <a:xfrm>
+            <a:off x="457200" y="1219200"/>
+            <a:ext cx="8229600" cy="5410200"/>
+          </a:xfrm>
+        </p:spPr>
+        <p:txBody>
+          <a:bodyPr>
+            <a:normAutofit/>
+          </a:bodyPr>
+          <a:lstStyle/>
+          <a:p>
+            <a:pPr>
+              <a:lnSpc>
+                <a:spcPct val="90000"/>
+              </a:lnSpc>
+              <a:defRPr/>
+            </a:pPr>
+            <a:r>
+              <a:rPr lang="en-US" sz="2400" b="1" dirty="0">
+                <a:solidFill>
+                  <a:schemeClr val="bg1">
+                    <a:lumMod val="75000"/>
+                  </a:schemeClr>
+                </a:solidFill>
+              </a:rPr>
+              <a:t>Problem description:</a:t>
+            </a:r>
+            <a:r>
+              <a:rPr lang="en-US" sz="2400" dirty="0">
+                <a:solidFill>
+                  <a:schemeClr val="bg1">
+                    <a:lumMod val="75000"/>
+                  </a:schemeClr>
+                </a:solidFill>
+              </a:rPr>
+              <a:t> providing coin change of a given amount in the fewest number of coins</a:t>
+            </a:r>
+          </a:p>
+          <a:p>
+            <a:pPr>
+              <a:lnSpc>
+                <a:spcPct val="90000"/>
+              </a:lnSpc>
+              <a:defRPr/>
+            </a:pPr>
+            <a:r>
+              <a:rPr lang="en-US" sz="2400" b="1" dirty="0">
+                <a:solidFill>
+                  <a:schemeClr val="bg1">
+                    <a:lumMod val="75000"/>
+                  </a:schemeClr>
+                </a:solidFill>
+              </a:rPr>
+              <a:t>Inputs:</a:t>
+            </a:r>
+            <a:r>
+              <a:rPr lang="en-US" sz="2400" dirty="0">
+                <a:solidFill>
+                  <a:schemeClr val="bg1">
+                    <a:lumMod val="75000"/>
+                  </a:schemeClr>
+                </a:solidFill>
+              </a:rPr>
+              <a:t> the dollar-amount to return.  Perhaps the possible set of coins, if it is non-obvious.</a:t>
+            </a:r>
+          </a:p>
+          <a:p>
+            <a:pPr>
+              <a:lnSpc>
+                <a:spcPct val="90000"/>
+              </a:lnSpc>
+              <a:defRPr/>
+            </a:pPr>
+            <a:r>
+              <a:rPr lang="en-US" sz="2400" b="1" dirty="0">
+                <a:solidFill>
+                  <a:schemeClr val="bg1">
+                    <a:lumMod val="75000"/>
+                  </a:schemeClr>
+                </a:solidFill>
+              </a:rPr>
+              <a:t>Output:</a:t>
+            </a:r>
+            <a:r>
+              <a:rPr lang="en-US" sz="2400" dirty="0">
+                <a:solidFill>
+                  <a:schemeClr val="bg1">
+                    <a:lumMod val="75000"/>
+                  </a:schemeClr>
+                </a:solidFill>
+              </a:rPr>
+              <a:t> a set of coins that obtains the desired amount of change in the fewest number of coins</a:t>
+            </a:r>
+          </a:p>
+          <a:p>
+            <a:pPr>
+              <a:lnSpc>
+                <a:spcPct val="90000"/>
+              </a:lnSpc>
+              <a:defRPr/>
+            </a:pPr>
+            <a:r>
+              <a:rPr lang="en-US" sz="2400" b="1" dirty="0">
+                <a:solidFill>
+                  <a:schemeClr val="bg1">
+                    <a:lumMod val="75000"/>
+                  </a:schemeClr>
+                </a:solidFill>
+              </a:rPr>
+              <a:t>Assumptions:</a:t>
+            </a:r>
+            <a:r>
+              <a:rPr lang="en-US" sz="2400" dirty="0">
+                <a:solidFill>
+                  <a:schemeClr val="bg1">
+                    <a:lumMod val="75000"/>
+                  </a:schemeClr>
+                </a:solidFill>
+              </a:rPr>
+              <a:t> If the coins are not stated, then they are the standard quarter, dime, nickel, and penny.  All inputs are non-negative, and dollar amounts are ignored.</a:t>
+            </a:r>
+          </a:p>
+          <a:p>
+            <a:pPr>
+              <a:lnSpc>
+                <a:spcPct val="90000"/>
+              </a:lnSpc>
+              <a:defRPr/>
+            </a:pPr>
+            <a:r>
+              <a:rPr lang="en-US" sz="2400" b="1" dirty="0"/>
+              <a:t>Strategy:</a:t>
+            </a:r>
+            <a:r>
+              <a:rPr lang="en-US" sz="2400" dirty="0"/>
+              <a:t> a brute-force algorithm that considers every possibility and picks the one with the fewest number of coins</a:t>
+            </a:r>
+          </a:p>
+          <a:p>
+            <a:pPr>
+              <a:lnSpc>
+                <a:spcPct val="90000"/>
+              </a:lnSpc>
+              <a:defRPr/>
+            </a:pPr>
+            <a:r>
+              <a:rPr lang="en-US" sz="2400" b="1" dirty="0"/>
+              <a:t>Description:</a:t>
+            </a:r>
+            <a:r>
+              <a:rPr lang="en-US" sz="2400" dirty="0"/>
+              <a:t> Consider every possible combination of coins that add to the given amount (done via a depth-first search).  Return the one with the fewest number of coins.</a:t>
+            </a:r>
             <a:endParaRPr lang="en-US" dirty="0"/>
           </a:p>
         </p:txBody>
       </p:sp>
-      <p:pic>
-        <p:nvPicPr>
-          <p:cNvPr id="4" name="Picture 2" descr="C:\WINDOWS\Desktop\Oh_type\kleinberg_GIF_01to10\kleinberg_01F04.gif"/>
-          <p:cNvPicPr preferRelativeResize="0">
-            <a:picLocks noChangeAspect="1" noChangeArrowheads="1"/>
-          </p:cNvPicPr>
-          <p:nvPr>
-            <p:custDataLst>
-              <p:tags r:id="rId1"/>
-            </p:custDataLst>
-          </p:nvPr>
-        </p:nvPicPr>
-        <p:blipFill>
-          <a:blip r:embed="rId3"/>
-          <a:srcRect b="21358"/>
-          <a:stretch>
-            <a:fillRect/>
-          </a:stretch>
-        </p:blipFill>
-        <p:spPr bwMode="auto">
-          <a:xfrm>
-            <a:off x="685800" y="3962400"/>
-            <a:ext cx="7772400" cy="2133600"/>
-          </a:xfrm>
-          <a:prstGeom prst="rect">
-            <a:avLst/>
-          </a:prstGeom>
-          <a:noFill/>
-          <a:ln w="9525">
-            <a:noFill/>
-            <a:miter lim="800000"/>
-            <a:headEnd/>
-            <a:tailEnd/>
-          </a:ln>
-          <a:effectLst/>
-        </p:spPr>
-      </p:pic>
-      <p:sp>
-        <p:nvSpPr>
-          <p:cNvPr id="5" name="Slide Number Placeholder 4"/>
+      <p:sp>
+        <p:nvSpPr>
+          <p:cNvPr id="4" name="Slide Number Placeholder 3"/>
           <p:cNvSpPr>
             <a:spLocks noGrp="1"/>
           </p:cNvSpPr>
@@ -10675,7 +11103,7 @@
       </p:grpSpPr>
       <p:sp>
         <p:nvSpPr>
-          <p:cNvPr id="2" name="Title 1"/>
+          <p:cNvPr id="5" name="Title 4"/>
           <p:cNvSpPr>
             <a:spLocks noGrp="1"/>
           </p:cNvSpPr>
@@ -10683,35 +11111,6 @@
             <p:ph type="title"/>
           </p:nvPr>
         </p:nvSpPr>
-        <p:spPr>
-          <a:xfrm>
-            <a:off x="381000" y="457200"/>
-            <a:ext cx="8763000" cy="685800"/>
-          </a:xfrm>
-        </p:spPr>
-        <p:txBody>
-          <a:bodyPr>
-            <a:normAutofit fontScale="90000"/>
-          </a:bodyPr>
-          <a:lstStyle/>
-          <a:p>
-            <a:r>
-              <a:rPr lang="en-US" dirty="0"/>
-              <a:t>Motivating problem: Weighted interval scheduling</a:t>
-            </a:r>
-          </a:p>
-        </p:txBody>
-      </p:sp>
-      <p:sp>
-        <p:nvSpPr>
-          <p:cNvPr id="3" name="Content Placeholder 2"/>
-          <p:cNvSpPr>
-            <a:spLocks noGrp="1"/>
-          </p:cNvSpPr>
-          <p:nvPr>
-            <p:ph sz="quarter" idx="1"/>
-          </p:nvPr>
-        </p:nvSpPr>
         <p:spPr/>
         <p:txBody>
           <a:bodyPr/>
@@ -10719,76 +11118,33 @@
           <a:p>
             <a:r>
               <a:rPr lang="en-US" dirty="0"/>
-              <a:t>Weighted interval scheduling</a:t>
-            </a:r>
-          </a:p>
-          <a:p>
-            <a:pPr lvl="1"/>
-            <a:r>
-              <a:rPr lang="en-US" dirty="0"/>
-              <a:t>Same as the regular interval scheduling, but in addition each request has a cost associated with it</a:t>
-            </a:r>
-          </a:p>
-          <a:p>
-            <a:pPr lvl="1"/>
-            <a:r>
-              <a:rPr lang="en-US" dirty="0"/>
-              <a:t>The goal is to maximize the cost from scheduling the items</a:t>
-            </a:r>
-          </a:p>
-          <a:p>
-            <a:pPr lvl="1"/>
-            <a:r>
-              <a:rPr lang="en-US" dirty="0"/>
-              <a:t>This is solved by </a:t>
-            </a:r>
-            <a:r>
-              <a:rPr lang="en-US" i="1" dirty="0"/>
-              <a:t>dynamic programming</a:t>
-            </a:r>
-          </a:p>
-        </p:txBody>
-      </p:sp>
-      <p:pic>
-        <p:nvPicPr>
-          <p:cNvPr id="5" name="Picture 2" descr="C:\WINDOWS\Desktop\Oh_type\kleinberg_GIF_01to10\kleinberg_01F04.gif"/>
-          <p:cNvPicPr preferRelativeResize="0">
-            <a:picLocks noChangeAspect="1" noChangeArrowheads="1"/>
-          </p:cNvPicPr>
-          <p:nvPr>
-            <p:custDataLst>
-              <p:tags r:id="rId1"/>
-            </p:custDataLst>
-          </p:nvPr>
-        </p:nvPicPr>
-        <p:blipFill>
-          <a:blip r:embed="rId3"/>
-          <a:srcRect b="21358"/>
-          <a:stretch>
-            <a:fillRect/>
-          </a:stretch>
-        </p:blipFill>
-        <p:spPr bwMode="auto">
-          <a:xfrm>
-            <a:off x="685800" y="3962400"/>
-            <a:ext cx="7772400" cy="2133600"/>
-          </a:xfrm>
-          <a:prstGeom prst="rect">
-            <a:avLst/>
-          </a:prstGeom>
-          <a:noFill/>
-          <a:ln w="9525">
-            <a:noFill/>
-            <a:miter lim="800000"/>
-            <a:headEnd/>
-            <a:tailEnd/>
-          </a:ln>
-          <a:effectLst/>
-        </p:spPr>
-      </p:pic>
-      <p:sp>
-        <p:nvSpPr>
-          <p:cNvPr id="6" name="Slide Number Placeholder 5"/>
+              <a:t>Motivating problems</a:t>
+            </a:r>
+          </a:p>
+        </p:txBody>
+      </p:sp>
+      <p:sp>
+        <p:nvSpPr>
+          <p:cNvPr id="6" name="Text Placeholder 5"/>
+          <p:cNvSpPr>
+            <a:spLocks noGrp="1"/>
+          </p:cNvSpPr>
+          <p:nvPr>
+            <p:ph type="body" idx="1"/>
+          </p:nvPr>
+        </p:nvSpPr>
+        <p:spPr/>
+        <p:txBody>
+          <a:bodyPr/>
+          <a:lstStyle/>
+          <a:p>
+            <a:endParaRPr lang="en-US"/>
+          </a:p>
+        </p:txBody>
+      </p:sp>
+      <p:sp>
+        <p:nvSpPr>
+          <p:cNvPr id="3" name="Slide Number Placeholder 2"/>
           <p:cNvSpPr>
             <a:spLocks noGrp="1"/>
           </p:cNvSpPr>
@@ -10852,7 +11208,7 @@
           <a:p>
             <a:r>
               <a:rPr lang="en-US" dirty="0"/>
-              <a:t>Motivating problem: Bipartite matching</a:t>
+              <a:t>Motivating problem: Interval scheduling</a:t>
             </a:r>
           </a:p>
         </p:txBody>
@@ -10874,128 +11230,54 @@
           <a:p>
             <a:r>
               <a:rPr lang="en-US" dirty="0"/>
-              <a:t>Bipartite matching</a:t>
+              <a:t>Interval scheduling</a:t>
             </a:r>
           </a:p>
           <a:p>
             <a:pPr lvl="1"/>
             <a:r>
               <a:rPr lang="en-US" dirty="0"/>
-              <a:t>Given a graph </a:t>
+              <a:t>Given a series of requests, each with a start time and end time, maximize the number of requests scheduled</a:t>
+            </a:r>
+          </a:p>
+          <a:p>
+            <a:pPr lvl="1"/>
+            <a:r>
+              <a:rPr lang="en-US" dirty="0"/>
+              <a:t>This is solved by a </a:t>
             </a:r>
             <a:r>
               <a:rPr lang="en-US" i="1" dirty="0"/>
-              <a:t>G</a:t>
-            </a:r>
-            <a:r>
-              <a:rPr lang="en-US" dirty="0"/>
-              <a:t>, find the maximum sub-graph of </a:t>
-            </a:r>
-            <a:r>
-              <a:rPr lang="en-US" i="1" dirty="0"/>
-              <a:t>G</a:t>
-            </a:r>
-            <a:r>
-              <a:rPr lang="en-US" dirty="0"/>
-              <a:t> that partitions </a:t>
-            </a:r>
-            <a:r>
-              <a:rPr lang="en-US" i="1" dirty="0"/>
-              <a:t>G</a:t>
-            </a:r>
-            <a:r>
-              <a:rPr lang="en-US" dirty="0"/>
-              <a:t> into sets </a:t>
-            </a:r>
-            <a:r>
-              <a:rPr lang="en-US" i="1" dirty="0"/>
-              <a:t>X</a:t>
-            </a:r>
-            <a:r>
-              <a:rPr lang="en-US" dirty="0"/>
-              <a:t> and </a:t>
-            </a:r>
-            <a:r>
-              <a:rPr lang="en-US" i="1" dirty="0"/>
-              <a:t>Y</a:t>
-            </a:r>
-            <a:r>
-              <a:rPr lang="en-US" dirty="0"/>
-              <a:t> such that no node from </a:t>
-            </a:r>
-            <a:r>
-              <a:rPr lang="en-US" i="1" dirty="0"/>
-              <a:t>X</a:t>
-            </a:r>
-            <a:r>
-              <a:rPr lang="en-US" dirty="0"/>
-              <a:t> is connected to a node in </a:t>
-            </a:r>
-            <a:r>
-              <a:rPr lang="en-US" i="1" dirty="0"/>
-              <a:t>Y</a:t>
-            </a:r>
-            <a:r>
-              <a:rPr lang="en-US" dirty="0"/>
-              <a:t>, and vise-versa</a:t>
-            </a:r>
-          </a:p>
-          <a:p>
-            <a:pPr lvl="1" algn="l"/>
-            <a:r>
-              <a:rPr lang="en-US" dirty="0"/>
-              <a:t>Example: given a series of requests, and </a:t>
-            </a:r>
-            <a:br>
-              <a:rPr lang="en-US" dirty="0"/>
-            </a:br>
-            <a:r>
-              <a:rPr lang="en-US" dirty="0"/>
-              <a:t>entities that can handle each request </a:t>
-            </a:r>
-            <a:br>
-              <a:rPr lang="en-US" dirty="0"/>
-            </a:br>
-            <a:r>
-              <a:rPr lang="en-US" dirty="0"/>
-              <a:t>(such people, computers, etc.), find the </a:t>
-            </a:r>
-            <a:br>
-              <a:rPr lang="en-US" dirty="0"/>
-            </a:br>
-            <a:r>
-              <a:rPr lang="en-US" dirty="0"/>
-              <a:t>optimal matching of requests to entities</a:t>
-            </a:r>
-          </a:p>
-          <a:p>
-            <a:pPr lvl="1" algn="l"/>
-            <a:r>
-              <a:rPr lang="en-US" dirty="0"/>
-              <a:t>This is a </a:t>
-            </a:r>
-            <a:r>
-              <a:rPr lang="en-US" i="1" dirty="0"/>
-              <a:t>network flow </a:t>
-            </a:r>
-            <a:r>
-              <a:rPr lang="en-US" dirty="0"/>
-              <a:t>problem</a:t>
+              <a:t>greedy </a:t>
+            </a:r>
+            <a:r>
+              <a:rPr lang="en-US" dirty="0"/>
+              <a:t>algorithm</a:t>
             </a:r>
           </a:p>
           <a:p>
             <a:pPr lvl="1"/>
+            <a:r>
+              <a:rPr lang="en-US" dirty="0"/>
+              <a:t>Most of the CS 2150 algorithms you’ve seen are greedy algorithms: </a:t>
+            </a:r>
+            <a:r>
+              <a:rPr lang="en-US" dirty="0" err="1"/>
+              <a:t>Dijkstra’s</a:t>
+            </a:r>
+            <a:r>
+              <a:rPr lang="en-US" dirty="0"/>
+              <a:t> shortest path, both MST algorithms, etc.</a:t>
+            </a:r>
+          </a:p>
+          <a:p>
             <a:endParaRPr lang="en-US" dirty="0"/>
-          </a:p>
-          <a:p>
-            <a:pPr lvl="1"/>
-            <a:endParaRPr lang="en-US" dirty="0" err="1"/>
           </a:p>
         </p:txBody>
       </p:sp>
       <p:pic>
         <p:nvPicPr>
-          <p:cNvPr id="4" name="Picture 2" descr="C:\WINDOWS\Desktop\Oh_type\kleinberg_GIF_01to10\kleinberg_01F05.gif"/>
+          <p:cNvPr id="4" name="Picture 2" descr="C:\WINDOWS\Desktop\Oh_type\kleinberg_GIF_01to10\kleinberg_01F04.gif"/>
           <p:cNvPicPr preferRelativeResize="0">
             <a:picLocks noChangeAspect="1" noChangeArrowheads="1"/>
           </p:cNvPicPr>
@@ -11006,27 +11288,16 @@
           </p:nvPr>
         </p:nvPicPr>
         <p:blipFill>
-          <a:blip r:embed="rId3">
-            <a:clrChange>
-              <a:clrFrom>
-                <a:srgbClr val="FFFFFF"/>
-              </a:clrFrom>
-              <a:clrTo>
-                <a:srgbClr val="FFFFFF">
-                  <a:alpha val="0"/>
-                </a:srgbClr>
-              </a:clrTo>
-            </a:clrChange>
-          </a:blip>
-          <a:srcRect t="5229" b="17647"/>
+          <a:blip r:embed="rId3"/>
+          <a:srcRect b="21358"/>
           <a:stretch>
             <a:fillRect/>
           </a:stretch>
         </p:blipFill>
         <p:spPr bwMode="auto">
           <a:xfrm>
-            <a:off x="5394406" y="3124200"/>
-            <a:ext cx="3749594" cy="3581400"/>
+            <a:off x="685800" y="3962400"/>
+            <a:ext cx="7772400" cy="2133600"/>
           </a:xfrm>
           <a:prstGeom prst="rect">
             <a:avLst/>
@@ -11527,6 +11798,35 @@
             <p:ph type="title"/>
           </p:nvPr>
         </p:nvSpPr>
+        <p:spPr>
+          <a:xfrm>
+            <a:off x="381000" y="457200"/>
+            <a:ext cx="8763000" cy="685800"/>
+          </a:xfrm>
+        </p:spPr>
+        <p:txBody>
+          <a:bodyPr>
+            <a:normAutofit fontScale="90000"/>
+          </a:bodyPr>
+          <a:lstStyle/>
+          <a:p>
+            <a:r>
+              <a:rPr lang="en-US" dirty="0"/>
+              <a:t>Motivating problem: Weighted interval scheduling</a:t>
+            </a:r>
+          </a:p>
+        </p:txBody>
+      </p:sp>
+      <p:sp>
+        <p:nvSpPr>
+          <p:cNvPr id="3" name="Content Placeholder 2"/>
+          <p:cNvSpPr>
+            <a:spLocks noGrp="1"/>
+          </p:cNvSpPr>
+          <p:nvPr>
+            <p:ph sz="quarter" idx="1"/>
+          </p:nvPr>
+        </p:nvSpPr>
         <p:spPr/>
         <p:txBody>
           <a:bodyPr/>
@@ -11534,14 +11834,76 @@
           <a:p>
             <a:r>
               <a:rPr lang="en-US" dirty="0"/>
-              <a:t>Motivating problem: Sorting</a:t>
-            </a:r>
-          </a:p>
-        </p:txBody>
-      </p:sp>
-      <p:sp>
-        <p:nvSpPr>
-          <p:cNvPr id="3" name="Slide Number Placeholder 2"/>
+              <a:t>Weighted interval scheduling</a:t>
+            </a:r>
+          </a:p>
+          <a:p>
+            <a:pPr lvl="1"/>
+            <a:r>
+              <a:rPr lang="en-US" dirty="0"/>
+              <a:t>Same as the regular interval scheduling, but in addition each request has a cost associated with it</a:t>
+            </a:r>
+          </a:p>
+          <a:p>
+            <a:pPr lvl="1"/>
+            <a:r>
+              <a:rPr lang="en-US" dirty="0"/>
+              <a:t>The goal is to maximize the cost from scheduling the items</a:t>
+            </a:r>
+          </a:p>
+          <a:p>
+            <a:pPr lvl="1"/>
+            <a:r>
+              <a:rPr lang="en-US" dirty="0"/>
+              <a:t>This is solved by </a:t>
+            </a:r>
+            <a:r>
+              <a:rPr lang="en-US" i="1" dirty="0"/>
+              <a:t>dynamic programming</a:t>
+            </a:r>
+          </a:p>
+        </p:txBody>
+      </p:sp>
+      <p:pic>
+        <p:nvPicPr>
+          <p:cNvPr id="5" name="Picture 2" descr="C:\WINDOWS\Desktop\Oh_type\kleinberg_GIF_01to10\kleinberg_01F04.gif"/>
+          <p:cNvPicPr preferRelativeResize="0">
+            <a:picLocks noChangeAspect="1" noChangeArrowheads="1"/>
+          </p:cNvPicPr>
+          <p:nvPr>
+            <p:custDataLst>
+              <p:tags r:id="rId1"/>
+            </p:custDataLst>
+          </p:nvPr>
+        </p:nvPicPr>
+        <p:blipFill>
+          <a:blip r:embed="rId3"/>
+          <a:srcRect b="21358"/>
+          <a:stretch>
+            <a:fillRect/>
+          </a:stretch>
+        </p:blipFill>
+        <p:spPr bwMode="auto">
+          <a:xfrm>
+            <a:off x="685800" y="3962400"/>
+            <a:ext cx="7772400" cy="2133600"/>
+          </a:xfrm>
+          <a:prstGeom prst="rect">
+            <a:avLst/>
+          </a:prstGeom>
+          <a:noFill/>
+          <a:ln w="9525">
+            <a:noFill/>
+            <a:miter lim="800000"/>
+            <a:headEnd/>
+            <a:tailEnd/>
+          </a:ln>
+          <a:effectLst/>
+        </p:spPr>
+      </p:pic>
+      <p:sp>
+        <p:nvSpPr>
+          <p:cNvPr id="6" name="Slide Number Placeholder 5"/>
           <p:cNvSpPr>
             <a:spLocks noGrp="1"/>
           </p:cNvSpPr>
@@ -11558,6 +11920,332 @@
               <a:rPr lang="en-US" smtClean="0"/>
               <a:pPr/>
               <a:t>40</a:t>
+            </a:fld>
+            <a:endParaRPr lang="en-US"/>
+          </a:p>
+        </p:txBody>
+      </p:sp>
+    </p:spTree>
+  </p:cSld>
+  <p:clrMapOvr>
+    <a:masterClrMapping/>
+  </p:clrMapOvr>
+</p:sld>
+</file>
+
+<file path=ppt/slides/slide41.xml><?xml version="1.0" encoding="utf-8"?>
+<p:sld xmlns:a="http://schemas.openxmlformats.org/drawingml/2006/main" xmlns:r="http://schemas.openxmlformats.org/officeDocument/2006/relationships" xmlns:p="http://schemas.openxmlformats.org/presentationml/2006/main">
+  <p:cSld>
+    <p:spTree>
+      <p:nvGrpSpPr>
+        <p:cNvPr id="1" name=""/>
+        <p:cNvGrpSpPr/>
+        <p:nvPr/>
+      </p:nvGrpSpPr>
+      <p:grpSpPr>
+        <a:xfrm>
+          <a:off x="0" y="0"/>
+          <a:ext cx="0" cy="0"/>
+          <a:chOff x="0" y="0"/>
+          <a:chExt cx="0" cy="0"/>
+        </a:xfrm>
+      </p:grpSpPr>
+      <p:sp>
+        <p:nvSpPr>
+          <p:cNvPr id="2" name="Title 1"/>
+          <p:cNvSpPr>
+            <a:spLocks noGrp="1"/>
+          </p:cNvSpPr>
+          <p:nvPr>
+            <p:ph type="title"/>
+          </p:nvPr>
+        </p:nvSpPr>
+        <p:spPr/>
+        <p:txBody>
+          <a:bodyPr/>
+          <a:lstStyle/>
+          <a:p>
+            <a:r>
+              <a:rPr lang="en-US" dirty="0"/>
+              <a:t>Motivating problem: Bipartite matching</a:t>
+            </a:r>
+          </a:p>
+        </p:txBody>
+      </p:sp>
+      <p:sp>
+        <p:nvSpPr>
+          <p:cNvPr id="3" name="Content Placeholder 2"/>
+          <p:cNvSpPr>
+            <a:spLocks noGrp="1"/>
+          </p:cNvSpPr>
+          <p:nvPr>
+            <p:ph sz="quarter" idx="1"/>
+          </p:nvPr>
+        </p:nvSpPr>
+        <p:spPr/>
+        <p:txBody>
+          <a:bodyPr/>
+          <a:lstStyle/>
+          <a:p>
+            <a:r>
+              <a:rPr lang="en-US" dirty="0"/>
+              <a:t>Bipartite matching</a:t>
+            </a:r>
+          </a:p>
+          <a:p>
+            <a:pPr lvl="1"/>
+            <a:r>
+              <a:rPr lang="en-US" dirty="0"/>
+              <a:t>Given a graph </a:t>
+            </a:r>
+            <a:r>
+              <a:rPr lang="en-US" i="1" dirty="0"/>
+              <a:t>G</a:t>
+            </a:r>
+            <a:r>
+              <a:rPr lang="en-US" dirty="0"/>
+              <a:t>, find the maximum sub-graph of </a:t>
+            </a:r>
+            <a:r>
+              <a:rPr lang="en-US" i="1" dirty="0"/>
+              <a:t>G</a:t>
+            </a:r>
+            <a:r>
+              <a:rPr lang="en-US" dirty="0"/>
+              <a:t> that partitions </a:t>
+            </a:r>
+            <a:r>
+              <a:rPr lang="en-US" i="1" dirty="0"/>
+              <a:t>G</a:t>
+            </a:r>
+            <a:r>
+              <a:rPr lang="en-US" dirty="0"/>
+              <a:t> into sets </a:t>
+            </a:r>
+            <a:r>
+              <a:rPr lang="en-US" i="1" dirty="0"/>
+              <a:t>X</a:t>
+            </a:r>
+            <a:r>
+              <a:rPr lang="en-US" dirty="0"/>
+              <a:t> and </a:t>
+            </a:r>
+            <a:r>
+              <a:rPr lang="en-US" i="1" dirty="0"/>
+              <a:t>Y</a:t>
+            </a:r>
+            <a:r>
+              <a:rPr lang="en-US" dirty="0"/>
+              <a:t> such that no node from </a:t>
+            </a:r>
+            <a:r>
+              <a:rPr lang="en-US" i="1" dirty="0"/>
+              <a:t>X</a:t>
+            </a:r>
+            <a:r>
+              <a:rPr lang="en-US" dirty="0"/>
+              <a:t> is connected to a node in </a:t>
+            </a:r>
+            <a:r>
+              <a:rPr lang="en-US" i="1" dirty="0"/>
+              <a:t>Y</a:t>
+            </a:r>
+            <a:r>
+              <a:rPr lang="en-US" dirty="0"/>
+              <a:t>, and vise-versa</a:t>
+            </a:r>
+          </a:p>
+          <a:p>
+            <a:pPr lvl="1" algn="l"/>
+            <a:r>
+              <a:rPr lang="en-US" dirty="0"/>
+              <a:t>Example: given a series of requests, and </a:t>
+            </a:r>
+            <a:br>
+              <a:rPr lang="en-US" dirty="0"/>
+            </a:br>
+            <a:r>
+              <a:rPr lang="en-US" dirty="0"/>
+              <a:t>entities that can handle each request </a:t>
+            </a:r>
+            <a:br>
+              <a:rPr lang="en-US" dirty="0"/>
+            </a:br>
+            <a:r>
+              <a:rPr lang="en-US" dirty="0"/>
+              <a:t>(such people, computers, etc.), find the </a:t>
+            </a:r>
+            <a:br>
+              <a:rPr lang="en-US" dirty="0"/>
+            </a:br>
+            <a:r>
+              <a:rPr lang="en-US" dirty="0"/>
+              <a:t>optimal matching of requests to entities</a:t>
+            </a:r>
+          </a:p>
+          <a:p>
+            <a:pPr lvl="1" algn="l"/>
+            <a:r>
+              <a:rPr lang="en-US" dirty="0"/>
+              <a:t>This is a </a:t>
+            </a:r>
+            <a:r>
+              <a:rPr lang="en-US" i="1" dirty="0"/>
+              <a:t>network flow </a:t>
+            </a:r>
+            <a:r>
+              <a:rPr lang="en-US" dirty="0"/>
+              <a:t>problem</a:t>
+            </a:r>
+          </a:p>
+          <a:p>
+            <a:pPr lvl="1"/>
+            <a:endParaRPr lang="en-US" dirty="0"/>
+          </a:p>
+          <a:p>
+            <a:pPr lvl="1"/>
+            <a:endParaRPr lang="en-US" dirty="0" err="1"/>
+          </a:p>
+        </p:txBody>
+      </p:sp>
+      <p:pic>
+        <p:nvPicPr>
+          <p:cNvPr id="4" name="Picture 2" descr="C:\WINDOWS\Desktop\Oh_type\kleinberg_GIF_01to10\kleinberg_01F05.gif"/>
+          <p:cNvPicPr preferRelativeResize="0">
+            <a:picLocks noChangeAspect="1" noChangeArrowheads="1"/>
+          </p:cNvPicPr>
+          <p:nvPr>
+            <p:custDataLst>
+              <p:tags r:id="rId1"/>
+            </p:custDataLst>
+          </p:nvPr>
+        </p:nvPicPr>
+        <p:blipFill>
+          <a:blip r:embed="rId3">
+            <a:clrChange>
+              <a:clrFrom>
+                <a:srgbClr val="FFFFFF"/>
+              </a:clrFrom>
+              <a:clrTo>
+                <a:srgbClr val="FFFFFF">
+                  <a:alpha val="0"/>
+                </a:srgbClr>
+              </a:clrTo>
+            </a:clrChange>
+          </a:blip>
+          <a:srcRect t="5229" b="17647"/>
+          <a:stretch>
+            <a:fillRect/>
+          </a:stretch>
+        </p:blipFill>
+        <p:spPr bwMode="auto">
+          <a:xfrm>
+            <a:off x="5394406" y="3124200"/>
+            <a:ext cx="3749594" cy="3581400"/>
+          </a:xfrm>
+          <a:prstGeom prst="rect">
+            <a:avLst/>
+          </a:prstGeom>
+          <a:noFill/>
+          <a:ln w="9525">
+            <a:noFill/>
+            <a:miter lim="800000"/>
+            <a:headEnd/>
+            <a:tailEnd/>
+          </a:ln>
+          <a:effectLst/>
+        </p:spPr>
+      </p:pic>
+      <p:sp>
+        <p:nvSpPr>
+          <p:cNvPr id="5" name="Slide Number Placeholder 4"/>
+          <p:cNvSpPr>
+            <a:spLocks noGrp="1"/>
+          </p:cNvSpPr>
+          <p:nvPr>
+            <p:ph type="sldNum" sz="quarter" idx="12"/>
+          </p:nvPr>
+        </p:nvSpPr>
+        <p:spPr/>
+        <p:txBody>
+          <a:bodyPr/>
+          <a:lstStyle/>
+          <a:p>
+            <a:fld id="{F26D9103-0C5C-48AC-B68E-3ED2C1647047}" type="slidenum">
+              <a:rPr lang="en-US" smtClean="0"/>
+              <a:pPr/>
+              <a:t>41</a:t>
+            </a:fld>
+            <a:endParaRPr lang="en-US"/>
+          </a:p>
+        </p:txBody>
+      </p:sp>
+    </p:spTree>
+  </p:cSld>
+  <p:clrMapOvr>
+    <a:masterClrMapping/>
+  </p:clrMapOvr>
+</p:sld>
+</file>
+
+<file path=ppt/slides/slide42.xml><?xml version="1.0" encoding="utf-8"?>
+<p:sld xmlns:a="http://schemas.openxmlformats.org/drawingml/2006/main" xmlns:r="http://schemas.openxmlformats.org/officeDocument/2006/relationships" xmlns:p="http://schemas.openxmlformats.org/presentationml/2006/main">
+  <p:cSld>
+    <p:spTree>
+      <p:nvGrpSpPr>
+        <p:cNvPr id="1" name=""/>
+        <p:cNvGrpSpPr/>
+        <p:nvPr/>
+      </p:nvGrpSpPr>
+      <p:grpSpPr>
+        <a:xfrm>
+          <a:off x="0" y="0"/>
+          <a:ext cx="0" cy="0"/>
+          <a:chOff x="0" y="0"/>
+          <a:chExt cx="0" cy="0"/>
+        </a:xfrm>
+      </p:grpSpPr>
+      <p:sp>
+        <p:nvSpPr>
+          <p:cNvPr id="2" name="Title 1"/>
+          <p:cNvSpPr>
+            <a:spLocks noGrp="1"/>
+          </p:cNvSpPr>
+          <p:nvPr>
+            <p:ph type="title"/>
+          </p:nvPr>
+        </p:nvSpPr>
+        <p:spPr/>
+        <p:txBody>
+          <a:bodyPr/>
+          <a:lstStyle/>
+          <a:p>
+            <a:r>
+              <a:rPr lang="en-US" dirty="0"/>
+              <a:t>Motivating problem: Sorting</a:t>
+            </a:r>
+          </a:p>
+        </p:txBody>
+      </p:sp>
+      <p:sp>
+        <p:nvSpPr>
+          <p:cNvPr id="3" name="Slide Number Placeholder 2"/>
+          <p:cNvSpPr>
+            <a:spLocks noGrp="1"/>
+          </p:cNvSpPr>
+          <p:nvPr>
+            <p:ph type="sldNum" sz="quarter" idx="12"/>
+          </p:nvPr>
+        </p:nvSpPr>
+        <p:spPr/>
+        <p:txBody>
+          <a:bodyPr/>
+          <a:lstStyle/>
+          <a:p>
+            <a:fld id="{F26D9103-0C5C-48AC-B68E-3ED2C1647047}" type="slidenum">
+              <a:rPr lang="en-US" smtClean="0"/>
+              <a:pPr/>
+              <a:t>42</a:t>
             </a:fld>
             <a:endParaRPr lang="en-US"/>
           </a:p>
@@ -11705,7 +12393,7 @@
 </p:sld>
 </file>
 
-<file path=ppt/slides/slide41.xml><?xml version="1.0" encoding="utf-8"?>
+<file path=ppt/slides/slide43.xml><?xml version="1.0" encoding="utf-8"?>
 <p:sld xmlns:a="http://schemas.openxmlformats.org/drawingml/2006/main" xmlns:r="http://schemas.openxmlformats.org/officeDocument/2006/relationships" xmlns:p="http://schemas.openxmlformats.org/presentationml/2006/main">
   <p:cSld>
     <p:spTree>
@@ -11910,7 +12598,7 @@
             <a:fld id="{F26D9103-0C5C-48AC-B68E-3ED2C1647047}" type="slidenum">
               <a:rPr lang="en-US" smtClean="0"/>
               <a:pPr/>
-              <a:t>41</a:t>
+              <a:t>43</a:t>
             </a:fld>
             <a:endParaRPr lang="en-US"/>
           </a:p>
@@ -11924,7 +12612,7 @@
 </p:sld>
 </file>
 
-<file path=ppt/slides/slide42.xml><?xml version="1.0" encoding="utf-8"?>
+<file path=ppt/slides/slide44.xml><?xml version="1.0" encoding="utf-8"?>
 <p:sld xmlns:a="http://schemas.openxmlformats.org/drawingml/2006/main" xmlns:r="http://schemas.openxmlformats.org/officeDocument/2006/relationships" xmlns:p="http://schemas.openxmlformats.org/presentationml/2006/main">
   <p:cSld>
     <p:spTree>
@@ -12064,7 +12752,7 @@
             <a:fld id="{F26D9103-0C5C-48AC-B68E-3ED2C1647047}" type="slidenum">
               <a:rPr lang="en-US" smtClean="0"/>
               <a:pPr/>
-              <a:t>42</a:t>
+              <a:t>44</a:t>
             </a:fld>
             <a:endParaRPr lang="en-US"/>
           </a:p>
@@ -12140,7 +12828,7 @@
           <a:p>
             <a:r>
               <a:rPr lang="en-US" dirty="0"/>
-              <a:t>Recommended (not required) Textbook:</a:t>
+              <a:t>Textbook:</a:t>
             </a:r>
           </a:p>
           <a:p>
@@ -12267,7 +12955,7 @@
           <a:p>
             <a:r>
               <a:rPr lang="en-US" dirty="0"/>
-              <a:t>Recommended Textbook</a:t>
+              <a:t>Textbook</a:t>
             </a:r>
           </a:p>
         </p:txBody>
@@ -12282,43 +12970,48 @@
             <p:ph sz="quarter" idx="1"/>
           </p:nvPr>
         </p:nvSpPr>
-        <p:spPr/>
+        <p:spPr>
+          <a:xfrm>
+            <a:off x="457200" y="1219199"/>
+            <a:ext cx="5867400" cy="2848099"/>
+          </a:xfrm>
+        </p:spPr>
         <p:txBody>
           <a:bodyPr>
-            <a:normAutofit/>
+            <a:normAutofit fontScale="92500" lnSpcReduction="20000"/>
           </a:bodyPr>
           <a:lstStyle/>
           <a:p>
-            <a:pPr algn="l"/>
-            <a:r>
-              <a:rPr lang="en-US" dirty="0"/>
-              <a:t>Introduction to Algorithms by </a:t>
-            </a:r>
-            <a:r>
-              <a:rPr lang="en-US" dirty="0" err="1"/>
-              <a:t>Cormen</a:t>
-            </a:r>
-            <a:r>
-              <a:rPr lang="en-US" dirty="0"/>
-              <a:t>, et. al.</a:t>
-            </a:r>
-          </a:p>
-          <a:p>
-            <a:pPr lvl="1" algn="l"/>
-            <a:r>
-              <a:rPr lang="en-US" dirty="0"/>
-              <a:t>ISBN 0262033844</a:t>
-            </a:r>
-          </a:p>
-          <a:p>
-            <a:pPr algn="l"/>
-            <a:r>
-              <a:rPr lang="en-US" dirty="0"/>
-              <a:t>We will follow selected section of the textbook, but many lecture examples will not follow the textbook examples</a:t>
-            </a:r>
-          </a:p>
-          <a:p>
-            <a:endParaRPr lang="en-US" dirty="0"/>
+            <a:r>
+              <a:rPr lang="en-US" dirty="0"/>
+              <a:t>You </a:t>
+            </a:r>
+            <a:r>
+              <a:rPr lang="en-US" u="sng" dirty="0"/>
+              <a:t>really need to</a:t>
+            </a:r>
+            <a:r>
+              <a:rPr lang="en-US" dirty="0"/>
+              <a:t> read and study material other than the slides.</a:t>
+            </a:r>
+          </a:p>
+          <a:p>
+            <a:r>
+              <a:rPr lang="en-US" dirty="0"/>
+              <a:t>There are options, but a textbook is the easiest option.</a:t>
+            </a:r>
+          </a:p>
+          <a:p>
+            <a:r>
+              <a:rPr lang="en-US" dirty="0"/>
+              <a:t>We’ll post readings from CLRS, urge you to read them or get that info from another source.</a:t>
+            </a:r>
+          </a:p>
+          <a:p>
+            <a:r>
+              <a:rPr lang="en-US" dirty="0"/>
+              <a:t>We may also post additional resources.</a:t>
+            </a:r>
           </a:p>
         </p:txBody>
       </p:sp>
@@ -12340,8 +13033,8 @@
         </p:blipFill>
         <p:spPr>
           <a:xfrm>
-            <a:off x="4632325" y="1399060"/>
-            <a:ext cx="4041775" cy="4571055"/>
+            <a:off x="6477000" y="1324099"/>
+            <a:ext cx="2425566" cy="2743200"/>
           </a:xfrm>
         </p:spPr>
       </p:pic>
@@ -12366,6 +13059,281 @@
               <a:t>6</a:t>
             </a:fld>
             <a:endParaRPr lang="en-US"/>
+          </a:p>
+        </p:txBody>
+      </p:sp>
+      <p:sp>
+        <p:nvSpPr>
+          <p:cNvPr id="6" name="Content Placeholder 5">
+            <a:extLst>
+              <a:ext uri="{FF2B5EF4-FFF2-40B4-BE49-F238E27FC236}">
+                <a16:creationId xmlns:a16="http://schemas.microsoft.com/office/drawing/2014/main" id="{2F201BA1-20E0-2A4D-9885-AF5ECD5908BF}"/>
+              </a:ext>
+            </a:extLst>
+          </p:cNvPr>
+          <p:cNvSpPr txBox="1">
+            <a:spLocks/>
+          </p:cNvSpPr>
+          <p:nvPr/>
+        </p:nvSpPr>
+        <p:spPr>
+          <a:xfrm>
+            <a:off x="468351" y="4207510"/>
+            <a:ext cx="7696200" cy="2514600"/>
+          </a:xfrm>
+          <a:prstGeom prst="rect">
+            <a:avLst/>
+          </a:prstGeom>
+        </p:spPr>
+        <p:txBody>
+          <a:bodyPr vert="horz">
+            <a:normAutofit/>
+          </a:bodyPr>
+          <a:lstStyle>
+            <a:lvl1pPr marL="274320" indent="-274320" algn="just" rtl="0" eaLnBrk="1" latinLnBrk="0" hangingPunct="1">
+              <a:spcBef>
+                <a:spcPts val="600"/>
+              </a:spcBef>
+              <a:buClr>
+                <a:schemeClr val="accent1"/>
+              </a:buClr>
+              <a:buSzPct val="76000"/>
+              <a:buFont typeface="Wingdings 3"/>
+              <a:buChar char=""/>
+              <a:defRPr kumimoji="0" sz="2600" kern="1200">
+                <a:solidFill>
+                  <a:schemeClr val="tx1"/>
+                </a:solidFill>
+                <a:latin typeface="+mn-lt"/>
+                <a:ea typeface="+mn-ea"/>
+                <a:cs typeface="+mn-cs"/>
+              </a:defRPr>
+            </a:lvl1pPr>
+            <a:lvl2pPr marL="548640" indent="-274320" algn="just" rtl="0" eaLnBrk="1" latinLnBrk="0" hangingPunct="1">
+              <a:spcBef>
+                <a:spcPts val="500"/>
+              </a:spcBef>
+              <a:buClr>
+                <a:schemeClr val="accent2"/>
+              </a:buClr>
+              <a:buSzPct val="76000"/>
+              <a:buFont typeface="Wingdings 3"/>
+              <a:buChar char=""/>
+              <a:defRPr kumimoji="0" sz="2300" kern="1200">
+                <a:solidFill>
+                  <a:schemeClr val="tx2"/>
+                </a:solidFill>
+                <a:latin typeface="+mn-lt"/>
+                <a:ea typeface="+mn-ea"/>
+                <a:cs typeface="+mn-cs"/>
+              </a:defRPr>
+            </a:lvl2pPr>
+            <a:lvl3pPr marL="822960" indent="-228600" algn="just" rtl="0" eaLnBrk="1" latinLnBrk="0" hangingPunct="1">
+              <a:spcBef>
+                <a:spcPts val="500"/>
+              </a:spcBef>
+              <a:buClr>
+                <a:schemeClr val="bg1">
+                  <a:shade val="50000"/>
+                </a:schemeClr>
+              </a:buClr>
+              <a:buSzPct val="76000"/>
+              <a:buFont typeface="Wingdings 3"/>
+              <a:buChar char=""/>
+              <a:defRPr kumimoji="0" sz="2000" kern="1200">
+                <a:solidFill>
+                  <a:schemeClr val="tx1"/>
+                </a:solidFill>
+                <a:latin typeface="+mn-lt"/>
+                <a:ea typeface="+mn-ea"/>
+                <a:cs typeface="+mn-cs"/>
+              </a:defRPr>
+            </a:lvl3pPr>
+            <a:lvl4pPr marL="1097280" indent="-228600" algn="just" rtl="0" eaLnBrk="1" latinLnBrk="0" hangingPunct="1">
+              <a:spcBef>
+                <a:spcPts val="400"/>
+              </a:spcBef>
+              <a:buClr>
+                <a:schemeClr val="accent2">
+                  <a:shade val="75000"/>
+                </a:schemeClr>
+              </a:buClr>
+              <a:buSzPct val="70000"/>
+              <a:buFont typeface="Wingdings"/>
+              <a:buChar char=""/>
+              <a:defRPr kumimoji="0" sz="1800" kern="1200">
+                <a:solidFill>
+                  <a:schemeClr val="tx1"/>
+                </a:solidFill>
+                <a:latin typeface="+mn-lt"/>
+                <a:ea typeface="+mn-ea"/>
+                <a:cs typeface="+mn-cs"/>
+              </a:defRPr>
+            </a:lvl4pPr>
+            <a:lvl5pPr marL="1371600" indent="-228600" algn="just" rtl="0" eaLnBrk="1" latinLnBrk="0" hangingPunct="1">
+              <a:spcBef>
+                <a:spcPts val="300"/>
+              </a:spcBef>
+              <a:buClr>
+                <a:schemeClr val="accent2"/>
+              </a:buClr>
+              <a:buSzPct val="70000"/>
+              <a:buFont typeface="Wingdings"/>
+              <a:buChar char=""/>
+              <a:defRPr kumimoji="0" sz="1600" kern="1200">
+                <a:solidFill>
+                  <a:schemeClr val="tx1"/>
+                </a:solidFill>
+                <a:latin typeface="+mn-lt"/>
+                <a:ea typeface="+mn-ea"/>
+                <a:cs typeface="+mn-cs"/>
+              </a:defRPr>
+            </a:lvl5pPr>
+            <a:lvl6pPr marL="1645920" indent="-182880" algn="l" rtl="0" eaLnBrk="1" latinLnBrk="0" hangingPunct="1">
+              <a:spcBef>
+                <a:spcPts val="300"/>
+              </a:spcBef>
+              <a:buClr>
+                <a:srgbClr val="9FB8CD">
+                  <a:shade val="75000"/>
+                </a:srgbClr>
+              </a:buClr>
+              <a:buSzPct val="75000"/>
+              <a:buFont typeface="Wingdings 3"/>
+              <a:buChar char=""/>
+              <a:defRPr kumimoji="0" lang="en-US" sz="1600" kern="1200" smtClean="0">
+                <a:solidFill>
+                  <a:schemeClr val="tx1"/>
+                </a:solidFill>
+                <a:latin typeface="+mn-lt"/>
+                <a:ea typeface="+mn-ea"/>
+                <a:cs typeface="+mn-cs"/>
+              </a:defRPr>
+            </a:lvl6pPr>
+            <a:lvl7pPr marL="1828800" indent="-182880" algn="l" rtl="0" eaLnBrk="1" latinLnBrk="0" hangingPunct="1">
+              <a:spcBef>
+                <a:spcPts val="300"/>
+              </a:spcBef>
+              <a:buClr>
+                <a:srgbClr val="727CA3">
+                  <a:shade val="75000"/>
+                </a:srgbClr>
+              </a:buClr>
+              <a:buSzPct val="75000"/>
+              <a:buFont typeface="Wingdings 3"/>
+              <a:buChar char=""/>
+              <a:defRPr kumimoji="0" lang="en-US" sz="1400" kern="1200" smtClean="0">
+                <a:solidFill>
+                  <a:schemeClr val="tx1"/>
+                </a:solidFill>
+                <a:latin typeface="+mn-lt"/>
+                <a:ea typeface="+mn-ea"/>
+                <a:cs typeface="+mn-cs"/>
+              </a:defRPr>
+            </a:lvl7pPr>
+            <a:lvl8pPr marL="2011680" indent="-182880" algn="l" rtl="0" eaLnBrk="1" latinLnBrk="0" hangingPunct="1">
+              <a:spcBef>
+                <a:spcPts val="300"/>
+              </a:spcBef>
+              <a:buClr>
+                <a:prstClr val="white">
+                  <a:shade val="50000"/>
+                </a:prstClr>
+              </a:buClr>
+              <a:buSzPct val="75000"/>
+              <a:buFont typeface="Wingdings 3"/>
+              <a:buChar char=""/>
+              <a:defRPr kumimoji="0" lang="en-US" sz="1400" kern="1200" smtClean="0">
+                <a:solidFill>
+                  <a:schemeClr val="tx1"/>
+                </a:solidFill>
+                <a:latin typeface="+mn-lt"/>
+                <a:ea typeface="+mn-ea"/>
+                <a:cs typeface="+mn-cs"/>
+              </a:defRPr>
+            </a:lvl8pPr>
+            <a:lvl9pPr marL="2194560" indent="-182880" algn="l" rtl="0" eaLnBrk="1" latinLnBrk="0" hangingPunct="1">
+              <a:spcBef>
+                <a:spcPts val="300"/>
+              </a:spcBef>
+              <a:buClr>
+                <a:srgbClr val="9FB8CD"/>
+              </a:buClr>
+              <a:buSzPct val="75000"/>
+              <a:buFont typeface="Wingdings 3"/>
+              <a:buChar char=""/>
+              <a:defRPr kumimoji="0" lang="en-US" sz="1200" kern="1200" smtClean="0">
+                <a:solidFill>
+                  <a:schemeClr val="tx1"/>
+                </a:solidFill>
+                <a:latin typeface="+mn-lt"/>
+                <a:ea typeface="+mn-ea"/>
+                <a:cs typeface="+mn-cs"/>
+              </a:defRPr>
+            </a:lvl9pPr>
+          </a:lstStyle>
+          <a:p>
+            <a:pPr algn="l" fontAlgn="auto">
+              <a:spcAft>
+                <a:spcPts val="0"/>
+              </a:spcAft>
+            </a:pPr>
+            <a:r>
+              <a:rPr lang="en-US" i="1" dirty="0"/>
+              <a:t>Introduction to Algorithms </a:t>
+            </a:r>
+            <a:r>
+              <a:rPr lang="en-US" dirty="0"/>
+              <a:t>by </a:t>
+            </a:r>
+            <a:r>
+              <a:rPr lang="en-US" dirty="0" err="1"/>
+              <a:t>Cormen</a:t>
+            </a:r>
+            <a:r>
+              <a:rPr lang="en-US" dirty="0"/>
+              <a:t>, et. al. (CLRS)</a:t>
+            </a:r>
+          </a:p>
+          <a:p>
+            <a:pPr lvl="1" algn="l" fontAlgn="auto">
+              <a:spcAft>
+                <a:spcPts val="0"/>
+              </a:spcAft>
+            </a:pPr>
+            <a:r>
+              <a:rPr lang="en-US" dirty="0"/>
+              <a:t>3</a:t>
+            </a:r>
+            <a:r>
+              <a:rPr lang="en-US" baseline="30000" dirty="0"/>
+              <a:t>rd</a:t>
+            </a:r>
+            <a:r>
+              <a:rPr lang="en-US" dirty="0"/>
+              <a:t> edition!</a:t>
+            </a:r>
+          </a:p>
+          <a:p>
+            <a:pPr algn="l" fontAlgn="auto">
+              <a:spcAft>
+                <a:spcPts val="0"/>
+              </a:spcAft>
+            </a:pPr>
+            <a:r>
+              <a:rPr lang="en-US" dirty="0"/>
+              <a:t>UVA Library has a digital version of CLRS available online for free at </a:t>
+            </a:r>
+            <a:r>
+              <a:rPr lang="en-US" dirty="0">
+                <a:hlinkClick r:id="rId3"/>
+              </a:rPr>
+              <a:t>https://search.lib.virginia.edu/catalog/u6757775</a:t>
+            </a:r>
+            <a:r>
+              <a:rPr lang="en-US" dirty="0"/>
+              <a:t> </a:t>
+            </a:r>
           </a:p>
         </p:txBody>
       </p:sp>
@@ -12634,7 +13602,7 @@
           <a:p>
             <a:r>
               <a:rPr lang="en-US" dirty="0"/>
-              <a:t>Short assessments for each module</a:t>
+              <a:t>Short assessments for each of the four modules</a:t>
             </a:r>
           </a:p>
           <a:p>
@@ -12691,13 +13659,23 @@
             </a:r>
           </a:p>
           <a:p>
-            <a:pPr lvl="1"/>
-            <a:endParaRPr lang="en-US" dirty="0"/>
-          </a:p>
-          <a:p>
             <a:r>
               <a:rPr lang="en-US" dirty="0"/>
               <a:t>You will have three attempts at most of these (sometimes only two due to time constraints). More details later.</a:t>
+            </a:r>
+          </a:p>
+          <a:p>
+            <a:r>
+              <a:rPr lang="en-US" dirty="0"/>
+              <a:t>(Also, a 5</a:t>
+            </a:r>
+            <a:r>
+              <a:rPr lang="en-US" baseline="30000" dirty="0"/>
+              <a:t>th</a:t>
+            </a:r>
+            <a:r>
+              <a:rPr lang="en-US" dirty="0"/>
+              <a:t> quiz at the end of the course.)</a:t>
             </a:r>
           </a:p>
         </p:txBody>
@@ -12801,6 +13779,7 @@
           </a:bodyPr>
           <a:lstStyle/>
           <a:p>
+            <a:pPr algn="l"/>
             <a:r>
               <a:rPr lang="en-US" dirty="0"/>
               <a:t>Most </a:t>

--- a/slides/courseintroduction.pptx
+++ b/slides/courseintroduction.pptx
@@ -5,61 +5,62 @@
     <p:sldMasterId id="2147483728" r:id="rId1"/>
   </p:sldMasterIdLst>
   <p:notesMasterIdLst>
-    <p:notesMasterId r:id="rId46"/>
+    <p:notesMasterId r:id="rId47"/>
   </p:notesMasterIdLst>
   <p:handoutMasterIdLst>
-    <p:handoutMasterId r:id="rId47"/>
+    <p:handoutMasterId r:id="rId48"/>
   </p:handoutMasterIdLst>
   <p:sldIdLst>
     <p:sldId id="447" r:id="rId2"/>
     <p:sldId id="484" r:id="rId3"/>
     <p:sldId id="402" r:id="rId4"/>
-    <p:sldId id="426" r:id="rId5"/>
-    <p:sldId id="403" r:id="rId6"/>
-    <p:sldId id="470" r:id="rId7"/>
-    <p:sldId id="474" r:id="rId8"/>
-    <p:sldId id="487" r:id="rId9"/>
-    <p:sldId id="488" r:id="rId10"/>
-    <p:sldId id="489" r:id="rId11"/>
-    <p:sldId id="492" r:id="rId12"/>
-    <p:sldId id="490" r:id="rId13"/>
-    <p:sldId id="471" r:id="rId14"/>
-    <p:sldId id="485" r:id="rId15"/>
-    <p:sldId id="463" r:id="rId16"/>
-    <p:sldId id="464" r:id="rId17"/>
-    <p:sldId id="263" r:id="rId18"/>
-    <p:sldId id="491" r:id="rId19"/>
-    <p:sldId id="493" r:id="rId20"/>
-    <p:sldId id="396" r:id="rId21"/>
-    <p:sldId id="397" r:id="rId22"/>
-    <p:sldId id="399" r:id="rId23"/>
-    <p:sldId id="400" r:id="rId24"/>
-    <p:sldId id="475" r:id="rId25"/>
-    <p:sldId id="482" r:id="rId26"/>
-    <p:sldId id="441" r:id="rId27"/>
-    <p:sldId id="435" r:id="rId28"/>
-    <p:sldId id="436" r:id="rId29"/>
-    <p:sldId id="437" r:id="rId30"/>
-    <p:sldId id="456" r:id="rId31"/>
-    <p:sldId id="457" r:id="rId32"/>
-    <p:sldId id="454" r:id="rId33"/>
-    <p:sldId id="455" r:id="rId34"/>
-    <p:sldId id="465" r:id="rId35"/>
-    <p:sldId id="466" r:id="rId36"/>
-    <p:sldId id="434" r:id="rId37"/>
-    <p:sldId id="467" r:id="rId38"/>
-    <p:sldId id="483" r:id="rId39"/>
-    <p:sldId id="476" r:id="rId40"/>
-    <p:sldId id="477" r:id="rId41"/>
-    <p:sldId id="478" r:id="rId42"/>
-    <p:sldId id="481" r:id="rId43"/>
-    <p:sldId id="479" r:id="rId44"/>
-    <p:sldId id="480" r:id="rId45"/>
+    <p:sldId id="494" r:id="rId5"/>
+    <p:sldId id="426" r:id="rId6"/>
+    <p:sldId id="403" r:id="rId7"/>
+    <p:sldId id="470" r:id="rId8"/>
+    <p:sldId id="474" r:id="rId9"/>
+    <p:sldId id="487" r:id="rId10"/>
+    <p:sldId id="488" r:id="rId11"/>
+    <p:sldId id="489" r:id="rId12"/>
+    <p:sldId id="492" r:id="rId13"/>
+    <p:sldId id="490" r:id="rId14"/>
+    <p:sldId id="471" r:id="rId15"/>
+    <p:sldId id="485" r:id="rId16"/>
+    <p:sldId id="463" r:id="rId17"/>
+    <p:sldId id="464" r:id="rId18"/>
+    <p:sldId id="263" r:id="rId19"/>
+    <p:sldId id="491" r:id="rId20"/>
+    <p:sldId id="493" r:id="rId21"/>
+    <p:sldId id="396" r:id="rId22"/>
+    <p:sldId id="397" r:id="rId23"/>
+    <p:sldId id="399" r:id="rId24"/>
+    <p:sldId id="400" r:id="rId25"/>
+    <p:sldId id="475" r:id="rId26"/>
+    <p:sldId id="482" r:id="rId27"/>
+    <p:sldId id="441" r:id="rId28"/>
+    <p:sldId id="435" r:id="rId29"/>
+    <p:sldId id="436" r:id="rId30"/>
+    <p:sldId id="437" r:id="rId31"/>
+    <p:sldId id="456" r:id="rId32"/>
+    <p:sldId id="457" r:id="rId33"/>
+    <p:sldId id="454" r:id="rId34"/>
+    <p:sldId id="455" r:id="rId35"/>
+    <p:sldId id="465" r:id="rId36"/>
+    <p:sldId id="466" r:id="rId37"/>
+    <p:sldId id="434" r:id="rId38"/>
+    <p:sldId id="467" r:id="rId39"/>
+    <p:sldId id="483" r:id="rId40"/>
+    <p:sldId id="476" r:id="rId41"/>
+    <p:sldId id="477" r:id="rId42"/>
+    <p:sldId id="478" r:id="rId43"/>
+    <p:sldId id="481" r:id="rId44"/>
+    <p:sldId id="479" r:id="rId45"/>
+    <p:sldId id="480" r:id="rId46"/>
   </p:sldIdLst>
   <p:sldSz cx="9144000" cy="6858000" type="screen4x3"/>
   <p:notesSz cx="7315200" cy="9601200"/>
   <p:custDataLst>
-    <p:tags r:id="rId48"/>
+    <p:tags r:id="rId49"/>
   </p:custDataLst>
   <p:defaultTextStyle>
     <a:defPPr>
@@ -954,7 +955,7 @@
             <a:fld id="{3A6D2E47-C92D-4534-9BB8-6325B253624D}" type="slidenum">
               <a:rPr lang="en-US" smtClean="0"/>
               <a:pPr/>
-              <a:t>29</a:t>
+              <a:t>30</a:t>
             </a:fld>
             <a:endParaRPr lang="en-US"/>
           </a:p>
@@ -1057,7 +1058,7 @@
             <a:fld id="{0E1F8137-5628-489C-8F34-1267C6EC6E68}" type="slidenum">
               <a:rPr lang="en-US" smtClean="0"/>
               <a:pPr/>
-              <a:t>33</a:t>
+              <a:t>34</a:t>
             </a:fld>
             <a:endParaRPr lang="en-US"/>
           </a:p>
@@ -1314,7 +1315,7 @@
             <a:fld id="{E4886CB5-510A-4EF6-9466-BC7A8F0DDE87}" type="datetime1">
               <a:rPr lang="en-US" smtClean="0"/>
               <a:pPr/>
-              <a:t>1/31/21</a:t>
+              <a:t>2/1/21</a:t>
             </a:fld>
             <a:endParaRPr lang="en-US"/>
           </a:p>
@@ -1674,7 +1675,7 @@
             <a:fld id="{9B297853-24B4-4D05-83E4-0AD2E86C55E5}" type="datetime1">
               <a:rPr lang="en-US" smtClean="0"/>
               <a:pPr/>
-              <a:t>1/31/21</a:t>
+              <a:t>2/1/21</a:t>
             </a:fld>
             <a:endParaRPr lang="en-US"/>
           </a:p>
@@ -1850,7 +1851,7 @@
             <a:fld id="{01FCDD9E-5768-4705-9537-0C020B1BB310}" type="datetime1">
               <a:rPr lang="en-US" smtClean="0"/>
               <a:pPr/>
-              <a:t>1/31/21</a:t>
+              <a:t>2/1/21</a:t>
             </a:fld>
             <a:endParaRPr lang="en-US"/>
           </a:p>
@@ -2086,7 +2087,7 @@
             <a:fld id="{4257C27E-59C2-41CA-9776-94955CBEE440}" type="datetime1">
               <a:rPr lang="en-US" smtClean="0"/>
               <a:pPr/>
-              <a:t>1/31/21</a:t>
+              <a:t>2/1/21</a:t>
             </a:fld>
             <a:endParaRPr lang="en-US"/>
           </a:p>
@@ -2372,7 +2373,7 @@
             <a:fld id="{03180747-A137-49C6-9C74-AB7EE86F4904}" type="datetime1">
               <a:rPr lang="en-US" smtClean="0"/>
               <a:pPr/>
-              <a:t>1/31/21</a:t>
+              <a:t>2/1/21</a:t>
             </a:fld>
             <a:endParaRPr lang="en-US"/>
           </a:p>
@@ -2593,7 +2594,7 @@
             <a:fld id="{EBBA31D9-ADC1-480D-86A8-1EAFB6A86A35}" type="datetime1">
               <a:rPr lang="en-US" smtClean="0"/>
               <a:pPr/>
-              <a:t>1/31/21</a:t>
+              <a:t>2/1/21</a:t>
             </a:fld>
             <a:endParaRPr lang="en-US"/>
           </a:p>
@@ -2946,7 +2947,7 @@
             <a:fld id="{80AAE9AE-3B2F-4DEA-8C41-BDDF4CDF6F40}" type="datetime1">
               <a:rPr lang="en-US" smtClean="0"/>
               <a:pPr/>
-              <a:t>1/31/21</a:t>
+              <a:t>2/1/21</a:t>
             </a:fld>
             <a:endParaRPr lang="en-US"/>
           </a:p>
@@ -3179,7 +3180,7 @@
             <a:fld id="{48252F7F-E8FE-413B-8521-D4ED924C6DE5}" type="datetime1">
               <a:rPr lang="en-US" smtClean="0"/>
               <a:pPr/>
-              <a:t>1/31/21</a:t>
+              <a:t>2/1/21</a:t>
             </a:fld>
             <a:endParaRPr lang="en-US"/>
           </a:p>
@@ -3321,7 +3322,7 @@
             <a:fld id="{2FF1B124-70E3-4E4A-90E2-6B55DB7659B3}" type="datetime1">
               <a:rPr lang="en-US" smtClean="0"/>
               <a:pPr/>
-              <a:t>1/31/21</a:t>
+              <a:t>2/1/21</a:t>
             </a:fld>
             <a:endParaRPr lang="en-US"/>
           </a:p>
@@ -3599,7 +3600,7 @@
             <a:fld id="{4EBF4C98-3CD6-4C87-BD40-5718C2628835}" type="datetime1">
               <a:rPr lang="en-US" smtClean="0"/>
               <a:pPr/>
-              <a:t>1/31/21</a:t>
+              <a:t>2/1/21</a:t>
             </a:fld>
             <a:endParaRPr lang="en-US"/>
           </a:p>
@@ -4007,7 +4008,7 @@
             <a:fld id="{6D6408A8-6B1B-4CDA-875E-7BEECDBA31DF}" type="datetime1">
               <a:rPr lang="en-US" smtClean="0"/>
               <a:pPr/>
-              <a:t>1/31/21</a:t>
+              <a:t>2/1/21</a:t>
             </a:fld>
             <a:endParaRPr lang="en-US"/>
           </a:p>
@@ -4345,7 +4346,7 @@
             <a:fld id="{C55AAF07-D2F5-4B3C-B443-40DE8C337A77}" type="datetime1">
               <a:rPr lang="en-US" smtClean="0"/>
               <a:pPr/>
-              <a:t>1/31/21</a:t>
+              <a:t>2/1/21</a:t>
             </a:fld>
             <a:endParaRPr lang="en-US"/>
           </a:p>
@@ -5097,9 +5098,10 @@
           <a:lstStyle/>
           <a:p>
             <a:r>
-              <a:rPr lang="en-US" dirty="0"/>
-              <a:t>Homework Grades</a:t>
-            </a:r>
+              <a:rPr lang="en-US" dirty="0" err="1"/>
+              <a:t>Homeworks</a:t>
+            </a:r>
+            <a:endParaRPr lang="en-US" dirty="0"/>
           </a:p>
         </p:txBody>
       </p:sp>
@@ -5139,69 +5141,77 @@
         </p:nvSpPr>
         <p:spPr/>
         <p:txBody>
-          <a:bodyPr/>
-          <a:lstStyle/>
-          <a:p>
+          <a:bodyPr>
+            <a:normAutofit lnSpcReduction="10000"/>
+          </a:bodyPr>
+          <a:lstStyle/>
+          <a:p>
+            <a:pPr algn="l"/>
+            <a:r>
+              <a:rPr lang="en-US" dirty="0"/>
+              <a:t>Most </a:t>
+            </a:r>
             <a:r>
               <a:rPr lang="en-US" dirty="0" err="1"/>
               <a:t>Homeworks</a:t>
             </a:r>
             <a:r>
               <a:rPr lang="en-US" dirty="0"/>
-              <a:t> also have three grade levels:</a:t>
+              <a:t> are programming assignments or written descriptions of algorithms / proofs</a:t>
+            </a:r>
+          </a:p>
+          <a:p>
+            <a:r>
+              <a:rPr lang="en-US" dirty="0"/>
+              <a:t>Programming HW:</a:t>
             </a:r>
           </a:p>
           <a:p>
             <a:pPr lvl="1"/>
             <a:r>
-              <a:rPr lang="en-US" b="1" i="1" u="sng" dirty="0"/>
-              <a:t>Incomplete</a:t>
-            </a:r>
-            <a:r>
-              <a:rPr lang="en-US" dirty="0"/>
-              <a:t>: HW is not complete or does not show a minimum level of competence.</a:t>
+              <a:rPr lang="en-US" dirty="0"/>
+              <a:t>Can be written in Java, C++, or Python (your choice)</a:t>
             </a:r>
           </a:p>
           <a:p>
             <a:pPr lvl="1"/>
             <a:r>
-              <a:rPr lang="en-US" b="1" i="1" u="sng" dirty="0"/>
-              <a:t>Satisfactory</a:t>
-            </a:r>
-            <a:r>
-              <a:rPr lang="en-US" dirty="0"/>
-              <a:t>: HW is good, but contains noticeable issues that need to be addressed.</a:t>
+              <a:rPr lang="en-US" dirty="0"/>
+              <a:t>Homework will specify the problem, input, and output specs. That is it. Sometimes a target runtime will be given</a:t>
             </a:r>
           </a:p>
           <a:p>
             <a:pPr lvl="1"/>
             <a:r>
-              <a:rPr lang="en-US" b="1" i="1" u="sng" dirty="0"/>
-              <a:t>Mastered</a:t>
-            </a:r>
-            <a:r>
-              <a:rPr lang="en-US" dirty="0"/>
-              <a:t>: HW looks very good, might contain minor errors.</a:t>
-            </a:r>
-          </a:p>
-          <a:p>
-            <a:endParaRPr lang="en-US" dirty="0"/>
-          </a:p>
-          <a:p>
-            <a:r>
-              <a:rPr lang="en-US" dirty="0" err="1"/>
-              <a:t>Homeworks</a:t>
-            </a:r>
-            <a:r>
-              <a:rPr lang="en-US" dirty="0"/>
-              <a:t> can be submitted multiple times to allow you to reach higher grade levels. </a:t>
+              <a:rPr lang="en-US" dirty="0"/>
+              <a:t>Must also submit a written summary of your approach, and description of runtime complexity</a:t>
+            </a:r>
+          </a:p>
+          <a:p>
+            <a:r>
+              <a:rPr lang="en-US" dirty="0"/>
+              <a:t>Written HW</a:t>
             </a:r>
           </a:p>
           <a:p>
             <a:pPr lvl="1"/>
             <a:r>
               <a:rPr lang="en-US" dirty="0"/>
-              <a:t>Some restrictions apply. More on this when we look at the schedule.</a:t>
+              <a:t>Solving small problems, analyzing runtimes, etc.</a:t>
+            </a:r>
+          </a:p>
+          <a:p>
+            <a:pPr lvl="1"/>
+            <a:r>
+              <a:rPr lang="en-US" dirty="0"/>
+              <a:t>Sometimes proofs of correctness, etc.</a:t>
+            </a:r>
+          </a:p>
+          <a:p>
+            <a:pPr lvl="1"/>
+            <a:r>
+              <a:rPr lang="en-US" dirty="0"/>
+              <a:t>Written in Latex (tutorial on course webpage)</a:t>
             </a:r>
           </a:p>
         </p:txBody>
@@ -5209,7 +5219,7 @@
     </p:spTree>
     <p:extLst>
       <p:ext uri="{BB962C8B-B14F-4D97-AF65-F5344CB8AC3E}">
-        <p14:creationId xmlns:p14="http://schemas.microsoft.com/office/powerpoint/2010/main" val="59157919"/>
+        <p14:creationId xmlns:p14="http://schemas.microsoft.com/office/powerpoint/2010/main" val="2696101080"/>
       </p:ext>
     </p:extLst>
   </p:cSld>
@@ -5258,7 +5268,7 @@
           <a:p>
             <a:r>
               <a:rPr lang="en-US" dirty="0"/>
-              <a:t>Quiz and Homework Deadlines</a:t>
+              <a:t>Homework Grades</a:t>
             </a:r>
           </a:p>
         </p:txBody>
@@ -5299,94 +5309,77 @@
         </p:nvSpPr>
         <p:spPr/>
         <p:txBody>
-          <a:bodyPr>
-            <a:normAutofit lnSpcReduction="10000"/>
-          </a:bodyPr>
-          <a:lstStyle/>
-          <a:p>
-            <a:r>
-              <a:rPr lang="en-US" sz="2800" dirty="0"/>
-              <a:t>Let’s look at schedule on course website </a:t>
-            </a:r>
-            <a:r>
-              <a:rPr lang="en-US" sz="2800" dirty="0">
-                <a:sym typeface="Wingdings" pitchFamily="2" charset="2"/>
-              </a:rPr>
-              <a:t></a:t>
-            </a:r>
-          </a:p>
-          <a:p>
-            <a:endParaRPr lang="en-US" sz="2800" dirty="0">
-              <a:sym typeface="Wingdings" pitchFamily="2" charset="2"/>
-            </a:endParaRPr>
-          </a:p>
-          <a:p>
-            <a:r>
-              <a:rPr lang="en-US" sz="2800" dirty="0">
-                <a:sym typeface="Wingdings" pitchFamily="2" charset="2"/>
-              </a:rPr>
-              <a:t>Summary:</a:t>
+          <a:bodyPr/>
+          <a:lstStyle/>
+          <a:p>
+            <a:r>
+              <a:rPr lang="en-US" dirty="0" err="1"/>
+              <a:t>Homeworks</a:t>
+            </a:r>
+            <a:r>
+              <a:rPr lang="en-US" dirty="0"/>
+              <a:t> also have three grade levels:</a:t>
             </a:r>
           </a:p>
           <a:p>
             <a:pPr lvl="1"/>
             <a:r>
-              <a:rPr lang="en-US" sz="2400" dirty="0">
-                <a:sym typeface="Wingdings" pitchFamily="2" charset="2"/>
-              </a:rPr>
-              <a:t>Quizzes are at end of every module. Most have a second attempt during the next module (if time allows)</a:t>
+              <a:rPr lang="en-US" b="1" i="1" u="sng" dirty="0"/>
+              <a:t>Incomplete</a:t>
+            </a:r>
+            <a:r>
+              <a:rPr lang="en-US" dirty="0"/>
+              <a:t>: HW is not complete or does not show a minimum level of competence.</a:t>
             </a:r>
           </a:p>
           <a:p>
             <a:pPr lvl="1"/>
             <a:r>
-              <a:rPr lang="en-US" sz="2400" dirty="0"/>
-              <a:t>A final “putting it all together” quiz</a:t>
-            </a:r>
-            <a:endParaRPr lang="en-US" sz="2400" dirty="0">
-              <a:sym typeface="Wingdings" pitchFamily="2" charset="2"/>
-            </a:endParaRPr>
+              <a:rPr lang="en-US" b="1" i="1" u="sng" dirty="0"/>
+              <a:t>Satisfactory</a:t>
+            </a:r>
+            <a:r>
+              <a:rPr lang="en-US" dirty="0"/>
+              <a:t>: HW is good, but contains noticeable issues that need to be addressed.</a:t>
+            </a:r>
           </a:p>
           <a:p>
             <a:pPr lvl="1"/>
             <a:r>
-              <a:rPr lang="en-US" sz="2400" dirty="0" err="1">
-                <a:sym typeface="Wingdings" pitchFamily="2" charset="2"/>
-              </a:rPr>
+              <a:rPr lang="en-US" b="1" i="1" u="sng" dirty="0"/>
+              <a:t>Mastered</a:t>
+            </a:r>
+            <a:r>
+              <a:rPr lang="en-US" dirty="0"/>
+              <a:t>: HW looks very good, might contain minor errors.</a:t>
+            </a:r>
+          </a:p>
+          <a:p>
+            <a:endParaRPr lang="en-US" dirty="0"/>
+          </a:p>
+          <a:p>
+            <a:r>
+              <a:rPr lang="en-US" dirty="0" err="1"/>
               <a:t>Homeworks</a:t>
             </a:r>
             <a:r>
-              <a:rPr lang="en-US" sz="2400" dirty="0">
-                <a:sym typeface="Wingdings" pitchFamily="2" charset="2"/>
-              </a:rPr>
-              <a:t> have a soft deadline and a hard deadline</a:t>
-            </a:r>
-          </a:p>
-          <a:p>
-            <a:pPr lvl="2"/>
-            <a:r>
-              <a:rPr lang="en-US" sz="2400" dirty="0">
-                <a:sym typeface="Wingdings" pitchFamily="2" charset="2"/>
-              </a:rPr>
-              <a:t>Will be graded and feedback given if submitted at either deadline.</a:t>
-            </a:r>
-          </a:p>
-          <a:p>
-            <a:pPr lvl="2"/>
-            <a:r>
-              <a:rPr lang="en-US" sz="2400" dirty="0">
-                <a:sym typeface="Wingdings" pitchFamily="2" charset="2"/>
-              </a:rPr>
-              <a:t>Expectation is you will submit at soft deadline, and resubmit at hard deadline IF you don’t pass the HW. But…up to you.</a:t>
-            </a:r>
-            <a:endParaRPr lang="en-US" sz="2400" dirty="0"/>
+              <a:rPr lang="en-US" dirty="0"/>
+              <a:t> can be submitted multiple times to allow you to reach higher grade levels. </a:t>
+            </a:r>
+          </a:p>
+          <a:p>
+            <a:pPr lvl="1"/>
+            <a:r>
+              <a:rPr lang="en-US" dirty="0"/>
+              <a:t>Some restrictions apply. More on this when we look at the schedule.</a:t>
+            </a:r>
           </a:p>
         </p:txBody>
       </p:sp>
     </p:spTree>
     <p:extLst>
       <p:ext uri="{BB962C8B-B14F-4D97-AF65-F5344CB8AC3E}">
-        <p14:creationId xmlns:p14="http://schemas.microsoft.com/office/powerpoint/2010/main" val="1233055087"/>
+        <p14:creationId xmlns:p14="http://schemas.microsoft.com/office/powerpoint/2010/main" val="59157919"/>
       </p:ext>
     </p:extLst>
   </p:cSld>
@@ -5415,93 +5408,27 @@
       </p:grpSpPr>
       <p:sp>
         <p:nvSpPr>
-          <p:cNvPr id="18434" name="Title 1"/>
-          <p:cNvSpPr>
-            <a:spLocks noGrp="1"/>
+          <p:cNvPr id="12290" name="Rectangle 2"/>
+          <p:cNvSpPr>
+            <a:spLocks noGrp="1" noChangeArrowheads="1"/>
           </p:cNvSpPr>
           <p:nvPr>
             <p:ph type="title"/>
           </p:nvPr>
         </p:nvSpPr>
-        <p:spPr/>
-        <p:txBody>
-          <a:bodyPr/>
-          <a:lstStyle/>
-          <a:p>
-            <a:r>
-              <a:rPr lang="en-US" dirty="0"/>
-              <a:t>Final Exam</a:t>
-            </a:r>
-          </a:p>
-        </p:txBody>
-      </p:sp>
-      <p:sp>
-        <p:nvSpPr>
-          <p:cNvPr id="18435" name="Content Placeholder 2"/>
-          <p:cNvSpPr>
-            <a:spLocks noGrp="1"/>
-          </p:cNvSpPr>
-          <p:nvPr>
-            <p:ph sz="quarter" idx="1"/>
-          </p:nvPr>
-        </p:nvSpPr>
-        <p:spPr/>
-        <p:txBody>
-          <a:bodyPr>
-            <a:normAutofit/>
-          </a:bodyPr>
-          <a:lstStyle/>
-          <a:p>
-            <a:pPr algn="l"/>
-            <a:r>
-              <a:rPr lang="en-US" dirty="0"/>
-              <a:t>Our final exam time will be used to:</a:t>
-            </a:r>
-            <a:br>
-              <a:rPr lang="en-US" dirty="0"/>
-            </a:br>
-            <a:r>
-              <a:rPr lang="en-US" dirty="0"/>
-              <a:t>      Provide another attempt at each module quiz, and</a:t>
-            </a:r>
-            <a:br>
-              <a:rPr lang="en-US" dirty="0"/>
-            </a:br>
-            <a:r>
-              <a:rPr lang="en-US" dirty="0"/>
-              <a:t>      Take the “putting it all together” quiz.</a:t>
-            </a:r>
-          </a:p>
-          <a:p>
-            <a:pPr lvl="1"/>
-            <a:endParaRPr lang="en-US" dirty="0"/>
-          </a:p>
-          <a:p>
-            <a:pPr lvl="1"/>
-            <a:r>
-              <a:rPr lang="en-US" dirty="0"/>
-              <a:t>You will be given five quizzes, one per module and a final “putting it all together” quiz.</a:t>
-            </a:r>
-          </a:p>
-          <a:p>
-            <a:pPr lvl="1"/>
-            <a:r>
-              <a:rPr lang="en-US" dirty="0"/>
-              <a:t>If you already passed some of these, you don’t need to do them again during the final.</a:t>
-            </a:r>
-          </a:p>
-          <a:p>
-            <a:pPr lvl="1"/>
-            <a:r>
-              <a:rPr lang="en-US" dirty="0"/>
-              <a:t>If you want to reattempt any quiz (or multiple ones) you may do so.</a:t>
-            </a:r>
-          </a:p>
-          <a:p>
-            <a:pPr lvl="1"/>
-            <a:r>
-              <a:rPr lang="en-US" dirty="0"/>
-              <a:t>This will be your ONLY ATTEMPT at the “putting it all together” quiz. </a:t>
+        <p:spPr>
+          <a:xfrm>
+            <a:off x="457200" y="152400"/>
+            <a:ext cx="8229600" cy="990600"/>
+          </a:xfrm>
+        </p:spPr>
+        <p:txBody>
+          <a:bodyPr/>
+          <a:lstStyle/>
+          <a:p>
+            <a:r>
+              <a:rPr lang="en-US" dirty="0"/>
+              <a:t>Quiz and Homework Deadlines</a:t>
             </a:r>
           </a:p>
         </p:txBody>
@@ -5526,14 +5453,110 @@
               <a:pPr/>
               <a:t>12</a:t>
             </a:fld>
-            <a:endParaRPr lang="en-US" dirty="0"/>
+            <a:endParaRPr lang="en-US"/>
+          </a:p>
+        </p:txBody>
+      </p:sp>
+      <p:sp>
+        <p:nvSpPr>
+          <p:cNvPr id="12291" name="Rectangle 3"/>
+          <p:cNvSpPr>
+            <a:spLocks noGrp="1" noChangeArrowheads="1"/>
+          </p:cNvSpPr>
+          <p:nvPr>
+            <p:ph sz="quarter" idx="1"/>
+          </p:nvPr>
+        </p:nvSpPr>
+        <p:spPr/>
+        <p:txBody>
+          <a:bodyPr>
+            <a:normAutofit lnSpcReduction="10000"/>
+          </a:bodyPr>
+          <a:lstStyle/>
+          <a:p>
+            <a:r>
+              <a:rPr lang="en-US" sz="2800" dirty="0"/>
+              <a:t>Let’s look at schedule on course website </a:t>
+            </a:r>
+            <a:r>
+              <a:rPr lang="en-US" sz="2800" dirty="0">
+                <a:sym typeface="Wingdings" pitchFamily="2" charset="2"/>
+              </a:rPr>
+              <a:t></a:t>
+            </a:r>
+          </a:p>
+          <a:p>
+            <a:endParaRPr lang="en-US" sz="2800" dirty="0">
+              <a:sym typeface="Wingdings" pitchFamily="2" charset="2"/>
+            </a:endParaRPr>
+          </a:p>
+          <a:p>
+            <a:r>
+              <a:rPr lang="en-US" sz="2800" dirty="0">
+                <a:sym typeface="Wingdings" pitchFamily="2" charset="2"/>
+              </a:rPr>
+              <a:t>Summary:</a:t>
+            </a:r>
+          </a:p>
+          <a:p>
+            <a:pPr lvl="1"/>
+            <a:r>
+              <a:rPr lang="en-US" sz="2400" dirty="0">
+                <a:sym typeface="Wingdings" pitchFamily="2" charset="2"/>
+              </a:rPr>
+              <a:t>Quizzes are at end of every module. Most have a second attempt during the next module (if time allows)</a:t>
+            </a:r>
+          </a:p>
+          <a:p>
+            <a:pPr lvl="1"/>
+            <a:r>
+              <a:rPr lang="en-US" sz="2400" dirty="0"/>
+              <a:t>A final “putting it all together” quiz</a:t>
+            </a:r>
+            <a:endParaRPr lang="en-US" sz="2400" dirty="0">
+              <a:sym typeface="Wingdings" pitchFamily="2" charset="2"/>
+            </a:endParaRPr>
+          </a:p>
+          <a:p>
+            <a:pPr lvl="1"/>
+            <a:r>
+              <a:rPr lang="en-US" sz="2400" dirty="0" err="1">
+                <a:sym typeface="Wingdings" pitchFamily="2" charset="2"/>
+              </a:rPr>
+              <a:t>Homeworks</a:t>
+            </a:r>
+            <a:r>
+              <a:rPr lang="en-US" sz="2400" dirty="0">
+                <a:sym typeface="Wingdings" pitchFamily="2" charset="2"/>
+              </a:rPr>
+              <a:t> have a soft deadline and a hard deadline</a:t>
+            </a:r>
+          </a:p>
+          <a:p>
+            <a:pPr lvl="2"/>
+            <a:r>
+              <a:rPr lang="en-US" sz="2400" dirty="0">
+                <a:sym typeface="Wingdings" pitchFamily="2" charset="2"/>
+              </a:rPr>
+              <a:t>Will be graded and feedback given if submitted at either deadline.</a:t>
+            </a:r>
+          </a:p>
+          <a:p>
+            <a:pPr lvl="2"/>
+            <a:r>
+              <a:rPr lang="en-US" sz="2400" dirty="0">
+                <a:sym typeface="Wingdings" pitchFamily="2" charset="2"/>
+              </a:rPr>
+              <a:t>Expectation is you will submit at soft deadline, and resubmit at hard deadline IF you don’t pass the HW. But…up to you.</a:t>
+            </a:r>
+            <a:endParaRPr lang="en-US" sz="2400" dirty="0"/>
           </a:p>
         </p:txBody>
       </p:sp>
     </p:spTree>
     <p:extLst>
       <p:ext uri="{BB962C8B-B14F-4D97-AF65-F5344CB8AC3E}">
-        <p14:creationId xmlns:p14="http://schemas.microsoft.com/office/powerpoint/2010/main" val="3820992401"/>
+        <p14:creationId xmlns:p14="http://schemas.microsoft.com/office/powerpoint/2010/main" val="1233055087"/>
       </p:ext>
     </p:extLst>
   </p:cSld>
@@ -5562,7 +5585,7 @@
       </p:grpSpPr>
       <p:sp>
         <p:nvSpPr>
-          <p:cNvPr id="16386" name="Title 1"/>
+          <p:cNvPr id="18434" name="Title 1"/>
           <p:cNvSpPr>
             <a:spLocks noGrp="1"/>
           </p:cNvSpPr>
@@ -5577,14 +5600,14 @@
           <a:p>
             <a:r>
               <a:rPr lang="en-US" dirty="0"/>
-              <a:t>Homework: Programming Hints</a:t>
-            </a:r>
-          </a:p>
-        </p:txBody>
-      </p:sp>
-      <p:sp>
-        <p:nvSpPr>
-          <p:cNvPr id="16387" name="Content Placeholder 2"/>
+              <a:t>Final Exam</a:t>
+            </a:r>
+          </a:p>
+        </p:txBody>
+      </p:sp>
+      <p:sp>
+        <p:nvSpPr>
+          <p:cNvPr id="18435" name="Content Placeholder 2"/>
           <p:cNvSpPr>
             <a:spLocks noGrp="1"/>
           </p:cNvSpPr>
@@ -5595,109 +5618,60 @@
         <p:spPr/>
         <p:txBody>
           <a:bodyPr>
-            <a:normAutofit lnSpcReduction="10000"/>
+            <a:normAutofit/>
           </a:bodyPr>
           <a:lstStyle/>
           <a:p>
-            <a:r>
-              <a:rPr lang="en-US" dirty="0"/>
-              <a:t>Understand the problem!</a:t>
-            </a:r>
-          </a:p>
-          <a:p>
-            <a:r>
-              <a:rPr lang="en-US" dirty="0"/>
-              <a:t>Consider all boundary cases</a:t>
-            </a:r>
-          </a:p>
-          <a:p>
-            <a:r>
-              <a:rPr lang="en-US" dirty="0"/>
-              <a:t>Use pre-existing library code</a:t>
+            <a:pPr algn="l"/>
+            <a:r>
+              <a:rPr lang="en-US" dirty="0"/>
+              <a:t>Our final exam time will be used to:</a:t>
+            </a:r>
+            <a:br>
+              <a:rPr lang="en-US" dirty="0"/>
+            </a:br>
+            <a:r>
+              <a:rPr lang="en-US" dirty="0"/>
+              <a:t>      Provide another attempt at each module quiz, and</a:t>
+            </a:r>
+            <a:br>
+              <a:rPr lang="en-US" dirty="0"/>
+            </a:br>
+            <a:r>
+              <a:rPr lang="en-US" dirty="0"/>
+              <a:t>      Take the “putting it all together” quiz.</a:t>
             </a:r>
           </a:p>
           <a:p>
             <a:pPr lvl="1"/>
-            <a:r>
-              <a:rPr lang="en-US" dirty="0"/>
-              <a:t>Number formatting: </a:t>
-            </a:r>
-            <a:r>
-              <a:rPr lang="en-US" dirty="0" err="1"/>
-              <a:t>NumberFormat</a:t>
-            </a:r>
-            <a:r>
-              <a:rPr lang="en-US" dirty="0"/>
-              <a:t> in Java, </a:t>
-            </a:r>
-            <a:r>
-              <a:rPr lang="en-US" dirty="0" err="1"/>
-              <a:t>printf</a:t>
-            </a:r>
-            <a:r>
-              <a:rPr lang="en-US" dirty="0"/>
-              <a:t>() in C/C++</a:t>
-            </a:r>
+            <a:endParaRPr lang="en-US" dirty="0"/>
           </a:p>
           <a:p>
             <a:pPr lvl="1"/>
             <a:r>
               <a:rPr lang="en-US" dirty="0"/>
-              <a:t>Input: Scanner in Java, </a:t>
-            </a:r>
-            <a:r>
-              <a:rPr lang="en-US" dirty="0" err="1"/>
-              <a:t>scanf</a:t>
-            </a:r>
-            <a:r>
-              <a:rPr lang="en-US" dirty="0"/>
-              <a:t>() in C, </a:t>
-            </a:r>
-            <a:r>
-              <a:rPr lang="en-US" dirty="0" err="1"/>
-              <a:t>cin</a:t>
-            </a:r>
-            <a:r>
-              <a:rPr lang="en-US" dirty="0"/>
-              <a:t> in C++</a:t>
-            </a:r>
-          </a:p>
-          <a:p>
-            <a:r>
-              <a:rPr lang="en-US" dirty="0"/>
-              <a:t>Know how to handle floating point numbers</a:t>
+              <a:t>You will be given five quizzes, one per module and a final “putting it all together” quiz.</a:t>
             </a:r>
           </a:p>
           <a:p>
             <a:pPr lvl="1"/>
             <a:r>
               <a:rPr lang="en-US" dirty="0"/>
-              <a:t>Understand float/double precision issues</a:t>
+              <a:t>If you already passed some of these, you don’t need to do them again during the final.</a:t>
             </a:r>
           </a:p>
           <a:p>
             <a:pPr lvl="1"/>
             <a:r>
               <a:rPr lang="en-US" dirty="0"/>
-              <a:t>Rounding, floating-point mod</a:t>
-            </a:r>
-          </a:p>
-          <a:p>
-            <a:r>
-              <a:rPr lang="en-US" dirty="0"/>
-              <a:t>Make sure it works for the provided test cases</a:t>
-            </a:r>
-          </a:p>
-          <a:p>
-            <a:r>
-              <a:rPr lang="en-US" dirty="0"/>
-              <a:t>Then write some of your own</a:t>
-            </a:r>
-          </a:p>
-          <a:p>
-            <a:r>
-              <a:rPr lang="en-US" dirty="0"/>
-              <a:t>Make sure you read the language specific details for submission!!!</a:t>
+              <a:t>If you want to reattempt any quiz (or multiple ones) you may do so.</a:t>
+            </a:r>
+          </a:p>
+          <a:p>
+            <a:pPr lvl="1"/>
+            <a:r>
+              <a:rPr lang="en-US" dirty="0"/>
+              <a:t>This will be your ONLY ATTEMPT at the “putting it all together” quiz. </a:t>
             </a:r>
           </a:p>
         </p:txBody>
@@ -5722,11 +5696,16 @@
               <a:pPr/>
               <a:t>13</a:t>
             </a:fld>
-            <a:endParaRPr lang="en-US"/>
+            <a:endParaRPr lang="en-US" dirty="0"/>
           </a:p>
         </p:txBody>
       </p:sp>
     </p:spTree>
+    <p:extLst>
+      <p:ext uri="{BB962C8B-B14F-4D97-AF65-F5344CB8AC3E}">
+        <p14:creationId xmlns:p14="http://schemas.microsoft.com/office/powerpoint/2010/main" val="3820992401"/>
+      </p:ext>
+    </p:extLst>
   </p:cSld>
   <p:clrMapOvr>
     <a:masterClrMapping/>
@@ -5753,7 +5732,7 @@
       </p:grpSpPr>
       <p:sp>
         <p:nvSpPr>
-          <p:cNvPr id="2" name="Title 1"/>
+          <p:cNvPr id="16386" name="Title 1"/>
           <p:cNvSpPr>
             <a:spLocks noGrp="1"/>
           </p:cNvSpPr>
@@ -5768,14 +5747,134 @@
           <a:p>
             <a:r>
               <a:rPr lang="en-US" dirty="0"/>
-              <a:t>Homework: Programming FAQ</a:t>
-            </a:r>
-          </a:p>
-        </p:txBody>
-      </p:sp>
-      <p:sp>
-        <p:nvSpPr>
-          <p:cNvPr id="3" name="Slide Number Placeholder 2"/>
+              <a:t>Homework: Programming Hints</a:t>
+            </a:r>
+          </a:p>
+        </p:txBody>
+      </p:sp>
+      <p:sp>
+        <p:nvSpPr>
+          <p:cNvPr id="16387" name="Content Placeholder 2"/>
+          <p:cNvSpPr>
+            <a:spLocks noGrp="1"/>
+          </p:cNvSpPr>
+          <p:nvPr>
+            <p:ph sz="quarter" idx="1"/>
+          </p:nvPr>
+        </p:nvSpPr>
+        <p:spPr/>
+        <p:txBody>
+          <a:bodyPr>
+            <a:normAutofit lnSpcReduction="10000"/>
+          </a:bodyPr>
+          <a:lstStyle/>
+          <a:p>
+            <a:r>
+              <a:rPr lang="en-US" dirty="0"/>
+              <a:t>Understand the problem!</a:t>
+            </a:r>
+          </a:p>
+          <a:p>
+            <a:r>
+              <a:rPr lang="en-US" dirty="0"/>
+              <a:t>Consider all boundary cases</a:t>
+            </a:r>
+          </a:p>
+          <a:p>
+            <a:r>
+              <a:rPr lang="en-US" dirty="0"/>
+              <a:t>Use pre-existing library code</a:t>
+            </a:r>
+          </a:p>
+          <a:p>
+            <a:pPr lvl="1"/>
+            <a:r>
+              <a:rPr lang="en-US" dirty="0"/>
+              <a:t>Number formatting: </a:t>
+            </a:r>
+            <a:r>
+              <a:rPr lang="en-US" dirty="0" err="1"/>
+              <a:t>NumberFormat</a:t>
+            </a:r>
+            <a:r>
+              <a:rPr lang="en-US" dirty="0"/>
+              <a:t> in Java, </a:t>
+            </a:r>
+            <a:r>
+              <a:rPr lang="en-US" dirty="0" err="1"/>
+              <a:t>printf</a:t>
+            </a:r>
+            <a:r>
+              <a:rPr lang="en-US" dirty="0"/>
+              <a:t>() in C/C++</a:t>
+            </a:r>
+          </a:p>
+          <a:p>
+            <a:pPr lvl="1"/>
+            <a:r>
+              <a:rPr lang="en-US" dirty="0"/>
+              <a:t>Input: Scanner in Java, </a:t>
+            </a:r>
+            <a:r>
+              <a:rPr lang="en-US" dirty="0" err="1"/>
+              <a:t>scanf</a:t>
+            </a:r>
+            <a:r>
+              <a:rPr lang="en-US" dirty="0"/>
+              <a:t>() in C, </a:t>
+            </a:r>
+            <a:r>
+              <a:rPr lang="en-US" dirty="0" err="1"/>
+              <a:t>cin</a:t>
+            </a:r>
+            <a:r>
+              <a:rPr lang="en-US" dirty="0"/>
+              <a:t> in C++</a:t>
+            </a:r>
+          </a:p>
+          <a:p>
+            <a:r>
+              <a:rPr lang="en-US" dirty="0"/>
+              <a:t>Know how to handle floating point numbers</a:t>
+            </a:r>
+          </a:p>
+          <a:p>
+            <a:pPr lvl="1"/>
+            <a:r>
+              <a:rPr lang="en-US" dirty="0"/>
+              <a:t>Understand float/double precision issues</a:t>
+            </a:r>
+          </a:p>
+          <a:p>
+            <a:pPr lvl="1"/>
+            <a:r>
+              <a:rPr lang="en-US" dirty="0"/>
+              <a:t>Rounding, floating-point mod</a:t>
+            </a:r>
+          </a:p>
+          <a:p>
+            <a:r>
+              <a:rPr lang="en-US" dirty="0"/>
+              <a:t>Make sure it works for the provided test cases</a:t>
+            </a:r>
+          </a:p>
+          <a:p>
+            <a:r>
+              <a:rPr lang="en-US" dirty="0"/>
+              <a:t>Then write some of your own</a:t>
+            </a:r>
+          </a:p>
+          <a:p>
+            <a:r>
+              <a:rPr lang="en-US" dirty="0"/>
+              <a:t>Make sure you read the language specific details for submission!!!</a:t>
+            </a:r>
+          </a:p>
+        </p:txBody>
+      </p:sp>
+      <p:sp>
+        <p:nvSpPr>
+          <p:cNvPr id="4" name="Slide Number Placeholder 3"/>
           <p:cNvSpPr>
             <a:spLocks noGrp="1"/>
           </p:cNvSpPr>
@@ -5797,77 +5896,7 @@
           </a:p>
         </p:txBody>
       </p:sp>
-      <p:sp>
-        <p:nvSpPr>
-          <p:cNvPr id="4" name="Content Placeholder 3"/>
-          <p:cNvSpPr>
-            <a:spLocks noGrp="1"/>
-          </p:cNvSpPr>
-          <p:nvPr>
-            <p:ph sz="quarter" idx="1"/>
-          </p:nvPr>
-        </p:nvSpPr>
-        <p:spPr/>
-        <p:txBody>
-          <a:bodyPr>
-            <a:normAutofit fontScale="92500"/>
-          </a:bodyPr>
-          <a:lstStyle/>
-          <a:p>
-            <a:r>
-              <a:rPr lang="en-US" dirty="0"/>
-              <a:t>Do I need to write my own sorting methods.</a:t>
-            </a:r>
-          </a:p>
-          <a:p>
-            <a:pPr lvl="1"/>
-            <a:r>
-              <a:rPr lang="en-US" dirty="0"/>
-              <a:t>Yes! You should be able to do this, and it is good practice. Also, sorting is one of our first topics this semester.</a:t>
-            </a:r>
-          </a:p>
-          <a:p>
-            <a:pPr lvl="1"/>
-            <a:endParaRPr lang="en-US" dirty="0"/>
-          </a:p>
-          <a:p>
-            <a:r>
-              <a:rPr lang="en-US" dirty="0"/>
-              <a:t>Can I get the test cases from submission server?</a:t>
-            </a:r>
-          </a:p>
-          <a:p>
-            <a:pPr lvl="1"/>
-            <a:r>
-              <a:rPr lang="en-US" dirty="0"/>
-              <a:t>No, part of the point is to work on brainstorming cases your code is missing without being told. Submission server will give limited feedback on purpose!</a:t>
-            </a:r>
-          </a:p>
-          <a:p>
-            <a:pPr lvl="1"/>
-            <a:endParaRPr lang="en-US" dirty="0"/>
-          </a:p>
-          <a:p>
-            <a:r>
-              <a:rPr lang="en-US" dirty="0"/>
-              <a:t>Will you help me debug my code?</a:t>
-            </a:r>
-          </a:p>
-          <a:p>
-            <a:pPr lvl="1"/>
-            <a:r>
-              <a:rPr lang="en-US" dirty="0"/>
-              <a:t>No, we won’t. You need to learn how to do this on your own. I’m happy to give you advice on how to approach your debugging problems, but I will not sit down and debug code with you.</a:t>
-            </a:r>
-          </a:p>
-        </p:txBody>
-      </p:sp>
     </p:spTree>
-    <p:extLst>
-      <p:ext uri="{BB962C8B-B14F-4D97-AF65-F5344CB8AC3E}">
-        <p14:creationId xmlns:p14="http://schemas.microsoft.com/office/powerpoint/2010/main" val="1749701482"/>
-      </p:ext>
-    </p:extLst>
   </p:cSld>
   <p:clrMapOvr>
     <a:masterClrMapping/>
@@ -5894,7 +5923,7 @@
       </p:grpSpPr>
       <p:sp>
         <p:nvSpPr>
-          <p:cNvPr id="17410" name="Title 1"/>
+          <p:cNvPr id="2" name="Title 1"/>
           <p:cNvSpPr>
             <a:spLocks noGrp="1"/>
           </p:cNvSpPr>
@@ -5909,62 +5938,14 @@
           <a:p>
             <a:r>
               <a:rPr lang="en-US" dirty="0"/>
-              <a:t>Homework: Written</a:t>
-            </a:r>
-          </a:p>
-        </p:txBody>
-      </p:sp>
-      <p:sp>
-        <p:nvSpPr>
-          <p:cNvPr id="17411" name="Content Placeholder 2"/>
-          <p:cNvSpPr>
-            <a:spLocks noGrp="1"/>
-          </p:cNvSpPr>
-          <p:nvPr>
-            <p:ph sz="quarter" idx="1"/>
-          </p:nvPr>
-        </p:nvSpPr>
-        <p:spPr/>
-        <p:txBody>
-          <a:bodyPr/>
-          <a:lstStyle/>
-          <a:p>
-            <a:r>
-              <a:rPr lang="en-US" dirty="0"/>
-              <a:t>These assignments must be typeset in </a:t>
-            </a:r>
-            <a:r>
-              <a:rPr lang="en-US" dirty="0" err="1"/>
-              <a:t>LaTeX</a:t>
-            </a:r>
-            <a:endParaRPr lang="en-US" dirty="0"/>
-          </a:p>
-          <a:p>
-            <a:endParaRPr lang="en-US" dirty="0"/>
-          </a:p>
-          <a:p>
-            <a:r>
-              <a:rPr lang="en-US" dirty="0"/>
-              <a:t>I will provide a couple tutorials, guides, and templates when the first assignment is given out</a:t>
-            </a:r>
-          </a:p>
-          <a:p>
-            <a:endParaRPr lang="en-US" dirty="0"/>
-          </a:p>
-          <a:p>
-            <a:r>
-              <a:rPr lang="en-US" dirty="0"/>
-              <a:t>You may not embed images of text or formulas!</a:t>
-            </a:r>
-          </a:p>
-          <a:p>
-            <a:endParaRPr lang="en-US" dirty="0"/>
-          </a:p>
-        </p:txBody>
-      </p:sp>
-      <p:sp>
-        <p:nvSpPr>
-          <p:cNvPr id="4" name="Slide Number Placeholder 3"/>
+              <a:t>Homework: Programming FAQ</a:t>
+            </a:r>
+          </a:p>
+        </p:txBody>
+      </p:sp>
+      <p:sp>
+        <p:nvSpPr>
+          <p:cNvPr id="3" name="Slide Number Placeholder 2"/>
           <p:cNvSpPr>
             <a:spLocks noGrp="1"/>
           </p:cNvSpPr>
@@ -5986,7 +5967,77 @@
           </a:p>
         </p:txBody>
       </p:sp>
+      <p:sp>
+        <p:nvSpPr>
+          <p:cNvPr id="4" name="Content Placeholder 3"/>
+          <p:cNvSpPr>
+            <a:spLocks noGrp="1"/>
+          </p:cNvSpPr>
+          <p:nvPr>
+            <p:ph sz="quarter" idx="1"/>
+          </p:nvPr>
+        </p:nvSpPr>
+        <p:spPr/>
+        <p:txBody>
+          <a:bodyPr>
+            <a:normAutofit fontScale="92500"/>
+          </a:bodyPr>
+          <a:lstStyle/>
+          <a:p>
+            <a:r>
+              <a:rPr lang="en-US" dirty="0"/>
+              <a:t>Do I need to write my own sorting methods.</a:t>
+            </a:r>
+          </a:p>
+          <a:p>
+            <a:pPr lvl="1"/>
+            <a:r>
+              <a:rPr lang="en-US" dirty="0"/>
+              <a:t>Yes! You should be able to do this, and it is good practice. Also, sorting is one of our first topics this semester.</a:t>
+            </a:r>
+          </a:p>
+          <a:p>
+            <a:pPr lvl="1"/>
+            <a:endParaRPr lang="en-US" dirty="0"/>
+          </a:p>
+          <a:p>
+            <a:r>
+              <a:rPr lang="en-US" dirty="0"/>
+              <a:t>Can I get the test cases from submission server?</a:t>
+            </a:r>
+          </a:p>
+          <a:p>
+            <a:pPr lvl="1"/>
+            <a:r>
+              <a:rPr lang="en-US" dirty="0"/>
+              <a:t>No, part of the point is to work on brainstorming cases your code is missing without being told. Submission server will give limited feedback on purpose!</a:t>
+            </a:r>
+          </a:p>
+          <a:p>
+            <a:pPr lvl="1"/>
+            <a:endParaRPr lang="en-US" dirty="0"/>
+          </a:p>
+          <a:p>
+            <a:r>
+              <a:rPr lang="en-US" dirty="0"/>
+              <a:t>Will you help me debug my code?</a:t>
+            </a:r>
+          </a:p>
+          <a:p>
+            <a:pPr lvl="1"/>
+            <a:r>
+              <a:rPr lang="en-US" dirty="0"/>
+              <a:t>No, we won’t. You need to learn how to do this on your own. I’m happy to give you advice on how to approach your debugging problems, but I will not sit down and debug code with you.</a:t>
+            </a:r>
+          </a:p>
+        </p:txBody>
+      </p:sp>
     </p:spTree>
+    <p:extLst>
+      <p:ext uri="{BB962C8B-B14F-4D97-AF65-F5344CB8AC3E}">
+        <p14:creationId xmlns:p14="http://schemas.microsoft.com/office/powerpoint/2010/main" val="1749701482"/>
+      </p:ext>
+    </p:extLst>
   </p:cSld>
   <p:clrMapOvr>
     <a:masterClrMapping/>
@@ -6013,7 +6064,7 @@
       </p:grpSpPr>
       <p:sp>
         <p:nvSpPr>
-          <p:cNvPr id="18434" name="Title 1"/>
+          <p:cNvPr id="17410" name="Title 1"/>
           <p:cNvSpPr>
             <a:spLocks noGrp="1"/>
           </p:cNvSpPr>
@@ -6027,15 +6078,15 @@
           <a:lstStyle/>
           <a:p>
             <a:r>
-              <a:rPr lang="en-US"/>
-              <a:t>Working in groups</a:t>
-            </a:r>
-          </a:p>
-        </p:txBody>
-      </p:sp>
-      <p:sp>
-        <p:nvSpPr>
-          <p:cNvPr id="18435" name="Content Placeholder 2"/>
+              <a:rPr lang="en-US" dirty="0"/>
+              <a:t>Homework: Written</a:t>
+            </a:r>
+          </a:p>
+        </p:txBody>
+      </p:sp>
+      <p:sp>
+        <p:nvSpPr>
+          <p:cNvPr id="17411" name="Content Placeholder 2"/>
           <p:cNvSpPr>
             <a:spLocks noGrp="1"/>
           </p:cNvSpPr>
@@ -6045,57 +6096,39 @@
         </p:nvSpPr>
         <p:spPr/>
         <p:txBody>
-          <a:bodyPr>
-            <a:normAutofit/>
-          </a:bodyPr>
-          <a:lstStyle/>
-          <a:p>
-            <a:r>
-              <a:rPr lang="en-US" dirty="0"/>
-              <a:t>For the </a:t>
+          <a:bodyPr/>
+          <a:lstStyle/>
+          <a:p>
+            <a:r>
+              <a:rPr lang="en-US" dirty="0"/>
+              <a:t>These assignments must be typeset in </a:t>
             </a:r>
             <a:r>
               <a:rPr lang="en-US" dirty="0" err="1"/>
-              <a:t>homeworks</a:t>
-            </a:r>
-            <a:r>
-              <a:rPr lang="en-US" dirty="0"/>
-              <a:t>, you may work together in groups of 3 or less to discuss the algorithmic aspects ONLY</a:t>
-            </a:r>
-          </a:p>
-          <a:p>
-            <a:pPr lvl="1"/>
-            <a:r>
-              <a:rPr lang="en-US" dirty="0"/>
-              <a:t>State who you worked with (in code comments)</a:t>
-            </a:r>
-          </a:p>
-          <a:p>
-            <a:pPr lvl="1"/>
-            <a:r>
-              <a:rPr lang="en-US" dirty="0"/>
-              <a:t>No looking at another person’s code, or ANY code online!!</a:t>
-            </a:r>
-          </a:p>
-          <a:p>
-            <a:r>
-              <a:rPr lang="en-US" dirty="0"/>
-              <a:t>For the written homeworks, you may work together in groups of 3 or less, but you MUST:</a:t>
-            </a:r>
-          </a:p>
-          <a:p>
-            <a:pPr lvl="1"/>
-            <a:r>
-              <a:rPr lang="en-US" dirty="0"/>
-              <a:t>State who you worked with</a:t>
-            </a:r>
-          </a:p>
-          <a:p>
-            <a:pPr lvl="1"/>
-            <a:r>
-              <a:rPr lang="en-US" dirty="0"/>
-              <a:t>Type up your own assignment!</a:t>
-            </a:r>
+              <a:t>LaTeX</a:t>
+            </a:r>
+            <a:endParaRPr lang="en-US" dirty="0"/>
+          </a:p>
+          <a:p>
+            <a:endParaRPr lang="en-US" dirty="0"/>
+          </a:p>
+          <a:p>
+            <a:r>
+              <a:rPr lang="en-US" dirty="0"/>
+              <a:t>I will provide a couple tutorials, guides, and templates when the first assignment is given out</a:t>
+            </a:r>
+          </a:p>
+          <a:p>
+            <a:endParaRPr lang="en-US" dirty="0"/>
+          </a:p>
+          <a:p>
+            <a:r>
+              <a:rPr lang="en-US" dirty="0"/>
+              <a:t>You may not embed images of text or formulas!</a:t>
+            </a:r>
+          </a:p>
+          <a:p>
+            <a:endParaRPr lang="en-US" dirty="0"/>
           </a:p>
         </p:txBody>
       </p:sp>
@@ -6119,7 +6152,7 @@
               <a:pPr/>
               <a:t>16</a:t>
             </a:fld>
-            <a:endParaRPr lang="en-US" dirty="0"/>
+            <a:endParaRPr lang="en-US"/>
           </a:p>
         </p:txBody>
       </p:sp>
@@ -6132,6 +6165,143 @@
 </file>
 
 <file path=ppt/slides/slide17.xml><?xml version="1.0" encoding="utf-8"?>
+<p:sld xmlns:a="http://schemas.openxmlformats.org/drawingml/2006/main" xmlns:r="http://schemas.openxmlformats.org/officeDocument/2006/relationships" xmlns:p="http://schemas.openxmlformats.org/presentationml/2006/main">
+  <p:cSld>
+    <p:spTree>
+      <p:nvGrpSpPr>
+        <p:cNvPr id="1" name=""/>
+        <p:cNvGrpSpPr/>
+        <p:nvPr/>
+      </p:nvGrpSpPr>
+      <p:grpSpPr>
+        <a:xfrm>
+          <a:off x="0" y="0"/>
+          <a:ext cx="0" cy="0"/>
+          <a:chOff x="0" y="0"/>
+          <a:chExt cx="0" cy="0"/>
+        </a:xfrm>
+      </p:grpSpPr>
+      <p:sp>
+        <p:nvSpPr>
+          <p:cNvPr id="18434" name="Title 1"/>
+          <p:cNvSpPr>
+            <a:spLocks noGrp="1"/>
+          </p:cNvSpPr>
+          <p:nvPr>
+            <p:ph type="title"/>
+          </p:nvPr>
+        </p:nvSpPr>
+        <p:spPr/>
+        <p:txBody>
+          <a:bodyPr/>
+          <a:lstStyle/>
+          <a:p>
+            <a:r>
+              <a:rPr lang="en-US"/>
+              <a:t>Working in groups</a:t>
+            </a:r>
+          </a:p>
+        </p:txBody>
+      </p:sp>
+      <p:sp>
+        <p:nvSpPr>
+          <p:cNvPr id="18435" name="Content Placeholder 2"/>
+          <p:cNvSpPr>
+            <a:spLocks noGrp="1"/>
+          </p:cNvSpPr>
+          <p:nvPr>
+            <p:ph sz="quarter" idx="1"/>
+          </p:nvPr>
+        </p:nvSpPr>
+        <p:spPr/>
+        <p:txBody>
+          <a:bodyPr>
+            <a:normAutofit/>
+          </a:bodyPr>
+          <a:lstStyle/>
+          <a:p>
+            <a:r>
+              <a:rPr lang="en-US" dirty="0"/>
+              <a:t>For the </a:t>
+            </a:r>
+            <a:r>
+              <a:rPr lang="en-US" dirty="0" err="1"/>
+              <a:t>homeworks</a:t>
+            </a:r>
+            <a:r>
+              <a:rPr lang="en-US" dirty="0"/>
+              <a:t>, you may work together in groups of 3 or less to discuss the algorithmic aspects ONLY</a:t>
+            </a:r>
+          </a:p>
+          <a:p>
+            <a:pPr lvl="1"/>
+            <a:r>
+              <a:rPr lang="en-US" dirty="0"/>
+              <a:t>State who you worked with (in code comments)</a:t>
+            </a:r>
+          </a:p>
+          <a:p>
+            <a:pPr lvl="1"/>
+            <a:r>
+              <a:rPr lang="en-US" dirty="0"/>
+              <a:t>No looking at another person’s code, or ANY code online!!</a:t>
+            </a:r>
+          </a:p>
+          <a:p>
+            <a:r>
+              <a:rPr lang="en-US" dirty="0"/>
+              <a:t>For the written homeworks, you may work together in groups of 3 or less, but you MUST:</a:t>
+            </a:r>
+          </a:p>
+          <a:p>
+            <a:pPr lvl="1"/>
+            <a:r>
+              <a:rPr lang="en-US" dirty="0"/>
+              <a:t>State who you worked with</a:t>
+            </a:r>
+          </a:p>
+          <a:p>
+            <a:pPr lvl="1"/>
+            <a:r>
+              <a:rPr lang="en-US" dirty="0"/>
+              <a:t>Type up your own assignment!</a:t>
+            </a:r>
+          </a:p>
+        </p:txBody>
+      </p:sp>
+      <p:sp>
+        <p:nvSpPr>
+          <p:cNvPr id="4" name="Slide Number Placeholder 3"/>
+          <p:cNvSpPr>
+            <a:spLocks noGrp="1"/>
+          </p:cNvSpPr>
+          <p:nvPr>
+            <p:ph type="sldNum" sz="quarter" idx="12"/>
+          </p:nvPr>
+        </p:nvSpPr>
+        <p:spPr/>
+        <p:txBody>
+          <a:bodyPr/>
+          <a:lstStyle/>
+          <a:p>
+            <a:fld id="{F26D9103-0C5C-48AC-B68E-3ED2C1647047}" type="slidenum">
+              <a:rPr lang="en-US" smtClean="0"/>
+              <a:pPr/>
+              <a:t>17</a:t>
+            </a:fld>
+            <a:endParaRPr lang="en-US" dirty="0"/>
+          </a:p>
+        </p:txBody>
+      </p:sp>
+    </p:spTree>
+  </p:cSld>
+  <p:clrMapOvr>
+    <a:masterClrMapping/>
+  </p:clrMapOvr>
+</p:sld>
+</file>
+
+<file path=ppt/slides/slide18.xml><?xml version="1.0" encoding="utf-8"?>
 <p:sld xmlns:a="http://schemas.openxmlformats.org/drawingml/2006/main" xmlns:r="http://schemas.openxmlformats.org/officeDocument/2006/relationships" xmlns:p="http://schemas.openxmlformats.org/presentationml/2006/main">
   <p:cSld>
     <p:spTree>
@@ -6688,169 +6858,6 @@
 </p:sld>
 </file>
 
-<file path=ppt/slides/slide18.xml><?xml version="1.0" encoding="utf-8"?>
-<p:sld xmlns:a="http://schemas.openxmlformats.org/drawingml/2006/main" xmlns:r="http://schemas.openxmlformats.org/officeDocument/2006/relationships" xmlns:p="http://schemas.openxmlformats.org/presentationml/2006/main">
-  <p:cSld>
-    <p:spTree>
-      <p:nvGrpSpPr>
-        <p:cNvPr id="1" name=""/>
-        <p:cNvGrpSpPr/>
-        <p:nvPr/>
-      </p:nvGrpSpPr>
-      <p:grpSpPr>
-        <a:xfrm>
-          <a:off x="0" y="0"/>
-          <a:ext cx="0" cy="0"/>
-          <a:chOff x="0" y="0"/>
-          <a:chExt cx="0" cy="0"/>
-        </a:xfrm>
-      </p:grpSpPr>
-      <p:sp>
-        <p:nvSpPr>
-          <p:cNvPr id="18434" name="Title 1"/>
-          <p:cNvSpPr>
-            <a:spLocks noGrp="1"/>
-          </p:cNvSpPr>
-          <p:nvPr>
-            <p:ph type="title"/>
-          </p:nvPr>
-        </p:nvSpPr>
-        <p:spPr/>
-        <p:txBody>
-          <a:bodyPr/>
-          <a:lstStyle/>
-          <a:p>
-            <a:r>
-              <a:rPr lang="en-US" dirty="0"/>
-              <a:t>Grading Overview</a:t>
-            </a:r>
-          </a:p>
-        </p:txBody>
-      </p:sp>
-      <p:sp>
-        <p:nvSpPr>
-          <p:cNvPr id="4" name="Slide Number Placeholder 3"/>
-          <p:cNvSpPr>
-            <a:spLocks noGrp="1"/>
-          </p:cNvSpPr>
-          <p:nvPr>
-            <p:ph type="sldNum" sz="quarter" idx="12"/>
-          </p:nvPr>
-        </p:nvSpPr>
-        <p:spPr/>
-        <p:txBody>
-          <a:bodyPr/>
-          <a:lstStyle/>
-          <a:p>
-            <a:fld id="{F26D9103-0C5C-48AC-B68E-3ED2C1647047}" type="slidenum">
-              <a:rPr lang="en-US" smtClean="0"/>
-              <a:pPr/>
-              <a:t>18</a:t>
-            </a:fld>
-            <a:endParaRPr lang="en-US" dirty="0"/>
-          </a:p>
-        </p:txBody>
-      </p:sp>
-      <p:sp>
-        <p:nvSpPr>
-          <p:cNvPr id="3" name="Content Placeholder 2">
-            <a:extLst>
-              <a:ext uri="{FF2B5EF4-FFF2-40B4-BE49-F238E27FC236}">
-                <a16:creationId xmlns:a16="http://schemas.microsoft.com/office/drawing/2014/main" id="{267DFEF5-BEAA-974F-B91B-2D8B6E94C721}"/>
-              </a:ext>
-            </a:extLst>
-          </p:cNvPr>
-          <p:cNvSpPr>
-            <a:spLocks noGrp="1"/>
-          </p:cNvSpPr>
-          <p:nvPr>
-            <p:ph sz="quarter" idx="1"/>
-          </p:nvPr>
-        </p:nvSpPr>
-        <p:spPr/>
-        <p:txBody>
-          <a:bodyPr/>
-          <a:lstStyle/>
-          <a:p>
-            <a:r>
-              <a:rPr lang="en-US" dirty="0"/>
-              <a:t>Let’s look at how grades work on course website </a:t>
-            </a:r>
-            <a:r>
-              <a:rPr lang="en-US" dirty="0">
-                <a:sym typeface="Wingdings" pitchFamily="2" charset="2"/>
-              </a:rPr>
-              <a:t></a:t>
-            </a:r>
-          </a:p>
-          <a:p>
-            <a:endParaRPr lang="en-US" dirty="0">
-              <a:sym typeface="Wingdings" pitchFamily="2" charset="2"/>
-            </a:endParaRPr>
-          </a:p>
-          <a:p>
-            <a:r>
-              <a:rPr lang="en-US" dirty="0">
-                <a:sym typeface="Wingdings" pitchFamily="2" charset="2"/>
-              </a:rPr>
-              <a:t>Summary:</a:t>
-            </a:r>
-          </a:p>
-          <a:p>
-            <a:pPr lvl="1"/>
-            <a:r>
-              <a:rPr lang="en-US" dirty="0">
-                <a:sym typeface="Wingdings" pitchFamily="2" charset="2"/>
-              </a:rPr>
-              <a:t>Count how many </a:t>
-            </a:r>
-            <a:r>
-              <a:rPr lang="en-US" dirty="0" err="1">
-                <a:sym typeface="Wingdings" pitchFamily="2" charset="2"/>
-              </a:rPr>
-              <a:t>homeworks</a:t>
-            </a:r>
-            <a:r>
-              <a:rPr lang="en-US" dirty="0">
-                <a:sym typeface="Wingdings" pitchFamily="2" charset="2"/>
-              </a:rPr>
-              <a:t> / quizzes you’ve mastered, satisfied, etc.</a:t>
-            </a:r>
-          </a:p>
-          <a:p>
-            <a:pPr lvl="1"/>
-            <a:r>
-              <a:rPr lang="en-US" dirty="0">
-                <a:sym typeface="Wingdings" pitchFamily="2" charset="2"/>
-              </a:rPr>
-              <a:t>Look up the HIGHEST LETTER GRADE row on the table that for which you satisfy or exceed the requirements.</a:t>
-            </a:r>
-          </a:p>
-          <a:p>
-            <a:pPr lvl="2"/>
-            <a:r>
-              <a:rPr lang="en-US" dirty="0">
-                <a:sym typeface="Wingdings" pitchFamily="2" charset="2"/>
-              </a:rPr>
-              <a:t>That is your final letter grade for the course.</a:t>
-            </a:r>
-            <a:endParaRPr lang="en-US" dirty="0"/>
-          </a:p>
-        </p:txBody>
-      </p:sp>
-    </p:spTree>
-    <p:extLst>
-      <p:ext uri="{BB962C8B-B14F-4D97-AF65-F5344CB8AC3E}">
-        <p14:creationId xmlns:p14="http://schemas.microsoft.com/office/powerpoint/2010/main" val="4277655406"/>
-      </p:ext>
-    </p:extLst>
-  </p:cSld>
-  <p:clrMapOvr>
-    <a:masterClrMapping/>
-  </p:clrMapOvr>
-</p:sld>
-</file>
-
 <file path=ppt/slides/slide19.xml><?xml version="1.0" encoding="utf-8"?>
 <p:sld xmlns:a="http://schemas.openxmlformats.org/drawingml/2006/main" xmlns:r="http://schemas.openxmlformats.org/officeDocument/2006/relationships" xmlns:p="http://schemas.openxmlformats.org/presentationml/2006/main">
   <p:cSld>
@@ -6870,13 +6877,7 @@
       </p:grpSpPr>
       <p:sp>
         <p:nvSpPr>
-          <p:cNvPr id="2" name="Title 1">
-            <a:extLst>
-              <a:ext uri="{FF2B5EF4-FFF2-40B4-BE49-F238E27FC236}">
-                <a16:creationId xmlns:a16="http://schemas.microsoft.com/office/drawing/2014/main" id="{B6C21D28-983F-964A-89CC-AC9573CD4242}"/>
-              </a:ext>
-            </a:extLst>
-          </p:cNvPr>
+          <p:cNvPr id="18434" name="Title 1"/>
           <p:cNvSpPr>
             <a:spLocks noGrp="1"/>
           </p:cNvSpPr>
@@ -6889,19 +6890,16 @@
           <a:bodyPr/>
           <a:lstStyle/>
           <a:p>
-            <a:endParaRPr lang="en-US" dirty="0"/>
-          </a:p>
-        </p:txBody>
-      </p:sp>
-      <p:sp>
-        <p:nvSpPr>
-          <p:cNvPr id="3" name="Slide Number Placeholder 2">
-            <a:extLst>
-              <a:ext uri="{FF2B5EF4-FFF2-40B4-BE49-F238E27FC236}">
-                <a16:creationId xmlns:a16="http://schemas.microsoft.com/office/drawing/2014/main" id="{30C00481-393E-2147-853E-98B0BCF84021}"/>
-              </a:ext>
-            </a:extLst>
-          </p:cNvPr>
+            <a:r>
+              <a:rPr lang="en-US" dirty="0"/>
+              <a:t>Grading Overview</a:t>
+            </a:r>
+          </a:p>
+        </p:txBody>
+      </p:sp>
+      <p:sp>
+        <p:nvSpPr>
+          <p:cNvPr id="4" name="Slide Number Placeholder 3"/>
           <p:cNvSpPr>
             <a:spLocks noGrp="1"/>
           </p:cNvSpPr>
@@ -6919,16 +6917,16 @@
               <a:pPr/>
               <a:t>19</a:t>
             </a:fld>
-            <a:endParaRPr lang="en-US"/>
-          </a:p>
-        </p:txBody>
-      </p:sp>
-      <p:sp>
-        <p:nvSpPr>
-          <p:cNvPr id="4" name="Content Placeholder 3">
+            <a:endParaRPr lang="en-US" dirty="0"/>
+          </a:p>
+        </p:txBody>
+      </p:sp>
+      <p:sp>
+        <p:nvSpPr>
+          <p:cNvPr id="3" name="Content Placeholder 2">
             <a:extLst>
               <a:ext uri="{FF2B5EF4-FFF2-40B4-BE49-F238E27FC236}">
-                <a16:creationId xmlns:a16="http://schemas.microsoft.com/office/drawing/2014/main" id="{2E5AB323-BB33-934A-B444-E5392B7C9676}"/>
+                <a16:creationId xmlns:a16="http://schemas.microsoft.com/office/drawing/2014/main" id="{267DFEF5-BEAA-974F-B91B-2D8B6E94C721}"/>
               </a:ext>
             </a:extLst>
           </p:cNvPr>
@@ -6944,14 +6942,76 @@
           <a:bodyPr/>
           <a:lstStyle/>
           <a:p>
-            <a:endParaRPr lang="en-US"/>
+            <a:r>
+              <a:rPr lang="en-US" dirty="0"/>
+              <a:t>Let’s look at how grades work on course website </a:t>
+            </a:r>
+            <a:r>
+              <a:rPr lang="en-US" dirty="0">
+                <a:sym typeface="Wingdings" pitchFamily="2" charset="2"/>
+              </a:rPr>
+              <a:t></a:t>
+            </a:r>
+          </a:p>
+          <a:p>
+            <a:endParaRPr lang="en-US" dirty="0">
+              <a:sym typeface="Wingdings" pitchFamily="2" charset="2"/>
+            </a:endParaRPr>
+          </a:p>
+          <a:p>
+            <a:r>
+              <a:rPr lang="en-US" dirty="0">
+                <a:sym typeface="Wingdings" pitchFamily="2" charset="2"/>
+              </a:rPr>
+              <a:t>Summary:</a:t>
+            </a:r>
+          </a:p>
+          <a:p>
+            <a:pPr lvl="1"/>
+            <a:r>
+              <a:rPr lang="en-US" dirty="0">
+                <a:sym typeface="Wingdings" pitchFamily="2" charset="2"/>
+              </a:rPr>
+              <a:t>Count how many </a:t>
+            </a:r>
+            <a:r>
+              <a:rPr lang="en-US" dirty="0" err="1">
+                <a:sym typeface="Wingdings" pitchFamily="2" charset="2"/>
+              </a:rPr>
+              <a:t>homeworks</a:t>
+            </a:r>
+            <a:r>
+              <a:rPr lang="en-US" dirty="0">
+                <a:sym typeface="Wingdings" pitchFamily="2" charset="2"/>
+              </a:rPr>
+              <a:t> / quizzes you’ve mastered, satisfied, etc.</a:t>
+            </a:r>
+          </a:p>
+          <a:p>
+            <a:pPr lvl="1"/>
+            <a:r>
+              <a:rPr lang="en-US" dirty="0">
+                <a:sym typeface="Wingdings" pitchFamily="2" charset="2"/>
+              </a:rPr>
+              <a:t>Look up the HIGHEST LETTER GRADE row on the table that for which you satisfy or exceed the requirements.</a:t>
+            </a:r>
+          </a:p>
+          <a:p>
+            <a:pPr lvl="2"/>
+            <a:r>
+              <a:rPr lang="en-US" dirty="0">
+                <a:sym typeface="Wingdings" pitchFamily="2" charset="2"/>
+              </a:rPr>
+              <a:t>That is your final letter grade for the course.</a:t>
+            </a:r>
+            <a:endParaRPr lang="en-US" dirty="0"/>
           </a:p>
         </p:txBody>
       </p:sp>
     </p:spTree>
     <p:extLst>
       <p:ext uri="{BB962C8B-B14F-4D97-AF65-F5344CB8AC3E}">
-        <p14:creationId xmlns:p14="http://schemas.microsoft.com/office/powerpoint/2010/main" val="50215907"/>
+        <p14:creationId xmlns:p14="http://schemas.microsoft.com/office/powerpoint/2010/main" val="4277655406"/>
       </p:ext>
     </p:extLst>
   </p:cSld>
@@ -7070,15 +7130,18 @@
       </p:grpSpPr>
       <p:sp>
         <p:nvSpPr>
-          <p:cNvPr id="21506" name="Rectangle 2"/>
-          <p:cNvSpPr>
-            <a:spLocks noGrp="1" noChangeArrowheads="1"/>
+          <p:cNvPr id="2" name="Title 1">
+            <a:extLst>
+              <a:ext uri="{FF2B5EF4-FFF2-40B4-BE49-F238E27FC236}">
+                <a16:creationId xmlns:a16="http://schemas.microsoft.com/office/drawing/2014/main" id="{B6C21D28-983F-964A-89CC-AC9573CD4242}"/>
+              </a:ext>
+            </a:extLst>
+          </p:cNvPr>
+          <p:cNvSpPr>
+            <a:spLocks noGrp="1"/>
           </p:cNvSpPr>
           <p:nvPr>
             <p:ph type="title"/>
-            <p:custDataLst>
-              <p:tags r:id="rId1"/>
-            </p:custDataLst>
           </p:nvPr>
         </p:nvSpPr>
         <p:spPr/>
@@ -7086,16 +7149,19 @@
           <a:bodyPr/>
           <a:lstStyle/>
           <a:p>
-            <a:r>
-              <a:rPr lang="en-US" dirty="0"/>
-              <a:t>What you know already from CS2150</a:t>
-            </a:r>
-          </a:p>
-        </p:txBody>
-      </p:sp>
-      <p:sp>
-        <p:nvSpPr>
-          <p:cNvPr id="4" name="Slide Number Placeholder 3"/>
+            <a:endParaRPr lang="en-US" dirty="0"/>
+          </a:p>
+        </p:txBody>
+      </p:sp>
+      <p:sp>
+        <p:nvSpPr>
+          <p:cNvPr id="3" name="Slide Number Placeholder 2">
+            <a:extLst>
+              <a:ext uri="{FF2B5EF4-FFF2-40B4-BE49-F238E27FC236}">
+                <a16:creationId xmlns:a16="http://schemas.microsoft.com/office/drawing/2014/main" id="{30C00481-393E-2147-853E-98B0BCF84021}"/>
+              </a:ext>
+            </a:extLst>
+          </p:cNvPr>
           <p:cNvSpPr>
             <a:spLocks noGrp="1"/>
           </p:cNvSpPr>
@@ -7119,15 +7185,18 @@
       </p:sp>
       <p:sp>
         <p:nvSpPr>
-          <p:cNvPr id="21507" name="Rectangle 3"/>
-          <p:cNvSpPr>
-            <a:spLocks noGrp="1" noChangeArrowheads="1"/>
+          <p:cNvPr id="4" name="Content Placeholder 3">
+            <a:extLst>
+              <a:ext uri="{FF2B5EF4-FFF2-40B4-BE49-F238E27FC236}">
+                <a16:creationId xmlns:a16="http://schemas.microsoft.com/office/drawing/2014/main" id="{2E5AB323-BB33-934A-B444-E5392B7C9676}"/>
+              </a:ext>
+            </a:extLst>
+          </p:cNvPr>
+          <p:cNvSpPr>
+            <a:spLocks noGrp="1"/>
           </p:cNvSpPr>
           <p:nvPr>
             <p:ph sz="quarter" idx="1"/>
-            <p:custDataLst>
-              <p:tags r:id="rId2"/>
-            </p:custDataLst>
           </p:nvPr>
         </p:nvSpPr>
         <p:spPr/>
@@ -7135,63 +7204,16 @@
           <a:bodyPr/>
           <a:lstStyle/>
           <a:p>
-            <a:r>
-              <a:rPr lang="en-US" dirty="0"/>
-              <a:t>Definition of an algorithm</a:t>
-            </a:r>
-          </a:p>
-          <a:p>
-            <a:r>
-              <a:rPr lang="en-US" dirty="0"/>
-              <a:t>Definition of algorithm “complexity”</a:t>
-            </a:r>
-          </a:p>
-          <a:p>
-            <a:r>
-              <a:rPr lang="en-US" dirty="0"/>
-              <a:t>Measuring worst-case complexity</a:t>
-            </a:r>
-          </a:p>
-          <a:p>
-            <a:r>
-              <a:rPr lang="en-US" dirty="0"/>
-              <a:t>Cost as a function of input size</a:t>
-            </a:r>
-          </a:p>
-          <a:p>
-            <a:r>
-              <a:rPr lang="en-US" dirty="0"/>
-              <a:t>Asymptotic rate of growth: Big-Oh, Big-Theta</a:t>
-            </a:r>
-          </a:p>
-          <a:p>
-            <a:r>
-              <a:rPr lang="en-US" dirty="0"/>
-              <a:t>Relative ordering of rates of growth</a:t>
-            </a:r>
-          </a:p>
-          <a:p>
-            <a:r>
-              <a:rPr lang="en-US" dirty="0"/>
-              <a:t>Analyzing an algorithm's cost:</a:t>
-            </a:r>
-          </a:p>
-          <a:p>
-            <a:pPr lvl="1"/>
-            <a:r>
-              <a:rPr lang="en-US" dirty="0"/>
-              <a:t>sequences, loops, if/else, functions, recursion</a:t>
-            </a:r>
-          </a:p>
-          <a:p>
-            <a:r>
-              <a:rPr lang="en-US" dirty="0"/>
-              <a:t>Focus on counting one particular statement or operation; don’t count all statements</a:t>
-            </a:r>
+            <a:endParaRPr lang="en-US"/>
           </a:p>
         </p:txBody>
       </p:sp>
     </p:spTree>
+    <p:extLst>
+      <p:ext uri="{BB962C8B-B14F-4D97-AF65-F5344CB8AC3E}">
+        <p14:creationId xmlns:p14="http://schemas.microsoft.com/office/powerpoint/2010/main" val="50215907"/>
+      </p:ext>
+    </p:extLst>
   </p:cSld>
   <p:clrMapOvr>
     <a:masterClrMapping/>
@@ -7218,7 +7240,7 @@
       </p:grpSpPr>
       <p:sp>
         <p:nvSpPr>
-          <p:cNvPr id="22530" name="Rectangle 2"/>
+          <p:cNvPr id="21506" name="Rectangle 2"/>
           <p:cNvSpPr>
             <a:spLocks noGrp="1" noChangeArrowheads="1"/>
           </p:cNvSpPr>
@@ -7229,16 +7251,9 @@
             </p:custDataLst>
           </p:nvPr>
         </p:nvSpPr>
-        <p:spPr>
-          <a:xfrm>
-            <a:off x="457200" y="152400"/>
-            <a:ext cx="8686800" cy="990600"/>
-          </a:xfrm>
-        </p:spPr>
-        <p:txBody>
-          <a:bodyPr>
-            <a:normAutofit/>
-          </a:bodyPr>
+        <p:spPr/>
+        <p:txBody>
+          <a:bodyPr/>
           <a:lstStyle/>
           <a:p>
             <a:r>
@@ -7274,7 +7289,7 @@
       </p:sp>
       <p:sp>
         <p:nvSpPr>
-          <p:cNvPr id="22531" name="Rectangle 3"/>
+          <p:cNvPr id="21507" name="Rectangle 3"/>
           <p:cNvSpPr>
             <a:spLocks noGrp="1" noChangeArrowheads="1"/>
           </p:cNvSpPr>
@@ -7292,43 +7307,56 @@
           <a:p>
             <a:r>
               <a:rPr lang="en-US" dirty="0"/>
-              <a:t>Problems and their solutions:</a:t>
+              <a:t>Definition of an algorithm</a:t>
+            </a:r>
+          </a:p>
+          <a:p>
+            <a:r>
+              <a:rPr lang="en-US" dirty="0"/>
+              <a:t>Definition of algorithm “complexity”</a:t>
+            </a:r>
+          </a:p>
+          <a:p>
+            <a:r>
+              <a:rPr lang="en-US" dirty="0"/>
+              <a:t>Measuring worst-case complexity</a:t>
+            </a:r>
+          </a:p>
+          <a:p>
+            <a:r>
+              <a:rPr lang="en-US" dirty="0"/>
+              <a:t>Cost as a function of input size</a:t>
+            </a:r>
+          </a:p>
+          <a:p>
+            <a:r>
+              <a:rPr lang="en-US" dirty="0"/>
+              <a:t>Asymptotic rate of growth: Big-Oh, Big-Theta</a:t>
+            </a:r>
+          </a:p>
+          <a:p>
+            <a:r>
+              <a:rPr lang="en-US" dirty="0"/>
+              <a:t>Relative ordering of rates of growth</a:t>
+            </a:r>
+          </a:p>
+          <a:p>
+            <a:r>
+              <a:rPr lang="en-US" dirty="0"/>
+              <a:t>Analyzing an algorithm's cost:</a:t>
             </a:r>
           </a:p>
           <a:p>
             <a:pPr lvl="1"/>
             <a:r>
               <a:rPr lang="en-US" dirty="0"/>
-              <a:t>Linear data structures vs. tree data structures</a:t>
-            </a:r>
-          </a:p>
-          <a:p>
-            <a:pPr lvl="1"/>
-            <a:r>
-              <a:rPr lang="en-US" dirty="0"/>
-              <a:t>Searching: linear/sequential search, binary search (?), hashing</a:t>
-            </a:r>
-          </a:p>
-          <a:p>
-            <a:pPr lvl="1"/>
-            <a:r>
-              <a:rPr lang="en-US" dirty="0"/>
-              <a:t>Sorting:  quicksort, </a:t>
-            </a:r>
-            <a:r>
-              <a:rPr lang="en-US" dirty="0" err="1"/>
-              <a:t>mergesort</a:t>
-            </a:r>
-            <a:r>
-              <a:rPr lang="en-US" dirty="0"/>
-              <a:t> in CS2110 (?)</a:t>
-            </a:r>
-          </a:p>
-          <a:p>
-            <a:pPr lvl="1"/>
-            <a:r>
-              <a:rPr lang="en-US" dirty="0"/>
-              <a:t>Priority Queue ADT and Heap Implementation</a:t>
+              <a:t>sequences, loops, if/else, functions, recursion</a:t>
+            </a:r>
+          </a:p>
+          <a:p>
+            <a:r>
+              <a:rPr lang="en-US" dirty="0"/>
+              <a:t>Focus on counting one particular statement or operation; don’t count all statements</a:t>
             </a:r>
           </a:p>
         </p:txBody>
@@ -7360,7 +7388,7 @@
       </p:grpSpPr>
       <p:sp>
         <p:nvSpPr>
-          <p:cNvPr id="23554" name="Rectangle 2"/>
+          <p:cNvPr id="22530" name="Rectangle 2"/>
           <p:cNvSpPr>
             <a:spLocks noGrp="1" noChangeArrowheads="1"/>
           </p:cNvSpPr>
@@ -7379,13 +7407,13 @@
         </p:spPr>
         <p:txBody>
           <a:bodyPr>
-            <a:normAutofit fontScale="90000"/>
+            <a:normAutofit/>
           </a:bodyPr>
           <a:lstStyle/>
           <a:p>
             <a:r>
               <a:rPr lang="en-US" dirty="0"/>
-              <a:t>What you know already from all your courses</a:t>
+              <a:t>What you know already from CS2150</a:t>
             </a:r>
           </a:p>
         </p:txBody>
@@ -7416,7 +7444,7 @@
       </p:sp>
       <p:sp>
         <p:nvSpPr>
-          <p:cNvPr id="23555" name="Rectangle 3"/>
+          <p:cNvPr id="22531" name="Rectangle 3"/>
           <p:cNvSpPr>
             <a:spLocks noGrp="1" noChangeArrowheads="1"/>
           </p:cNvSpPr>
@@ -7434,14 +7462,28 @@
           <a:p>
             <a:r>
               <a:rPr lang="en-US" dirty="0"/>
-              <a:t>Examples of Algorithm design methods:</a:t>
+              <a:t>Problems and their solutions:</a:t>
             </a:r>
           </a:p>
           <a:p>
             <a:pPr lvl="1"/>
             <a:r>
               <a:rPr lang="en-US" dirty="0"/>
-              <a:t>Divide and Conquer (quicksort, </a:t>
+              <a:t>Linear data structures vs. tree data structures</a:t>
+            </a:r>
+          </a:p>
+          <a:p>
+            <a:pPr lvl="1"/>
+            <a:r>
+              <a:rPr lang="en-US" dirty="0"/>
+              <a:t>Searching: linear/sequential search, binary search (?), hashing</a:t>
+            </a:r>
+          </a:p>
+          <a:p>
+            <a:pPr lvl="1"/>
+            <a:r>
+              <a:rPr lang="en-US" dirty="0"/>
+              <a:t>Sorting:  quicksort, </a:t>
             </a:r>
             <a:r>
               <a:rPr lang="en-US" dirty="0" err="1"/>
@@ -7449,49 +7491,15 @@
             </a:r>
             <a:r>
               <a:rPr lang="en-US" dirty="0"/>
-              <a:t>)</a:t>
+              <a:t> in CS2110 (?)</a:t>
             </a:r>
           </a:p>
           <a:p>
             <a:pPr lvl="1"/>
             <a:r>
               <a:rPr lang="en-US" dirty="0"/>
-              <a:t>Greedy (though you didn’t call it this)</a:t>
-            </a:r>
-          </a:p>
-          <a:p>
-            <a:pPr lvl="1"/>
-            <a:r>
-              <a:rPr lang="en-US" dirty="0"/>
-              <a:t>Dynamic programming (</a:t>
-            </a:r>
-            <a:r>
-              <a:rPr lang="en-US" dirty="0" err="1"/>
-              <a:t>fibonacci</a:t>
-            </a:r>
-            <a:r>
-              <a:rPr lang="en-US" dirty="0"/>
-              <a:t> numbers, Floyd-</a:t>
-            </a:r>
-            <a:r>
-              <a:rPr lang="en-US" dirty="0" err="1"/>
-              <a:t>Warshall</a:t>
-            </a:r>
-            <a:r>
-              <a:rPr lang="en-US" dirty="0"/>
-              <a:t>)</a:t>
-            </a:r>
-          </a:p>
-          <a:p>
-            <a:pPr lvl="1"/>
-            <a:r>
-              <a:rPr lang="en-US" dirty="0"/>
-              <a:t>NP-complete (traveling salesperson. Have you seen this?)</a:t>
-            </a:r>
-          </a:p>
-          <a:p>
-            <a:pPr lvl="1"/>
-            <a:endParaRPr lang="en-US" dirty="0"/>
+              <a:t>Priority Queue ADT and Heap Implementation</a:t>
+            </a:r>
           </a:p>
         </p:txBody>
       </p:sp>
@@ -7522,7 +7530,7 @@
       </p:grpSpPr>
       <p:sp>
         <p:nvSpPr>
-          <p:cNvPr id="24578" name="Rectangle 2"/>
+          <p:cNvPr id="23554" name="Rectangle 2"/>
           <p:cNvSpPr>
             <a:spLocks noGrp="1" noChangeArrowheads="1"/>
           </p:cNvSpPr>
@@ -7533,7 +7541,12 @@
             </p:custDataLst>
           </p:nvPr>
         </p:nvSpPr>
-        <p:spPr/>
+        <p:spPr>
+          <a:xfrm>
+            <a:off x="457200" y="152400"/>
+            <a:ext cx="8686800" cy="990600"/>
+          </a:xfrm>
+        </p:spPr>
         <p:txBody>
           <a:bodyPr>
             <a:normAutofit fontScale="90000"/>
@@ -7541,8 +7554,8 @@
           <a:lstStyle/>
           <a:p>
             <a:r>
-              <a:rPr lang="en-US"/>
-              <a:t>What you know already from Discrete Math and Theory of Computation…</a:t>
+              <a:rPr lang="en-US" dirty="0"/>
+              <a:t>What you know already from all your courses</a:t>
             </a:r>
           </a:p>
         </p:txBody>
@@ -7573,7 +7586,7 @@
       </p:sp>
       <p:sp>
         <p:nvSpPr>
-          <p:cNvPr id="24579" name="Rectangle 3"/>
+          <p:cNvPr id="23555" name="Rectangle 3"/>
           <p:cNvSpPr>
             <a:spLocks noGrp="1" noChangeArrowheads="1"/>
           </p:cNvSpPr>
@@ -7586,89 +7599,64 @@
         </p:nvSpPr>
         <p:spPr/>
         <p:txBody>
-          <a:bodyPr>
-            <a:normAutofit fontScale="92500" lnSpcReduction="10000"/>
-          </a:bodyPr>
-          <a:lstStyle/>
-          <a:p>
-            <a:r>
-              <a:rPr lang="en-US" dirty="0"/>
-              <a:t>From CS2102:</a:t>
+          <a:bodyPr/>
+          <a:lstStyle/>
+          <a:p>
+            <a:r>
+              <a:rPr lang="en-US" dirty="0"/>
+              <a:t>Examples of Algorithm design methods:</a:t>
             </a:r>
           </a:p>
           <a:p>
             <a:pPr lvl="1"/>
             <a:r>
               <a:rPr lang="en-US" dirty="0"/>
-              <a:t>Proofs: induction, contradiction</a:t>
-            </a:r>
-          </a:p>
-          <a:p>
-            <a:pPr lvl="2"/>
-            <a:r>
-              <a:rPr lang="en-US" dirty="0"/>
-              <a:t>If you are uncomfortable with these two, review them NOW!</a:t>
+              <a:t>Divide and Conquer (quicksort, </a:t>
+            </a:r>
+            <a:r>
+              <a:rPr lang="en-US" dirty="0" err="1"/>
+              <a:t>mergesort</a:t>
+            </a:r>
+            <a:r>
+              <a:rPr lang="en-US" dirty="0"/>
+              <a:t>)</a:t>
             </a:r>
           </a:p>
           <a:p>
             <a:pPr lvl="1"/>
             <a:r>
               <a:rPr lang="en-US" dirty="0"/>
-              <a:t>Counting, probability, </a:t>
+              <a:t>Greedy (though you didn’t call it this)</a:t>
+            </a:r>
+          </a:p>
+          <a:p>
+            <a:pPr lvl="1"/>
+            <a:r>
+              <a:rPr lang="en-US" dirty="0"/>
+              <a:t>Dynamic programming (</a:t>
             </a:r>
             <a:r>
               <a:rPr lang="en-US" dirty="0" err="1"/>
-              <a:t>combinatorics</a:t>
-            </a:r>
-            <a:r>
-              <a:rPr lang="en-US" dirty="0"/>
-              <a:t>, permutations</a:t>
-            </a:r>
-          </a:p>
-          <a:p>
-            <a:endParaRPr lang="en-US" dirty="0"/>
-          </a:p>
-          <a:p>
-            <a:r>
-              <a:rPr lang="en-US" dirty="0"/>
-              <a:t>From some earlier math class:</a:t>
+              <a:t>fibonacci</a:t>
+            </a:r>
+            <a:r>
+              <a:rPr lang="en-US" dirty="0"/>
+              <a:t> numbers, Floyd-</a:t>
+            </a:r>
+            <a:r>
+              <a:rPr lang="en-US" dirty="0" err="1"/>
+              <a:t>Warshall</a:t>
+            </a:r>
+            <a:r>
+              <a:rPr lang="en-US" dirty="0"/>
+              <a:t>)</a:t>
             </a:r>
           </a:p>
           <a:p>
             <a:pPr lvl="1"/>
             <a:r>
               <a:rPr lang="en-US" dirty="0"/>
-              <a:t>Exponents, logarithms, limits, differentiation on polynomials and other simple functions</a:t>
-            </a:r>
-          </a:p>
-          <a:p>
-            <a:endParaRPr lang="en-US" dirty="0"/>
-          </a:p>
-          <a:p>
-            <a:r>
-              <a:rPr lang="en-US" dirty="0"/>
-              <a:t>From CS3102 (if you have taken it)</a:t>
-            </a:r>
-          </a:p>
-          <a:p>
-            <a:pPr lvl="1"/>
-            <a:r>
-              <a:rPr lang="en-US" dirty="0"/>
-              <a:t>Maturity in mathematics and computing theory</a:t>
-            </a:r>
-          </a:p>
-          <a:p>
-            <a:pPr lvl="1"/>
-            <a:r>
-              <a:rPr lang="en-US" dirty="0"/>
-              <a:t>Ability to do proofs</a:t>
-            </a:r>
-          </a:p>
-          <a:p>
-            <a:pPr lvl="1"/>
-            <a:r>
-              <a:rPr lang="en-US" dirty="0"/>
-              <a:t>Abstract models of computation, such as Turing machines</a:t>
+              <a:t>NP-complete (traveling salesperson. Have you seen this?)</a:t>
             </a:r>
           </a:p>
           <a:p>
@@ -7704,24 +7692,28 @@
       </p:grpSpPr>
       <p:sp>
         <p:nvSpPr>
-          <p:cNvPr id="2" name="Title 1"/>
-          <p:cNvSpPr>
-            <a:spLocks noGrp="1"/>
+          <p:cNvPr id="24578" name="Rectangle 2"/>
+          <p:cNvSpPr>
+            <a:spLocks noGrp="1" noChangeArrowheads="1"/>
           </p:cNvSpPr>
           <p:nvPr>
             <p:ph type="title"/>
+            <p:custDataLst>
+              <p:tags r:id="rId1"/>
+            </p:custDataLst>
           </p:nvPr>
         </p:nvSpPr>
         <p:spPr/>
         <p:txBody>
-          <a:bodyPr/>
+          <a:bodyPr>
+            <a:normAutofit fontScale="90000"/>
+          </a:bodyPr>
           <a:lstStyle/>
           <a:p>
             <a:r>
               <a:rPr lang="en-US"/>
-              <a:t>Questions?  Concerns?  Wrath to vent?</a:t>
-            </a:r>
-            <a:endParaRPr lang="en-US" dirty="0"/>
+              <a:t>What you know already from Discrete Math and Theory of Computation…</a:t>
+            </a:r>
           </a:p>
         </p:txBody>
       </p:sp>
@@ -7751,20 +7743,107 @@
       </p:sp>
       <p:sp>
         <p:nvSpPr>
-          <p:cNvPr id="7" name="Content Placeholder 6"/>
-          <p:cNvSpPr>
-            <a:spLocks noGrp="1"/>
+          <p:cNvPr id="24579" name="Rectangle 3"/>
+          <p:cNvSpPr>
+            <a:spLocks noGrp="1" noChangeArrowheads="1"/>
           </p:cNvSpPr>
           <p:nvPr>
             <p:ph sz="quarter" idx="1"/>
+            <p:custDataLst>
+              <p:tags r:id="rId2"/>
+            </p:custDataLst>
           </p:nvPr>
         </p:nvSpPr>
         <p:spPr/>
         <p:txBody>
-          <a:bodyPr/>
-          <a:lstStyle/>
-          <a:p>
-            <a:endParaRPr lang="en-US"/>
+          <a:bodyPr>
+            <a:normAutofit fontScale="92500" lnSpcReduction="10000"/>
+          </a:bodyPr>
+          <a:lstStyle/>
+          <a:p>
+            <a:r>
+              <a:rPr lang="en-US" dirty="0"/>
+              <a:t>From CS2102:</a:t>
+            </a:r>
+          </a:p>
+          <a:p>
+            <a:pPr lvl="1"/>
+            <a:r>
+              <a:rPr lang="en-US" dirty="0"/>
+              <a:t>Proofs: induction, contradiction</a:t>
+            </a:r>
+          </a:p>
+          <a:p>
+            <a:pPr lvl="2"/>
+            <a:r>
+              <a:rPr lang="en-US" dirty="0"/>
+              <a:t>If you are uncomfortable with these two, review them NOW!</a:t>
+            </a:r>
+          </a:p>
+          <a:p>
+            <a:pPr lvl="1"/>
+            <a:r>
+              <a:rPr lang="en-US" dirty="0"/>
+              <a:t>Counting, probability, </a:t>
+            </a:r>
+            <a:r>
+              <a:rPr lang="en-US" dirty="0" err="1"/>
+              <a:t>combinatorics</a:t>
+            </a:r>
+            <a:r>
+              <a:rPr lang="en-US" dirty="0"/>
+              <a:t>, permutations</a:t>
+            </a:r>
+          </a:p>
+          <a:p>
+            <a:endParaRPr lang="en-US" dirty="0"/>
+          </a:p>
+          <a:p>
+            <a:r>
+              <a:rPr lang="en-US" dirty="0"/>
+              <a:t>From some earlier math class:</a:t>
+            </a:r>
+          </a:p>
+          <a:p>
+            <a:pPr lvl="1"/>
+            <a:r>
+              <a:rPr lang="en-US" dirty="0"/>
+              <a:t>Exponents, logarithms, limits, differentiation on polynomials and other simple functions</a:t>
+            </a:r>
+          </a:p>
+          <a:p>
+            <a:endParaRPr lang="en-US" dirty="0"/>
+          </a:p>
+          <a:p>
+            <a:r>
+              <a:rPr lang="en-US" dirty="0"/>
+              <a:t>From CS3102 (if you have taken it)</a:t>
+            </a:r>
+          </a:p>
+          <a:p>
+            <a:pPr lvl="1"/>
+            <a:r>
+              <a:rPr lang="en-US" dirty="0"/>
+              <a:t>Maturity in mathematics and computing theory</a:t>
+            </a:r>
+          </a:p>
+          <a:p>
+            <a:pPr lvl="1"/>
+            <a:r>
+              <a:rPr lang="en-US" dirty="0"/>
+              <a:t>Ability to do proofs</a:t>
+            </a:r>
+          </a:p>
+          <a:p>
+            <a:pPr lvl="1"/>
+            <a:r>
+              <a:rPr lang="en-US" dirty="0"/>
+              <a:t>Abstract models of computation, such as Turing machines</a:t>
+            </a:r>
+          </a:p>
+          <a:p>
+            <a:pPr lvl="1"/>
+            <a:endParaRPr lang="en-US" dirty="0"/>
           </a:p>
         </p:txBody>
       </p:sp>
@@ -7795,7 +7874,7 @@
       </p:grpSpPr>
       <p:sp>
         <p:nvSpPr>
-          <p:cNvPr id="5" name="Title 4"/>
+          <p:cNvPr id="2" name="Title 1"/>
           <p:cNvSpPr>
             <a:spLocks noGrp="1"/>
           </p:cNvSpPr>
@@ -7809,34 +7888,16 @@
           <a:lstStyle/>
           <a:p>
             <a:r>
-              <a:rPr lang="en-US" dirty="0"/>
-              <a:t>A first algorithm: making change</a:t>
-            </a:r>
-          </a:p>
-        </p:txBody>
-      </p:sp>
-      <p:sp>
-        <p:nvSpPr>
-          <p:cNvPr id="6" name="Text Placeholder 5"/>
-          <p:cNvSpPr>
-            <a:spLocks noGrp="1"/>
-          </p:cNvSpPr>
-          <p:nvPr>
-            <p:ph type="body" idx="1"/>
-          </p:nvPr>
-        </p:nvSpPr>
-        <p:spPr/>
-        <p:txBody>
-          <a:bodyPr/>
-          <a:lstStyle/>
-          <a:p>
-            <a:endParaRPr lang="en-US"/>
-          </a:p>
-        </p:txBody>
-      </p:sp>
-      <p:sp>
-        <p:nvSpPr>
-          <p:cNvPr id="3" name="Slide Number Placeholder 2"/>
+              <a:rPr lang="en-US"/>
+              <a:t>Questions?  Concerns?  Wrath to vent?</a:t>
+            </a:r>
+            <a:endParaRPr lang="en-US" dirty="0"/>
+          </a:p>
+        </p:txBody>
+      </p:sp>
+      <p:sp>
+        <p:nvSpPr>
+          <p:cNvPr id="4" name="Slide Number Placeholder 3"/>
           <p:cNvSpPr>
             <a:spLocks noGrp="1"/>
           </p:cNvSpPr>
@@ -7854,6 +7915,25 @@
               <a:pPr/>
               <a:t>25</a:t>
             </a:fld>
+            <a:endParaRPr lang="en-US"/>
+          </a:p>
+        </p:txBody>
+      </p:sp>
+      <p:sp>
+        <p:nvSpPr>
+          <p:cNvPr id="7" name="Content Placeholder 6"/>
+          <p:cNvSpPr>
+            <a:spLocks noGrp="1"/>
+          </p:cNvSpPr>
+          <p:nvPr>
+            <p:ph sz="quarter" idx="1"/>
+          </p:nvPr>
+        </p:nvSpPr>
+        <p:spPr/>
+        <p:txBody>
+          <a:bodyPr/>
+          <a:lstStyle/>
+          <a:p>
             <a:endParaRPr lang="en-US"/>
           </a:p>
         </p:txBody>
@@ -7885,15 +7965,12 @@
       </p:grpSpPr>
       <p:sp>
         <p:nvSpPr>
-          <p:cNvPr id="30722" name="Rectangle 2"/>
-          <p:cNvSpPr>
-            <a:spLocks noGrp="1" noChangeArrowheads="1"/>
+          <p:cNvPr id="5" name="Title 4"/>
+          <p:cNvSpPr>
+            <a:spLocks noGrp="1"/>
           </p:cNvSpPr>
           <p:nvPr>
             <p:ph type="title"/>
-            <p:custDataLst>
-              <p:tags r:id="rId1"/>
-            </p:custDataLst>
           </p:nvPr>
         </p:nvSpPr>
         <p:spPr/>
@@ -7902,15 +7979,34 @@
           <a:lstStyle/>
           <a:p>
             <a:r>
-              <a:rPr lang="en-US"/>
-              <a:t>OK… But What’s It Really All About?</a:t>
-            </a:r>
-          </a:p>
-        </p:txBody>
-      </p:sp>
-      <p:sp>
-        <p:nvSpPr>
-          <p:cNvPr id="4" name="Slide Number Placeholder 3"/>
+              <a:rPr lang="en-US" dirty="0"/>
+              <a:t>A first algorithm: making change</a:t>
+            </a:r>
+          </a:p>
+        </p:txBody>
+      </p:sp>
+      <p:sp>
+        <p:nvSpPr>
+          <p:cNvPr id="6" name="Text Placeholder 5"/>
+          <p:cNvSpPr>
+            <a:spLocks noGrp="1"/>
+          </p:cNvSpPr>
+          <p:nvPr>
+            <p:ph type="body" idx="1"/>
+          </p:nvPr>
+        </p:nvSpPr>
+        <p:spPr/>
+        <p:txBody>
+          <a:bodyPr/>
+          <a:lstStyle/>
+          <a:p>
+            <a:endParaRPr lang="en-US"/>
+          </a:p>
+        </p:txBody>
+      </p:sp>
+      <p:sp>
+        <p:nvSpPr>
+          <p:cNvPr id="3" name="Slide Number Placeholder 2"/>
           <p:cNvSpPr>
             <a:spLocks noGrp="1"/>
           </p:cNvSpPr>
@@ -7929,93 +8025,6 @@
               <a:t>26</a:t>
             </a:fld>
             <a:endParaRPr lang="en-US"/>
-          </a:p>
-        </p:txBody>
-      </p:sp>
-      <p:sp>
-        <p:nvSpPr>
-          <p:cNvPr id="30723" name="Rectangle 3"/>
-          <p:cNvSpPr>
-            <a:spLocks noGrp="1" noChangeArrowheads="1"/>
-          </p:cNvSpPr>
-          <p:nvPr>
-            <p:ph sz="quarter" idx="1"/>
-            <p:custDataLst>
-              <p:tags r:id="rId2"/>
-            </p:custDataLst>
-          </p:nvPr>
-        </p:nvSpPr>
-        <p:spPr/>
-        <p:txBody>
-          <a:bodyPr/>
-          <a:lstStyle/>
-          <a:p>
-            <a:r>
-              <a:rPr lang="en-US"/>
-              <a:t>Let’s illustrate some ideas you’ll see throughout the course</a:t>
-            </a:r>
-          </a:p>
-          <a:p>
-            <a:pPr lvl="1"/>
-            <a:r>
-              <a:rPr lang="en-US"/>
-              <a:t>Using one example</a:t>
-            </a:r>
-          </a:p>
-          <a:p>
-            <a:r>
-              <a:rPr lang="en-US"/>
-              <a:t>Concepts:</a:t>
-            </a:r>
-          </a:p>
-          <a:p>
-            <a:pPr lvl="1"/>
-            <a:r>
-              <a:rPr lang="en-US"/>
-              <a:t>Describing an algorithm</a:t>
-            </a:r>
-          </a:p>
-          <a:p>
-            <a:pPr lvl="1"/>
-            <a:r>
-              <a:rPr lang="en-US"/>
-              <a:t>Measuring algorithm efficiency</a:t>
-            </a:r>
-          </a:p>
-          <a:p>
-            <a:pPr lvl="1"/>
-            <a:r>
-              <a:rPr lang="en-US"/>
-              <a:t>Families or types of problems</a:t>
-            </a:r>
-          </a:p>
-          <a:p>
-            <a:pPr lvl="1"/>
-            <a:r>
-              <a:rPr lang="en-US"/>
-              <a:t>Algorithm design strategies</a:t>
-            </a:r>
-          </a:p>
-          <a:p>
-            <a:pPr lvl="2"/>
-            <a:r>
-              <a:rPr lang="en-US"/>
-              <a:t>Alternative strategies</a:t>
-            </a:r>
-          </a:p>
-          <a:p>
-            <a:pPr lvl="1"/>
-            <a:r>
-              <a:rPr lang="en-US"/>
-              <a:t>Lower bounds and optimal algorithms</a:t>
-            </a:r>
-          </a:p>
-          <a:p>
-            <a:pPr lvl="1"/>
-            <a:r>
-              <a:rPr lang="en-US"/>
-              <a:t>Problems that seem very hard</a:t>
-            </a:r>
           </a:p>
         </p:txBody>
       </p:sp>
@@ -8028,6 +8037,167 @@
 </file>
 
 <file path=ppt/slides/slide27.xml><?xml version="1.0" encoding="utf-8"?>
+<p:sld xmlns:a="http://schemas.openxmlformats.org/drawingml/2006/main" xmlns:r="http://schemas.openxmlformats.org/officeDocument/2006/relationships" xmlns:p="http://schemas.openxmlformats.org/presentationml/2006/main">
+  <p:cSld>
+    <p:spTree>
+      <p:nvGrpSpPr>
+        <p:cNvPr id="1" name=""/>
+        <p:cNvGrpSpPr/>
+        <p:nvPr/>
+      </p:nvGrpSpPr>
+      <p:grpSpPr>
+        <a:xfrm>
+          <a:off x="0" y="0"/>
+          <a:ext cx="0" cy="0"/>
+          <a:chOff x="0" y="0"/>
+          <a:chExt cx="0" cy="0"/>
+        </a:xfrm>
+      </p:grpSpPr>
+      <p:sp>
+        <p:nvSpPr>
+          <p:cNvPr id="30722" name="Rectangle 2"/>
+          <p:cNvSpPr>
+            <a:spLocks noGrp="1" noChangeArrowheads="1"/>
+          </p:cNvSpPr>
+          <p:nvPr>
+            <p:ph type="title"/>
+            <p:custDataLst>
+              <p:tags r:id="rId1"/>
+            </p:custDataLst>
+          </p:nvPr>
+        </p:nvSpPr>
+        <p:spPr/>
+        <p:txBody>
+          <a:bodyPr/>
+          <a:lstStyle/>
+          <a:p>
+            <a:r>
+              <a:rPr lang="en-US"/>
+              <a:t>OK… But What’s It Really All About?</a:t>
+            </a:r>
+          </a:p>
+        </p:txBody>
+      </p:sp>
+      <p:sp>
+        <p:nvSpPr>
+          <p:cNvPr id="4" name="Slide Number Placeholder 3"/>
+          <p:cNvSpPr>
+            <a:spLocks noGrp="1"/>
+          </p:cNvSpPr>
+          <p:nvPr>
+            <p:ph type="sldNum" sz="quarter" idx="12"/>
+          </p:nvPr>
+        </p:nvSpPr>
+        <p:spPr/>
+        <p:txBody>
+          <a:bodyPr/>
+          <a:lstStyle/>
+          <a:p>
+            <a:fld id="{F26D9103-0C5C-48AC-B68E-3ED2C1647047}" type="slidenum">
+              <a:rPr lang="en-US" smtClean="0"/>
+              <a:pPr/>
+              <a:t>27</a:t>
+            </a:fld>
+            <a:endParaRPr lang="en-US"/>
+          </a:p>
+        </p:txBody>
+      </p:sp>
+      <p:sp>
+        <p:nvSpPr>
+          <p:cNvPr id="30723" name="Rectangle 3"/>
+          <p:cNvSpPr>
+            <a:spLocks noGrp="1" noChangeArrowheads="1"/>
+          </p:cNvSpPr>
+          <p:nvPr>
+            <p:ph sz="quarter" idx="1"/>
+            <p:custDataLst>
+              <p:tags r:id="rId2"/>
+            </p:custDataLst>
+          </p:nvPr>
+        </p:nvSpPr>
+        <p:spPr/>
+        <p:txBody>
+          <a:bodyPr/>
+          <a:lstStyle/>
+          <a:p>
+            <a:r>
+              <a:rPr lang="en-US"/>
+              <a:t>Let’s illustrate some ideas you’ll see throughout the course</a:t>
+            </a:r>
+          </a:p>
+          <a:p>
+            <a:pPr lvl="1"/>
+            <a:r>
+              <a:rPr lang="en-US"/>
+              <a:t>Using one example</a:t>
+            </a:r>
+          </a:p>
+          <a:p>
+            <a:r>
+              <a:rPr lang="en-US"/>
+              <a:t>Concepts:</a:t>
+            </a:r>
+          </a:p>
+          <a:p>
+            <a:pPr lvl="1"/>
+            <a:r>
+              <a:rPr lang="en-US"/>
+              <a:t>Describing an algorithm</a:t>
+            </a:r>
+          </a:p>
+          <a:p>
+            <a:pPr lvl="1"/>
+            <a:r>
+              <a:rPr lang="en-US"/>
+              <a:t>Measuring algorithm efficiency</a:t>
+            </a:r>
+          </a:p>
+          <a:p>
+            <a:pPr lvl="1"/>
+            <a:r>
+              <a:rPr lang="en-US"/>
+              <a:t>Families or types of problems</a:t>
+            </a:r>
+          </a:p>
+          <a:p>
+            <a:pPr lvl="1"/>
+            <a:r>
+              <a:rPr lang="en-US"/>
+              <a:t>Algorithm design strategies</a:t>
+            </a:r>
+          </a:p>
+          <a:p>
+            <a:pPr lvl="2"/>
+            <a:r>
+              <a:rPr lang="en-US"/>
+              <a:t>Alternative strategies</a:t>
+            </a:r>
+          </a:p>
+          <a:p>
+            <a:pPr lvl="1"/>
+            <a:r>
+              <a:rPr lang="en-US"/>
+              <a:t>Lower bounds and optimal algorithms</a:t>
+            </a:r>
+          </a:p>
+          <a:p>
+            <a:pPr lvl="1"/>
+            <a:r>
+              <a:rPr lang="en-US"/>
+              <a:t>Problems that seem very hard</a:t>
+            </a:r>
+          </a:p>
+        </p:txBody>
+      </p:sp>
+    </p:spTree>
+  </p:cSld>
+  <p:clrMapOvr>
+    <a:masterClrMapping/>
+  </p:clrMapOvr>
+</p:sld>
+</file>
+
+<file path=ppt/slides/slide28.xml><?xml version="1.0" encoding="utf-8"?>
 <p:sld xmlns:a="http://schemas.openxmlformats.org/drawingml/2006/main" xmlns:r="http://schemas.openxmlformats.org/officeDocument/2006/relationships" xmlns:p="http://schemas.openxmlformats.org/presentationml/2006/main" showMasterPhAnim="0">
   <p:cSld>
     <p:spTree>
@@ -8089,7 +8259,7 @@
             <a:fld id="{F26D9103-0C5C-48AC-B68E-3ED2C1647047}" type="slidenum">
               <a:rPr lang="en-US" smtClean="0"/>
               <a:pPr/>
-              <a:t>27</a:t>
+              <a:t>28</a:t>
             </a:fld>
             <a:endParaRPr lang="en-US"/>
           </a:p>
@@ -8155,7 +8325,7 @@
 </p:sld>
 </file>
 
-<file path=ppt/slides/slide28.xml><?xml version="1.0" encoding="utf-8"?>
+<file path=ppt/slides/slide29.xml><?xml version="1.0" encoding="utf-8"?>
 <p:sld xmlns:a="http://schemas.openxmlformats.org/drawingml/2006/main" xmlns:r="http://schemas.openxmlformats.org/officeDocument/2006/relationships" xmlns:p="http://schemas.openxmlformats.org/presentationml/2006/main">
   <p:cSld>
     <p:spTree>
@@ -8215,7 +8385,7 @@
             <a:fld id="{F26D9103-0C5C-48AC-B68E-3ED2C1647047}" type="slidenum">
               <a:rPr lang="en-US" smtClean="0"/>
               <a:pPr/>
-              <a:t>28</a:t>
+              <a:t>29</a:t>
             </a:fld>
             <a:endParaRPr lang="en-US"/>
           </a:p>
@@ -8306,159 +8476,6 @@
             <a:r>
               <a:rPr lang="en-US"/>
               <a:t>Can you describe the algorithm you use?</a:t>
-            </a:r>
-          </a:p>
-        </p:txBody>
-      </p:sp>
-    </p:spTree>
-  </p:cSld>
-  <p:clrMapOvr>
-    <a:masterClrMapping/>
-  </p:clrMapOvr>
-</p:sld>
-</file>
-
-<file path=ppt/slides/slide29.xml><?xml version="1.0" encoding="utf-8"?>
-<p:sld xmlns:a="http://schemas.openxmlformats.org/drawingml/2006/main" xmlns:r="http://schemas.openxmlformats.org/officeDocument/2006/relationships" xmlns:p="http://schemas.openxmlformats.org/presentationml/2006/main" showMasterPhAnim="0">
-  <p:cSld>
-    <p:spTree>
-      <p:nvGrpSpPr>
-        <p:cNvPr id="1" name=""/>
-        <p:cNvGrpSpPr/>
-        <p:nvPr/>
-      </p:nvGrpSpPr>
-      <p:grpSpPr>
-        <a:xfrm>
-          <a:off x="0" y="0"/>
-          <a:ext cx="0" cy="0"/>
-          <a:chOff x="0" y="0"/>
-          <a:chExt cx="0" cy="0"/>
-        </a:xfrm>
-      </p:grpSpPr>
-      <p:sp>
-        <p:nvSpPr>
-          <p:cNvPr id="33794" name="Rectangle 2"/>
-          <p:cNvSpPr>
-            <a:spLocks noGrp="1" noChangeArrowheads="1"/>
-          </p:cNvSpPr>
-          <p:nvPr>
-            <p:ph type="title"/>
-            <p:custDataLst>
-              <p:tags r:id="rId1"/>
-            </p:custDataLst>
-          </p:nvPr>
-        </p:nvSpPr>
-        <p:spPr/>
-        <p:txBody>
-          <a:bodyPr/>
-          <a:lstStyle/>
-          <a:p>
-            <a:r>
-              <a:rPr lang="en-US"/>
-              <a:t>A Change Algorithm</a:t>
-            </a:r>
-          </a:p>
-        </p:txBody>
-      </p:sp>
-      <p:sp>
-        <p:nvSpPr>
-          <p:cNvPr id="4" name="Slide Number Placeholder 3"/>
-          <p:cNvSpPr>
-            <a:spLocks noGrp="1"/>
-          </p:cNvSpPr>
-          <p:nvPr>
-            <p:ph type="sldNum" sz="quarter" idx="12"/>
-          </p:nvPr>
-        </p:nvSpPr>
-        <p:spPr/>
-        <p:txBody>
-          <a:bodyPr/>
-          <a:lstStyle/>
-          <a:p>
-            <a:fld id="{F26D9103-0C5C-48AC-B68E-3ED2C1647047}" type="slidenum">
-              <a:rPr lang="en-US" smtClean="0"/>
-              <a:pPr/>
-              <a:t>29</a:t>
-            </a:fld>
-            <a:endParaRPr lang="en-US"/>
-          </a:p>
-        </p:txBody>
-      </p:sp>
-      <p:sp>
-        <p:nvSpPr>
-          <p:cNvPr id="318467" name="Rectangle 3"/>
-          <p:cNvSpPr>
-            <a:spLocks noGrp="1" noChangeArrowheads="1"/>
-          </p:cNvSpPr>
-          <p:nvPr>
-            <p:ph sz="quarter" idx="1"/>
-            <p:custDataLst>
-              <p:tags r:id="rId2"/>
-            </p:custDataLst>
-          </p:nvPr>
-        </p:nvSpPr>
-        <p:spPr/>
-        <p:txBody>
-          <a:bodyPr/>
-          <a:lstStyle/>
-          <a:p>
-            <a:pPr marL="514350" indent="-514350">
-              <a:buFont typeface="+mj-lt"/>
-              <a:buAutoNum type="arabicPeriod"/>
-            </a:pPr>
-            <a:r>
-              <a:rPr lang="en-US" dirty="0"/>
-              <a:t>Consider the largest coin</a:t>
-            </a:r>
-          </a:p>
-          <a:p>
-            <a:pPr marL="514350" indent="-514350">
-              <a:buFont typeface="+mj-lt"/>
-              <a:buAutoNum type="arabicPeriod"/>
-            </a:pPr>
-            <a:r>
-              <a:rPr lang="en-US" dirty="0"/>
-              <a:t>How many go into the amount left?</a:t>
-            </a:r>
-          </a:p>
-          <a:p>
-            <a:pPr marL="514350" indent="-514350">
-              <a:buFont typeface="+mj-lt"/>
-              <a:buAutoNum type="arabicPeriod"/>
-            </a:pPr>
-            <a:r>
-              <a:rPr lang="en-US" dirty="0"/>
-              <a:t>Add that many of that coin to the output</a:t>
-            </a:r>
-          </a:p>
-          <a:p>
-            <a:pPr marL="514350" indent="-514350">
-              <a:buFont typeface="+mj-lt"/>
-              <a:buAutoNum type="arabicPeriod"/>
-            </a:pPr>
-            <a:r>
-              <a:rPr lang="en-US" dirty="0"/>
-              <a:t>Subtract the amount for those coins from the amount left to return</a:t>
-            </a:r>
-          </a:p>
-          <a:p>
-            <a:pPr marL="514350" indent="-514350">
-              <a:buFont typeface="+mj-lt"/>
-              <a:buAutoNum type="arabicPeriod"/>
-            </a:pPr>
-            <a:r>
-              <a:rPr lang="en-US" dirty="0"/>
-              <a:t>If the amount left is zero, done!</a:t>
-            </a:r>
-          </a:p>
-          <a:p>
-            <a:pPr marL="514350" indent="-514350">
-              <a:buFont typeface="+mj-lt"/>
-              <a:buAutoNum type="arabicPeriod"/>
-            </a:pPr>
-            <a:r>
-              <a:rPr lang="en-US" dirty="0"/>
-              <a:t>If not, consider next largest coin, and go back to Step 2</a:t>
             </a:r>
           </a:p>
         </p:txBody>
@@ -8668,6 +8685,159 @@
 </file>
 
 <file path=ppt/slides/slide30.xml><?xml version="1.0" encoding="utf-8"?>
+<p:sld xmlns:a="http://schemas.openxmlformats.org/drawingml/2006/main" xmlns:r="http://schemas.openxmlformats.org/officeDocument/2006/relationships" xmlns:p="http://schemas.openxmlformats.org/presentationml/2006/main" showMasterPhAnim="0">
+  <p:cSld>
+    <p:spTree>
+      <p:nvGrpSpPr>
+        <p:cNvPr id="1" name=""/>
+        <p:cNvGrpSpPr/>
+        <p:nvPr/>
+      </p:nvGrpSpPr>
+      <p:grpSpPr>
+        <a:xfrm>
+          <a:off x="0" y="0"/>
+          <a:ext cx="0" cy="0"/>
+          <a:chOff x="0" y="0"/>
+          <a:chExt cx="0" cy="0"/>
+        </a:xfrm>
+      </p:grpSpPr>
+      <p:sp>
+        <p:nvSpPr>
+          <p:cNvPr id="33794" name="Rectangle 2"/>
+          <p:cNvSpPr>
+            <a:spLocks noGrp="1" noChangeArrowheads="1"/>
+          </p:cNvSpPr>
+          <p:nvPr>
+            <p:ph type="title"/>
+            <p:custDataLst>
+              <p:tags r:id="rId1"/>
+            </p:custDataLst>
+          </p:nvPr>
+        </p:nvSpPr>
+        <p:spPr/>
+        <p:txBody>
+          <a:bodyPr/>
+          <a:lstStyle/>
+          <a:p>
+            <a:r>
+              <a:rPr lang="en-US"/>
+              <a:t>A Change Algorithm</a:t>
+            </a:r>
+          </a:p>
+        </p:txBody>
+      </p:sp>
+      <p:sp>
+        <p:nvSpPr>
+          <p:cNvPr id="4" name="Slide Number Placeholder 3"/>
+          <p:cNvSpPr>
+            <a:spLocks noGrp="1"/>
+          </p:cNvSpPr>
+          <p:nvPr>
+            <p:ph type="sldNum" sz="quarter" idx="12"/>
+          </p:nvPr>
+        </p:nvSpPr>
+        <p:spPr/>
+        <p:txBody>
+          <a:bodyPr/>
+          <a:lstStyle/>
+          <a:p>
+            <a:fld id="{F26D9103-0C5C-48AC-B68E-3ED2C1647047}" type="slidenum">
+              <a:rPr lang="en-US" smtClean="0"/>
+              <a:pPr/>
+              <a:t>30</a:t>
+            </a:fld>
+            <a:endParaRPr lang="en-US"/>
+          </a:p>
+        </p:txBody>
+      </p:sp>
+      <p:sp>
+        <p:nvSpPr>
+          <p:cNvPr id="318467" name="Rectangle 3"/>
+          <p:cNvSpPr>
+            <a:spLocks noGrp="1" noChangeArrowheads="1"/>
+          </p:cNvSpPr>
+          <p:nvPr>
+            <p:ph sz="quarter" idx="1"/>
+            <p:custDataLst>
+              <p:tags r:id="rId2"/>
+            </p:custDataLst>
+          </p:nvPr>
+        </p:nvSpPr>
+        <p:spPr/>
+        <p:txBody>
+          <a:bodyPr/>
+          <a:lstStyle/>
+          <a:p>
+            <a:pPr marL="514350" indent="-514350">
+              <a:buFont typeface="+mj-lt"/>
+              <a:buAutoNum type="arabicPeriod"/>
+            </a:pPr>
+            <a:r>
+              <a:rPr lang="en-US" dirty="0"/>
+              <a:t>Consider the largest coin</a:t>
+            </a:r>
+          </a:p>
+          <a:p>
+            <a:pPr marL="514350" indent="-514350">
+              <a:buFont typeface="+mj-lt"/>
+              <a:buAutoNum type="arabicPeriod"/>
+            </a:pPr>
+            <a:r>
+              <a:rPr lang="en-US" dirty="0"/>
+              <a:t>How many go into the amount left?</a:t>
+            </a:r>
+          </a:p>
+          <a:p>
+            <a:pPr marL="514350" indent="-514350">
+              <a:buFont typeface="+mj-lt"/>
+              <a:buAutoNum type="arabicPeriod"/>
+            </a:pPr>
+            <a:r>
+              <a:rPr lang="en-US" dirty="0"/>
+              <a:t>Add that many of that coin to the output</a:t>
+            </a:r>
+          </a:p>
+          <a:p>
+            <a:pPr marL="514350" indent="-514350">
+              <a:buFont typeface="+mj-lt"/>
+              <a:buAutoNum type="arabicPeriod"/>
+            </a:pPr>
+            <a:r>
+              <a:rPr lang="en-US" dirty="0"/>
+              <a:t>Subtract the amount for those coins from the amount left to return</a:t>
+            </a:r>
+          </a:p>
+          <a:p>
+            <a:pPr marL="514350" indent="-514350">
+              <a:buFont typeface="+mj-lt"/>
+              <a:buAutoNum type="arabicPeriod"/>
+            </a:pPr>
+            <a:r>
+              <a:rPr lang="en-US" dirty="0"/>
+              <a:t>If the amount left is zero, done!</a:t>
+            </a:r>
+          </a:p>
+          <a:p>
+            <a:pPr marL="514350" indent="-514350">
+              <a:buFont typeface="+mj-lt"/>
+              <a:buAutoNum type="arabicPeriod"/>
+            </a:pPr>
+            <a:r>
+              <a:rPr lang="en-US" dirty="0"/>
+              <a:t>If not, consider next largest coin, and go back to Step 2</a:t>
+            </a:r>
+          </a:p>
+        </p:txBody>
+      </p:sp>
+    </p:spTree>
+  </p:cSld>
+  <p:clrMapOvr>
+    <a:masterClrMapping/>
+  </p:clrMapOvr>
+</p:sld>
+</file>
+
+<file path=ppt/slides/slide31.xml><?xml version="1.0" encoding="utf-8"?>
 <p:sld xmlns:a="http://schemas.openxmlformats.org/drawingml/2006/main" xmlns:r="http://schemas.openxmlformats.org/officeDocument/2006/relationships" xmlns:p="http://schemas.openxmlformats.org/presentationml/2006/main">
   <p:cSld>
     <p:spTree>
@@ -8724,7 +8894,7 @@
             <a:fld id="{F26D9103-0C5C-48AC-B68E-3ED2C1647047}" type="slidenum">
               <a:rPr lang="en-US" smtClean="0"/>
               <a:pPr/>
-              <a:t>30</a:t>
+              <a:t>31</a:t>
             </a:fld>
             <a:endParaRPr lang="en-US"/>
           </a:p>
@@ -8996,7 +9166,7 @@
 </p:sld>
 </file>
 
-<file path=ppt/slides/slide31.xml><?xml version="1.0" encoding="utf-8"?>
+<file path=ppt/slides/slide32.xml><?xml version="1.0" encoding="utf-8"?>
 <p:sld xmlns:a="http://schemas.openxmlformats.org/drawingml/2006/main" xmlns:r="http://schemas.openxmlformats.org/officeDocument/2006/relationships" xmlns:p="http://schemas.openxmlformats.org/presentationml/2006/main">
   <p:cSld>
     <p:spTree>
@@ -9053,7 +9223,7 @@
             <a:fld id="{F26D9103-0C5C-48AC-B68E-3ED2C1647047}" type="slidenum">
               <a:rPr lang="en-US" smtClean="0"/>
               <a:pPr/>
-              <a:t>31</a:t>
+              <a:t>32</a:t>
             </a:fld>
             <a:endParaRPr lang="en-US"/>
           </a:p>
@@ -9303,165 +9473,6 @@
 </p:sld>
 </file>
 
-<file path=ppt/slides/slide32.xml><?xml version="1.0" encoding="utf-8"?>
-<p:sld xmlns:a="http://schemas.openxmlformats.org/drawingml/2006/main" xmlns:r="http://schemas.openxmlformats.org/officeDocument/2006/relationships" xmlns:p="http://schemas.openxmlformats.org/presentationml/2006/main">
-  <p:cSld>
-    <p:spTree>
-      <p:nvGrpSpPr>
-        <p:cNvPr id="1" name=""/>
-        <p:cNvGrpSpPr/>
-        <p:nvPr/>
-      </p:nvGrpSpPr>
-      <p:grpSpPr>
-        <a:xfrm>
-          <a:off x="0" y="0"/>
-          <a:ext cx="0" cy="0"/>
-          <a:chOff x="0" y="0"/>
-          <a:chExt cx="0" cy="0"/>
-        </a:xfrm>
-      </p:grpSpPr>
-      <p:sp>
-        <p:nvSpPr>
-          <p:cNvPr id="36866" name="Rectangle 2"/>
-          <p:cNvSpPr>
-            <a:spLocks noGrp="1" noChangeArrowheads="1"/>
-          </p:cNvSpPr>
-          <p:nvPr>
-            <p:ph type="title"/>
-            <p:custDataLst>
-              <p:tags r:id="rId1"/>
-            </p:custDataLst>
-          </p:nvPr>
-        </p:nvSpPr>
-        <p:spPr/>
-        <p:txBody>
-          <a:bodyPr/>
-          <a:lstStyle/>
-          <a:p>
-            <a:r>
-              <a:rPr lang="en-US"/>
-              <a:t>You’re Being Greedy!</a:t>
-            </a:r>
-          </a:p>
-        </p:txBody>
-      </p:sp>
-      <p:sp>
-        <p:nvSpPr>
-          <p:cNvPr id="4" name="Slide Number Placeholder 3"/>
-          <p:cNvSpPr>
-            <a:spLocks noGrp="1"/>
-          </p:cNvSpPr>
-          <p:nvPr>
-            <p:ph type="sldNum" sz="quarter" idx="12"/>
-          </p:nvPr>
-        </p:nvSpPr>
-        <p:spPr/>
-        <p:txBody>
-          <a:bodyPr/>
-          <a:lstStyle/>
-          <a:p>
-            <a:fld id="{F26D9103-0C5C-48AC-B68E-3ED2C1647047}" type="slidenum">
-              <a:rPr lang="en-US" smtClean="0"/>
-              <a:pPr/>
-              <a:t>32</a:t>
-            </a:fld>
-            <a:endParaRPr lang="en-US"/>
-          </a:p>
-        </p:txBody>
-      </p:sp>
-      <p:sp>
-        <p:nvSpPr>
-          <p:cNvPr id="36867" name="Rectangle 3"/>
-          <p:cNvSpPr>
-            <a:spLocks noGrp="1" noChangeArrowheads="1"/>
-          </p:cNvSpPr>
-          <p:nvPr>
-            <p:ph sz="quarter" idx="1"/>
-            <p:custDataLst>
-              <p:tags r:id="rId2"/>
-            </p:custDataLst>
-          </p:nvPr>
-        </p:nvSpPr>
-        <p:spPr/>
-        <p:txBody>
-          <a:bodyPr>
-            <a:normAutofit fontScale="92500"/>
-          </a:bodyPr>
-          <a:lstStyle/>
-          <a:p>
-            <a:r>
-              <a:rPr lang="en-US" dirty="0"/>
-              <a:t>This algorithm is an example of a family of algorithms called </a:t>
-            </a:r>
-            <a:r>
-              <a:rPr lang="en-US" i="1" dirty="0"/>
-              <a:t>greedy algorithms</a:t>
-            </a:r>
-          </a:p>
-          <a:p>
-            <a:r>
-              <a:rPr lang="en-US" dirty="0"/>
-              <a:t>Suitable for optimization problems</a:t>
-            </a:r>
-          </a:p>
-          <a:p>
-            <a:pPr lvl="1"/>
-            <a:r>
-              <a:rPr lang="en-US" dirty="0"/>
-              <a:t>There are many </a:t>
-            </a:r>
-            <a:r>
-              <a:rPr lang="en-US" i="1" dirty="0"/>
-              <a:t>feasible answers </a:t>
-            </a:r>
-            <a:r>
-              <a:rPr lang="en-US" dirty="0"/>
-              <a:t>that add up to the right amount, but one is optimal or best (fewest coins)</a:t>
-            </a:r>
-          </a:p>
-          <a:p>
-            <a:r>
-              <a:rPr lang="en-US" dirty="0"/>
-              <a:t>Immediately greedy: at each step, choose what looks best now.  No “look-ahead” into the future!</a:t>
-            </a:r>
-          </a:p>
-          <a:p>
-            <a:endParaRPr lang="en-US" dirty="0"/>
-          </a:p>
-          <a:p>
-            <a:r>
-              <a:rPr lang="en-US" dirty="0"/>
-              <a:t>What’s an optimization problem?</a:t>
-            </a:r>
-          </a:p>
-          <a:p>
-            <a:pPr lvl="1"/>
-            <a:r>
-              <a:rPr lang="en-US" dirty="0"/>
-              <a:t>Some subset or combination of values satisfies problem constraints (feasible solutions)</a:t>
-            </a:r>
-          </a:p>
-          <a:p>
-            <a:pPr lvl="1"/>
-            <a:r>
-              <a:rPr lang="en-US" dirty="0"/>
-              <a:t>But, a way of comparing these.  One is best: the optimal solution</a:t>
-            </a:r>
-          </a:p>
-          <a:p>
-            <a:pPr lvl="1"/>
-            <a:endParaRPr lang="en-US" dirty="0"/>
-          </a:p>
-        </p:txBody>
-      </p:sp>
-    </p:spTree>
-  </p:cSld>
-  <p:clrMapOvr>
-    <a:masterClrMapping/>
-  </p:clrMapOvr>
-</p:sld>
-</file>
-
 <file path=ppt/slides/slide33.xml><?xml version="1.0" encoding="utf-8"?>
 <p:sld xmlns:a="http://schemas.openxmlformats.org/drawingml/2006/main" xmlns:r="http://schemas.openxmlformats.org/officeDocument/2006/relationships" xmlns:p="http://schemas.openxmlformats.org/presentationml/2006/main">
   <p:cSld>
@@ -9481,7 +9492,7 @@
       </p:grpSpPr>
       <p:sp>
         <p:nvSpPr>
-          <p:cNvPr id="37890" name="Rectangle 2"/>
+          <p:cNvPr id="36866" name="Rectangle 2"/>
           <p:cNvSpPr>
             <a:spLocks noGrp="1" noChangeArrowheads="1"/>
           </p:cNvSpPr>
@@ -9499,7 +9510,7 @@
           <a:p>
             <a:r>
               <a:rPr lang="en-US"/>
-              <a:t>Does Greed Pay Off?</a:t>
+              <a:t>You’re Being Greedy!</a:t>
             </a:r>
           </a:p>
         </p:txBody>
@@ -9523,6 +9534,165 @@
               <a:rPr lang="en-US" smtClean="0"/>
               <a:pPr/>
               <a:t>33</a:t>
+            </a:fld>
+            <a:endParaRPr lang="en-US"/>
+          </a:p>
+        </p:txBody>
+      </p:sp>
+      <p:sp>
+        <p:nvSpPr>
+          <p:cNvPr id="36867" name="Rectangle 3"/>
+          <p:cNvSpPr>
+            <a:spLocks noGrp="1" noChangeArrowheads="1"/>
+          </p:cNvSpPr>
+          <p:nvPr>
+            <p:ph sz="quarter" idx="1"/>
+            <p:custDataLst>
+              <p:tags r:id="rId2"/>
+            </p:custDataLst>
+          </p:nvPr>
+        </p:nvSpPr>
+        <p:spPr/>
+        <p:txBody>
+          <a:bodyPr>
+            <a:normAutofit fontScale="92500"/>
+          </a:bodyPr>
+          <a:lstStyle/>
+          <a:p>
+            <a:r>
+              <a:rPr lang="en-US" dirty="0"/>
+              <a:t>This algorithm is an example of a family of algorithms called </a:t>
+            </a:r>
+            <a:r>
+              <a:rPr lang="en-US" i="1" dirty="0"/>
+              <a:t>greedy algorithms</a:t>
+            </a:r>
+          </a:p>
+          <a:p>
+            <a:r>
+              <a:rPr lang="en-US" dirty="0"/>
+              <a:t>Suitable for optimization problems</a:t>
+            </a:r>
+          </a:p>
+          <a:p>
+            <a:pPr lvl="1"/>
+            <a:r>
+              <a:rPr lang="en-US" dirty="0"/>
+              <a:t>There are many </a:t>
+            </a:r>
+            <a:r>
+              <a:rPr lang="en-US" i="1" dirty="0"/>
+              <a:t>feasible answers </a:t>
+            </a:r>
+            <a:r>
+              <a:rPr lang="en-US" dirty="0"/>
+              <a:t>that add up to the right amount, but one is optimal or best (fewest coins)</a:t>
+            </a:r>
+          </a:p>
+          <a:p>
+            <a:r>
+              <a:rPr lang="en-US" dirty="0"/>
+              <a:t>Immediately greedy: at each step, choose what looks best now.  No “look-ahead” into the future!</a:t>
+            </a:r>
+          </a:p>
+          <a:p>
+            <a:endParaRPr lang="en-US" dirty="0"/>
+          </a:p>
+          <a:p>
+            <a:r>
+              <a:rPr lang="en-US" dirty="0"/>
+              <a:t>What’s an optimization problem?</a:t>
+            </a:r>
+          </a:p>
+          <a:p>
+            <a:pPr lvl="1"/>
+            <a:r>
+              <a:rPr lang="en-US" dirty="0"/>
+              <a:t>Some subset or combination of values satisfies problem constraints (feasible solutions)</a:t>
+            </a:r>
+          </a:p>
+          <a:p>
+            <a:pPr lvl="1"/>
+            <a:r>
+              <a:rPr lang="en-US" dirty="0"/>
+              <a:t>But, a way of comparing these.  One is best: the optimal solution</a:t>
+            </a:r>
+          </a:p>
+          <a:p>
+            <a:pPr lvl="1"/>
+            <a:endParaRPr lang="en-US" dirty="0"/>
+          </a:p>
+        </p:txBody>
+      </p:sp>
+    </p:spTree>
+  </p:cSld>
+  <p:clrMapOvr>
+    <a:masterClrMapping/>
+  </p:clrMapOvr>
+</p:sld>
+</file>
+
+<file path=ppt/slides/slide34.xml><?xml version="1.0" encoding="utf-8"?>
+<p:sld xmlns:a="http://schemas.openxmlformats.org/drawingml/2006/main" xmlns:r="http://schemas.openxmlformats.org/officeDocument/2006/relationships" xmlns:p="http://schemas.openxmlformats.org/presentationml/2006/main">
+  <p:cSld>
+    <p:spTree>
+      <p:nvGrpSpPr>
+        <p:cNvPr id="1" name=""/>
+        <p:cNvGrpSpPr/>
+        <p:nvPr/>
+      </p:nvGrpSpPr>
+      <p:grpSpPr>
+        <a:xfrm>
+          <a:off x="0" y="0"/>
+          <a:ext cx="0" cy="0"/>
+          <a:chOff x="0" y="0"/>
+          <a:chExt cx="0" cy="0"/>
+        </a:xfrm>
+      </p:grpSpPr>
+      <p:sp>
+        <p:nvSpPr>
+          <p:cNvPr id="37890" name="Rectangle 2"/>
+          <p:cNvSpPr>
+            <a:spLocks noGrp="1" noChangeArrowheads="1"/>
+          </p:cNvSpPr>
+          <p:nvPr>
+            <p:ph type="title"/>
+            <p:custDataLst>
+              <p:tags r:id="rId1"/>
+            </p:custDataLst>
+          </p:nvPr>
+        </p:nvSpPr>
+        <p:spPr/>
+        <p:txBody>
+          <a:bodyPr/>
+          <a:lstStyle/>
+          <a:p>
+            <a:r>
+              <a:rPr lang="en-US"/>
+              <a:t>Does Greed Pay Off?</a:t>
+            </a:r>
+          </a:p>
+        </p:txBody>
+      </p:sp>
+      <p:sp>
+        <p:nvSpPr>
+          <p:cNvPr id="4" name="Slide Number Placeholder 3"/>
+          <p:cNvSpPr>
+            <a:spLocks noGrp="1"/>
+          </p:cNvSpPr>
+          <p:nvPr>
+            <p:ph type="sldNum" sz="quarter" idx="12"/>
+          </p:nvPr>
+        </p:nvSpPr>
+        <p:spPr/>
+        <p:txBody>
+          <a:bodyPr/>
+          <a:lstStyle/>
+          <a:p>
+            <a:fld id="{F26D9103-0C5C-48AC-B68E-3ED2C1647047}" type="slidenum">
+              <a:rPr lang="en-US" smtClean="0"/>
+              <a:pPr/>
+              <a:t>34</a:t>
             </a:fld>
             <a:endParaRPr lang="en-US"/>
           </a:p>
@@ -10054,159 +10224,6 @@
 </p:sld>
 </file>
 
-<file path=ppt/slides/slide34.xml><?xml version="1.0" encoding="utf-8"?>
-<p:sld xmlns:a="http://schemas.openxmlformats.org/drawingml/2006/main" xmlns:r="http://schemas.openxmlformats.org/officeDocument/2006/relationships" xmlns:p="http://schemas.openxmlformats.org/presentationml/2006/main">
-  <p:cSld>
-    <p:spTree>
-      <p:nvGrpSpPr>
-        <p:cNvPr id="1" name=""/>
-        <p:cNvGrpSpPr/>
-        <p:nvPr/>
-      </p:nvGrpSpPr>
-      <p:grpSpPr>
-        <a:xfrm>
-          <a:off x="0" y="0"/>
-          <a:ext cx="0" cy="0"/>
-          <a:chOff x="0" y="0"/>
-          <a:chExt cx="0" cy="0"/>
-        </a:xfrm>
-      </p:grpSpPr>
-      <p:sp>
-        <p:nvSpPr>
-          <p:cNvPr id="38914" name="Title 1"/>
-          <p:cNvSpPr>
-            <a:spLocks noGrp="1"/>
-          </p:cNvSpPr>
-          <p:nvPr>
-            <p:ph type="title"/>
-          </p:nvPr>
-        </p:nvSpPr>
-        <p:spPr/>
-        <p:txBody>
-          <a:bodyPr/>
-          <a:lstStyle/>
-          <a:p>
-            <a:r>
-              <a:rPr lang="en-US"/>
-              <a:t>Formal algorithmic description</a:t>
-            </a:r>
-          </a:p>
-        </p:txBody>
-      </p:sp>
-      <p:sp>
-        <p:nvSpPr>
-          <p:cNvPr id="4" name="Slide Number Placeholder 3"/>
-          <p:cNvSpPr>
-            <a:spLocks noGrp="1"/>
-          </p:cNvSpPr>
-          <p:nvPr>
-            <p:ph type="sldNum" sz="quarter" idx="12"/>
-          </p:nvPr>
-        </p:nvSpPr>
-        <p:spPr/>
-        <p:txBody>
-          <a:bodyPr/>
-          <a:lstStyle/>
-          <a:p>
-            <a:fld id="{F26D9103-0C5C-48AC-B68E-3ED2C1647047}" type="slidenum">
-              <a:rPr lang="en-US" smtClean="0"/>
-              <a:pPr/>
-              <a:t>34</a:t>
-            </a:fld>
-            <a:endParaRPr lang="en-US"/>
-          </a:p>
-        </p:txBody>
-      </p:sp>
-      <p:sp>
-        <p:nvSpPr>
-          <p:cNvPr id="38915" name="Content Placeholder 2"/>
-          <p:cNvSpPr>
-            <a:spLocks noGrp="1"/>
-          </p:cNvSpPr>
-          <p:nvPr>
-            <p:ph sz="quarter" idx="1"/>
-          </p:nvPr>
-        </p:nvSpPr>
-        <p:spPr/>
-        <p:txBody>
-          <a:bodyPr/>
-          <a:lstStyle/>
-          <a:p>
-            <a:r>
-              <a:rPr lang="en-US" i="1" dirty="0"/>
-              <a:t>All</a:t>
-            </a:r>
-            <a:r>
-              <a:rPr lang="en-US" dirty="0"/>
-              <a:t> algorithms in this course must have the following components:</a:t>
-            </a:r>
-          </a:p>
-          <a:p>
-            <a:pPr lvl="1"/>
-            <a:r>
-              <a:rPr lang="en-US" dirty="0"/>
-              <a:t>Problem description (1 line max)</a:t>
-            </a:r>
-          </a:p>
-          <a:p>
-            <a:pPr lvl="1"/>
-            <a:r>
-              <a:rPr lang="en-US" dirty="0"/>
-              <a:t>Inputs</a:t>
-            </a:r>
-          </a:p>
-          <a:p>
-            <a:pPr lvl="1"/>
-            <a:r>
-              <a:rPr lang="en-US" dirty="0"/>
-              <a:t>Outputs</a:t>
-            </a:r>
-          </a:p>
-          <a:p>
-            <a:pPr lvl="1"/>
-            <a:r>
-              <a:rPr lang="en-US" dirty="0"/>
-              <a:t>Assumptions</a:t>
-            </a:r>
-          </a:p>
-          <a:p>
-            <a:pPr lvl="1"/>
-            <a:r>
-              <a:rPr lang="en-US" dirty="0"/>
-              <a:t>Strategy overview</a:t>
-            </a:r>
-          </a:p>
-          <a:p>
-            <a:pPr lvl="2"/>
-            <a:r>
-              <a:rPr lang="en-US" dirty="0"/>
-              <a:t>1 or 2 sentences outlining the basic strategy, including the name of the method you are going to use for the algorithm</a:t>
-            </a:r>
-          </a:p>
-          <a:p>
-            <a:pPr lvl="1"/>
-            <a:r>
-              <a:rPr lang="en-US" dirty="0"/>
-              <a:t>Algorithm description</a:t>
-            </a:r>
-          </a:p>
-          <a:p>
-            <a:pPr lvl="2"/>
-            <a:r>
-              <a:rPr lang="en-US" dirty="0"/>
-              <a:t>If listed in English (as opposed to pseudo-code), then it should be listed in steps</a:t>
-            </a:r>
-          </a:p>
-        </p:txBody>
-      </p:sp>
-    </p:spTree>
-  </p:cSld>
-  <p:clrMapOvr>
-    <a:masterClrMapping/>
-  </p:clrMapOvr>
-</p:sld>
-</file>
-
 <file path=ppt/slides/slide35.xml><?xml version="1.0" encoding="utf-8"?>
 <p:sld xmlns:a="http://schemas.openxmlformats.org/drawingml/2006/main" xmlns:r="http://schemas.openxmlformats.org/officeDocument/2006/relationships" xmlns:p="http://schemas.openxmlformats.org/presentationml/2006/main">
   <p:cSld>
@@ -10226,7 +10243,7 @@
       </p:grpSpPr>
       <p:sp>
         <p:nvSpPr>
-          <p:cNvPr id="39938" name="Title 1"/>
+          <p:cNvPr id="38914" name="Title 1"/>
           <p:cNvSpPr>
             <a:spLocks noGrp="1"/>
           </p:cNvSpPr>
@@ -10241,115 +10258,8 @@
           <a:p>
             <a:r>
               <a:rPr lang="en-US"/>
-              <a:t>Change solution (greedy)</a:t>
-            </a:r>
-          </a:p>
-        </p:txBody>
-      </p:sp>
-      <p:sp>
-        <p:nvSpPr>
-          <p:cNvPr id="39939" name="Content Placeholder 2"/>
-          <p:cNvSpPr>
-            <a:spLocks noGrp="1"/>
-          </p:cNvSpPr>
-          <p:nvPr>
-            <p:ph sz="quarter" idx="1"/>
-          </p:nvPr>
-        </p:nvSpPr>
-        <p:spPr/>
-        <p:txBody>
-          <a:bodyPr/>
-          <a:lstStyle/>
-          <a:p>
-            <a:pPr>
-              <a:lnSpc>
-                <a:spcPct val="90000"/>
-              </a:lnSpc>
-            </a:pPr>
-            <a:r>
-              <a:rPr lang="en-US" sz="2400" b="1"/>
-              <a:t>Problem description:</a:t>
-            </a:r>
-            <a:r>
-              <a:rPr lang="en-US" sz="2400"/>
-              <a:t> providing coin change of a given amount in the fewest number of coins</a:t>
-            </a:r>
-          </a:p>
-          <a:p>
-            <a:pPr>
-              <a:lnSpc>
-                <a:spcPct val="90000"/>
-              </a:lnSpc>
-            </a:pPr>
-            <a:r>
-              <a:rPr lang="en-US" sz="2400" b="1"/>
-              <a:t>Inputs:</a:t>
-            </a:r>
-            <a:r>
-              <a:rPr lang="en-US" sz="2400"/>
-              <a:t> the dollar-amount to return.  Perhaps the possible set of coins, if it is non-obvious.</a:t>
-            </a:r>
-          </a:p>
-          <a:p>
-            <a:pPr>
-              <a:lnSpc>
-                <a:spcPct val="90000"/>
-              </a:lnSpc>
-            </a:pPr>
-            <a:r>
-              <a:rPr lang="en-US" sz="2400" b="1"/>
-              <a:t>Output:</a:t>
-            </a:r>
-            <a:r>
-              <a:rPr lang="en-US" sz="2400"/>
-              <a:t> a set of coins that obtains the desired amount of change in the fewest number of coins</a:t>
-            </a:r>
-          </a:p>
-          <a:p>
-            <a:pPr>
-              <a:lnSpc>
-                <a:spcPct val="90000"/>
-              </a:lnSpc>
-            </a:pPr>
-            <a:r>
-              <a:rPr lang="en-US" sz="2400" b="1"/>
-              <a:t>Assumptions:</a:t>
-            </a:r>
-            <a:r>
-              <a:rPr lang="en-US" sz="2400"/>
-              <a:t> If the coins are not stated, then they are the standard quarter, dime, nickel, and penny.  All inputs are non-negative, and dollar amounts are ignored.</a:t>
-            </a:r>
-          </a:p>
-          <a:p>
-            <a:pPr>
-              <a:lnSpc>
-                <a:spcPct val="90000"/>
-              </a:lnSpc>
-            </a:pPr>
-            <a:r>
-              <a:rPr lang="en-US" sz="2400" b="1"/>
-              <a:t>Strategy:</a:t>
-            </a:r>
-            <a:r>
-              <a:rPr lang="en-US" sz="2400"/>
-              <a:t> a greedy algorithm that uses the largest coins first</a:t>
-            </a:r>
-          </a:p>
-          <a:p>
-            <a:pPr>
-              <a:lnSpc>
-                <a:spcPct val="90000"/>
-              </a:lnSpc>
-            </a:pPr>
-            <a:r>
-              <a:rPr lang="en-US" sz="2400" b="1"/>
-              <a:t>Description:</a:t>
-            </a:r>
-            <a:r>
-              <a:rPr lang="en-US" sz="2400"/>
-              <a:t> Issue the largest coin (quarters) until the amount left is less than the amount of a quarter ($0.25).  Repeat with decreasing coin sizes (dimes, nickels, pennies).</a:t>
-            </a:r>
-            <a:endParaRPr lang="en-US"/>
+              <a:t>Formal algorithmic description</a:t>
+            </a:r>
           </a:p>
         </p:txBody>
       </p:sp>
@@ -10374,6 +10284,88 @@
               <a:t>35</a:t>
             </a:fld>
             <a:endParaRPr lang="en-US"/>
+          </a:p>
+        </p:txBody>
+      </p:sp>
+      <p:sp>
+        <p:nvSpPr>
+          <p:cNvPr id="38915" name="Content Placeholder 2"/>
+          <p:cNvSpPr>
+            <a:spLocks noGrp="1"/>
+          </p:cNvSpPr>
+          <p:nvPr>
+            <p:ph sz="quarter" idx="1"/>
+          </p:nvPr>
+        </p:nvSpPr>
+        <p:spPr/>
+        <p:txBody>
+          <a:bodyPr/>
+          <a:lstStyle/>
+          <a:p>
+            <a:r>
+              <a:rPr lang="en-US" i="1" dirty="0"/>
+              <a:t>All</a:t>
+            </a:r>
+            <a:r>
+              <a:rPr lang="en-US" dirty="0"/>
+              <a:t> algorithms in this course must have the following components:</a:t>
+            </a:r>
+          </a:p>
+          <a:p>
+            <a:pPr lvl="1"/>
+            <a:r>
+              <a:rPr lang="en-US" dirty="0"/>
+              <a:t>Problem description (1 line max)</a:t>
+            </a:r>
+          </a:p>
+          <a:p>
+            <a:pPr lvl="1"/>
+            <a:r>
+              <a:rPr lang="en-US" dirty="0"/>
+              <a:t>Inputs</a:t>
+            </a:r>
+          </a:p>
+          <a:p>
+            <a:pPr lvl="1"/>
+            <a:r>
+              <a:rPr lang="en-US" dirty="0"/>
+              <a:t>Outputs</a:t>
+            </a:r>
+          </a:p>
+          <a:p>
+            <a:pPr lvl="1"/>
+            <a:r>
+              <a:rPr lang="en-US" dirty="0"/>
+              <a:t>Assumptions</a:t>
+            </a:r>
+          </a:p>
+          <a:p>
+            <a:pPr lvl="1"/>
+            <a:r>
+              <a:rPr lang="en-US" dirty="0"/>
+              <a:t>Strategy overview</a:t>
+            </a:r>
+          </a:p>
+          <a:p>
+            <a:pPr lvl="2"/>
+            <a:r>
+              <a:rPr lang="en-US" dirty="0"/>
+              <a:t>1 or 2 sentences outlining the basic strategy, including the name of the method you are going to use for the algorithm</a:t>
+            </a:r>
+          </a:p>
+          <a:p>
+            <a:pPr lvl="1"/>
+            <a:r>
+              <a:rPr lang="en-US" dirty="0"/>
+              <a:t>Algorithm description</a:t>
+            </a:r>
+          </a:p>
+          <a:p>
+            <a:pPr lvl="2"/>
+            <a:r>
+              <a:rPr lang="en-US" dirty="0"/>
+              <a:t>If listed in English (as opposed to pseudo-code), then it should be listed in steps</a:t>
+            </a:r>
           </a:p>
         </p:txBody>
       </p:sp>
@@ -10404,6 +10396,184 @@
       </p:grpSpPr>
       <p:sp>
         <p:nvSpPr>
+          <p:cNvPr id="39938" name="Title 1"/>
+          <p:cNvSpPr>
+            <a:spLocks noGrp="1"/>
+          </p:cNvSpPr>
+          <p:nvPr>
+            <p:ph type="title"/>
+          </p:nvPr>
+        </p:nvSpPr>
+        <p:spPr/>
+        <p:txBody>
+          <a:bodyPr/>
+          <a:lstStyle/>
+          <a:p>
+            <a:r>
+              <a:rPr lang="en-US"/>
+              <a:t>Change solution (greedy)</a:t>
+            </a:r>
+          </a:p>
+        </p:txBody>
+      </p:sp>
+      <p:sp>
+        <p:nvSpPr>
+          <p:cNvPr id="39939" name="Content Placeholder 2"/>
+          <p:cNvSpPr>
+            <a:spLocks noGrp="1"/>
+          </p:cNvSpPr>
+          <p:nvPr>
+            <p:ph sz="quarter" idx="1"/>
+          </p:nvPr>
+        </p:nvSpPr>
+        <p:spPr/>
+        <p:txBody>
+          <a:bodyPr/>
+          <a:lstStyle/>
+          <a:p>
+            <a:pPr>
+              <a:lnSpc>
+                <a:spcPct val="90000"/>
+              </a:lnSpc>
+            </a:pPr>
+            <a:r>
+              <a:rPr lang="en-US" sz="2400" b="1"/>
+              <a:t>Problem description:</a:t>
+            </a:r>
+            <a:r>
+              <a:rPr lang="en-US" sz="2400"/>
+              <a:t> providing coin change of a given amount in the fewest number of coins</a:t>
+            </a:r>
+          </a:p>
+          <a:p>
+            <a:pPr>
+              <a:lnSpc>
+                <a:spcPct val="90000"/>
+              </a:lnSpc>
+            </a:pPr>
+            <a:r>
+              <a:rPr lang="en-US" sz="2400" b="1"/>
+              <a:t>Inputs:</a:t>
+            </a:r>
+            <a:r>
+              <a:rPr lang="en-US" sz="2400"/>
+              <a:t> the dollar-amount to return.  Perhaps the possible set of coins, if it is non-obvious.</a:t>
+            </a:r>
+          </a:p>
+          <a:p>
+            <a:pPr>
+              <a:lnSpc>
+                <a:spcPct val="90000"/>
+              </a:lnSpc>
+            </a:pPr>
+            <a:r>
+              <a:rPr lang="en-US" sz="2400" b="1"/>
+              <a:t>Output:</a:t>
+            </a:r>
+            <a:r>
+              <a:rPr lang="en-US" sz="2400"/>
+              <a:t> a set of coins that obtains the desired amount of change in the fewest number of coins</a:t>
+            </a:r>
+          </a:p>
+          <a:p>
+            <a:pPr>
+              <a:lnSpc>
+                <a:spcPct val="90000"/>
+              </a:lnSpc>
+            </a:pPr>
+            <a:r>
+              <a:rPr lang="en-US" sz="2400" b="1"/>
+              <a:t>Assumptions:</a:t>
+            </a:r>
+            <a:r>
+              <a:rPr lang="en-US" sz="2400"/>
+              <a:t> If the coins are not stated, then they are the standard quarter, dime, nickel, and penny.  All inputs are non-negative, and dollar amounts are ignored.</a:t>
+            </a:r>
+          </a:p>
+          <a:p>
+            <a:pPr>
+              <a:lnSpc>
+                <a:spcPct val="90000"/>
+              </a:lnSpc>
+            </a:pPr>
+            <a:r>
+              <a:rPr lang="en-US" sz="2400" b="1"/>
+              <a:t>Strategy:</a:t>
+            </a:r>
+            <a:r>
+              <a:rPr lang="en-US" sz="2400"/>
+              <a:t> a greedy algorithm that uses the largest coins first</a:t>
+            </a:r>
+          </a:p>
+          <a:p>
+            <a:pPr>
+              <a:lnSpc>
+                <a:spcPct val="90000"/>
+              </a:lnSpc>
+            </a:pPr>
+            <a:r>
+              <a:rPr lang="en-US" sz="2400" b="1"/>
+              <a:t>Description:</a:t>
+            </a:r>
+            <a:r>
+              <a:rPr lang="en-US" sz="2400"/>
+              <a:t> Issue the largest coin (quarters) until the amount left is less than the amount of a quarter ($0.25).  Repeat with decreasing coin sizes (dimes, nickels, pennies).</a:t>
+            </a:r>
+            <a:endParaRPr lang="en-US"/>
+          </a:p>
+        </p:txBody>
+      </p:sp>
+      <p:sp>
+        <p:nvSpPr>
+          <p:cNvPr id="4" name="Slide Number Placeholder 3"/>
+          <p:cNvSpPr>
+            <a:spLocks noGrp="1"/>
+          </p:cNvSpPr>
+          <p:nvPr>
+            <p:ph type="sldNum" sz="quarter" idx="12"/>
+          </p:nvPr>
+        </p:nvSpPr>
+        <p:spPr/>
+        <p:txBody>
+          <a:bodyPr/>
+          <a:lstStyle/>
+          <a:p>
+            <a:fld id="{F26D9103-0C5C-48AC-B68E-3ED2C1647047}" type="slidenum">
+              <a:rPr lang="en-US" smtClean="0"/>
+              <a:pPr/>
+              <a:t>36</a:t>
+            </a:fld>
+            <a:endParaRPr lang="en-US"/>
+          </a:p>
+        </p:txBody>
+      </p:sp>
+    </p:spTree>
+  </p:cSld>
+  <p:clrMapOvr>
+    <a:masterClrMapping/>
+  </p:clrMapOvr>
+</p:sld>
+</file>
+
+<file path=ppt/slides/slide37.xml><?xml version="1.0" encoding="utf-8"?>
+<p:sld xmlns:a="http://schemas.openxmlformats.org/drawingml/2006/main" xmlns:r="http://schemas.openxmlformats.org/officeDocument/2006/relationships" xmlns:p="http://schemas.openxmlformats.org/presentationml/2006/main">
+  <p:cSld>
+    <p:spTree>
+      <p:nvGrpSpPr>
+        <p:cNvPr id="1" name=""/>
+        <p:cNvGrpSpPr/>
+        <p:nvPr/>
+      </p:nvGrpSpPr>
+      <p:grpSpPr>
+        <a:xfrm>
+          <a:off x="0" y="0"/>
+          <a:ext cx="0" cy="0"/>
+          <a:chOff x="0" y="0"/>
+          <a:chExt cx="0" cy="0"/>
+        </a:xfrm>
+      </p:grpSpPr>
+      <p:sp>
+        <p:nvSpPr>
           <p:cNvPr id="40962" name="Rectangle 2"/>
           <p:cNvSpPr>
             <a:spLocks noGrp="1" noChangeArrowheads="1"/>
@@ -10445,7 +10615,7 @@
             <a:fld id="{F26D9103-0C5C-48AC-B68E-3ED2C1647047}" type="slidenum">
               <a:rPr lang="en-US" smtClean="0"/>
               <a:pPr/>
-              <a:t>36</a:t>
+              <a:t>37</a:t>
             </a:fld>
             <a:endParaRPr lang="en-US"/>
           </a:p>
@@ -10845,245 +11015,6 @@
 </p:sld>
 </file>
 
-<file path=ppt/slides/slide37.xml><?xml version="1.0" encoding="utf-8"?>
-<p:sld xmlns:a="http://schemas.openxmlformats.org/drawingml/2006/main" xmlns:r="http://schemas.openxmlformats.org/officeDocument/2006/relationships" xmlns:p="http://schemas.openxmlformats.org/presentationml/2006/main">
-  <p:cSld>
-    <p:spTree>
-      <p:nvGrpSpPr>
-        <p:cNvPr id="1" name=""/>
-        <p:cNvGrpSpPr/>
-        <p:nvPr/>
-      </p:nvGrpSpPr>
-      <p:grpSpPr>
-        <a:xfrm>
-          <a:off x="0" y="0"/>
-          <a:ext cx="0" cy="0"/>
-          <a:chOff x="0" y="0"/>
-          <a:chExt cx="0" cy="0"/>
-        </a:xfrm>
-      </p:grpSpPr>
-      <p:sp>
-        <p:nvSpPr>
-          <p:cNvPr id="41986" name="Title 1"/>
-          <p:cNvSpPr>
-            <a:spLocks noGrp="1"/>
-          </p:cNvSpPr>
-          <p:nvPr>
-            <p:ph type="title"/>
-          </p:nvPr>
-        </p:nvSpPr>
-        <p:spPr/>
-        <p:txBody>
-          <a:bodyPr/>
-          <a:lstStyle/>
-          <a:p>
-            <a:r>
-              <a:rPr lang="en-US"/>
-              <a:t>Change solution (brute-force)</a:t>
-            </a:r>
-          </a:p>
-        </p:txBody>
-      </p:sp>
-      <p:sp>
-        <p:nvSpPr>
-          <p:cNvPr id="3" name="Content Placeholder 2"/>
-          <p:cNvSpPr>
-            <a:spLocks noGrp="1"/>
-          </p:cNvSpPr>
-          <p:nvPr>
-            <p:ph sz="quarter" idx="1"/>
-          </p:nvPr>
-        </p:nvSpPr>
-        <p:spPr>
-          <a:xfrm>
-            <a:off x="457200" y="1219200"/>
-            <a:ext cx="8229600" cy="5410200"/>
-          </a:xfrm>
-        </p:spPr>
-        <p:txBody>
-          <a:bodyPr>
-            <a:normAutofit/>
-          </a:bodyPr>
-          <a:lstStyle/>
-          <a:p>
-            <a:pPr>
-              <a:lnSpc>
-                <a:spcPct val="90000"/>
-              </a:lnSpc>
-              <a:defRPr/>
-            </a:pPr>
-            <a:r>
-              <a:rPr lang="en-US" sz="2400" b="1" dirty="0">
-                <a:solidFill>
-                  <a:schemeClr val="bg1">
-                    <a:lumMod val="75000"/>
-                  </a:schemeClr>
-                </a:solidFill>
-              </a:rPr>
-              <a:t>Problem description:</a:t>
-            </a:r>
-            <a:r>
-              <a:rPr lang="en-US" sz="2400" dirty="0">
-                <a:solidFill>
-                  <a:schemeClr val="bg1">
-                    <a:lumMod val="75000"/>
-                  </a:schemeClr>
-                </a:solidFill>
-              </a:rPr>
-              <a:t> providing coin change of a given amount in the fewest number of coins</a:t>
-            </a:r>
-          </a:p>
-          <a:p>
-            <a:pPr>
-              <a:lnSpc>
-                <a:spcPct val="90000"/>
-              </a:lnSpc>
-              <a:defRPr/>
-            </a:pPr>
-            <a:r>
-              <a:rPr lang="en-US" sz="2400" b="1" dirty="0">
-                <a:solidFill>
-                  <a:schemeClr val="bg1">
-                    <a:lumMod val="75000"/>
-                  </a:schemeClr>
-                </a:solidFill>
-              </a:rPr>
-              <a:t>Inputs:</a:t>
-            </a:r>
-            <a:r>
-              <a:rPr lang="en-US" sz="2400" dirty="0">
-                <a:solidFill>
-                  <a:schemeClr val="bg1">
-                    <a:lumMod val="75000"/>
-                  </a:schemeClr>
-                </a:solidFill>
-              </a:rPr>
-              <a:t> the dollar-amount to return.  Perhaps the possible set of coins, if it is non-obvious.</a:t>
-            </a:r>
-          </a:p>
-          <a:p>
-            <a:pPr>
-              <a:lnSpc>
-                <a:spcPct val="90000"/>
-              </a:lnSpc>
-              <a:defRPr/>
-            </a:pPr>
-            <a:r>
-              <a:rPr lang="en-US" sz="2400" b="1" dirty="0">
-                <a:solidFill>
-                  <a:schemeClr val="bg1">
-                    <a:lumMod val="75000"/>
-                  </a:schemeClr>
-                </a:solidFill>
-              </a:rPr>
-              <a:t>Output:</a:t>
-            </a:r>
-            <a:r>
-              <a:rPr lang="en-US" sz="2400" dirty="0">
-                <a:solidFill>
-                  <a:schemeClr val="bg1">
-                    <a:lumMod val="75000"/>
-                  </a:schemeClr>
-                </a:solidFill>
-              </a:rPr>
-              <a:t> a set of coins that obtains the desired amount of change in the fewest number of coins</a:t>
-            </a:r>
-          </a:p>
-          <a:p>
-            <a:pPr>
-              <a:lnSpc>
-                <a:spcPct val="90000"/>
-              </a:lnSpc>
-              <a:defRPr/>
-            </a:pPr>
-            <a:r>
-              <a:rPr lang="en-US" sz="2400" b="1" dirty="0">
-                <a:solidFill>
-                  <a:schemeClr val="bg1">
-                    <a:lumMod val="75000"/>
-                  </a:schemeClr>
-                </a:solidFill>
-              </a:rPr>
-              <a:t>Assumptions:</a:t>
-            </a:r>
-            <a:r>
-              <a:rPr lang="en-US" sz="2400" dirty="0">
-                <a:solidFill>
-                  <a:schemeClr val="bg1">
-                    <a:lumMod val="75000"/>
-                  </a:schemeClr>
-                </a:solidFill>
-              </a:rPr>
-              <a:t> If the coins are not stated, then they are the standard quarter, dime, nickel, and penny.  All inputs are non-negative, and dollar amounts are ignored.</a:t>
-            </a:r>
-          </a:p>
-          <a:p>
-            <a:pPr>
-              <a:lnSpc>
-                <a:spcPct val="90000"/>
-              </a:lnSpc>
-              <a:defRPr/>
-            </a:pPr>
-            <a:r>
-              <a:rPr lang="en-US" sz="2400" b="1" dirty="0"/>
-              <a:t>Strategy:</a:t>
-            </a:r>
-            <a:r>
-              <a:rPr lang="en-US" sz="2400" dirty="0"/>
-              <a:t> a brute-force algorithm that considers every possibility and picks the one with the fewest number of coins</a:t>
-            </a:r>
-          </a:p>
-          <a:p>
-            <a:pPr>
-              <a:lnSpc>
-                <a:spcPct val="90000"/>
-              </a:lnSpc>
-              <a:defRPr/>
-            </a:pPr>
-            <a:r>
-              <a:rPr lang="en-US" sz="2400" b="1" dirty="0"/>
-              <a:t>Description:</a:t>
-            </a:r>
-            <a:r>
-              <a:rPr lang="en-US" sz="2400" dirty="0"/>
-              <a:t> Consider every possible combination of coins that add to the given amount (done via a depth-first search).  Return the one with the fewest number of coins.</a:t>
-            </a:r>
-            <a:endParaRPr lang="en-US" dirty="0"/>
-          </a:p>
-        </p:txBody>
-      </p:sp>
-      <p:sp>
-        <p:nvSpPr>
-          <p:cNvPr id="4" name="Slide Number Placeholder 3"/>
-          <p:cNvSpPr>
-            <a:spLocks noGrp="1"/>
-          </p:cNvSpPr>
-          <p:nvPr>
-            <p:ph type="sldNum" sz="quarter" idx="12"/>
-          </p:nvPr>
-        </p:nvSpPr>
-        <p:spPr/>
-        <p:txBody>
-          <a:bodyPr/>
-          <a:lstStyle/>
-          <a:p>
-            <a:fld id="{F26D9103-0C5C-48AC-B68E-3ED2C1647047}" type="slidenum">
-              <a:rPr lang="en-US" smtClean="0"/>
-              <a:pPr/>
-              <a:t>37</a:t>
-            </a:fld>
-            <a:endParaRPr lang="en-US"/>
-          </a:p>
-        </p:txBody>
-      </p:sp>
-    </p:spTree>
-  </p:cSld>
-  <p:clrMapOvr>
-    <a:masterClrMapping/>
-  </p:clrMapOvr>
-</p:sld>
-</file>
-
 <file path=ppt/slides/slide38.xml><?xml version="1.0" encoding="utf-8"?>
 <p:sld xmlns:a="http://schemas.openxmlformats.org/drawingml/2006/main" xmlns:r="http://schemas.openxmlformats.org/officeDocument/2006/relationships" xmlns:p="http://schemas.openxmlformats.org/presentationml/2006/main">
   <p:cSld>
@@ -11103,7 +11034,7 @@
       </p:grpSpPr>
       <p:sp>
         <p:nvSpPr>
-          <p:cNvPr id="5" name="Title 4"/>
+          <p:cNvPr id="41986" name="Title 1"/>
           <p:cNvSpPr>
             <a:spLocks noGrp="1"/>
           </p:cNvSpPr>
@@ -11117,34 +11048,183 @@
           <a:lstStyle/>
           <a:p>
             <a:r>
-              <a:rPr lang="en-US" dirty="0"/>
-              <a:t>Motivating problems</a:t>
-            </a:r>
-          </a:p>
-        </p:txBody>
-      </p:sp>
-      <p:sp>
-        <p:nvSpPr>
-          <p:cNvPr id="6" name="Text Placeholder 5"/>
-          <p:cNvSpPr>
-            <a:spLocks noGrp="1"/>
-          </p:cNvSpPr>
-          <p:nvPr>
-            <p:ph type="body" idx="1"/>
-          </p:nvPr>
-        </p:nvSpPr>
-        <p:spPr/>
-        <p:txBody>
-          <a:bodyPr/>
-          <a:lstStyle/>
-          <a:p>
-            <a:endParaRPr lang="en-US"/>
-          </a:p>
-        </p:txBody>
-      </p:sp>
-      <p:sp>
-        <p:nvSpPr>
-          <p:cNvPr id="3" name="Slide Number Placeholder 2"/>
+              <a:rPr lang="en-US"/>
+              <a:t>Change solution (brute-force)</a:t>
+            </a:r>
+          </a:p>
+        </p:txBody>
+      </p:sp>
+      <p:sp>
+        <p:nvSpPr>
+          <p:cNvPr id="3" name="Content Placeholder 2"/>
+          <p:cNvSpPr>
+            <a:spLocks noGrp="1"/>
+          </p:cNvSpPr>
+          <p:nvPr>
+            <p:ph sz="quarter" idx="1"/>
+          </p:nvPr>
+        </p:nvSpPr>
+        <p:spPr>
+          <a:xfrm>
+            <a:off x="457200" y="1219200"/>
+            <a:ext cx="8229600" cy="5410200"/>
+          </a:xfrm>
+        </p:spPr>
+        <p:txBody>
+          <a:bodyPr>
+            <a:normAutofit/>
+          </a:bodyPr>
+          <a:lstStyle/>
+          <a:p>
+            <a:pPr>
+              <a:lnSpc>
+                <a:spcPct val="90000"/>
+              </a:lnSpc>
+              <a:defRPr/>
+            </a:pPr>
+            <a:r>
+              <a:rPr lang="en-US" sz="2400" b="1" dirty="0">
+                <a:solidFill>
+                  <a:schemeClr val="bg1">
+                    <a:lumMod val="75000"/>
+                  </a:schemeClr>
+                </a:solidFill>
+              </a:rPr>
+              <a:t>Problem description:</a:t>
+            </a:r>
+            <a:r>
+              <a:rPr lang="en-US" sz="2400" dirty="0">
+                <a:solidFill>
+                  <a:schemeClr val="bg1">
+                    <a:lumMod val="75000"/>
+                  </a:schemeClr>
+                </a:solidFill>
+              </a:rPr>
+              <a:t> providing coin change of a given amount in the fewest number of coins</a:t>
+            </a:r>
+          </a:p>
+          <a:p>
+            <a:pPr>
+              <a:lnSpc>
+                <a:spcPct val="90000"/>
+              </a:lnSpc>
+              <a:defRPr/>
+            </a:pPr>
+            <a:r>
+              <a:rPr lang="en-US" sz="2400" b="1" dirty="0">
+                <a:solidFill>
+                  <a:schemeClr val="bg1">
+                    <a:lumMod val="75000"/>
+                  </a:schemeClr>
+                </a:solidFill>
+              </a:rPr>
+              <a:t>Inputs:</a:t>
+            </a:r>
+            <a:r>
+              <a:rPr lang="en-US" sz="2400" dirty="0">
+                <a:solidFill>
+                  <a:schemeClr val="bg1">
+                    <a:lumMod val="75000"/>
+                  </a:schemeClr>
+                </a:solidFill>
+              </a:rPr>
+              <a:t> the dollar-amount to return.  Perhaps the possible set of coins, if it is non-obvious.</a:t>
+            </a:r>
+          </a:p>
+          <a:p>
+            <a:pPr>
+              <a:lnSpc>
+                <a:spcPct val="90000"/>
+              </a:lnSpc>
+              <a:defRPr/>
+            </a:pPr>
+            <a:r>
+              <a:rPr lang="en-US" sz="2400" b="1" dirty="0">
+                <a:solidFill>
+                  <a:schemeClr val="bg1">
+                    <a:lumMod val="75000"/>
+                  </a:schemeClr>
+                </a:solidFill>
+              </a:rPr>
+              <a:t>Output:</a:t>
+            </a:r>
+            <a:r>
+              <a:rPr lang="en-US" sz="2400" dirty="0">
+                <a:solidFill>
+                  <a:schemeClr val="bg1">
+                    <a:lumMod val="75000"/>
+                  </a:schemeClr>
+                </a:solidFill>
+              </a:rPr>
+              <a:t> a set of coins that obtains the desired amount of change in the fewest number of coins</a:t>
+            </a:r>
+          </a:p>
+          <a:p>
+            <a:pPr>
+              <a:lnSpc>
+                <a:spcPct val="90000"/>
+              </a:lnSpc>
+              <a:defRPr/>
+            </a:pPr>
+            <a:r>
+              <a:rPr lang="en-US" sz="2400" b="1" dirty="0">
+                <a:solidFill>
+                  <a:schemeClr val="bg1">
+                    <a:lumMod val="75000"/>
+                  </a:schemeClr>
+                </a:solidFill>
+              </a:rPr>
+              <a:t>Assumptions:</a:t>
+            </a:r>
+            <a:r>
+              <a:rPr lang="en-US" sz="2400" dirty="0">
+                <a:solidFill>
+                  <a:schemeClr val="bg1">
+                    <a:lumMod val="75000"/>
+                  </a:schemeClr>
+                </a:solidFill>
+              </a:rPr>
+              <a:t> If the coins are not stated, then they are the standard quarter, dime, nickel, and penny.  All inputs are non-negative, and dollar amounts are ignored.</a:t>
+            </a:r>
+          </a:p>
+          <a:p>
+            <a:pPr>
+              <a:lnSpc>
+                <a:spcPct val="90000"/>
+              </a:lnSpc>
+              <a:defRPr/>
+            </a:pPr>
+            <a:r>
+              <a:rPr lang="en-US" sz="2400" b="1" dirty="0"/>
+              <a:t>Strategy:</a:t>
+            </a:r>
+            <a:r>
+              <a:rPr lang="en-US" sz="2400" dirty="0"/>
+              <a:t> a brute-force algorithm that considers every possibility and picks the one with the fewest number of coins</a:t>
+            </a:r>
+          </a:p>
+          <a:p>
+            <a:pPr>
+              <a:lnSpc>
+                <a:spcPct val="90000"/>
+              </a:lnSpc>
+              <a:defRPr/>
+            </a:pPr>
+            <a:r>
+              <a:rPr lang="en-US" sz="2400" b="1" dirty="0"/>
+              <a:t>Description:</a:t>
+            </a:r>
+            <a:r>
+              <a:rPr lang="en-US" sz="2400" dirty="0"/>
+              <a:t> Consider every possible combination of coins that add to the given amount (done via a depth-first search).  Return the one with the fewest number of coins.</a:t>
+            </a:r>
+            <a:endParaRPr lang="en-US" dirty="0"/>
+          </a:p>
+        </p:txBody>
+      </p:sp>
+      <p:sp>
+        <p:nvSpPr>
+          <p:cNvPr id="4" name="Slide Number Placeholder 3"/>
           <p:cNvSpPr>
             <a:spLocks noGrp="1"/>
           </p:cNvSpPr>
@@ -11175,6 +11255,265 @@
 </file>
 
 <file path=ppt/slides/slide39.xml><?xml version="1.0" encoding="utf-8"?>
+<p:sld xmlns:a="http://schemas.openxmlformats.org/drawingml/2006/main" xmlns:r="http://schemas.openxmlformats.org/officeDocument/2006/relationships" xmlns:p="http://schemas.openxmlformats.org/presentationml/2006/main">
+  <p:cSld>
+    <p:spTree>
+      <p:nvGrpSpPr>
+        <p:cNvPr id="1" name=""/>
+        <p:cNvGrpSpPr/>
+        <p:nvPr/>
+      </p:nvGrpSpPr>
+      <p:grpSpPr>
+        <a:xfrm>
+          <a:off x="0" y="0"/>
+          <a:ext cx="0" cy="0"/>
+          <a:chOff x="0" y="0"/>
+          <a:chExt cx="0" cy="0"/>
+        </a:xfrm>
+      </p:grpSpPr>
+      <p:sp>
+        <p:nvSpPr>
+          <p:cNvPr id="5" name="Title 4"/>
+          <p:cNvSpPr>
+            <a:spLocks noGrp="1"/>
+          </p:cNvSpPr>
+          <p:nvPr>
+            <p:ph type="title"/>
+          </p:nvPr>
+        </p:nvSpPr>
+        <p:spPr/>
+        <p:txBody>
+          <a:bodyPr/>
+          <a:lstStyle/>
+          <a:p>
+            <a:r>
+              <a:rPr lang="en-US" dirty="0"/>
+              <a:t>Motivating problems</a:t>
+            </a:r>
+          </a:p>
+        </p:txBody>
+      </p:sp>
+      <p:sp>
+        <p:nvSpPr>
+          <p:cNvPr id="6" name="Text Placeholder 5"/>
+          <p:cNvSpPr>
+            <a:spLocks noGrp="1"/>
+          </p:cNvSpPr>
+          <p:nvPr>
+            <p:ph type="body" idx="1"/>
+          </p:nvPr>
+        </p:nvSpPr>
+        <p:spPr/>
+        <p:txBody>
+          <a:bodyPr/>
+          <a:lstStyle/>
+          <a:p>
+            <a:endParaRPr lang="en-US"/>
+          </a:p>
+        </p:txBody>
+      </p:sp>
+      <p:sp>
+        <p:nvSpPr>
+          <p:cNvPr id="3" name="Slide Number Placeholder 2"/>
+          <p:cNvSpPr>
+            <a:spLocks noGrp="1"/>
+          </p:cNvSpPr>
+          <p:nvPr>
+            <p:ph type="sldNum" sz="quarter" idx="12"/>
+          </p:nvPr>
+        </p:nvSpPr>
+        <p:spPr/>
+        <p:txBody>
+          <a:bodyPr/>
+          <a:lstStyle/>
+          <a:p>
+            <a:fld id="{F26D9103-0C5C-48AC-B68E-3ED2C1647047}" type="slidenum">
+              <a:rPr lang="en-US" smtClean="0"/>
+              <a:pPr/>
+              <a:t>39</a:t>
+            </a:fld>
+            <a:endParaRPr lang="en-US"/>
+          </a:p>
+        </p:txBody>
+      </p:sp>
+    </p:spTree>
+  </p:cSld>
+  <p:clrMapOvr>
+    <a:masterClrMapping/>
+  </p:clrMapOvr>
+</p:sld>
+</file>
+
+<file path=ppt/slides/slide4.xml><?xml version="1.0" encoding="utf-8"?>
+<p:sld xmlns:a="http://schemas.openxmlformats.org/drawingml/2006/main" xmlns:r="http://schemas.openxmlformats.org/officeDocument/2006/relationships" xmlns:p="http://schemas.openxmlformats.org/presentationml/2006/main">
+  <p:cSld>
+    <p:spTree>
+      <p:nvGrpSpPr>
+        <p:cNvPr id="1" name=""/>
+        <p:cNvGrpSpPr/>
+        <p:nvPr/>
+      </p:nvGrpSpPr>
+      <p:grpSpPr>
+        <a:xfrm>
+          <a:off x="0" y="0"/>
+          <a:ext cx="0" cy="0"/>
+          <a:chOff x="0" y="0"/>
+          <a:chExt cx="0" cy="0"/>
+        </a:xfrm>
+      </p:grpSpPr>
+      <p:sp>
+        <p:nvSpPr>
+          <p:cNvPr id="2" name="Title 1">
+            <a:extLst>
+              <a:ext uri="{FF2B5EF4-FFF2-40B4-BE49-F238E27FC236}">
+                <a16:creationId xmlns:a16="http://schemas.microsoft.com/office/drawing/2014/main" id="{D4C714F9-F01E-7B4D-8EB0-3B151FAE663D}"/>
+              </a:ext>
+            </a:extLst>
+          </p:cNvPr>
+          <p:cNvSpPr>
+            <a:spLocks noGrp="1"/>
+          </p:cNvSpPr>
+          <p:nvPr>
+            <p:ph type="title"/>
+          </p:nvPr>
+        </p:nvSpPr>
+        <p:spPr/>
+        <p:txBody>
+          <a:bodyPr/>
+          <a:lstStyle/>
+          <a:p>
+            <a:r>
+              <a:rPr lang="en-US" dirty="0"/>
+              <a:t>Discord</a:t>
+            </a:r>
+          </a:p>
+        </p:txBody>
+      </p:sp>
+      <p:sp>
+        <p:nvSpPr>
+          <p:cNvPr id="3" name="Slide Number Placeholder 2">
+            <a:extLst>
+              <a:ext uri="{FF2B5EF4-FFF2-40B4-BE49-F238E27FC236}">
+                <a16:creationId xmlns:a16="http://schemas.microsoft.com/office/drawing/2014/main" id="{4409C9D4-846F-D543-85FE-C390EBACF5F4}"/>
+              </a:ext>
+            </a:extLst>
+          </p:cNvPr>
+          <p:cNvSpPr>
+            <a:spLocks noGrp="1"/>
+          </p:cNvSpPr>
+          <p:nvPr>
+            <p:ph type="sldNum" sz="quarter" idx="12"/>
+          </p:nvPr>
+        </p:nvSpPr>
+        <p:spPr/>
+        <p:txBody>
+          <a:bodyPr/>
+          <a:lstStyle/>
+          <a:p>
+            <a:fld id="{F26D9103-0C5C-48AC-B68E-3ED2C1647047}" type="slidenum">
+              <a:rPr lang="en-US" smtClean="0"/>
+              <a:pPr/>
+              <a:t>4</a:t>
+            </a:fld>
+            <a:endParaRPr lang="en-US"/>
+          </a:p>
+        </p:txBody>
+      </p:sp>
+      <p:sp>
+        <p:nvSpPr>
+          <p:cNvPr id="4" name="Content Placeholder 3">
+            <a:extLst>
+              <a:ext uri="{FF2B5EF4-FFF2-40B4-BE49-F238E27FC236}">
+                <a16:creationId xmlns:a16="http://schemas.microsoft.com/office/drawing/2014/main" id="{930851DE-8B7D-3A4B-A735-7873D3097E8B}"/>
+              </a:ext>
+            </a:extLst>
+          </p:cNvPr>
+          <p:cNvSpPr>
+            <a:spLocks noGrp="1"/>
+          </p:cNvSpPr>
+          <p:nvPr>
+            <p:ph sz="quarter" idx="1"/>
+          </p:nvPr>
+        </p:nvSpPr>
+        <p:spPr/>
+        <p:txBody>
+          <a:bodyPr/>
+          <a:lstStyle/>
+          <a:p>
+            <a:r>
+              <a:rPr lang="en-US" dirty="0"/>
+              <a:t>Most of our course communication will happen on Discord.</a:t>
+            </a:r>
+          </a:p>
+          <a:p>
+            <a:pPr lvl="1"/>
+            <a:r>
+              <a:rPr lang="en-US" dirty="0"/>
+              <a:t>Class announcements</a:t>
+            </a:r>
+          </a:p>
+          <a:p>
+            <a:pPr lvl="1"/>
+            <a:r>
+              <a:rPr lang="en-US" dirty="0"/>
+              <a:t>Office Hours</a:t>
+            </a:r>
+          </a:p>
+          <a:p>
+            <a:pPr lvl="1"/>
+            <a:r>
+              <a:rPr lang="en-US" dirty="0"/>
+              <a:t>General Q&amp;A with </a:t>
+            </a:r>
+            <a:r>
+              <a:rPr lang="en-US" dirty="0" err="1"/>
+              <a:t>Tas</a:t>
+            </a:r>
+            <a:r>
+              <a:rPr lang="en-US" dirty="0"/>
+              <a:t>, etc. (We will use piazza too)</a:t>
+            </a:r>
+          </a:p>
+          <a:p>
+            <a:endParaRPr lang="en-US" dirty="0"/>
+          </a:p>
+          <a:p>
+            <a:r>
+              <a:rPr lang="en-US" dirty="0"/>
+              <a:t>Please join ASAP!</a:t>
+            </a:r>
+          </a:p>
+          <a:p>
+            <a:pPr lvl="1"/>
+            <a:r>
+              <a:rPr lang="en-US" dirty="0"/>
+              <a:t>https://</a:t>
+            </a:r>
+            <a:r>
+              <a:rPr lang="en-US" dirty="0" err="1"/>
+              <a:t>discord.gg</a:t>
+            </a:r>
+            <a:r>
+              <a:rPr lang="en-US" dirty="0"/>
+              <a:t>/ycPkfQK9</a:t>
+            </a:r>
+          </a:p>
+        </p:txBody>
+      </p:sp>
+    </p:spTree>
+    <p:extLst>
+      <p:ext uri="{BB962C8B-B14F-4D97-AF65-F5344CB8AC3E}">
+        <p14:creationId xmlns:p14="http://schemas.microsoft.com/office/powerpoint/2010/main" val="1060944959"/>
+      </p:ext>
+    </p:extLst>
+  </p:cSld>
+  <p:clrMapOvr>
+    <a:masterClrMapping/>
+  </p:clrMapOvr>
+</p:sld>
+</file>
+
+<file path=ppt/slides/slide40.xml><?xml version="1.0" encoding="utf-8"?>
 <p:sld xmlns:a="http://schemas.openxmlformats.org/drawingml/2006/main" xmlns:r="http://schemas.openxmlformats.org/officeDocument/2006/relationships" xmlns:p="http://schemas.openxmlformats.org/presentationml/2006/main">
   <p:cSld>
     <p:spTree>
@@ -11330,7 +11669,7 @@
             <a:fld id="{F26D9103-0C5C-48AC-B68E-3ED2C1647047}" type="slidenum">
               <a:rPr lang="en-US" smtClean="0"/>
               <a:pPr/>
-              <a:t>39</a:t>
+              <a:t>40</a:t>
             </a:fld>
             <a:endParaRPr lang="en-US"/>
           </a:p>
@@ -11344,7 +11683,7 @@
 </p:sld>
 </file>
 
-<file path=ppt/slides/slide4.xml><?xml version="1.0" encoding="utf-8"?>
+<file path=ppt/slides/slide41.xml><?xml version="1.0" encoding="utf-8"?>
 <p:sld xmlns:a="http://schemas.openxmlformats.org/drawingml/2006/main" xmlns:r="http://schemas.openxmlformats.org/officeDocument/2006/relationships" xmlns:p="http://schemas.openxmlformats.org/presentationml/2006/main">
   <p:cSld>
     <p:spTree>
@@ -11363,6 +11702,1001 @@
       </p:grpSpPr>
       <p:sp>
         <p:nvSpPr>
+          <p:cNvPr id="2" name="Title 1"/>
+          <p:cNvSpPr>
+            <a:spLocks noGrp="1"/>
+          </p:cNvSpPr>
+          <p:nvPr>
+            <p:ph type="title"/>
+          </p:nvPr>
+        </p:nvSpPr>
+        <p:spPr>
+          <a:xfrm>
+            <a:off x="381000" y="457200"/>
+            <a:ext cx="8763000" cy="685800"/>
+          </a:xfrm>
+        </p:spPr>
+        <p:txBody>
+          <a:bodyPr>
+            <a:normAutofit fontScale="90000"/>
+          </a:bodyPr>
+          <a:lstStyle/>
+          <a:p>
+            <a:r>
+              <a:rPr lang="en-US" dirty="0"/>
+              <a:t>Motivating problem: Weighted interval scheduling</a:t>
+            </a:r>
+          </a:p>
+        </p:txBody>
+      </p:sp>
+      <p:sp>
+        <p:nvSpPr>
+          <p:cNvPr id="3" name="Content Placeholder 2"/>
+          <p:cNvSpPr>
+            <a:spLocks noGrp="1"/>
+          </p:cNvSpPr>
+          <p:nvPr>
+            <p:ph sz="quarter" idx="1"/>
+          </p:nvPr>
+        </p:nvSpPr>
+        <p:spPr/>
+        <p:txBody>
+          <a:bodyPr/>
+          <a:lstStyle/>
+          <a:p>
+            <a:r>
+              <a:rPr lang="en-US" dirty="0"/>
+              <a:t>Weighted interval scheduling</a:t>
+            </a:r>
+          </a:p>
+          <a:p>
+            <a:pPr lvl="1"/>
+            <a:r>
+              <a:rPr lang="en-US" dirty="0"/>
+              <a:t>Same as the regular interval scheduling, but in addition each request has a cost associated with it</a:t>
+            </a:r>
+          </a:p>
+          <a:p>
+            <a:pPr lvl="1"/>
+            <a:r>
+              <a:rPr lang="en-US" dirty="0"/>
+              <a:t>The goal is to maximize the cost from scheduling the items</a:t>
+            </a:r>
+          </a:p>
+          <a:p>
+            <a:pPr lvl="1"/>
+            <a:r>
+              <a:rPr lang="en-US" dirty="0"/>
+              <a:t>This is solved by </a:t>
+            </a:r>
+            <a:r>
+              <a:rPr lang="en-US" i="1" dirty="0"/>
+              <a:t>dynamic programming</a:t>
+            </a:r>
+          </a:p>
+        </p:txBody>
+      </p:sp>
+      <p:pic>
+        <p:nvPicPr>
+          <p:cNvPr id="5" name="Picture 2" descr="C:\WINDOWS\Desktop\Oh_type\kleinberg_GIF_01to10\kleinberg_01F04.gif"/>
+          <p:cNvPicPr preferRelativeResize="0">
+            <a:picLocks noChangeAspect="1" noChangeArrowheads="1"/>
+          </p:cNvPicPr>
+          <p:nvPr>
+            <p:custDataLst>
+              <p:tags r:id="rId1"/>
+            </p:custDataLst>
+          </p:nvPr>
+        </p:nvPicPr>
+        <p:blipFill>
+          <a:blip r:embed="rId3"/>
+          <a:srcRect b="21358"/>
+          <a:stretch>
+            <a:fillRect/>
+          </a:stretch>
+        </p:blipFill>
+        <p:spPr bwMode="auto">
+          <a:xfrm>
+            <a:off x="685800" y="3962400"/>
+            <a:ext cx="7772400" cy="2133600"/>
+          </a:xfrm>
+          <a:prstGeom prst="rect">
+            <a:avLst/>
+          </a:prstGeom>
+          <a:noFill/>
+          <a:ln w="9525">
+            <a:noFill/>
+            <a:miter lim="800000"/>
+            <a:headEnd/>
+            <a:tailEnd/>
+          </a:ln>
+          <a:effectLst/>
+        </p:spPr>
+      </p:pic>
+      <p:sp>
+        <p:nvSpPr>
+          <p:cNvPr id="6" name="Slide Number Placeholder 5"/>
+          <p:cNvSpPr>
+            <a:spLocks noGrp="1"/>
+          </p:cNvSpPr>
+          <p:nvPr>
+            <p:ph type="sldNum" sz="quarter" idx="12"/>
+          </p:nvPr>
+        </p:nvSpPr>
+        <p:spPr/>
+        <p:txBody>
+          <a:bodyPr/>
+          <a:lstStyle/>
+          <a:p>
+            <a:fld id="{F26D9103-0C5C-48AC-B68E-3ED2C1647047}" type="slidenum">
+              <a:rPr lang="en-US" smtClean="0"/>
+              <a:pPr/>
+              <a:t>41</a:t>
+            </a:fld>
+            <a:endParaRPr lang="en-US"/>
+          </a:p>
+        </p:txBody>
+      </p:sp>
+    </p:spTree>
+  </p:cSld>
+  <p:clrMapOvr>
+    <a:masterClrMapping/>
+  </p:clrMapOvr>
+</p:sld>
+</file>
+
+<file path=ppt/slides/slide42.xml><?xml version="1.0" encoding="utf-8"?>
+<p:sld xmlns:a="http://schemas.openxmlformats.org/drawingml/2006/main" xmlns:r="http://schemas.openxmlformats.org/officeDocument/2006/relationships" xmlns:p="http://schemas.openxmlformats.org/presentationml/2006/main">
+  <p:cSld>
+    <p:spTree>
+      <p:nvGrpSpPr>
+        <p:cNvPr id="1" name=""/>
+        <p:cNvGrpSpPr/>
+        <p:nvPr/>
+      </p:nvGrpSpPr>
+      <p:grpSpPr>
+        <a:xfrm>
+          <a:off x="0" y="0"/>
+          <a:ext cx="0" cy="0"/>
+          <a:chOff x="0" y="0"/>
+          <a:chExt cx="0" cy="0"/>
+        </a:xfrm>
+      </p:grpSpPr>
+      <p:sp>
+        <p:nvSpPr>
+          <p:cNvPr id="2" name="Title 1"/>
+          <p:cNvSpPr>
+            <a:spLocks noGrp="1"/>
+          </p:cNvSpPr>
+          <p:nvPr>
+            <p:ph type="title"/>
+          </p:nvPr>
+        </p:nvSpPr>
+        <p:spPr/>
+        <p:txBody>
+          <a:bodyPr/>
+          <a:lstStyle/>
+          <a:p>
+            <a:r>
+              <a:rPr lang="en-US" dirty="0"/>
+              <a:t>Motivating problem: Bipartite matching</a:t>
+            </a:r>
+          </a:p>
+        </p:txBody>
+      </p:sp>
+      <p:sp>
+        <p:nvSpPr>
+          <p:cNvPr id="3" name="Content Placeholder 2"/>
+          <p:cNvSpPr>
+            <a:spLocks noGrp="1"/>
+          </p:cNvSpPr>
+          <p:nvPr>
+            <p:ph sz="quarter" idx="1"/>
+          </p:nvPr>
+        </p:nvSpPr>
+        <p:spPr/>
+        <p:txBody>
+          <a:bodyPr/>
+          <a:lstStyle/>
+          <a:p>
+            <a:r>
+              <a:rPr lang="en-US" dirty="0"/>
+              <a:t>Bipartite matching</a:t>
+            </a:r>
+          </a:p>
+          <a:p>
+            <a:pPr lvl="1"/>
+            <a:r>
+              <a:rPr lang="en-US" dirty="0"/>
+              <a:t>Given a graph </a:t>
+            </a:r>
+            <a:r>
+              <a:rPr lang="en-US" i="1" dirty="0"/>
+              <a:t>G</a:t>
+            </a:r>
+            <a:r>
+              <a:rPr lang="en-US" dirty="0"/>
+              <a:t>, find the maximum sub-graph of </a:t>
+            </a:r>
+            <a:r>
+              <a:rPr lang="en-US" i="1" dirty="0"/>
+              <a:t>G</a:t>
+            </a:r>
+            <a:r>
+              <a:rPr lang="en-US" dirty="0"/>
+              <a:t> that partitions </a:t>
+            </a:r>
+            <a:r>
+              <a:rPr lang="en-US" i="1" dirty="0"/>
+              <a:t>G</a:t>
+            </a:r>
+            <a:r>
+              <a:rPr lang="en-US" dirty="0"/>
+              <a:t> into sets </a:t>
+            </a:r>
+            <a:r>
+              <a:rPr lang="en-US" i="1" dirty="0"/>
+              <a:t>X</a:t>
+            </a:r>
+            <a:r>
+              <a:rPr lang="en-US" dirty="0"/>
+              <a:t> and </a:t>
+            </a:r>
+            <a:r>
+              <a:rPr lang="en-US" i="1" dirty="0"/>
+              <a:t>Y</a:t>
+            </a:r>
+            <a:r>
+              <a:rPr lang="en-US" dirty="0"/>
+              <a:t> such that no node from </a:t>
+            </a:r>
+            <a:r>
+              <a:rPr lang="en-US" i="1" dirty="0"/>
+              <a:t>X</a:t>
+            </a:r>
+            <a:r>
+              <a:rPr lang="en-US" dirty="0"/>
+              <a:t> is connected to a node in </a:t>
+            </a:r>
+            <a:r>
+              <a:rPr lang="en-US" i="1" dirty="0"/>
+              <a:t>Y</a:t>
+            </a:r>
+            <a:r>
+              <a:rPr lang="en-US" dirty="0"/>
+              <a:t>, and vise-versa</a:t>
+            </a:r>
+          </a:p>
+          <a:p>
+            <a:pPr lvl="1" algn="l"/>
+            <a:r>
+              <a:rPr lang="en-US" dirty="0"/>
+              <a:t>Example: given a series of requests, and </a:t>
+            </a:r>
+            <a:br>
+              <a:rPr lang="en-US" dirty="0"/>
+            </a:br>
+            <a:r>
+              <a:rPr lang="en-US" dirty="0"/>
+              <a:t>entities that can handle each request </a:t>
+            </a:r>
+            <a:br>
+              <a:rPr lang="en-US" dirty="0"/>
+            </a:br>
+            <a:r>
+              <a:rPr lang="en-US" dirty="0"/>
+              <a:t>(such people, computers, etc.), find the </a:t>
+            </a:r>
+            <a:br>
+              <a:rPr lang="en-US" dirty="0"/>
+            </a:br>
+            <a:r>
+              <a:rPr lang="en-US" dirty="0"/>
+              <a:t>optimal matching of requests to entities</a:t>
+            </a:r>
+          </a:p>
+          <a:p>
+            <a:pPr lvl="1" algn="l"/>
+            <a:r>
+              <a:rPr lang="en-US" dirty="0"/>
+              <a:t>This is a </a:t>
+            </a:r>
+            <a:r>
+              <a:rPr lang="en-US" i="1" dirty="0"/>
+              <a:t>network flow </a:t>
+            </a:r>
+            <a:r>
+              <a:rPr lang="en-US" dirty="0"/>
+              <a:t>problem</a:t>
+            </a:r>
+          </a:p>
+          <a:p>
+            <a:pPr lvl="1"/>
+            <a:endParaRPr lang="en-US" dirty="0"/>
+          </a:p>
+          <a:p>
+            <a:pPr lvl="1"/>
+            <a:endParaRPr lang="en-US" dirty="0" err="1"/>
+          </a:p>
+        </p:txBody>
+      </p:sp>
+      <p:pic>
+        <p:nvPicPr>
+          <p:cNvPr id="4" name="Picture 2" descr="C:\WINDOWS\Desktop\Oh_type\kleinberg_GIF_01to10\kleinberg_01F05.gif"/>
+          <p:cNvPicPr preferRelativeResize="0">
+            <a:picLocks noChangeAspect="1" noChangeArrowheads="1"/>
+          </p:cNvPicPr>
+          <p:nvPr>
+            <p:custDataLst>
+              <p:tags r:id="rId1"/>
+            </p:custDataLst>
+          </p:nvPr>
+        </p:nvPicPr>
+        <p:blipFill>
+          <a:blip r:embed="rId3">
+            <a:clrChange>
+              <a:clrFrom>
+                <a:srgbClr val="FFFFFF"/>
+              </a:clrFrom>
+              <a:clrTo>
+                <a:srgbClr val="FFFFFF">
+                  <a:alpha val="0"/>
+                </a:srgbClr>
+              </a:clrTo>
+            </a:clrChange>
+          </a:blip>
+          <a:srcRect t="5229" b="17647"/>
+          <a:stretch>
+            <a:fillRect/>
+          </a:stretch>
+        </p:blipFill>
+        <p:spPr bwMode="auto">
+          <a:xfrm>
+            <a:off x="5394406" y="3124200"/>
+            <a:ext cx="3749594" cy="3581400"/>
+          </a:xfrm>
+          <a:prstGeom prst="rect">
+            <a:avLst/>
+          </a:prstGeom>
+          <a:noFill/>
+          <a:ln w="9525">
+            <a:noFill/>
+            <a:miter lim="800000"/>
+            <a:headEnd/>
+            <a:tailEnd/>
+          </a:ln>
+          <a:effectLst/>
+        </p:spPr>
+      </p:pic>
+      <p:sp>
+        <p:nvSpPr>
+          <p:cNvPr id="5" name="Slide Number Placeholder 4"/>
+          <p:cNvSpPr>
+            <a:spLocks noGrp="1"/>
+          </p:cNvSpPr>
+          <p:nvPr>
+            <p:ph type="sldNum" sz="quarter" idx="12"/>
+          </p:nvPr>
+        </p:nvSpPr>
+        <p:spPr/>
+        <p:txBody>
+          <a:bodyPr/>
+          <a:lstStyle/>
+          <a:p>
+            <a:fld id="{F26D9103-0C5C-48AC-B68E-3ED2C1647047}" type="slidenum">
+              <a:rPr lang="en-US" smtClean="0"/>
+              <a:pPr/>
+              <a:t>42</a:t>
+            </a:fld>
+            <a:endParaRPr lang="en-US"/>
+          </a:p>
+        </p:txBody>
+      </p:sp>
+    </p:spTree>
+  </p:cSld>
+  <p:clrMapOvr>
+    <a:masterClrMapping/>
+  </p:clrMapOvr>
+</p:sld>
+</file>
+
+<file path=ppt/slides/slide43.xml><?xml version="1.0" encoding="utf-8"?>
+<p:sld xmlns:a="http://schemas.openxmlformats.org/drawingml/2006/main" xmlns:r="http://schemas.openxmlformats.org/officeDocument/2006/relationships" xmlns:p="http://schemas.openxmlformats.org/presentationml/2006/main">
+  <p:cSld>
+    <p:spTree>
+      <p:nvGrpSpPr>
+        <p:cNvPr id="1" name=""/>
+        <p:cNvGrpSpPr/>
+        <p:nvPr/>
+      </p:nvGrpSpPr>
+      <p:grpSpPr>
+        <a:xfrm>
+          <a:off x="0" y="0"/>
+          <a:ext cx="0" cy="0"/>
+          <a:chOff x="0" y="0"/>
+          <a:chExt cx="0" cy="0"/>
+        </a:xfrm>
+      </p:grpSpPr>
+      <p:sp>
+        <p:nvSpPr>
+          <p:cNvPr id="2" name="Title 1"/>
+          <p:cNvSpPr>
+            <a:spLocks noGrp="1"/>
+          </p:cNvSpPr>
+          <p:nvPr>
+            <p:ph type="title"/>
+          </p:nvPr>
+        </p:nvSpPr>
+        <p:spPr/>
+        <p:txBody>
+          <a:bodyPr/>
+          <a:lstStyle/>
+          <a:p>
+            <a:r>
+              <a:rPr lang="en-US" dirty="0"/>
+              <a:t>Motivating problem: Sorting</a:t>
+            </a:r>
+          </a:p>
+        </p:txBody>
+      </p:sp>
+      <p:sp>
+        <p:nvSpPr>
+          <p:cNvPr id="3" name="Slide Number Placeholder 2"/>
+          <p:cNvSpPr>
+            <a:spLocks noGrp="1"/>
+          </p:cNvSpPr>
+          <p:nvPr>
+            <p:ph type="sldNum" sz="quarter" idx="12"/>
+          </p:nvPr>
+        </p:nvSpPr>
+        <p:spPr/>
+        <p:txBody>
+          <a:bodyPr/>
+          <a:lstStyle/>
+          <a:p>
+            <a:fld id="{F26D9103-0C5C-48AC-B68E-3ED2C1647047}" type="slidenum">
+              <a:rPr lang="en-US" smtClean="0"/>
+              <a:pPr/>
+              <a:t>43</a:t>
+            </a:fld>
+            <a:endParaRPr lang="en-US"/>
+          </a:p>
+        </p:txBody>
+      </p:sp>
+      <p:sp>
+        <p:nvSpPr>
+          <p:cNvPr id="4" name="Content Placeholder 3"/>
+          <p:cNvSpPr>
+            <a:spLocks noGrp="1"/>
+          </p:cNvSpPr>
+          <p:nvPr>
+            <p:ph sz="quarter" idx="1"/>
+          </p:nvPr>
+        </p:nvSpPr>
+        <p:spPr/>
+        <p:txBody>
+          <a:bodyPr/>
+          <a:lstStyle/>
+          <a:p>
+            <a:r>
+              <a:rPr lang="en-US" dirty="0"/>
+              <a:t>How do you implement a general-purpose sort that is as efficient as possible in both space and time, and is </a:t>
+            </a:r>
+            <a:r>
+              <a:rPr lang="en-US" i="1" dirty="0"/>
+              <a:t>stable</a:t>
+            </a:r>
+            <a:r>
+              <a:rPr lang="en-US" dirty="0"/>
+              <a:t>?</a:t>
+            </a:r>
+          </a:p>
+          <a:p>
+            <a:r>
+              <a:rPr lang="en-US" dirty="0"/>
+              <a:t>One solution is merge-sort</a:t>
+            </a:r>
+          </a:p>
+          <a:p>
+            <a:pPr lvl="1" algn="l"/>
+            <a:r>
+              <a:rPr lang="en-US" dirty="0"/>
+              <a:t>We’ll see later why </a:t>
+            </a:r>
+            <a:r>
+              <a:rPr lang="en-US" dirty="0" err="1"/>
+              <a:t>quicksort</a:t>
+            </a:r>
+            <a:r>
+              <a:rPr lang="en-US" dirty="0"/>
+              <a:t>, </a:t>
+            </a:r>
+            <a:br>
+              <a:rPr lang="en-US" dirty="0"/>
+            </a:br>
+            <a:r>
+              <a:rPr lang="en-US" dirty="0" err="1"/>
+              <a:t>heapsort</a:t>
+            </a:r>
+            <a:r>
+              <a:rPr lang="en-US" dirty="0"/>
+              <a:t>, and radix sort are </a:t>
+            </a:r>
+            <a:br>
+              <a:rPr lang="en-US" dirty="0"/>
+            </a:br>
+            <a:r>
+              <a:rPr lang="en-US" dirty="0"/>
+              <a:t>not sufficient</a:t>
+            </a:r>
+          </a:p>
+          <a:p>
+            <a:pPr algn="l"/>
+            <a:r>
+              <a:rPr lang="en-US" dirty="0"/>
+              <a:t>This is an application </a:t>
+            </a:r>
+            <a:br>
+              <a:rPr lang="en-US" dirty="0"/>
+            </a:br>
+            <a:r>
+              <a:rPr lang="en-US" dirty="0"/>
+              <a:t>of both </a:t>
+            </a:r>
+            <a:r>
+              <a:rPr lang="en-US" i="1" dirty="0"/>
+              <a:t>sorting</a:t>
+            </a:r>
+            <a:r>
+              <a:rPr lang="en-US" dirty="0"/>
+              <a:t> and </a:t>
+            </a:r>
+            <a:br>
+              <a:rPr lang="en-US" dirty="0"/>
+            </a:br>
+            <a:r>
+              <a:rPr lang="en-US" i="1" dirty="0"/>
+              <a:t>divide and conquer</a:t>
+            </a:r>
+            <a:endParaRPr lang="en-US" dirty="0"/>
+          </a:p>
+        </p:txBody>
+      </p:sp>
+      <p:pic>
+        <p:nvPicPr>
+          <p:cNvPr id="5" name="Picture 4" descr="500px-Merge_sort_algorithm_diagram.svg.png"/>
+          <p:cNvPicPr>
+            <a:picLocks noChangeAspect="1"/>
+          </p:cNvPicPr>
+          <p:nvPr/>
+        </p:nvPicPr>
+        <p:blipFill>
+          <a:blip r:embed="rId2">
+            <a:clrChange>
+              <a:clrFrom>
+                <a:srgbClr val="FFFFFF"/>
+              </a:clrFrom>
+              <a:clrTo>
+                <a:srgbClr val="FFFFFF">
+                  <a:alpha val="0"/>
+                </a:srgbClr>
+              </a:clrTo>
+            </a:clrChange>
+          </a:blip>
+          <a:stretch>
+            <a:fillRect/>
+          </a:stretch>
+        </p:blipFill>
+        <p:spPr>
+          <a:xfrm>
+            <a:off x="4152900" y="2133600"/>
+            <a:ext cx="4762500" cy="4581525"/>
+          </a:xfrm>
+          <a:prstGeom prst="rect">
+            <a:avLst/>
+          </a:prstGeom>
+        </p:spPr>
+      </p:pic>
+    </p:spTree>
+  </p:cSld>
+  <p:clrMapOvr>
+    <a:masterClrMapping/>
+  </p:clrMapOvr>
+</p:sld>
+</file>
+
+<file path=ppt/slides/slide44.xml><?xml version="1.0" encoding="utf-8"?>
+<p:sld xmlns:a="http://schemas.openxmlformats.org/drawingml/2006/main" xmlns:r="http://schemas.openxmlformats.org/officeDocument/2006/relationships" xmlns:p="http://schemas.openxmlformats.org/presentationml/2006/main">
+  <p:cSld>
+    <p:spTree>
+      <p:nvGrpSpPr>
+        <p:cNvPr id="1" name=""/>
+        <p:cNvGrpSpPr/>
+        <p:nvPr/>
+      </p:nvGrpSpPr>
+      <p:grpSpPr>
+        <a:xfrm>
+          <a:off x="0" y="0"/>
+          <a:ext cx="0" cy="0"/>
+          <a:chOff x="0" y="0"/>
+          <a:chExt cx="0" cy="0"/>
+        </a:xfrm>
+      </p:grpSpPr>
+      <p:sp>
+        <p:nvSpPr>
+          <p:cNvPr id="2" name="Title 1"/>
+          <p:cNvSpPr>
+            <a:spLocks noGrp="1"/>
+          </p:cNvSpPr>
+          <p:nvPr>
+            <p:ph type="title"/>
+          </p:nvPr>
+        </p:nvSpPr>
+        <p:spPr/>
+        <p:txBody>
+          <a:bodyPr/>
+          <a:lstStyle/>
+          <a:p>
+            <a:r>
+              <a:rPr lang="en-US" dirty="0"/>
+              <a:t>Motivating problem: Independent set</a:t>
+            </a:r>
+          </a:p>
+        </p:txBody>
+      </p:sp>
+      <p:sp>
+        <p:nvSpPr>
+          <p:cNvPr id="3" name="Content Placeholder 2"/>
+          <p:cNvSpPr>
+            <a:spLocks noGrp="1"/>
+          </p:cNvSpPr>
+          <p:nvPr>
+            <p:ph sz="quarter" idx="1"/>
+          </p:nvPr>
+        </p:nvSpPr>
+        <p:spPr/>
+        <p:txBody>
+          <a:bodyPr/>
+          <a:lstStyle/>
+          <a:p>
+            <a:r>
+              <a:rPr lang="en-US" dirty="0"/>
+              <a:t>Independent set</a:t>
+            </a:r>
+          </a:p>
+          <a:p>
+            <a:pPr lvl="1"/>
+            <a:r>
+              <a:rPr lang="en-US" dirty="0"/>
+              <a:t>Given a graph </a:t>
+            </a:r>
+            <a:r>
+              <a:rPr lang="en-US" i="1" dirty="0"/>
+              <a:t>G</a:t>
+            </a:r>
+            <a:r>
+              <a:rPr lang="en-US" dirty="0"/>
+              <a:t>, find the maximum size subset </a:t>
+            </a:r>
+            <a:r>
+              <a:rPr lang="en-US" i="1" dirty="0"/>
+              <a:t>X</a:t>
+            </a:r>
+            <a:r>
+              <a:rPr lang="en-US" dirty="0"/>
+              <a:t> of </a:t>
+            </a:r>
+            <a:r>
+              <a:rPr lang="en-US" i="1" dirty="0"/>
+              <a:t>G</a:t>
+            </a:r>
+            <a:r>
+              <a:rPr lang="en-US" dirty="0"/>
+              <a:t> such that no two nodes in </a:t>
+            </a:r>
+            <a:r>
+              <a:rPr lang="en-US" i="1" dirty="0"/>
+              <a:t>X</a:t>
+            </a:r>
+            <a:r>
+              <a:rPr lang="en-US" dirty="0"/>
+              <a:t> are connected to each other</a:t>
+            </a:r>
+          </a:p>
+          <a:p>
+            <a:pPr lvl="1" algn="l"/>
+            <a:r>
+              <a:rPr lang="en-US" dirty="0"/>
+              <a:t>This is a </a:t>
+            </a:r>
+            <a:r>
+              <a:rPr lang="en-US" i="1" dirty="0"/>
+              <a:t>NP-complete</a:t>
+            </a:r>
+            <a:r>
+              <a:rPr lang="en-US" dirty="0"/>
+              <a:t> </a:t>
+            </a:r>
+            <a:br>
+              <a:rPr lang="en-US" dirty="0"/>
+            </a:br>
+            <a:r>
+              <a:rPr lang="en-US" dirty="0"/>
+              <a:t>problem</a:t>
+            </a:r>
+          </a:p>
+          <a:p>
+            <a:pPr lvl="1" algn="l"/>
+            <a:r>
+              <a:rPr lang="en-US" dirty="0"/>
+              <a:t>You’ve seen TSP (travelling </a:t>
+            </a:r>
+            <a:br>
+              <a:rPr lang="en-US" dirty="0"/>
+            </a:br>
+            <a:r>
+              <a:rPr lang="en-US" dirty="0"/>
+              <a:t>salesperson problem) in CS </a:t>
+            </a:r>
+            <a:br>
+              <a:rPr lang="en-US" dirty="0"/>
+            </a:br>
+            <a:r>
+              <a:rPr lang="en-US" dirty="0"/>
+              <a:t>2150, which is a </a:t>
+            </a:r>
+            <a:br>
+              <a:rPr lang="en-US" dirty="0"/>
+            </a:br>
+            <a:r>
+              <a:rPr lang="en-US" dirty="0"/>
+              <a:t>NP-complete problem</a:t>
+            </a:r>
+          </a:p>
+        </p:txBody>
+      </p:sp>
+      <p:pic>
+        <p:nvPicPr>
+          <p:cNvPr id="4" name="Picture 2" descr="C:\WINDOWS\Desktop\Oh_type\kleinberg_GIF_01to10\kleinberg_01F06.gif"/>
+          <p:cNvPicPr preferRelativeResize="0">
+            <a:picLocks noChangeAspect="1" noChangeArrowheads="1"/>
+          </p:cNvPicPr>
+          <p:nvPr>
+            <p:custDataLst>
+              <p:tags r:id="rId1"/>
+            </p:custDataLst>
+          </p:nvPr>
+        </p:nvPicPr>
+        <p:blipFill>
+          <a:blip r:embed="rId3"/>
+          <a:srcRect l="6671" t="9150" r="4827" b="28105"/>
+          <a:stretch>
+            <a:fillRect/>
+          </a:stretch>
+        </p:blipFill>
+        <p:spPr bwMode="auto">
+          <a:xfrm>
+            <a:off x="4495800" y="2895600"/>
+            <a:ext cx="4191000" cy="3657600"/>
+          </a:xfrm>
+          <a:prstGeom prst="rect">
+            <a:avLst/>
+          </a:prstGeom>
+          <a:noFill/>
+          <a:ln w="9525">
+            <a:noFill/>
+            <a:miter lim="800000"/>
+            <a:headEnd/>
+            <a:tailEnd/>
+          </a:ln>
+          <a:effectLst/>
+        </p:spPr>
+      </p:pic>
+      <p:sp>
+        <p:nvSpPr>
+          <p:cNvPr id="5" name="Slide Number Placeholder 4"/>
+          <p:cNvSpPr>
+            <a:spLocks noGrp="1"/>
+          </p:cNvSpPr>
+          <p:nvPr>
+            <p:ph type="sldNum" sz="quarter" idx="12"/>
+          </p:nvPr>
+        </p:nvSpPr>
+        <p:spPr/>
+        <p:txBody>
+          <a:bodyPr/>
+          <a:lstStyle/>
+          <a:p>
+            <a:fld id="{F26D9103-0C5C-48AC-B68E-3ED2C1647047}" type="slidenum">
+              <a:rPr lang="en-US" smtClean="0"/>
+              <a:pPr/>
+              <a:t>44</a:t>
+            </a:fld>
+            <a:endParaRPr lang="en-US"/>
+          </a:p>
+        </p:txBody>
+      </p:sp>
+    </p:spTree>
+  </p:cSld>
+  <p:clrMapOvr>
+    <a:masterClrMapping/>
+  </p:clrMapOvr>
+</p:sld>
+</file>
+
+<file path=ppt/slides/slide45.xml><?xml version="1.0" encoding="utf-8"?>
+<p:sld xmlns:a="http://schemas.openxmlformats.org/drawingml/2006/main" xmlns:r="http://schemas.openxmlformats.org/officeDocument/2006/relationships" xmlns:p="http://schemas.openxmlformats.org/presentationml/2006/main">
+  <p:cSld>
+    <p:spTree>
+      <p:nvGrpSpPr>
+        <p:cNvPr id="1" name=""/>
+        <p:cNvGrpSpPr/>
+        <p:nvPr/>
+      </p:nvGrpSpPr>
+      <p:grpSpPr>
+        <a:xfrm>
+          <a:off x="0" y="0"/>
+          <a:ext cx="0" cy="0"/>
+          <a:chOff x="0" y="0"/>
+          <a:chExt cx="0" cy="0"/>
+        </a:xfrm>
+      </p:grpSpPr>
+      <p:sp>
+        <p:nvSpPr>
+          <p:cNvPr id="2" name="Title 1"/>
+          <p:cNvSpPr>
+            <a:spLocks noGrp="1"/>
+          </p:cNvSpPr>
+          <p:nvPr>
+            <p:ph type="title"/>
+          </p:nvPr>
+        </p:nvSpPr>
+        <p:spPr/>
+        <p:txBody>
+          <a:bodyPr>
+            <a:normAutofit fontScale="90000"/>
+          </a:bodyPr>
+          <a:lstStyle/>
+          <a:p>
+            <a:r>
+              <a:rPr lang="en-US" dirty="0"/>
+              <a:t>Motivating problem: Competitive facility location</a:t>
+            </a:r>
+          </a:p>
+        </p:txBody>
+      </p:sp>
+      <p:sp>
+        <p:nvSpPr>
+          <p:cNvPr id="3" name="Content Placeholder 2"/>
+          <p:cNvSpPr>
+            <a:spLocks noGrp="1"/>
+          </p:cNvSpPr>
+          <p:nvPr>
+            <p:ph sz="quarter" idx="1"/>
+          </p:nvPr>
+        </p:nvSpPr>
+        <p:spPr/>
+        <p:txBody>
+          <a:bodyPr/>
+          <a:lstStyle/>
+          <a:p>
+            <a:r>
+              <a:rPr lang="en-US" dirty="0"/>
+              <a:t>Competitive facility location</a:t>
+            </a:r>
+          </a:p>
+          <a:p>
+            <a:pPr lvl="1"/>
+            <a:r>
+              <a:rPr lang="en-US" dirty="0"/>
+              <a:t>Consider a graph G, where two ‘players’ choose nodes in alternating order.  No two nodes can be chosen (by either side) if a connecting node is already chosen.  Choose the winning strategy for your player.</a:t>
+            </a:r>
+          </a:p>
+          <a:p>
+            <a:pPr lvl="1"/>
+            <a:r>
+              <a:rPr lang="en-US" dirty="0"/>
+              <a:t>This is a </a:t>
+            </a:r>
+            <a:r>
+              <a:rPr lang="en-US" i="1" dirty="0"/>
+              <a:t>PSPACE problem</a:t>
+            </a:r>
+            <a:r>
+              <a:rPr lang="en-US" dirty="0"/>
+              <a:t>, which are harder than NP-complete problems</a:t>
+            </a:r>
+          </a:p>
+        </p:txBody>
+      </p:sp>
+      <p:pic>
+        <p:nvPicPr>
+          <p:cNvPr id="4" name="Picture 2" descr="C:\WINDOWS\Desktop\Oh_type\kleinberg_GIF_01to10\kleinberg_01F07.gif"/>
+          <p:cNvPicPr preferRelativeResize="0">
+            <a:picLocks noChangeAspect="1" noChangeArrowheads="1"/>
+          </p:cNvPicPr>
+          <p:nvPr>
+            <p:custDataLst>
+              <p:tags r:id="rId1"/>
+            </p:custDataLst>
+          </p:nvPr>
+        </p:nvPicPr>
+        <p:blipFill>
+          <a:blip r:embed="rId3"/>
+          <a:srcRect b="37527"/>
+          <a:stretch>
+            <a:fillRect/>
+          </a:stretch>
+        </p:blipFill>
+        <p:spPr bwMode="auto">
+          <a:xfrm>
+            <a:off x="533400" y="4800600"/>
+            <a:ext cx="7772400" cy="914400"/>
+          </a:xfrm>
+          <a:prstGeom prst="rect">
+            <a:avLst/>
+          </a:prstGeom>
+          <a:noFill/>
+          <a:ln w="9525">
+            <a:noFill/>
+            <a:miter lim="800000"/>
+            <a:headEnd/>
+            <a:tailEnd/>
+          </a:ln>
+          <a:effectLst/>
+        </p:spPr>
+      </p:pic>
+      <p:sp>
+        <p:nvSpPr>
+          <p:cNvPr id="5" name="Slide Number Placeholder 4"/>
+          <p:cNvSpPr>
+            <a:spLocks noGrp="1"/>
+          </p:cNvSpPr>
+          <p:nvPr>
+            <p:ph type="sldNum" sz="quarter" idx="12"/>
+          </p:nvPr>
+        </p:nvSpPr>
+        <p:spPr/>
+        <p:txBody>
+          <a:bodyPr/>
+          <a:lstStyle/>
+          <a:p>
+            <a:fld id="{F26D9103-0C5C-48AC-B68E-3ED2C1647047}" type="slidenum">
+              <a:rPr lang="en-US" smtClean="0"/>
+              <a:pPr/>
+              <a:t>45</a:t>
+            </a:fld>
+            <a:endParaRPr lang="en-US"/>
+          </a:p>
+        </p:txBody>
+      </p:sp>
+    </p:spTree>
+  </p:cSld>
+  <p:clrMapOvr>
+    <a:masterClrMapping/>
+  </p:clrMapOvr>
+</p:sld>
+</file>
+
+<file path=ppt/slides/slide5.xml><?xml version="1.0" encoding="utf-8"?>
+<p:sld xmlns:a="http://schemas.openxmlformats.org/drawingml/2006/main" xmlns:r="http://schemas.openxmlformats.org/officeDocument/2006/relationships" xmlns:p="http://schemas.openxmlformats.org/presentationml/2006/main">
+  <p:cSld>
+    <p:spTree>
+      <p:nvGrpSpPr>
+        <p:cNvPr id="1" name=""/>
+        <p:cNvGrpSpPr/>
+        <p:nvPr/>
+      </p:nvGrpSpPr>
+      <p:grpSpPr>
+        <a:xfrm>
+          <a:off x="0" y="0"/>
+          <a:ext cx="0" cy="0"/>
+          <a:chOff x="0" y="0"/>
+          <a:chExt cx="0" cy="0"/>
+        </a:xfrm>
+      </p:grpSpPr>
+      <p:sp>
+        <p:nvSpPr>
           <p:cNvPr id="9218" name="Rectangle 2"/>
           <p:cNvSpPr>
             <a:spLocks noGrp="1" noChangeArrowheads="1"/>
@@ -11554,7 +12888,7 @@
             <a:fld id="{F26D9103-0C5C-48AC-B68E-3ED2C1647047}" type="slidenum">
               <a:rPr lang="en-US" smtClean="0"/>
               <a:pPr/>
-              <a:t>4</a:t>
+              <a:t>5</a:t>
             </a:fld>
             <a:endParaRPr lang="en-US"/>
           </a:p>
@@ -11771,1156 +13105,6 @@
 </p:sld>
 </file>
 
-<file path=ppt/slides/slide40.xml><?xml version="1.0" encoding="utf-8"?>
-<p:sld xmlns:a="http://schemas.openxmlformats.org/drawingml/2006/main" xmlns:r="http://schemas.openxmlformats.org/officeDocument/2006/relationships" xmlns:p="http://schemas.openxmlformats.org/presentationml/2006/main">
-  <p:cSld>
-    <p:spTree>
-      <p:nvGrpSpPr>
-        <p:cNvPr id="1" name=""/>
-        <p:cNvGrpSpPr/>
-        <p:nvPr/>
-      </p:nvGrpSpPr>
-      <p:grpSpPr>
-        <a:xfrm>
-          <a:off x="0" y="0"/>
-          <a:ext cx="0" cy="0"/>
-          <a:chOff x="0" y="0"/>
-          <a:chExt cx="0" cy="0"/>
-        </a:xfrm>
-      </p:grpSpPr>
-      <p:sp>
-        <p:nvSpPr>
-          <p:cNvPr id="2" name="Title 1"/>
-          <p:cNvSpPr>
-            <a:spLocks noGrp="1"/>
-          </p:cNvSpPr>
-          <p:nvPr>
-            <p:ph type="title"/>
-          </p:nvPr>
-        </p:nvSpPr>
-        <p:spPr>
-          <a:xfrm>
-            <a:off x="381000" y="457200"/>
-            <a:ext cx="8763000" cy="685800"/>
-          </a:xfrm>
-        </p:spPr>
-        <p:txBody>
-          <a:bodyPr>
-            <a:normAutofit fontScale="90000"/>
-          </a:bodyPr>
-          <a:lstStyle/>
-          <a:p>
-            <a:r>
-              <a:rPr lang="en-US" dirty="0"/>
-              <a:t>Motivating problem: Weighted interval scheduling</a:t>
-            </a:r>
-          </a:p>
-        </p:txBody>
-      </p:sp>
-      <p:sp>
-        <p:nvSpPr>
-          <p:cNvPr id="3" name="Content Placeholder 2"/>
-          <p:cNvSpPr>
-            <a:spLocks noGrp="1"/>
-          </p:cNvSpPr>
-          <p:nvPr>
-            <p:ph sz="quarter" idx="1"/>
-          </p:nvPr>
-        </p:nvSpPr>
-        <p:spPr/>
-        <p:txBody>
-          <a:bodyPr/>
-          <a:lstStyle/>
-          <a:p>
-            <a:r>
-              <a:rPr lang="en-US" dirty="0"/>
-              <a:t>Weighted interval scheduling</a:t>
-            </a:r>
-          </a:p>
-          <a:p>
-            <a:pPr lvl="1"/>
-            <a:r>
-              <a:rPr lang="en-US" dirty="0"/>
-              <a:t>Same as the regular interval scheduling, but in addition each request has a cost associated with it</a:t>
-            </a:r>
-          </a:p>
-          <a:p>
-            <a:pPr lvl="1"/>
-            <a:r>
-              <a:rPr lang="en-US" dirty="0"/>
-              <a:t>The goal is to maximize the cost from scheduling the items</a:t>
-            </a:r>
-          </a:p>
-          <a:p>
-            <a:pPr lvl="1"/>
-            <a:r>
-              <a:rPr lang="en-US" dirty="0"/>
-              <a:t>This is solved by </a:t>
-            </a:r>
-            <a:r>
-              <a:rPr lang="en-US" i="1" dirty="0"/>
-              <a:t>dynamic programming</a:t>
-            </a:r>
-          </a:p>
-        </p:txBody>
-      </p:sp>
-      <p:pic>
-        <p:nvPicPr>
-          <p:cNvPr id="5" name="Picture 2" descr="C:\WINDOWS\Desktop\Oh_type\kleinberg_GIF_01to10\kleinberg_01F04.gif"/>
-          <p:cNvPicPr preferRelativeResize="0">
-            <a:picLocks noChangeAspect="1" noChangeArrowheads="1"/>
-          </p:cNvPicPr>
-          <p:nvPr>
-            <p:custDataLst>
-              <p:tags r:id="rId1"/>
-            </p:custDataLst>
-          </p:nvPr>
-        </p:nvPicPr>
-        <p:blipFill>
-          <a:blip r:embed="rId3"/>
-          <a:srcRect b="21358"/>
-          <a:stretch>
-            <a:fillRect/>
-          </a:stretch>
-        </p:blipFill>
-        <p:spPr bwMode="auto">
-          <a:xfrm>
-            <a:off x="685800" y="3962400"/>
-            <a:ext cx="7772400" cy="2133600"/>
-          </a:xfrm>
-          <a:prstGeom prst="rect">
-            <a:avLst/>
-          </a:prstGeom>
-          <a:noFill/>
-          <a:ln w="9525">
-            <a:noFill/>
-            <a:miter lim="800000"/>
-            <a:headEnd/>
-            <a:tailEnd/>
-          </a:ln>
-          <a:effectLst/>
-        </p:spPr>
-      </p:pic>
-      <p:sp>
-        <p:nvSpPr>
-          <p:cNvPr id="6" name="Slide Number Placeholder 5"/>
-          <p:cNvSpPr>
-            <a:spLocks noGrp="1"/>
-          </p:cNvSpPr>
-          <p:nvPr>
-            <p:ph type="sldNum" sz="quarter" idx="12"/>
-          </p:nvPr>
-        </p:nvSpPr>
-        <p:spPr/>
-        <p:txBody>
-          <a:bodyPr/>
-          <a:lstStyle/>
-          <a:p>
-            <a:fld id="{F26D9103-0C5C-48AC-B68E-3ED2C1647047}" type="slidenum">
-              <a:rPr lang="en-US" smtClean="0"/>
-              <a:pPr/>
-              <a:t>40</a:t>
-            </a:fld>
-            <a:endParaRPr lang="en-US"/>
-          </a:p>
-        </p:txBody>
-      </p:sp>
-    </p:spTree>
-  </p:cSld>
-  <p:clrMapOvr>
-    <a:masterClrMapping/>
-  </p:clrMapOvr>
-</p:sld>
-</file>
-
-<file path=ppt/slides/slide41.xml><?xml version="1.0" encoding="utf-8"?>
-<p:sld xmlns:a="http://schemas.openxmlformats.org/drawingml/2006/main" xmlns:r="http://schemas.openxmlformats.org/officeDocument/2006/relationships" xmlns:p="http://schemas.openxmlformats.org/presentationml/2006/main">
-  <p:cSld>
-    <p:spTree>
-      <p:nvGrpSpPr>
-        <p:cNvPr id="1" name=""/>
-        <p:cNvGrpSpPr/>
-        <p:nvPr/>
-      </p:nvGrpSpPr>
-      <p:grpSpPr>
-        <a:xfrm>
-          <a:off x="0" y="0"/>
-          <a:ext cx="0" cy="0"/>
-          <a:chOff x="0" y="0"/>
-          <a:chExt cx="0" cy="0"/>
-        </a:xfrm>
-      </p:grpSpPr>
-      <p:sp>
-        <p:nvSpPr>
-          <p:cNvPr id="2" name="Title 1"/>
-          <p:cNvSpPr>
-            <a:spLocks noGrp="1"/>
-          </p:cNvSpPr>
-          <p:nvPr>
-            <p:ph type="title"/>
-          </p:nvPr>
-        </p:nvSpPr>
-        <p:spPr/>
-        <p:txBody>
-          <a:bodyPr/>
-          <a:lstStyle/>
-          <a:p>
-            <a:r>
-              <a:rPr lang="en-US" dirty="0"/>
-              <a:t>Motivating problem: Bipartite matching</a:t>
-            </a:r>
-          </a:p>
-        </p:txBody>
-      </p:sp>
-      <p:sp>
-        <p:nvSpPr>
-          <p:cNvPr id="3" name="Content Placeholder 2"/>
-          <p:cNvSpPr>
-            <a:spLocks noGrp="1"/>
-          </p:cNvSpPr>
-          <p:nvPr>
-            <p:ph sz="quarter" idx="1"/>
-          </p:nvPr>
-        </p:nvSpPr>
-        <p:spPr/>
-        <p:txBody>
-          <a:bodyPr/>
-          <a:lstStyle/>
-          <a:p>
-            <a:r>
-              <a:rPr lang="en-US" dirty="0"/>
-              <a:t>Bipartite matching</a:t>
-            </a:r>
-          </a:p>
-          <a:p>
-            <a:pPr lvl="1"/>
-            <a:r>
-              <a:rPr lang="en-US" dirty="0"/>
-              <a:t>Given a graph </a:t>
-            </a:r>
-            <a:r>
-              <a:rPr lang="en-US" i="1" dirty="0"/>
-              <a:t>G</a:t>
-            </a:r>
-            <a:r>
-              <a:rPr lang="en-US" dirty="0"/>
-              <a:t>, find the maximum sub-graph of </a:t>
-            </a:r>
-            <a:r>
-              <a:rPr lang="en-US" i="1" dirty="0"/>
-              <a:t>G</a:t>
-            </a:r>
-            <a:r>
-              <a:rPr lang="en-US" dirty="0"/>
-              <a:t> that partitions </a:t>
-            </a:r>
-            <a:r>
-              <a:rPr lang="en-US" i="1" dirty="0"/>
-              <a:t>G</a:t>
-            </a:r>
-            <a:r>
-              <a:rPr lang="en-US" dirty="0"/>
-              <a:t> into sets </a:t>
-            </a:r>
-            <a:r>
-              <a:rPr lang="en-US" i="1" dirty="0"/>
-              <a:t>X</a:t>
-            </a:r>
-            <a:r>
-              <a:rPr lang="en-US" dirty="0"/>
-              <a:t> and </a:t>
-            </a:r>
-            <a:r>
-              <a:rPr lang="en-US" i="1" dirty="0"/>
-              <a:t>Y</a:t>
-            </a:r>
-            <a:r>
-              <a:rPr lang="en-US" dirty="0"/>
-              <a:t> such that no node from </a:t>
-            </a:r>
-            <a:r>
-              <a:rPr lang="en-US" i="1" dirty="0"/>
-              <a:t>X</a:t>
-            </a:r>
-            <a:r>
-              <a:rPr lang="en-US" dirty="0"/>
-              <a:t> is connected to a node in </a:t>
-            </a:r>
-            <a:r>
-              <a:rPr lang="en-US" i="1" dirty="0"/>
-              <a:t>Y</a:t>
-            </a:r>
-            <a:r>
-              <a:rPr lang="en-US" dirty="0"/>
-              <a:t>, and vise-versa</a:t>
-            </a:r>
-          </a:p>
-          <a:p>
-            <a:pPr lvl="1" algn="l"/>
-            <a:r>
-              <a:rPr lang="en-US" dirty="0"/>
-              <a:t>Example: given a series of requests, and </a:t>
-            </a:r>
-            <a:br>
-              <a:rPr lang="en-US" dirty="0"/>
-            </a:br>
-            <a:r>
-              <a:rPr lang="en-US" dirty="0"/>
-              <a:t>entities that can handle each request </a:t>
-            </a:r>
-            <a:br>
-              <a:rPr lang="en-US" dirty="0"/>
-            </a:br>
-            <a:r>
-              <a:rPr lang="en-US" dirty="0"/>
-              <a:t>(such people, computers, etc.), find the </a:t>
-            </a:r>
-            <a:br>
-              <a:rPr lang="en-US" dirty="0"/>
-            </a:br>
-            <a:r>
-              <a:rPr lang="en-US" dirty="0"/>
-              <a:t>optimal matching of requests to entities</a:t>
-            </a:r>
-          </a:p>
-          <a:p>
-            <a:pPr lvl="1" algn="l"/>
-            <a:r>
-              <a:rPr lang="en-US" dirty="0"/>
-              <a:t>This is a </a:t>
-            </a:r>
-            <a:r>
-              <a:rPr lang="en-US" i="1" dirty="0"/>
-              <a:t>network flow </a:t>
-            </a:r>
-            <a:r>
-              <a:rPr lang="en-US" dirty="0"/>
-              <a:t>problem</a:t>
-            </a:r>
-          </a:p>
-          <a:p>
-            <a:pPr lvl="1"/>
-            <a:endParaRPr lang="en-US" dirty="0"/>
-          </a:p>
-          <a:p>
-            <a:pPr lvl="1"/>
-            <a:endParaRPr lang="en-US" dirty="0" err="1"/>
-          </a:p>
-        </p:txBody>
-      </p:sp>
-      <p:pic>
-        <p:nvPicPr>
-          <p:cNvPr id="4" name="Picture 2" descr="C:\WINDOWS\Desktop\Oh_type\kleinberg_GIF_01to10\kleinberg_01F05.gif"/>
-          <p:cNvPicPr preferRelativeResize="0">
-            <a:picLocks noChangeAspect="1" noChangeArrowheads="1"/>
-          </p:cNvPicPr>
-          <p:nvPr>
-            <p:custDataLst>
-              <p:tags r:id="rId1"/>
-            </p:custDataLst>
-          </p:nvPr>
-        </p:nvPicPr>
-        <p:blipFill>
-          <a:blip r:embed="rId3">
-            <a:clrChange>
-              <a:clrFrom>
-                <a:srgbClr val="FFFFFF"/>
-              </a:clrFrom>
-              <a:clrTo>
-                <a:srgbClr val="FFFFFF">
-                  <a:alpha val="0"/>
-                </a:srgbClr>
-              </a:clrTo>
-            </a:clrChange>
-          </a:blip>
-          <a:srcRect t="5229" b="17647"/>
-          <a:stretch>
-            <a:fillRect/>
-          </a:stretch>
-        </p:blipFill>
-        <p:spPr bwMode="auto">
-          <a:xfrm>
-            <a:off x="5394406" y="3124200"/>
-            <a:ext cx="3749594" cy="3581400"/>
-          </a:xfrm>
-          <a:prstGeom prst="rect">
-            <a:avLst/>
-          </a:prstGeom>
-          <a:noFill/>
-          <a:ln w="9525">
-            <a:noFill/>
-            <a:miter lim="800000"/>
-            <a:headEnd/>
-            <a:tailEnd/>
-          </a:ln>
-          <a:effectLst/>
-        </p:spPr>
-      </p:pic>
-      <p:sp>
-        <p:nvSpPr>
-          <p:cNvPr id="5" name="Slide Number Placeholder 4"/>
-          <p:cNvSpPr>
-            <a:spLocks noGrp="1"/>
-          </p:cNvSpPr>
-          <p:nvPr>
-            <p:ph type="sldNum" sz="quarter" idx="12"/>
-          </p:nvPr>
-        </p:nvSpPr>
-        <p:spPr/>
-        <p:txBody>
-          <a:bodyPr/>
-          <a:lstStyle/>
-          <a:p>
-            <a:fld id="{F26D9103-0C5C-48AC-B68E-3ED2C1647047}" type="slidenum">
-              <a:rPr lang="en-US" smtClean="0"/>
-              <a:pPr/>
-              <a:t>41</a:t>
-            </a:fld>
-            <a:endParaRPr lang="en-US"/>
-          </a:p>
-        </p:txBody>
-      </p:sp>
-    </p:spTree>
-  </p:cSld>
-  <p:clrMapOvr>
-    <a:masterClrMapping/>
-  </p:clrMapOvr>
-</p:sld>
-</file>
-
-<file path=ppt/slides/slide42.xml><?xml version="1.0" encoding="utf-8"?>
-<p:sld xmlns:a="http://schemas.openxmlformats.org/drawingml/2006/main" xmlns:r="http://schemas.openxmlformats.org/officeDocument/2006/relationships" xmlns:p="http://schemas.openxmlformats.org/presentationml/2006/main">
-  <p:cSld>
-    <p:spTree>
-      <p:nvGrpSpPr>
-        <p:cNvPr id="1" name=""/>
-        <p:cNvGrpSpPr/>
-        <p:nvPr/>
-      </p:nvGrpSpPr>
-      <p:grpSpPr>
-        <a:xfrm>
-          <a:off x="0" y="0"/>
-          <a:ext cx="0" cy="0"/>
-          <a:chOff x="0" y="0"/>
-          <a:chExt cx="0" cy="0"/>
-        </a:xfrm>
-      </p:grpSpPr>
-      <p:sp>
-        <p:nvSpPr>
-          <p:cNvPr id="2" name="Title 1"/>
-          <p:cNvSpPr>
-            <a:spLocks noGrp="1"/>
-          </p:cNvSpPr>
-          <p:nvPr>
-            <p:ph type="title"/>
-          </p:nvPr>
-        </p:nvSpPr>
-        <p:spPr/>
-        <p:txBody>
-          <a:bodyPr/>
-          <a:lstStyle/>
-          <a:p>
-            <a:r>
-              <a:rPr lang="en-US" dirty="0"/>
-              <a:t>Motivating problem: Sorting</a:t>
-            </a:r>
-          </a:p>
-        </p:txBody>
-      </p:sp>
-      <p:sp>
-        <p:nvSpPr>
-          <p:cNvPr id="3" name="Slide Number Placeholder 2"/>
-          <p:cNvSpPr>
-            <a:spLocks noGrp="1"/>
-          </p:cNvSpPr>
-          <p:nvPr>
-            <p:ph type="sldNum" sz="quarter" idx="12"/>
-          </p:nvPr>
-        </p:nvSpPr>
-        <p:spPr/>
-        <p:txBody>
-          <a:bodyPr/>
-          <a:lstStyle/>
-          <a:p>
-            <a:fld id="{F26D9103-0C5C-48AC-B68E-3ED2C1647047}" type="slidenum">
-              <a:rPr lang="en-US" smtClean="0"/>
-              <a:pPr/>
-              <a:t>42</a:t>
-            </a:fld>
-            <a:endParaRPr lang="en-US"/>
-          </a:p>
-        </p:txBody>
-      </p:sp>
-      <p:sp>
-        <p:nvSpPr>
-          <p:cNvPr id="4" name="Content Placeholder 3"/>
-          <p:cNvSpPr>
-            <a:spLocks noGrp="1"/>
-          </p:cNvSpPr>
-          <p:nvPr>
-            <p:ph sz="quarter" idx="1"/>
-          </p:nvPr>
-        </p:nvSpPr>
-        <p:spPr/>
-        <p:txBody>
-          <a:bodyPr/>
-          <a:lstStyle/>
-          <a:p>
-            <a:r>
-              <a:rPr lang="en-US" dirty="0"/>
-              <a:t>How do you implement a general-purpose sort that is as efficient as possible in both space and time, and is </a:t>
-            </a:r>
-            <a:r>
-              <a:rPr lang="en-US" i="1" dirty="0"/>
-              <a:t>stable</a:t>
-            </a:r>
-            <a:r>
-              <a:rPr lang="en-US" dirty="0"/>
-              <a:t>?</a:t>
-            </a:r>
-          </a:p>
-          <a:p>
-            <a:r>
-              <a:rPr lang="en-US" dirty="0"/>
-              <a:t>One solution is merge-sort</a:t>
-            </a:r>
-          </a:p>
-          <a:p>
-            <a:pPr lvl="1" algn="l"/>
-            <a:r>
-              <a:rPr lang="en-US" dirty="0"/>
-              <a:t>We’ll see later why </a:t>
-            </a:r>
-            <a:r>
-              <a:rPr lang="en-US" dirty="0" err="1"/>
-              <a:t>quicksort</a:t>
-            </a:r>
-            <a:r>
-              <a:rPr lang="en-US" dirty="0"/>
-              <a:t>, </a:t>
-            </a:r>
-            <a:br>
-              <a:rPr lang="en-US" dirty="0"/>
-            </a:br>
-            <a:r>
-              <a:rPr lang="en-US" dirty="0" err="1"/>
-              <a:t>heapsort</a:t>
-            </a:r>
-            <a:r>
-              <a:rPr lang="en-US" dirty="0"/>
-              <a:t>, and radix sort are </a:t>
-            </a:r>
-            <a:br>
-              <a:rPr lang="en-US" dirty="0"/>
-            </a:br>
-            <a:r>
-              <a:rPr lang="en-US" dirty="0"/>
-              <a:t>not sufficient</a:t>
-            </a:r>
-          </a:p>
-          <a:p>
-            <a:pPr algn="l"/>
-            <a:r>
-              <a:rPr lang="en-US" dirty="0"/>
-              <a:t>This is an application </a:t>
-            </a:r>
-            <a:br>
-              <a:rPr lang="en-US" dirty="0"/>
-            </a:br>
-            <a:r>
-              <a:rPr lang="en-US" dirty="0"/>
-              <a:t>of both </a:t>
-            </a:r>
-            <a:r>
-              <a:rPr lang="en-US" i="1" dirty="0"/>
-              <a:t>sorting</a:t>
-            </a:r>
-            <a:r>
-              <a:rPr lang="en-US" dirty="0"/>
-              <a:t> and </a:t>
-            </a:r>
-            <a:br>
-              <a:rPr lang="en-US" dirty="0"/>
-            </a:br>
-            <a:r>
-              <a:rPr lang="en-US" i="1" dirty="0"/>
-              <a:t>divide and conquer</a:t>
-            </a:r>
-            <a:endParaRPr lang="en-US" dirty="0"/>
-          </a:p>
-        </p:txBody>
-      </p:sp>
-      <p:pic>
-        <p:nvPicPr>
-          <p:cNvPr id="5" name="Picture 4" descr="500px-Merge_sort_algorithm_diagram.svg.png"/>
-          <p:cNvPicPr>
-            <a:picLocks noChangeAspect="1"/>
-          </p:cNvPicPr>
-          <p:nvPr/>
-        </p:nvPicPr>
-        <p:blipFill>
-          <a:blip r:embed="rId2">
-            <a:clrChange>
-              <a:clrFrom>
-                <a:srgbClr val="FFFFFF"/>
-              </a:clrFrom>
-              <a:clrTo>
-                <a:srgbClr val="FFFFFF">
-                  <a:alpha val="0"/>
-                </a:srgbClr>
-              </a:clrTo>
-            </a:clrChange>
-          </a:blip>
-          <a:stretch>
-            <a:fillRect/>
-          </a:stretch>
-        </p:blipFill>
-        <p:spPr>
-          <a:xfrm>
-            <a:off x="4152900" y="2133600"/>
-            <a:ext cx="4762500" cy="4581525"/>
-          </a:xfrm>
-          <a:prstGeom prst="rect">
-            <a:avLst/>
-          </a:prstGeom>
-        </p:spPr>
-      </p:pic>
-    </p:spTree>
-  </p:cSld>
-  <p:clrMapOvr>
-    <a:masterClrMapping/>
-  </p:clrMapOvr>
-</p:sld>
-</file>
-
-<file path=ppt/slides/slide43.xml><?xml version="1.0" encoding="utf-8"?>
-<p:sld xmlns:a="http://schemas.openxmlformats.org/drawingml/2006/main" xmlns:r="http://schemas.openxmlformats.org/officeDocument/2006/relationships" xmlns:p="http://schemas.openxmlformats.org/presentationml/2006/main">
-  <p:cSld>
-    <p:spTree>
-      <p:nvGrpSpPr>
-        <p:cNvPr id="1" name=""/>
-        <p:cNvGrpSpPr/>
-        <p:nvPr/>
-      </p:nvGrpSpPr>
-      <p:grpSpPr>
-        <a:xfrm>
-          <a:off x="0" y="0"/>
-          <a:ext cx="0" cy="0"/>
-          <a:chOff x="0" y="0"/>
-          <a:chExt cx="0" cy="0"/>
-        </a:xfrm>
-      </p:grpSpPr>
-      <p:sp>
-        <p:nvSpPr>
-          <p:cNvPr id="2" name="Title 1"/>
-          <p:cNvSpPr>
-            <a:spLocks noGrp="1"/>
-          </p:cNvSpPr>
-          <p:nvPr>
-            <p:ph type="title"/>
-          </p:nvPr>
-        </p:nvSpPr>
-        <p:spPr/>
-        <p:txBody>
-          <a:bodyPr/>
-          <a:lstStyle/>
-          <a:p>
-            <a:r>
-              <a:rPr lang="en-US" dirty="0"/>
-              <a:t>Motivating problem: Independent set</a:t>
-            </a:r>
-          </a:p>
-        </p:txBody>
-      </p:sp>
-      <p:sp>
-        <p:nvSpPr>
-          <p:cNvPr id="3" name="Content Placeholder 2"/>
-          <p:cNvSpPr>
-            <a:spLocks noGrp="1"/>
-          </p:cNvSpPr>
-          <p:nvPr>
-            <p:ph sz="quarter" idx="1"/>
-          </p:nvPr>
-        </p:nvSpPr>
-        <p:spPr/>
-        <p:txBody>
-          <a:bodyPr/>
-          <a:lstStyle/>
-          <a:p>
-            <a:r>
-              <a:rPr lang="en-US" dirty="0"/>
-              <a:t>Independent set</a:t>
-            </a:r>
-          </a:p>
-          <a:p>
-            <a:pPr lvl="1"/>
-            <a:r>
-              <a:rPr lang="en-US" dirty="0"/>
-              <a:t>Given a graph </a:t>
-            </a:r>
-            <a:r>
-              <a:rPr lang="en-US" i="1" dirty="0"/>
-              <a:t>G</a:t>
-            </a:r>
-            <a:r>
-              <a:rPr lang="en-US" dirty="0"/>
-              <a:t>, find the maximum size subset </a:t>
-            </a:r>
-            <a:r>
-              <a:rPr lang="en-US" i="1" dirty="0"/>
-              <a:t>X</a:t>
-            </a:r>
-            <a:r>
-              <a:rPr lang="en-US" dirty="0"/>
-              <a:t> of </a:t>
-            </a:r>
-            <a:r>
-              <a:rPr lang="en-US" i="1" dirty="0"/>
-              <a:t>G</a:t>
-            </a:r>
-            <a:r>
-              <a:rPr lang="en-US" dirty="0"/>
-              <a:t> such that no two nodes in </a:t>
-            </a:r>
-            <a:r>
-              <a:rPr lang="en-US" i="1" dirty="0"/>
-              <a:t>X</a:t>
-            </a:r>
-            <a:r>
-              <a:rPr lang="en-US" dirty="0"/>
-              <a:t> are connected to each other</a:t>
-            </a:r>
-          </a:p>
-          <a:p>
-            <a:pPr lvl="1" algn="l"/>
-            <a:r>
-              <a:rPr lang="en-US" dirty="0"/>
-              <a:t>This is a </a:t>
-            </a:r>
-            <a:r>
-              <a:rPr lang="en-US" i="1" dirty="0"/>
-              <a:t>NP-complete</a:t>
-            </a:r>
-            <a:r>
-              <a:rPr lang="en-US" dirty="0"/>
-              <a:t> </a:t>
-            </a:r>
-            <a:br>
-              <a:rPr lang="en-US" dirty="0"/>
-            </a:br>
-            <a:r>
-              <a:rPr lang="en-US" dirty="0"/>
-              <a:t>problem</a:t>
-            </a:r>
-          </a:p>
-          <a:p>
-            <a:pPr lvl="1" algn="l"/>
-            <a:r>
-              <a:rPr lang="en-US" dirty="0"/>
-              <a:t>You’ve seen TSP (travelling </a:t>
-            </a:r>
-            <a:br>
-              <a:rPr lang="en-US" dirty="0"/>
-            </a:br>
-            <a:r>
-              <a:rPr lang="en-US" dirty="0"/>
-              <a:t>salesperson problem) in CS </a:t>
-            </a:r>
-            <a:br>
-              <a:rPr lang="en-US" dirty="0"/>
-            </a:br>
-            <a:r>
-              <a:rPr lang="en-US" dirty="0"/>
-              <a:t>2150, which is a </a:t>
-            </a:r>
-            <a:br>
-              <a:rPr lang="en-US" dirty="0"/>
-            </a:br>
-            <a:r>
-              <a:rPr lang="en-US" dirty="0"/>
-              <a:t>NP-complete problem</a:t>
-            </a:r>
-          </a:p>
-        </p:txBody>
-      </p:sp>
-      <p:pic>
-        <p:nvPicPr>
-          <p:cNvPr id="4" name="Picture 2" descr="C:\WINDOWS\Desktop\Oh_type\kleinberg_GIF_01to10\kleinberg_01F06.gif"/>
-          <p:cNvPicPr preferRelativeResize="0">
-            <a:picLocks noChangeAspect="1" noChangeArrowheads="1"/>
-          </p:cNvPicPr>
-          <p:nvPr>
-            <p:custDataLst>
-              <p:tags r:id="rId1"/>
-            </p:custDataLst>
-          </p:nvPr>
-        </p:nvPicPr>
-        <p:blipFill>
-          <a:blip r:embed="rId3"/>
-          <a:srcRect l="6671" t="9150" r="4827" b="28105"/>
-          <a:stretch>
-            <a:fillRect/>
-          </a:stretch>
-        </p:blipFill>
-        <p:spPr bwMode="auto">
-          <a:xfrm>
-            <a:off x="4495800" y="2895600"/>
-            <a:ext cx="4191000" cy="3657600"/>
-          </a:xfrm>
-          <a:prstGeom prst="rect">
-            <a:avLst/>
-          </a:prstGeom>
-          <a:noFill/>
-          <a:ln w="9525">
-            <a:noFill/>
-            <a:miter lim="800000"/>
-            <a:headEnd/>
-            <a:tailEnd/>
-          </a:ln>
-          <a:effectLst/>
-        </p:spPr>
-      </p:pic>
-      <p:sp>
-        <p:nvSpPr>
-          <p:cNvPr id="5" name="Slide Number Placeholder 4"/>
-          <p:cNvSpPr>
-            <a:spLocks noGrp="1"/>
-          </p:cNvSpPr>
-          <p:nvPr>
-            <p:ph type="sldNum" sz="quarter" idx="12"/>
-          </p:nvPr>
-        </p:nvSpPr>
-        <p:spPr/>
-        <p:txBody>
-          <a:bodyPr/>
-          <a:lstStyle/>
-          <a:p>
-            <a:fld id="{F26D9103-0C5C-48AC-B68E-3ED2C1647047}" type="slidenum">
-              <a:rPr lang="en-US" smtClean="0"/>
-              <a:pPr/>
-              <a:t>43</a:t>
-            </a:fld>
-            <a:endParaRPr lang="en-US"/>
-          </a:p>
-        </p:txBody>
-      </p:sp>
-    </p:spTree>
-  </p:cSld>
-  <p:clrMapOvr>
-    <a:masterClrMapping/>
-  </p:clrMapOvr>
-</p:sld>
-</file>
-
-<file path=ppt/slides/slide44.xml><?xml version="1.0" encoding="utf-8"?>
-<p:sld xmlns:a="http://schemas.openxmlformats.org/drawingml/2006/main" xmlns:r="http://schemas.openxmlformats.org/officeDocument/2006/relationships" xmlns:p="http://schemas.openxmlformats.org/presentationml/2006/main">
-  <p:cSld>
-    <p:spTree>
-      <p:nvGrpSpPr>
-        <p:cNvPr id="1" name=""/>
-        <p:cNvGrpSpPr/>
-        <p:nvPr/>
-      </p:nvGrpSpPr>
-      <p:grpSpPr>
-        <a:xfrm>
-          <a:off x="0" y="0"/>
-          <a:ext cx="0" cy="0"/>
-          <a:chOff x="0" y="0"/>
-          <a:chExt cx="0" cy="0"/>
-        </a:xfrm>
-      </p:grpSpPr>
-      <p:sp>
-        <p:nvSpPr>
-          <p:cNvPr id="2" name="Title 1"/>
-          <p:cNvSpPr>
-            <a:spLocks noGrp="1"/>
-          </p:cNvSpPr>
-          <p:nvPr>
-            <p:ph type="title"/>
-          </p:nvPr>
-        </p:nvSpPr>
-        <p:spPr/>
-        <p:txBody>
-          <a:bodyPr>
-            <a:normAutofit fontScale="90000"/>
-          </a:bodyPr>
-          <a:lstStyle/>
-          <a:p>
-            <a:r>
-              <a:rPr lang="en-US" dirty="0"/>
-              <a:t>Motivating problem: Competitive facility location</a:t>
-            </a:r>
-          </a:p>
-        </p:txBody>
-      </p:sp>
-      <p:sp>
-        <p:nvSpPr>
-          <p:cNvPr id="3" name="Content Placeholder 2"/>
-          <p:cNvSpPr>
-            <a:spLocks noGrp="1"/>
-          </p:cNvSpPr>
-          <p:nvPr>
-            <p:ph sz="quarter" idx="1"/>
-          </p:nvPr>
-        </p:nvSpPr>
-        <p:spPr/>
-        <p:txBody>
-          <a:bodyPr/>
-          <a:lstStyle/>
-          <a:p>
-            <a:r>
-              <a:rPr lang="en-US" dirty="0"/>
-              <a:t>Competitive facility location</a:t>
-            </a:r>
-          </a:p>
-          <a:p>
-            <a:pPr lvl="1"/>
-            <a:r>
-              <a:rPr lang="en-US" dirty="0"/>
-              <a:t>Consider a graph G, where two ‘players’ choose nodes in alternating order.  No two nodes can be chosen (by either side) if a connecting node is already chosen.  Choose the winning strategy for your player.</a:t>
-            </a:r>
-          </a:p>
-          <a:p>
-            <a:pPr lvl="1"/>
-            <a:r>
-              <a:rPr lang="en-US" dirty="0"/>
-              <a:t>This is a </a:t>
-            </a:r>
-            <a:r>
-              <a:rPr lang="en-US" i="1" dirty="0"/>
-              <a:t>PSPACE problem</a:t>
-            </a:r>
-            <a:r>
-              <a:rPr lang="en-US" dirty="0"/>
-              <a:t>, which are harder than NP-complete problems</a:t>
-            </a:r>
-          </a:p>
-        </p:txBody>
-      </p:sp>
-      <p:pic>
-        <p:nvPicPr>
-          <p:cNvPr id="4" name="Picture 2" descr="C:\WINDOWS\Desktop\Oh_type\kleinberg_GIF_01to10\kleinberg_01F07.gif"/>
-          <p:cNvPicPr preferRelativeResize="0">
-            <a:picLocks noChangeAspect="1" noChangeArrowheads="1"/>
-          </p:cNvPicPr>
-          <p:nvPr>
-            <p:custDataLst>
-              <p:tags r:id="rId1"/>
-            </p:custDataLst>
-          </p:nvPr>
-        </p:nvPicPr>
-        <p:blipFill>
-          <a:blip r:embed="rId3"/>
-          <a:srcRect b="37527"/>
-          <a:stretch>
-            <a:fillRect/>
-          </a:stretch>
-        </p:blipFill>
-        <p:spPr bwMode="auto">
-          <a:xfrm>
-            <a:off x="533400" y="4800600"/>
-            <a:ext cx="7772400" cy="914400"/>
-          </a:xfrm>
-          <a:prstGeom prst="rect">
-            <a:avLst/>
-          </a:prstGeom>
-          <a:noFill/>
-          <a:ln w="9525">
-            <a:noFill/>
-            <a:miter lim="800000"/>
-            <a:headEnd/>
-            <a:tailEnd/>
-          </a:ln>
-          <a:effectLst/>
-        </p:spPr>
-      </p:pic>
-      <p:sp>
-        <p:nvSpPr>
-          <p:cNvPr id="5" name="Slide Number Placeholder 4"/>
-          <p:cNvSpPr>
-            <a:spLocks noGrp="1"/>
-          </p:cNvSpPr>
-          <p:nvPr>
-            <p:ph type="sldNum" sz="quarter" idx="12"/>
-          </p:nvPr>
-        </p:nvSpPr>
-        <p:spPr/>
-        <p:txBody>
-          <a:bodyPr/>
-          <a:lstStyle/>
-          <a:p>
-            <a:fld id="{F26D9103-0C5C-48AC-B68E-3ED2C1647047}" type="slidenum">
-              <a:rPr lang="en-US" smtClean="0"/>
-              <a:pPr/>
-              <a:t>44</a:t>
-            </a:fld>
-            <a:endParaRPr lang="en-US"/>
-          </a:p>
-        </p:txBody>
-      </p:sp>
-    </p:spTree>
-  </p:cSld>
-  <p:clrMapOvr>
-    <a:masterClrMapping/>
-  </p:clrMapOvr>
-</p:sld>
-</file>
-
-<file path=ppt/slides/slide5.xml><?xml version="1.0" encoding="utf-8"?>
-<p:sld xmlns:a="http://schemas.openxmlformats.org/drawingml/2006/main" xmlns:r="http://schemas.openxmlformats.org/officeDocument/2006/relationships" xmlns:p="http://schemas.openxmlformats.org/presentationml/2006/main">
-  <p:cSld>
-    <p:spTree>
-      <p:nvGrpSpPr>
-        <p:cNvPr id="1" name=""/>
-        <p:cNvGrpSpPr/>
-        <p:nvPr/>
-      </p:nvGrpSpPr>
-      <p:grpSpPr>
-        <a:xfrm>
-          <a:off x="0" y="0"/>
-          <a:ext cx="0" cy="0"/>
-          <a:chOff x="0" y="0"/>
-          <a:chExt cx="0" cy="0"/>
-        </a:xfrm>
-      </p:grpSpPr>
-      <p:sp>
-        <p:nvSpPr>
-          <p:cNvPr id="7170" name="Rectangle 2"/>
-          <p:cNvSpPr>
-            <a:spLocks noGrp="1" noChangeArrowheads="1"/>
-          </p:cNvSpPr>
-          <p:nvPr>
-            <p:ph type="title"/>
-            <p:custDataLst>
-              <p:tags r:id="rId1"/>
-            </p:custDataLst>
-          </p:nvPr>
-        </p:nvSpPr>
-        <p:spPr/>
-        <p:txBody>
-          <a:bodyPr/>
-          <a:lstStyle/>
-          <a:p>
-            <a:r>
-              <a:rPr lang="en-US" dirty="0"/>
-              <a:t>General Info</a:t>
-            </a:r>
-          </a:p>
-        </p:txBody>
-      </p:sp>
-      <p:sp>
-        <p:nvSpPr>
-          <p:cNvPr id="7171" name="Rectangle 3"/>
-          <p:cNvSpPr>
-            <a:spLocks noGrp="1" noChangeArrowheads="1"/>
-          </p:cNvSpPr>
-          <p:nvPr>
-            <p:ph sz="quarter" idx="1"/>
-            <p:custDataLst>
-              <p:tags r:id="rId2"/>
-            </p:custDataLst>
-          </p:nvPr>
-        </p:nvSpPr>
-        <p:spPr/>
-        <p:txBody>
-          <a:bodyPr/>
-          <a:lstStyle/>
-          <a:p>
-            <a:r>
-              <a:rPr lang="en-US" dirty="0"/>
-              <a:t>Textbook:</a:t>
-            </a:r>
-          </a:p>
-          <a:p>
-            <a:pPr lvl="1"/>
-            <a:r>
-              <a:rPr lang="en-US" dirty="0"/>
-              <a:t>Introduction to Algorithms, 3</a:t>
-            </a:r>
-            <a:r>
-              <a:rPr lang="en-US" baseline="30000" dirty="0"/>
-              <a:t>rd</a:t>
-            </a:r>
-            <a:r>
-              <a:rPr lang="en-US" dirty="0"/>
-              <a:t> edition, by </a:t>
-            </a:r>
-            <a:r>
-              <a:rPr lang="en-US" dirty="0" err="1"/>
-              <a:t>Cormen</a:t>
-            </a:r>
-            <a:r>
-              <a:rPr lang="en-US" dirty="0"/>
-              <a:t>, et. al.</a:t>
-            </a:r>
-          </a:p>
-          <a:p>
-            <a:r>
-              <a:rPr lang="en-US" dirty="0"/>
-              <a:t>Other references:</a:t>
-            </a:r>
-          </a:p>
-          <a:p>
-            <a:pPr lvl="1"/>
-            <a:r>
-              <a:rPr lang="en-US" dirty="0"/>
-              <a:t>Your CS2150 material (will be VERY useful here)</a:t>
-            </a:r>
-          </a:p>
-          <a:p>
-            <a:pPr lvl="1"/>
-            <a:r>
-              <a:rPr lang="en-US" dirty="0"/>
-              <a:t>Discrete Math textbook / references</a:t>
-            </a:r>
-          </a:p>
-          <a:p>
-            <a:r>
-              <a:rPr lang="en-US" dirty="0"/>
-              <a:t>Other readings may be assigned</a:t>
-            </a:r>
-          </a:p>
-          <a:p>
-            <a:pPr lvl="1"/>
-            <a:r>
-              <a:rPr lang="en-US" dirty="0"/>
-              <a:t>We’ll see…</a:t>
-            </a:r>
-          </a:p>
-        </p:txBody>
-      </p:sp>
-      <p:sp>
-        <p:nvSpPr>
-          <p:cNvPr id="4" name="Slide Number Placeholder 3"/>
-          <p:cNvSpPr>
-            <a:spLocks noGrp="1"/>
-          </p:cNvSpPr>
-          <p:nvPr>
-            <p:ph type="sldNum" sz="quarter" idx="12"/>
-          </p:nvPr>
-        </p:nvSpPr>
-        <p:spPr/>
-        <p:txBody>
-          <a:bodyPr/>
-          <a:lstStyle/>
-          <a:p>
-            <a:fld id="{F26D9103-0C5C-48AC-B68E-3ED2C1647047}" type="slidenum">
-              <a:rPr lang="en-US" smtClean="0"/>
-              <a:pPr/>
-              <a:t>5</a:t>
-            </a:fld>
-            <a:endParaRPr lang="en-US"/>
-          </a:p>
-        </p:txBody>
-      </p:sp>
-    </p:spTree>
-  </p:cSld>
-  <p:clrMapOvr>
-    <a:masterClrMapping/>
-  </p:clrMapOvr>
-</p:sld>
-</file>
-
 <file path=ppt/slides/slide6.xml><?xml version="1.0" encoding="utf-8"?>
 <p:sld xmlns:a="http://schemas.openxmlformats.org/drawingml/2006/main" xmlns:r="http://schemas.openxmlformats.org/officeDocument/2006/relationships" xmlns:p="http://schemas.openxmlformats.org/presentationml/2006/main">
   <p:cSld>
@@ -12940,6 +13124,161 @@
       </p:grpSpPr>
       <p:sp>
         <p:nvSpPr>
+          <p:cNvPr id="7170" name="Rectangle 2"/>
+          <p:cNvSpPr>
+            <a:spLocks noGrp="1" noChangeArrowheads="1"/>
+          </p:cNvSpPr>
+          <p:nvPr>
+            <p:ph type="title"/>
+            <p:custDataLst>
+              <p:tags r:id="rId1"/>
+            </p:custDataLst>
+          </p:nvPr>
+        </p:nvSpPr>
+        <p:spPr/>
+        <p:txBody>
+          <a:bodyPr/>
+          <a:lstStyle/>
+          <a:p>
+            <a:r>
+              <a:rPr lang="en-US" dirty="0"/>
+              <a:t>General Info</a:t>
+            </a:r>
+          </a:p>
+        </p:txBody>
+      </p:sp>
+      <p:sp>
+        <p:nvSpPr>
+          <p:cNvPr id="7171" name="Rectangle 3"/>
+          <p:cNvSpPr>
+            <a:spLocks noGrp="1" noChangeArrowheads="1"/>
+          </p:cNvSpPr>
+          <p:nvPr>
+            <p:ph sz="quarter" idx="1"/>
+            <p:custDataLst>
+              <p:tags r:id="rId2"/>
+            </p:custDataLst>
+          </p:nvPr>
+        </p:nvSpPr>
+        <p:spPr/>
+        <p:txBody>
+          <a:bodyPr/>
+          <a:lstStyle/>
+          <a:p>
+            <a:r>
+              <a:rPr lang="en-US" dirty="0"/>
+              <a:t>Textbook:</a:t>
+            </a:r>
+          </a:p>
+          <a:p>
+            <a:pPr lvl="1"/>
+            <a:r>
+              <a:rPr lang="en-US" dirty="0"/>
+              <a:t>Introduction to Algorithms, 3</a:t>
+            </a:r>
+            <a:r>
+              <a:rPr lang="en-US" baseline="30000" dirty="0"/>
+              <a:t>rd</a:t>
+            </a:r>
+            <a:r>
+              <a:rPr lang="en-US" dirty="0"/>
+              <a:t> edition, by </a:t>
+            </a:r>
+            <a:r>
+              <a:rPr lang="en-US" dirty="0" err="1"/>
+              <a:t>Cormen</a:t>
+            </a:r>
+            <a:r>
+              <a:rPr lang="en-US" dirty="0"/>
+              <a:t>, et. al.</a:t>
+            </a:r>
+          </a:p>
+          <a:p>
+            <a:r>
+              <a:rPr lang="en-US" dirty="0"/>
+              <a:t>Other references:</a:t>
+            </a:r>
+          </a:p>
+          <a:p>
+            <a:pPr lvl="1"/>
+            <a:r>
+              <a:rPr lang="en-US" dirty="0"/>
+              <a:t>Your CS2150 material (will be VERY useful here)</a:t>
+            </a:r>
+          </a:p>
+          <a:p>
+            <a:pPr lvl="1"/>
+            <a:r>
+              <a:rPr lang="en-US" dirty="0"/>
+              <a:t>Discrete Math textbook / references</a:t>
+            </a:r>
+          </a:p>
+          <a:p>
+            <a:r>
+              <a:rPr lang="en-US" dirty="0"/>
+              <a:t>Other readings may be assigned</a:t>
+            </a:r>
+          </a:p>
+          <a:p>
+            <a:pPr lvl="1"/>
+            <a:r>
+              <a:rPr lang="en-US" dirty="0"/>
+              <a:t>We’ll see…</a:t>
+            </a:r>
+          </a:p>
+        </p:txBody>
+      </p:sp>
+      <p:sp>
+        <p:nvSpPr>
+          <p:cNvPr id="4" name="Slide Number Placeholder 3"/>
+          <p:cNvSpPr>
+            <a:spLocks noGrp="1"/>
+          </p:cNvSpPr>
+          <p:nvPr>
+            <p:ph type="sldNum" sz="quarter" idx="12"/>
+          </p:nvPr>
+        </p:nvSpPr>
+        <p:spPr/>
+        <p:txBody>
+          <a:bodyPr/>
+          <a:lstStyle/>
+          <a:p>
+            <a:fld id="{F26D9103-0C5C-48AC-B68E-3ED2C1647047}" type="slidenum">
+              <a:rPr lang="en-US" smtClean="0"/>
+              <a:pPr/>
+              <a:t>6</a:t>
+            </a:fld>
+            <a:endParaRPr lang="en-US"/>
+          </a:p>
+        </p:txBody>
+      </p:sp>
+    </p:spTree>
+  </p:cSld>
+  <p:clrMapOvr>
+    <a:masterClrMapping/>
+  </p:clrMapOvr>
+</p:sld>
+</file>
+
+<file path=ppt/slides/slide7.xml><?xml version="1.0" encoding="utf-8"?>
+<p:sld xmlns:a="http://schemas.openxmlformats.org/drawingml/2006/main" xmlns:r="http://schemas.openxmlformats.org/officeDocument/2006/relationships" xmlns:p="http://schemas.openxmlformats.org/presentationml/2006/main">
+  <p:cSld>
+    <p:spTree>
+      <p:nvGrpSpPr>
+        <p:cNvPr id="1" name=""/>
+        <p:cNvGrpSpPr/>
+        <p:nvPr/>
+      </p:nvGrpSpPr>
+      <p:grpSpPr>
+        <a:xfrm>
+          <a:off x="0" y="0"/>
+          <a:ext cx="0" cy="0"/>
+          <a:chOff x="0" y="0"/>
+          <a:chExt cx="0" cy="0"/>
+        </a:xfrm>
+      </p:grpSpPr>
+      <p:sp>
+        <p:nvSpPr>
           <p:cNvPr id="10243" name="Title 1"/>
           <p:cNvSpPr>
             <a:spLocks noGrp="1"/>
@@ -13056,7 +13395,7 @@
             <a:fld id="{F26D9103-0C5C-48AC-B68E-3ED2C1647047}" type="slidenum">
               <a:rPr lang="en-US" smtClean="0"/>
               <a:pPr/>
-              <a:t>6</a:t>
+              <a:t>7</a:t>
             </a:fld>
             <a:endParaRPr lang="en-US"/>
           </a:p>
@@ -13345,178 +13684,6 @@
 </p:sld>
 </file>
 
-<file path=ppt/slides/slide7.xml><?xml version="1.0" encoding="utf-8"?>
-<p:sld xmlns:a="http://schemas.openxmlformats.org/drawingml/2006/main" xmlns:r="http://schemas.openxmlformats.org/officeDocument/2006/relationships" xmlns:p="http://schemas.openxmlformats.org/presentationml/2006/main">
-  <p:cSld>
-    <p:spTree>
-      <p:nvGrpSpPr>
-        <p:cNvPr id="1" name=""/>
-        <p:cNvGrpSpPr/>
-        <p:nvPr/>
-      </p:nvGrpSpPr>
-      <p:grpSpPr>
-        <a:xfrm>
-          <a:off x="0" y="0"/>
-          <a:ext cx="0" cy="0"/>
-          <a:chOff x="0" y="0"/>
-          <a:chExt cx="0" cy="0"/>
-        </a:xfrm>
-      </p:grpSpPr>
-      <p:sp>
-        <p:nvSpPr>
-          <p:cNvPr id="2" name="Title 1"/>
-          <p:cNvSpPr>
-            <a:spLocks noGrp="1"/>
-          </p:cNvSpPr>
-          <p:nvPr>
-            <p:ph type="title"/>
-          </p:nvPr>
-        </p:nvSpPr>
-        <p:spPr/>
-        <p:txBody>
-          <a:bodyPr>
-            <a:normAutofit/>
-          </a:bodyPr>
-          <a:lstStyle/>
-          <a:p>
-            <a:r>
-              <a:rPr lang="en-US" dirty="0"/>
-              <a:t>Modules</a:t>
-            </a:r>
-          </a:p>
-        </p:txBody>
-      </p:sp>
-      <p:sp>
-        <p:nvSpPr>
-          <p:cNvPr id="4" name="Slide Number Placeholder 3"/>
-          <p:cNvSpPr>
-            <a:spLocks noGrp="1"/>
-          </p:cNvSpPr>
-          <p:nvPr>
-            <p:ph type="sldNum" sz="quarter" idx="12"/>
-          </p:nvPr>
-        </p:nvSpPr>
-        <p:spPr/>
-        <p:txBody>
-          <a:bodyPr/>
-          <a:lstStyle/>
-          <a:p>
-            <a:fld id="{F26D9103-0C5C-48AC-B68E-3ED2C1647047}" type="slidenum">
-              <a:rPr lang="en-US" smtClean="0"/>
-              <a:pPr/>
-              <a:t>7</a:t>
-            </a:fld>
-            <a:endParaRPr lang="en-US"/>
-          </a:p>
-        </p:txBody>
-      </p:sp>
-      <p:sp>
-        <p:nvSpPr>
-          <p:cNvPr id="3" name="Content Placeholder 2"/>
-          <p:cNvSpPr>
-            <a:spLocks noGrp="1"/>
-          </p:cNvSpPr>
-          <p:nvPr>
-            <p:ph sz="quarter" idx="1"/>
-          </p:nvPr>
-        </p:nvSpPr>
-        <p:spPr/>
-        <p:txBody>
-          <a:bodyPr>
-            <a:normAutofit/>
-          </a:bodyPr>
-          <a:lstStyle/>
-          <a:p>
-            <a:r>
-              <a:rPr lang="en-US" i="1" dirty="0"/>
-              <a:t>The course is divided into 4 modules</a:t>
-            </a:r>
-          </a:p>
-          <a:p>
-            <a:pPr lvl="1"/>
-            <a:r>
-              <a:rPr lang="en-US" i="1" dirty="0"/>
-              <a:t>Divide and Conquer / Sorting</a:t>
-            </a:r>
-          </a:p>
-          <a:p>
-            <a:pPr lvl="1"/>
-            <a:r>
-              <a:rPr lang="en-US" i="1" dirty="0"/>
-              <a:t>Graphs, MST, Find-Union</a:t>
-            </a:r>
-          </a:p>
-          <a:p>
-            <a:pPr lvl="1"/>
-            <a:r>
-              <a:rPr lang="en-US" i="1" dirty="0"/>
-              <a:t>Greedy Algorithms and Dynamic Programming</a:t>
-            </a:r>
-          </a:p>
-          <a:p>
-            <a:pPr lvl="1"/>
-            <a:r>
-              <a:rPr lang="en-US" i="1" dirty="0"/>
-              <a:t>Network Flow and Reductions</a:t>
-            </a:r>
-          </a:p>
-          <a:p>
-            <a:endParaRPr lang="en-US" i="1" dirty="0"/>
-          </a:p>
-          <a:p>
-            <a:r>
-              <a:rPr lang="en-US" i="1" dirty="0"/>
-              <a:t>Each is approximately 3 weeks of content. Each contains:</a:t>
-            </a:r>
-          </a:p>
-          <a:p>
-            <a:pPr lvl="1"/>
-            <a:r>
-              <a:rPr lang="en-US" i="1" dirty="0"/>
-              <a:t>2 basic </a:t>
-            </a:r>
-            <a:r>
-              <a:rPr lang="en-US" i="1" dirty="0" err="1"/>
-              <a:t>homeworks</a:t>
-            </a:r>
-            <a:endParaRPr lang="en-US" i="1" dirty="0"/>
-          </a:p>
-          <a:p>
-            <a:pPr lvl="1"/>
-            <a:r>
-              <a:rPr lang="en-US" i="1" dirty="0"/>
-              <a:t>2 advanced </a:t>
-            </a:r>
-            <a:r>
-              <a:rPr lang="en-US" i="1" dirty="0" err="1"/>
-              <a:t>homeworks</a:t>
-            </a:r>
-            <a:endParaRPr lang="en-US" i="1" dirty="0"/>
-          </a:p>
-          <a:p>
-            <a:pPr lvl="1"/>
-            <a:r>
-              <a:rPr lang="en-US" i="1" dirty="0"/>
-              <a:t>1 quiz</a:t>
-            </a:r>
-          </a:p>
-          <a:p>
-            <a:pPr lvl="1"/>
-            <a:r>
-              <a:rPr lang="en-US" i="1" dirty="0"/>
-              <a:t>More on all this in a moment</a:t>
-            </a:r>
-          </a:p>
-        </p:txBody>
-      </p:sp>
-    </p:spTree>
-  </p:cSld>
-  <p:clrMapOvr>
-    <a:masterClrMapping/>
-  </p:clrMapOvr>
-</p:sld>
-</file>
-
 <file path=ppt/slides/slide8.xml><?xml version="1.0" encoding="utf-8"?>
 <p:sld xmlns:a="http://schemas.openxmlformats.org/drawingml/2006/main" xmlns:r="http://schemas.openxmlformats.org/officeDocument/2006/relationships" xmlns:p="http://schemas.openxmlformats.org/presentationml/2006/main">
   <p:cSld>
@@ -13536,27 +13703,24 @@
       </p:grpSpPr>
       <p:sp>
         <p:nvSpPr>
-          <p:cNvPr id="12290" name="Rectangle 2"/>
-          <p:cNvSpPr>
-            <a:spLocks noGrp="1" noChangeArrowheads="1"/>
+          <p:cNvPr id="2" name="Title 1"/>
+          <p:cNvSpPr>
+            <a:spLocks noGrp="1"/>
           </p:cNvSpPr>
           <p:nvPr>
             <p:ph type="title"/>
           </p:nvPr>
         </p:nvSpPr>
-        <p:spPr>
-          <a:xfrm>
-            <a:off x="457200" y="152400"/>
-            <a:ext cx="8229600" cy="990600"/>
-          </a:xfrm>
-        </p:spPr>
-        <p:txBody>
-          <a:bodyPr/>
-          <a:lstStyle/>
-          <a:p>
-            <a:r>
-              <a:rPr lang="en-US" dirty="0"/>
-              <a:t>Quizzes</a:t>
+        <p:spPr/>
+        <p:txBody>
+          <a:bodyPr>
+            <a:normAutofit/>
+          </a:bodyPr>
+          <a:lstStyle/>
+          <a:p>
+            <a:r>
+              <a:rPr lang="en-US" dirty="0"/>
+              <a:t>Modules</a:t>
             </a:r>
           </a:p>
         </p:txBody>
@@ -13587,9 +13751,9 @@
       </p:sp>
       <p:sp>
         <p:nvSpPr>
-          <p:cNvPr id="12291" name="Rectangle 3"/>
-          <p:cNvSpPr>
-            <a:spLocks noGrp="1" noChangeArrowheads="1"/>
+          <p:cNvPr id="3" name="Content Placeholder 2"/>
+          <p:cNvSpPr>
+            <a:spLocks noGrp="1"/>
           </p:cNvSpPr>
           <p:nvPr>
             <p:ph sz="quarter" idx="1"/>
@@ -13597,95 +13761,94 @@
         </p:nvSpPr>
         <p:spPr/>
         <p:txBody>
-          <a:bodyPr/>
-          <a:lstStyle/>
-          <a:p>
-            <a:r>
-              <a:rPr lang="en-US" dirty="0"/>
-              <a:t>Short assessments for each of the four modules</a:t>
+          <a:bodyPr>
+            <a:normAutofit/>
+          </a:bodyPr>
+          <a:lstStyle/>
+          <a:p>
+            <a:r>
+              <a:rPr lang="en-US" i="1" dirty="0"/>
+              <a:t>The course is divided into 4 modules</a:t>
             </a:r>
           </a:p>
           <a:p>
             <a:pPr lvl="1"/>
             <a:r>
-              <a:rPr lang="en-US" dirty="0"/>
-              <a:t>Will be take-home over an ~24 hour period</a:t>
+              <a:rPr lang="en-US" i="1" dirty="0"/>
+              <a:t>Divide and Conquer / Sorting</a:t>
             </a:r>
           </a:p>
           <a:p>
             <a:pPr lvl="1"/>
             <a:r>
-              <a:rPr lang="en-US" dirty="0"/>
-              <a:t>Meant to challenge your problem-solving skills, make sure you attended class, force you to analyze across topics, etc.</a:t>
-            </a:r>
-          </a:p>
-          <a:p>
-            <a:r>
-              <a:rPr lang="en-US" dirty="0"/>
-              <a:t>Three possible grade outcomes:</a:t>
+              <a:rPr lang="en-US" i="1" dirty="0"/>
+              <a:t>Graphs, MST, Find-Union</a:t>
             </a:r>
           </a:p>
           <a:p>
             <a:pPr lvl="1"/>
             <a:r>
-              <a:rPr lang="en-US" b="1" i="1" u="sng" dirty="0"/>
-              <a:t>Incomplete</a:t>
-            </a:r>
-            <a:r>
-              <a:rPr lang="en-US" dirty="0"/>
-              <a:t>: Knowledge not shown</a:t>
+              <a:rPr lang="en-US" i="1" dirty="0"/>
+              <a:t>Greedy Algorithms and Dynamic Programming</a:t>
             </a:r>
           </a:p>
           <a:p>
             <a:pPr lvl="1"/>
             <a:r>
-              <a:rPr lang="en-US" b="1" i="1" u="sng" dirty="0"/>
-              <a:t>Satisfactory</a:t>
-            </a:r>
-            <a:r>
-              <a:rPr lang="en-US" dirty="0"/>
-              <a:t>: Good, but noticeable issues remain </a:t>
+              <a:rPr lang="en-US" i="1" dirty="0"/>
+              <a:t>Network Flow and Reductions</a:t>
+            </a:r>
+          </a:p>
+          <a:p>
+            <a:endParaRPr lang="en-US" i="1" dirty="0"/>
+          </a:p>
+          <a:p>
+            <a:r>
+              <a:rPr lang="en-US" i="1" dirty="0"/>
+              <a:t>Each is approximately 3 weeks of content. Each contains:</a:t>
             </a:r>
           </a:p>
           <a:p>
             <a:pPr lvl="1"/>
             <a:r>
-              <a:rPr lang="en-US" b="1" i="1" u="sng" dirty="0"/>
-              <a:t>Mastered</a:t>
-            </a:r>
-            <a:r>
-              <a:rPr lang="en-US" dirty="0"/>
-              <a:t>: Looks great, can have minor errors / flaws</a:t>
-            </a:r>
-          </a:p>
-          <a:p>
-            <a:r>
-              <a:rPr lang="en-US" dirty="0"/>
-              <a:t>You will have three attempts at most of these (sometimes only two due to time constraints). More details later.</a:t>
-            </a:r>
-          </a:p>
-          <a:p>
-            <a:r>
-              <a:rPr lang="en-US" dirty="0"/>
-              <a:t>(Also, a 5</a:t>
-            </a:r>
-            <a:r>
-              <a:rPr lang="en-US" baseline="30000" dirty="0"/>
-              <a:t>th</a:t>
-            </a:r>
-            <a:r>
-              <a:rPr lang="en-US" dirty="0"/>
-              <a:t> quiz at the end of the course.)</a:t>
+              <a:rPr lang="en-US" i="1" dirty="0"/>
+              <a:t>2 basic </a:t>
+            </a:r>
+            <a:r>
+              <a:rPr lang="en-US" i="1" dirty="0" err="1"/>
+              <a:t>homeworks</a:t>
+            </a:r>
+            <a:endParaRPr lang="en-US" i="1" dirty="0"/>
+          </a:p>
+          <a:p>
+            <a:pPr lvl="1"/>
+            <a:r>
+              <a:rPr lang="en-US" i="1" dirty="0"/>
+              <a:t>2 advanced </a:t>
+            </a:r>
+            <a:r>
+              <a:rPr lang="en-US" i="1" dirty="0" err="1"/>
+              <a:t>homeworks</a:t>
+            </a:r>
+            <a:endParaRPr lang="en-US" i="1" dirty="0"/>
+          </a:p>
+          <a:p>
+            <a:pPr lvl="1"/>
+            <a:r>
+              <a:rPr lang="en-US" i="1" dirty="0"/>
+              <a:t>1 quiz</a:t>
+            </a:r>
+          </a:p>
+          <a:p>
+            <a:pPr lvl="1"/>
+            <a:r>
+              <a:rPr lang="en-US" i="1" dirty="0"/>
+              <a:t>More on all this in a moment</a:t>
             </a:r>
           </a:p>
         </p:txBody>
       </p:sp>
     </p:spTree>
-    <p:extLst>
-      <p:ext uri="{BB962C8B-B14F-4D97-AF65-F5344CB8AC3E}">
-        <p14:creationId xmlns:p14="http://schemas.microsoft.com/office/powerpoint/2010/main" val="36255159"/>
-      </p:ext>
-    </p:extLst>
   </p:cSld>
   <p:clrMapOvr>
     <a:masterClrMapping/>
@@ -13731,10 +13894,9 @@
           <a:lstStyle/>
           <a:p>
             <a:r>
-              <a:rPr lang="en-US" dirty="0" err="1"/>
-              <a:t>Homeworks</a:t>
-            </a:r>
-            <a:endParaRPr lang="en-US" dirty="0"/>
+              <a:rPr lang="en-US" dirty="0"/>
+              <a:t>Quizzes</a:t>
+            </a:r>
           </a:p>
         </p:txBody>
       </p:sp>
@@ -13774,77 +13936,85 @@
         </p:nvSpPr>
         <p:spPr/>
         <p:txBody>
-          <a:bodyPr>
-            <a:normAutofit lnSpcReduction="10000"/>
-          </a:bodyPr>
-          <a:lstStyle/>
-          <a:p>
-            <a:pPr algn="l"/>
-            <a:r>
-              <a:rPr lang="en-US" dirty="0"/>
-              <a:t>Most </a:t>
-            </a:r>
-            <a:r>
-              <a:rPr lang="en-US" dirty="0" err="1"/>
-              <a:t>Homeworks</a:t>
-            </a:r>
-            <a:r>
-              <a:rPr lang="en-US" dirty="0"/>
-              <a:t> are programming assignments or written descriptions of algorithms / proofs</a:t>
-            </a:r>
-          </a:p>
-          <a:p>
-            <a:r>
-              <a:rPr lang="en-US" dirty="0"/>
-              <a:t>Programming HW:</a:t>
+          <a:bodyPr/>
+          <a:lstStyle/>
+          <a:p>
+            <a:r>
+              <a:rPr lang="en-US" dirty="0"/>
+              <a:t>Short assessments for each of the four modules</a:t>
             </a:r>
           </a:p>
           <a:p>
             <a:pPr lvl="1"/>
             <a:r>
               <a:rPr lang="en-US" dirty="0"/>
-              <a:t>Can be written in Java, C++, or Python (your choice)</a:t>
+              <a:t>Will be take-home over an ~24 hour period</a:t>
             </a:r>
           </a:p>
           <a:p>
             <a:pPr lvl="1"/>
             <a:r>
               <a:rPr lang="en-US" dirty="0"/>
-              <a:t>Homework will specify the problem, input, and output specs. That is it. Sometimes a target runtime will be given</a:t>
+              <a:t>Meant to challenge your problem-solving skills, make sure you attended class, force you to analyze across topics, etc.</a:t>
+            </a:r>
+          </a:p>
+          <a:p>
+            <a:r>
+              <a:rPr lang="en-US" dirty="0"/>
+              <a:t>Three possible grade outcomes:</a:t>
             </a:r>
           </a:p>
           <a:p>
             <a:pPr lvl="1"/>
             <a:r>
-              <a:rPr lang="en-US" dirty="0"/>
-              <a:t>Must also submit a written summary of your approach, and description of runtime complexity</a:t>
-            </a:r>
-          </a:p>
-          <a:p>
-            <a:r>
-              <a:rPr lang="en-US" dirty="0"/>
-              <a:t>Written HW</a:t>
+              <a:rPr lang="en-US" b="1" i="1" u="sng" dirty="0"/>
+              <a:t>Incomplete</a:t>
+            </a:r>
+            <a:r>
+              <a:rPr lang="en-US" dirty="0"/>
+              <a:t>: Knowledge not shown</a:t>
             </a:r>
           </a:p>
           <a:p>
             <a:pPr lvl="1"/>
             <a:r>
-              <a:rPr lang="en-US" dirty="0"/>
-              <a:t>Solving small problems, analyzing runtimes, etc.</a:t>
+              <a:rPr lang="en-US" b="1" i="1" u="sng" dirty="0"/>
+              <a:t>Satisfactory</a:t>
+            </a:r>
+            <a:r>
+              <a:rPr lang="en-US" dirty="0"/>
+              <a:t>: Good, but noticeable issues remain </a:t>
             </a:r>
           </a:p>
           <a:p>
             <a:pPr lvl="1"/>
             <a:r>
-              <a:rPr lang="en-US" dirty="0"/>
-              <a:t>Sometimes proofs of correctness, etc.</a:t>
-            </a:r>
-          </a:p>
-          <a:p>
-            <a:pPr lvl="1"/>
-            <a:r>
-              <a:rPr lang="en-US" dirty="0"/>
-              <a:t>Written in Latex (tutorial on course webpage)</a:t>
+              <a:rPr lang="en-US" b="1" i="1" u="sng" dirty="0"/>
+              <a:t>Mastered</a:t>
+            </a:r>
+            <a:r>
+              <a:rPr lang="en-US" dirty="0"/>
+              <a:t>: Looks great, can have minor errors / flaws</a:t>
+            </a:r>
+          </a:p>
+          <a:p>
+            <a:r>
+              <a:rPr lang="en-US" dirty="0"/>
+              <a:t>You will have three attempts at most of these (sometimes only two due to time constraints). More details later.</a:t>
+            </a:r>
+          </a:p>
+          <a:p>
+            <a:r>
+              <a:rPr lang="en-US" dirty="0"/>
+              <a:t>(Also, a 5</a:t>
+            </a:r>
+            <a:r>
+              <a:rPr lang="en-US" baseline="30000" dirty="0"/>
+              <a:t>th</a:t>
+            </a:r>
+            <a:r>
+              <a:rPr lang="en-US" dirty="0"/>
+              <a:t> quiz at the end of the course.)</a:t>
             </a:r>
           </a:p>
         </p:txBody>
@@ -13852,7 +14022,7 @@
     </p:spTree>
     <p:extLst>
       <p:ext uri="{BB962C8B-B14F-4D97-AF65-F5344CB8AC3E}">
-        <p14:creationId xmlns:p14="http://schemas.microsoft.com/office/powerpoint/2010/main" val="2696101080"/>
+        <p14:creationId xmlns:p14="http://schemas.microsoft.com/office/powerpoint/2010/main" val="36255159"/>
       </p:ext>
     </p:extLst>
   </p:cSld>

--- a/slides/courseintroduction.pptx
+++ b/slides/courseintroduction.pptx
@@ -5,10 +5,10 @@
     <p:sldMasterId id="2147483728" r:id="rId1"/>
   </p:sldMasterIdLst>
   <p:notesMasterIdLst>
-    <p:notesMasterId r:id="rId47"/>
+    <p:notesMasterId r:id="rId49"/>
   </p:notesMasterIdLst>
   <p:handoutMasterIdLst>
-    <p:handoutMasterId r:id="rId48"/>
+    <p:handoutMasterId r:id="rId50"/>
   </p:handoutMasterIdLst>
   <p:sldIdLst>
     <p:sldId id="447" r:id="rId2"/>
@@ -18,49 +18,51 @@
     <p:sldId id="426" r:id="rId6"/>
     <p:sldId id="403" r:id="rId7"/>
     <p:sldId id="470" r:id="rId8"/>
-    <p:sldId id="474" r:id="rId9"/>
-    <p:sldId id="487" r:id="rId10"/>
-    <p:sldId id="488" r:id="rId11"/>
-    <p:sldId id="489" r:id="rId12"/>
-    <p:sldId id="492" r:id="rId13"/>
-    <p:sldId id="490" r:id="rId14"/>
-    <p:sldId id="471" r:id="rId15"/>
-    <p:sldId id="485" r:id="rId16"/>
-    <p:sldId id="463" r:id="rId17"/>
-    <p:sldId id="464" r:id="rId18"/>
-    <p:sldId id="263" r:id="rId19"/>
-    <p:sldId id="491" r:id="rId20"/>
-    <p:sldId id="493" r:id="rId21"/>
-    <p:sldId id="396" r:id="rId22"/>
-    <p:sldId id="397" r:id="rId23"/>
-    <p:sldId id="399" r:id="rId24"/>
-    <p:sldId id="400" r:id="rId25"/>
-    <p:sldId id="475" r:id="rId26"/>
-    <p:sldId id="482" r:id="rId27"/>
-    <p:sldId id="441" r:id="rId28"/>
-    <p:sldId id="435" r:id="rId29"/>
-    <p:sldId id="436" r:id="rId30"/>
-    <p:sldId id="437" r:id="rId31"/>
-    <p:sldId id="456" r:id="rId32"/>
-    <p:sldId id="457" r:id="rId33"/>
-    <p:sldId id="454" r:id="rId34"/>
-    <p:sldId id="455" r:id="rId35"/>
-    <p:sldId id="465" r:id="rId36"/>
-    <p:sldId id="466" r:id="rId37"/>
-    <p:sldId id="434" r:id="rId38"/>
-    <p:sldId id="467" r:id="rId39"/>
-    <p:sldId id="483" r:id="rId40"/>
-    <p:sldId id="476" r:id="rId41"/>
-    <p:sldId id="477" r:id="rId42"/>
-    <p:sldId id="478" r:id="rId43"/>
-    <p:sldId id="481" r:id="rId44"/>
-    <p:sldId id="479" r:id="rId45"/>
-    <p:sldId id="480" r:id="rId46"/>
+    <p:sldId id="495" r:id="rId9"/>
+    <p:sldId id="496" r:id="rId10"/>
+    <p:sldId id="474" r:id="rId11"/>
+    <p:sldId id="487" r:id="rId12"/>
+    <p:sldId id="488" r:id="rId13"/>
+    <p:sldId id="489" r:id="rId14"/>
+    <p:sldId id="492" r:id="rId15"/>
+    <p:sldId id="490" r:id="rId16"/>
+    <p:sldId id="471" r:id="rId17"/>
+    <p:sldId id="485" r:id="rId18"/>
+    <p:sldId id="463" r:id="rId19"/>
+    <p:sldId id="464" r:id="rId20"/>
+    <p:sldId id="263" r:id="rId21"/>
+    <p:sldId id="491" r:id="rId22"/>
+    <p:sldId id="493" r:id="rId23"/>
+    <p:sldId id="396" r:id="rId24"/>
+    <p:sldId id="397" r:id="rId25"/>
+    <p:sldId id="399" r:id="rId26"/>
+    <p:sldId id="400" r:id="rId27"/>
+    <p:sldId id="475" r:id="rId28"/>
+    <p:sldId id="482" r:id="rId29"/>
+    <p:sldId id="441" r:id="rId30"/>
+    <p:sldId id="435" r:id="rId31"/>
+    <p:sldId id="436" r:id="rId32"/>
+    <p:sldId id="437" r:id="rId33"/>
+    <p:sldId id="456" r:id="rId34"/>
+    <p:sldId id="457" r:id="rId35"/>
+    <p:sldId id="454" r:id="rId36"/>
+    <p:sldId id="455" r:id="rId37"/>
+    <p:sldId id="465" r:id="rId38"/>
+    <p:sldId id="466" r:id="rId39"/>
+    <p:sldId id="434" r:id="rId40"/>
+    <p:sldId id="467" r:id="rId41"/>
+    <p:sldId id="483" r:id="rId42"/>
+    <p:sldId id="476" r:id="rId43"/>
+    <p:sldId id="477" r:id="rId44"/>
+    <p:sldId id="478" r:id="rId45"/>
+    <p:sldId id="481" r:id="rId46"/>
+    <p:sldId id="479" r:id="rId47"/>
+    <p:sldId id="480" r:id="rId48"/>
   </p:sldIdLst>
   <p:sldSz cx="9144000" cy="6858000" type="screen4x3"/>
   <p:notesSz cx="7315200" cy="9601200"/>
   <p:custDataLst>
-    <p:tags r:id="rId49"/>
+    <p:tags r:id="rId51"/>
   </p:custDataLst>
   <p:defaultTextStyle>
     <a:defPPr>
@@ -955,7 +957,7 @@
             <a:fld id="{3A6D2E47-C92D-4534-9BB8-6325B253624D}" type="slidenum">
               <a:rPr lang="en-US" smtClean="0"/>
               <a:pPr/>
-              <a:t>30</a:t>
+              <a:t>32</a:t>
             </a:fld>
             <a:endParaRPr lang="en-US"/>
           </a:p>
@@ -1058,7 +1060,7 @@
             <a:fld id="{0E1F8137-5628-489C-8F34-1267C6EC6E68}" type="slidenum">
               <a:rPr lang="en-US" smtClean="0"/>
               <a:pPr/>
-              <a:t>34</a:t>
+              <a:t>36</a:t>
             </a:fld>
             <a:endParaRPr lang="en-US"/>
           </a:p>
@@ -5079,29 +5081,25 @@
       </p:grpSpPr>
       <p:sp>
         <p:nvSpPr>
-          <p:cNvPr id="12290" name="Rectangle 2"/>
-          <p:cNvSpPr>
-            <a:spLocks noGrp="1" noChangeArrowheads="1"/>
+          <p:cNvPr id="2" name="Title 1"/>
+          <p:cNvSpPr>
+            <a:spLocks noGrp="1"/>
           </p:cNvSpPr>
           <p:nvPr>
             <p:ph type="title"/>
           </p:nvPr>
         </p:nvSpPr>
-        <p:spPr>
-          <a:xfrm>
-            <a:off x="457200" y="152400"/>
-            <a:ext cx="8229600" cy="990600"/>
-          </a:xfrm>
-        </p:spPr>
-        <p:txBody>
-          <a:bodyPr/>
-          <a:lstStyle/>
-          <a:p>
-            <a:r>
-              <a:rPr lang="en-US" dirty="0" err="1"/>
-              <a:t>Homeworks</a:t>
-            </a:r>
-            <a:endParaRPr lang="en-US" dirty="0"/>
+        <p:spPr/>
+        <p:txBody>
+          <a:bodyPr>
+            <a:normAutofit/>
+          </a:bodyPr>
+          <a:lstStyle/>
+          <a:p>
+            <a:r>
+              <a:rPr lang="en-US" dirty="0"/>
+              <a:t>Modules</a:t>
+            </a:r>
           </a:p>
         </p:txBody>
       </p:sp>
@@ -5131,9 +5129,9 @@
       </p:sp>
       <p:sp>
         <p:nvSpPr>
-          <p:cNvPr id="12291" name="Rectangle 3"/>
-          <p:cNvSpPr>
-            <a:spLocks noGrp="1" noChangeArrowheads="1"/>
+          <p:cNvPr id="3" name="Content Placeholder 2"/>
+          <p:cNvSpPr>
+            <a:spLocks noGrp="1"/>
           </p:cNvSpPr>
           <p:nvPr>
             <p:ph sz="quarter" idx="1"/>
@@ -5142,86 +5140,93 @@
         <p:spPr/>
         <p:txBody>
           <a:bodyPr>
-            <a:normAutofit lnSpcReduction="10000"/>
+            <a:normAutofit/>
           </a:bodyPr>
           <a:lstStyle/>
           <a:p>
-            <a:pPr algn="l"/>
-            <a:r>
-              <a:rPr lang="en-US" dirty="0"/>
-              <a:t>Most </a:t>
-            </a:r>
-            <a:r>
-              <a:rPr lang="en-US" dirty="0" err="1"/>
-              <a:t>Homeworks</a:t>
-            </a:r>
-            <a:r>
-              <a:rPr lang="en-US" dirty="0"/>
-              <a:t> are programming assignments or written descriptions of algorithms / proofs</a:t>
-            </a:r>
-          </a:p>
-          <a:p>
-            <a:r>
-              <a:rPr lang="en-US" dirty="0"/>
-              <a:t>Programming HW:</a:t>
+            <a:r>
+              <a:rPr lang="en-US" i="1" dirty="0"/>
+              <a:t>The course is divided into 4 modules</a:t>
             </a:r>
           </a:p>
           <a:p>
             <a:pPr lvl="1"/>
             <a:r>
-              <a:rPr lang="en-US" dirty="0"/>
-              <a:t>Can be written in Java, C++, or Python (your choice)</a:t>
+              <a:rPr lang="en-US" i="1" dirty="0"/>
+              <a:t>Divide and Conquer / Sorting</a:t>
             </a:r>
           </a:p>
           <a:p>
             <a:pPr lvl="1"/>
             <a:r>
-              <a:rPr lang="en-US" dirty="0"/>
-              <a:t>Homework will specify the problem, input, and output specs. That is it. Sometimes a target runtime will be given</a:t>
+              <a:rPr lang="en-US" i="1" dirty="0"/>
+              <a:t>Graphs, MST, Find-Union</a:t>
             </a:r>
           </a:p>
           <a:p>
             <a:pPr lvl="1"/>
             <a:r>
-              <a:rPr lang="en-US" dirty="0"/>
-              <a:t>Must also submit a written summary of your approach, and description of runtime complexity</a:t>
-            </a:r>
-          </a:p>
-          <a:p>
-            <a:r>
-              <a:rPr lang="en-US" dirty="0"/>
-              <a:t>Written HW</a:t>
+              <a:rPr lang="en-US" i="1" dirty="0"/>
+              <a:t>Greedy Algorithms and Dynamic Programming</a:t>
             </a:r>
           </a:p>
           <a:p>
             <a:pPr lvl="1"/>
             <a:r>
-              <a:rPr lang="en-US" dirty="0"/>
-              <a:t>Solving small problems, analyzing runtimes, etc.</a:t>
+              <a:rPr lang="en-US" i="1" dirty="0"/>
+              <a:t>Network Flow and Reductions</a:t>
+            </a:r>
+          </a:p>
+          <a:p>
+            <a:endParaRPr lang="en-US" i="1" dirty="0"/>
+          </a:p>
+          <a:p>
+            <a:r>
+              <a:rPr lang="en-US" i="1" dirty="0"/>
+              <a:t>Each is approximately 3 weeks of content. Each contains:</a:t>
             </a:r>
           </a:p>
           <a:p>
             <a:pPr lvl="1"/>
             <a:r>
-              <a:rPr lang="en-US" dirty="0"/>
-              <a:t>Sometimes proofs of correctness, etc.</a:t>
-            </a:r>
+              <a:rPr lang="en-US" i="1" dirty="0"/>
+              <a:t>2 basic </a:t>
+            </a:r>
+            <a:r>
+              <a:rPr lang="en-US" i="1" dirty="0" err="1"/>
+              <a:t>homeworks</a:t>
+            </a:r>
+            <a:endParaRPr lang="en-US" i="1" dirty="0"/>
           </a:p>
           <a:p>
             <a:pPr lvl="1"/>
             <a:r>
-              <a:rPr lang="en-US" dirty="0"/>
-              <a:t>Written in Latex (tutorial on course webpage)</a:t>
+              <a:rPr lang="en-US" i="1" dirty="0"/>
+              <a:t>2 advanced </a:t>
+            </a:r>
+            <a:r>
+              <a:rPr lang="en-US" i="1" dirty="0" err="1"/>
+              <a:t>homeworks</a:t>
+            </a:r>
+            <a:endParaRPr lang="en-US" i="1" dirty="0"/>
+          </a:p>
+          <a:p>
+            <a:pPr lvl="1"/>
+            <a:r>
+              <a:rPr lang="en-US" i="1" dirty="0"/>
+              <a:t>1 quiz</a:t>
+            </a:r>
+          </a:p>
+          <a:p>
+            <a:pPr lvl="1"/>
+            <a:r>
+              <a:rPr lang="en-US" i="1" dirty="0"/>
+              <a:t>More on all this in a moment</a:t>
             </a:r>
           </a:p>
         </p:txBody>
       </p:sp>
     </p:spTree>
-    <p:extLst>
-      <p:ext uri="{BB962C8B-B14F-4D97-AF65-F5344CB8AC3E}">
-        <p14:creationId xmlns:p14="http://schemas.microsoft.com/office/powerpoint/2010/main" val="2696101080"/>
-      </p:ext>
-    </p:extLst>
   </p:cSld>
   <p:clrMapOvr>
     <a:masterClrMapping/>
@@ -5268,7 +5273,7 @@
           <a:p>
             <a:r>
               <a:rPr lang="en-US" dirty="0"/>
-              <a:t>Homework Grades</a:t>
+              <a:t>Quizzes</a:t>
             </a:r>
           </a:p>
         </p:txBody>
@@ -5313,12 +5318,28 @@
           <a:lstStyle/>
           <a:p>
             <a:r>
-              <a:rPr lang="en-US" dirty="0" err="1"/>
-              <a:t>Homeworks</a:t>
-            </a:r>
-            <a:r>
-              <a:rPr lang="en-US" dirty="0"/>
-              <a:t> also have three grade levels:</a:t>
+              <a:rPr lang="en-US" dirty="0"/>
+              <a:t>Short assessments for each of the four modules</a:t>
+            </a:r>
+          </a:p>
+          <a:p>
+            <a:pPr lvl="1"/>
+            <a:r>
+              <a:rPr lang="en-US" dirty="0"/>
+              <a:t>Will be take-home over an ~24 hour period</a:t>
+            </a:r>
+          </a:p>
+          <a:p>
+            <a:pPr lvl="1"/>
+            <a:r>
+              <a:rPr lang="en-US" dirty="0"/>
+              <a:t>Meant to challenge your problem-solving skills, make sure you attended class, force you to analyze across topics, etc.</a:t>
+            </a:r>
+          </a:p>
+          <a:p>
+            <a:r>
+              <a:rPr lang="en-US" dirty="0"/>
+              <a:t>Three possible grade outcomes:</a:t>
             </a:r>
           </a:p>
           <a:p>
@@ -5329,7 +5350,7 @@
             </a:r>
             <a:r>
               <a:rPr lang="en-US" dirty="0"/>
-              <a:t>: HW is not complete or does not show a minimum level of competence.</a:t>
+              <a:t>: Knowledge not shown</a:t>
             </a:r>
           </a:p>
           <a:p>
@@ -5340,7 +5361,7 @@
             </a:r>
             <a:r>
               <a:rPr lang="en-US" dirty="0"/>
-              <a:t>: HW is good, but contains noticeable issues that need to be addressed.</a:t>
+              <a:t>: Good, but noticeable issues remain </a:t>
             </a:r>
           </a:p>
           <a:p>
@@ -5351,27 +5372,27 @@
             </a:r>
             <a:r>
               <a:rPr lang="en-US" dirty="0"/>
-              <a:t>: HW looks very good, might contain minor errors.</a:t>
-            </a:r>
-          </a:p>
-          <a:p>
-            <a:endParaRPr lang="en-US" dirty="0"/>
-          </a:p>
-          <a:p>
-            <a:r>
-              <a:rPr lang="en-US" dirty="0" err="1"/>
-              <a:t>Homeworks</a:t>
-            </a:r>
-            <a:r>
-              <a:rPr lang="en-US" dirty="0"/>
-              <a:t> can be submitted multiple times to allow you to reach higher grade levels. </a:t>
-            </a:r>
-          </a:p>
-          <a:p>
-            <a:pPr lvl="1"/>
-            <a:r>
-              <a:rPr lang="en-US" dirty="0"/>
-              <a:t>Some restrictions apply. More on this when we look at the schedule.</a:t>
+              <a:t>: Looks great, can have minor errors / flaws</a:t>
+            </a:r>
+          </a:p>
+          <a:p>
+            <a:r>
+              <a:rPr lang="en-US" dirty="0"/>
+              <a:t>You will have three attempts at most of these (sometimes only two due to time constraints). More details later.</a:t>
+            </a:r>
+          </a:p>
+          <a:p>
+            <a:r>
+              <a:rPr lang="en-US" dirty="0"/>
+              <a:t>(Also, a 5</a:t>
+            </a:r>
+            <a:r>
+              <a:rPr lang="en-US" baseline="30000" dirty="0"/>
+              <a:t>th</a:t>
+            </a:r>
+            <a:r>
+              <a:rPr lang="en-US" dirty="0"/>
+              <a:t> quiz at the end of the course.)</a:t>
             </a:r>
           </a:p>
         </p:txBody>
@@ -5379,7 +5400,7 @@
     </p:spTree>
     <p:extLst>
       <p:ext uri="{BB962C8B-B14F-4D97-AF65-F5344CB8AC3E}">
-        <p14:creationId xmlns:p14="http://schemas.microsoft.com/office/powerpoint/2010/main" val="59157919"/>
+        <p14:creationId xmlns:p14="http://schemas.microsoft.com/office/powerpoint/2010/main" val="36255159"/>
       </p:ext>
     </p:extLst>
   </p:cSld>
@@ -5427,9 +5448,10 @@
           <a:lstStyle/>
           <a:p>
             <a:r>
-              <a:rPr lang="en-US" dirty="0"/>
-              <a:t>Quiz and Homework Deadlines</a:t>
-            </a:r>
+              <a:rPr lang="en-US" dirty="0" err="1"/>
+              <a:t>Homeworks</a:t>
+            </a:r>
+            <a:endParaRPr lang="en-US" dirty="0"/>
           </a:p>
         </p:txBody>
       </p:sp>
@@ -5474,89 +5496,80 @@
           </a:bodyPr>
           <a:lstStyle/>
           <a:p>
-            <a:r>
-              <a:rPr lang="en-US" sz="2800" dirty="0"/>
-              <a:t>Let’s look at schedule on course website </a:t>
-            </a:r>
-            <a:r>
-              <a:rPr lang="en-US" sz="2800" dirty="0">
-                <a:sym typeface="Wingdings" pitchFamily="2" charset="2"/>
-              </a:rPr>
-              <a:t></a:t>
-            </a:r>
-          </a:p>
-          <a:p>
-            <a:endParaRPr lang="en-US" sz="2800" dirty="0">
-              <a:sym typeface="Wingdings" pitchFamily="2" charset="2"/>
-            </a:endParaRPr>
-          </a:p>
-          <a:p>
-            <a:r>
-              <a:rPr lang="en-US" sz="2800" dirty="0">
-                <a:sym typeface="Wingdings" pitchFamily="2" charset="2"/>
-              </a:rPr>
-              <a:t>Summary:</a:t>
+            <a:pPr algn="l"/>
+            <a:r>
+              <a:rPr lang="en-US" dirty="0"/>
+              <a:t>Most </a:t>
+            </a:r>
+            <a:r>
+              <a:rPr lang="en-US" dirty="0" err="1"/>
+              <a:t>Homeworks</a:t>
+            </a:r>
+            <a:r>
+              <a:rPr lang="en-US" dirty="0"/>
+              <a:t> are programming assignments or written descriptions of algorithms / proofs</a:t>
+            </a:r>
+          </a:p>
+          <a:p>
+            <a:r>
+              <a:rPr lang="en-US" dirty="0"/>
+              <a:t>Programming HW:</a:t>
             </a:r>
           </a:p>
           <a:p>
             <a:pPr lvl="1"/>
             <a:r>
-              <a:rPr lang="en-US" sz="2400" dirty="0">
-                <a:sym typeface="Wingdings" pitchFamily="2" charset="2"/>
-              </a:rPr>
-              <a:t>Quizzes are at end of every module. Most have a second attempt during the next module (if time allows)</a:t>
+              <a:rPr lang="en-US" dirty="0"/>
+              <a:t>Can be written in Java, C++, or Python (your choice)</a:t>
             </a:r>
           </a:p>
           <a:p>
             <a:pPr lvl="1"/>
             <a:r>
-              <a:rPr lang="en-US" sz="2400" dirty="0"/>
-              <a:t>A final “putting it all together” quiz</a:t>
-            </a:r>
-            <a:endParaRPr lang="en-US" sz="2400" dirty="0">
-              <a:sym typeface="Wingdings" pitchFamily="2" charset="2"/>
-            </a:endParaRPr>
+              <a:rPr lang="en-US" dirty="0"/>
+              <a:t>Homework will specify the problem, input, and output specs. That is it. Sometimes a target runtime will be given</a:t>
+            </a:r>
           </a:p>
           <a:p>
             <a:pPr lvl="1"/>
             <a:r>
-              <a:rPr lang="en-US" sz="2400" dirty="0" err="1">
-                <a:sym typeface="Wingdings" pitchFamily="2" charset="2"/>
-              </a:rPr>
-              <a:t>Homeworks</a:t>
-            </a:r>
-            <a:r>
-              <a:rPr lang="en-US" sz="2400" dirty="0">
-                <a:sym typeface="Wingdings" pitchFamily="2" charset="2"/>
-              </a:rPr>
-              <a:t> have a soft deadline and a hard deadline</a:t>
-            </a:r>
-          </a:p>
-          <a:p>
-            <a:pPr lvl="2"/>
-            <a:r>
-              <a:rPr lang="en-US" sz="2400" dirty="0">
-                <a:sym typeface="Wingdings" pitchFamily="2" charset="2"/>
-              </a:rPr>
-              <a:t>Will be graded and feedback given if submitted at either deadline.</a:t>
-            </a:r>
-          </a:p>
-          <a:p>
-            <a:pPr lvl="2"/>
-            <a:r>
-              <a:rPr lang="en-US" sz="2400" dirty="0">
-                <a:sym typeface="Wingdings" pitchFamily="2" charset="2"/>
-              </a:rPr>
-              <a:t>Expectation is you will submit at soft deadline, and resubmit at hard deadline IF you don’t pass the HW. But…up to you.</a:t>
-            </a:r>
-            <a:endParaRPr lang="en-US" sz="2400" dirty="0"/>
+              <a:rPr lang="en-US" dirty="0"/>
+              <a:t>Must also submit a written summary of your approach, and description of runtime complexity</a:t>
+            </a:r>
+          </a:p>
+          <a:p>
+            <a:r>
+              <a:rPr lang="en-US" dirty="0"/>
+              <a:t>Written HW</a:t>
+            </a:r>
+          </a:p>
+          <a:p>
+            <a:pPr lvl="1"/>
+            <a:r>
+              <a:rPr lang="en-US" dirty="0"/>
+              <a:t>Solving small problems, analyzing runtimes, etc.</a:t>
+            </a:r>
+          </a:p>
+          <a:p>
+            <a:pPr lvl="1"/>
+            <a:r>
+              <a:rPr lang="en-US" dirty="0"/>
+              <a:t>Sometimes proofs of correctness, etc.</a:t>
+            </a:r>
+          </a:p>
+          <a:p>
+            <a:pPr lvl="1"/>
+            <a:r>
+              <a:rPr lang="en-US" dirty="0"/>
+              <a:t>Written in Latex (tutorial on course webpage)</a:t>
+            </a:r>
           </a:p>
         </p:txBody>
       </p:sp>
     </p:spTree>
     <p:extLst>
       <p:ext uri="{BB962C8B-B14F-4D97-AF65-F5344CB8AC3E}">
-        <p14:creationId xmlns:p14="http://schemas.microsoft.com/office/powerpoint/2010/main" val="1233055087"/>
+        <p14:creationId xmlns:p14="http://schemas.microsoft.com/office/powerpoint/2010/main" val="2696101080"/>
       </p:ext>
     </p:extLst>
   </p:cSld>
@@ -5585,93 +5598,27 @@
       </p:grpSpPr>
       <p:sp>
         <p:nvSpPr>
-          <p:cNvPr id="18434" name="Title 1"/>
-          <p:cNvSpPr>
-            <a:spLocks noGrp="1"/>
+          <p:cNvPr id="12290" name="Rectangle 2"/>
+          <p:cNvSpPr>
+            <a:spLocks noGrp="1" noChangeArrowheads="1"/>
           </p:cNvSpPr>
           <p:nvPr>
             <p:ph type="title"/>
           </p:nvPr>
         </p:nvSpPr>
-        <p:spPr/>
-        <p:txBody>
-          <a:bodyPr/>
-          <a:lstStyle/>
-          <a:p>
-            <a:r>
-              <a:rPr lang="en-US" dirty="0"/>
-              <a:t>Final Exam</a:t>
-            </a:r>
-          </a:p>
-        </p:txBody>
-      </p:sp>
-      <p:sp>
-        <p:nvSpPr>
-          <p:cNvPr id="18435" name="Content Placeholder 2"/>
-          <p:cNvSpPr>
-            <a:spLocks noGrp="1"/>
-          </p:cNvSpPr>
-          <p:nvPr>
-            <p:ph sz="quarter" idx="1"/>
-          </p:nvPr>
-        </p:nvSpPr>
-        <p:spPr/>
-        <p:txBody>
-          <a:bodyPr>
-            <a:normAutofit/>
-          </a:bodyPr>
-          <a:lstStyle/>
-          <a:p>
-            <a:pPr algn="l"/>
-            <a:r>
-              <a:rPr lang="en-US" dirty="0"/>
-              <a:t>Our final exam time will be used to:</a:t>
-            </a:r>
-            <a:br>
-              <a:rPr lang="en-US" dirty="0"/>
-            </a:br>
-            <a:r>
-              <a:rPr lang="en-US" dirty="0"/>
-              <a:t>      Provide another attempt at each module quiz, and</a:t>
-            </a:r>
-            <a:br>
-              <a:rPr lang="en-US" dirty="0"/>
-            </a:br>
-            <a:r>
-              <a:rPr lang="en-US" dirty="0"/>
-              <a:t>      Take the “putting it all together” quiz.</a:t>
-            </a:r>
-          </a:p>
-          <a:p>
-            <a:pPr lvl="1"/>
-            <a:endParaRPr lang="en-US" dirty="0"/>
-          </a:p>
-          <a:p>
-            <a:pPr lvl="1"/>
-            <a:r>
-              <a:rPr lang="en-US" dirty="0"/>
-              <a:t>You will be given five quizzes, one per module and a final “putting it all together” quiz.</a:t>
-            </a:r>
-          </a:p>
-          <a:p>
-            <a:pPr lvl="1"/>
-            <a:r>
-              <a:rPr lang="en-US" dirty="0"/>
-              <a:t>If you already passed some of these, you don’t need to do them again during the final.</a:t>
-            </a:r>
-          </a:p>
-          <a:p>
-            <a:pPr lvl="1"/>
-            <a:r>
-              <a:rPr lang="en-US" dirty="0"/>
-              <a:t>If you want to reattempt any quiz (or multiple ones) you may do so.</a:t>
-            </a:r>
-          </a:p>
-          <a:p>
-            <a:pPr lvl="1"/>
-            <a:r>
-              <a:rPr lang="en-US" dirty="0"/>
-              <a:t>This will be your ONLY ATTEMPT at the “putting it all together” quiz. </a:t>
+        <p:spPr>
+          <a:xfrm>
+            <a:off x="457200" y="152400"/>
+            <a:ext cx="8229600" cy="990600"/>
+          </a:xfrm>
+        </p:spPr>
+        <p:txBody>
+          <a:bodyPr/>
+          <a:lstStyle/>
+          <a:p>
+            <a:r>
+              <a:rPr lang="en-US" dirty="0"/>
+              <a:t>Homework Grades</a:t>
             </a:r>
           </a:p>
         </p:txBody>
@@ -5696,14 +5643,93 @@
               <a:pPr/>
               <a:t>13</a:t>
             </a:fld>
+            <a:endParaRPr lang="en-US"/>
+          </a:p>
+        </p:txBody>
+      </p:sp>
+      <p:sp>
+        <p:nvSpPr>
+          <p:cNvPr id="12291" name="Rectangle 3"/>
+          <p:cNvSpPr>
+            <a:spLocks noGrp="1" noChangeArrowheads="1"/>
+          </p:cNvSpPr>
+          <p:nvPr>
+            <p:ph sz="quarter" idx="1"/>
+          </p:nvPr>
+        </p:nvSpPr>
+        <p:spPr/>
+        <p:txBody>
+          <a:bodyPr/>
+          <a:lstStyle/>
+          <a:p>
+            <a:r>
+              <a:rPr lang="en-US" dirty="0" err="1"/>
+              <a:t>Homeworks</a:t>
+            </a:r>
+            <a:r>
+              <a:rPr lang="en-US" dirty="0"/>
+              <a:t> also have three grade levels:</a:t>
+            </a:r>
+          </a:p>
+          <a:p>
+            <a:pPr lvl="1"/>
+            <a:r>
+              <a:rPr lang="en-US" b="1" i="1" u="sng" dirty="0"/>
+              <a:t>Incomplete</a:t>
+            </a:r>
+            <a:r>
+              <a:rPr lang="en-US" dirty="0"/>
+              <a:t>: HW is not complete or does not show a minimum level of competence.</a:t>
+            </a:r>
+          </a:p>
+          <a:p>
+            <a:pPr lvl="1"/>
+            <a:r>
+              <a:rPr lang="en-US" b="1" i="1" u="sng" dirty="0"/>
+              <a:t>Satisfactory</a:t>
+            </a:r>
+            <a:r>
+              <a:rPr lang="en-US" dirty="0"/>
+              <a:t>: HW is good, but contains noticeable issues that need to be addressed.</a:t>
+            </a:r>
+          </a:p>
+          <a:p>
+            <a:pPr lvl="1"/>
+            <a:r>
+              <a:rPr lang="en-US" b="1" i="1" u="sng" dirty="0"/>
+              <a:t>Mastered</a:t>
+            </a:r>
+            <a:r>
+              <a:rPr lang="en-US" dirty="0"/>
+              <a:t>: HW looks very good, might contain minor errors.</a:t>
+            </a:r>
+          </a:p>
+          <a:p>
             <a:endParaRPr lang="en-US" dirty="0"/>
+          </a:p>
+          <a:p>
+            <a:r>
+              <a:rPr lang="en-US" dirty="0" err="1"/>
+              <a:t>Homeworks</a:t>
+            </a:r>
+            <a:r>
+              <a:rPr lang="en-US" dirty="0"/>
+              <a:t> can be submitted multiple times to allow you to reach higher grade levels. </a:t>
+            </a:r>
+          </a:p>
+          <a:p>
+            <a:pPr lvl="1"/>
+            <a:r>
+              <a:rPr lang="en-US" dirty="0"/>
+              <a:t>Some restrictions apply. More on this when we look at the schedule.</a:t>
+            </a:r>
           </a:p>
         </p:txBody>
       </p:sp>
     </p:spTree>
     <p:extLst>
       <p:ext uri="{BB962C8B-B14F-4D97-AF65-F5344CB8AC3E}">
-        <p14:creationId xmlns:p14="http://schemas.microsoft.com/office/powerpoint/2010/main" val="3820992401"/>
+        <p14:creationId xmlns:p14="http://schemas.microsoft.com/office/powerpoint/2010/main" val="59157919"/>
       </p:ext>
     </p:extLst>
   </p:cSld>
@@ -5732,142 +5758,27 @@
       </p:grpSpPr>
       <p:sp>
         <p:nvSpPr>
-          <p:cNvPr id="16386" name="Title 1"/>
-          <p:cNvSpPr>
-            <a:spLocks noGrp="1"/>
+          <p:cNvPr id="12290" name="Rectangle 2"/>
+          <p:cNvSpPr>
+            <a:spLocks noGrp="1" noChangeArrowheads="1"/>
           </p:cNvSpPr>
           <p:nvPr>
             <p:ph type="title"/>
           </p:nvPr>
         </p:nvSpPr>
-        <p:spPr/>
-        <p:txBody>
-          <a:bodyPr/>
-          <a:lstStyle/>
-          <a:p>
-            <a:r>
-              <a:rPr lang="en-US" dirty="0"/>
-              <a:t>Homework: Programming Hints</a:t>
-            </a:r>
-          </a:p>
-        </p:txBody>
-      </p:sp>
-      <p:sp>
-        <p:nvSpPr>
-          <p:cNvPr id="16387" name="Content Placeholder 2"/>
-          <p:cNvSpPr>
-            <a:spLocks noGrp="1"/>
-          </p:cNvSpPr>
-          <p:nvPr>
-            <p:ph sz="quarter" idx="1"/>
-          </p:nvPr>
-        </p:nvSpPr>
-        <p:spPr/>
-        <p:txBody>
-          <a:bodyPr>
-            <a:normAutofit lnSpcReduction="10000"/>
-          </a:bodyPr>
-          <a:lstStyle/>
-          <a:p>
-            <a:r>
-              <a:rPr lang="en-US" dirty="0"/>
-              <a:t>Understand the problem!</a:t>
-            </a:r>
-          </a:p>
-          <a:p>
-            <a:r>
-              <a:rPr lang="en-US" dirty="0"/>
-              <a:t>Consider all boundary cases</a:t>
-            </a:r>
-          </a:p>
-          <a:p>
-            <a:r>
-              <a:rPr lang="en-US" dirty="0"/>
-              <a:t>Use pre-existing library code</a:t>
-            </a:r>
-          </a:p>
-          <a:p>
-            <a:pPr lvl="1"/>
-            <a:r>
-              <a:rPr lang="en-US" dirty="0"/>
-              <a:t>Number formatting: </a:t>
-            </a:r>
-            <a:r>
-              <a:rPr lang="en-US" dirty="0" err="1"/>
-              <a:t>NumberFormat</a:t>
-            </a:r>
-            <a:r>
-              <a:rPr lang="en-US" dirty="0"/>
-              <a:t> in Java, </a:t>
-            </a:r>
-            <a:r>
-              <a:rPr lang="en-US" dirty="0" err="1"/>
-              <a:t>printf</a:t>
-            </a:r>
-            <a:r>
-              <a:rPr lang="en-US" dirty="0"/>
-              <a:t>() in C/C++</a:t>
-            </a:r>
-          </a:p>
-          <a:p>
-            <a:pPr lvl="1"/>
-            <a:r>
-              <a:rPr lang="en-US" dirty="0"/>
-              <a:t>Input: Scanner in Java, </a:t>
-            </a:r>
-            <a:r>
-              <a:rPr lang="en-US" dirty="0" err="1"/>
-              <a:t>scanf</a:t>
-            </a:r>
-            <a:r>
-              <a:rPr lang="en-US" dirty="0"/>
-              <a:t>() in C, </a:t>
-            </a:r>
-            <a:r>
-              <a:rPr lang="en-US" dirty="0" err="1"/>
-              <a:t>cin</a:t>
-            </a:r>
-            <a:r>
-              <a:rPr lang="en-US" dirty="0"/>
-              <a:t> in C++</a:t>
-            </a:r>
-          </a:p>
-          <a:p>
-            <a:r>
-              <a:rPr lang="en-US" dirty="0"/>
-              <a:t>Know how to handle floating point numbers</a:t>
-            </a:r>
-          </a:p>
-          <a:p>
-            <a:pPr lvl="1"/>
-            <a:r>
-              <a:rPr lang="en-US" dirty="0"/>
-              <a:t>Understand float/double precision issues</a:t>
-            </a:r>
-          </a:p>
-          <a:p>
-            <a:pPr lvl="1"/>
-            <a:r>
-              <a:rPr lang="en-US" dirty="0"/>
-              <a:t>Rounding, floating-point mod</a:t>
-            </a:r>
-          </a:p>
-          <a:p>
-            <a:r>
-              <a:rPr lang="en-US" dirty="0"/>
-              <a:t>Make sure it works for the provided test cases</a:t>
-            </a:r>
-          </a:p>
-          <a:p>
-            <a:r>
-              <a:rPr lang="en-US" dirty="0"/>
-              <a:t>Then write some of your own</a:t>
-            </a:r>
-          </a:p>
-          <a:p>
-            <a:r>
-              <a:rPr lang="en-US" dirty="0"/>
-              <a:t>Make sure you read the language specific details for submission!!!</a:t>
+        <p:spPr>
+          <a:xfrm>
+            <a:off x="457200" y="152400"/>
+            <a:ext cx="8229600" cy="990600"/>
+          </a:xfrm>
+        </p:spPr>
+        <p:txBody>
+          <a:bodyPr/>
+          <a:lstStyle/>
+          <a:p>
+            <a:r>
+              <a:rPr lang="en-US" dirty="0"/>
+              <a:t>Quiz and Homework Deadlines</a:t>
             </a:r>
           </a:p>
         </p:txBody>
@@ -5896,7 +5807,108 @@
           </a:p>
         </p:txBody>
       </p:sp>
+      <p:sp>
+        <p:nvSpPr>
+          <p:cNvPr id="12291" name="Rectangle 3"/>
+          <p:cNvSpPr>
+            <a:spLocks noGrp="1" noChangeArrowheads="1"/>
+          </p:cNvSpPr>
+          <p:nvPr>
+            <p:ph sz="quarter" idx="1"/>
+          </p:nvPr>
+        </p:nvSpPr>
+        <p:spPr/>
+        <p:txBody>
+          <a:bodyPr>
+            <a:normAutofit lnSpcReduction="10000"/>
+          </a:bodyPr>
+          <a:lstStyle/>
+          <a:p>
+            <a:r>
+              <a:rPr lang="en-US" sz="2800" dirty="0"/>
+              <a:t>Let’s look at schedule on course website </a:t>
+            </a:r>
+            <a:r>
+              <a:rPr lang="en-US" sz="2800" dirty="0">
+                <a:sym typeface="Wingdings" pitchFamily="2" charset="2"/>
+              </a:rPr>
+              <a:t></a:t>
+            </a:r>
+          </a:p>
+          <a:p>
+            <a:endParaRPr lang="en-US" sz="2800" dirty="0">
+              <a:sym typeface="Wingdings" pitchFamily="2" charset="2"/>
+            </a:endParaRPr>
+          </a:p>
+          <a:p>
+            <a:r>
+              <a:rPr lang="en-US" sz="2800" dirty="0">
+                <a:sym typeface="Wingdings" pitchFamily="2" charset="2"/>
+              </a:rPr>
+              <a:t>Summary:</a:t>
+            </a:r>
+          </a:p>
+          <a:p>
+            <a:pPr lvl="1"/>
+            <a:r>
+              <a:rPr lang="en-US" sz="2400" dirty="0">
+                <a:sym typeface="Wingdings" pitchFamily="2" charset="2"/>
+              </a:rPr>
+              <a:t>Quizzes are at end of every module. Most have a second attempt during the next module (if time allows)</a:t>
+            </a:r>
+          </a:p>
+          <a:p>
+            <a:pPr lvl="1"/>
+            <a:r>
+              <a:rPr lang="en-US" sz="2400" dirty="0"/>
+              <a:t>A final “putting it all together” quiz</a:t>
+            </a:r>
+            <a:endParaRPr lang="en-US" sz="2400" dirty="0">
+              <a:sym typeface="Wingdings" pitchFamily="2" charset="2"/>
+            </a:endParaRPr>
+          </a:p>
+          <a:p>
+            <a:pPr lvl="1"/>
+            <a:r>
+              <a:rPr lang="en-US" sz="2400" dirty="0" err="1">
+                <a:sym typeface="Wingdings" pitchFamily="2" charset="2"/>
+              </a:rPr>
+              <a:t>Homeworks</a:t>
+            </a:r>
+            <a:r>
+              <a:rPr lang="en-US" sz="2400" dirty="0">
+                <a:sym typeface="Wingdings" pitchFamily="2" charset="2"/>
+              </a:rPr>
+              <a:t> have a soft deadline and a hard deadline</a:t>
+            </a:r>
+          </a:p>
+          <a:p>
+            <a:pPr lvl="2"/>
+            <a:r>
+              <a:rPr lang="en-US" sz="2400" dirty="0">
+                <a:sym typeface="Wingdings" pitchFamily="2" charset="2"/>
+              </a:rPr>
+              <a:t>Will be graded and feedback given if submitted at either deadline.</a:t>
+            </a:r>
+          </a:p>
+          <a:p>
+            <a:pPr lvl="2"/>
+            <a:r>
+              <a:rPr lang="en-US" sz="2400" dirty="0">
+                <a:sym typeface="Wingdings" pitchFamily="2" charset="2"/>
+              </a:rPr>
+              <a:t>Expectation is you will submit at soft deadline, and resubmit at hard deadline IF you don’t pass the HW. But…up to you.</a:t>
+            </a:r>
+            <a:endParaRPr lang="en-US" sz="2400" dirty="0"/>
+          </a:p>
+        </p:txBody>
+      </p:sp>
     </p:spTree>
+    <p:extLst>
+      <p:ext uri="{BB962C8B-B14F-4D97-AF65-F5344CB8AC3E}">
+        <p14:creationId xmlns:p14="http://schemas.microsoft.com/office/powerpoint/2010/main" val="1233055087"/>
+      </p:ext>
+    </p:extLst>
   </p:cSld>
   <p:clrMapOvr>
     <a:masterClrMapping/>
@@ -5923,7 +5935,7 @@
       </p:grpSpPr>
       <p:sp>
         <p:nvSpPr>
-          <p:cNvPr id="2" name="Title 1"/>
+          <p:cNvPr id="18434" name="Title 1"/>
           <p:cNvSpPr>
             <a:spLocks noGrp="1"/>
           </p:cNvSpPr>
@@ -5938,14 +5950,85 @@
           <a:p>
             <a:r>
               <a:rPr lang="en-US" dirty="0"/>
-              <a:t>Homework: Programming FAQ</a:t>
-            </a:r>
-          </a:p>
-        </p:txBody>
-      </p:sp>
-      <p:sp>
-        <p:nvSpPr>
-          <p:cNvPr id="3" name="Slide Number Placeholder 2"/>
+              <a:t>Final Exam</a:t>
+            </a:r>
+          </a:p>
+        </p:txBody>
+      </p:sp>
+      <p:sp>
+        <p:nvSpPr>
+          <p:cNvPr id="18435" name="Content Placeholder 2"/>
+          <p:cNvSpPr>
+            <a:spLocks noGrp="1"/>
+          </p:cNvSpPr>
+          <p:nvPr>
+            <p:ph sz="quarter" idx="1"/>
+          </p:nvPr>
+        </p:nvSpPr>
+        <p:spPr/>
+        <p:txBody>
+          <a:bodyPr>
+            <a:normAutofit/>
+          </a:bodyPr>
+          <a:lstStyle/>
+          <a:p>
+            <a:pPr algn="l"/>
+            <a:r>
+              <a:rPr lang="en-US" dirty="0"/>
+              <a:t>Our final exam time will be used to:</a:t>
+            </a:r>
+            <a:br>
+              <a:rPr lang="en-US" dirty="0"/>
+            </a:br>
+            <a:r>
+              <a:rPr lang="en-US" dirty="0"/>
+              <a:t>      Provide another attempt at each module quiz, and</a:t>
+            </a:r>
+            <a:br>
+              <a:rPr lang="en-US" dirty="0"/>
+            </a:br>
+            <a:r>
+              <a:rPr lang="en-US" dirty="0"/>
+              <a:t>      Take the “putting it all together” quiz.</a:t>
+            </a:r>
+          </a:p>
+          <a:p>
+            <a:pPr lvl="1"/>
+            <a:endParaRPr lang="en-US" dirty="0"/>
+          </a:p>
+          <a:p>
+            <a:pPr lvl="1"/>
+            <a:r>
+              <a:rPr lang="en-US" dirty="0"/>
+              <a:t>You will be given five quizzes, one per module and a final “putting it all together” quiz.</a:t>
+            </a:r>
+          </a:p>
+          <a:p>
+            <a:pPr lvl="1"/>
+            <a:r>
+              <a:rPr lang="en-US" dirty="0"/>
+              <a:t>If you already passed some of these, you don’t need to do them again during the final.</a:t>
+            </a:r>
+          </a:p>
+          <a:p>
+            <a:pPr lvl="1"/>
+            <a:r>
+              <a:rPr lang="en-US" dirty="0"/>
+              <a:t>If you want to reattempt any quiz (or multiple ones) you may do so.</a:t>
+            </a:r>
+          </a:p>
+          <a:p>
+            <a:pPr lvl="1"/>
+            <a:r>
+              <a:rPr lang="en-US" dirty="0"/>
+              <a:t>This will be your ONLY ATTEMPT at the “putting it all together” quiz. </a:t>
+            </a:r>
+          </a:p>
+        </p:txBody>
+      </p:sp>
+      <p:sp>
+        <p:nvSpPr>
+          <p:cNvPr id="4" name="Slide Number Placeholder 3"/>
           <p:cNvSpPr>
             <a:spLocks noGrp="1"/>
           </p:cNvSpPr>
@@ -5963,79 +6046,14 @@
               <a:pPr/>
               <a:t>15</a:t>
             </a:fld>
-            <a:endParaRPr lang="en-US"/>
-          </a:p>
-        </p:txBody>
-      </p:sp>
-      <p:sp>
-        <p:nvSpPr>
-          <p:cNvPr id="4" name="Content Placeholder 3"/>
-          <p:cNvSpPr>
-            <a:spLocks noGrp="1"/>
-          </p:cNvSpPr>
-          <p:nvPr>
-            <p:ph sz="quarter" idx="1"/>
-          </p:nvPr>
-        </p:nvSpPr>
-        <p:spPr/>
-        <p:txBody>
-          <a:bodyPr>
-            <a:normAutofit fontScale="92500"/>
-          </a:bodyPr>
-          <a:lstStyle/>
-          <a:p>
-            <a:r>
-              <a:rPr lang="en-US" dirty="0"/>
-              <a:t>Do I need to write my own sorting methods.</a:t>
-            </a:r>
-          </a:p>
-          <a:p>
-            <a:pPr lvl="1"/>
-            <a:r>
-              <a:rPr lang="en-US" dirty="0"/>
-              <a:t>Yes! You should be able to do this, and it is good practice. Also, sorting is one of our first topics this semester.</a:t>
-            </a:r>
-          </a:p>
-          <a:p>
-            <a:pPr lvl="1"/>
             <a:endParaRPr lang="en-US" dirty="0"/>
-          </a:p>
-          <a:p>
-            <a:r>
-              <a:rPr lang="en-US" dirty="0"/>
-              <a:t>Can I get the test cases from submission server?</a:t>
-            </a:r>
-          </a:p>
-          <a:p>
-            <a:pPr lvl="1"/>
-            <a:r>
-              <a:rPr lang="en-US" dirty="0"/>
-              <a:t>No, part of the point is to work on brainstorming cases your code is missing without being told. Submission server will give limited feedback on purpose!</a:t>
-            </a:r>
-          </a:p>
-          <a:p>
-            <a:pPr lvl="1"/>
-            <a:endParaRPr lang="en-US" dirty="0"/>
-          </a:p>
-          <a:p>
-            <a:r>
-              <a:rPr lang="en-US" dirty="0"/>
-              <a:t>Will you help me debug my code?</a:t>
-            </a:r>
-          </a:p>
-          <a:p>
-            <a:pPr lvl="1"/>
-            <a:r>
-              <a:rPr lang="en-US" dirty="0"/>
-              <a:t>No, we won’t. You need to learn how to do this on your own. I’m happy to give you advice on how to approach your debugging problems, but I will not sit down and debug code with you.</a:t>
-            </a:r>
           </a:p>
         </p:txBody>
       </p:sp>
     </p:spTree>
     <p:extLst>
       <p:ext uri="{BB962C8B-B14F-4D97-AF65-F5344CB8AC3E}">
-        <p14:creationId xmlns:p14="http://schemas.microsoft.com/office/powerpoint/2010/main" val="1749701482"/>
+        <p14:creationId xmlns:p14="http://schemas.microsoft.com/office/powerpoint/2010/main" val="3820992401"/>
       </p:ext>
     </p:extLst>
   </p:cSld>
@@ -6064,7 +6082,7 @@
       </p:grpSpPr>
       <p:sp>
         <p:nvSpPr>
-          <p:cNvPr id="17410" name="Title 1"/>
+          <p:cNvPr id="16386" name="Title 1"/>
           <p:cNvSpPr>
             <a:spLocks noGrp="1"/>
           </p:cNvSpPr>
@@ -6079,14 +6097,14 @@
           <a:p>
             <a:r>
               <a:rPr lang="en-US" dirty="0"/>
-              <a:t>Homework: Written</a:t>
-            </a:r>
-          </a:p>
-        </p:txBody>
-      </p:sp>
-      <p:sp>
-        <p:nvSpPr>
-          <p:cNvPr id="17411" name="Content Placeholder 2"/>
+              <a:t>Homework: Programming Hints</a:t>
+            </a:r>
+          </a:p>
+        </p:txBody>
+      </p:sp>
+      <p:sp>
+        <p:nvSpPr>
+          <p:cNvPr id="16387" name="Content Placeholder 2"/>
           <p:cNvSpPr>
             <a:spLocks noGrp="1"/>
           </p:cNvSpPr>
@@ -6096,39 +6114,111 @@
         </p:nvSpPr>
         <p:spPr/>
         <p:txBody>
-          <a:bodyPr/>
-          <a:lstStyle/>
-          <a:p>
-            <a:r>
-              <a:rPr lang="en-US" dirty="0"/>
-              <a:t>These assignments must be typeset in </a:t>
+          <a:bodyPr>
+            <a:normAutofit lnSpcReduction="10000"/>
+          </a:bodyPr>
+          <a:lstStyle/>
+          <a:p>
+            <a:r>
+              <a:rPr lang="en-US" dirty="0"/>
+              <a:t>Understand the problem!</a:t>
+            </a:r>
+          </a:p>
+          <a:p>
+            <a:r>
+              <a:rPr lang="en-US" dirty="0"/>
+              <a:t>Consider all boundary cases</a:t>
+            </a:r>
+          </a:p>
+          <a:p>
+            <a:r>
+              <a:rPr lang="en-US" dirty="0"/>
+              <a:t>Use pre-existing library code</a:t>
+            </a:r>
+          </a:p>
+          <a:p>
+            <a:pPr lvl="1"/>
+            <a:r>
+              <a:rPr lang="en-US" dirty="0"/>
+              <a:t>Number formatting: </a:t>
             </a:r>
             <a:r>
               <a:rPr lang="en-US" dirty="0" err="1"/>
-              <a:t>LaTeX</a:t>
-            </a:r>
-            <a:endParaRPr lang="en-US" dirty="0"/>
-          </a:p>
-          <a:p>
-            <a:endParaRPr lang="en-US" dirty="0"/>
-          </a:p>
-          <a:p>
-            <a:r>
-              <a:rPr lang="en-US" dirty="0"/>
-              <a:t>I will provide a couple tutorials, guides, and templates when the first assignment is given out</a:t>
-            </a:r>
-          </a:p>
-          <a:p>
-            <a:endParaRPr lang="en-US" dirty="0"/>
-          </a:p>
-          <a:p>
-            <a:r>
-              <a:rPr lang="en-US" dirty="0"/>
-              <a:t>You may not embed images of text or formulas!</a:t>
-            </a:r>
-          </a:p>
-          <a:p>
-            <a:endParaRPr lang="en-US" dirty="0"/>
+              <a:t>NumberFormat</a:t>
+            </a:r>
+            <a:r>
+              <a:rPr lang="en-US" dirty="0"/>
+              <a:t> in Java, </a:t>
+            </a:r>
+            <a:r>
+              <a:rPr lang="en-US" dirty="0" err="1"/>
+              <a:t>printf</a:t>
+            </a:r>
+            <a:r>
+              <a:rPr lang="en-US" dirty="0"/>
+              <a:t>() in C/C++</a:t>
+            </a:r>
+          </a:p>
+          <a:p>
+            <a:pPr lvl="1"/>
+            <a:r>
+              <a:rPr lang="en-US" dirty="0"/>
+              <a:t>Input: Scanner in Java, </a:t>
+            </a:r>
+            <a:r>
+              <a:rPr lang="en-US" dirty="0" err="1"/>
+              <a:t>scanf</a:t>
+            </a:r>
+            <a:r>
+              <a:rPr lang="en-US" dirty="0"/>
+              <a:t>() in C, </a:t>
+            </a:r>
+            <a:r>
+              <a:rPr lang="en-US" dirty="0" err="1"/>
+              <a:t>cin</a:t>
+            </a:r>
+            <a:r>
+              <a:rPr lang="en-US" dirty="0"/>
+              <a:t> in C++</a:t>
+            </a:r>
+          </a:p>
+          <a:p>
+            <a:r>
+              <a:rPr lang="en-US" dirty="0"/>
+              <a:t>Know how to handle floating point numbers</a:t>
+            </a:r>
+          </a:p>
+          <a:p>
+            <a:pPr lvl="1"/>
+            <a:r>
+              <a:rPr lang="en-US" dirty="0"/>
+              <a:t>Understand float/double precision issues</a:t>
+            </a:r>
+          </a:p>
+          <a:p>
+            <a:pPr lvl="1"/>
+            <a:r>
+              <a:rPr lang="en-US" dirty="0"/>
+              <a:t>Rounding, floating-point mod</a:t>
+            </a:r>
+          </a:p>
+          <a:p>
+            <a:r>
+              <a:rPr lang="en-US" dirty="0"/>
+              <a:t>Make sure it works for the provided test cases</a:t>
+            </a:r>
+          </a:p>
+          <a:p>
+            <a:r>
+              <a:rPr lang="en-US" dirty="0"/>
+              <a:t>Then write some of your own</a:t>
+            </a:r>
+          </a:p>
+          <a:p>
+            <a:r>
+              <a:rPr lang="en-US" dirty="0"/>
+              <a:t>Make sure you read the language specific details for submission!!!</a:t>
+            </a:r>
           </a:p>
         </p:txBody>
       </p:sp>
@@ -6183,7 +6273,7 @@
       </p:grpSpPr>
       <p:sp>
         <p:nvSpPr>
-          <p:cNvPr id="18434" name="Title 1"/>
+          <p:cNvPr id="2" name="Title 1"/>
           <p:cNvSpPr>
             <a:spLocks noGrp="1"/>
           </p:cNvSpPr>
@@ -6197,81 +6287,15 @@
           <a:lstStyle/>
           <a:p>
             <a:r>
-              <a:rPr lang="en-US"/>
-              <a:t>Working in groups</a:t>
-            </a:r>
-          </a:p>
-        </p:txBody>
-      </p:sp>
-      <p:sp>
-        <p:nvSpPr>
-          <p:cNvPr id="18435" name="Content Placeholder 2"/>
-          <p:cNvSpPr>
-            <a:spLocks noGrp="1"/>
-          </p:cNvSpPr>
-          <p:nvPr>
-            <p:ph sz="quarter" idx="1"/>
-          </p:nvPr>
-        </p:nvSpPr>
-        <p:spPr/>
-        <p:txBody>
-          <a:bodyPr>
-            <a:normAutofit/>
-          </a:bodyPr>
-          <a:lstStyle/>
-          <a:p>
-            <a:r>
-              <a:rPr lang="en-US" dirty="0"/>
-              <a:t>For the </a:t>
-            </a:r>
-            <a:r>
-              <a:rPr lang="en-US" dirty="0" err="1"/>
-              <a:t>homeworks</a:t>
-            </a:r>
-            <a:r>
-              <a:rPr lang="en-US" dirty="0"/>
-              <a:t>, you may work together in groups of 3 or less to discuss the algorithmic aspects ONLY</a:t>
-            </a:r>
-          </a:p>
-          <a:p>
-            <a:pPr lvl="1"/>
-            <a:r>
-              <a:rPr lang="en-US" dirty="0"/>
-              <a:t>State who you worked with (in code comments)</a:t>
-            </a:r>
-          </a:p>
-          <a:p>
-            <a:pPr lvl="1"/>
-            <a:r>
-              <a:rPr lang="en-US" dirty="0"/>
-              <a:t>No looking at another person’s code, or ANY code online!!</a:t>
-            </a:r>
-          </a:p>
-          <a:p>
-            <a:r>
-              <a:rPr lang="en-US" dirty="0"/>
-              <a:t>For the written homeworks, you may work together in groups of 3 or less, but you MUST:</a:t>
-            </a:r>
-          </a:p>
-          <a:p>
-            <a:pPr lvl="1"/>
-            <a:r>
-              <a:rPr lang="en-US" dirty="0"/>
-              <a:t>State who you worked with</a:t>
-            </a:r>
-          </a:p>
-          <a:p>
-            <a:pPr lvl="1"/>
-            <a:r>
-              <a:rPr lang="en-US" dirty="0"/>
-              <a:t>Type up your own assignment!</a:t>
-            </a:r>
-          </a:p>
-        </p:txBody>
-      </p:sp>
-      <p:sp>
-        <p:nvSpPr>
-          <p:cNvPr id="4" name="Slide Number Placeholder 3"/>
+              <a:rPr lang="en-US" dirty="0"/>
+              <a:t>Homework: Programming FAQ</a:t>
+            </a:r>
+          </a:p>
+        </p:txBody>
+      </p:sp>
+      <p:sp>
+        <p:nvSpPr>
+          <p:cNvPr id="3" name="Slide Number Placeholder 2"/>
           <p:cNvSpPr>
             <a:spLocks noGrp="1"/>
           </p:cNvSpPr>
@@ -6289,7 +6313,196 @@
               <a:pPr/>
               <a:t>17</a:t>
             </a:fld>
+            <a:endParaRPr lang="en-US"/>
+          </a:p>
+        </p:txBody>
+      </p:sp>
+      <p:sp>
+        <p:nvSpPr>
+          <p:cNvPr id="4" name="Content Placeholder 3"/>
+          <p:cNvSpPr>
+            <a:spLocks noGrp="1"/>
+          </p:cNvSpPr>
+          <p:nvPr>
+            <p:ph sz="quarter" idx="1"/>
+          </p:nvPr>
+        </p:nvSpPr>
+        <p:spPr/>
+        <p:txBody>
+          <a:bodyPr>
+            <a:normAutofit fontScale="92500"/>
+          </a:bodyPr>
+          <a:lstStyle/>
+          <a:p>
+            <a:r>
+              <a:rPr lang="en-US" dirty="0"/>
+              <a:t>Do I need to write my own sorting methods.</a:t>
+            </a:r>
+          </a:p>
+          <a:p>
+            <a:pPr lvl="1"/>
+            <a:r>
+              <a:rPr lang="en-US" dirty="0"/>
+              <a:t>Yes! You should be able to do this, and it is good practice. Also, sorting is one of our first topics this semester.</a:t>
+            </a:r>
+          </a:p>
+          <a:p>
+            <a:pPr lvl="1"/>
             <a:endParaRPr lang="en-US" dirty="0"/>
+          </a:p>
+          <a:p>
+            <a:r>
+              <a:rPr lang="en-US" dirty="0"/>
+              <a:t>Can I get the test cases from submission server?</a:t>
+            </a:r>
+          </a:p>
+          <a:p>
+            <a:pPr lvl="1"/>
+            <a:r>
+              <a:rPr lang="en-US" dirty="0"/>
+              <a:t>No, part of the point is to work on brainstorming cases your code is missing without being told. Submission server will give limited feedback on purpose!</a:t>
+            </a:r>
+          </a:p>
+          <a:p>
+            <a:pPr lvl="1"/>
+            <a:endParaRPr lang="en-US" dirty="0"/>
+          </a:p>
+          <a:p>
+            <a:r>
+              <a:rPr lang="en-US" dirty="0"/>
+              <a:t>Will you help me debug my code?</a:t>
+            </a:r>
+          </a:p>
+          <a:p>
+            <a:pPr lvl="1"/>
+            <a:r>
+              <a:rPr lang="en-US" dirty="0"/>
+              <a:t>No, we won’t. You need to learn how to do this on your own. I’m happy to give you advice on how to approach your debugging problems, but I will not sit down and debug code with you.</a:t>
+            </a:r>
+          </a:p>
+        </p:txBody>
+      </p:sp>
+    </p:spTree>
+    <p:extLst>
+      <p:ext uri="{BB962C8B-B14F-4D97-AF65-F5344CB8AC3E}">
+        <p14:creationId xmlns:p14="http://schemas.microsoft.com/office/powerpoint/2010/main" val="1749701482"/>
+      </p:ext>
+    </p:extLst>
+  </p:cSld>
+  <p:clrMapOvr>
+    <a:masterClrMapping/>
+  </p:clrMapOvr>
+</p:sld>
+</file>
+
+<file path=ppt/slides/slide18.xml><?xml version="1.0" encoding="utf-8"?>
+<p:sld xmlns:a="http://schemas.openxmlformats.org/drawingml/2006/main" xmlns:r="http://schemas.openxmlformats.org/officeDocument/2006/relationships" xmlns:p="http://schemas.openxmlformats.org/presentationml/2006/main">
+  <p:cSld>
+    <p:spTree>
+      <p:nvGrpSpPr>
+        <p:cNvPr id="1" name=""/>
+        <p:cNvGrpSpPr/>
+        <p:nvPr/>
+      </p:nvGrpSpPr>
+      <p:grpSpPr>
+        <a:xfrm>
+          <a:off x="0" y="0"/>
+          <a:ext cx="0" cy="0"/>
+          <a:chOff x="0" y="0"/>
+          <a:chExt cx="0" cy="0"/>
+        </a:xfrm>
+      </p:grpSpPr>
+      <p:sp>
+        <p:nvSpPr>
+          <p:cNvPr id="17410" name="Title 1"/>
+          <p:cNvSpPr>
+            <a:spLocks noGrp="1"/>
+          </p:cNvSpPr>
+          <p:nvPr>
+            <p:ph type="title"/>
+          </p:nvPr>
+        </p:nvSpPr>
+        <p:spPr/>
+        <p:txBody>
+          <a:bodyPr/>
+          <a:lstStyle/>
+          <a:p>
+            <a:r>
+              <a:rPr lang="en-US" dirty="0"/>
+              <a:t>Homework: Written</a:t>
+            </a:r>
+          </a:p>
+        </p:txBody>
+      </p:sp>
+      <p:sp>
+        <p:nvSpPr>
+          <p:cNvPr id="17411" name="Content Placeholder 2"/>
+          <p:cNvSpPr>
+            <a:spLocks noGrp="1"/>
+          </p:cNvSpPr>
+          <p:nvPr>
+            <p:ph sz="quarter" idx="1"/>
+          </p:nvPr>
+        </p:nvSpPr>
+        <p:spPr/>
+        <p:txBody>
+          <a:bodyPr/>
+          <a:lstStyle/>
+          <a:p>
+            <a:r>
+              <a:rPr lang="en-US" dirty="0"/>
+              <a:t>These assignments must be typeset in </a:t>
+            </a:r>
+            <a:r>
+              <a:rPr lang="en-US" dirty="0" err="1"/>
+              <a:t>LaTeX</a:t>
+            </a:r>
+            <a:endParaRPr lang="en-US" dirty="0"/>
+          </a:p>
+          <a:p>
+            <a:endParaRPr lang="en-US" dirty="0"/>
+          </a:p>
+          <a:p>
+            <a:r>
+              <a:rPr lang="en-US" dirty="0"/>
+              <a:t>I will provide a couple tutorials, guides, and templates when the first assignment is given out</a:t>
+            </a:r>
+          </a:p>
+          <a:p>
+            <a:endParaRPr lang="en-US" dirty="0"/>
+          </a:p>
+          <a:p>
+            <a:r>
+              <a:rPr lang="en-US" dirty="0"/>
+              <a:t>You may not embed images of text or formulas!</a:t>
+            </a:r>
+          </a:p>
+          <a:p>
+            <a:endParaRPr lang="en-US" dirty="0"/>
+          </a:p>
+        </p:txBody>
+      </p:sp>
+      <p:sp>
+        <p:nvSpPr>
+          <p:cNvPr id="4" name="Slide Number Placeholder 3"/>
+          <p:cNvSpPr>
+            <a:spLocks noGrp="1"/>
+          </p:cNvSpPr>
+          <p:nvPr>
+            <p:ph type="sldNum" sz="quarter" idx="12"/>
+          </p:nvPr>
+        </p:nvSpPr>
+        <p:spPr/>
+        <p:txBody>
+          <a:bodyPr/>
+          <a:lstStyle/>
+          <a:p>
+            <a:fld id="{F26D9103-0C5C-48AC-B68E-3ED2C1647047}" type="slidenum">
+              <a:rPr lang="en-US" smtClean="0"/>
+              <a:pPr/>
+              <a:t>18</a:t>
+            </a:fld>
+            <a:endParaRPr lang="en-US"/>
           </a:p>
         </p:txBody>
       </p:sp>
@@ -6301,7 +6514,234 @@
 </p:sld>
 </file>
 
-<file path=ppt/slides/slide18.xml><?xml version="1.0" encoding="utf-8"?>
+<file path=ppt/slides/slide19.xml><?xml version="1.0" encoding="utf-8"?>
+<p:sld xmlns:a="http://schemas.openxmlformats.org/drawingml/2006/main" xmlns:r="http://schemas.openxmlformats.org/officeDocument/2006/relationships" xmlns:p="http://schemas.openxmlformats.org/presentationml/2006/main">
+  <p:cSld>
+    <p:spTree>
+      <p:nvGrpSpPr>
+        <p:cNvPr id="1" name=""/>
+        <p:cNvGrpSpPr/>
+        <p:nvPr/>
+      </p:nvGrpSpPr>
+      <p:grpSpPr>
+        <a:xfrm>
+          <a:off x="0" y="0"/>
+          <a:ext cx="0" cy="0"/>
+          <a:chOff x="0" y="0"/>
+          <a:chExt cx="0" cy="0"/>
+        </a:xfrm>
+      </p:grpSpPr>
+      <p:sp>
+        <p:nvSpPr>
+          <p:cNvPr id="18434" name="Title 1"/>
+          <p:cNvSpPr>
+            <a:spLocks noGrp="1"/>
+          </p:cNvSpPr>
+          <p:nvPr>
+            <p:ph type="title"/>
+          </p:nvPr>
+        </p:nvSpPr>
+        <p:spPr/>
+        <p:txBody>
+          <a:bodyPr/>
+          <a:lstStyle/>
+          <a:p>
+            <a:r>
+              <a:rPr lang="en-US"/>
+              <a:t>Working in groups</a:t>
+            </a:r>
+          </a:p>
+        </p:txBody>
+      </p:sp>
+      <p:sp>
+        <p:nvSpPr>
+          <p:cNvPr id="18435" name="Content Placeholder 2"/>
+          <p:cNvSpPr>
+            <a:spLocks noGrp="1"/>
+          </p:cNvSpPr>
+          <p:nvPr>
+            <p:ph sz="quarter" idx="1"/>
+          </p:nvPr>
+        </p:nvSpPr>
+        <p:spPr/>
+        <p:txBody>
+          <a:bodyPr>
+            <a:normAutofit/>
+          </a:bodyPr>
+          <a:lstStyle/>
+          <a:p>
+            <a:r>
+              <a:rPr lang="en-US" dirty="0"/>
+              <a:t>For the </a:t>
+            </a:r>
+            <a:r>
+              <a:rPr lang="en-US" dirty="0" err="1"/>
+              <a:t>homeworks</a:t>
+            </a:r>
+            <a:r>
+              <a:rPr lang="en-US" dirty="0"/>
+              <a:t>, you may work together in groups of 3 or less to discuss the algorithmic aspects ONLY</a:t>
+            </a:r>
+          </a:p>
+          <a:p>
+            <a:pPr lvl="1"/>
+            <a:r>
+              <a:rPr lang="en-US" dirty="0"/>
+              <a:t>State who you worked with (in code comments)</a:t>
+            </a:r>
+          </a:p>
+          <a:p>
+            <a:pPr lvl="1"/>
+            <a:r>
+              <a:rPr lang="en-US" dirty="0"/>
+              <a:t>No looking at another person’s code, or ANY code online!!</a:t>
+            </a:r>
+          </a:p>
+          <a:p>
+            <a:r>
+              <a:rPr lang="en-US" dirty="0"/>
+              <a:t>For the written homeworks, you may work together in groups of 3 or less, but you MUST:</a:t>
+            </a:r>
+          </a:p>
+          <a:p>
+            <a:pPr lvl="1"/>
+            <a:r>
+              <a:rPr lang="en-US" dirty="0"/>
+              <a:t>State who you worked with</a:t>
+            </a:r>
+          </a:p>
+          <a:p>
+            <a:pPr lvl="1"/>
+            <a:r>
+              <a:rPr lang="en-US" dirty="0"/>
+              <a:t>Type up your own assignment!</a:t>
+            </a:r>
+          </a:p>
+        </p:txBody>
+      </p:sp>
+      <p:sp>
+        <p:nvSpPr>
+          <p:cNvPr id="4" name="Slide Number Placeholder 3"/>
+          <p:cNvSpPr>
+            <a:spLocks noGrp="1"/>
+          </p:cNvSpPr>
+          <p:nvPr>
+            <p:ph type="sldNum" sz="quarter" idx="12"/>
+          </p:nvPr>
+        </p:nvSpPr>
+        <p:spPr/>
+        <p:txBody>
+          <a:bodyPr/>
+          <a:lstStyle/>
+          <a:p>
+            <a:fld id="{F26D9103-0C5C-48AC-B68E-3ED2C1647047}" type="slidenum">
+              <a:rPr lang="en-US" smtClean="0"/>
+              <a:pPr/>
+              <a:t>19</a:t>
+            </a:fld>
+            <a:endParaRPr lang="en-US" dirty="0"/>
+          </a:p>
+        </p:txBody>
+      </p:sp>
+    </p:spTree>
+  </p:cSld>
+  <p:clrMapOvr>
+    <a:masterClrMapping/>
+  </p:clrMapOvr>
+</p:sld>
+</file>
+
+<file path=ppt/slides/slide2.xml><?xml version="1.0" encoding="utf-8"?>
+<p:sld xmlns:a="http://schemas.openxmlformats.org/drawingml/2006/main" xmlns:r="http://schemas.openxmlformats.org/officeDocument/2006/relationships" xmlns:p="http://schemas.openxmlformats.org/presentationml/2006/main">
+  <p:cSld>
+    <p:spTree>
+      <p:nvGrpSpPr>
+        <p:cNvPr id="1" name=""/>
+        <p:cNvGrpSpPr/>
+        <p:nvPr/>
+      </p:nvGrpSpPr>
+      <p:grpSpPr>
+        <a:xfrm>
+          <a:off x="0" y="0"/>
+          <a:ext cx="0" cy="0"/>
+          <a:chOff x="0" y="0"/>
+          <a:chExt cx="0" cy="0"/>
+        </a:xfrm>
+      </p:grpSpPr>
+      <p:sp>
+        <p:nvSpPr>
+          <p:cNvPr id="5" name="Title 4"/>
+          <p:cNvSpPr>
+            <a:spLocks noGrp="1"/>
+          </p:cNvSpPr>
+          <p:nvPr>
+            <p:ph type="title"/>
+          </p:nvPr>
+        </p:nvSpPr>
+        <p:spPr/>
+        <p:txBody>
+          <a:bodyPr/>
+          <a:lstStyle/>
+          <a:p>
+            <a:r>
+              <a:rPr lang="en-US" dirty="0"/>
+              <a:t>Course introduction</a:t>
+            </a:r>
+          </a:p>
+        </p:txBody>
+      </p:sp>
+      <p:sp>
+        <p:nvSpPr>
+          <p:cNvPr id="6" name="Text Placeholder 5"/>
+          <p:cNvSpPr>
+            <a:spLocks noGrp="1"/>
+          </p:cNvSpPr>
+          <p:nvPr>
+            <p:ph type="body" idx="1"/>
+          </p:nvPr>
+        </p:nvSpPr>
+        <p:spPr/>
+        <p:txBody>
+          <a:bodyPr/>
+          <a:lstStyle/>
+          <a:p>
+            <a:endParaRPr lang="en-US"/>
+          </a:p>
+        </p:txBody>
+      </p:sp>
+      <p:sp>
+        <p:nvSpPr>
+          <p:cNvPr id="3" name="Slide Number Placeholder 2"/>
+          <p:cNvSpPr>
+            <a:spLocks noGrp="1"/>
+          </p:cNvSpPr>
+          <p:nvPr>
+            <p:ph type="sldNum" sz="quarter" idx="12"/>
+          </p:nvPr>
+        </p:nvSpPr>
+        <p:spPr/>
+        <p:txBody>
+          <a:bodyPr/>
+          <a:lstStyle/>
+          <a:p>
+            <a:fld id="{F26D9103-0C5C-48AC-B68E-3ED2C1647047}" type="slidenum">
+              <a:rPr lang="en-US" smtClean="0"/>
+              <a:pPr/>
+              <a:t>2</a:t>
+            </a:fld>
+            <a:endParaRPr lang="en-US"/>
+          </a:p>
+        </p:txBody>
+      </p:sp>
+    </p:spTree>
+  </p:cSld>
+  <p:clrMapOvr>
+    <a:masterClrMapping/>
+  </p:clrMapOvr>
+</p:sld>
+</file>
+
+<file path=ppt/slides/slide20.xml><?xml version="1.0" encoding="utf-8"?>
 <p:sld xmlns:a="http://schemas.openxmlformats.org/drawingml/2006/main" xmlns:r="http://schemas.openxmlformats.org/officeDocument/2006/relationships" xmlns:p="http://schemas.openxmlformats.org/presentationml/2006/main">
   <p:cSld>
     <p:spTree>
@@ -6858,369 +7298,6 @@
 </p:sld>
 </file>
 
-<file path=ppt/slides/slide19.xml><?xml version="1.0" encoding="utf-8"?>
-<p:sld xmlns:a="http://schemas.openxmlformats.org/drawingml/2006/main" xmlns:r="http://schemas.openxmlformats.org/officeDocument/2006/relationships" xmlns:p="http://schemas.openxmlformats.org/presentationml/2006/main">
-  <p:cSld>
-    <p:spTree>
-      <p:nvGrpSpPr>
-        <p:cNvPr id="1" name=""/>
-        <p:cNvGrpSpPr/>
-        <p:nvPr/>
-      </p:nvGrpSpPr>
-      <p:grpSpPr>
-        <a:xfrm>
-          <a:off x="0" y="0"/>
-          <a:ext cx="0" cy="0"/>
-          <a:chOff x="0" y="0"/>
-          <a:chExt cx="0" cy="0"/>
-        </a:xfrm>
-      </p:grpSpPr>
-      <p:sp>
-        <p:nvSpPr>
-          <p:cNvPr id="18434" name="Title 1"/>
-          <p:cNvSpPr>
-            <a:spLocks noGrp="1"/>
-          </p:cNvSpPr>
-          <p:nvPr>
-            <p:ph type="title"/>
-          </p:nvPr>
-        </p:nvSpPr>
-        <p:spPr/>
-        <p:txBody>
-          <a:bodyPr/>
-          <a:lstStyle/>
-          <a:p>
-            <a:r>
-              <a:rPr lang="en-US" dirty="0"/>
-              <a:t>Grading Overview</a:t>
-            </a:r>
-          </a:p>
-        </p:txBody>
-      </p:sp>
-      <p:sp>
-        <p:nvSpPr>
-          <p:cNvPr id="4" name="Slide Number Placeholder 3"/>
-          <p:cNvSpPr>
-            <a:spLocks noGrp="1"/>
-          </p:cNvSpPr>
-          <p:nvPr>
-            <p:ph type="sldNum" sz="quarter" idx="12"/>
-          </p:nvPr>
-        </p:nvSpPr>
-        <p:spPr/>
-        <p:txBody>
-          <a:bodyPr/>
-          <a:lstStyle/>
-          <a:p>
-            <a:fld id="{F26D9103-0C5C-48AC-B68E-3ED2C1647047}" type="slidenum">
-              <a:rPr lang="en-US" smtClean="0"/>
-              <a:pPr/>
-              <a:t>19</a:t>
-            </a:fld>
-            <a:endParaRPr lang="en-US" dirty="0"/>
-          </a:p>
-        </p:txBody>
-      </p:sp>
-      <p:sp>
-        <p:nvSpPr>
-          <p:cNvPr id="3" name="Content Placeholder 2">
-            <a:extLst>
-              <a:ext uri="{FF2B5EF4-FFF2-40B4-BE49-F238E27FC236}">
-                <a16:creationId xmlns:a16="http://schemas.microsoft.com/office/drawing/2014/main" id="{267DFEF5-BEAA-974F-B91B-2D8B6E94C721}"/>
-              </a:ext>
-            </a:extLst>
-          </p:cNvPr>
-          <p:cNvSpPr>
-            <a:spLocks noGrp="1"/>
-          </p:cNvSpPr>
-          <p:nvPr>
-            <p:ph sz="quarter" idx="1"/>
-          </p:nvPr>
-        </p:nvSpPr>
-        <p:spPr/>
-        <p:txBody>
-          <a:bodyPr/>
-          <a:lstStyle/>
-          <a:p>
-            <a:r>
-              <a:rPr lang="en-US" dirty="0"/>
-              <a:t>Let’s look at how grades work on course website </a:t>
-            </a:r>
-            <a:r>
-              <a:rPr lang="en-US" dirty="0">
-                <a:sym typeface="Wingdings" pitchFamily="2" charset="2"/>
-              </a:rPr>
-              <a:t></a:t>
-            </a:r>
-          </a:p>
-          <a:p>
-            <a:endParaRPr lang="en-US" dirty="0">
-              <a:sym typeface="Wingdings" pitchFamily="2" charset="2"/>
-            </a:endParaRPr>
-          </a:p>
-          <a:p>
-            <a:r>
-              <a:rPr lang="en-US" dirty="0">
-                <a:sym typeface="Wingdings" pitchFamily="2" charset="2"/>
-              </a:rPr>
-              <a:t>Summary:</a:t>
-            </a:r>
-          </a:p>
-          <a:p>
-            <a:pPr lvl="1"/>
-            <a:r>
-              <a:rPr lang="en-US" dirty="0">
-                <a:sym typeface="Wingdings" pitchFamily="2" charset="2"/>
-              </a:rPr>
-              <a:t>Count how many </a:t>
-            </a:r>
-            <a:r>
-              <a:rPr lang="en-US" dirty="0" err="1">
-                <a:sym typeface="Wingdings" pitchFamily="2" charset="2"/>
-              </a:rPr>
-              <a:t>homeworks</a:t>
-            </a:r>
-            <a:r>
-              <a:rPr lang="en-US" dirty="0">
-                <a:sym typeface="Wingdings" pitchFamily="2" charset="2"/>
-              </a:rPr>
-              <a:t> / quizzes you’ve mastered, satisfied, etc.</a:t>
-            </a:r>
-          </a:p>
-          <a:p>
-            <a:pPr lvl="1"/>
-            <a:r>
-              <a:rPr lang="en-US" dirty="0">
-                <a:sym typeface="Wingdings" pitchFamily="2" charset="2"/>
-              </a:rPr>
-              <a:t>Look up the HIGHEST LETTER GRADE row on the table that for which you satisfy or exceed the requirements.</a:t>
-            </a:r>
-          </a:p>
-          <a:p>
-            <a:pPr lvl="2"/>
-            <a:r>
-              <a:rPr lang="en-US" dirty="0">
-                <a:sym typeface="Wingdings" pitchFamily="2" charset="2"/>
-              </a:rPr>
-              <a:t>That is your final letter grade for the course.</a:t>
-            </a:r>
-            <a:endParaRPr lang="en-US" dirty="0"/>
-          </a:p>
-        </p:txBody>
-      </p:sp>
-    </p:spTree>
-    <p:extLst>
-      <p:ext uri="{BB962C8B-B14F-4D97-AF65-F5344CB8AC3E}">
-        <p14:creationId xmlns:p14="http://schemas.microsoft.com/office/powerpoint/2010/main" val="4277655406"/>
-      </p:ext>
-    </p:extLst>
-  </p:cSld>
-  <p:clrMapOvr>
-    <a:masterClrMapping/>
-  </p:clrMapOvr>
-</p:sld>
-</file>
-
-<file path=ppt/slides/slide2.xml><?xml version="1.0" encoding="utf-8"?>
-<p:sld xmlns:a="http://schemas.openxmlformats.org/drawingml/2006/main" xmlns:r="http://schemas.openxmlformats.org/officeDocument/2006/relationships" xmlns:p="http://schemas.openxmlformats.org/presentationml/2006/main">
-  <p:cSld>
-    <p:spTree>
-      <p:nvGrpSpPr>
-        <p:cNvPr id="1" name=""/>
-        <p:cNvGrpSpPr/>
-        <p:nvPr/>
-      </p:nvGrpSpPr>
-      <p:grpSpPr>
-        <a:xfrm>
-          <a:off x="0" y="0"/>
-          <a:ext cx="0" cy="0"/>
-          <a:chOff x="0" y="0"/>
-          <a:chExt cx="0" cy="0"/>
-        </a:xfrm>
-      </p:grpSpPr>
-      <p:sp>
-        <p:nvSpPr>
-          <p:cNvPr id="5" name="Title 4"/>
-          <p:cNvSpPr>
-            <a:spLocks noGrp="1"/>
-          </p:cNvSpPr>
-          <p:nvPr>
-            <p:ph type="title"/>
-          </p:nvPr>
-        </p:nvSpPr>
-        <p:spPr/>
-        <p:txBody>
-          <a:bodyPr/>
-          <a:lstStyle/>
-          <a:p>
-            <a:r>
-              <a:rPr lang="en-US" dirty="0"/>
-              <a:t>Course introduction</a:t>
-            </a:r>
-          </a:p>
-        </p:txBody>
-      </p:sp>
-      <p:sp>
-        <p:nvSpPr>
-          <p:cNvPr id="6" name="Text Placeholder 5"/>
-          <p:cNvSpPr>
-            <a:spLocks noGrp="1"/>
-          </p:cNvSpPr>
-          <p:nvPr>
-            <p:ph type="body" idx="1"/>
-          </p:nvPr>
-        </p:nvSpPr>
-        <p:spPr/>
-        <p:txBody>
-          <a:bodyPr/>
-          <a:lstStyle/>
-          <a:p>
-            <a:endParaRPr lang="en-US"/>
-          </a:p>
-        </p:txBody>
-      </p:sp>
-      <p:sp>
-        <p:nvSpPr>
-          <p:cNvPr id="3" name="Slide Number Placeholder 2"/>
-          <p:cNvSpPr>
-            <a:spLocks noGrp="1"/>
-          </p:cNvSpPr>
-          <p:nvPr>
-            <p:ph type="sldNum" sz="quarter" idx="12"/>
-          </p:nvPr>
-        </p:nvSpPr>
-        <p:spPr/>
-        <p:txBody>
-          <a:bodyPr/>
-          <a:lstStyle/>
-          <a:p>
-            <a:fld id="{F26D9103-0C5C-48AC-B68E-3ED2C1647047}" type="slidenum">
-              <a:rPr lang="en-US" smtClean="0"/>
-              <a:pPr/>
-              <a:t>2</a:t>
-            </a:fld>
-            <a:endParaRPr lang="en-US"/>
-          </a:p>
-        </p:txBody>
-      </p:sp>
-    </p:spTree>
-  </p:cSld>
-  <p:clrMapOvr>
-    <a:masterClrMapping/>
-  </p:clrMapOvr>
-</p:sld>
-</file>
-
-<file path=ppt/slides/slide20.xml><?xml version="1.0" encoding="utf-8"?>
-<p:sld xmlns:a="http://schemas.openxmlformats.org/drawingml/2006/main" xmlns:r="http://schemas.openxmlformats.org/officeDocument/2006/relationships" xmlns:p="http://schemas.openxmlformats.org/presentationml/2006/main">
-  <p:cSld>
-    <p:spTree>
-      <p:nvGrpSpPr>
-        <p:cNvPr id="1" name=""/>
-        <p:cNvGrpSpPr/>
-        <p:nvPr/>
-      </p:nvGrpSpPr>
-      <p:grpSpPr>
-        <a:xfrm>
-          <a:off x="0" y="0"/>
-          <a:ext cx="0" cy="0"/>
-          <a:chOff x="0" y="0"/>
-          <a:chExt cx="0" cy="0"/>
-        </a:xfrm>
-      </p:grpSpPr>
-      <p:sp>
-        <p:nvSpPr>
-          <p:cNvPr id="2" name="Title 1">
-            <a:extLst>
-              <a:ext uri="{FF2B5EF4-FFF2-40B4-BE49-F238E27FC236}">
-                <a16:creationId xmlns:a16="http://schemas.microsoft.com/office/drawing/2014/main" id="{B6C21D28-983F-964A-89CC-AC9573CD4242}"/>
-              </a:ext>
-            </a:extLst>
-          </p:cNvPr>
-          <p:cNvSpPr>
-            <a:spLocks noGrp="1"/>
-          </p:cNvSpPr>
-          <p:nvPr>
-            <p:ph type="title"/>
-          </p:nvPr>
-        </p:nvSpPr>
-        <p:spPr/>
-        <p:txBody>
-          <a:bodyPr/>
-          <a:lstStyle/>
-          <a:p>
-            <a:endParaRPr lang="en-US" dirty="0"/>
-          </a:p>
-        </p:txBody>
-      </p:sp>
-      <p:sp>
-        <p:nvSpPr>
-          <p:cNvPr id="3" name="Slide Number Placeholder 2">
-            <a:extLst>
-              <a:ext uri="{FF2B5EF4-FFF2-40B4-BE49-F238E27FC236}">
-                <a16:creationId xmlns:a16="http://schemas.microsoft.com/office/drawing/2014/main" id="{30C00481-393E-2147-853E-98B0BCF84021}"/>
-              </a:ext>
-            </a:extLst>
-          </p:cNvPr>
-          <p:cNvSpPr>
-            <a:spLocks noGrp="1"/>
-          </p:cNvSpPr>
-          <p:nvPr>
-            <p:ph type="sldNum" sz="quarter" idx="12"/>
-          </p:nvPr>
-        </p:nvSpPr>
-        <p:spPr/>
-        <p:txBody>
-          <a:bodyPr/>
-          <a:lstStyle/>
-          <a:p>
-            <a:fld id="{F26D9103-0C5C-48AC-B68E-3ED2C1647047}" type="slidenum">
-              <a:rPr lang="en-US" smtClean="0"/>
-              <a:pPr/>
-              <a:t>20</a:t>
-            </a:fld>
-            <a:endParaRPr lang="en-US"/>
-          </a:p>
-        </p:txBody>
-      </p:sp>
-      <p:sp>
-        <p:nvSpPr>
-          <p:cNvPr id="4" name="Content Placeholder 3">
-            <a:extLst>
-              <a:ext uri="{FF2B5EF4-FFF2-40B4-BE49-F238E27FC236}">
-                <a16:creationId xmlns:a16="http://schemas.microsoft.com/office/drawing/2014/main" id="{2E5AB323-BB33-934A-B444-E5392B7C9676}"/>
-              </a:ext>
-            </a:extLst>
-          </p:cNvPr>
-          <p:cNvSpPr>
-            <a:spLocks noGrp="1"/>
-          </p:cNvSpPr>
-          <p:nvPr>
-            <p:ph sz="quarter" idx="1"/>
-          </p:nvPr>
-        </p:nvSpPr>
-        <p:spPr/>
-        <p:txBody>
-          <a:bodyPr/>
-          <a:lstStyle/>
-          <a:p>
-            <a:endParaRPr lang="en-US"/>
-          </a:p>
-        </p:txBody>
-      </p:sp>
-    </p:spTree>
-    <p:extLst>
-      <p:ext uri="{BB962C8B-B14F-4D97-AF65-F5344CB8AC3E}">
-        <p14:creationId xmlns:p14="http://schemas.microsoft.com/office/powerpoint/2010/main" val="50215907"/>
-      </p:ext>
-    </p:extLst>
-  </p:cSld>
-  <p:clrMapOvr>
-    <a:masterClrMapping/>
-  </p:clrMapOvr>
-</p:sld>
-</file>
-
 <file path=ppt/slides/slide21.xml><?xml version="1.0" encoding="utf-8"?>
 <p:sld xmlns:a="http://schemas.openxmlformats.org/drawingml/2006/main" xmlns:r="http://schemas.openxmlformats.org/officeDocument/2006/relationships" xmlns:p="http://schemas.openxmlformats.org/presentationml/2006/main">
   <p:cSld>
@@ -7240,25 +7317,22 @@
       </p:grpSpPr>
       <p:sp>
         <p:nvSpPr>
-          <p:cNvPr id="21506" name="Rectangle 2"/>
-          <p:cNvSpPr>
-            <a:spLocks noGrp="1" noChangeArrowheads="1"/>
+          <p:cNvPr id="18434" name="Title 1"/>
+          <p:cNvSpPr>
+            <a:spLocks noGrp="1"/>
           </p:cNvSpPr>
           <p:nvPr>
             <p:ph type="title"/>
-            <p:custDataLst>
-              <p:tags r:id="rId1"/>
-            </p:custDataLst>
-          </p:nvPr>
-        </p:nvSpPr>
-        <p:spPr/>
-        <p:txBody>
-          <a:bodyPr/>
-          <a:lstStyle/>
-          <a:p>
-            <a:r>
-              <a:rPr lang="en-US" dirty="0"/>
-              <a:t>What you know already from CS2150</a:t>
+          </p:nvPr>
+        </p:nvSpPr>
+        <p:spPr/>
+        <p:txBody>
+          <a:bodyPr/>
+          <a:lstStyle/>
+          <a:p>
+            <a:r>
+              <a:rPr lang="en-US" dirty="0"/>
+              <a:t>Grading Overview</a:t>
             </a:r>
           </a:p>
         </p:txBody>
@@ -7283,85 +7357,103 @@
               <a:pPr/>
               <a:t>21</a:t>
             </a:fld>
-            <a:endParaRPr lang="en-US"/>
-          </a:p>
-        </p:txBody>
-      </p:sp>
-      <p:sp>
-        <p:nvSpPr>
-          <p:cNvPr id="21507" name="Rectangle 3"/>
-          <p:cNvSpPr>
-            <a:spLocks noGrp="1" noChangeArrowheads="1"/>
+            <a:endParaRPr lang="en-US" dirty="0"/>
+          </a:p>
+        </p:txBody>
+      </p:sp>
+      <p:sp>
+        <p:nvSpPr>
+          <p:cNvPr id="3" name="Content Placeholder 2">
+            <a:extLst>
+              <a:ext uri="{FF2B5EF4-FFF2-40B4-BE49-F238E27FC236}">
+                <a16:creationId xmlns:a16="http://schemas.microsoft.com/office/drawing/2014/main" id="{267DFEF5-BEAA-974F-B91B-2D8B6E94C721}"/>
+              </a:ext>
+            </a:extLst>
+          </p:cNvPr>
+          <p:cNvSpPr>
+            <a:spLocks noGrp="1"/>
           </p:cNvSpPr>
           <p:nvPr>
             <p:ph sz="quarter" idx="1"/>
-            <p:custDataLst>
-              <p:tags r:id="rId2"/>
-            </p:custDataLst>
-          </p:nvPr>
-        </p:nvSpPr>
-        <p:spPr/>
-        <p:txBody>
-          <a:bodyPr/>
-          <a:lstStyle/>
-          <a:p>
-            <a:r>
-              <a:rPr lang="en-US" dirty="0"/>
-              <a:t>Definition of an algorithm</a:t>
-            </a:r>
-          </a:p>
-          <a:p>
-            <a:r>
-              <a:rPr lang="en-US" dirty="0"/>
-              <a:t>Definition of algorithm “complexity”</a:t>
-            </a:r>
-          </a:p>
-          <a:p>
-            <a:r>
-              <a:rPr lang="en-US" dirty="0"/>
-              <a:t>Measuring worst-case complexity</a:t>
-            </a:r>
-          </a:p>
-          <a:p>
-            <a:r>
-              <a:rPr lang="en-US" dirty="0"/>
-              <a:t>Cost as a function of input size</a:t>
-            </a:r>
-          </a:p>
-          <a:p>
-            <a:r>
-              <a:rPr lang="en-US" dirty="0"/>
-              <a:t>Asymptotic rate of growth: Big-Oh, Big-Theta</a:t>
-            </a:r>
-          </a:p>
-          <a:p>
-            <a:r>
-              <a:rPr lang="en-US" dirty="0"/>
-              <a:t>Relative ordering of rates of growth</a:t>
-            </a:r>
-          </a:p>
-          <a:p>
-            <a:r>
-              <a:rPr lang="en-US" dirty="0"/>
-              <a:t>Analyzing an algorithm's cost:</a:t>
+          </p:nvPr>
+        </p:nvSpPr>
+        <p:spPr/>
+        <p:txBody>
+          <a:bodyPr/>
+          <a:lstStyle/>
+          <a:p>
+            <a:r>
+              <a:rPr lang="en-US" dirty="0"/>
+              <a:t>Let’s look at how grades work on course website </a:t>
+            </a:r>
+            <a:r>
+              <a:rPr lang="en-US" dirty="0">
+                <a:sym typeface="Wingdings" pitchFamily="2" charset="2"/>
+              </a:rPr>
+              <a:t></a:t>
+            </a:r>
+          </a:p>
+          <a:p>
+            <a:endParaRPr lang="en-US" dirty="0">
+              <a:sym typeface="Wingdings" pitchFamily="2" charset="2"/>
+            </a:endParaRPr>
+          </a:p>
+          <a:p>
+            <a:r>
+              <a:rPr lang="en-US" dirty="0">
+                <a:sym typeface="Wingdings" pitchFamily="2" charset="2"/>
+              </a:rPr>
+              <a:t>Summary:</a:t>
             </a:r>
           </a:p>
           <a:p>
             <a:pPr lvl="1"/>
             <a:r>
-              <a:rPr lang="en-US" dirty="0"/>
-              <a:t>sequences, loops, if/else, functions, recursion</a:t>
-            </a:r>
-          </a:p>
-          <a:p>
-            <a:r>
-              <a:rPr lang="en-US" dirty="0"/>
-              <a:t>Focus on counting one particular statement or operation; don’t count all statements</a:t>
-            </a:r>
+              <a:rPr lang="en-US" dirty="0">
+                <a:sym typeface="Wingdings" pitchFamily="2" charset="2"/>
+              </a:rPr>
+              <a:t>Count how many </a:t>
+            </a:r>
+            <a:r>
+              <a:rPr lang="en-US" dirty="0" err="1">
+                <a:sym typeface="Wingdings" pitchFamily="2" charset="2"/>
+              </a:rPr>
+              <a:t>homeworks</a:t>
+            </a:r>
+            <a:r>
+              <a:rPr lang="en-US" dirty="0">
+                <a:sym typeface="Wingdings" pitchFamily="2" charset="2"/>
+              </a:rPr>
+              <a:t> / quizzes you’ve mastered, satisfied, etc.</a:t>
+            </a:r>
+          </a:p>
+          <a:p>
+            <a:pPr lvl="1"/>
+            <a:r>
+              <a:rPr lang="en-US" dirty="0">
+                <a:sym typeface="Wingdings" pitchFamily="2" charset="2"/>
+              </a:rPr>
+              <a:t>Look up the HIGHEST LETTER GRADE row on the table that for which you satisfy or exceed the requirements.</a:t>
+            </a:r>
+          </a:p>
+          <a:p>
+            <a:pPr lvl="2"/>
+            <a:r>
+              <a:rPr lang="en-US" dirty="0">
+                <a:sym typeface="Wingdings" pitchFamily="2" charset="2"/>
+              </a:rPr>
+              <a:t>That is your final letter grade for the course.</a:t>
+            </a:r>
+            <a:endParaRPr lang="en-US" dirty="0"/>
           </a:p>
         </p:txBody>
       </p:sp>
     </p:spTree>
+    <p:extLst>
+      <p:ext uri="{BB962C8B-B14F-4D97-AF65-F5344CB8AC3E}">
+        <p14:creationId xmlns:p14="http://schemas.microsoft.com/office/powerpoint/2010/main" val="4277655406"/>
+      </p:ext>
+    </p:extLst>
   </p:cSld>
   <p:clrMapOvr>
     <a:masterClrMapping/>
@@ -7388,39 +7480,38 @@
       </p:grpSpPr>
       <p:sp>
         <p:nvSpPr>
-          <p:cNvPr id="22530" name="Rectangle 2"/>
-          <p:cNvSpPr>
-            <a:spLocks noGrp="1" noChangeArrowheads="1"/>
+          <p:cNvPr id="2" name="Title 1">
+            <a:extLst>
+              <a:ext uri="{FF2B5EF4-FFF2-40B4-BE49-F238E27FC236}">
+                <a16:creationId xmlns:a16="http://schemas.microsoft.com/office/drawing/2014/main" id="{B6C21D28-983F-964A-89CC-AC9573CD4242}"/>
+              </a:ext>
+            </a:extLst>
+          </p:cNvPr>
+          <p:cNvSpPr>
+            <a:spLocks noGrp="1"/>
           </p:cNvSpPr>
           <p:nvPr>
             <p:ph type="title"/>
-            <p:custDataLst>
-              <p:tags r:id="rId1"/>
-            </p:custDataLst>
-          </p:nvPr>
-        </p:nvSpPr>
-        <p:spPr>
-          <a:xfrm>
-            <a:off x="457200" y="152400"/>
-            <a:ext cx="8686800" cy="990600"/>
-          </a:xfrm>
-        </p:spPr>
-        <p:txBody>
-          <a:bodyPr>
-            <a:normAutofit/>
-          </a:bodyPr>
-          <a:lstStyle/>
-          <a:p>
-            <a:r>
-              <a:rPr lang="en-US" dirty="0"/>
-              <a:t>What you know already from CS2150</a:t>
-            </a:r>
-          </a:p>
-        </p:txBody>
-      </p:sp>
-      <p:sp>
-        <p:nvSpPr>
-          <p:cNvPr id="4" name="Slide Number Placeholder 3"/>
+          </p:nvPr>
+        </p:nvSpPr>
+        <p:spPr/>
+        <p:txBody>
+          <a:bodyPr/>
+          <a:lstStyle/>
+          <a:p>
+            <a:endParaRPr lang="en-US" dirty="0"/>
+          </a:p>
+        </p:txBody>
+      </p:sp>
+      <p:sp>
+        <p:nvSpPr>
+          <p:cNvPr id="3" name="Slide Number Placeholder 2">
+            <a:extLst>
+              <a:ext uri="{FF2B5EF4-FFF2-40B4-BE49-F238E27FC236}">
+                <a16:creationId xmlns:a16="http://schemas.microsoft.com/office/drawing/2014/main" id="{30C00481-393E-2147-853E-98B0BCF84021}"/>
+              </a:ext>
+            </a:extLst>
+          </p:cNvPr>
           <p:cNvSpPr>
             <a:spLocks noGrp="1"/>
           </p:cNvSpPr>
@@ -7444,66 +7535,35 @@
       </p:sp>
       <p:sp>
         <p:nvSpPr>
-          <p:cNvPr id="22531" name="Rectangle 3"/>
-          <p:cNvSpPr>
-            <a:spLocks noGrp="1" noChangeArrowheads="1"/>
+          <p:cNvPr id="4" name="Content Placeholder 3">
+            <a:extLst>
+              <a:ext uri="{FF2B5EF4-FFF2-40B4-BE49-F238E27FC236}">
+                <a16:creationId xmlns:a16="http://schemas.microsoft.com/office/drawing/2014/main" id="{2E5AB323-BB33-934A-B444-E5392B7C9676}"/>
+              </a:ext>
+            </a:extLst>
+          </p:cNvPr>
+          <p:cNvSpPr>
+            <a:spLocks noGrp="1"/>
           </p:cNvSpPr>
           <p:nvPr>
             <p:ph sz="quarter" idx="1"/>
-            <p:custDataLst>
-              <p:tags r:id="rId2"/>
-            </p:custDataLst>
-          </p:nvPr>
-        </p:nvSpPr>
-        <p:spPr/>
-        <p:txBody>
-          <a:bodyPr/>
-          <a:lstStyle/>
-          <a:p>
-            <a:r>
-              <a:rPr lang="en-US" dirty="0"/>
-              <a:t>Problems and their solutions:</a:t>
-            </a:r>
-          </a:p>
-          <a:p>
-            <a:pPr lvl="1"/>
-            <a:r>
-              <a:rPr lang="en-US" dirty="0"/>
-              <a:t>Linear data structures vs. tree data structures</a:t>
-            </a:r>
-          </a:p>
-          <a:p>
-            <a:pPr lvl="1"/>
-            <a:r>
-              <a:rPr lang="en-US" dirty="0"/>
-              <a:t>Searching: linear/sequential search, binary search (?), hashing</a:t>
-            </a:r>
-          </a:p>
-          <a:p>
-            <a:pPr lvl="1"/>
-            <a:r>
-              <a:rPr lang="en-US" dirty="0"/>
-              <a:t>Sorting:  quicksort, </a:t>
-            </a:r>
-            <a:r>
-              <a:rPr lang="en-US" dirty="0" err="1"/>
-              <a:t>mergesort</a:t>
-            </a:r>
-            <a:r>
-              <a:rPr lang="en-US" dirty="0"/>
-              <a:t> in CS2110 (?)</a:t>
-            </a:r>
-          </a:p>
-          <a:p>
-            <a:pPr lvl="1"/>
-            <a:r>
-              <a:rPr lang="en-US" dirty="0"/>
-              <a:t>Priority Queue ADT and Heap Implementation</a:t>
-            </a:r>
+          </p:nvPr>
+        </p:nvSpPr>
+        <p:spPr/>
+        <p:txBody>
+          <a:bodyPr/>
+          <a:lstStyle/>
+          <a:p>
+            <a:endParaRPr lang="en-US"/>
           </a:p>
         </p:txBody>
       </p:sp>
     </p:spTree>
+    <p:extLst>
+      <p:ext uri="{BB962C8B-B14F-4D97-AF65-F5344CB8AC3E}">
+        <p14:creationId xmlns:p14="http://schemas.microsoft.com/office/powerpoint/2010/main" val="50215907"/>
+      </p:ext>
+    </p:extLst>
   </p:cSld>
   <p:clrMapOvr>
     <a:masterClrMapping/>
@@ -7530,7 +7590,7 @@
       </p:grpSpPr>
       <p:sp>
         <p:nvSpPr>
-          <p:cNvPr id="23554" name="Rectangle 2"/>
+          <p:cNvPr id="21506" name="Rectangle 2"/>
           <p:cNvSpPr>
             <a:spLocks noGrp="1" noChangeArrowheads="1"/>
           </p:cNvSpPr>
@@ -7541,21 +7601,14 @@
             </p:custDataLst>
           </p:nvPr>
         </p:nvSpPr>
-        <p:spPr>
-          <a:xfrm>
-            <a:off x="457200" y="152400"/>
-            <a:ext cx="8686800" cy="990600"/>
-          </a:xfrm>
-        </p:spPr>
-        <p:txBody>
-          <a:bodyPr>
-            <a:normAutofit fontScale="90000"/>
-          </a:bodyPr>
-          <a:lstStyle/>
-          <a:p>
-            <a:r>
-              <a:rPr lang="en-US" dirty="0"/>
-              <a:t>What you know already from all your courses</a:t>
+        <p:spPr/>
+        <p:txBody>
+          <a:bodyPr/>
+          <a:lstStyle/>
+          <a:p>
+            <a:r>
+              <a:rPr lang="en-US" dirty="0"/>
+              <a:t>What you know already from CS2150</a:t>
             </a:r>
           </a:p>
         </p:txBody>
@@ -7586,7 +7639,7 @@
       </p:sp>
       <p:sp>
         <p:nvSpPr>
-          <p:cNvPr id="23555" name="Rectangle 3"/>
+          <p:cNvPr id="21507" name="Rectangle 3"/>
           <p:cNvSpPr>
             <a:spLocks noGrp="1" noChangeArrowheads="1"/>
           </p:cNvSpPr>
@@ -7604,64 +7657,57 @@
           <a:p>
             <a:r>
               <a:rPr lang="en-US" dirty="0"/>
-              <a:t>Examples of Algorithm design methods:</a:t>
+              <a:t>Definition of an algorithm</a:t>
+            </a:r>
+          </a:p>
+          <a:p>
+            <a:r>
+              <a:rPr lang="en-US" dirty="0"/>
+              <a:t>Definition of algorithm “complexity”</a:t>
+            </a:r>
+          </a:p>
+          <a:p>
+            <a:r>
+              <a:rPr lang="en-US" dirty="0"/>
+              <a:t>Measuring worst-case complexity</a:t>
+            </a:r>
+          </a:p>
+          <a:p>
+            <a:r>
+              <a:rPr lang="en-US" dirty="0"/>
+              <a:t>Cost as a function of input size</a:t>
+            </a:r>
+          </a:p>
+          <a:p>
+            <a:r>
+              <a:rPr lang="en-US" dirty="0"/>
+              <a:t>Asymptotic rate of growth: Big-Oh, Big-Theta</a:t>
+            </a:r>
+          </a:p>
+          <a:p>
+            <a:r>
+              <a:rPr lang="en-US" dirty="0"/>
+              <a:t>Relative ordering of rates of growth</a:t>
+            </a:r>
+          </a:p>
+          <a:p>
+            <a:r>
+              <a:rPr lang="en-US" dirty="0"/>
+              <a:t>Analyzing an algorithm's cost:</a:t>
             </a:r>
           </a:p>
           <a:p>
             <a:pPr lvl="1"/>
             <a:r>
               <a:rPr lang="en-US" dirty="0"/>
-              <a:t>Divide and Conquer (quicksort, </a:t>
-            </a:r>
-            <a:r>
-              <a:rPr lang="en-US" dirty="0" err="1"/>
-              <a:t>mergesort</a:t>
-            </a:r>
-            <a:r>
-              <a:rPr lang="en-US" dirty="0"/>
-              <a:t>)</a:t>
-            </a:r>
-          </a:p>
-          <a:p>
-            <a:pPr lvl="1"/>
-            <a:r>
-              <a:rPr lang="en-US" dirty="0"/>
-              <a:t>Greedy (though you didn’t call it this)</a:t>
-            </a:r>
-          </a:p>
-          <a:p>
-            <a:pPr lvl="1"/>
-            <a:r>
-              <a:rPr lang="en-US" dirty="0"/>
-              <a:t>Dynamic programming (</a:t>
-            </a:r>
-            <a:r>
-              <a:rPr lang="en-US" dirty="0" err="1"/>
-              <a:t>fibonacci</a:t>
-            </a:r>
-            <a:r>
-              <a:rPr lang="en-US" dirty="0"/>
-              <a:t> numbers, Floyd-</a:t>
-            </a:r>
-            <a:r>
-              <a:rPr lang="en-US" dirty="0" err="1"/>
-              <a:t>Warshall</a:t>
-            </a:r>
-            <a:r>
-              <a:rPr lang="en-US" dirty="0"/>
-              <a:t>)</a:t>
-            </a:r>
-          </a:p>
-          <a:p>
-            <a:pPr lvl="1"/>
-            <a:r>
-              <a:rPr lang="en-US" dirty="0"/>
-              <a:t>NP-complete (traveling salesperson. Have you seen this?)</a:t>
-            </a:r>
-          </a:p>
-          <a:p>
-            <a:pPr lvl="1"/>
-            <a:endParaRPr lang="en-US" dirty="0"/>
+              <a:t>sequences, loops, if/else, functions, recursion</a:t>
+            </a:r>
+          </a:p>
+          <a:p>
+            <a:r>
+              <a:rPr lang="en-US" dirty="0"/>
+              <a:t>Focus on counting one particular statement or operation; don’t count all statements</a:t>
+            </a:r>
           </a:p>
         </p:txBody>
       </p:sp>
@@ -7692,7 +7738,7 @@
       </p:grpSpPr>
       <p:sp>
         <p:nvSpPr>
-          <p:cNvPr id="24578" name="Rectangle 2"/>
+          <p:cNvPr id="22530" name="Rectangle 2"/>
           <p:cNvSpPr>
             <a:spLocks noGrp="1" noChangeArrowheads="1"/>
           </p:cNvSpPr>
@@ -7703,16 +7749,21 @@
             </p:custDataLst>
           </p:nvPr>
         </p:nvSpPr>
-        <p:spPr/>
+        <p:spPr>
+          <a:xfrm>
+            <a:off x="457200" y="152400"/>
+            <a:ext cx="8686800" cy="990600"/>
+          </a:xfrm>
+        </p:spPr>
         <p:txBody>
           <a:bodyPr>
-            <a:normAutofit fontScale="90000"/>
+            <a:normAutofit/>
           </a:bodyPr>
           <a:lstStyle/>
           <a:p>
             <a:r>
-              <a:rPr lang="en-US"/>
-              <a:t>What you know already from Discrete Math and Theory of Computation…</a:t>
+              <a:rPr lang="en-US" dirty="0"/>
+              <a:t>What you know already from CS2150</a:t>
             </a:r>
           </a:p>
         </p:txBody>
@@ -7743,7 +7794,7 @@
       </p:sp>
       <p:sp>
         <p:nvSpPr>
-          <p:cNvPr id="24579" name="Rectangle 3"/>
+          <p:cNvPr id="22531" name="Rectangle 3"/>
           <p:cNvSpPr>
             <a:spLocks noGrp="1" noChangeArrowheads="1"/>
           </p:cNvSpPr>
@@ -7756,94 +7807,49 @@
         </p:nvSpPr>
         <p:spPr/>
         <p:txBody>
-          <a:bodyPr>
-            <a:normAutofit fontScale="92500" lnSpcReduction="10000"/>
-          </a:bodyPr>
-          <a:lstStyle/>
-          <a:p>
-            <a:r>
-              <a:rPr lang="en-US" dirty="0"/>
-              <a:t>From CS2102:</a:t>
+          <a:bodyPr/>
+          <a:lstStyle/>
+          <a:p>
+            <a:r>
+              <a:rPr lang="en-US" dirty="0"/>
+              <a:t>Problems and their solutions:</a:t>
             </a:r>
           </a:p>
           <a:p>
             <a:pPr lvl="1"/>
             <a:r>
               <a:rPr lang="en-US" dirty="0"/>
-              <a:t>Proofs: induction, contradiction</a:t>
-            </a:r>
-          </a:p>
-          <a:p>
-            <a:pPr lvl="2"/>
-            <a:r>
-              <a:rPr lang="en-US" dirty="0"/>
-              <a:t>If you are uncomfortable with these two, review them NOW!</a:t>
+              <a:t>Linear data structures vs. tree data structures</a:t>
             </a:r>
           </a:p>
           <a:p>
             <a:pPr lvl="1"/>
             <a:r>
               <a:rPr lang="en-US" dirty="0"/>
-              <a:t>Counting, probability, </a:t>
+              <a:t>Searching: linear/sequential search, binary search (?), hashing</a:t>
+            </a:r>
+          </a:p>
+          <a:p>
+            <a:pPr lvl="1"/>
+            <a:r>
+              <a:rPr lang="en-US" dirty="0"/>
+              <a:t>Sorting:  quicksort, </a:t>
             </a:r>
             <a:r>
               <a:rPr lang="en-US" dirty="0" err="1"/>
-              <a:t>combinatorics</a:t>
-            </a:r>
-            <a:r>
-              <a:rPr lang="en-US" dirty="0"/>
-              <a:t>, permutations</a:t>
-            </a:r>
-          </a:p>
-          <a:p>
-            <a:endParaRPr lang="en-US" dirty="0"/>
-          </a:p>
-          <a:p>
-            <a:r>
-              <a:rPr lang="en-US" dirty="0"/>
-              <a:t>From some earlier math class:</a:t>
+              <a:t>mergesort</a:t>
+            </a:r>
+            <a:r>
+              <a:rPr lang="en-US" dirty="0"/>
+              <a:t> in CS2110 (?)</a:t>
             </a:r>
           </a:p>
           <a:p>
             <a:pPr lvl="1"/>
             <a:r>
               <a:rPr lang="en-US" dirty="0"/>
-              <a:t>Exponents, logarithms, limits, differentiation on polynomials and other simple functions</a:t>
-            </a:r>
-          </a:p>
-          <a:p>
-            <a:endParaRPr lang="en-US" dirty="0"/>
-          </a:p>
-          <a:p>
-            <a:r>
-              <a:rPr lang="en-US" dirty="0"/>
-              <a:t>From CS3102 (if you have taken it)</a:t>
-            </a:r>
-          </a:p>
-          <a:p>
-            <a:pPr lvl="1"/>
-            <a:r>
-              <a:rPr lang="en-US" dirty="0"/>
-              <a:t>Maturity in mathematics and computing theory</a:t>
-            </a:r>
-          </a:p>
-          <a:p>
-            <a:pPr lvl="1"/>
-            <a:r>
-              <a:rPr lang="en-US" dirty="0"/>
-              <a:t>Ability to do proofs</a:t>
-            </a:r>
-          </a:p>
-          <a:p>
-            <a:pPr lvl="1"/>
-            <a:r>
-              <a:rPr lang="en-US" dirty="0"/>
-              <a:t>Abstract models of computation, such as Turing machines</a:t>
-            </a:r>
-          </a:p>
-          <a:p>
-            <a:pPr lvl="1"/>
-            <a:endParaRPr lang="en-US" dirty="0"/>
+              <a:t>Priority Queue ADT and Heap Implementation</a:t>
+            </a:r>
           </a:p>
         </p:txBody>
       </p:sp>
@@ -7874,24 +7880,33 @@
       </p:grpSpPr>
       <p:sp>
         <p:nvSpPr>
-          <p:cNvPr id="2" name="Title 1"/>
-          <p:cNvSpPr>
-            <a:spLocks noGrp="1"/>
+          <p:cNvPr id="23554" name="Rectangle 2"/>
+          <p:cNvSpPr>
+            <a:spLocks noGrp="1" noChangeArrowheads="1"/>
           </p:cNvSpPr>
           <p:nvPr>
             <p:ph type="title"/>
-          </p:nvPr>
-        </p:nvSpPr>
-        <p:spPr/>
-        <p:txBody>
-          <a:bodyPr/>
-          <a:lstStyle/>
-          <a:p>
-            <a:r>
-              <a:rPr lang="en-US"/>
-              <a:t>Questions?  Concerns?  Wrath to vent?</a:t>
-            </a:r>
-            <a:endParaRPr lang="en-US" dirty="0"/>
+            <p:custDataLst>
+              <p:tags r:id="rId1"/>
+            </p:custDataLst>
+          </p:nvPr>
+        </p:nvSpPr>
+        <p:spPr>
+          <a:xfrm>
+            <a:off x="457200" y="152400"/>
+            <a:ext cx="8686800" cy="990600"/>
+          </a:xfrm>
+        </p:spPr>
+        <p:txBody>
+          <a:bodyPr>
+            <a:normAutofit fontScale="90000"/>
+          </a:bodyPr>
+          <a:lstStyle/>
+          <a:p>
+            <a:r>
+              <a:rPr lang="en-US" dirty="0"/>
+              <a:t>What you know already from all your courses</a:t>
+            </a:r>
           </a:p>
         </p:txBody>
       </p:sp>
@@ -7921,20 +7936,82 @@
       </p:sp>
       <p:sp>
         <p:nvSpPr>
-          <p:cNvPr id="7" name="Content Placeholder 6"/>
-          <p:cNvSpPr>
-            <a:spLocks noGrp="1"/>
+          <p:cNvPr id="23555" name="Rectangle 3"/>
+          <p:cNvSpPr>
+            <a:spLocks noGrp="1" noChangeArrowheads="1"/>
           </p:cNvSpPr>
           <p:nvPr>
             <p:ph sz="quarter" idx="1"/>
-          </p:nvPr>
-        </p:nvSpPr>
-        <p:spPr/>
-        <p:txBody>
-          <a:bodyPr/>
-          <a:lstStyle/>
-          <a:p>
-            <a:endParaRPr lang="en-US"/>
+            <p:custDataLst>
+              <p:tags r:id="rId2"/>
+            </p:custDataLst>
+          </p:nvPr>
+        </p:nvSpPr>
+        <p:spPr/>
+        <p:txBody>
+          <a:bodyPr/>
+          <a:lstStyle/>
+          <a:p>
+            <a:r>
+              <a:rPr lang="en-US" dirty="0"/>
+              <a:t>Examples of Algorithm design methods:</a:t>
+            </a:r>
+          </a:p>
+          <a:p>
+            <a:pPr lvl="1"/>
+            <a:r>
+              <a:rPr lang="en-US" dirty="0"/>
+              <a:t>Divide and Conquer (quicksort, </a:t>
+            </a:r>
+            <a:r>
+              <a:rPr lang="en-US" dirty="0" err="1"/>
+              <a:t>mergesort</a:t>
+            </a:r>
+            <a:r>
+              <a:rPr lang="en-US" dirty="0"/>
+              <a:t>)</a:t>
+            </a:r>
+          </a:p>
+          <a:p>
+            <a:pPr lvl="1"/>
+            <a:r>
+              <a:rPr lang="en-US" dirty="0"/>
+              <a:t>Greedy (though you didn’t call it this)</a:t>
+            </a:r>
+          </a:p>
+          <a:p>
+            <a:pPr lvl="1"/>
+            <a:r>
+              <a:rPr lang="en-US" dirty="0"/>
+              <a:t>Dynamic programming (</a:t>
+            </a:r>
+            <a:r>
+              <a:rPr lang="en-US" dirty="0" err="1"/>
+              <a:t>fibonacci</a:t>
+            </a:r>
+            <a:r>
+              <a:rPr lang="en-US" dirty="0"/>
+              <a:t> numbers, Floyd-</a:t>
+            </a:r>
+            <a:r>
+              <a:rPr lang="en-US" dirty="0" err="1"/>
+              <a:t>Warshall</a:t>
+            </a:r>
+            <a:r>
+              <a:rPr lang="en-US" dirty="0"/>
+              <a:t>)</a:t>
+            </a:r>
+          </a:p>
+          <a:p>
+            <a:pPr lvl="1"/>
+            <a:r>
+              <a:rPr lang="en-US" dirty="0"/>
+              <a:t>NP-complete (traveling salesperson. Have you seen this?)</a:t>
+            </a:r>
+          </a:p>
+          <a:p>
+            <a:pPr lvl="1"/>
+            <a:endParaRPr lang="en-US" dirty="0"/>
           </a:p>
         </p:txBody>
       </p:sp>
@@ -7965,48 +8042,34 @@
       </p:grpSpPr>
       <p:sp>
         <p:nvSpPr>
-          <p:cNvPr id="5" name="Title 4"/>
-          <p:cNvSpPr>
-            <a:spLocks noGrp="1"/>
+          <p:cNvPr id="24578" name="Rectangle 2"/>
+          <p:cNvSpPr>
+            <a:spLocks noGrp="1" noChangeArrowheads="1"/>
           </p:cNvSpPr>
           <p:nvPr>
             <p:ph type="title"/>
-          </p:nvPr>
-        </p:nvSpPr>
-        <p:spPr/>
-        <p:txBody>
-          <a:bodyPr/>
-          <a:lstStyle/>
-          <a:p>
-            <a:r>
-              <a:rPr lang="en-US" dirty="0"/>
-              <a:t>A first algorithm: making change</a:t>
-            </a:r>
-          </a:p>
-        </p:txBody>
-      </p:sp>
-      <p:sp>
-        <p:nvSpPr>
-          <p:cNvPr id="6" name="Text Placeholder 5"/>
-          <p:cNvSpPr>
-            <a:spLocks noGrp="1"/>
-          </p:cNvSpPr>
-          <p:nvPr>
-            <p:ph type="body" idx="1"/>
-          </p:nvPr>
-        </p:nvSpPr>
-        <p:spPr/>
-        <p:txBody>
-          <a:bodyPr/>
-          <a:lstStyle/>
-          <a:p>
-            <a:endParaRPr lang="en-US"/>
-          </a:p>
-        </p:txBody>
-      </p:sp>
-      <p:sp>
-        <p:nvSpPr>
-          <p:cNvPr id="3" name="Slide Number Placeholder 2"/>
+            <p:custDataLst>
+              <p:tags r:id="rId1"/>
+            </p:custDataLst>
+          </p:nvPr>
+        </p:nvSpPr>
+        <p:spPr/>
+        <p:txBody>
+          <a:bodyPr>
+            <a:normAutofit fontScale="90000"/>
+          </a:bodyPr>
+          <a:lstStyle/>
+          <a:p>
+            <a:r>
+              <a:rPr lang="en-US"/>
+              <a:t>What you know already from Discrete Math and Theory of Computation…</a:t>
+            </a:r>
+          </a:p>
+        </p:txBody>
+      </p:sp>
+      <p:sp>
+        <p:nvSpPr>
+          <p:cNvPr id="4" name="Slide Number Placeholder 3"/>
           <p:cNvSpPr>
             <a:spLocks noGrp="1"/>
           </p:cNvSpPr>
@@ -8025,6 +8088,112 @@
               <a:t>26</a:t>
             </a:fld>
             <a:endParaRPr lang="en-US"/>
+          </a:p>
+        </p:txBody>
+      </p:sp>
+      <p:sp>
+        <p:nvSpPr>
+          <p:cNvPr id="24579" name="Rectangle 3"/>
+          <p:cNvSpPr>
+            <a:spLocks noGrp="1" noChangeArrowheads="1"/>
+          </p:cNvSpPr>
+          <p:nvPr>
+            <p:ph sz="quarter" idx="1"/>
+            <p:custDataLst>
+              <p:tags r:id="rId2"/>
+            </p:custDataLst>
+          </p:nvPr>
+        </p:nvSpPr>
+        <p:spPr/>
+        <p:txBody>
+          <a:bodyPr>
+            <a:normAutofit fontScale="92500" lnSpcReduction="10000"/>
+          </a:bodyPr>
+          <a:lstStyle/>
+          <a:p>
+            <a:r>
+              <a:rPr lang="en-US" dirty="0"/>
+              <a:t>From CS2102:</a:t>
+            </a:r>
+          </a:p>
+          <a:p>
+            <a:pPr lvl="1"/>
+            <a:r>
+              <a:rPr lang="en-US" dirty="0"/>
+              <a:t>Proofs: induction, contradiction</a:t>
+            </a:r>
+          </a:p>
+          <a:p>
+            <a:pPr lvl="2"/>
+            <a:r>
+              <a:rPr lang="en-US" dirty="0"/>
+              <a:t>If you are uncomfortable with these two, review them NOW!</a:t>
+            </a:r>
+          </a:p>
+          <a:p>
+            <a:pPr lvl="1"/>
+            <a:r>
+              <a:rPr lang="en-US" dirty="0"/>
+              <a:t>Counting, probability, </a:t>
+            </a:r>
+            <a:r>
+              <a:rPr lang="en-US" dirty="0" err="1"/>
+              <a:t>combinatorics</a:t>
+            </a:r>
+            <a:r>
+              <a:rPr lang="en-US" dirty="0"/>
+              <a:t>, permutations</a:t>
+            </a:r>
+          </a:p>
+          <a:p>
+            <a:endParaRPr lang="en-US" dirty="0"/>
+          </a:p>
+          <a:p>
+            <a:r>
+              <a:rPr lang="en-US" dirty="0"/>
+              <a:t>From some earlier math class:</a:t>
+            </a:r>
+          </a:p>
+          <a:p>
+            <a:pPr lvl="1"/>
+            <a:r>
+              <a:rPr lang="en-US" dirty="0"/>
+              <a:t>Exponents, logarithms, limits, differentiation on polynomials and other simple functions</a:t>
+            </a:r>
+          </a:p>
+          <a:p>
+            <a:endParaRPr lang="en-US" dirty="0"/>
+          </a:p>
+          <a:p>
+            <a:r>
+              <a:rPr lang="en-US" dirty="0"/>
+              <a:t>From CS3102 (if you have taken it)</a:t>
+            </a:r>
+          </a:p>
+          <a:p>
+            <a:pPr lvl="1"/>
+            <a:r>
+              <a:rPr lang="en-US" dirty="0"/>
+              <a:t>Maturity in mathematics and computing theory</a:t>
+            </a:r>
+          </a:p>
+          <a:p>
+            <a:pPr lvl="1"/>
+            <a:r>
+              <a:rPr lang="en-US" dirty="0"/>
+              <a:t>Ability to do proofs</a:t>
+            </a:r>
+          </a:p>
+          <a:p>
+            <a:pPr lvl="1"/>
+            <a:r>
+              <a:rPr lang="en-US" dirty="0"/>
+              <a:t>Abstract models of computation, such as Turing machines</a:t>
+            </a:r>
+          </a:p>
+          <a:p>
+            <a:pPr lvl="1"/>
+            <a:endParaRPr lang="en-US" dirty="0"/>
           </a:p>
         </p:txBody>
       </p:sp>
@@ -8055,15 +8224,12 @@
       </p:grpSpPr>
       <p:sp>
         <p:nvSpPr>
-          <p:cNvPr id="30722" name="Rectangle 2"/>
-          <p:cNvSpPr>
-            <a:spLocks noGrp="1" noChangeArrowheads="1"/>
+          <p:cNvPr id="2" name="Title 1"/>
+          <p:cNvSpPr>
+            <a:spLocks noGrp="1"/>
           </p:cNvSpPr>
           <p:nvPr>
             <p:ph type="title"/>
-            <p:custDataLst>
-              <p:tags r:id="rId1"/>
-            </p:custDataLst>
           </p:nvPr>
         </p:nvSpPr>
         <p:spPr/>
@@ -8073,8 +8239,9 @@
           <a:p>
             <a:r>
               <a:rPr lang="en-US"/>
-              <a:t>OK… But What’s It Really All About?</a:t>
-            </a:r>
+              <a:t>Questions?  Concerns?  Wrath to vent?</a:t>
+            </a:r>
+            <a:endParaRPr lang="en-US" dirty="0"/>
           </a:p>
         </p:txBody>
       </p:sp>
@@ -8104,88 +8271,20 @@
       </p:sp>
       <p:sp>
         <p:nvSpPr>
-          <p:cNvPr id="30723" name="Rectangle 3"/>
-          <p:cNvSpPr>
-            <a:spLocks noGrp="1" noChangeArrowheads="1"/>
+          <p:cNvPr id="7" name="Content Placeholder 6"/>
+          <p:cNvSpPr>
+            <a:spLocks noGrp="1"/>
           </p:cNvSpPr>
           <p:nvPr>
             <p:ph sz="quarter" idx="1"/>
-            <p:custDataLst>
-              <p:tags r:id="rId2"/>
-            </p:custDataLst>
-          </p:nvPr>
-        </p:nvSpPr>
-        <p:spPr/>
-        <p:txBody>
-          <a:bodyPr/>
-          <a:lstStyle/>
-          <a:p>
-            <a:r>
-              <a:rPr lang="en-US"/>
-              <a:t>Let’s illustrate some ideas you’ll see throughout the course</a:t>
-            </a:r>
-          </a:p>
-          <a:p>
-            <a:pPr lvl="1"/>
-            <a:r>
-              <a:rPr lang="en-US"/>
-              <a:t>Using one example</a:t>
-            </a:r>
-          </a:p>
-          <a:p>
-            <a:r>
-              <a:rPr lang="en-US"/>
-              <a:t>Concepts:</a:t>
-            </a:r>
-          </a:p>
-          <a:p>
-            <a:pPr lvl="1"/>
-            <a:r>
-              <a:rPr lang="en-US"/>
-              <a:t>Describing an algorithm</a:t>
-            </a:r>
-          </a:p>
-          <a:p>
-            <a:pPr lvl="1"/>
-            <a:r>
-              <a:rPr lang="en-US"/>
-              <a:t>Measuring algorithm efficiency</a:t>
-            </a:r>
-          </a:p>
-          <a:p>
-            <a:pPr lvl="1"/>
-            <a:r>
-              <a:rPr lang="en-US"/>
-              <a:t>Families or types of problems</a:t>
-            </a:r>
-          </a:p>
-          <a:p>
-            <a:pPr lvl="1"/>
-            <a:r>
-              <a:rPr lang="en-US"/>
-              <a:t>Algorithm design strategies</a:t>
-            </a:r>
-          </a:p>
-          <a:p>
-            <a:pPr lvl="2"/>
-            <a:r>
-              <a:rPr lang="en-US"/>
-              <a:t>Alternative strategies</a:t>
-            </a:r>
-          </a:p>
-          <a:p>
-            <a:pPr lvl="1"/>
-            <a:r>
-              <a:rPr lang="en-US"/>
-              <a:t>Lower bounds and optimal algorithms</a:t>
-            </a:r>
-          </a:p>
-          <a:p>
-            <a:pPr lvl="1"/>
-            <a:r>
-              <a:rPr lang="en-US"/>
-              <a:t>Problems that seem very hard</a:t>
-            </a:r>
+          </p:nvPr>
+        </p:nvSpPr>
+        <p:spPr/>
+        <p:txBody>
+          <a:bodyPr/>
+          <a:lstStyle/>
+          <a:p>
+            <a:endParaRPr lang="en-US"/>
           </a:p>
         </p:txBody>
       </p:sp>
@@ -8198,7 +8297,7 @@
 </file>
 
 <file path=ppt/slides/slide28.xml><?xml version="1.0" encoding="utf-8"?>
-<p:sld xmlns:a="http://schemas.openxmlformats.org/drawingml/2006/main" xmlns:r="http://schemas.openxmlformats.org/officeDocument/2006/relationships" xmlns:p="http://schemas.openxmlformats.org/presentationml/2006/main" showMasterPhAnim="0">
+<p:sld xmlns:a="http://schemas.openxmlformats.org/drawingml/2006/main" xmlns:r="http://schemas.openxmlformats.org/officeDocument/2006/relationships" xmlns:p="http://schemas.openxmlformats.org/presentationml/2006/main">
   <p:cSld>
     <p:spTree>
       <p:nvGrpSpPr>
@@ -8216,34 +8315,48 @@
       </p:grpSpPr>
       <p:sp>
         <p:nvSpPr>
-          <p:cNvPr id="31746" name="Rectangle 2"/>
-          <p:cNvSpPr>
-            <a:spLocks noGrp="1" noChangeArrowheads="1"/>
+          <p:cNvPr id="5" name="Title 4"/>
+          <p:cNvSpPr>
+            <a:spLocks noGrp="1"/>
           </p:cNvSpPr>
           <p:nvPr>
             <p:ph type="title"/>
-            <p:custDataLst>
-              <p:tags r:id="rId1"/>
-            </p:custDataLst>
-          </p:nvPr>
-        </p:nvSpPr>
-        <p:spPr/>
-        <p:txBody>
-          <a:bodyPr>
-            <a:normAutofit fontScale="90000"/>
-          </a:bodyPr>
-          <a:lstStyle/>
-          <a:p>
-            <a:r>
-              <a:rPr lang="en-US"/>
-              <a:t>Everyone Already Knows Many Algorithms! </a:t>
-            </a:r>
-          </a:p>
-        </p:txBody>
-      </p:sp>
-      <p:sp>
-        <p:nvSpPr>
-          <p:cNvPr id="4" name="Slide Number Placeholder 3"/>
+          </p:nvPr>
+        </p:nvSpPr>
+        <p:spPr/>
+        <p:txBody>
+          <a:bodyPr/>
+          <a:lstStyle/>
+          <a:p>
+            <a:r>
+              <a:rPr lang="en-US" dirty="0"/>
+              <a:t>A first algorithm: making change</a:t>
+            </a:r>
+          </a:p>
+        </p:txBody>
+      </p:sp>
+      <p:sp>
+        <p:nvSpPr>
+          <p:cNvPr id="6" name="Text Placeholder 5"/>
+          <p:cNvSpPr>
+            <a:spLocks noGrp="1"/>
+          </p:cNvSpPr>
+          <p:nvPr>
+            <p:ph type="body" idx="1"/>
+          </p:nvPr>
+        </p:nvSpPr>
+        <p:spPr/>
+        <p:txBody>
+          <a:bodyPr/>
+          <a:lstStyle/>
+          <a:p>
+            <a:endParaRPr lang="en-US"/>
+          </a:p>
+        </p:txBody>
+      </p:sp>
+      <p:sp>
+        <p:nvSpPr>
+          <p:cNvPr id="3" name="Slide Number Placeholder 2"/>
           <p:cNvSpPr>
             <a:spLocks noGrp="1"/>
           </p:cNvSpPr>
@@ -8262,58 +8375,6 @@
               <a:t>28</a:t>
             </a:fld>
             <a:endParaRPr lang="en-US"/>
-          </a:p>
-        </p:txBody>
-      </p:sp>
-      <p:sp>
-        <p:nvSpPr>
-          <p:cNvPr id="316419" name="Rectangle 3"/>
-          <p:cNvSpPr>
-            <a:spLocks noGrp="1" noChangeArrowheads="1"/>
-          </p:cNvSpPr>
-          <p:nvPr>
-            <p:ph sz="quarter" idx="1"/>
-            <p:custDataLst>
-              <p:tags r:id="rId2"/>
-            </p:custDataLst>
-          </p:nvPr>
-        </p:nvSpPr>
-        <p:spPr/>
-        <p:txBody>
-          <a:bodyPr/>
-          <a:lstStyle/>
-          <a:p>
-            <a:r>
-              <a:rPr lang="en-US"/>
-              <a:t>Worked retail? You know how to make change!</a:t>
-            </a:r>
-          </a:p>
-          <a:p>
-            <a:r>
-              <a:rPr lang="en-US"/>
-              <a:t>Example:</a:t>
-            </a:r>
-          </a:p>
-          <a:p>
-            <a:pPr lvl="1"/>
-            <a:r>
-              <a:rPr lang="en-US"/>
-              <a:t>My item costs $4.37.  I give you a five dollar bill.  What do you give me in change?</a:t>
-            </a:r>
-          </a:p>
-          <a:p>
-            <a:pPr lvl="1"/>
-            <a:r>
-              <a:rPr lang="en-US"/>
-              <a:t>Answer: two quarters, a dime, three pennies</a:t>
-            </a:r>
-          </a:p>
-          <a:p>
-            <a:pPr lvl="1"/>
-            <a:r>
-              <a:rPr lang="en-US"/>
-              <a:t>Why? How do we figure that out?</a:t>
-            </a:r>
           </a:p>
         </p:txBody>
       </p:sp>
@@ -8344,7 +8405,7 @@
       </p:grpSpPr>
       <p:sp>
         <p:nvSpPr>
-          <p:cNvPr id="32770" name="Rectangle 2"/>
+          <p:cNvPr id="30722" name="Rectangle 2"/>
           <p:cNvSpPr>
             <a:spLocks noGrp="1" noChangeArrowheads="1"/>
           </p:cNvSpPr>
@@ -8362,7 +8423,7 @@
           <a:p>
             <a:r>
               <a:rPr lang="en-US"/>
-              <a:t>Making Change</a:t>
+              <a:t>OK… But What’s It Really All About?</a:t>
             </a:r>
           </a:p>
         </p:txBody>
@@ -8393,7 +8454,7 @@
       </p:sp>
       <p:sp>
         <p:nvSpPr>
-          <p:cNvPr id="32771" name="Rectangle 3"/>
+          <p:cNvPr id="30723" name="Rectangle 3"/>
           <p:cNvSpPr>
             <a:spLocks noGrp="1" noChangeArrowheads="1"/>
           </p:cNvSpPr>
@@ -8406,76 +8467,74 @@
         </p:nvSpPr>
         <p:spPr/>
         <p:txBody>
-          <a:bodyPr>
-            <a:normAutofit lnSpcReduction="10000"/>
-          </a:bodyPr>
+          <a:bodyPr/>
           <a:lstStyle/>
           <a:p>
             <a:r>
               <a:rPr lang="en-US"/>
-              <a:t>The problem: </a:t>
+              <a:t>Let’s illustrate some ideas you’ll see throughout the course</a:t>
             </a:r>
           </a:p>
           <a:p>
             <a:pPr lvl="1"/>
             <a:r>
               <a:rPr lang="en-US"/>
-              <a:t>Give back the right amount of change, and…</a:t>
+              <a:t>Using one example</a:t>
+            </a:r>
+          </a:p>
+          <a:p>
+            <a:r>
+              <a:rPr lang="en-US"/>
+              <a:t>Concepts:</a:t>
             </a:r>
           </a:p>
           <a:p>
             <a:pPr lvl="1"/>
             <a:r>
               <a:rPr lang="en-US"/>
-              <a:t>Return the fewest number of coins!</a:t>
-            </a:r>
-          </a:p>
-          <a:p>
+              <a:t>Describing an algorithm</a:t>
+            </a:r>
+          </a:p>
+          <a:p>
+            <a:pPr lvl="1"/>
             <a:r>
               <a:rPr lang="en-US"/>
-              <a:t>Inputs: the dollar-amount to return</a:t>
+              <a:t>Measuring algorithm efficiency</a:t>
             </a:r>
           </a:p>
           <a:p>
             <a:pPr lvl="1"/>
             <a:r>
               <a:rPr lang="en-US"/>
-              <a:t>Also, the set of possible coins. (Do we have half-dollars?  That affects the answer we give.)</a:t>
-            </a:r>
-          </a:p>
-          <a:p>
+              <a:t>Families or types of problems</a:t>
+            </a:r>
+          </a:p>
+          <a:p>
+            <a:pPr lvl="1"/>
             <a:r>
               <a:rPr lang="en-US"/>
-              <a:t>Output: a set of coins</a:t>
-            </a:r>
-          </a:p>
-          <a:p>
-            <a:endParaRPr lang="en-US"/>
-          </a:p>
-          <a:p>
+              <a:t>Algorithm design strategies</a:t>
+            </a:r>
+          </a:p>
+          <a:p>
+            <a:pPr lvl="2"/>
             <a:r>
               <a:rPr lang="en-US"/>
-              <a:t>Note this problem statement is simply a transformation</a:t>
+              <a:t>Alternative strategies</a:t>
             </a:r>
           </a:p>
           <a:p>
             <a:pPr lvl="1"/>
             <a:r>
               <a:rPr lang="en-US"/>
-              <a:t>Given input, generate output with certain properties</a:t>
+              <a:t>Lower bounds and optimal algorithms</a:t>
             </a:r>
           </a:p>
           <a:p>
             <a:pPr lvl="1"/>
             <a:r>
               <a:rPr lang="en-US"/>
-              <a:t>No statement about how to do it.</a:t>
-            </a:r>
-          </a:p>
-          <a:p>
-            <a:r>
-              <a:rPr lang="en-US"/>
-              <a:t>Can you describe the algorithm you use?</a:t>
+              <a:t>Problems that seem very hard</a:t>
             </a:r>
           </a:p>
         </p:txBody>
@@ -8703,7 +8762,7 @@
       </p:grpSpPr>
       <p:sp>
         <p:nvSpPr>
-          <p:cNvPr id="33794" name="Rectangle 2"/>
+          <p:cNvPr id="31746" name="Rectangle 2"/>
           <p:cNvSpPr>
             <a:spLocks noGrp="1" noChangeArrowheads="1"/>
           </p:cNvSpPr>
@@ -8716,12 +8775,14 @@
         </p:nvSpPr>
         <p:spPr/>
         <p:txBody>
-          <a:bodyPr/>
+          <a:bodyPr>
+            <a:normAutofit fontScale="90000"/>
+          </a:bodyPr>
           <a:lstStyle/>
           <a:p>
             <a:r>
               <a:rPr lang="en-US"/>
-              <a:t>A Change Algorithm</a:t>
+              <a:t>Everyone Already Knows Many Algorithms! </a:t>
             </a:r>
           </a:p>
         </p:txBody>
@@ -8752,7 +8813,7 @@
       </p:sp>
       <p:sp>
         <p:nvSpPr>
-          <p:cNvPr id="318467" name="Rectangle 3"/>
+          <p:cNvPr id="316419" name="Rectangle 3"/>
           <p:cNvSpPr>
             <a:spLocks noGrp="1" noChangeArrowheads="1"/>
           </p:cNvSpPr>
@@ -8768,63 +8829,36 @@
           <a:bodyPr/>
           <a:lstStyle/>
           <a:p>
-            <a:pPr marL="514350" indent="-514350">
-              <a:buFont typeface="+mj-lt"/>
-              <a:buAutoNum type="arabicPeriod"/>
-            </a:pPr>
-            <a:r>
-              <a:rPr lang="en-US" dirty="0"/>
-              <a:t>Consider the largest coin</a:t>
-            </a:r>
-          </a:p>
-          <a:p>
-            <a:pPr marL="514350" indent="-514350">
-              <a:buFont typeface="+mj-lt"/>
-              <a:buAutoNum type="arabicPeriod"/>
-            </a:pPr>
-            <a:r>
-              <a:rPr lang="en-US" dirty="0"/>
-              <a:t>How many go into the amount left?</a:t>
-            </a:r>
-          </a:p>
-          <a:p>
-            <a:pPr marL="514350" indent="-514350">
-              <a:buFont typeface="+mj-lt"/>
-              <a:buAutoNum type="arabicPeriod"/>
-            </a:pPr>
-            <a:r>
-              <a:rPr lang="en-US" dirty="0"/>
-              <a:t>Add that many of that coin to the output</a:t>
-            </a:r>
-          </a:p>
-          <a:p>
-            <a:pPr marL="514350" indent="-514350">
-              <a:buFont typeface="+mj-lt"/>
-              <a:buAutoNum type="arabicPeriod"/>
-            </a:pPr>
-            <a:r>
-              <a:rPr lang="en-US" dirty="0"/>
-              <a:t>Subtract the amount for those coins from the amount left to return</a:t>
-            </a:r>
-          </a:p>
-          <a:p>
-            <a:pPr marL="514350" indent="-514350">
-              <a:buFont typeface="+mj-lt"/>
-              <a:buAutoNum type="arabicPeriod"/>
-            </a:pPr>
-            <a:r>
-              <a:rPr lang="en-US" dirty="0"/>
-              <a:t>If the amount left is zero, done!</a:t>
-            </a:r>
-          </a:p>
-          <a:p>
-            <a:pPr marL="514350" indent="-514350">
-              <a:buFont typeface="+mj-lt"/>
-              <a:buAutoNum type="arabicPeriod"/>
-            </a:pPr>
-            <a:r>
-              <a:rPr lang="en-US" dirty="0"/>
-              <a:t>If not, consider next largest coin, and go back to Step 2</a:t>
+            <a:r>
+              <a:rPr lang="en-US"/>
+              <a:t>Worked retail? You know how to make change!</a:t>
+            </a:r>
+          </a:p>
+          <a:p>
+            <a:r>
+              <a:rPr lang="en-US"/>
+              <a:t>Example:</a:t>
+            </a:r>
+          </a:p>
+          <a:p>
+            <a:pPr lvl="1"/>
+            <a:r>
+              <a:rPr lang="en-US"/>
+              <a:t>My item costs $4.37.  I give you a five dollar bill.  What do you give me in change?</a:t>
+            </a:r>
+          </a:p>
+          <a:p>
+            <a:pPr lvl="1"/>
+            <a:r>
+              <a:rPr lang="en-US"/>
+              <a:t>Answer: two quarters, a dime, three pennies</a:t>
+            </a:r>
+          </a:p>
+          <a:p>
+            <a:pPr lvl="1"/>
+            <a:r>
+              <a:rPr lang="en-US"/>
+              <a:t>Why? How do we figure that out?</a:t>
             </a:r>
           </a:p>
         </p:txBody>
@@ -8856,12 +8890,15 @@
       </p:grpSpPr>
       <p:sp>
         <p:nvSpPr>
-          <p:cNvPr id="34818" name="Rectangle 2"/>
+          <p:cNvPr id="32770" name="Rectangle 2"/>
           <p:cNvSpPr>
             <a:spLocks noGrp="1" noChangeArrowheads="1"/>
           </p:cNvSpPr>
           <p:nvPr>
             <p:ph type="title"/>
+            <p:custDataLst>
+              <p:tags r:id="rId1"/>
+            </p:custDataLst>
           </p:nvPr>
         </p:nvSpPr>
         <p:spPr/>
@@ -8871,7 +8908,7 @@
           <a:p>
             <a:r>
               <a:rPr lang="en-US"/>
-              <a:t>Is this a “good” algorithm?</a:t>
+              <a:t>Making Change</a:t>
             </a:r>
           </a:p>
         </p:txBody>
@@ -8895,6 +8932,319 @@
               <a:rPr lang="en-US" smtClean="0"/>
               <a:pPr/>
               <a:t>31</a:t>
+            </a:fld>
+            <a:endParaRPr lang="en-US"/>
+          </a:p>
+        </p:txBody>
+      </p:sp>
+      <p:sp>
+        <p:nvSpPr>
+          <p:cNvPr id="32771" name="Rectangle 3"/>
+          <p:cNvSpPr>
+            <a:spLocks noGrp="1" noChangeArrowheads="1"/>
+          </p:cNvSpPr>
+          <p:nvPr>
+            <p:ph sz="quarter" idx="1"/>
+            <p:custDataLst>
+              <p:tags r:id="rId2"/>
+            </p:custDataLst>
+          </p:nvPr>
+        </p:nvSpPr>
+        <p:spPr/>
+        <p:txBody>
+          <a:bodyPr>
+            <a:normAutofit lnSpcReduction="10000"/>
+          </a:bodyPr>
+          <a:lstStyle/>
+          <a:p>
+            <a:r>
+              <a:rPr lang="en-US"/>
+              <a:t>The problem: </a:t>
+            </a:r>
+          </a:p>
+          <a:p>
+            <a:pPr lvl="1"/>
+            <a:r>
+              <a:rPr lang="en-US"/>
+              <a:t>Give back the right amount of change, and…</a:t>
+            </a:r>
+          </a:p>
+          <a:p>
+            <a:pPr lvl="1"/>
+            <a:r>
+              <a:rPr lang="en-US"/>
+              <a:t>Return the fewest number of coins!</a:t>
+            </a:r>
+          </a:p>
+          <a:p>
+            <a:r>
+              <a:rPr lang="en-US"/>
+              <a:t>Inputs: the dollar-amount to return</a:t>
+            </a:r>
+          </a:p>
+          <a:p>
+            <a:pPr lvl="1"/>
+            <a:r>
+              <a:rPr lang="en-US"/>
+              <a:t>Also, the set of possible coins. (Do we have half-dollars?  That affects the answer we give.)</a:t>
+            </a:r>
+          </a:p>
+          <a:p>
+            <a:r>
+              <a:rPr lang="en-US"/>
+              <a:t>Output: a set of coins</a:t>
+            </a:r>
+          </a:p>
+          <a:p>
+            <a:endParaRPr lang="en-US"/>
+          </a:p>
+          <a:p>
+            <a:r>
+              <a:rPr lang="en-US"/>
+              <a:t>Note this problem statement is simply a transformation</a:t>
+            </a:r>
+          </a:p>
+          <a:p>
+            <a:pPr lvl="1"/>
+            <a:r>
+              <a:rPr lang="en-US"/>
+              <a:t>Given input, generate output with certain properties</a:t>
+            </a:r>
+          </a:p>
+          <a:p>
+            <a:pPr lvl="1"/>
+            <a:r>
+              <a:rPr lang="en-US"/>
+              <a:t>No statement about how to do it.</a:t>
+            </a:r>
+          </a:p>
+          <a:p>
+            <a:r>
+              <a:rPr lang="en-US"/>
+              <a:t>Can you describe the algorithm you use?</a:t>
+            </a:r>
+          </a:p>
+        </p:txBody>
+      </p:sp>
+    </p:spTree>
+  </p:cSld>
+  <p:clrMapOvr>
+    <a:masterClrMapping/>
+  </p:clrMapOvr>
+</p:sld>
+</file>
+
+<file path=ppt/slides/slide32.xml><?xml version="1.0" encoding="utf-8"?>
+<p:sld xmlns:a="http://schemas.openxmlformats.org/drawingml/2006/main" xmlns:r="http://schemas.openxmlformats.org/officeDocument/2006/relationships" xmlns:p="http://schemas.openxmlformats.org/presentationml/2006/main" showMasterPhAnim="0">
+  <p:cSld>
+    <p:spTree>
+      <p:nvGrpSpPr>
+        <p:cNvPr id="1" name=""/>
+        <p:cNvGrpSpPr/>
+        <p:nvPr/>
+      </p:nvGrpSpPr>
+      <p:grpSpPr>
+        <a:xfrm>
+          <a:off x="0" y="0"/>
+          <a:ext cx="0" cy="0"/>
+          <a:chOff x="0" y="0"/>
+          <a:chExt cx="0" cy="0"/>
+        </a:xfrm>
+      </p:grpSpPr>
+      <p:sp>
+        <p:nvSpPr>
+          <p:cNvPr id="33794" name="Rectangle 2"/>
+          <p:cNvSpPr>
+            <a:spLocks noGrp="1" noChangeArrowheads="1"/>
+          </p:cNvSpPr>
+          <p:nvPr>
+            <p:ph type="title"/>
+            <p:custDataLst>
+              <p:tags r:id="rId1"/>
+            </p:custDataLst>
+          </p:nvPr>
+        </p:nvSpPr>
+        <p:spPr/>
+        <p:txBody>
+          <a:bodyPr/>
+          <a:lstStyle/>
+          <a:p>
+            <a:r>
+              <a:rPr lang="en-US"/>
+              <a:t>A Change Algorithm</a:t>
+            </a:r>
+          </a:p>
+        </p:txBody>
+      </p:sp>
+      <p:sp>
+        <p:nvSpPr>
+          <p:cNvPr id="4" name="Slide Number Placeholder 3"/>
+          <p:cNvSpPr>
+            <a:spLocks noGrp="1"/>
+          </p:cNvSpPr>
+          <p:nvPr>
+            <p:ph type="sldNum" sz="quarter" idx="12"/>
+          </p:nvPr>
+        </p:nvSpPr>
+        <p:spPr/>
+        <p:txBody>
+          <a:bodyPr/>
+          <a:lstStyle/>
+          <a:p>
+            <a:fld id="{F26D9103-0C5C-48AC-B68E-3ED2C1647047}" type="slidenum">
+              <a:rPr lang="en-US" smtClean="0"/>
+              <a:pPr/>
+              <a:t>32</a:t>
+            </a:fld>
+            <a:endParaRPr lang="en-US"/>
+          </a:p>
+        </p:txBody>
+      </p:sp>
+      <p:sp>
+        <p:nvSpPr>
+          <p:cNvPr id="318467" name="Rectangle 3"/>
+          <p:cNvSpPr>
+            <a:spLocks noGrp="1" noChangeArrowheads="1"/>
+          </p:cNvSpPr>
+          <p:nvPr>
+            <p:ph sz="quarter" idx="1"/>
+            <p:custDataLst>
+              <p:tags r:id="rId2"/>
+            </p:custDataLst>
+          </p:nvPr>
+        </p:nvSpPr>
+        <p:spPr/>
+        <p:txBody>
+          <a:bodyPr/>
+          <a:lstStyle/>
+          <a:p>
+            <a:pPr marL="514350" indent="-514350">
+              <a:buFont typeface="+mj-lt"/>
+              <a:buAutoNum type="arabicPeriod"/>
+            </a:pPr>
+            <a:r>
+              <a:rPr lang="en-US" dirty="0"/>
+              <a:t>Consider the largest coin</a:t>
+            </a:r>
+          </a:p>
+          <a:p>
+            <a:pPr marL="514350" indent="-514350">
+              <a:buFont typeface="+mj-lt"/>
+              <a:buAutoNum type="arabicPeriod"/>
+            </a:pPr>
+            <a:r>
+              <a:rPr lang="en-US" dirty="0"/>
+              <a:t>How many go into the amount left?</a:t>
+            </a:r>
+          </a:p>
+          <a:p>
+            <a:pPr marL="514350" indent="-514350">
+              <a:buFont typeface="+mj-lt"/>
+              <a:buAutoNum type="arabicPeriod"/>
+            </a:pPr>
+            <a:r>
+              <a:rPr lang="en-US" dirty="0"/>
+              <a:t>Add that many of that coin to the output</a:t>
+            </a:r>
+          </a:p>
+          <a:p>
+            <a:pPr marL="514350" indent="-514350">
+              <a:buFont typeface="+mj-lt"/>
+              <a:buAutoNum type="arabicPeriod"/>
+            </a:pPr>
+            <a:r>
+              <a:rPr lang="en-US" dirty="0"/>
+              <a:t>Subtract the amount for those coins from the amount left to return</a:t>
+            </a:r>
+          </a:p>
+          <a:p>
+            <a:pPr marL="514350" indent="-514350">
+              <a:buFont typeface="+mj-lt"/>
+              <a:buAutoNum type="arabicPeriod"/>
+            </a:pPr>
+            <a:r>
+              <a:rPr lang="en-US" dirty="0"/>
+              <a:t>If the amount left is zero, done!</a:t>
+            </a:r>
+          </a:p>
+          <a:p>
+            <a:pPr marL="514350" indent="-514350">
+              <a:buFont typeface="+mj-lt"/>
+              <a:buAutoNum type="arabicPeriod"/>
+            </a:pPr>
+            <a:r>
+              <a:rPr lang="en-US" dirty="0"/>
+              <a:t>If not, consider next largest coin, and go back to Step 2</a:t>
+            </a:r>
+          </a:p>
+        </p:txBody>
+      </p:sp>
+    </p:spTree>
+  </p:cSld>
+  <p:clrMapOvr>
+    <a:masterClrMapping/>
+  </p:clrMapOvr>
+</p:sld>
+</file>
+
+<file path=ppt/slides/slide33.xml><?xml version="1.0" encoding="utf-8"?>
+<p:sld xmlns:a="http://schemas.openxmlformats.org/drawingml/2006/main" xmlns:r="http://schemas.openxmlformats.org/officeDocument/2006/relationships" xmlns:p="http://schemas.openxmlformats.org/presentationml/2006/main">
+  <p:cSld>
+    <p:spTree>
+      <p:nvGrpSpPr>
+        <p:cNvPr id="1" name=""/>
+        <p:cNvGrpSpPr/>
+        <p:nvPr/>
+      </p:nvGrpSpPr>
+      <p:grpSpPr>
+        <a:xfrm>
+          <a:off x="0" y="0"/>
+          <a:ext cx="0" cy="0"/>
+          <a:chOff x="0" y="0"/>
+          <a:chExt cx="0" cy="0"/>
+        </a:xfrm>
+      </p:grpSpPr>
+      <p:sp>
+        <p:nvSpPr>
+          <p:cNvPr id="34818" name="Rectangle 2"/>
+          <p:cNvSpPr>
+            <a:spLocks noGrp="1" noChangeArrowheads="1"/>
+          </p:cNvSpPr>
+          <p:nvPr>
+            <p:ph type="title"/>
+          </p:nvPr>
+        </p:nvSpPr>
+        <p:spPr/>
+        <p:txBody>
+          <a:bodyPr/>
+          <a:lstStyle/>
+          <a:p>
+            <a:r>
+              <a:rPr lang="en-US"/>
+              <a:t>Is this a “good” algorithm?</a:t>
+            </a:r>
+          </a:p>
+        </p:txBody>
+      </p:sp>
+      <p:sp>
+        <p:nvSpPr>
+          <p:cNvPr id="4" name="Slide Number Placeholder 3"/>
+          <p:cNvSpPr>
+            <a:spLocks noGrp="1"/>
+          </p:cNvSpPr>
+          <p:nvPr>
+            <p:ph type="sldNum" sz="quarter" idx="12"/>
+          </p:nvPr>
+        </p:nvSpPr>
+        <p:spPr/>
+        <p:txBody>
+          <a:bodyPr/>
+          <a:lstStyle/>
+          <a:p>
+            <a:fld id="{F26D9103-0C5C-48AC-B68E-3ED2C1647047}" type="slidenum">
+              <a:rPr lang="en-US" smtClean="0"/>
+              <a:pPr/>
+              <a:t>33</a:t>
             </a:fld>
             <a:endParaRPr lang="en-US"/>
           </a:p>
@@ -9166,7 +9516,7 @@
 </p:sld>
 </file>
 
-<file path=ppt/slides/slide32.xml><?xml version="1.0" encoding="utf-8"?>
+<file path=ppt/slides/slide34.xml><?xml version="1.0" encoding="utf-8"?>
 <p:sld xmlns:a="http://schemas.openxmlformats.org/drawingml/2006/main" xmlns:r="http://schemas.openxmlformats.org/officeDocument/2006/relationships" xmlns:p="http://schemas.openxmlformats.org/presentationml/2006/main">
   <p:cSld>
     <p:spTree>
@@ -9223,7 +9573,7 @@
             <a:fld id="{F26D9103-0C5C-48AC-B68E-3ED2C1647047}" type="slidenum">
               <a:rPr lang="en-US" smtClean="0"/>
               <a:pPr/>
-              <a:t>32</a:t>
+              <a:t>34</a:t>
             </a:fld>
             <a:endParaRPr lang="en-US"/>
           </a:p>
@@ -9473,7 +9823,7 @@
 </p:sld>
 </file>
 
-<file path=ppt/slides/slide33.xml><?xml version="1.0" encoding="utf-8"?>
+<file path=ppt/slides/slide35.xml><?xml version="1.0" encoding="utf-8"?>
 <p:sld xmlns:a="http://schemas.openxmlformats.org/drawingml/2006/main" xmlns:r="http://schemas.openxmlformats.org/officeDocument/2006/relationships" xmlns:p="http://schemas.openxmlformats.org/presentationml/2006/main">
   <p:cSld>
     <p:spTree>
@@ -9533,7 +9883,7 @@
             <a:fld id="{F26D9103-0C5C-48AC-B68E-3ED2C1647047}" type="slidenum">
               <a:rPr lang="en-US" smtClean="0"/>
               <a:pPr/>
-              <a:t>33</a:t>
+              <a:t>35</a:t>
             </a:fld>
             <a:endParaRPr lang="en-US"/>
           </a:p>
@@ -9632,7 +9982,7 @@
 </p:sld>
 </file>
 
-<file path=ppt/slides/slide34.xml><?xml version="1.0" encoding="utf-8"?>
+<file path=ppt/slides/slide36.xml><?xml version="1.0" encoding="utf-8"?>
 <p:sld xmlns:a="http://schemas.openxmlformats.org/drawingml/2006/main" xmlns:r="http://schemas.openxmlformats.org/officeDocument/2006/relationships" xmlns:p="http://schemas.openxmlformats.org/presentationml/2006/main">
   <p:cSld>
     <p:spTree>
@@ -9692,7 +10042,7 @@
             <a:fld id="{F26D9103-0C5C-48AC-B68E-3ED2C1647047}" type="slidenum">
               <a:rPr lang="en-US" smtClean="0"/>
               <a:pPr/>
-              <a:t>34</a:t>
+              <a:t>36</a:t>
             </a:fld>
             <a:endParaRPr lang="en-US"/>
           </a:p>
@@ -10224,337 +10574,6 @@
 </p:sld>
 </file>
 
-<file path=ppt/slides/slide35.xml><?xml version="1.0" encoding="utf-8"?>
-<p:sld xmlns:a="http://schemas.openxmlformats.org/drawingml/2006/main" xmlns:r="http://schemas.openxmlformats.org/officeDocument/2006/relationships" xmlns:p="http://schemas.openxmlformats.org/presentationml/2006/main">
-  <p:cSld>
-    <p:spTree>
-      <p:nvGrpSpPr>
-        <p:cNvPr id="1" name=""/>
-        <p:cNvGrpSpPr/>
-        <p:nvPr/>
-      </p:nvGrpSpPr>
-      <p:grpSpPr>
-        <a:xfrm>
-          <a:off x="0" y="0"/>
-          <a:ext cx="0" cy="0"/>
-          <a:chOff x="0" y="0"/>
-          <a:chExt cx="0" cy="0"/>
-        </a:xfrm>
-      </p:grpSpPr>
-      <p:sp>
-        <p:nvSpPr>
-          <p:cNvPr id="38914" name="Title 1"/>
-          <p:cNvSpPr>
-            <a:spLocks noGrp="1"/>
-          </p:cNvSpPr>
-          <p:nvPr>
-            <p:ph type="title"/>
-          </p:nvPr>
-        </p:nvSpPr>
-        <p:spPr/>
-        <p:txBody>
-          <a:bodyPr/>
-          <a:lstStyle/>
-          <a:p>
-            <a:r>
-              <a:rPr lang="en-US"/>
-              <a:t>Formal algorithmic description</a:t>
-            </a:r>
-          </a:p>
-        </p:txBody>
-      </p:sp>
-      <p:sp>
-        <p:nvSpPr>
-          <p:cNvPr id="4" name="Slide Number Placeholder 3"/>
-          <p:cNvSpPr>
-            <a:spLocks noGrp="1"/>
-          </p:cNvSpPr>
-          <p:nvPr>
-            <p:ph type="sldNum" sz="quarter" idx="12"/>
-          </p:nvPr>
-        </p:nvSpPr>
-        <p:spPr/>
-        <p:txBody>
-          <a:bodyPr/>
-          <a:lstStyle/>
-          <a:p>
-            <a:fld id="{F26D9103-0C5C-48AC-B68E-3ED2C1647047}" type="slidenum">
-              <a:rPr lang="en-US" smtClean="0"/>
-              <a:pPr/>
-              <a:t>35</a:t>
-            </a:fld>
-            <a:endParaRPr lang="en-US"/>
-          </a:p>
-        </p:txBody>
-      </p:sp>
-      <p:sp>
-        <p:nvSpPr>
-          <p:cNvPr id="38915" name="Content Placeholder 2"/>
-          <p:cNvSpPr>
-            <a:spLocks noGrp="1"/>
-          </p:cNvSpPr>
-          <p:nvPr>
-            <p:ph sz="quarter" idx="1"/>
-          </p:nvPr>
-        </p:nvSpPr>
-        <p:spPr/>
-        <p:txBody>
-          <a:bodyPr/>
-          <a:lstStyle/>
-          <a:p>
-            <a:r>
-              <a:rPr lang="en-US" i="1" dirty="0"/>
-              <a:t>All</a:t>
-            </a:r>
-            <a:r>
-              <a:rPr lang="en-US" dirty="0"/>
-              <a:t> algorithms in this course must have the following components:</a:t>
-            </a:r>
-          </a:p>
-          <a:p>
-            <a:pPr lvl="1"/>
-            <a:r>
-              <a:rPr lang="en-US" dirty="0"/>
-              <a:t>Problem description (1 line max)</a:t>
-            </a:r>
-          </a:p>
-          <a:p>
-            <a:pPr lvl="1"/>
-            <a:r>
-              <a:rPr lang="en-US" dirty="0"/>
-              <a:t>Inputs</a:t>
-            </a:r>
-          </a:p>
-          <a:p>
-            <a:pPr lvl="1"/>
-            <a:r>
-              <a:rPr lang="en-US" dirty="0"/>
-              <a:t>Outputs</a:t>
-            </a:r>
-          </a:p>
-          <a:p>
-            <a:pPr lvl="1"/>
-            <a:r>
-              <a:rPr lang="en-US" dirty="0"/>
-              <a:t>Assumptions</a:t>
-            </a:r>
-          </a:p>
-          <a:p>
-            <a:pPr lvl="1"/>
-            <a:r>
-              <a:rPr lang="en-US" dirty="0"/>
-              <a:t>Strategy overview</a:t>
-            </a:r>
-          </a:p>
-          <a:p>
-            <a:pPr lvl="2"/>
-            <a:r>
-              <a:rPr lang="en-US" dirty="0"/>
-              <a:t>1 or 2 sentences outlining the basic strategy, including the name of the method you are going to use for the algorithm</a:t>
-            </a:r>
-          </a:p>
-          <a:p>
-            <a:pPr lvl="1"/>
-            <a:r>
-              <a:rPr lang="en-US" dirty="0"/>
-              <a:t>Algorithm description</a:t>
-            </a:r>
-          </a:p>
-          <a:p>
-            <a:pPr lvl="2"/>
-            <a:r>
-              <a:rPr lang="en-US" dirty="0"/>
-              <a:t>If listed in English (as opposed to pseudo-code), then it should be listed in steps</a:t>
-            </a:r>
-          </a:p>
-        </p:txBody>
-      </p:sp>
-    </p:spTree>
-  </p:cSld>
-  <p:clrMapOvr>
-    <a:masterClrMapping/>
-  </p:clrMapOvr>
-</p:sld>
-</file>
-
-<file path=ppt/slides/slide36.xml><?xml version="1.0" encoding="utf-8"?>
-<p:sld xmlns:a="http://schemas.openxmlformats.org/drawingml/2006/main" xmlns:r="http://schemas.openxmlformats.org/officeDocument/2006/relationships" xmlns:p="http://schemas.openxmlformats.org/presentationml/2006/main">
-  <p:cSld>
-    <p:spTree>
-      <p:nvGrpSpPr>
-        <p:cNvPr id="1" name=""/>
-        <p:cNvGrpSpPr/>
-        <p:nvPr/>
-      </p:nvGrpSpPr>
-      <p:grpSpPr>
-        <a:xfrm>
-          <a:off x="0" y="0"/>
-          <a:ext cx="0" cy="0"/>
-          <a:chOff x="0" y="0"/>
-          <a:chExt cx="0" cy="0"/>
-        </a:xfrm>
-      </p:grpSpPr>
-      <p:sp>
-        <p:nvSpPr>
-          <p:cNvPr id="39938" name="Title 1"/>
-          <p:cNvSpPr>
-            <a:spLocks noGrp="1"/>
-          </p:cNvSpPr>
-          <p:nvPr>
-            <p:ph type="title"/>
-          </p:nvPr>
-        </p:nvSpPr>
-        <p:spPr/>
-        <p:txBody>
-          <a:bodyPr/>
-          <a:lstStyle/>
-          <a:p>
-            <a:r>
-              <a:rPr lang="en-US"/>
-              <a:t>Change solution (greedy)</a:t>
-            </a:r>
-          </a:p>
-        </p:txBody>
-      </p:sp>
-      <p:sp>
-        <p:nvSpPr>
-          <p:cNvPr id="39939" name="Content Placeholder 2"/>
-          <p:cNvSpPr>
-            <a:spLocks noGrp="1"/>
-          </p:cNvSpPr>
-          <p:nvPr>
-            <p:ph sz="quarter" idx="1"/>
-          </p:nvPr>
-        </p:nvSpPr>
-        <p:spPr/>
-        <p:txBody>
-          <a:bodyPr/>
-          <a:lstStyle/>
-          <a:p>
-            <a:pPr>
-              <a:lnSpc>
-                <a:spcPct val="90000"/>
-              </a:lnSpc>
-            </a:pPr>
-            <a:r>
-              <a:rPr lang="en-US" sz="2400" b="1"/>
-              <a:t>Problem description:</a:t>
-            </a:r>
-            <a:r>
-              <a:rPr lang="en-US" sz="2400"/>
-              <a:t> providing coin change of a given amount in the fewest number of coins</a:t>
-            </a:r>
-          </a:p>
-          <a:p>
-            <a:pPr>
-              <a:lnSpc>
-                <a:spcPct val="90000"/>
-              </a:lnSpc>
-            </a:pPr>
-            <a:r>
-              <a:rPr lang="en-US" sz="2400" b="1"/>
-              <a:t>Inputs:</a:t>
-            </a:r>
-            <a:r>
-              <a:rPr lang="en-US" sz="2400"/>
-              <a:t> the dollar-amount to return.  Perhaps the possible set of coins, if it is non-obvious.</a:t>
-            </a:r>
-          </a:p>
-          <a:p>
-            <a:pPr>
-              <a:lnSpc>
-                <a:spcPct val="90000"/>
-              </a:lnSpc>
-            </a:pPr>
-            <a:r>
-              <a:rPr lang="en-US" sz="2400" b="1"/>
-              <a:t>Output:</a:t>
-            </a:r>
-            <a:r>
-              <a:rPr lang="en-US" sz="2400"/>
-              <a:t> a set of coins that obtains the desired amount of change in the fewest number of coins</a:t>
-            </a:r>
-          </a:p>
-          <a:p>
-            <a:pPr>
-              <a:lnSpc>
-                <a:spcPct val="90000"/>
-              </a:lnSpc>
-            </a:pPr>
-            <a:r>
-              <a:rPr lang="en-US" sz="2400" b="1"/>
-              <a:t>Assumptions:</a:t>
-            </a:r>
-            <a:r>
-              <a:rPr lang="en-US" sz="2400"/>
-              <a:t> If the coins are not stated, then they are the standard quarter, dime, nickel, and penny.  All inputs are non-negative, and dollar amounts are ignored.</a:t>
-            </a:r>
-          </a:p>
-          <a:p>
-            <a:pPr>
-              <a:lnSpc>
-                <a:spcPct val="90000"/>
-              </a:lnSpc>
-            </a:pPr>
-            <a:r>
-              <a:rPr lang="en-US" sz="2400" b="1"/>
-              <a:t>Strategy:</a:t>
-            </a:r>
-            <a:r>
-              <a:rPr lang="en-US" sz="2400"/>
-              <a:t> a greedy algorithm that uses the largest coins first</a:t>
-            </a:r>
-          </a:p>
-          <a:p>
-            <a:pPr>
-              <a:lnSpc>
-                <a:spcPct val="90000"/>
-              </a:lnSpc>
-            </a:pPr>
-            <a:r>
-              <a:rPr lang="en-US" sz="2400" b="1"/>
-              <a:t>Description:</a:t>
-            </a:r>
-            <a:r>
-              <a:rPr lang="en-US" sz="2400"/>
-              <a:t> Issue the largest coin (quarters) until the amount left is less than the amount of a quarter ($0.25).  Repeat with decreasing coin sizes (dimes, nickels, pennies).</a:t>
-            </a:r>
-            <a:endParaRPr lang="en-US"/>
-          </a:p>
-        </p:txBody>
-      </p:sp>
-      <p:sp>
-        <p:nvSpPr>
-          <p:cNvPr id="4" name="Slide Number Placeholder 3"/>
-          <p:cNvSpPr>
-            <a:spLocks noGrp="1"/>
-          </p:cNvSpPr>
-          <p:nvPr>
-            <p:ph type="sldNum" sz="quarter" idx="12"/>
-          </p:nvPr>
-        </p:nvSpPr>
-        <p:spPr/>
-        <p:txBody>
-          <a:bodyPr/>
-          <a:lstStyle/>
-          <a:p>
-            <a:fld id="{F26D9103-0C5C-48AC-B68E-3ED2C1647047}" type="slidenum">
-              <a:rPr lang="en-US" smtClean="0"/>
-              <a:pPr/>
-              <a:t>36</a:t>
-            </a:fld>
-            <a:endParaRPr lang="en-US"/>
-          </a:p>
-        </p:txBody>
-      </p:sp>
-    </p:spTree>
-  </p:cSld>
-  <p:clrMapOvr>
-    <a:masterClrMapping/>
-  </p:clrMapOvr>
-</p:sld>
-</file>
-
 <file path=ppt/slides/slide37.xml><?xml version="1.0" encoding="utf-8"?>
 <p:sld xmlns:a="http://schemas.openxmlformats.org/drawingml/2006/main" xmlns:r="http://schemas.openxmlformats.org/officeDocument/2006/relationships" xmlns:p="http://schemas.openxmlformats.org/presentationml/2006/main">
   <p:cSld>
@@ -10574,6 +10593,337 @@
       </p:grpSpPr>
       <p:sp>
         <p:nvSpPr>
+          <p:cNvPr id="38914" name="Title 1"/>
+          <p:cNvSpPr>
+            <a:spLocks noGrp="1"/>
+          </p:cNvSpPr>
+          <p:nvPr>
+            <p:ph type="title"/>
+          </p:nvPr>
+        </p:nvSpPr>
+        <p:spPr/>
+        <p:txBody>
+          <a:bodyPr/>
+          <a:lstStyle/>
+          <a:p>
+            <a:r>
+              <a:rPr lang="en-US"/>
+              <a:t>Formal algorithmic description</a:t>
+            </a:r>
+          </a:p>
+        </p:txBody>
+      </p:sp>
+      <p:sp>
+        <p:nvSpPr>
+          <p:cNvPr id="4" name="Slide Number Placeholder 3"/>
+          <p:cNvSpPr>
+            <a:spLocks noGrp="1"/>
+          </p:cNvSpPr>
+          <p:nvPr>
+            <p:ph type="sldNum" sz="quarter" idx="12"/>
+          </p:nvPr>
+        </p:nvSpPr>
+        <p:spPr/>
+        <p:txBody>
+          <a:bodyPr/>
+          <a:lstStyle/>
+          <a:p>
+            <a:fld id="{F26D9103-0C5C-48AC-B68E-3ED2C1647047}" type="slidenum">
+              <a:rPr lang="en-US" smtClean="0"/>
+              <a:pPr/>
+              <a:t>37</a:t>
+            </a:fld>
+            <a:endParaRPr lang="en-US"/>
+          </a:p>
+        </p:txBody>
+      </p:sp>
+      <p:sp>
+        <p:nvSpPr>
+          <p:cNvPr id="38915" name="Content Placeholder 2"/>
+          <p:cNvSpPr>
+            <a:spLocks noGrp="1"/>
+          </p:cNvSpPr>
+          <p:nvPr>
+            <p:ph sz="quarter" idx="1"/>
+          </p:nvPr>
+        </p:nvSpPr>
+        <p:spPr/>
+        <p:txBody>
+          <a:bodyPr/>
+          <a:lstStyle/>
+          <a:p>
+            <a:r>
+              <a:rPr lang="en-US" i="1" dirty="0"/>
+              <a:t>All</a:t>
+            </a:r>
+            <a:r>
+              <a:rPr lang="en-US" dirty="0"/>
+              <a:t> algorithms in this course must have the following components:</a:t>
+            </a:r>
+          </a:p>
+          <a:p>
+            <a:pPr lvl="1"/>
+            <a:r>
+              <a:rPr lang="en-US" dirty="0"/>
+              <a:t>Problem description (1 line max)</a:t>
+            </a:r>
+          </a:p>
+          <a:p>
+            <a:pPr lvl="1"/>
+            <a:r>
+              <a:rPr lang="en-US" dirty="0"/>
+              <a:t>Inputs</a:t>
+            </a:r>
+          </a:p>
+          <a:p>
+            <a:pPr lvl="1"/>
+            <a:r>
+              <a:rPr lang="en-US" dirty="0"/>
+              <a:t>Outputs</a:t>
+            </a:r>
+          </a:p>
+          <a:p>
+            <a:pPr lvl="1"/>
+            <a:r>
+              <a:rPr lang="en-US" dirty="0"/>
+              <a:t>Assumptions</a:t>
+            </a:r>
+          </a:p>
+          <a:p>
+            <a:pPr lvl="1"/>
+            <a:r>
+              <a:rPr lang="en-US" dirty="0"/>
+              <a:t>Strategy overview</a:t>
+            </a:r>
+          </a:p>
+          <a:p>
+            <a:pPr lvl="2"/>
+            <a:r>
+              <a:rPr lang="en-US" dirty="0"/>
+              <a:t>1 or 2 sentences outlining the basic strategy, including the name of the method you are going to use for the algorithm</a:t>
+            </a:r>
+          </a:p>
+          <a:p>
+            <a:pPr lvl="1"/>
+            <a:r>
+              <a:rPr lang="en-US" dirty="0"/>
+              <a:t>Algorithm description</a:t>
+            </a:r>
+          </a:p>
+          <a:p>
+            <a:pPr lvl="2"/>
+            <a:r>
+              <a:rPr lang="en-US" dirty="0"/>
+              <a:t>If listed in English (as opposed to pseudo-code), then it should be listed in steps</a:t>
+            </a:r>
+          </a:p>
+        </p:txBody>
+      </p:sp>
+    </p:spTree>
+  </p:cSld>
+  <p:clrMapOvr>
+    <a:masterClrMapping/>
+  </p:clrMapOvr>
+</p:sld>
+</file>
+
+<file path=ppt/slides/slide38.xml><?xml version="1.0" encoding="utf-8"?>
+<p:sld xmlns:a="http://schemas.openxmlformats.org/drawingml/2006/main" xmlns:r="http://schemas.openxmlformats.org/officeDocument/2006/relationships" xmlns:p="http://schemas.openxmlformats.org/presentationml/2006/main">
+  <p:cSld>
+    <p:spTree>
+      <p:nvGrpSpPr>
+        <p:cNvPr id="1" name=""/>
+        <p:cNvGrpSpPr/>
+        <p:nvPr/>
+      </p:nvGrpSpPr>
+      <p:grpSpPr>
+        <a:xfrm>
+          <a:off x="0" y="0"/>
+          <a:ext cx="0" cy="0"/>
+          <a:chOff x="0" y="0"/>
+          <a:chExt cx="0" cy="0"/>
+        </a:xfrm>
+      </p:grpSpPr>
+      <p:sp>
+        <p:nvSpPr>
+          <p:cNvPr id="39938" name="Title 1"/>
+          <p:cNvSpPr>
+            <a:spLocks noGrp="1"/>
+          </p:cNvSpPr>
+          <p:nvPr>
+            <p:ph type="title"/>
+          </p:nvPr>
+        </p:nvSpPr>
+        <p:spPr/>
+        <p:txBody>
+          <a:bodyPr/>
+          <a:lstStyle/>
+          <a:p>
+            <a:r>
+              <a:rPr lang="en-US"/>
+              <a:t>Change solution (greedy)</a:t>
+            </a:r>
+          </a:p>
+        </p:txBody>
+      </p:sp>
+      <p:sp>
+        <p:nvSpPr>
+          <p:cNvPr id="39939" name="Content Placeholder 2"/>
+          <p:cNvSpPr>
+            <a:spLocks noGrp="1"/>
+          </p:cNvSpPr>
+          <p:nvPr>
+            <p:ph sz="quarter" idx="1"/>
+          </p:nvPr>
+        </p:nvSpPr>
+        <p:spPr/>
+        <p:txBody>
+          <a:bodyPr/>
+          <a:lstStyle/>
+          <a:p>
+            <a:pPr>
+              <a:lnSpc>
+                <a:spcPct val="90000"/>
+              </a:lnSpc>
+            </a:pPr>
+            <a:r>
+              <a:rPr lang="en-US" sz="2400" b="1"/>
+              <a:t>Problem description:</a:t>
+            </a:r>
+            <a:r>
+              <a:rPr lang="en-US" sz="2400"/>
+              <a:t> providing coin change of a given amount in the fewest number of coins</a:t>
+            </a:r>
+          </a:p>
+          <a:p>
+            <a:pPr>
+              <a:lnSpc>
+                <a:spcPct val="90000"/>
+              </a:lnSpc>
+            </a:pPr>
+            <a:r>
+              <a:rPr lang="en-US" sz="2400" b="1"/>
+              <a:t>Inputs:</a:t>
+            </a:r>
+            <a:r>
+              <a:rPr lang="en-US" sz="2400"/>
+              <a:t> the dollar-amount to return.  Perhaps the possible set of coins, if it is non-obvious.</a:t>
+            </a:r>
+          </a:p>
+          <a:p>
+            <a:pPr>
+              <a:lnSpc>
+                <a:spcPct val="90000"/>
+              </a:lnSpc>
+            </a:pPr>
+            <a:r>
+              <a:rPr lang="en-US" sz="2400" b="1"/>
+              <a:t>Output:</a:t>
+            </a:r>
+            <a:r>
+              <a:rPr lang="en-US" sz="2400"/>
+              <a:t> a set of coins that obtains the desired amount of change in the fewest number of coins</a:t>
+            </a:r>
+          </a:p>
+          <a:p>
+            <a:pPr>
+              <a:lnSpc>
+                <a:spcPct val="90000"/>
+              </a:lnSpc>
+            </a:pPr>
+            <a:r>
+              <a:rPr lang="en-US" sz="2400" b="1"/>
+              <a:t>Assumptions:</a:t>
+            </a:r>
+            <a:r>
+              <a:rPr lang="en-US" sz="2400"/>
+              <a:t> If the coins are not stated, then they are the standard quarter, dime, nickel, and penny.  All inputs are non-negative, and dollar amounts are ignored.</a:t>
+            </a:r>
+          </a:p>
+          <a:p>
+            <a:pPr>
+              <a:lnSpc>
+                <a:spcPct val="90000"/>
+              </a:lnSpc>
+            </a:pPr>
+            <a:r>
+              <a:rPr lang="en-US" sz="2400" b="1"/>
+              <a:t>Strategy:</a:t>
+            </a:r>
+            <a:r>
+              <a:rPr lang="en-US" sz="2400"/>
+              <a:t> a greedy algorithm that uses the largest coins first</a:t>
+            </a:r>
+          </a:p>
+          <a:p>
+            <a:pPr>
+              <a:lnSpc>
+                <a:spcPct val="90000"/>
+              </a:lnSpc>
+            </a:pPr>
+            <a:r>
+              <a:rPr lang="en-US" sz="2400" b="1"/>
+              <a:t>Description:</a:t>
+            </a:r>
+            <a:r>
+              <a:rPr lang="en-US" sz="2400"/>
+              <a:t> Issue the largest coin (quarters) until the amount left is less than the amount of a quarter ($0.25).  Repeat with decreasing coin sizes (dimes, nickels, pennies).</a:t>
+            </a:r>
+            <a:endParaRPr lang="en-US"/>
+          </a:p>
+        </p:txBody>
+      </p:sp>
+      <p:sp>
+        <p:nvSpPr>
+          <p:cNvPr id="4" name="Slide Number Placeholder 3"/>
+          <p:cNvSpPr>
+            <a:spLocks noGrp="1"/>
+          </p:cNvSpPr>
+          <p:nvPr>
+            <p:ph type="sldNum" sz="quarter" idx="12"/>
+          </p:nvPr>
+        </p:nvSpPr>
+        <p:spPr/>
+        <p:txBody>
+          <a:bodyPr/>
+          <a:lstStyle/>
+          <a:p>
+            <a:fld id="{F26D9103-0C5C-48AC-B68E-3ED2C1647047}" type="slidenum">
+              <a:rPr lang="en-US" smtClean="0"/>
+              <a:pPr/>
+              <a:t>38</a:t>
+            </a:fld>
+            <a:endParaRPr lang="en-US"/>
+          </a:p>
+        </p:txBody>
+      </p:sp>
+    </p:spTree>
+  </p:cSld>
+  <p:clrMapOvr>
+    <a:masterClrMapping/>
+  </p:clrMapOvr>
+</p:sld>
+</file>
+
+<file path=ppt/slides/slide39.xml><?xml version="1.0" encoding="utf-8"?>
+<p:sld xmlns:a="http://schemas.openxmlformats.org/drawingml/2006/main" xmlns:r="http://schemas.openxmlformats.org/officeDocument/2006/relationships" xmlns:p="http://schemas.openxmlformats.org/presentationml/2006/main">
+  <p:cSld>
+    <p:spTree>
+      <p:nvGrpSpPr>
+        <p:cNvPr id="1" name=""/>
+        <p:cNvGrpSpPr/>
+        <p:nvPr/>
+      </p:nvGrpSpPr>
+      <p:grpSpPr>
+        <a:xfrm>
+          <a:off x="0" y="0"/>
+          <a:ext cx="0" cy="0"/>
+          <a:chOff x="0" y="0"/>
+          <a:chExt cx="0" cy="0"/>
+        </a:xfrm>
+      </p:grpSpPr>
+      <p:sp>
+        <p:nvSpPr>
           <p:cNvPr id="40962" name="Rectangle 2"/>
           <p:cNvSpPr>
             <a:spLocks noGrp="1" noChangeArrowheads="1"/>
@@ -10615,7 +10965,7 @@
             <a:fld id="{F26D9103-0C5C-48AC-B68E-3ED2C1647047}" type="slidenum">
               <a:rPr lang="en-US" smtClean="0"/>
               <a:pPr/>
-              <a:t>37</a:t>
+              <a:t>39</a:t>
             </a:fld>
             <a:endParaRPr lang="en-US"/>
           </a:p>
@@ -11015,335 +11365,6 @@
 </p:sld>
 </file>
 
-<file path=ppt/slides/slide38.xml><?xml version="1.0" encoding="utf-8"?>
-<p:sld xmlns:a="http://schemas.openxmlformats.org/drawingml/2006/main" xmlns:r="http://schemas.openxmlformats.org/officeDocument/2006/relationships" xmlns:p="http://schemas.openxmlformats.org/presentationml/2006/main">
-  <p:cSld>
-    <p:spTree>
-      <p:nvGrpSpPr>
-        <p:cNvPr id="1" name=""/>
-        <p:cNvGrpSpPr/>
-        <p:nvPr/>
-      </p:nvGrpSpPr>
-      <p:grpSpPr>
-        <a:xfrm>
-          <a:off x="0" y="0"/>
-          <a:ext cx="0" cy="0"/>
-          <a:chOff x="0" y="0"/>
-          <a:chExt cx="0" cy="0"/>
-        </a:xfrm>
-      </p:grpSpPr>
-      <p:sp>
-        <p:nvSpPr>
-          <p:cNvPr id="41986" name="Title 1"/>
-          <p:cNvSpPr>
-            <a:spLocks noGrp="1"/>
-          </p:cNvSpPr>
-          <p:nvPr>
-            <p:ph type="title"/>
-          </p:nvPr>
-        </p:nvSpPr>
-        <p:spPr/>
-        <p:txBody>
-          <a:bodyPr/>
-          <a:lstStyle/>
-          <a:p>
-            <a:r>
-              <a:rPr lang="en-US"/>
-              <a:t>Change solution (brute-force)</a:t>
-            </a:r>
-          </a:p>
-        </p:txBody>
-      </p:sp>
-      <p:sp>
-        <p:nvSpPr>
-          <p:cNvPr id="3" name="Content Placeholder 2"/>
-          <p:cNvSpPr>
-            <a:spLocks noGrp="1"/>
-          </p:cNvSpPr>
-          <p:nvPr>
-            <p:ph sz="quarter" idx="1"/>
-          </p:nvPr>
-        </p:nvSpPr>
-        <p:spPr>
-          <a:xfrm>
-            <a:off x="457200" y="1219200"/>
-            <a:ext cx="8229600" cy="5410200"/>
-          </a:xfrm>
-        </p:spPr>
-        <p:txBody>
-          <a:bodyPr>
-            <a:normAutofit/>
-          </a:bodyPr>
-          <a:lstStyle/>
-          <a:p>
-            <a:pPr>
-              <a:lnSpc>
-                <a:spcPct val="90000"/>
-              </a:lnSpc>
-              <a:defRPr/>
-            </a:pPr>
-            <a:r>
-              <a:rPr lang="en-US" sz="2400" b="1" dirty="0">
-                <a:solidFill>
-                  <a:schemeClr val="bg1">
-                    <a:lumMod val="75000"/>
-                  </a:schemeClr>
-                </a:solidFill>
-              </a:rPr>
-              <a:t>Problem description:</a:t>
-            </a:r>
-            <a:r>
-              <a:rPr lang="en-US" sz="2400" dirty="0">
-                <a:solidFill>
-                  <a:schemeClr val="bg1">
-                    <a:lumMod val="75000"/>
-                  </a:schemeClr>
-                </a:solidFill>
-              </a:rPr>
-              <a:t> providing coin change of a given amount in the fewest number of coins</a:t>
-            </a:r>
-          </a:p>
-          <a:p>
-            <a:pPr>
-              <a:lnSpc>
-                <a:spcPct val="90000"/>
-              </a:lnSpc>
-              <a:defRPr/>
-            </a:pPr>
-            <a:r>
-              <a:rPr lang="en-US" sz="2400" b="1" dirty="0">
-                <a:solidFill>
-                  <a:schemeClr val="bg1">
-                    <a:lumMod val="75000"/>
-                  </a:schemeClr>
-                </a:solidFill>
-              </a:rPr>
-              <a:t>Inputs:</a:t>
-            </a:r>
-            <a:r>
-              <a:rPr lang="en-US" sz="2400" dirty="0">
-                <a:solidFill>
-                  <a:schemeClr val="bg1">
-                    <a:lumMod val="75000"/>
-                  </a:schemeClr>
-                </a:solidFill>
-              </a:rPr>
-              <a:t> the dollar-amount to return.  Perhaps the possible set of coins, if it is non-obvious.</a:t>
-            </a:r>
-          </a:p>
-          <a:p>
-            <a:pPr>
-              <a:lnSpc>
-                <a:spcPct val="90000"/>
-              </a:lnSpc>
-              <a:defRPr/>
-            </a:pPr>
-            <a:r>
-              <a:rPr lang="en-US" sz="2400" b="1" dirty="0">
-                <a:solidFill>
-                  <a:schemeClr val="bg1">
-                    <a:lumMod val="75000"/>
-                  </a:schemeClr>
-                </a:solidFill>
-              </a:rPr>
-              <a:t>Output:</a:t>
-            </a:r>
-            <a:r>
-              <a:rPr lang="en-US" sz="2400" dirty="0">
-                <a:solidFill>
-                  <a:schemeClr val="bg1">
-                    <a:lumMod val="75000"/>
-                  </a:schemeClr>
-                </a:solidFill>
-              </a:rPr>
-              <a:t> a set of coins that obtains the desired amount of change in the fewest number of coins</a:t>
-            </a:r>
-          </a:p>
-          <a:p>
-            <a:pPr>
-              <a:lnSpc>
-                <a:spcPct val="90000"/>
-              </a:lnSpc>
-              <a:defRPr/>
-            </a:pPr>
-            <a:r>
-              <a:rPr lang="en-US" sz="2400" b="1" dirty="0">
-                <a:solidFill>
-                  <a:schemeClr val="bg1">
-                    <a:lumMod val="75000"/>
-                  </a:schemeClr>
-                </a:solidFill>
-              </a:rPr>
-              <a:t>Assumptions:</a:t>
-            </a:r>
-            <a:r>
-              <a:rPr lang="en-US" sz="2400" dirty="0">
-                <a:solidFill>
-                  <a:schemeClr val="bg1">
-                    <a:lumMod val="75000"/>
-                  </a:schemeClr>
-                </a:solidFill>
-              </a:rPr>
-              <a:t> If the coins are not stated, then they are the standard quarter, dime, nickel, and penny.  All inputs are non-negative, and dollar amounts are ignored.</a:t>
-            </a:r>
-          </a:p>
-          <a:p>
-            <a:pPr>
-              <a:lnSpc>
-                <a:spcPct val="90000"/>
-              </a:lnSpc>
-              <a:defRPr/>
-            </a:pPr>
-            <a:r>
-              <a:rPr lang="en-US" sz="2400" b="1" dirty="0"/>
-              <a:t>Strategy:</a:t>
-            </a:r>
-            <a:r>
-              <a:rPr lang="en-US" sz="2400" dirty="0"/>
-              <a:t> a brute-force algorithm that considers every possibility and picks the one with the fewest number of coins</a:t>
-            </a:r>
-          </a:p>
-          <a:p>
-            <a:pPr>
-              <a:lnSpc>
-                <a:spcPct val="90000"/>
-              </a:lnSpc>
-              <a:defRPr/>
-            </a:pPr>
-            <a:r>
-              <a:rPr lang="en-US" sz="2400" b="1" dirty="0"/>
-              <a:t>Description:</a:t>
-            </a:r>
-            <a:r>
-              <a:rPr lang="en-US" sz="2400" dirty="0"/>
-              <a:t> Consider every possible combination of coins that add to the given amount (done via a depth-first search).  Return the one with the fewest number of coins.</a:t>
-            </a:r>
-            <a:endParaRPr lang="en-US" dirty="0"/>
-          </a:p>
-        </p:txBody>
-      </p:sp>
-      <p:sp>
-        <p:nvSpPr>
-          <p:cNvPr id="4" name="Slide Number Placeholder 3"/>
-          <p:cNvSpPr>
-            <a:spLocks noGrp="1"/>
-          </p:cNvSpPr>
-          <p:nvPr>
-            <p:ph type="sldNum" sz="quarter" idx="12"/>
-          </p:nvPr>
-        </p:nvSpPr>
-        <p:spPr/>
-        <p:txBody>
-          <a:bodyPr/>
-          <a:lstStyle/>
-          <a:p>
-            <a:fld id="{F26D9103-0C5C-48AC-B68E-3ED2C1647047}" type="slidenum">
-              <a:rPr lang="en-US" smtClean="0"/>
-              <a:pPr/>
-              <a:t>38</a:t>
-            </a:fld>
-            <a:endParaRPr lang="en-US"/>
-          </a:p>
-        </p:txBody>
-      </p:sp>
-    </p:spTree>
-  </p:cSld>
-  <p:clrMapOvr>
-    <a:masterClrMapping/>
-  </p:clrMapOvr>
-</p:sld>
-</file>
-
-<file path=ppt/slides/slide39.xml><?xml version="1.0" encoding="utf-8"?>
-<p:sld xmlns:a="http://schemas.openxmlformats.org/drawingml/2006/main" xmlns:r="http://schemas.openxmlformats.org/officeDocument/2006/relationships" xmlns:p="http://schemas.openxmlformats.org/presentationml/2006/main">
-  <p:cSld>
-    <p:spTree>
-      <p:nvGrpSpPr>
-        <p:cNvPr id="1" name=""/>
-        <p:cNvGrpSpPr/>
-        <p:nvPr/>
-      </p:nvGrpSpPr>
-      <p:grpSpPr>
-        <a:xfrm>
-          <a:off x="0" y="0"/>
-          <a:ext cx="0" cy="0"/>
-          <a:chOff x="0" y="0"/>
-          <a:chExt cx="0" cy="0"/>
-        </a:xfrm>
-      </p:grpSpPr>
-      <p:sp>
-        <p:nvSpPr>
-          <p:cNvPr id="5" name="Title 4"/>
-          <p:cNvSpPr>
-            <a:spLocks noGrp="1"/>
-          </p:cNvSpPr>
-          <p:nvPr>
-            <p:ph type="title"/>
-          </p:nvPr>
-        </p:nvSpPr>
-        <p:spPr/>
-        <p:txBody>
-          <a:bodyPr/>
-          <a:lstStyle/>
-          <a:p>
-            <a:r>
-              <a:rPr lang="en-US" dirty="0"/>
-              <a:t>Motivating problems</a:t>
-            </a:r>
-          </a:p>
-        </p:txBody>
-      </p:sp>
-      <p:sp>
-        <p:nvSpPr>
-          <p:cNvPr id="6" name="Text Placeholder 5"/>
-          <p:cNvSpPr>
-            <a:spLocks noGrp="1"/>
-          </p:cNvSpPr>
-          <p:nvPr>
-            <p:ph type="body" idx="1"/>
-          </p:nvPr>
-        </p:nvSpPr>
-        <p:spPr/>
-        <p:txBody>
-          <a:bodyPr/>
-          <a:lstStyle/>
-          <a:p>
-            <a:endParaRPr lang="en-US"/>
-          </a:p>
-        </p:txBody>
-      </p:sp>
-      <p:sp>
-        <p:nvSpPr>
-          <p:cNvPr id="3" name="Slide Number Placeholder 2"/>
-          <p:cNvSpPr>
-            <a:spLocks noGrp="1"/>
-          </p:cNvSpPr>
-          <p:nvPr>
-            <p:ph type="sldNum" sz="quarter" idx="12"/>
-          </p:nvPr>
-        </p:nvSpPr>
-        <p:spPr/>
-        <p:txBody>
-          <a:bodyPr/>
-          <a:lstStyle/>
-          <a:p>
-            <a:fld id="{F26D9103-0C5C-48AC-B68E-3ED2C1647047}" type="slidenum">
-              <a:rPr lang="en-US" smtClean="0"/>
-              <a:pPr/>
-              <a:t>39</a:t>
-            </a:fld>
-            <a:endParaRPr lang="en-US"/>
-          </a:p>
-        </p:txBody>
-      </p:sp>
-    </p:spTree>
-  </p:cSld>
-  <p:clrMapOvr>
-    <a:masterClrMapping/>
-  </p:clrMapOvr>
-</p:sld>
-</file>
-
 <file path=ppt/slides/slide4.xml><?xml version="1.0" encoding="utf-8"?>
 <p:sld xmlns:a="http://schemas.openxmlformats.org/drawingml/2006/main" xmlns:r="http://schemas.openxmlformats.org/officeDocument/2006/relationships" xmlns:p="http://schemas.openxmlformats.org/presentationml/2006/main">
   <p:cSld>
@@ -11532,6 +11553,335 @@
       </p:grpSpPr>
       <p:sp>
         <p:nvSpPr>
+          <p:cNvPr id="41986" name="Title 1"/>
+          <p:cNvSpPr>
+            <a:spLocks noGrp="1"/>
+          </p:cNvSpPr>
+          <p:nvPr>
+            <p:ph type="title"/>
+          </p:nvPr>
+        </p:nvSpPr>
+        <p:spPr/>
+        <p:txBody>
+          <a:bodyPr/>
+          <a:lstStyle/>
+          <a:p>
+            <a:r>
+              <a:rPr lang="en-US"/>
+              <a:t>Change solution (brute-force)</a:t>
+            </a:r>
+          </a:p>
+        </p:txBody>
+      </p:sp>
+      <p:sp>
+        <p:nvSpPr>
+          <p:cNvPr id="3" name="Content Placeholder 2"/>
+          <p:cNvSpPr>
+            <a:spLocks noGrp="1"/>
+          </p:cNvSpPr>
+          <p:nvPr>
+            <p:ph sz="quarter" idx="1"/>
+          </p:nvPr>
+        </p:nvSpPr>
+        <p:spPr>
+          <a:xfrm>
+            <a:off x="457200" y="1219200"/>
+            <a:ext cx="8229600" cy="5410200"/>
+          </a:xfrm>
+        </p:spPr>
+        <p:txBody>
+          <a:bodyPr>
+            <a:normAutofit/>
+          </a:bodyPr>
+          <a:lstStyle/>
+          <a:p>
+            <a:pPr>
+              <a:lnSpc>
+                <a:spcPct val="90000"/>
+              </a:lnSpc>
+              <a:defRPr/>
+            </a:pPr>
+            <a:r>
+              <a:rPr lang="en-US" sz="2400" b="1" dirty="0">
+                <a:solidFill>
+                  <a:schemeClr val="bg1">
+                    <a:lumMod val="75000"/>
+                  </a:schemeClr>
+                </a:solidFill>
+              </a:rPr>
+              <a:t>Problem description:</a:t>
+            </a:r>
+            <a:r>
+              <a:rPr lang="en-US" sz="2400" dirty="0">
+                <a:solidFill>
+                  <a:schemeClr val="bg1">
+                    <a:lumMod val="75000"/>
+                  </a:schemeClr>
+                </a:solidFill>
+              </a:rPr>
+              <a:t> providing coin change of a given amount in the fewest number of coins</a:t>
+            </a:r>
+          </a:p>
+          <a:p>
+            <a:pPr>
+              <a:lnSpc>
+                <a:spcPct val="90000"/>
+              </a:lnSpc>
+              <a:defRPr/>
+            </a:pPr>
+            <a:r>
+              <a:rPr lang="en-US" sz="2400" b="1" dirty="0">
+                <a:solidFill>
+                  <a:schemeClr val="bg1">
+                    <a:lumMod val="75000"/>
+                  </a:schemeClr>
+                </a:solidFill>
+              </a:rPr>
+              <a:t>Inputs:</a:t>
+            </a:r>
+            <a:r>
+              <a:rPr lang="en-US" sz="2400" dirty="0">
+                <a:solidFill>
+                  <a:schemeClr val="bg1">
+                    <a:lumMod val="75000"/>
+                  </a:schemeClr>
+                </a:solidFill>
+              </a:rPr>
+              <a:t> the dollar-amount to return.  Perhaps the possible set of coins, if it is non-obvious.</a:t>
+            </a:r>
+          </a:p>
+          <a:p>
+            <a:pPr>
+              <a:lnSpc>
+                <a:spcPct val="90000"/>
+              </a:lnSpc>
+              <a:defRPr/>
+            </a:pPr>
+            <a:r>
+              <a:rPr lang="en-US" sz="2400" b="1" dirty="0">
+                <a:solidFill>
+                  <a:schemeClr val="bg1">
+                    <a:lumMod val="75000"/>
+                  </a:schemeClr>
+                </a:solidFill>
+              </a:rPr>
+              <a:t>Output:</a:t>
+            </a:r>
+            <a:r>
+              <a:rPr lang="en-US" sz="2400" dirty="0">
+                <a:solidFill>
+                  <a:schemeClr val="bg1">
+                    <a:lumMod val="75000"/>
+                  </a:schemeClr>
+                </a:solidFill>
+              </a:rPr>
+              <a:t> a set of coins that obtains the desired amount of change in the fewest number of coins</a:t>
+            </a:r>
+          </a:p>
+          <a:p>
+            <a:pPr>
+              <a:lnSpc>
+                <a:spcPct val="90000"/>
+              </a:lnSpc>
+              <a:defRPr/>
+            </a:pPr>
+            <a:r>
+              <a:rPr lang="en-US" sz="2400" b="1" dirty="0">
+                <a:solidFill>
+                  <a:schemeClr val="bg1">
+                    <a:lumMod val="75000"/>
+                  </a:schemeClr>
+                </a:solidFill>
+              </a:rPr>
+              <a:t>Assumptions:</a:t>
+            </a:r>
+            <a:r>
+              <a:rPr lang="en-US" sz="2400" dirty="0">
+                <a:solidFill>
+                  <a:schemeClr val="bg1">
+                    <a:lumMod val="75000"/>
+                  </a:schemeClr>
+                </a:solidFill>
+              </a:rPr>
+              <a:t> If the coins are not stated, then they are the standard quarter, dime, nickel, and penny.  All inputs are non-negative, and dollar amounts are ignored.</a:t>
+            </a:r>
+          </a:p>
+          <a:p>
+            <a:pPr>
+              <a:lnSpc>
+                <a:spcPct val="90000"/>
+              </a:lnSpc>
+              <a:defRPr/>
+            </a:pPr>
+            <a:r>
+              <a:rPr lang="en-US" sz="2400" b="1" dirty="0"/>
+              <a:t>Strategy:</a:t>
+            </a:r>
+            <a:r>
+              <a:rPr lang="en-US" sz="2400" dirty="0"/>
+              <a:t> a brute-force algorithm that considers every possibility and picks the one with the fewest number of coins</a:t>
+            </a:r>
+          </a:p>
+          <a:p>
+            <a:pPr>
+              <a:lnSpc>
+                <a:spcPct val="90000"/>
+              </a:lnSpc>
+              <a:defRPr/>
+            </a:pPr>
+            <a:r>
+              <a:rPr lang="en-US" sz="2400" b="1" dirty="0"/>
+              <a:t>Description:</a:t>
+            </a:r>
+            <a:r>
+              <a:rPr lang="en-US" sz="2400" dirty="0"/>
+              <a:t> Consider every possible combination of coins that add to the given amount (done via a depth-first search).  Return the one with the fewest number of coins.</a:t>
+            </a:r>
+            <a:endParaRPr lang="en-US" dirty="0"/>
+          </a:p>
+        </p:txBody>
+      </p:sp>
+      <p:sp>
+        <p:nvSpPr>
+          <p:cNvPr id="4" name="Slide Number Placeholder 3"/>
+          <p:cNvSpPr>
+            <a:spLocks noGrp="1"/>
+          </p:cNvSpPr>
+          <p:nvPr>
+            <p:ph type="sldNum" sz="quarter" idx="12"/>
+          </p:nvPr>
+        </p:nvSpPr>
+        <p:spPr/>
+        <p:txBody>
+          <a:bodyPr/>
+          <a:lstStyle/>
+          <a:p>
+            <a:fld id="{F26D9103-0C5C-48AC-B68E-3ED2C1647047}" type="slidenum">
+              <a:rPr lang="en-US" smtClean="0"/>
+              <a:pPr/>
+              <a:t>40</a:t>
+            </a:fld>
+            <a:endParaRPr lang="en-US"/>
+          </a:p>
+        </p:txBody>
+      </p:sp>
+    </p:spTree>
+  </p:cSld>
+  <p:clrMapOvr>
+    <a:masterClrMapping/>
+  </p:clrMapOvr>
+</p:sld>
+</file>
+
+<file path=ppt/slides/slide41.xml><?xml version="1.0" encoding="utf-8"?>
+<p:sld xmlns:a="http://schemas.openxmlformats.org/drawingml/2006/main" xmlns:r="http://schemas.openxmlformats.org/officeDocument/2006/relationships" xmlns:p="http://schemas.openxmlformats.org/presentationml/2006/main">
+  <p:cSld>
+    <p:spTree>
+      <p:nvGrpSpPr>
+        <p:cNvPr id="1" name=""/>
+        <p:cNvGrpSpPr/>
+        <p:nvPr/>
+      </p:nvGrpSpPr>
+      <p:grpSpPr>
+        <a:xfrm>
+          <a:off x="0" y="0"/>
+          <a:ext cx="0" cy="0"/>
+          <a:chOff x="0" y="0"/>
+          <a:chExt cx="0" cy="0"/>
+        </a:xfrm>
+      </p:grpSpPr>
+      <p:sp>
+        <p:nvSpPr>
+          <p:cNvPr id="5" name="Title 4"/>
+          <p:cNvSpPr>
+            <a:spLocks noGrp="1"/>
+          </p:cNvSpPr>
+          <p:nvPr>
+            <p:ph type="title"/>
+          </p:nvPr>
+        </p:nvSpPr>
+        <p:spPr/>
+        <p:txBody>
+          <a:bodyPr/>
+          <a:lstStyle/>
+          <a:p>
+            <a:r>
+              <a:rPr lang="en-US" dirty="0"/>
+              <a:t>Motivating problems</a:t>
+            </a:r>
+          </a:p>
+        </p:txBody>
+      </p:sp>
+      <p:sp>
+        <p:nvSpPr>
+          <p:cNvPr id="6" name="Text Placeholder 5"/>
+          <p:cNvSpPr>
+            <a:spLocks noGrp="1"/>
+          </p:cNvSpPr>
+          <p:nvPr>
+            <p:ph type="body" idx="1"/>
+          </p:nvPr>
+        </p:nvSpPr>
+        <p:spPr/>
+        <p:txBody>
+          <a:bodyPr/>
+          <a:lstStyle/>
+          <a:p>
+            <a:endParaRPr lang="en-US"/>
+          </a:p>
+        </p:txBody>
+      </p:sp>
+      <p:sp>
+        <p:nvSpPr>
+          <p:cNvPr id="3" name="Slide Number Placeholder 2"/>
+          <p:cNvSpPr>
+            <a:spLocks noGrp="1"/>
+          </p:cNvSpPr>
+          <p:nvPr>
+            <p:ph type="sldNum" sz="quarter" idx="12"/>
+          </p:nvPr>
+        </p:nvSpPr>
+        <p:spPr/>
+        <p:txBody>
+          <a:bodyPr/>
+          <a:lstStyle/>
+          <a:p>
+            <a:fld id="{F26D9103-0C5C-48AC-B68E-3ED2C1647047}" type="slidenum">
+              <a:rPr lang="en-US" smtClean="0"/>
+              <a:pPr/>
+              <a:t>41</a:t>
+            </a:fld>
+            <a:endParaRPr lang="en-US"/>
+          </a:p>
+        </p:txBody>
+      </p:sp>
+    </p:spTree>
+  </p:cSld>
+  <p:clrMapOvr>
+    <a:masterClrMapping/>
+  </p:clrMapOvr>
+</p:sld>
+</file>
+
+<file path=ppt/slides/slide42.xml><?xml version="1.0" encoding="utf-8"?>
+<p:sld xmlns:a="http://schemas.openxmlformats.org/drawingml/2006/main" xmlns:r="http://schemas.openxmlformats.org/officeDocument/2006/relationships" xmlns:p="http://schemas.openxmlformats.org/presentationml/2006/main">
+  <p:cSld>
+    <p:spTree>
+      <p:nvGrpSpPr>
+        <p:cNvPr id="1" name=""/>
+        <p:cNvGrpSpPr/>
+        <p:nvPr/>
+      </p:nvGrpSpPr>
+      <p:grpSpPr>
+        <a:xfrm>
+          <a:off x="0" y="0"/>
+          <a:ext cx="0" cy="0"/>
+          <a:chOff x="0" y="0"/>
+          <a:chExt cx="0" cy="0"/>
+        </a:xfrm>
+      </p:grpSpPr>
+      <p:sp>
+        <p:nvSpPr>
           <p:cNvPr id="2" name="Title 1"/>
           <p:cNvSpPr>
             <a:spLocks noGrp="1"/>
@@ -11669,7 +12019,7 @@
             <a:fld id="{F26D9103-0C5C-48AC-B68E-3ED2C1647047}" type="slidenum">
               <a:rPr lang="en-US" smtClean="0"/>
               <a:pPr/>
-              <a:t>40</a:t>
+              <a:t>42</a:t>
             </a:fld>
             <a:endParaRPr lang="en-US"/>
           </a:p>
@@ -11683,7 +12033,7 @@
 </p:sld>
 </file>
 
-<file path=ppt/slides/slide41.xml><?xml version="1.0" encoding="utf-8"?>
+<file path=ppt/slides/slide43.xml><?xml version="1.0" encoding="utf-8"?>
 <p:sld xmlns:a="http://schemas.openxmlformats.org/drawingml/2006/main" xmlns:r="http://schemas.openxmlformats.org/officeDocument/2006/relationships" xmlns:p="http://schemas.openxmlformats.org/presentationml/2006/main">
   <p:cSld>
     <p:spTree>
@@ -11831,7 +12181,7 @@
             <a:fld id="{F26D9103-0C5C-48AC-B68E-3ED2C1647047}" type="slidenum">
               <a:rPr lang="en-US" smtClean="0"/>
               <a:pPr/>
-              <a:t>41</a:t>
+              <a:t>43</a:t>
             </a:fld>
             <a:endParaRPr lang="en-US"/>
           </a:p>
@@ -11845,7 +12195,7 @@
 </p:sld>
 </file>
 
-<file path=ppt/slides/slide42.xml><?xml version="1.0" encoding="utf-8"?>
+<file path=ppt/slides/slide44.xml><?xml version="1.0" encoding="utf-8"?>
 <p:sld xmlns:a="http://schemas.openxmlformats.org/drawingml/2006/main" xmlns:r="http://schemas.openxmlformats.org/officeDocument/2006/relationships" xmlns:p="http://schemas.openxmlformats.org/presentationml/2006/main">
   <p:cSld>
     <p:spTree>
@@ -12086,7 +12436,7 @@
             <a:fld id="{F26D9103-0C5C-48AC-B68E-3ED2C1647047}" type="slidenum">
               <a:rPr lang="en-US" smtClean="0"/>
               <a:pPr/>
-              <a:t>42</a:t>
+              <a:t>44</a:t>
             </a:fld>
             <a:endParaRPr lang="en-US"/>
           </a:p>
@@ -12100,7 +12450,7 @@
 </p:sld>
 </file>
 
-<file path=ppt/slides/slide43.xml><?xml version="1.0" encoding="utf-8"?>
+<file path=ppt/slides/slide45.xml><?xml version="1.0" encoding="utf-8"?>
 <p:sld xmlns:a="http://schemas.openxmlformats.org/drawingml/2006/main" xmlns:r="http://schemas.openxmlformats.org/officeDocument/2006/relationships" xmlns:p="http://schemas.openxmlformats.org/presentationml/2006/main">
   <p:cSld>
     <p:spTree>
@@ -12157,7 +12507,7 @@
             <a:fld id="{F26D9103-0C5C-48AC-B68E-3ED2C1647047}" type="slidenum">
               <a:rPr lang="en-US" smtClean="0"/>
               <a:pPr/>
-              <a:t>43</a:t>
+              <a:t>45</a:t>
             </a:fld>
             <a:endParaRPr lang="en-US"/>
           </a:p>
@@ -12305,7 +12655,7 @@
 </p:sld>
 </file>
 
-<file path=ppt/slides/slide44.xml><?xml version="1.0" encoding="utf-8"?>
+<file path=ppt/slides/slide46.xml><?xml version="1.0" encoding="utf-8"?>
 <p:sld xmlns:a="http://schemas.openxmlformats.org/drawingml/2006/main" xmlns:r="http://schemas.openxmlformats.org/officeDocument/2006/relationships" xmlns:p="http://schemas.openxmlformats.org/presentationml/2006/main">
   <p:cSld>
     <p:spTree>
@@ -12510,7 +12860,7 @@
             <a:fld id="{F26D9103-0C5C-48AC-B68E-3ED2C1647047}" type="slidenum">
               <a:rPr lang="en-US" smtClean="0"/>
               <a:pPr/>
-              <a:t>44</a:t>
+              <a:t>46</a:t>
             </a:fld>
             <a:endParaRPr lang="en-US"/>
           </a:p>
@@ -12524,7 +12874,7 @@
 </p:sld>
 </file>
 
-<file path=ppt/slides/slide45.xml><?xml version="1.0" encoding="utf-8"?>
+<file path=ppt/slides/slide47.xml><?xml version="1.0" encoding="utf-8"?>
 <p:sld xmlns:a="http://schemas.openxmlformats.org/drawingml/2006/main" xmlns:r="http://schemas.openxmlformats.org/officeDocument/2006/relationships" xmlns:p="http://schemas.openxmlformats.org/presentationml/2006/main">
   <p:cSld>
     <p:spTree>
@@ -12664,7 +13014,7 @@
             <a:fld id="{F26D9103-0C5C-48AC-B68E-3ED2C1647047}" type="slidenum">
               <a:rPr lang="en-US" smtClean="0"/>
               <a:pPr/>
-              <a:t>45</a:t>
+              <a:t>47</a:t>
             </a:fld>
             <a:endParaRPr lang="en-US"/>
           </a:p>
@@ -13703,7 +14053,13 @@
       </p:grpSpPr>
       <p:sp>
         <p:nvSpPr>
-          <p:cNvPr id="2" name="Title 1"/>
+          <p:cNvPr id="2" name="Title 1">
+            <a:extLst>
+              <a:ext uri="{FF2B5EF4-FFF2-40B4-BE49-F238E27FC236}">
+                <a16:creationId xmlns:a16="http://schemas.microsoft.com/office/drawing/2014/main" id="{10E4624E-6BA1-BB4D-8A7A-500B5099ECEB}"/>
+              </a:ext>
+            </a:extLst>
+          </p:cNvPr>
           <p:cNvSpPr>
             <a:spLocks noGrp="1"/>
           </p:cNvSpPr>
@@ -13713,21 +14069,25 @@
         </p:nvSpPr>
         <p:spPr/>
         <p:txBody>
-          <a:bodyPr>
-            <a:normAutofit/>
-          </a:bodyPr>
-          <a:lstStyle/>
-          <a:p>
-            <a:r>
-              <a:rPr lang="en-US" dirty="0"/>
-              <a:t>Modules</a:t>
-            </a:r>
-          </a:p>
-        </p:txBody>
-      </p:sp>
-      <p:sp>
-        <p:nvSpPr>
-          <p:cNvPr id="4" name="Slide Number Placeholder 3"/>
+          <a:bodyPr/>
+          <a:lstStyle/>
+          <a:p>
+            <a:r>
+              <a:rPr lang="en-US" dirty="0"/>
+              <a:t>Lectures</a:t>
+            </a:r>
+          </a:p>
+        </p:txBody>
+      </p:sp>
+      <p:sp>
+        <p:nvSpPr>
+          <p:cNvPr id="3" name="Slide Number Placeholder 2">
+            <a:extLst>
+              <a:ext uri="{FF2B5EF4-FFF2-40B4-BE49-F238E27FC236}">
+                <a16:creationId xmlns:a16="http://schemas.microsoft.com/office/drawing/2014/main" id="{6D13540E-69A5-B74F-91AB-DED5BA9812E6}"/>
+              </a:ext>
+            </a:extLst>
+          </p:cNvPr>
           <p:cNvSpPr>
             <a:spLocks noGrp="1"/>
           </p:cNvSpPr>
@@ -13751,7 +14111,13 @@
       </p:sp>
       <p:sp>
         <p:nvSpPr>
-          <p:cNvPr id="3" name="Content Placeholder 2"/>
+          <p:cNvPr id="4" name="Content Placeholder 3">
+            <a:extLst>
+              <a:ext uri="{FF2B5EF4-FFF2-40B4-BE49-F238E27FC236}">
+                <a16:creationId xmlns:a16="http://schemas.microsoft.com/office/drawing/2014/main" id="{22F38866-4BB8-1749-AF0C-AB089AECC899}"/>
+              </a:ext>
+            </a:extLst>
+          </p:cNvPr>
           <p:cNvSpPr>
             <a:spLocks noGrp="1"/>
           </p:cNvSpPr>
@@ -13759,96 +14125,83 @@
             <p:ph sz="quarter" idx="1"/>
           </p:nvPr>
         </p:nvSpPr>
-        <p:spPr/>
-        <p:txBody>
-          <a:bodyPr>
-            <a:normAutofit/>
-          </a:bodyPr>
-          <a:lstStyle/>
-          <a:p>
-            <a:r>
-              <a:rPr lang="en-US" i="1" dirty="0"/>
-              <a:t>The course is divided into 4 modules</a:t>
+        <p:spPr>
+          <a:xfrm>
+            <a:off x="457200" y="1219200"/>
+            <a:ext cx="8229600" cy="4937760"/>
+          </a:xfrm>
+        </p:spPr>
+        <p:txBody>
+          <a:bodyPr/>
+          <a:lstStyle/>
+          <a:p>
+            <a:r>
+              <a:rPr lang="en-US" dirty="0"/>
+              <a:t>Going to try a half asynchronous, half synchronous model</a:t>
             </a:r>
           </a:p>
           <a:p>
             <a:pPr lvl="1"/>
             <a:r>
-              <a:rPr lang="en-US" i="1" dirty="0"/>
-              <a:t>Divide and Conquer / Sorting</a:t>
+              <a:rPr lang="en-US" dirty="0"/>
+              <a:t>And see how it goes. Could change, but likely not.</a:t>
             </a:r>
           </a:p>
           <a:p>
             <a:pPr lvl="1"/>
-            <a:r>
-              <a:rPr lang="en-US" i="1" dirty="0"/>
-              <a:t>Graphs, MST, Find-Union</a:t>
+            <a:endParaRPr lang="en-US" dirty="0"/>
+          </a:p>
+          <a:p>
+            <a:r>
+              <a:rPr lang="en-US" dirty="0"/>
+              <a:t>First half of each lecture is recorded ahead of time. You can either:</a:t>
             </a:r>
           </a:p>
           <a:p>
             <a:pPr lvl="1"/>
             <a:r>
-              <a:rPr lang="en-US" i="1" dirty="0"/>
-              <a:t>Greedy Algorithms and Dynamic Programming</a:t>
+              <a:rPr lang="en-US" dirty="0"/>
+              <a:t>Watch it ahead of time at your leisure</a:t>
             </a:r>
           </a:p>
           <a:p>
             <a:pPr lvl="1"/>
             <a:r>
-              <a:rPr lang="en-US" i="1" dirty="0"/>
-              <a:t>Network Flow and Reductions</a:t>
-            </a:r>
-          </a:p>
-          <a:p>
-            <a:endParaRPr lang="en-US" i="1" dirty="0"/>
-          </a:p>
-          <a:p>
-            <a:r>
-              <a:rPr lang="en-US" i="1" dirty="0"/>
-              <a:t>Each is approximately 3 weeks of content. Each contains:</a:t>
+              <a:rPr lang="en-US" dirty="0"/>
+              <a:t>Watch it during the first 35-45 mins of lecture</a:t>
+            </a:r>
+          </a:p>
+          <a:p>
+            <a:endParaRPr lang="en-US" dirty="0"/>
+          </a:p>
+          <a:p>
+            <a:r>
+              <a:rPr lang="en-US" dirty="0"/>
+              <a:t>Then, we meet up on zoom to:</a:t>
             </a:r>
           </a:p>
           <a:p>
             <a:pPr lvl="1"/>
             <a:r>
-              <a:rPr lang="en-US" i="1" dirty="0"/>
-              <a:t>2 basic </a:t>
-            </a:r>
-            <a:r>
-              <a:rPr lang="en-US" i="1" dirty="0" err="1"/>
-              <a:t>homeworks</a:t>
-            </a:r>
-            <a:endParaRPr lang="en-US" i="1" dirty="0"/>
+              <a:rPr lang="en-US" dirty="0"/>
+              <a:t>Go over extra examples</a:t>
+            </a:r>
           </a:p>
           <a:p>
             <a:pPr lvl="1"/>
             <a:r>
-              <a:rPr lang="en-US" i="1" dirty="0"/>
-              <a:t>2 advanced </a:t>
-            </a:r>
-            <a:r>
-              <a:rPr lang="en-US" i="1" dirty="0" err="1"/>
-              <a:t>homeworks</a:t>
-            </a:r>
-            <a:endParaRPr lang="en-US" i="1" dirty="0"/>
-          </a:p>
-          <a:p>
-            <a:pPr lvl="1"/>
-            <a:r>
-              <a:rPr lang="en-US" i="1" dirty="0"/>
-              <a:t>1 quiz</a:t>
-            </a:r>
-          </a:p>
-          <a:p>
-            <a:pPr lvl="1"/>
-            <a:r>
-              <a:rPr lang="en-US" i="1" dirty="0"/>
-              <a:t>More on all this in a moment</a:t>
+              <a:rPr lang="en-US" dirty="0"/>
+              <a:t>Answer questions, do proofs, etc.</a:t>
             </a:r>
           </a:p>
         </p:txBody>
       </p:sp>
     </p:spTree>
+    <p:extLst>
+      <p:ext uri="{BB962C8B-B14F-4D97-AF65-F5344CB8AC3E}">
+        <p14:creationId xmlns:p14="http://schemas.microsoft.com/office/powerpoint/2010/main" val="95547747"/>
+      </p:ext>
+    </p:extLst>
   </p:cSld>
   <p:clrMapOvr>
     <a:masterClrMapping/>
@@ -13875,34 +14228,41 @@
       </p:grpSpPr>
       <p:sp>
         <p:nvSpPr>
-          <p:cNvPr id="12290" name="Rectangle 2"/>
-          <p:cNvSpPr>
-            <a:spLocks noGrp="1" noChangeArrowheads="1"/>
+          <p:cNvPr id="2" name="Title 1">
+            <a:extLst>
+              <a:ext uri="{FF2B5EF4-FFF2-40B4-BE49-F238E27FC236}">
+                <a16:creationId xmlns:a16="http://schemas.microsoft.com/office/drawing/2014/main" id="{D4C714F9-F01E-7B4D-8EB0-3B151FAE663D}"/>
+              </a:ext>
+            </a:extLst>
+          </p:cNvPr>
+          <p:cNvSpPr>
+            <a:spLocks noGrp="1"/>
           </p:cNvSpPr>
           <p:nvPr>
             <p:ph type="title"/>
           </p:nvPr>
         </p:nvSpPr>
-        <p:spPr>
-          <a:xfrm>
-            <a:off x="457200" y="152400"/>
-            <a:ext cx="8229600" cy="990600"/>
-          </a:xfrm>
-        </p:spPr>
-        <p:txBody>
-          <a:bodyPr/>
-          <a:lstStyle/>
-          <a:p>
-            <a:r>
-              <a:rPr lang="en-US" dirty="0"/>
-              <a:t>Quizzes</a:t>
-            </a:r>
-          </a:p>
-        </p:txBody>
-      </p:sp>
-      <p:sp>
-        <p:nvSpPr>
-          <p:cNvPr id="4" name="Slide Number Placeholder 3"/>
+        <p:spPr/>
+        <p:txBody>
+          <a:bodyPr/>
+          <a:lstStyle/>
+          <a:p>
+            <a:r>
+              <a:rPr lang="en-US" dirty="0"/>
+              <a:t>Lectures, example</a:t>
+            </a:r>
+          </a:p>
+        </p:txBody>
+      </p:sp>
+      <p:sp>
+        <p:nvSpPr>
+          <p:cNvPr id="3" name="Slide Number Placeholder 2">
+            <a:extLst>
+              <a:ext uri="{FF2B5EF4-FFF2-40B4-BE49-F238E27FC236}">
+                <a16:creationId xmlns:a16="http://schemas.microsoft.com/office/drawing/2014/main" id="{4409C9D4-846F-D543-85FE-C390EBACF5F4}"/>
+              </a:ext>
+            </a:extLst>
+          </p:cNvPr>
           <p:cNvSpPr>
             <a:spLocks noGrp="1"/>
           </p:cNvSpPr>
@@ -13926,9 +14286,15 @@
       </p:sp>
       <p:sp>
         <p:nvSpPr>
-          <p:cNvPr id="12291" name="Rectangle 3"/>
-          <p:cNvSpPr>
-            <a:spLocks noGrp="1" noChangeArrowheads="1"/>
+          <p:cNvPr id="4" name="Content Placeholder 3">
+            <a:extLst>
+              <a:ext uri="{FF2B5EF4-FFF2-40B4-BE49-F238E27FC236}">
+                <a16:creationId xmlns:a16="http://schemas.microsoft.com/office/drawing/2014/main" id="{930851DE-8B7D-3A4B-A735-7873D3097E8B}"/>
+              </a:ext>
+            </a:extLst>
+          </p:cNvPr>
+          <p:cNvSpPr>
+            <a:spLocks noGrp="1"/>
           </p:cNvSpPr>
           <p:nvPr>
             <p:ph sz="quarter" idx="1"/>
@@ -13936,93 +14302,82 @@
         </p:nvSpPr>
         <p:spPr/>
         <p:txBody>
-          <a:bodyPr/>
-          <a:lstStyle/>
-          <a:p>
-            <a:r>
-              <a:rPr lang="en-US" dirty="0"/>
-              <a:t>Short assessments for each of the four modules</a:t>
+          <a:bodyPr>
+            <a:normAutofit/>
+          </a:bodyPr>
+          <a:lstStyle/>
+          <a:p>
+            <a:r>
+              <a:rPr lang="en-US" dirty="0"/>
+              <a:t>So…say class is from 11-12:15</a:t>
+            </a:r>
+          </a:p>
+          <a:p>
+            <a:endParaRPr lang="en-US" dirty="0"/>
+          </a:p>
+          <a:p>
+            <a:r>
+              <a:rPr lang="en-US" dirty="0"/>
+              <a:t>You DO NOT need to show up from 11-11:30</a:t>
             </a:r>
           </a:p>
           <a:p>
             <a:pPr lvl="1"/>
             <a:r>
               <a:rPr lang="en-US" dirty="0"/>
-              <a:t>Will be take-home over an ~24 hour period</a:t>
+              <a:t>Either watch recording from 11-11:30</a:t>
             </a:r>
           </a:p>
           <a:p>
             <a:pPr lvl="1"/>
             <a:r>
               <a:rPr lang="en-US" dirty="0"/>
-              <a:t>Meant to challenge your problem-solving skills, make sure you attended class, force you to analyze across topics, etc.</a:t>
-            </a:r>
-          </a:p>
-          <a:p>
-            <a:r>
-              <a:rPr lang="en-US" dirty="0"/>
-              <a:t>Three possible grade outcomes:</a:t>
+              <a:t>Or watch it ahead of time</a:t>
             </a:r>
           </a:p>
           <a:p>
             <a:pPr lvl="1"/>
-            <a:r>
-              <a:rPr lang="en-US" b="1" i="1" u="sng" dirty="0"/>
-              <a:t>Incomplete</a:t>
-            </a:r>
-            <a:r>
-              <a:rPr lang="en-US" dirty="0"/>
-              <a:t>: Knowledge not shown</a:t>
+            <a:endParaRPr lang="en-US" dirty="0"/>
+          </a:p>
+          <a:p>
+            <a:r>
+              <a:rPr lang="en-US" dirty="0"/>
+              <a:t>Get on Zoom at 11:35</a:t>
             </a:r>
           </a:p>
           <a:p>
             <a:pPr lvl="1"/>
             <a:r>
-              <a:rPr lang="en-US" b="1" i="1" u="sng" dirty="0"/>
-              <a:t>Satisfactory</a:t>
-            </a:r>
-            <a:r>
-              <a:rPr lang="en-US" dirty="0"/>
-              <a:t>: Good, but noticeable issues remain </a:t>
+              <a:rPr lang="en-US" dirty="0"/>
+              <a:t>40 mins of live lecture</a:t>
             </a:r>
           </a:p>
           <a:p>
             <a:pPr lvl="1"/>
             <a:r>
-              <a:rPr lang="en-US" b="1" i="1" u="sng" dirty="0"/>
-              <a:t>Mastered</a:t>
-            </a:r>
-            <a:r>
-              <a:rPr lang="en-US" dirty="0"/>
-              <a:t>: Looks great, can have minor errors / flaws</a:t>
-            </a:r>
-          </a:p>
-          <a:p>
-            <a:r>
-              <a:rPr lang="en-US" dirty="0"/>
-              <a:t>You will have three attempts at most of these (sometimes only two due to time constraints). More details later.</a:t>
-            </a:r>
-          </a:p>
-          <a:p>
-            <a:r>
-              <a:rPr lang="en-US" dirty="0"/>
-              <a:t>(Also, a 5</a:t>
-            </a:r>
-            <a:r>
-              <a:rPr lang="en-US" baseline="30000" dirty="0"/>
-              <a:t>th</a:t>
-            </a:r>
-            <a:r>
-              <a:rPr lang="en-US" dirty="0"/>
-              <a:t> quiz at the end of the course.)</a:t>
-            </a:r>
+              <a:rPr lang="en-US" dirty="0"/>
+              <a:t>For follow-up, examples, etc.</a:t>
+            </a:r>
+          </a:p>
+          <a:p>
+            <a:pPr lvl="1"/>
+            <a:endParaRPr lang="en-US" dirty="0"/>
+          </a:p>
+          <a:p>
+            <a:endParaRPr lang="en-US" dirty="0"/>
+          </a:p>
+          <a:p>
+            <a:endParaRPr lang="en-US" dirty="0"/>
+          </a:p>
+          <a:p>
+            <a:endParaRPr lang="en-US" dirty="0"/>
           </a:p>
         </p:txBody>
       </p:sp>
     </p:spTree>
     <p:extLst>
       <p:ext uri="{BB962C8B-B14F-4D97-AF65-F5344CB8AC3E}">
-        <p14:creationId xmlns:p14="http://schemas.microsoft.com/office/powerpoint/2010/main" val="36255159"/>
+        <p14:creationId xmlns:p14="http://schemas.microsoft.com/office/powerpoint/2010/main" val="3315982312"/>
       </p:ext>
     </p:extLst>
   </p:cSld>

--- a/slides/courseintroduction.pptx
+++ b/slides/courseintroduction.pptx
@@ -5,10 +5,10 @@
     <p:sldMasterId id="2147483728" r:id="rId1"/>
   </p:sldMasterIdLst>
   <p:notesMasterIdLst>
-    <p:notesMasterId r:id="rId49"/>
+    <p:notesMasterId r:id="rId54"/>
   </p:notesMasterIdLst>
   <p:handoutMasterIdLst>
-    <p:handoutMasterId r:id="rId50"/>
+    <p:handoutMasterId r:id="rId55"/>
   </p:handoutMasterIdLst>
   <p:sldIdLst>
     <p:sldId id="447" r:id="rId2"/>
@@ -19,50 +19,55 @@
     <p:sldId id="403" r:id="rId7"/>
     <p:sldId id="470" r:id="rId8"/>
     <p:sldId id="495" r:id="rId9"/>
-    <p:sldId id="496" r:id="rId10"/>
-    <p:sldId id="474" r:id="rId11"/>
+    <p:sldId id="474" r:id="rId10"/>
+    <p:sldId id="497" r:id="rId11"/>
     <p:sldId id="487" r:id="rId12"/>
-    <p:sldId id="488" r:id="rId13"/>
-    <p:sldId id="489" r:id="rId14"/>
-    <p:sldId id="492" r:id="rId15"/>
-    <p:sldId id="490" r:id="rId16"/>
-    <p:sldId id="471" r:id="rId17"/>
-    <p:sldId id="485" r:id="rId18"/>
-    <p:sldId id="463" r:id="rId19"/>
-    <p:sldId id="464" r:id="rId20"/>
-    <p:sldId id="263" r:id="rId21"/>
-    <p:sldId id="491" r:id="rId22"/>
-    <p:sldId id="493" r:id="rId23"/>
-    <p:sldId id="396" r:id="rId24"/>
-    <p:sldId id="397" r:id="rId25"/>
-    <p:sldId id="399" r:id="rId26"/>
-    <p:sldId id="400" r:id="rId27"/>
-    <p:sldId id="475" r:id="rId28"/>
-    <p:sldId id="482" r:id="rId29"/>
-    <p:sldId id="441" r:id="rId30"/>
-    <p:sldId id="435" r:id="rId31"/>
-    <p:sldId id="436" r:id="rId32"/>
-    <p:sldId id="437" r:id="rId33"/>
-    <p:sldId id="456" r:id="rId34"/>
-    <p:sldId id="457" r:id="rId35"/>
-    <p:sldId id="454" r:id="rId36"/>
-    <p:sldId id="455" r:id="rId37"/>
-    <p:sldId id="465" r:id="rId38"/>
-    <p:sldId id="466" r:id="rId39"/>
-    <p:sldId id="434" r:id="rId40"/>
-    <p:sldId id="467" r:id="rId41"/>
-    <p:sldId id="483" r:id="rId42"/>
-    <p:sldId id="476" r:id="rId43"/>
-    <p:sldId id="477" r:id="rId44"/>
-    <p:sldId id="478" r:id="rId45"/>
-    <p:sldId id="481" r:id="rId46"/>
-    <p:sldId id="479" r:id="rId47"/>
-    <p:sldId id="480" r:id="rId48"/>
+    <p:sldId id="498" r:id="rId13"/>
+    <p:sldId id="499" r:id="rId14"/>
+    <p:sldId id="490" r:id="rId15"/>
+    <p:sldId id="488" r:id="rId16"/>
+    <p:sldId id="489" r:id="rId17"/>
+    <p:sldId id="500" r:id="rId18"/>
+    <p:sldId id="501" r:id="rId19"/>
+    <p:sldId id="492" r:id="rId20"/>
+    <p:sldId id="491" r:id="rId21"/>
+    <p:sldId id="493" r:id="rId22"/>
+    <p:sldId id="496" r:id="rId23"/>
+    <p:sldId id="471" r:id="rId24"/>
+    <p:sldId id="485" r:id="rId25"/>
+    <p:sldId id="463" r:id="rId26"/>
+    <p:sldId id="464" r:id="rId27"/>
+    <p:sldId id="263" r:id="rId28"/>
+    <p:sldId id="396" r:id="rId29"/>
+    <p:sldId id="397" r:id="rId30"/>
+    <p:sldId id="399" r:id="rId31"/>
+    <p:sldId id="400" r:id="rId32"/>
+    <p:sldId id="475" r:id="rId33"/>
+    <p:sldId id="482" r:id="rId34"/>
+    <p:sldId id="441" r:id="rId35"/>
+    <p:sldId id="435" r:id="rId36"/>
+    <p:sldId id="436" r:id="rId37"/>
+    <p:sldId id="437" r:id="rId38"/>
+    <p:sldId id="456" r:id="rId39"/>
+    <p:sldId id="457" r:id="rId40"/>
+    <p:sldId id="454" r:id="rId41"/>
+    <p:sldId id="455" r:id="rId42"/>
+    <p:sldId id="465" r:id="rId43"/>
+    <p:sldId id="466" r:id="rId44"/>
+    <p:sldId id="434" r:id="rId45"/>
+    <p:sldId id="467" r:id="rId46"/>
+    <p:sldId id="483" r:id="rId47"/>
+    <p:sldId id="476" r:id="rId48"/>
+    <p:sldId id="477" r:id="rId49"/>
+    <p:sldId id="478" r:id="rId50"/>
+    <p:sldId id="481" r:id="rId51"/>
+    <p:sldId id="479" r:id="rId52"/>
+    <p:sldId id="480" r:id="rId53"/>
   </p:sldIdLst>
   <p:sldSz cx="9144000" cy="6858000" type="screen4x3"/>
   <p:notesSz cx="7315200" cy="9601200"/>
   <p:custDataLst>
-    <p:tags r:id="rId51"/>
+    <p:tags r:id="rId56"/>
   </p:custDataLst>
   <p:defaultTextStyle>
     <a:defPPr>
@@ -939,81 +944,68 @@
       </p:grpSpPr>
       <p:sp>
         <p:nvSpPr>
-          <p:cNvPr id="51202" name="Rectangle 7"/>
-          <p:cNvSpPr>
-            <a:spLocks noGrp="1" noChangeArrowheads="1"/>
+          <p:cNvPr id="2" name="Slide Image Placeholder 1"/>
+          <p:cNvSpPr>
+            <a:spLocks noGrp="1" noRot="1" noChangeAspect="1"/>
+          </p:cNvSpPr>
+          <p:nvPr>
+            <p:ph type="sldImg"/>
+          </p:nvPr>
+        </p:nvSpPr>
+        <p:spPr/>
+      </p:sp>
+      <p:sp>
+        <p:nvSpPr>
+          <p:cNvPr id="3" name="Notes Placeholder 2"/>
+          <p:cNvSpPr>
+            <a:spLocks noGrp="1"/>
+          </p:cNvSpPr>
+          <p:nvPr>
+            <p:ph type="body" idx="1"/>
+          </p:nvPr>
+        </p:nvSpPr>
+        <p:spPr/>
+        <p:txBody>
+          <a:bodyPr/>
+          <a:lstStyle/>
+          <a:p>
+            <a:endParaRPr lang="en-US" dirty="0"/>
+          </a:p>
+        </p:txBody>
+      </p:sp>
+      <p:sp>
+        <p:nvSpPr>
+          <p:cNvPr id="4" name="Slide Number Placeholder 3"/>
+          <p:cNvSpPr>
+            <a:spLocks noGrp="1"/>
           </p:cNvSpPr>
           <p:nvPr>
             <p:ph type="sldNum" sz="quarter" idx="5"/>
           </p:nvPr>
         </p:nvSpPr>
-        <p:spPr>
-          <a:noFill/>
-        </p:spPr>
-        <p:txBody>
-          <a:bodyPr/>
-          <a:lstStyle/>
-          <a:p>
-            <a:fld id="{3A6D2E47-C92D-4534-9BB8-6325B253624D}" type="slidenum">
+        <p:spPr/>
+        <p:txBody>
+          <a:bodyPr/>
+          <a:lstStyle/>
+          <a:p>
+            <a:pPr>
+              <a:defRPr/>
+            </a:pPr>
+            <a:fld id="{31890EBB-E05E-4685-8A9C-8E0AC45FB38E}" type="slidenum">
               <a:rPr lang="en-US" smtClean="0"/>
-              <a:pPr/>
-              <a:t>32</a:t>
+              <a:pPr>
+                <a:defRPr/>
+              </a:pPr>
+              <a:t>10</a:t>
             </a:fld>
             <a:endParaRPr lang="en-US"/>
-          </a:p>
-        </p:txBody>
-      </p:sp>
-      <p:sp>
-        <p:nvSpPr>
-          <p:cNvPr id="51203" name="Rectangle 2"/>
-          <p:cNvSpPr>
-            <a:spLocks noGrp="1" noRot="1" noChangeAspect="1" noChangeArrowheads="1" noTextEdit="1"/>
-          </p:cNvSpPr>
-          <p:nvPr>
-            <p:ph type="sldImg"/>
-          </p:nvPr>
-        </p:nvSpPr>
-        <p:spPr>
-          <a:xfrm>
-            <a:off x="1258888" y="719138"/>
-            <a:ext cx="4800600" cy="3600450"/>
-          </a:xfrm>
-          <a:ln/>
-        </p:spPr>
-      </p:sp>
-      <p:sp>
-        <p:nvSpPr>
-          <p:cNvPr id="51204" name="Rectangle 3"/>
-          <p:cNvSpPr>
-            <a:spLocks noGrp="1" noChangeArrowheads="1"/>
-          </p:cNvSpPr>
-          <p:nvPr>
-            <p:ph type="body" idx="1"/>
-          </p:nvPr>
-        </p:nvSpPr>
-        <p:spPr>
-          <a:xfrm>
-            <a:off x="975915" y="4558927"/>
-            <a:ext cx="5363372" cy="4323828"/>
-          </a:xfrm>
-          <a:noFill/>
-          <a:ln/>
-        </p:spPr>
-        <p:txBody>
-          <a:bodyPr/>
-          <a:lstStyle/>
-          <a:p>
-            <a:r>
-              <a:rPr lang="en-US"/>
-              <a:t>Will this always finish?  Yes, because we have pennies!</a:t>
-            </a:r>
           </a:p>
         </p:txBody>
       </p:sp>
     </p:spTree>
     <p:extLst>
       <p:ext uri="{BB962C8B-B14F-4D97-AF65-F5344CB8AC3E}">
-        <p14:creationId xmlns:p14="http://schemas.microsoft.com/office/powerpoint/2010/main" val="1858186174"/>
+        <p14:creationId xmlns:p14="http://schemas.microsoft.com/office/powerpoint/2010/main" val="3978580002"/>
       </p:ext>
     </p:extLst>
   </p:cSld>
@@ -1042,7 +1034,7 @@
       </p:grpSpPr>
       <p:sp>
         <p:nvSpPr>
-          <p:cNvPr id="52226" name="Rectangle 7"/>
+          <p:cNvPr id="51202" name="Rectangle 7"/>
           <p:cNvSpPr>
             <a:spLocks noGrp="1" noChangeArrowheads="1"/>
           </p:cNvSpPr>
@@ -1057,10 +1049,113 @@
           <a:bodyPr/>
           <a:lstStyle/>
           <a:p>
+            <a:fld id="{3A6D2E47-C92D-4534-9BB8-6325B253624D}" type="slidenum">
+              <a:rPr lang="en-US" smtClean="0"/>
+              <a:pPr/>
+              <a:t>37</a:t>
+            </a:fld>
+            <a:endParaRPr lang="en-US"/>
+          </a:p>
+        </p:txBody>
+      </p:sp>
+      <p:sp>
+        <p:nvSpPr>
+          <p:cNvPr id="51203" name="Rectangle 2"/>
+          <p:cNvSpPr>
+            <a:spLocks noGrp="1" noRot="1" noChangeAspect="1" noChangeArrowheads="1" noTextEdit="1"/>
+          </p:cNvSpPr>
+          <p:nvPr>
+            <p:ph type="sldImg"/>
+          </p:nvPr>
+        </p:nvSpPr>
+        <p:spPr>
+          <a:xfrm>
+            <a:off x="1258888" y="719138"/>
+            <a:ext cx="4800600" cy="3600450"/>
+          </a:xfrm>
+          <a:ln/>
+        </p:spPr>
+      </p:sp>
+      <p:sp>
+        <p:nvSpPr>
+          <p:cNvPr id="51204" name="Rectangle 3"/>
+          <p:cNvSpPr>
+            <a:spLocks noGrp="1" noChangeArrowheads="1"/>
+          </p:cNvSpPr>
+          <p:nvPr>
+            <p:ph type="body" idx="1"/>
+          </p:nvPr>
+        </p:nvSpPr>
+        <p:spPr>
+          <a:xfrm>
+            <a:off x="975915" y="4558927"/>
+            <a:ext cx="5363372" cy="4323828"/>
+          </a:xfrm>
+          <a:noFill/>
+          <a:ln/>
+        </p:spPr>
+        <p:txBody>
+          <a:bodyPr/>
+          <a:lstStyle/>
+          <a:p>
+            <a:r>
+              <a:rPr lang="en-US"/>
+              <a:t>Will this always finish?  Yes, because we have pennies!</a:t>
+            </a:r>
+          </a:p>
+        </p:txBody>
+      </p:sp>
+    </p:spTree>
+    <p:extLst>
+      <p:ext uri="{BB962C8B-B14F-4D97-AF65-F5344CB8AC3E}">
+        <p14:creationId xmlns:p14="http://schemas.microsoft.com/office/powerpoint/2010/main" val="1858186174"/>
+      </p:ext>
+    </p:extLst>
+  </p:cSld>
+  <p:clrMapOvr>
+    <a:masterClrMapping/>
+  </p:clrMapOvr>
+</p:notes>
+</file>
+
+<file path=ppt/notesSlides/notesSlide3.xml><?xml version="1.0" encoding="utf-8"?>
+<p:notes xmlns:a="http://schemas.openxmlformats.org/drawingml/2006/main" xmlns:r="http://schemas.openxmlformats.org/officeDocument/2006/relationships" xmlns:p="http://schemas.openxmlformats.org/presentationml/2006/main">
+  <p:cSld>
+    <p:spTree>
+      <p:nvGrpSpPr>
+        <p:cNvPr id="1" name=""/>
+        <p:cNvGrpSpPr/>
+        <p:nvPr/>
+      </p:nvGrpSpPr>
+      <p:grpSpPr>
+        <a:xfrm>
+          <a:off x="0" y="0"/>
+          <a:ext cx="0" cy="0"/>
+          <a:chOff x="0" y="0"/>
+          <a:chExt cx="0" cy="0"/>
+        </a:xfrm>
+      </p:grpSpPr>
+      <p:sp>
+        <p:nvSpPr>
+          <p:cNvPr id="52226" name="Rectangle 7"/>
+          <p:cNvSpPr>
+            <a:spLocks noGrp="1" noChangeArrowheads="1"/>
+          </p:cNvSpPr>
+          <p:nvPr>
+            <p:ph type="sldNum" sz="quarter" idx="5"/>
+          </p:nvPr>
+        </p:nvSpPr>
+        <p:spPr>
+          <a:noFill/>
+        </p:spPr>
+        <p:txBody>
+          <a:bodyPr/>
+          <a:lstStyle/>
+          <a:p>
             <a:fld id="{0E1F8137-5628-489C-8F34-1267C6EC6E68}" type="slidenum">
               <a:rPr lang="en-US" smtClean="0"/>
               <a:pPr/>
-              <a:t>36</a:t>
+              <a:t>41</a:t>
             </a:fld>
             <a:endParaRPr lang="en-US"/>
           </a:p>
@@ -1317,7 +1412,7 @@
             <a:fld id="{E4886CB5-510A-4EF6-9466-BC7A8F0DDE87}" type="datetime1">
               <a:rPr lang="en-US" smtClean="0"/>
               <a:pPr/>
-              <a:t>2/1/21</a:t>
+              <a:t>8/18/21</a:t>
             </a:fld>
             <a:endParaRPr lang="en-US"/>
           </a:p>
@@ -1677,7 +1772,7 @@
             <a:fld id="{9B297853-24B4-4D05-83E4-0AD2E86C55E5}" type="datetime1">
               <a:rPr lang="en-US" smtClean="0"/>
               <a:pPr/>
-              <a:t>2/1/21</a:t>
+              <a:t>8/18/21</a:t>
             </a:fld>
             <a:endParaRPr lang="en-US"/>
           </a:p>
@@ -1853,7 +1948,7 @@
             <a:fld id="{01FCDD9E-5768-4705-9537-0C020B1BB310}" type="datetime1">
               <a:rPr lang="en-US" smtClean="0"/>
               <a:pPr/>
-              <a:t>2/1/21</a:t>
+              <a:t>8/18/21</a:t>
             </a:fld>
             <a:endParaRPr lang="en-US"/>
           </a:p>
@@ -2089,7 +2184,7 @@
             <a:fld id="{4257C27E-59C2-41CA-9776-94955CBEE440}" type="datetime1">
               <a:rPr lang="en-US" smtClean="0"/>
               <a:pPr/>
-              <a:t>2/1/21</a:t>
+              <a:t>8/18/21</a:t>
             </a:fld>
             <a:endParaRPr lang="en-US"/>
           </a:p>
@@ -2375,7 +2470,7 @@
             <a:fld id="{03180747-A137-49C6-9C74-AB7EE86F4904}" type="datetime1">
               <a:rPr lang="en-US" smtClean="0"/>
               <a:pPr/>
-              <a:t>2/1/21</a:t>
+              <a:t>8/18/21</a:t>
             </a:fld>
             <a:endParaRPr lang="en-US"/>
           </a:p>
@@ -2596,7 +2691,7 @@
             <a:fld id="{EBBA31D9-ADC1-480D-86A8-1EAFB6A86A35}" type="datetime1">
               <a:rPr lang="en-US" smtClean="0"/>
               <a:pPr/>
-              <a:t>2/1/21</a:t>
+              <a:t>8/18/21</a:t>
             </a:fld>
             <a:endParaRPr lang="en-US"/>
           </a:p>
@@ -2949,7 +3044,7 @@
             <a:fld id="{80AAE9AE-3B2F-4DEA-8C41-BDDF4CDF6F40}" type="datetime1">
               <a:rPr lang="en-US" smtClean="0"/>
               <a:pPr/>
-              <a:t>2/1/21</a:t>
+              <a:t>8/18/21</a:t>
             </a:fld>
             <a:endParaRPr lang="en-US"/>
           </a:p>
@@ -3182,7 +3277,7 @@
             <a:fld id="{48252F7F-E8FE-413B-8521-D4ED924C6DE5}" type="datetime1">
               <a:rPr lang="en-US" smtClean="0"/>
               <a:pPr/>
-              <a:t>2/1/21</a:t>
+              <a:t>8/18/21</a:t>
             </a:fld>
             <a:endParaRPr lang="en-US"/>
           </a:p>
@@ -3324,7 +3419,7 @@
             <a:fld id="{2FF1B124-70E3-4E4A-90E2-6B55DB7659B3}" type="datetime1">
               <a:rPr lang="en-US" smtClean="0"/>
               <a:pPr/>
-              <a:t>2/1/21</a:t>
+              <a:t>8/18/21</a:t>
             </a:fld>
             <a:endParaRPr lang="en-US"/>
           </a:p>
@@ -3602,7 +3697,7 @@
             <a:fld id="{4EBF4C98-3CD6-4C87-BD40-5718C2628835}" type="datetime1">
               <a:rPr lang="en-US" smtClean="0"/>
               <a:pPr/>
-              <a:t>2/1/21</a:t>
+              <a:t>8/18/21</a:t>
             </a:fld>
             <a:endParaRPr lang="en-US"/>
           </a:p>
@@ -4010,7 +4105,7 @@
             <a:fld id="{6D6408A8-6B1B-4CDA-875E-7BEECDBA31DF}" type="datetime1">
               <a:rPr lang="en-US" smtClean="0"/>
               <a:pPr/>
-              <a:t>2/1/21</a:t>
+              <a:t>8/18/21</a:t>
             </a:fld>
             <a:endParaRPr lang="en-US"/>
           </a:p>
@@ -4348,7 +4443,7 @@
             <a:fld id="{C55AAF07-D2F5-4B3C-B443-40DE8C337A77}" type="datetime1">
               <a:rPr lang="en-US" smtClean="0"/>
               <a:pPr/>
-              <a:t>2/1/21</a:t>
+              <a:t>8/18/21</a:t>
             </a:fld>
             <a:endParaRPr lang="en-US"/>
           </a:p>
@@ -5098,7 +5193,7 @@
           <a:p>
             <a:r>
               <a:rPr lang="en-US" dirty="0"/>
-              <a:t>Modules</a:t>
+              <a:t>Modules (Cont’d)</a:t>
             </a:r>
           </a:p>
         </p:txBody>
@@ -5146,87 +5241,58 @@
           <a:p>
             <a:r>
               <a:rPr lang="en-US" i="1" dirty="0"/>
-              <a:t>The course is divided into 4 modules</a:t>
-            </a:r>
-          </a:p>
-          <a:p>
-            <a:pPr lvl="1"/>
+              <a:t>Most modules are 2 lectures worth of content, some are 3 or 4 lectures.</a:t>
+            </a:r>
+          </a:p>
+          <a:p>
+            <a:endParaRPr lang="en-US" i="1" dirty="0"/>
+          </a:p>
+          <a:p>
             <a:r>
               <a:rPr lang="en-US" i="1" dirty="0"/>
-              <a:t>Divide and Conquer / Sorting</a:t>
+              <a:t>Each module involves:</a:t>
             </a:r>
           </a:p>
           <a:p>
             <a:pPr lvl="1"/>
             <a:r>
               <a:rPr lang="en-US" i="1" dirty="0"/>
-              <a:t>Graphs, MST, Find-Union</a:t>
+              <a:t>2-4 lectures worth of content</a:t>
             </a:r>
           </a:p>
           <a:p>
             <a:pPr lvl="1"/>
             <a:r>
               <a:rPr lang="en-US" i="1" dirty="0"/>
-              <a:t>Greedy Algorithms and Dynamic Programming</a:t>
+              <a:t>1 </a:t>
+            </a:r>
+            <a:r>
+              <a:rPr lang="en-US" dirty="0"/>
+              <a:t>homework assignment</a:t>
             </a:r>
           </a:p>
           <a:p>
             <a:pPr lvl="1"/>
             <a:r>
               <a:rPr lang="en-US" i="1" dirty="0"/>
-              <a:t>Network Flow and Reductions</a:t>
-            </a:r>
-          </a:p>
-          <a:p>
+              <a:t>1 quiz (assessment)</a:t>
+            </a:r>
+          </a:p>
+          <a:p>
+            <a:pPr lvl="1"/>
             <a:endParaRPr lang="en-US" i="1" dirty="0"/>
           </a:p>
           <a:p>
-            <a:r>
-              <a:rPr lang="en-US" i="1" dirty="0"/>
-              <a:t>Each is approximately 3 weeks of content. Each contains:</a:t>
-            </a:r>
-          </a:p>
-          <a:p>
-            <a:pPr lvl="1"/>
-            <a:r>
-              <a:rPr lang="en-US" i="1" dirty="0"/>
-              <a:t>2 basic </a:t>
-            </a:r>
-            <a:r>
-              <a:rPr lang="en-US" i="1" dirty="0" err="1"/>
-              <a:t>homeworks</a:t>
-            </a:r>
             <a:endParaRPr lang="en-US" i="1" dirty="0"/>
           </a:p>
-          <a:p>
-            <a:pPr lvl="1"/>
-            <a:r>
-              <a:rPr lang="en-US" i="1" dirty="0"/>
-              <a:t>2 advanced </a:t>
-            </a:r>
-            <a:r>
-              <a:rPr lang="en-US" i="1" dirty="0" err="1"/>
-              <a:t>homeworks</a:t>
-            </a:r>
-            <a:endParaRPr lang="en-US" i="1" dirty="0"/>
-          </a:p>
-          <a:p>
-            <a:pPr lvl="1"/>
-            <a:r>
-              <a:rPr lang="en-US" i="1" dirty="0"/>
-              <a:t>1 quiz</a:t>
-            </a:r>
-          </a:p>
-          <a:p>
-            <a:pPr lvl="1"/>
-            <a:r>
-              <a:rPr lang="en-US" i="1" dirty="0"/>
-              <a:t>More on all this in a moment</a:t>
-            </a:r>
-          </a:p>
         </p:txBody>
       </p:sp>
     </p:spTree>
+    <p:extLst>
+      <p:ext uri="{BB962C8B-B14F-4D97-AF65-F5344CB8AC3E}">
+        <p14:creationId xmlns:p14="http://schemas.microsoft.com/office/powerpoint/2010/main" val="1407817938"/>
+      </p:ext>
+    </p:extLst>
   </p:cSld>
   <p:clrMapOvr>
     <a:masterClrMapping/>
@@ -5319,81 +5385,63 @@
           <a:p>
             <a:r>
               <a:rPr lang="en-US" dirty="0"/>
-              <a:t>Short assessments for each of the four modules</a:t>
-            </a:r>
-          </a:p>
-          <a:p>
-            <a:pPr lvl="1"/>
-            <a:r>
-              <a:rPr lang="en-US" dirty="0"/>
-              <a:t>Will be take-home over an ~24 hour period</a:t>
-            </a:r>
-          </a:p>
-          <a:p>
-            <a:pPr lvl="1"/>
-            <a:r>
-              <a:rPr lang="en-US" dirty="0"/>
-              <a:t>Meant to challenge your problem-solving skills, make sure you attended class, force you to analyze across topics, etc.</a:t>
-            </a:r>
-          </a:p>
-          <a:p>
-            <a:r>
-              <a:rPr lang="en-US" dirty="0"/>
-              <a:t>Three possible grade outcomes:</a:t>
-            </a:r>
-          </a:p>
-          <a:p>
-            <a:pPr lvl="1"/>
-            <a:r>
-              <a:rPr lang="en-US" b="1" i="1" u="sng" dirty="0"/>
-              <a:t>Incomplete</a:t>
-            </a:r>
-            <a:r>
-              <a:rPr lang="en-US" dirty="0"/>
-              <a:t>: Knowledge not shown</a:t>
-            </a:r>
-          </a:p>
-          <a:p>
-            <a:pPr lvl="1"/>
-            <a:r>
-              <a:rPr lang="en-US" b="1" i="1" u="sng" dirty="0"/>
-              <a:t>Satisfactory</a:t>
-            </a:r>
-            <a:r>
-              <a:rPr lang="en-US" dirty="0"/>
-              <a:t>: Good, but noticeable issues remain </a:t>
-            </a:r>
-          </a:p>
-          <a:p>
-            <a:pPr lvl="1"/>
-            <a:r>
-              <a:rPr lang="en-US" b="1" i="1" u="sng" dirty="0"/>
-              <a:t>Mastered</a:t>
-            </a:r>
-            <a:r>
-              <a:rPr lang="en-US" dirty="0"/>
-              <a:t>: Looks great, can have minor errors / flaws</a:t>
-            </a:r>
-          </a:p>
-          <a:p>
-            <a:r>
-              <a:rPr lang="en-US" dirty="0"/>
-              <a:t>You will have three attempts at most of these (sometimes only two due to time constraints). More details later.</a:t>
-            </a:r>
-          </a:p>
-          <a:p>
-            <a:r>
-              <a:rPr lang="en-US" dirty="0"/>
-              <a:t>(Also, a 5</a:t>
-            </a:r>
-            <a:r>
-              <a:rPr lang="en-US" baseline="30000" dirty="0"/>
-              <a:t>th</a:t>
-            </a:r>
-            <a:r>
-              <a:rPr lang="en-US" dirty="0"/>
-              <a:t> quiz at the end of the course.)</a:t>
-            </a:r>
+              <a:t>Short assessments of your knowledge in each module</a:t>
+            </a:r>
+          </a:p>
+          <a:p>
+            <a:pPr lvl="1"/>
+            <a:r>
+              <a:rPr lang="en-US" dirty="0"/>
+              <a:t>Meant to ensure you have knowledge of the individual topics from lecture to a sufficient degree.</a:t>
+            </a:r>
+          </a:p>
+          <a:p>
+            <a:endParaRPr lang="en-US" dirty="0"/>
+          </a:p>
+          <a:p>
+            <a:r>
+              <a:rPr lang="en-US" dirty="0"/>
+              <a:t>There are five different dates to take quizzes (in lecture)</a:t>
+            </a:r>
+          </a:p>
+          <a:p>
+            <a:pPr lvl="1"/>
+            <a:r>
+              <a:rPr lang="en-US" sz="2000" dirty="0"/>
+              <a:t>Tue, Sep. 21		Mod 1-3 (first attempts)</a:t>
+            </a:r>
+          </a:p>
+          <a:p>
+            <a:pPr lvl="1"/>
+            <a:r>
+              <a:rPr lang="en-US" sz="2000" dirty="0"/>
+              <a:t>Thu, Oct. 7		Mod 1-3 (second attempt), 4-5 (first attempt)</a:t>
+            </a:r>
+          </a:p>
+          <a:p>
+            <a:pPr lvl="1"/>
+            <a:r>
+              <a:rPr lang="en-US" sz="2000" dirty="0"/>
+              <a:t>Tue, Nov. 16		Mod 4-5 (second attempt), 6-8 (first attempt)</a:t>
+            </a:r>
+          </a:p>
+          <a:p>
+            <a:pPr lvl="1"/>
+            <a:r>
+              <a:rPr lang="en-US" sz="2000" dirty="0"/>
+              <a:t>Thu, Dec. 2		Mod 6-8 (second attempt), 9-10 (first attempt)</a:t>
+            </a:r>
+          </a:p>
+          <a:p>
+            <a:pPr lvl="1"/>
+            <a:r>
+              <a:rPr lang="en-US" sz="2000" dirty="0"/>
+              <a:t>Final Exam		Mod 1-10 (final attempts)</a:t>
+            </a:r>
+          </a:p>
+          <a:p>
+            <a:pPr lvl="1"/>
+            <a:endParaRPr lang="en-US" dirty="0"/>
           </a:p>
         </p:txBody>
       </p:sp>
@@ -5448,10 +5496,9 @@
           <a:lstStyle/>
           <a:p>
             <a:r>
-              <a:rPr lang="en-US" dirty="0" err="1"/>
-              <a:t>Homeworks</a:t>
-            </a:r>
-            <a:endParaRPr lang="en-US" dirty="0"/>
+              <a:rPr lang="en-US" dirty="0"/>
+              <a:t>Quizzes</a:t>
+            </a:r>
           </a:p>
         </p:txBody>
       </p:sp>
@@ -5491,77 +5538,87 @@
         </p:nvSpPr>
         <p:spPr/>
         <p:txBody>
-          <a:bodyPr>
-            <a:normAutofit lnSpcReduction="10000"/>
-          </a:bodyPr>
-          <a:lstStyle/>
-          <a:p>
-            <a:pPr algn="l"/>
-            <a:r>
-              <a:rPr lang="en-US" dirty="0"/>
-              <a:t>Most </a:t>
-            </a:r>
-            <a:r>
-              <a:rPr lang="en-US" dirty="0" err="1"/>
-              <a:t>Homeworks</a:t>
-            </a:r>
-            <a:r>
-              <a:rPr lang="en-US" dirty="0"/>
-              <a:t> are programming assignments or written descriptions of algorithms / proofs</a:t>
-            </a:r>
-          </a:p>
-          <a:p>
-            <a:r>
-              <a:rPr lang="en-US" dirty="0"/>
-              <a:t>Programming HW:</a:t>
-            </a:r>
-          </a:p>
-          <a:p>
-            <a:pPr lvl="1"/>
-            <a:r>
-              <a:rPr lang="en-US" dirty="0"/>
-              <a:t>Can be written in Java, C++, or Python (your choice)</a:t>
-            </a:r>
-          </a:p>
-          <a:p>
-            <a:pPr lvl="1"/>
-            <a:r>
-              <a:rPr lang="en-US" dirty="0"/>
-              <a:t>Homework will specify the problem, input, and output specs. That is it. Sometimes a target runtime will be given</a:t>
-            </a:r>
-          </a:p>
-          <a:p>
-            <a:pPr lvl="1"/>
-            <a:r>
-              <a:rPr lang="en-US" dirty="0"/>
-              <a:t>Must also submit a written summary of your approach, and description of runtime complexity</a:t>
-            </a:r>
-          </a:p>
-          <a:p>
-            <a:r>
-              <a:rPr lang="en-US" dirty="0"/>
-              <a:t>Written HW</a:t>
-            </a:r>
-          </a:p>
-          <a:p>
-            <a:pPr lvl="1"/>
-            <a:r>
-              <a:rPr lang="en-US" dirty="0"/>
-              <a:t>Solving small problems, analyzing runtimes, etc.</a:t>
-            </a:r>
-          </a:p>
-          <a:p>
-            <a:pPr lvl="1"/>
-            <a:r>
-              <a:rPr lang="en-US" dirty="0"/>
-              <a:t>Sometimes proofs of correctness, etc.</a:t>
-            </a:r>
-          </a:p>
-          <a:p>
-            <a:pPr lvl="1"/>
-            <a:r>
-              <a:rPr lang="en-US" dirty="0"/>
-              <a:t>Written in Latex (tutorial on course webpage)</a:t>
+          <a:bodyPr/>
+          <a:lstStyle/>
+          <a:p>
+            <a:r>
+              <a:rPr lang="en-US" dirty="0"/>
+              <a:t>Three possible grade outcomes </a:t>
+            </a:r>
+            <a:r>
+              <a:rPr lang="en-US" b="1" i="1" u="sng" dirty="0"/>
+              <a:t>for each module</a:t>
+            </a:r>
+            <a:r>
+              <a:rPr lang="en-US" dirty="0"/>
+              <a:t>:</a:t>
+            </a:r>
+          </a:p>
+          <a:p>
+            <a:pPr lvl="1"/>
+            <a:r>
+              <a:rPr lang="en-US" b="1" i="1" u="sng" dirty="0"/>
+              <a:t>Incomplete</a:t>
+            </a:r>
+            <a:r>
+              <a:rPr lang="en-US" dirty="0"/>
+              <a:t>: Knowledge not shown</a:t>
+            </a:r>
+          </a:p>
+          <a:p>
+            <a:pPr lvl="1"/>
+            <a:r>
+              <a:rPr lang="en-US" b="1" i="1" u="sng" dirty="0"/>
+              <a:t>Pass</a:t>
+            </a:r>
+            <a:r>
+              <a:rPr lang="en-US" dirty="0"/>
+              <a:t>: You know the minimum needed to pass this module</a:t>
+            </a:r>
+          </a:p>
+          <a:p>
+            <a:pPr lvl="1"/>
+            <a:r>
+              <a:rPr lang="en-US" b="1" i="1" u="sng" dirty="0"/>
+              <a:t>High-Pass</a:t>
+            </a:r>
+            <a:r>
+              <a:rPr lang="en-US" dirty="0"/>
+              <a:t>: You did VERY well on this topic.</a:t>
+            </a:r>
+          </a:p>
+          <a:p>
+            <a:endParaRPr lang="en-US" dirty="0"/>
+          </a:p>
+          <a:p>
+            <a:r>
+              <a:rPr lang="en-US" dirty="0"/>
+              <a:t>You always receive the highest grade over all attempts</a:t>
+            </a:r>
+          </a:p>
+          <a:p>
+            <a:r>
+              <a:rPr lang="en-US" dirty="0"/>
+              <a:t>Your quiz grade for a module can never decrease</a:t>
+            </a:r>
+          </a:p>
+          <a:p>
+            <a:r>
+              <a:rPr lang="en-US" dirty="0"/>
+              <a:t>You can take module quizzes multiple times</a:t>
+            </a:r>
+          </a:p>
+          <a:p>
+            <a:r>
+              <a:rPr lang="en-US" dirty="0"/>
+              <a:t>You never need to retake a quiz once you get a high-pass</a:t>
+            </a:r>
+          </a:p>
+          <a:p>
+            <a:pPr lvl="1"/>
+            <a:r>
+              <a:rPr lang="en-US" dirty="0"/>
+              <a:t>Though you may decide that “pass” is good enough for you and choose not to retake a particular quiz</a:t>
             </a:r>
           </a:p>
         </p:txBody>
@@ -5569,7 +5626,7 @@
     </p:spTree>
     <p:extLst>
       <p:ext uri="{BB962C8B-B14F-4D97-AF65-F5344CB8AC3E}">
-        <p14:creationId xmlns:p14="http://schemas.microsoft.com/office/powerpoint/2010/main" val="2696101080"/>
+        <p14:creationId xmlns:p14="http://schemas.microsoft.com/office/powerpoint/2010/main" val="3311349784"/>
       </p:ext>
     </p:extLst>
   </p:cSld>
@@ -5618,7 +5675,7 @@
           <a:p>
             <a:r>
               <a:rPr lang="en-US" dirty="0"/>
-              <a:t>Homework Grades</a:t>
+              <a:t>Quizzes (quick example)</a:t>
             </a:r>
           </a:p>
         </p:txBody>
@@ -5659,69 +5716,97 @@
         </p:nvSpPr>
         <p:spPr/>
         <p:txBody>
-          <a:bodyPr/>
-          <a:lstStyle/>
-          <a:p>
+          <a:bodyPr>
+            <a:normAutofit fontScale="92500" lnSpcReduction="10000"/>
+          </a:bodyPr>
+          <a:lstStyle/>
+          <a:p>
+            <a:r>
+              <a:rPr lang="en-US" dirty="0"/>
+              <a:t>Quiz Day 1:</a:t>
+            </a:r>
+          </a:p>
+          <a:p>
+            <a:pPr lvl="1"/>
             <a:r>
               <a:rPr lang="en-US" dirty="0" err="1"/>
-              <a:t>Homeworks</a:t>
-            </a:r>
-            <a:r>
-              <a:rPr lang="en-US" dirty="0"/>
-              <a:t> also have three grade levels:</a:t>
-            </a:r>
-          </a:p>
-          <a:p>
-            <a:pPr lvl="1"/>
+              <a:t>Floryan</a:t>
+            </a:r>
+            <a:r>
+              <a:rPr lang="en-US" dirty="0"/>
+              <a:t> takes quizzes 1-3</a:t>
+            </a:r>
+          </a:p>
+          <a:p>
+            <a:pPr lvl="1"/>
+            <a:r>
+              <a:rPr lang="en-US" dirty="0" err="1"/>
+              <a:t>Floryan</a:t>
+            </a:r>
+            <a:r>
+              <a:rPr lang="en-US" dirty="0"/>
+              <a:t> receives a high-pass, pass, and incomplete (fail) on them respectively. **Note that the score is PER MODULE</a:t>
+            </a:r>
+          </a:p>
+          <a:p>
+            <a:pPr lvl="1"/>
+            <a:endParaRPr lang="en-US" dirty="0"/>
+          </a:p>
+          <a:p>
+            <a:r>
+              <a:rPr lang="en-US" dirty="0"/>
+              <a:t>Quiz Day 2:</a:t>
+            </a:r>
+          </a:p>
+          <a:p>
+            <a:pPr lvl="1"/>
+            <a:r>
+              <a:rPr lang="en-US" dirty="0" err="1"/>
+              <a:t>Floryan</a:t>
+            </a:r>
+            <a:r>
+              <a:rPr lang="en-US" dirty="0"/>
+              <a:t> DOES NOT need to retake module 1</a:t>
+            </a:r>
+          </a:p>
+          <a:p>
+            <a:pPr lvl="1"/>
+            <a:r>
+              <a:rPr lang="en-US" dirty="0" err="1"/>
+              <a:t>Floryan</a:t>
+            </a:r>
+            <a:r>
+              <a:rPr lang="en-US" dirty="0"/>
+              <a:t> MIGHT choose to retry module 2 (get pass to high pass)</a:t>
+            </a:r>
+          </a:p>
+          <a:p>
+            <a:pPr lvl="1"/>
+            <a:r>
+              <a:rPr lang="en-US" dirty="0" err="1"/>
+              <a:t>Floryan</a:t>
+            </a:r>
+            <a:r>
+              <a:rPr lang="en-US" dirty="0"/>
+              <a:t> will attempt modules 4-5 for the first time</a:t>
+            </a:r>
+          </a:p>
+          <a:p>
+            <a:pPr lvl="1"/>
+            <a:endParaRPr lang="en-US" dirty="0"/>
+          </a:p>
+          <a:p>
+            <a:r>
+              <a:rPr lang="en-US" dirty="0"/>
+              <a:t>In general: always attempt quizzes you haven’t passed </a:t>
+            </a:r>
             <a:r>
               <a:rPr lang="en-US" b="1" i="1" u="sng" dirty="0"/>
-              <a:t>Incomplete</a:t>
-            </a:r>
-            <a:r>
-              <a:rPr lang="en-US" dirty="0"/>
-              <a:t>: HW is not complete or does not show a minimum level of competence.</a:t>
-            </a:r>
-          </a:p>
-          <a:p>
-            <a:pPr lvl="1"/>
-            <a:r>
-              <a:rPr lang="en-US" b="1" i="1" u="sng" dirty="0"/>
-              <a:t>Satisfactory</a:t>
-            </a:r>
-            <a:r>
-              <a:rPr lang="en-US" dirty="0"/>
-              <a:t>: HW is good, but contains noticeable issues that need to be addressed.</a:t>
-            </a:r>
-          </a:p>
-          <a:p>
-            <a:pPr lvl="1"/>
-            <a:r>
-              <a:rPr lang="en-US" b="1" i="1" u="sng" dirty="0"/>
-              <a:t>Mastered</a:t>
-            </a:r>
-            <a:r>
-              <a:rPr lang="en-US" dirty="0"/>
-              <a:t>: HW looks very good, might contain minor errors.</a:t>
-            </a:r>
-          </a:p>
-          <a:p>
-            <a:endParaRPr lang="en-US" dirty="0"/>
-          </a:p>
-          <a:p>
-            <a:r>
-              <a:rPr lang="en-US" dirty="0" err="1"/>
-              <a:t>Homeworks</a:t>
-            </a:r>
-            <a:r>
-              <a:rPr lang="en-US" dirty="0"/>
-              <a:t> can be submitted multiple times to allow you to reach higher grade levels. </a:t>
-            </a:r>
-          </a:p>
-          <a:p>
-            <a:pPr lvl="1"/>
-            <a:r>
-              <a:rPr lang="en-US" dirty="0"/>
-              <a:t>Some restrictions apply. More on this when we look at the schedule.</a:t>
+              <a:t>FIRST</a:t>
+            </a:r>
+            <a:r>
+              <a:rPr lang="en-US" dirty="0"/>
+              <a:t>, then try to retake old quizzes you’ve passed to get high-pass second.</a:t>
             </a:r>
           </a:p>
         </p:txBody>
@@ -5729,7 +5814,7 @@
     </p:spTree>
     <p:extLst>
       <p:ext uri="{BB962C8B-B14F-4D97-AF65-F5344CB8AC3E}">
-        <p14:creationId xmlns:p14="http://schemas.microsoft.com/office/powerpoint/2010/main" val="59157919"/>
+        <p14:creationId xmlns:p14="http://schemas.microsoft.com/office/powerpoint/2010/main" val="2724348503"/>
       </p:ext>
     </p:extLst>
   </p:cSld>
@@ -5758,27 +5843,110 @@
       </p:grpSpPr>
       <p:sp>
         <p:nvSpPr>
-          <p:cNvPr id="12290" name="Rectangle 2"/>
-          <p:cNvSpPr>
-            <a:spLocks noGrp="1" noChangeArrowheads="1"/>
+          <p:cNvPr id="18434" name="Title 1"/>
+          <p:cNvSpPr>
+            <a:spLocks noGrp="1"/>
           </p:cNvSpPr>
           <p:nvPr>
             <p:ph type="title"/>
           </p:nvPr>
         </p:nvSpPr>
-        <p:spPr>
-          <a:xfrm>
-            <a:off x="457200" y="152400"/>
-            <a:ext cx="8229600" cy="990600"/>
-          </a:xfrm>
-        </p:spPr>
-        <p:txBody>
-          <a:bodyPr/>
-          <a:lstStyle/>
-          <a:p>
-            <a:r>
-              <a:rPr lang="en-US" dirty="0"/>
-              <a:t>Quiz and Homework Deadlines</a:t>
+        <p:spPr/>
+        <p:txBody>
+          <a:bodyPr/>
+          <a:lstStyle/>
+          <a:p>
+            <a:r>
+              <a:rPr lang="en-US" dirty="0"/>
+              <a:t>Final Exam</a:t>
+            </a:r>
+          </a:p>
+        </p:txBody>
+      </p:sp>
+      <p:sp>
+        <p:nvSpPr>
+          <p:cNvPr id="18435" name="Content Placeholder 2"/>
+          <p:cNvSpPr>
+            <a:spLocks noGrp="1"/>
+          </p:cNvSpPr>
+          <p:nvPr>
+            <p:ph sz="quarter" idx="1"/>
+          </p:nvPr>
+        </p:nvSpPr>
+        <p:spPr/>
+        <p:txBody>
+          <a:bodyPr>
+            <a:normAutofit/>
+          </a:bodyPr>
+          <a:lstStyle/>
+          <a:p>
+            <a:pPr algn="l"/>
+            <a:r>
+              <a:rPr lang="en-US" dirty="0"/>
+              <a:t>Our final exam time will be used to:</a:t>
+            </a:r>
+          </a:p>
+          <a:p>
+            <a:pPr lvl="1" algn="l"/>
+            <a:r>
+              <a:rPr lang="en-US" dirty="0"/>
+              <a:t>Provide you with </a:t>
+            </a:r>
+            <a:r>
+              <a:rPr lang="en-US" b="1" i="1" u="sng" dirty="0"/>
+              <a:t>one more attempt at every quiz</a:t>
+            </a:r>
+          </a:p>
+          <a:p>
+            <a:pPr lvl="1" algn="l"/>
+            <a:r>
+              <a:rPr lang="en-US" dirty="0"/>
+              <a:t>You will </a:t>
+            </a:r>
+            <a:r>
+              <a:rPr lang="en-US" b="1" i="1" u="sng" dirty="0"/>
+              <a:t>ONLY attempt quizzes </a:t>
+            </a:r>
+            <a:r>
+              <a:rPr lang="en-US" dirty="0"/>
+              <a:t>for which you </a:t>
+            </a:r>
+            <a:r>
+              <a:rPr lang="en-US" b="1" i="1" u="sng" dirty="0"/>
+              <a:t>haven’t passed </a:t>
+            </a:r>
+            <a:r>
+              <a:rPr lang="en-US" dirty="0"/>
+              <a:t>or wish to increase your grade further (to high-pass)</a:t>
+            </a:r>
+          </a:p>
+          <a:p>
+            <a:pPr lvl="1" algn="l"/>
+            <a:r>
+              <a:rPr lang="en-US" dirty="0"/>
+              <a:t>This means if you’ve already passed every quiz, you do not need to take the final exam.</a:t>
+            </a:r>
+          </a:p>
+          <a:p>
+            <a:pPr lvl="2" algn="l"/>
+            <a:r>
+              <a:rPr lang="en-US" dirty="0"/>
+              <a:t>Likewise, some of you will come in to take 1 or 2 quizzes only, and that is fine.</a:t>
+            </a:r>
+          </a:p>
+          <a:p>
+            <a:pPr lvl="1" algn="l"/>
+            <a:r>
+              <a:rPr lang="en-US" dirty="0"/>
+              <a:t>We </a:t>
+            </a:r>
+            <a:r>
+              <a:rPr lang="en-US" b="1" i="1" u="sng" dirty="0"/>
+              <a:t>DO NOT RECOMMEND </a:t>
+            </a:r>
+            <a:r>
+              <a:rPr lang="en-US" dirty="0"/>
+              <a:t>attempting all 10 quizzes once during the final.</a:t>
             </a:r>
           </a:p>
         </p:txBody>
@@ -5803,110 +5971,14 @@
               <a:pPr/>
               <a:t>14</a:t>
             </a:fld>
-            <a:endParaRPr lang="en-US"/>
-          </a:p>
-        </p:txBody>
-      </p:sp>
-      <p:sp>
-        <p:nvSpPr>
-          <p:cNvPr id="12291" name="Rectangle 3"/>
-          <p:cNvSpPr>
-            <a:spLocks noGrp="1" noChangeArrowheads="1"/>
-          </p:cNvSpPr>
-          <p:nvPr>
-            <p:ph sz="quarter" idx="1"/>
-          </p:nvPr>
-        </p:nvSpPr>
-        <p:spPr/>
-        <p:txBody>
-          <a:bodyPr>
-            <a:normAutofit lnSpcReduction="10000"/>
-          </a:bodyPr>
-          <a:lstStyle/>
-          <a:p>
-            <a:r>
-              <a:rPr lang="en-US" sz="2800" dirty="0"/>
-              <a:t>Let’s look at schedule on course website </a:t>
-            </a:r>
-            <a:r>
-              <a:rPr lang="en-US" sz="2800" dirty="0">
-                <a:sym typeface="Wingdings" pitchFamily="2" charset="2"/>
-              </a:rPr>
-              <a:t></a:t>
-            </a:r>
-          </a:p>
-          <a:p>
-            <a:endParaRPr lang="en-US" sz="2800" dirty="0">
-              <a:sym typeface="Wingdings" pitchFamily="2" charset="2"/>
-            </a:endParaRPr>
-          </a:p>
-          <a:p>
-            <a:r>
-              <a:rPr lang="en-US" sz="2800" dirty="0">
-                <a:sym typeface="Wingdings" pitchFamily="2" charset="2"/>
-              </a:rPr>
-              <a:t>Summary:</a:t>
-            </a:r>
-          </a:p>
-          <a:p>
-            <a:pPr lvl="1"/>
-            <a:r>
-              <a:rPr lang="en-US" sz="2400" dirty="0">
-                <a:sym typeface="Wingdings" pitchFamily="2" charset="2"/>
-              </a:rPr>
-              <a:t>Quizzes are at end of every module. Most have a second attempt during the next module (if time allows)</a:t>
-            </a:r>
-          </a:p>
-          <a:p>
-            <a:pPr lvl="1"/>
-            <a:r>
-              <a:rPr lang="en-US" sz="2400" dirty="0"/>
-              <a:t>A final “putting it all together” quiz</a:t>
-            </a:r>
-            <a:endParaRPr lang="en-US" sz="2400" dirty="0">
-              <a:sym typeface="Wingdings" pitchFamily="2" charset="2"/>
-            </a:endParaRPr>
-          </a:p>
-          <a:p>
-            <a:pPr lvl="1"/>
-            <a:r>
-              <a:rPr lang="en-US" sz="2400" dirty="0" err="1">
-                <a:sym typeface="Wingdings" pitchFamily="2" charset="2"/>
-              </a:rPr>
-              <a:t>Homeworks</a:t>
-            </a:r>
-            <a:r>
-              <a:rPr lang="en-US" sz="2400" dirty="0">
-                <a:sym typeface="Wingdings" pitchFamily="2" charset="2"/>
-              </a:rPr>
-              <a:t> have a soft deadline and a hard deadline</a:t>
-            </a:r>
-          </a:p>
-          <a:p>
-            <a:pPr lvl="2"/>
-            <a:r>
-              <a:rPr lang="en-US" sz="2400" dirty="0">
-                <a:sym typeface="Wingdings" pitchFamily="2" charset="2"/>
-              </a:rPr>
-              <a:t>Will be graded and feedback given if submitted at either deadline.</a:t>
-            </a:r>
-          </a:p>
-          <a:p>
-            <a:pPr lvl="2"/>
-            <a:r>
-              <a:rPr lang="en-US" sz="2400" dirty="0">
-                <a:sym typeface="Wingdings" pitchFamily="2" charset="2"/>
-              </a:rPr>
-              <a:t>Expectation is you will submit at soft deadline, and resubmit at hard deadline IF you don’t pass the HW. But…up to you.</a:t>
-            </a:r>
-            <a:endParaRPr lang="en-US" sz="2400" dirty="0"/>
+            <a:endParaRPr lang="en-US" dirty="0"/>
           </a:p>
         </p:txBody>
       </p:sp>
     </p:spTree>
     <p:extLst>
       <p:ext uri="{BB962C8B-B14F-4D97-AF65-F5344CB8AC3E}">
-        <p14:creationId xmlns:p14="http://schemas.microsoft.com/office/powerpoint/2010/main" val="1233055087"/>
+        <p14:creationId xmlns:p14="http://schemas.microsoft.com/office/powerpoint/2010/main" val="3820992401"/>
       </p:ext>
     </p:extLst>
   </p:cSld>
@@ -5935,94 +6007,29 @@
       </p:grpSpPr>
       <p:sp>
         <p:nvSpPr>
-          <p:cNvPr id="18434" name="Title 1"/>
-          <p:cNvSpPr>
-            <a:spLocks noGrp="1"/>
+          <p:cNvPr id="12290" name="Rectangle 2"/>
+          <p:cNvSpPr>
+            <a:spLocks noGrp="1" noChangeArrowheads="1"/>
           </p:cNvSpPr>
           <p:nvPr>
             <p:ph type="title"/>
           </p:nvPr>
         </p:nvSpPr>
-        <p:spPr/>
-        <p:txBody>
-          <a:bodyPr/>
-          <a:lstStyle/>
-          <a:p>
-            <a:r>
-              <a:rPr lang="en-US" dirty="0"/>
-              <a:t>Final Exam</a:t>
-            </a:r>
-          </a:p>
-        </p:txBody>
-      </p:sp>
-      <p:sp>
-        <p:nvSpPr>
-          <p:cNvPr id="18435" name="Content Placeholder 2"/>
-          <p:cNvSpPr>
-            <a:spLocks noGrp="1"/>
-          </p:cNvSpPr>
-          <p:nvPr>
-            <p:ph sz="quarter" idx="1"/>
-          </p:nvPr>
-        </p:nvSpPr>
-        <p:spPr/>
-        <p:txBody>
-          <a:bodyPr>
-            <a:normAutofit/>
-          </a:bodyPr>
-          <a:lstStyle/>
-          <a:p>
-            <a:pPr algn="l"/>
-            <a:r>
-              <a:rPr lang="en-US" dirty="0"/>
-              <a:t>Our final exam time will be used to:</a:t>
-            </a:r>
-            <a:br>
-              <a:rPr lang="en-US" dirty="0"/>
-            </a:br>
-            <a:r>
-              <a:rPr lang="en-US" dirty="0"/>
-              <a:t>      Provide another attempt at each module quiz, and</a:t>
-            </a:r>
-            <a:br>
-              <a:rPr lang="en-US" dirty="0"/>
-            </a:br>
-            <a:r>
-              <a:rPr lang="en-US" dirty="0"/>
-              <a:t>      Take the “putting it all together” quiz.</a:t>
-            </a:r>
-          </a:p>
-          <a:p>
-            <a:pPr lvl="1"/>
+        <p:spPr>
+          <a:xfrm>
+            <a:off x="457200" y="152400"/>
+            <a:ext cx="8229600" cy="990600"/>
+          </a:xfrm>
+        </p:spPr>
+        <p:txBody>
+          <a:bodyPr/>
+          <a:lstStyle/>
+          <a:p>
+            <a:r>
+              <a:rPr lang="en-US" dirty="0" err="1"/>
+              <a:t>Homeworks</a:t>
+            </a:r>
             <a:endParaRPr lang="en-US" dirty="0"/>
-          </a:p>
-          <a:p>
-            <a:pPr lvl="1"/>
-            <a:r>
-              <a:rPr lang="en-US" dirty="0"/>
-              <a:t>You will be given five quizzes, one per module and a final “putting it all together” quiz.</a:t>
-            </a:r>
-          </a:p>
-          <a:p>
-            <a:pPr lvl="1"/>
-            <a:r>
-              <a:rPr lang="en-US" dirty="0"/>
-              <a:t>If you already passed some of these, you don’t need to do them again during the final.</a:t>
-            </a:r>
-          </a:p>
-          <a:p>
-            <a:pPr lvl="1"/>
-            <a:r>
-              <a:rPr lang="en-US" dirty="0"/>
-              <a:t>If you want to reattempt any quiz (or multiple ones) you may do so.</a:t>
-            </a:r>
-          </a:p>
-          <a:p>
-            <a:pPr lvl="1"/>
-            <a:r>
-              <a:rPr lang="en-US" dirty="0"/>
-              <a:t>This will be your ONLY ATTEMPT at the “putting it all together” quiz. </a:t>
-            </a:r>
           </a:p>
         </p:txBody>
       </p:sp>
@@ -6046,14 +6053,97 @@
               <a:pPr/>
               <a:t>15</a:t>
             </a:fld>
-            <a:endParaRPr lang="en-US" dirty="0"/>
+            <a:endParaRPr lang="en-US"/>
+          </a:p>
+        </p:txBody>
+      </p:sp>
+      <p:sp>
+        <p:nvSpPr>
+          <p:cNvPr id="12291" name="Rectangle 3"/>
+          <p:cNvSpPr>
+            <a:spLocks noGrp="1" noChangeArrowheads="1"/>
+          </p:cNvSpPr>
+          <p:nvPr>
+            <p:ph sz="quarter" idx="1"/>
+          </p:nvPr>
+        </p:nvSpPr>
+        <p:spPr/>
+        <p:txBody>
+          <a:bodyPr>
+            <a:normAutofit/>
+          </a:bodyPr>
+          <a:lstStyle/>
+          <a:p>
+            <a:pPr algn="l"/>
+            <a:r>
+              <a:rPr lang="en-US" dirty="0"/>
+              <a:t>Each of the 10 modules has one homework associated</a:t>
+            </a:r>
+          </a:p>
+          <a:p>
+            <a:r>
+              <a:rPr lang="en-US" b="1" i="1" u="sng" dirty="0"/>
+              <a:t>Programming HW</a:t>
+            </a:r>
+            <a:r>
+              <a:rPr lang="en-US" dirty="0"/>
+              <a:t>:</a:t>
+            </a:r>
+          </a:p>
+          <a:p>
+            <a:pPr lvl="1"/>
+            <a:r>
+              <a:rPr lang="en-US" dirty="0"/>
+              <a:t>Can be written in Java, C++, or Python (your choice)</a:t>
+            </a:r>
+          </a:p>
+          <a:p>
+            <a:pPr lvl="1"/>
+            <a:r>
+              <a:rPr lang="en-US" dirty="0"/>
+              <a:t>Homework will specify the problem, input, and output specs. That is it. Sometimes a target runtime will be given</a:t>
+            </a:r>
+          </a:p>
+          <a:p>
+            <a:pPr lvl="1"/>
+            <a:r>
+              <a:rPr lang="en-US" dirty="0"/>
+              <a:t>Must also submit a written summary of your approach, and description of runtime complexity</a:t>
+            </a:r>
+          </a:p>
+          <a:p>
+            <a:r>
+              <a:rPr lang="en-US" b="1" i="1" u="sng" dirty="0"/>
+              <a:t>Written HW</a:t>
+            </a:r>
+          </a:p>
+          <a:p>
+            <a:pPr lvl="1"/>
+            <a:r>
+              <a:rPr lang="en-US" dirty="0"/>
+              <a:t>Solving small problems, analyzing runtimes, etc.</a:t>
+            </a:r>
+          </a:p>
+          <a:p>
+            <a:pPr lvl="1"/>
+            <a:r>
+              <a:rPr lang="en-US" dirty="0"/>
+              <a:t>Sometimes proofs of correctness, etc.</a:t>
+            </a:r>
+          </a:p>
+          <a:p>
+            <a:pPr lvl="1"/>
+            <a:r>
+              <a:rPr lang="en-US" dirty="0"/>
+              <a:t>Written in Latex (tutorial on course webpage)</a:t>
+            </a:r>
           </a:p>
         </p:txBody>
       </p:sp>
     </p:spTree>
     <p:extLst>
       <p:ext uri="{BB962C8B-B14F-4D97-AF65-F5344CB8AC3E}">
-        <p14:creationId xmlns:p14="http://schemas.microsoft.com/office/powerpoint/2010/main" val="3820992401"/>
+        <p14:creationId xmlns:p14="http://schemas.microsoft.com/office/powerpoint/2010/main" val="2696101080"/>
       </p:ext>
     </p:extLst>
   </p:cSld>
@@ -6082,142 +6172,27 @@
       </p:grpSpPr>
       <p:sp>
         <p:nvSpPr>
-          <p:cNvPr id="16386" name="Title 1"/>
-          <p:cNvSpPr>
-            <a:spLocks noGrp="1"/>
+          <p:cNvPr id="12290" name="Rectangle 2"/>
+          <p:cNvSpPr>
+            <a:spLocks noGrp="1" noChangeArrowheads="1"/>
           </p:cNvSpPr>
           <p:nvPr>
             <p:ph type="title"/>
           </p:nvPr>
         </p:nvSpPr>
-        <p:spPr/>
-        <p:txBody>
-          <a:bodyPr/>
-          <a:lstStyle/>
-          <a:p>
-            <a:r>
-              <a:rPr lang="en-US" dirty="0"/>
-              <a:t>Homework: Programming Hints</a:t>
-            </a:r>
-          </a:p>
-        </p:txBody>
-      </p:sp>
-      <p:sp>
-        <p:nvSpPr>
-          <p:cNvPr id="16387" name="Content Placeholder 2"/>
-          <p:cNvSpPr>
-            <a:spLocks noGrp="1"/>
-          </p:cNvSpPr>
-          <p:nvPr>
-            <p:ph sz="quarter" idx="1"/>
-          </p:nvPr>
-        </p:nvSpPr>
-        <p:spPr/>
-        <p:txBody>
-          <a:bodyPr>
-            <a:normAutofit lnSpcReduction="10000"/>
-          </a:bodyPr>
-          <a:lstStyle/>
-          <a:p>
-            <a:r>
-              <a:rPr lang="en-US" dirty="0"/>
-              <a:t>Understand the problem!</a:t>
-            </a:r>
-          </a:p>
-          <a:p>
-            <a:r>
-              <a:rPr lang="en-US" dirty="0"/>
-              <a:t>Consider all boundary cases</a:t>
-            </a:r>
-          </a:p>
-          <a:p>
-            <a:r>
-              <a:rPr lang="en-US" dirty="0"/>
-              <a:t>Use pre-existing library code</a:t>
-            </a:r>
-          </a:p>
-          <a:p>
-            <a:pPr lvl="1"/>
-            <a:r>
-              <a:rPr lang="en-US" dirty="0"/>
-              <a:t>Number formatting: </a:t>
-            </a:r>
-            <a:r>
-              <a:rPr lang="en-US" dirty="0" err="1"/>
-              <a:t>NumberFormat</a:t>
-            </a:r>
-            <a:r>
-              <a:rPr lang="en-US" dirty="0"/>
-              <a:t> in Java, </a:t>
-            </a:r>
-            <a:r>
-              <a:rPr lang="en-US" dirty="0" err="1"/>
-              <a:t>printf</a:t>
-            </a:r>
-            <a:r>
-              <a:rPr lang="en-US" dirty="0"/>
-              <a:t>() in C/C++</a:t>
-            </a:r>
-          </a:p>
-          <a:p>
-            <a:pPr lvl="1"/>
-            <a:r>
-              <a:rPr lang="en-US" dirty="0"/>
-              <a:t>Input: Scanner in Java, </a:t>
-            </a:r>
-            <a:r>
-              <a:rPr lang="en-US" dirty="0" err="1"/>
-              <a:t>scanf</a:t>
-            </a:r>
-            <a:r>
-              <a:rPr lang="en-US" dirty="0"/>
-              <a:t>() in C, </a:t>
-            </a:r>
-            <a:r>
-              <a:rPr lang="en-US" dirty="0" err="1"/>
-              <a:t>cin</a:t>
-            </a:r>
-            <a:r>
-              <a:rPr lang="en-US" dirty="0"/>
-              <a:t> in C++</a:t>
-            </a:r>
-          </a:p>
-          <a:p>
-            <a:r>
-              <a:rPr lang="en-US" dirty="0"/>
-              <a:t>Know how to handle floating point numbers</a:t>
-            </a:r>
-          </a:p>
-          <a:p>
-            <a:pPr lvl="1"/>
-            <a:r>
-              <a:rPr lang="en-US" dirty="0"/>
-              <a:t>Understand float/double precision issues</a:t>
-            </a:r>
-          </a:p>
-          <a:p>
-            <a:pPr lvl="1"/>
-            <a:r>
-              <a:rPr lang="en-US" dirty="0"/>
-              <a:t>Rounding, floating-point mod</a:t>
-            </a:r>
-          </a:p>
-          <a:p>
-            <a:r>
-              <a:rPr lang="en-US" dirty="0"/>
-              <a:t>Make sure it works for the provided test cases</a:t>
-            </a:r>
-          </a:p>
-          <a:p>
-            <a:r>
-              <a:rPr lang="en-US" dirty="0"/>
-              <a:t>Then write some of your own</a:t>
-            </a:r>
-          </a:p>
-          <a:p>
-            <a:r>
-              <a:rPr lang="en-US" dirty="0"/>
-              <a:t>Make sure you read the language specific details for submission!!!</a:t>
+        <p:spPr>
+          <a:xfrm>
+            <a:off x="457200" y="152400"/>
+            <a:ext cx="8229600" cy="990600"/>
+          </a:xfrm>
+        </p:spPr>
+        <p:txBody>
+          <a:bodyPr/>
+          <a:lstStyle/>
+          <a:p>
+            <a:r>
+              <a:rPr lang="en-US" dirty="0"/>
+              <a:t>Homework Grades</a:t>
             </a:r>
           </a:p>
         </p:txBody>
@@ -6246,7 +6221,84 @@
           </a:p>
         </p:txBody>
       </p:sp>
+      <p:sp>
+        <p:nvSpPr>
+          <p:cNvPr id="12291" name="Rectangle 3"/>
+          <p:cNvSpPr>
+            <a:spLocks noGrp="1" noChangeArrowheads="1"/>
+          </p:cNvSpPr>
+          <p:nvPr>
+            <p:ph sz="quarter" idx="1"/>
+          </p:nvPr>
+        </p:nvSpPr>
+        <p:spPr/>
+        <p:txBody>
+          <a:bodyPr/>
+          <a:lstStyle/>
+          <a:p>
+            <a:r>
+              <a:rPr lang="en-US" dirty="0" err="1"/>
+              <a:t>Homeworks</a:t>
+            </a:r>
+            <a:r>
+              <a:rPr lang="en-US" dirty="0"/>
+              <a:t> are pass / fail and meant to be fairly low-stress (compared to other classes):</a:t>
+            </a:r>
+          </a:p>
+          <a:p>
+            <a:pPr lvl="1"/>
+            <a:r>
+              <a:rPr lang="en-US" b="1" i="1" u="sng" dirty="0"/>
+              <a:t>Incomplete</a:t>
+            </a:r>
+            <a:r>
+              <a:rPr lang="en-US" dirty="0"/>
+              <a:t>: The student has not submitted evidence that they have engaged with the material and with the assignment.</a:t>
+            </a:r>
+          </a:p>
+          <a:p>
+            <a:pPr lvl="1"/>
+            <a:r>
+              <a:rPr lang="en-US" b="1" i="1" u="sng" dirty="0"/>
+              <a:t>Pass</a:t>
+            </a:r>
+            <a:r>
+              <a:rPr lang="en-US" dirty="0"/>
+              <a:t>: The student has shown evidence that they have attempted the ENTIRE assignment and made a serious, thoughtful attempt at it.</a:t>
+            </a:r>
+          </a:p>
+          <a:p>
+            <a:pPr lvl="1"/>
+            <a:endParaRPr lang="en-US" dirty="0"/>
+          </a:p>
+          <a:p>
+            <a:r>
+              <a:rPr lang="en-US" dirty="0"/>
+              <a:t>You may submit homework assignments </a:t>
+            </a:r>
+            <a:r>
+              <a:rPr lang="en-US" b="1" i="1" u="sng" dirty="0"/>
+              <a:t>as many times as you’d like</a:t>
+            </a:r>
+            <a:r>
+              <a:rPr lang="en-US" dirty="0"/>
+              <a:t> until you pass.</a:t>
+            </a:r>
+          </a:p>
+          <a:p>
+            <a:endParaRPr lang="en-US" dirty="0"/>
+          </a:p>
+          <a:p>
+            <a:endParaRPr lang="en-US" dirty="0"/>
+          </a:p>
+        </p:txBody>
+      </p:sp>
     </p:spTree>
+    <p:extLst>
+      <p:ext uri="{BB962C8B-B14F-4D97-AF65-F5344CB8AC3E}">
+        <p14:creationId xmlns:p14="http://schemas.microsoft.com/office/powerpoint/2010/main" val="59157919"/>
+      </p:ext>
+    </p:extLst>
   </p:cSld>
   <p:clrMapOvr>
     <a:masterClrMapping/>
@@ -6273,29 +6325,34 @@
       </p:grpSpPr>
       <p:sp>
         <p:nvSpPr>
-          <p:cNvPr id="2" name="Title 1"/>
-          <p:cNvSpPr>
-            <a:spLocks noGrp="1"/>
+          <p:cNvPr id="12290" name="Rectangle 2"/>
+          <p:cNvSpPr>
+            <a:spLocks noGrp="1" noChangeArrowheads="1"/>
           </p:cNvSpPr>
           <p:nvPr>
             <p:ph type="title"/>
           </p:nvPr>
         </p:nvSpPr>
-        <p:spPr/>
-        <p:txBody>
-          <a:bodyPr/>
-          <a:lstStyle/>
-          <a:p>
-            <a:r>
-              <a:rPr lang="en-US" dirty="0"/>
-              <a:t>Homework: Programming FAQ</a:t>
-            </a:r>
-          </a:p>
-        </p:txBody>
-      </p:sp>
-      <p:sp>
-        <p:nvSpPr>
-          <p:cNvPr id="3" name="Slide Number Placeholder 2"/>
+        <p:spPr>
+          <a:xfrm>
+            <a:off x="457200" y="152400"/>
+            <a:ext cx="8229600" cy="990600"/>
+          </a:xfrm>
+        </p:spPr>
+        <p:txBody>
+          <a:bodyPr/>
+          <a:lstStyle/>
+          <a:p>
+            <a:r>
+              <a:rPr lang="en-US" dirty="0"/>
+              <a:t>Homework Grades (Cont’d)</a:t>
+            </a:r>
+          </a:p>
+        </p:txBody>
+      </p:sp>
+      <p:sp>
+        <p:nvSpPr>
+          <p:cNvPr id="4" name="Slide Number Placeholder 3"/>
           <p:cNvSpPr>
             <a:spLocks noGrp="1"/>
           </p:cNvSpPr>
@@ -6319,9 +6376,9 @@
       </p:sp>
       <p:sp>
         <p:nvSpPr>
-          <p:cNvPr id="4" name="Content Placeholder 3"/>
-          <p:cNvSpPr>
-            <a:spLocks noGrp="1"/>
+          <p:cNvPr id="12291" name="Rectangle 3"/>
+          <p:cNvSpPr>
+            <a:spLocks noGrp="1" noChangeArrowheads="1"/>
           </p:cNvSpPr>
           <p:nvPr>
             <p:ph sz="quarter" idx="1"/>
@@ -6329,63 +6386,68 @@
         </p:nvSpPr>
         <p:spPr/>
         <p:txBody>
-          <a:bodyPr>
-            <a:normAutofit fontScale="92500"/>
-          </a:bodyPr>
-          <a:lstStyle/>
-          <a:p>
-            <a:r>
-              <a:rPr lang="en-US" dirty="0"/>
-              <a:t>Do I need to write my own sorting methods.</a:t>
-            </a:r>
-          </a:p>
-          <a:p>
-            <a:pPr lvl="1"/>
-            <a:r>
-              <a:rPr lang="en-US" dirty="0"/>
-              <a:t>Yes! You should be able to do this, and it is good practice. Also, sorting is one of our first topics this semester.</a:t>
-            </a:r>
-          </a:p>
-          <a:p>
-            <a:pPr lvl="1"/>
+          <a:bodyPr/>
+          <a:lstStyle/>
+          <a:p>
+            <a:r>
+              <a:rPr lang="en-US" dirty="0"/>
+              <a:t>A </a:t>
+            </a:r>
+            <a:r>
+              <a:rPr lang="en-US" b="1" i="1" u="sng" dirty="0"/>
+              <a:t>Pass</a:t>
+            </a:r>
+            <a:r>
+              <a:rPr lang="en-US" dirty="0"/>
+              <a:t> does NOT mean that your homework is perfect. Simply means you clearly have put in the effort we expect.</a:t>
+            </a:r>
+          </a:p>
+          <a:p>
             <a:endParaRPr lang="en-US" dirty="0"/>
           </a:p>
           <a:p>
             <a:r>
               <a:rPr lang="en-US" dirty="0"/>
-              <a:t>Can I get the test cases from submission server?</a:t>
-            </a:r>
-          </a:p>
-          <a:p>
-            <a:pPr lvl="1"/>
-            <a:r>
-              <a:rPr lang="en-US" dirty="0"/>
-              <a:t>No, part of the point is to work on brainstorming cases your code is missing without being told. Submission server will give limited feedback on purpose!</a:t>
-            </a:r>
-          </a:p>
-          <a:p>
-            <a:pPr lvl="1"/>
+              <a:t>On a programming </a:t>
+            </a:r>
+            <a:r>
+              <a:rPr lang="en-US" dirty="0" err="1"/>
+              <a:t>hw</a:t>
+            </a:r>
+            <a:r>
+              <a:rPr lang="en-US" dirty="0"/>
+              <a:t>, a pass might mean:</a:t>
+            </a:r>
+          </a:p>
+          <a:p>
+            <a:pPr lvl="1"/>
+            <a:r>
+              <a:rPr lang="en-US" dirty="0"/>
+              <a:t>You are passing simple and moderate test cases but your code is still a little too slow. You “pass” the assignment, but are encouraged to continue investigating how you can more cleanly solve the problem.</a:t>
+            </a:r>
+          </a:p>
+          <a:p>
+            <a:r>
+              <a:rPr lang="en-US" dirty="0"/>
+              <a:t>On a written homework:</a:t>
+            </a:r>
+          </a:p>
+          <a:p>
+            <a:pPr lvl="1"/>
+            <a:r>
+              <a:rPr lang="en-US" dirty="0"/>
+              <a:t>You have made a serious, well-written attempt at every problem even if the solutions have some issues.</a:t>
+            </a:r>
+          </a:p>
+          <a:p>
             <a:endParaRPr lang="en-US" dirty="0"/>
-          </a:p>
-          <a:p>
-            <a:r>
-              <a:rPr lang="en-US" dirty="0"/>
-              <a:t>Will you help me debug my code?</a:t>
-            </a:r>
-          </a:p>
-          <a:p>
-            <a:pPr lvl="1"/>
-            <a:r>
-              <a:rPr lang="en-US" dirty="0"/>
-              <a:t>No, we won’t. You need to learn how to do this on your own. I’m happy to give you advice on how to approach your debugging problems, but I will not sit down and debug code with you.</a:t>
-            </a:r>
           </a:p>
         </p:txBody>
       </p:sp>
     </p:spTree>
     <p:extLst>
       <p:ext uri="{BB962C8B-B14F-4D97-AF65-F5344CB8AC3E}">
-        <p14:creationId xmlns:p14="http://schemas.microsoft.com/office/powerpoint/2010/main" val="1749701482"/>
+        <p14:creationId xmlns:p14="http://schemas.microsoft.com/office/powerpoint/2010/main" val="3962361033"/>
       </p:ext>
     </p:extLst>
   </p:cSld>
@@ -6414,71 +6476,28 @@
       </p:grpSpPr>
       <p:sp>
         <p:nvSpPr>
-          <p:cNvPr id="17410" name="Title 1"/>
-          <p:cNvSpPr>
-            <a:spLocks noGrp="1"/>
+          <p:cNvPr id="12290" name="Rectangle 2"/>
+          <p:cNvSpPr>
+            <a:spLocks noGrp="1" noChangeArrowheads="1"/>
           </p:cNvSpPr>
           <p:nvPr>
             <p:ph type="title"/>
           </p:nvPr>
         </p:nvSpPr>
-        <p:spPr/>
-        <p:txBody>
-          <a:bodyPr/>
-          <a:lstStyle/>
-          <a:p>
-            <a:r>
-              <a:rPr lang="en-US" dirty="0"/>
-              <a:t>Homework: Written</a:t>
-            </a:r>
-          </a:p>
-        </p:txBody>
-      </p:sp>
-      <p:sp>
-        <p:nvSpPr>
-          <p:cNvPr id="17411" name="Content Placeholder 2"/>
-          <p:cNvSpPr>
-            <a:spLocks noGrp="1"/>
-          </p:cNvSpPr>
-          <p:nvPr>
-            <p:ph sz="quarter" idx="1"/>
-          </p:nvPr>
-        </p:nvSpPr>
-        <p:spPr/>
-        <p:txBody>
-          <a:bodyPr/>
-          <a:lstStyle/>
-          <a:p>
-            <a:r>
-              <a:rPr lang="en-US" dirty="0"/>
-              <a:t>These assignments must be typeset in </a:t>
-            </a:r>
-            <a:r>
-              <a:rPr lang="en-US" dirty="0" err="1"/>
-              <a:t>LaTeX</a:t>
-            </a:r>
-            <a:endParaRPr lang="en-US" dirty="0"/>
-          </a:p>
-          <a:p>
-            <a:endParaRPr lang="en-US" dirty="0"/>
-          </a:p>
-          <a:p>
-            <a:r>
-              <a:rPr lang="en-US" dirty="0"/>
-              <a:t>I will provide a couple tutorials, guides, and templates when the first assignment is given out</a:t>
-            </a:r>
-          </a:p>
-          <a:p>
-            <a:endParaRPr lang="en-US" dirty="0"/>
-          </a:p>
-          <a:p>
-            <a:r>
-              <a:rPr lang="en-US" dirty="0"/>
-              <a:t>You may not embed images of text or formulas!</a:t>
-            </a:r>
-          </a:p>
-          <a:p>
-            <a:endParaRPr lang="en-US" dirty="0"/>
+        <p:spPr>
+          <a:xfrm>
+            <a:off x="457200" y="152400"/>
+            <a:ext cx="8229600" cy="990600"/>
+          </a:xfrm>
+        </p:spPr>
+        <p:txBody>
+          <a:bodyPr/>
+          <a:lstStyle/>
+          <a:p>
+            <a:r>
+              <a:rPr lang="en-US" dirty="0"/>
+              <a:t>Homework Grade Philosophy</a:t>
+            </a:r>
           </a:p>
         </p:txBody>
       </p:sp>
@@ -6506,7 +6525,120 @@
           </a:p>
         </p:txBody>
       </p:sp>
+      <p:sp>
+        <p:nvSpPr>
+          <p:cNvPr id="12291" name="Rectangle 3"/>
+          <p:cNvSpPr>
+            <a:spLocks noGrp="1" noChangeArrowheads="1"/>
+          </p:cNvSpPr>
+          <p:nvPr>
+            <p:ph sz="quarter" idx="1"/>
+          </p:nvPr>
+        </p:nvSpPr>
+        <p:spPr/>
+        <p:txBody>
+          <a:bodyPr>
+            <a:normAutofit lnSpcReduction="10000"/>
+          </a:bodyPr>
+          <a:lstStyle/>
+          <a:p>
+            <a:r>
+              <a:rPr lang="en-US" dirty="0"/>
+              <a:t>Wait, so homework is all effort-based?</a:t>
+            </a:r>
+          </a:p>
+          <a:p>
+            <a:r>
+              <a:rPr lang="en-US" dirty="0"/>
+              <a:t>Well…not quite. The purpose of the homework is:</a:t>
+            </a:r>
+          </a:p>
+          <a:p>
+            <a:pPr lvl="1"/>
+            <a:r>
+              <a:rPr lang="en-US" dirty="0"/>
+              <a:t>To </a:t>
+            </a:r>
+            <a:r>
+              <a:rPr lang="en-US" b="1" i="1" u="sng" dirty="0"/>
+              <a:t>practice</a:t>
+            </a:r>
+            <a:r>
+              <a:rPr lang="en-US" dirty="0"/>
+              <a:t> in an environment that is lower-stress</a:t>
+            </a:r>
+          </a:p>
+          <a:p>
+            <a:pPr lvl="1"/>
+            <a:r>
+              <a:rPr lang="en-US" dirty="0"/>
+              <a:t>To </a:t>
+            </a:r>
+            <a:r>
+              <a:rPr lang="en-US" b="1" i="1" u="sng" dirty="0"/>
+              <a:t>push yourself </a:t>
+            </a:r>
+            <a:r>
+              <a:rPr lang="en-US" dirty="0"/>
+              <a:t>to solve algorithms problems to prepare you for the quizzes, NOT just to get a grade.</a:t>
+            </a:r>
+          </a:p>
+          <a:p>
+            <a:pPr lvl="1"/>
+            <a:r>
+              <a:rPr lang="en-US" dirty="0"/>
+              <a:t>To </a:t>
+            </a:r>
+            <a:r>
+              <a:rPr lang="en-US" b="1" i="1" u="sng" dirty="0"/>
+              <a:t>tinker and experiment </a:t>
+            </a:r>
+            <a:r>
+              <a:rPr lang="en-US" dirty="0"/>
+              <a:t>with your code (e.g., what happens if I slightly change the base case on this algorithm)</a:t>
+            </a:r>
+          </a:p>
+          <a:p>
+            <a:pPr lvl="1"/>
+            <a:r>
+              <a:rPr lang="en-US" dirty="0"/>
+              <a:t>To focus on </a:t>
+            </a:r>
+            <a:r>
+              <a:rPr lang="en-US" b="1" i="1" u="sng" dirty="0"/>
+              <a:t>attempting to solve problems yourself </a:t>
+            </a:r>
+            <a:r>
+              <a:rPr lang="en-US" dirty="0"/>
+              <a:t>before asking others for assistance.</a:t>
+            </a:r>
+          </a:p>
+          <a:p>
+            <a:pPr lvl="1"/>
+            <a:r>
+              <a:rPr lang="en-US" dirty="0"/>
+              <a:t>To show us that you </a:t>
+            </a:r>
+            <a:r>
+              <a:rPr lang="en-US" b="1" i="1" u="sng" dirty="0"/>
+              <a:t>engaged with the homework </a:t>
+            </a:r>
+            <a:r>
+              <a:rPr lang="en-US" dirty="0"/>
+              <a:t>by showing that work is “mostly” there, a heuristic being that the assignment would be “passing” in a traditional course (~65% or so)</a:t>
+            </a:r>
+          </a:p>
+          <a:p>
+            <a:endParaRPr lang="en-US" dirty="0"/>
+          </a:p>
+        </p:txBody>
+      </p:sp>
     </p:spTree>
+    <p:extLst>
+      <p:ext uri="{BB962C8B-B14F-4D97-AF65-F5344CB8AC3E}">
+        <p14:creationId xmlns:p14="http://schemas.microsoft.com/office/powerpoint/2010/main" val="2977758648"/>
+      </p:ext>
+    </p:extLst>
   </p:cSld>
   <p:clrMapOvr>
     <a:masterClrMapping/>
@@ -6533,88 +6665,27 @@
       </p:grpSpPr>
       <p:sp>
         <p:nvSpPr>
-          <p:cNvPr id="18434" name="Title 1"/>
-          <p:cNvSpPr>
-            <a:spLocks noGrp="1"/>
+          <p:cNvPr id="12290" name="Rectangle 2"/>
+          <p:cNvSpPr>
+            <a:spLocks noGrp="1" noChangeArrowheads="1"/>
           </p:cNvSpPr>
           <p:nvPr>
             <p:ph type="title"/>
           </p:nvPr>
         </p:nvSpPr>
-        <p:spPr/>
-        <p:txBody>
-          <a:bodyPr/>
-          <a:lstStyle/>
-          <a:p>
-            <a:r>
-              <a:rPr lang="en-US"/>
-              <a:t>Working in groups</a:t>
-            </a:r>
-          </a:p>
-        </p:txBody>
-      </p:sp>
-      <p:sp>
-        <p:nvSpPr>
-          <p:cNvPr id="18435" name="Content Placeholder 2"/>
-          <p:cNvSpPr>
-            <a:spLocks noGrp="1"/>
-          </p:cNvSpPr>
-          <p:nvPr>
-            <p:ph sz="quarter" idx="1"/>
-          </p:nvPr>
-        </p:nvSpPr>
-        <p:spPr/>
-        <p:txBody>
-          <a:bodyPr>
-            <a:normAutofit/>
-          </a:bodyPr>
-          <a:lstStyle/>
-          <a:p>
-            <a:r>
-              <a:rPr lang="en-US" dirty="0"/>
-              <a:t>For the </a:t>
-            </a:r>
-            <a:r>
-              <a:rPr lang="en-US" dirty="0" err="1"/>
-              <a:t>homeworks</a:t>
-            </a:r>
-            <a:r>
-              <a:rPr lang="en-US" dirty="0"/>
-              <a:t>, you may work together in groups of 3 or less to discuss the algorithmic aspects ONLY</a:t>
-            </a:r>
-          </a:p>
-          <a:p>
-            <a:pPr lvl="1"/>
-            <a:r>
-              <a:rPr lang="en-US" dirty="0"/>
-              <a:t>State who you worked with (in code comments)</a:t>
-            </a:r>
-          </a:p>
-          <a:p>
-            <a:pPr lvl="1"/>
-            <a:r>
-              <a:rPr lang="en-US" dirty="0"/>
-              <a:t>No looking at another person’s code, or ANY code online!!</a:t>
-            </a:r>
-          </a:p>
-          <a:p>
-            <a:r>
-              <a:rPr lang="en-US" dirty="0"/>
-              <a:t>For the written homeworks, you may work together in groups of 3 or less, but you MUST:</a:t>
-            </a:r>
-          </a:p>
-          <a:p>
-            <a:pPr lvl="1"/>
-            <a:r>
-              <a:rPr lang="en-US" dirty="0"/>
-              <a:t>State who you worked with</a:t>
-            </a:r>
-          </a:p>
-          <a:p>
-            <a:pPr lvl="1"/>
-            <a:r>
-              <a:rPr lang="en-US" dirty="0"/>
-              <a:t>Type up your own assignment!</a:t>
+        <p:spPr>
+          <a:xfrm>
+            <a:off x="457200" y="152400"/>
+            <a:ext cx="8229600" cy="990600"/>
+          </a:xfrm>
+        </p:spPr>
+        <p:txBody>
+          <a:bodyPr/>
+          <a:lstStyle/>
+          <a:p>
+            <a:r>
+              <a:rPr lang="en-US" dirty="0"/>
+              <a:t>Quiz and Homework Deadlines</a:t>
             </a:r>
           </a:p>
         </p:txBody>
@@ -6639,11 +6710,97 @@
               <a:pPr/>
               <a:t>19</a:t>
             </a:fld>
-            <a:endParaRPr lang="en-US" dirty="0"/>
+            <a:endParaRPr lang="en-US"/>
+          </a:p>
+        </p:txBody>
+      </p:sp>
+      <p:sp>
+        <p:nvSpPr>
+          <p:cNvPr id="12291" name="Rectangle 3"/>
+          <p:cNvSpPr>
+            <a:spLocks noGrp="1" noChangeArrowheads="1"/>
+          </p:cNvSpPr>
+          <p:nvPr>
+            <p:ph sz="quarter" idx="1"/>
+          </p:nvPr>
+        </p:nvSpPr>
+        <p:spPr>
+          <a:xfrm>
+            <a:off x="304800" y="1219200"/>
+            <a:ext cx="8534400" cy="4937760"/>
+          </a:xfrm>
+        </p:spPr>
+        <p:txBody>
+          <a:bodyPr>
+            <a:normAutofit/>
+          </a:bodyPr>
+          <a:lstStyle/>
+          <a:p>
+            <a:r>
+              <a:rPr lang="en-US" sz="2800" dirty="0"/>
+              <a:t>Quiz Deadlines:</a:t>
+            </a:r>
+          </a:p>
+          <a:p>
+            <a:pPr lvl="1"/>
+            <a:r>
+              <a:rPr lang="en-US" sz="2100" dirty="0"/>
+              <a:t>Are in-person during the set lecture dates (see previous slides)</a:t>
+            </a:r>
+          </a:p>
+          <a:p>
+            <a:pPr lvl="1"/>
+            <a:r>
+              <a:rPr lang="en-US" sz="2100" dirty="0"/>
+              <a:t>No makeups provided unless you have extreme extenuating circumstances (e.g., Covid-19 Quarantine, etc.)</a:t>
+            </a:r>
+          </a:p>
+          <a:p>
+            <a:pPr lvl="1"/>
+            <a:endParaRPr lang="en-US" sz="2100" dirty="0"/>
+          </a:p>
+          <a:p>
+            <a:r>
+              <a:rPr lang="en-US" sz="2400" dirty="0"/>
+              <a:t>Homework Deadlines:</a:t>
+            </a:r>
+          </a:p>
+          <a:p>
+            <a:pPr lvl="1"/>
+            <a:r>
+              <a:rPr lang="en-US" sz="2100" dirty="0"/>
+              <a:t>Each homework will have a recommended deadline (about 1 per week)</a:t>
+            </a:r>
+          </a:p>
+          <a:p>
+            <a:pPr lvl="2"/>
+            <a:r>
+              <a:rPr lang="en-US" sz="1800" dirty="0"/>
+              <a:t>If we want to succeed, you need to try to hit these recommended deadlines</a:t>
+            </a:r>
+          </a:p>
+          <a:p>
+            <a:pPr lvl="1"/>
+            <a:r>
+              <a:rPr lang="en-US" sz="2100" dirty="0"/>
+              <a:t>Deadlines are all soft deadlines (i.e., everyone gets an automatic extension until the end of the semester.</a:t>
+            </a:r>
+          </a:p>
+          <a:p>
+            <a:pPr lvl="1"/>
+            <a:r>
+              <a:rPr lang="en-US" sz="2100" dirty="0"/>
+              <a:t>All homework is due on the last day of class (Tue. Dec. 7)</a:t>
+            </a:r>
           </a:p>
         </p:txBody>
       </p:sp>
     </p:spTree>
+    <p:extLst>
+      <p:ext uri="{BB962C8B-B14F-4D97-AF65-F5344CB8AC3E}">
+        <p14:creationId xmlns:p14="http://schemas.microsoft.com/office/powerpoint/2010/main" val="1233055087"/>
+      </p:ext>
+    </p:extLst>
   </p:cSld>
   <p:clrMapOvr>
     <a:masterClrMapping/>
@@ -6742,6 +6899,1026 @@
 </file>
 
 <file path=ppt/slides/slide20.xml><?xml version="1.0" encoding="utf-8"?>
+<p:sld xmlns:a="http://schemas.openxmlformats.org/drawingml/2006/main" xmlns:r="http://schemas.openxmlformats.org/officeDocument/2006/relationships" xmlns:p="http://schemas.openxmlformats.org/presentationml/2006/main">
+  <p:cSld>
+    <p:spTree>
+      <p:nvGrpSpPr>
+        <p:cNvPr id="1" name=""/>
+        <p:cNvGrpSpPr/>
+        <p:nvPr/>
+      </p:nvGrpSpPr>
+      <p:grpSpPr>
+        <a:xfrm>
+          <a:off x="0" y="0"/>
+          <a:ext cx="0" cy="0"/>
+          <a:chOff x="0" y="0"/>
+          <a:chExt cx="0" cy="0"/>
+        </a:xfrm>
+      </p:grpSpPr>
+      <p:sp>
+        <p:nvSpPr>
+          <p:cNvPr id="18434" name="Title 1"/>
+          <p:cNvSpPr>
+            <a:spLocks noGrp="1"/>
+          </p:cNvSpPr>
+          <p:nvPr>
+            <p:ph type="title"/>
+          </p:nvPr>
+        </p:nvSpPr>
+        <p:spPr/>
+        <p:txBody>
+          <a:bodyPr/>
+          <a:lstStyle/>
+          <a:p>
+            <a:r>
+              <a:rPr lang="en-US" dirty="0"/>
+              <a:t>Grading Overview</a:t>
+            </a:r>
+          </a:p>
+        </p:txBody>
+      </p:sp>
+      <p:sp>
+        <p:nvSpPr>
+          <p:cNvPr id="4" name="Slide Number Placeholder 3"/>
+          <p:cNvSpPr>
+            <a:spLocks noGrp="1"/>
+          </p:cNvSpPr>
+          <p:nvPr>
+            <p:ph type="sldNum" sz="quarter" idx="12"/>
+          </p:nvPr>
+        </p:nvSpPr>
+        <p:spPr/>
+        <p:txBody>
+          <a:bodyPr/>
+          <a:lstStyle/>
+          <a:p>
+            <a:fld id="{F26D9103-0C5C-48AC-B68E-3ED2C1647047}" type="slidenum">
+              <a:rPr lang="en-US" smtClean="0"/>
+              <a:pPr/>
+              <a:t>20</a:t>
+            </a:fld>
+            <a:endParaRPr lang="en-US" dirty="0"/>
+          </a:p>
+        </p:txBody>
+      </p:sp>
+      <p:sp>
+        <p:nvSpPr>
+          <p:cNvPr id="3" name="Content Placeholder 2">
+            <a:extLst>
+              <a:ext uri="{FF2B5EF4-FFF2-40B4-BE49-F238E27FC236}">
+                <a16:creationId xmlns:a16="http://schemas.microsoft.com/office/drawing/2014/main" id="{267DFEF5-BEAA-974F-B91B-2D8B6E94C721}"/>
+              </a:ext>
+            </a:extLst>
+          </p:cNvPr>
+          <p:cNvSpPr>
+            <a:spLocks noGrp="1"/>
+          </p:cNvSpPr>
+          <p:nvPr>
+            <p:ph sz="quarter" idx="1"/>
+          </p:nvPr>
+        </p:nvSpPr>
+        <p:spPr/>
+        <p:txBody>
+          <a:bodyPr/>
+          <a:lstStyle/>
+          <a:p>
+            <a:r>
+              <a:rPr lang="en-US" dirty="0"/>
+              <a:t>Let’s look at how grades work on course website </a:t>
+            </a:r>
+            <a:r>
+              <a:rPr lang="en-US" dirty="0">
+                <a:sym typeface="Wingdings" pitchFamily="2" charset="2"/>
+              </a:rPr>
+              <a:t></a:t>
+            </a:r>
+          </a:p>
+          <a:p>
+            <a:endParaRPr lang="en-US" dirty="0">
+              <a:sym typeface="Wingdings" pitchFamily="2" charset="2"/>
+            </a:endParaRPr>
+          </a:p>
+          <a:p>
+            <a:r>
+              <a:rPr lang="en-US" dirty="0">
+                <a:sym typeface="Wingdings" pitchFamily="2" charset="2"/>
+              </a:rPr>
+              <a:t>Your goal is to </a:t>
+            </a:r>
+            <a:r>
+              <a:rPr lang="en-US" b="1" i="1" u="sng" dirty="0">
+                <a:sym typeface="Wingdings" pitchFamily="2" charset="2"/>
+              </a:rPr>
+              <a:t>pass modules</a:t>
+            </a:r>
+          </a:p>
+          <a:p>
+            <a:r>
+              <a:rPr lang="en-US" dirty="0"/>
+              <a:t>You </a:t>
+            </a:r>
+            <a:r>
+              <a:rPr lang="en-US" b="1" i="1" u="sng" dirty="0"/>
+              <a:t>pass a module </a:t>
+            </a:r>
+            <a:r>
+              <a:rPr lang="en-US" dirty="0"/>
+              <a:t>by:</a:t>
+            </a:r>
+          </a:p>
+          <a:p>
+            <a:pPr lvl="1"/>
+            <a:r>
+              <a:rPr lang="en-US" dirty="0"/>
+              <a:t>Passing the homework for that module AND</a:t>
+            </a:r>
+          </a:p>
+          <a:p>
+            <a:pPr lvl="1"/>
+            <a:r>
+              <a:rPr lang="en-US" dirty="0"/>
+              <a:t>Passing the quiz (you DO NOT need a high-pass)</a:t>
+            </a:r>
+          </a:p>
+          <a:p>
+            <a:pPr lvl="1"/>
+            <a:endParaRPr lang="en-US" dirty="0"/>
+          </a:p>
+          <a:p>
+            <a:r>
+              <a:rPr lang="en-US" dirty="0"/>
+              <a:t>Your final letter grade is determined by how many modules you pass</a:t>
+            </a:r>
+          </a:p>
+          <a:p>
+            <a:pPr lvl="1"/>
+            <a:r>
+              <a:rPr lang="en-US" dirty="0"/>
+              <a:t>High-passing the quiz in a module can raise your grade a bit more.</a:t>
+            </a:r>
+          </a:p>
+        </p:txBody>
+      </p:sp>
+    </p:spTree>
+    <p:extLst>
+      <p:ext uri="{BB962C8B-B14F-4D97-AF65-F5344CB8AC3E}">
+        <p14:creationId xmlns:p14="http://schemas.microsoft.com/office/powerpoint/2010/main" val="4277655406"/>
+      </p:ext>
+    </p:extLst>
+  </p:cSld>
+  <p:clrMapOvr>
+    <a:masterClrMapping/>
+  </p:clrMapOvr>
+</p:sld>
+</file>
+
+<file path=ppt/slides/slide21.xml><?xml version="1.0" encoding="utf-8"?>
+<p:sld xmlns:a="http://schemas.openxmlformats.org/drawingml/2006/main" xmlns:r="http://schemas.openxmlformats.org/officeDocument/2006/relationships" xmlns:p="http://schemas.openxmlformats.org/presentationml/2006/main">
+  <p:cSld>
+    <p:spTree>
+      <p:nvGrpSpPr>
+        <p:cNvPr id="1" name=""/>
+        <p:cNvGrpSpPr/>
+        <p:nvPr/>
+      </p:nvGrpSpPr>
+      <p:grpSpPr>
+        <a:xfrm>
+          <a:off x="0" y="0"/>
+          <a:ext cx="0" cy="0"/>
+          <a:chOff x="0" y="0"/>
+          <a:chExt cx="0" cy="0"/>
+        </a:xfrm>
+      </p:grpSpPr>
+      <p:sp>
+        <p:nvSpPr>
+          <p:cNvPr id="2" name="Title 1">
+            <a:extLst>
+              <a:ext uri="{FF2B5EF4-FFF2-40B4-BE49-F238E27FC236}">
+                <a16:creationId xmlns:a16="http://schemas.microsoft.com/office/drawing/2014/main" id="{B6C21D28-983F-964A-89CC-AC9573CD4242}"/>
+              </a:ext>
+            </a:extLst>
+          </p:cNvPr>
+          <p:cNvSpPr>
+            <a:spLocks noGrp="1"/>
+          </p:cNvSpPr>
+          <p:nvPr>
+            <p:ph type="title"/>
+          </p:nvPr>
+        </p:nvSpPr>
+        <p:spPr/>
+        <p:txBody>
+          <a:bodyPr/>
+          <a:lstStyle/>
+          <a:p>
+            <a:r>
+              <a:rPr lang="en-US" dirty="0"/>
+              <a:t>Grading Scheme Philosophy</a:t>
+            </a:r>
+          </a:p>
+        </p:txBody>
+      </p:sp>
+      <p:sp>
+        <p:nvSpPr>
+          <p:cNvPr id="3" name="Slide Number Placeholder 2">
+            <a:extLst>
+              <a:ext uri="{FF2B5EF4-FFF2-40B4-BE49-F238E27FC236}">
+                <a16:creationId xmlns:a16="http://schemas.microsoft.com/office/drawing/2014/main" id="{30C00481-393E-2147-853E-98B0BCF84021}"/>
+              </a:ext>
+            </a:extLst>
+          </p:cNvPr>
+          <p:cNvSpPr>
+            <a:spLocks noGrp="1"/>
+          </p:cNvSpPr>
+          <p:nvPr>
+            <p:ph type="sldNum" sz="quarter" idx="12"/>
+          </p:nvPr>
+        </p:nvSpPr>
+        <p:spPr/>
+        <p:txBody>
+          <a:bodyPr/>
+          <a:lstStyle/>
+          <a:p>
+            <a:fld id="{F26D9103-0C5C-48AC-B68E-3ED2C1647047}" type="slidenum">
+              <a:rPr lang="en-US" smtClean="0"/>
+              <a:pPr/>
+              <a:t>21</a:t>
+            </a:fld>
+            <a:endParaRPr lang="en-US"/>
+          </a:p>
+        </p:txBody>
+      </p:sp>
+      <p:sp>
+        <p:nvSpPr>
+          <p:cNvPr id="4" name="Content Placeholder 3">
+            <a:extLst>
+              <a:ext uri="{FF2B5EF4-FFF2-40B4-BE49-F238E27FC236}">
+                <a16:creationId xmlns:a16="http://schemas.microsoft.com/office/drawing/2014/main" id="{2E5AB323-BB33-934A-B444-E5392B7C9676}"/>
+              </a:ext>
+            </a:extLst>
+          </p:cNvPr>
+          <p:cNvSpPr>
+            <a:spLocks noGrp="1"/>
+          </p:cNvSpPr>
+          <p:nvPr>
+            <p:ph sz="quarter" idx="1"/>
+          </p:nvPr>
+        </p:nvSpPr>
+        <p:spPr/>
+        <p:txBody>
+          <a:bodyPr/>
+          <a:lstStyle/>
+          <a:p>
+            <a:r>
+              <a:rPr lang="en-US" dirty="0"/>
+              <a:t>For grades </a:t>
+            </a:r>
+            <a:r>
+              <a:rPr lang="en-US" b="1" i="1" u="sng" dirty="0"/>
+              <a:t>F-B</a:t>
+            </a:r>
+            <a:r>
+              <a:rPr lang="en-US" dirty="0"/>
+              <a:t>, passing new modules is more important than high-passing old ones</a:t>
+            </a:r>
+          </a:p>
+          <a:p>
+            <a:pPr lvl="1"/>
+            <a:r>
+              <a:rPr lang="en-US" dirty="0"/>
+              <a:t>We care about breadth over depth until you reach 9 modules passed to earn a B</a:t>
+            </a:r>
+          </a:p>
+          <a:p>
+            <a:r>
+              <a:rPr lang="en-US" dirty="0"/>
+              <a:t>High-pass can be used to </a:t>
+            </a:r>
+            <a:r>
+              <a:rPr lang="en-US" b="1" i="1" u="sng" dirty="0"/>
+              <a:t>raise your grade slightly </a:t>
+            </a:r>
+            <a:r>
+              <a:rPr lang="en-US" dirty="0"/>
+              <a:t>at each grade level.</a:t>
+            </a:r>
+          </a:p>
+          <a:p>
+            <a:r>
+              <a:rPr lang="en-US" dirty="0"/>
+              <a:t>After B obtained, high-passes are needed to earn, B+, A-, etc.</a:t>
+            </a:r>
+          </a:p>
+          <a:p>
+            <a:r>
+              <a:rPr lang="en-US" dirty="0"/>
+              <a:t>We are treating the course as having 9 modules (for B) instead of 10, effectively allowing you to “skip one module”</a:t>
+            </a:r>
+          </a:p>
+        </p:txBody>
+      </p:sp>
+    </p:spTree>
+    <p:extLst>
+      <p:ext uri="{BB962C8B-B14F-4D97-AF65-F5344CB8AC3E}">
+        <p14:creationId xmlns:p14="http://schemas.microsoft.com/office/powerpoint/2010/main" val="50215907"/>
+      </p:ext>
+    </p:extLst>
+  </p:cSld>
+  <p:clrMapOvr>
+    <a:masterClrMapping/>
+  </p:clrMapOvr>
+</p:sld>
+</file>
+
+<file path=ppt/slides/slide22.xml><?xml version="1.0" encoding="utf-8"?>
+<p:sld xmlns:a="http://schemas.openxmlformats.org/drawingml/2006/main" xmlns:r="http://schemas.openxmlformats.org/officeDocument/2006/relationships" xmlns:p="http://schemas.openxmlformats.org/presentationml/2006/main">
+  <p:cSld>
+    <p:spTree>
+      <p:nvGrpSpPr>
+        <p:cNvPr id="1" name=""/>
+        <p:cNvGrpSpPr/>
+        <p:nvPr/>
+      </p:nvGrpSpPr>
+      <p:grpSpPr>
+        <a:xfrm>
+          <a:off x="0" y="0"/>
+          <a:ext cx="0" cy="0"/>
+          <a:chOff x="0" y="0"/>
+          <a:chExt cx="0" cy="0"/>
+        </a:xfrm>
+      </p:grpSpPr>
+      <p:sp>
+        <p:nvSpPr>
+          <p:cNvPr id="18434" name="Title 1"/>
+          <p:cNvSpPr>
+            <a:spLocks noGrp="1"/>
+          </p:cNvSpPr>
+          <p:nvPr>
+            <p:ph type="title"/>
+          </p:nvPr>
+        </p:nvSpPr>
+        <p:spPr/>
+        <p:txBody>
+          <a:bodyPr/>
+          <a:lstStyle/>
+          <a:p>
+            <a:r>
+              <a:rPr lang="en-US" dirty="0"/>
+              <a:t>Office Hours</a:t>
+            </a:r>
+          </a:p>
+        </p:txBody>
+      </p:sp>
+      <p:sp>
+        <p:nvSpPr>
+          <p:cNvPr id="18435" name="Content Placeholder 2"/>
+          <p:cNvSpPr>
+            <a:spLocks noGrp="1"/>
+          </p:cNvSpPr>
+          <p:nvPr>
+            <p:ph sz="quarter" idx="1"/>
+          </p:nvPr>
+        </p:nvSpPr>
+        <p:spPr/>
+        <p:txBody>
+          <a:bodyPr>
+            <a:normAutofit/>
+          </a:bodyPr>
+          <a:lstStyle/>
+          <a:p>
+            <a:pPr algn="l"/>
+            <a:r>
+              <a:rPr lang="en-US" dirty="0"/>
+              <a:t>Let’s discuss office hours by looking at the course website.</a:t>
+            </a:r>
+          </a:p>
+        </p:txBody>
+      </p:sp>
+      <p:sp>
+        <p:nvSpPr>
+          <p:cNvPr id="4" name="Slide Number Placeholder 3"/>
+          <p:cNvSpPr>
+            <a:spLocks noGrp="1"/>
+          </p:cNvSpPr>
+          <p:nvPr>
+            <p:ph type="sldNum" sz="quarter" idx="12"/>
+          </p:nvPr>
+        </p:nvSpPr>
+        <p:spPr/>
+        <p:txBody>
+          <a:bodyPr/>
+          <a:lstStyle/>
+          <a:p>
+            <a:fld id="{F26D9103-0C5C-48AC-B68E-3ED2C1647047}" type="slidenum">
+              <a:rPr lang="en-US" smtClean="0"/>
+              <a:pPr/>
+              <a:t>22</a:t>
+            </a:fld>
+            <a:endParaRPr lang="en-US" dirty="0"/>
+          </a:p>
+        </p:txBody>
+      </p:sp>
+    </p:spTree>
+    <p:extLst>
+      <p:ext uri="{BB962C8B-B14F-4D97-AF65-F5344CB8AC3E}">
+        <p14:creationId xmlns:p14="http://schemas.microsoft.com/office/powerpoint/2010/main" val="914414979"/>
+      </p:ext>
+    </p:extLst>
+  </p:cSld>
+  <p:clrMapOvr>
+    <a:masterClrMapping/>
+  </p:clrMapOvr>
+</p:sld>
+</file>
+
+<file path=ppt/slides/slide23.xml><?xml version="1.0" encoding="utf-8"?>
+<p:sld xmlns:a="http://schemas.openxmlformats.org/drawingml/2006/main" xmlns:r="http://schemas.openxmlformats.org/officeDocument/2006/relationships" xmlns:p="http://schemas.openxmlformats.org/presentationml/2006/main">
+  <p:cSld>
+    <p:spTree>
+      <p:nvGrpSpPr>
+        <p:cNvPr id="1" name=""/>
+        <p:cNvGrpSpPr/>
+        <p:nvPr/>
+      </p:nvGrpSpPr>
+      <p:grpSpPr>
+        <a:xfrm>
+          <a:off x="0" y="0"/>
+          <a:ext cx="0" cy="0"/>
+          <a:chOff x="0" y="0"/>
+          <a:chExt cx="0" cy="0"/>
+        </a:xfrm>
+      </p:grpSpPr>
+      <p:sp>
+        <p:nvSpPr>
+          <p:cNvPr id="16386" name="Title 1"/>
+          <p:cNvSpPr>
+            <a:spLocks noGrp="1"/>
+          </p:cNvSpPr>
+          <p:nvPr>
+            <p:ph type="title"/>
+          </p:nvPr>
+        </p:nvSpPr>
+        <p:spPr/>
+        <p:txBody>
+          <a:bodyPr/>
+          <a:lstStyle/>
+          <a:p>
+            <a:r>
+              <a:rPr lang="en-US" dirty="0"/>
+              <a:t>Homework: Programming Hints</a:t>
+            </a:r>
+          </a:p>
+        </p:txBody>
+      </p:sp>
+      <p:sp>
+        <p:nvSpPr>
+          <p:cNvPr id="16387" name="Content Placeholder 2"/>
+          <p:cNvSpPr>
+            <a:spLocks noGrp="1"/>
+          </p:cNvSpPr>
+          <p:nvPr>
+            <p:ph sz="quarter" idx="1"/>
+          </p:nvPr>
+        </p:nvSpPr>
+        <p:spPr/>
+        <p:txBody>
+          <a:bodyPr>
+            <a:normAutofit lnSpcReduction="10000"/>
+          </a:bodyPr>
+          <a:lstStyle/>
+          <a:p>
+            <a:r>
+              <a:rPr lang="en-US" dirty="0"/>
+              <a:t>Understand the problem!</a:t>
+            </a:r>
+          </a:p>
+          <a:p>
+            <a:r>
+              <a:rPr lang="en-US" dirty="0"/>
+              <a:t>Consider all boundary cases</a:t>
+            </a:r>
+          </a:p>
+          <a:p>
+            <a:r>
+              <a:rPr lang="en-US" dirty="0"/>
+              <a:t>Use pre-existing library code</a:t>
+            </a:r>
+          </a:p>
+          <a:p>
+            <a:pPr lvl="1"/>
+            <a:r>
+              <a:rPr lang="en-US" dirty="0"/>
+              <a:t>Number formatting: </a:t>
+            </a:r>
+            <a:r>
+              <a:rPr lang="en-US" dirty="0" err="1"/>
+              <a:t>NumberFormat</a:t>
+            </a:r>
+            <a:r>
+              <a:rPr lang="en-US" dirty="0"/>
+              <a:t> in Java, </a:t>
+            </a:r>
+            <a:r>
+              <a:rPr lang="en-US" dirty="0" err="1"/>
+              <a:t>printf</a:t>
+            </a:r>
+            <a:r>
+              <a:rPr lang="en-US" dirty="0"/>
+              <a:t>() in C/C++</a:t>
+            </a:r>
+          </a:p>
+          <a:p>
+            <a:pPr lvl="1"/>
+            <a:r>
+              <a:rPr lang="en-US" dirty="0"/>
+              <a:t>Input: Scanner in Java, </a:t>
+            </a:r>
+            <a:r>
+              <a:rPr lang="en-US" dirty="0" err="1"/>
+              <a:t>scanf</a:t>
+            </a:r>
+            <a:r>
+              <a:rPr lang="en-US" dirty="0"/>
+              <a:t>() in C, </a:t>
+            </a:r>
+            <a:r>
+              <a:rPr lang="en-US" dirty="0" err="1"/>
+              <a:t>cin</a:t>
+            </a:r>
+            <a:r>
+              <a:rPr lang="en-US" dirty="0"/>
+              <a:t> in C++</a:t>
+            </a:r>
+          </a:p>
+          <a:p>
+            <a:r>
+              <a:rPr lang="en-US" dirty="0"/>
+              <a:t>Know how to handle floating point numbers</a:t>
+            </a:r>
+          </a:p>
+          <a:p>
+            <a:pPr lvl="1"/>
+            <a:r>
+              <a:rPr lang="en-US" dirty="0"/>
+              <a:t>Understand float/double precision issues</a:t>
+            </a:r>
+          </a:p>
+          <a:p>
+            <a:pPr lvl="1"/>
+            <a:r>
+              <a:rPr lang="en-US" dirty="0"/>
+              <a:t>Rounding, floating-point mod</a:t>
+            </a:r>
+          </a:p>
+          <a:p>
+            <a:r>
+              <a:rPr lang="en-US" dirty="0"/>
+              <a:t>Make sure it works for the provided test cases</a:t>
+            </a:r>
+          </a:p>
+          <a:p>
+            <a:r>
+              <a:rPr lang="en-US" dirty="0"/>
+              <a:t>Then write some of your own</a:t>
+            </a:r>
+          </a:p>
+          <a:p>
+            <a:r>
+              <a:rPr lang="en-US" dirty="0"/>
+              <a:t>Make sure you read the language specific details for submission!!!</a:t>
+            </a:r>
+          </a:p>
+        </p:txBody>
+      </p:sp>
+      <p:sp>
+        <p:nvSpPr>
+          <p:cNvPr id="4" name="Slide Number Placeholder 3"/>
+          <p:cNvSpPr>
+            <a:spLocks noGrp="1"/>
+          </p:cNvSpPr>
+          <p:nvPr>
+            <p:ph type="sldNum" sz="quarter" idx="12"/>
+          </p:nvPr>
+        </p:nvSpPr>
+        <p:spPr/>
+        <p:txBody>
+          <a:bodyPr/>
+          <a:lstStyle/>
+          <a:p>
+            <a:fld id="{F26D9103-0C5C-48AC-B68E-3ED2C1647047}" type="slidenum">
+              <a:rPr lang="en-US" smtClean="0"/>
+              <a:pPr/>
+              <a:t>23</a:t>
+            </a:fld>
+            <a:endParaRPr lang="en-US"/>
+          </a:p>
+        </p:txBody>
+      </p:sp>
+    </p:spTree>
+  </p:cSld>
+  <p:clrMapOvr>
+    <a:masterClrMapping/>
+  </p:clrMapOvr>
+</p:sld>
+</file>
+
+<file path=ppt/slides/slide24.xml><?xml version="1.0" encoding="utf-8"?>
+<p:sld xmlns:a="http://schemas.openxmlformats.org/drawingml/2006/main" xmlns:r="http://schemas.openxmlformats.org/officeDocument/2006/relationships" xmlns:p="http://schemas.openxmlformats.org/presentationml/2006/main">
+  <p:cSld>
+    <p:spTree>
+      <p:nvGrpSpPr>
+        <p:cNvPr id="1" name=""/>
+        <p:cNvGrpSpPr/>
+        <p:nvPr/>
+      </p:nvGrpSpPr>
+      <p:grpSpPr>
+        <a:xfrm>
+          <a:off x="0" y="0"/>
+          <a:ext cx="0" cy="0"/>
+          <a:chOff x="0" y="0"/>
+          <a:chExt cx="0" cy="0"/>
+        </a:xfrm>
+      </p:grpSpPr>
+      <p:sp>
+        <p:nvSpPr>
+          <p:cNvPr id="2" name="Title 1"/>
+          <p:cNvSpPr>
+            <a:spLocks noGrp="1"/>
+          </p:cNvSpPr>
+          <p:nvPr>
+            <p:ph type="title"/>
+          </p:nvPr>
+        </p:nvSpPr>
+        <p:spPr/>
+        <p:txBody>
+          <a:bodyPr/>
+          <a:lstStyle/>
+          <a:p>
+            <a:r>
+              <a:rPr lang="en-US" dirty="0"/>
+              <a:t>Homework: Programming FAQ</a:t>
+            </a:r>
+          </a:p>
+        </p:txBody>
+      </p:sp>
+      <p:sp>
+        <p:nvSpPr>
+          <p:cNvPr id="3" name="Slide Number Placeholder 2"/>
+          <p:cNvSpPr>
+            <a:spLocks noGrp="1"/>
+          </p:cNvSpPr>
+          <p:nvPr>
+            <p:ph type="sldNum" sz="quarter" idx="12"/>
+          </p:nvPr>
+        </p:nvSpPr>
+        <p:spPr/>
+        <p:txBody>
+          <a:bodyPr/>
+          <a:lstStyle/>
+          <a:p>
+            <a:fld id="{F26D9103-0C5C-48AC-B68E-3ED2C1647047}" type="slidenum">
+              <a:rPr lang="en-US" smtClean="0"/>
+              <a:pPr/>
+              <a:t>24</a:t>
+            </a:fld>
+            <a:endParaRPr lang="en-US"/>
+          </a:p>
+        </p:txBody>
+      </p:sp>
+      <p:sp>
+        <p:nvSpPr>
+          <p:cNvPr id="4" name="Content Placeholder 3"/>
+          <p:cNvSpPr>
+            <a:spLocks noGrp="1"/>
+          </p:cNvSpPr>
+          <p:nvPr>
+            <p:ph sz="quarter" idx="1"/>
+          </p:nvPr>
+        </p:nvSpPr>
+        <p:spPr/>
+        <p:txBody>
+          <a:bodyPr>
+            <a:normAutofit fontScale="92500"/>
+          </a:bodyPr>
+          <a:lstStyle/>
+          <a:p>
+            <a:r>
+              <a:rPr lang="en-US" dirty="0"/>
+              <a:t>Do I need to write my own sorting methods.</a:t>
+            </a:r>
+          </a:p>
+          <a:p>
+            <a:pPr lvl="1"/>
+            <a:r>
+              <a:rPr lang="en-US" dirty="0"/>
+              <a:t>No, unless the point of that assignment is to write sorting methods, you can use libraries for this.</a:t>
+            </a:r>
+          </a:p>
+          <a:p>
+            <a:pPr lvl="1"/>
+            <a:endParaRPr lang="en-US" dirty="0"/>
+          </a:p>
+          <a:p>
+            <a:r>
+              <a:rPr lang="en-US" dirty="0"/>
+              <a:t>Can I get the test cases from submission server?</a:t>
+            </a:r>
+          </a:p>
+          <a:p>
+            <a:pPr lvl="1"/>
+            <a:r>
+              <a:rPr lang="en-US" dirty="0"/>
+              <a:t>No, part of the point is to work on brainstorming cases your code is missing without being told. Submission server will give limited feedback on purpose!</a:t>
+            </a:r>
+          </a:p>
+          <a:p>
+            <a:pPr lvl="1"/>
+            <a:endParaRPr lang="en-US" dirty="0"/>
+          </a:p>
+          <a:p>
+            <a:r>
+              <a:rPr lang="en-US" dirty="0"/>
+              <a:t>Will you help me debug my code?</a:t>
+            </a:r>
+          </a:p>
+          <a:p>
+            <a:pPr lvl="1"/>
+            <a:r>
+              <a:rPr lang="en-US" dirty="0"/>
+              <a:t>No, we won’t. You need to learn how to do this on your own. I’m happy to give you advice on how to approach your debugging problems, but I will not sit down and debug code with you.</a:t>
+            </a:r>
+          </a:p>
+        </p:txBody>
+      </p:sp>
+    </p:spTree>
+    <p:extLst>
+      <p:ext uri="{BB962C8B-B14F-4D97-AF65-F5344CB8AC3E}">
+        <p14:creationId xmlns:p14="http://schemas.microsoft.com/office/powerpoint/2010/main" val="1749701482"/>
+      </p:ext>
+    </p:extLst>
+  </p:cSld>
+  <p:clrMapOvr>
+    <a:masterClrMapping/>
+  </p:clrMapOvr>
+</p:sld>
+</file>
+
+<file path=ppt/slides/slide25.xml><?xml version="1.0" encoding="utf-8"?>
+<p:sld xmlns:a="http://schemas.openxmlformats.org/drawingml/2006/main" xmlns:r="http://schemas.openxmlformats.org/officeDocument/2006/relationships" xmlns:p="http://schemas.openxmlformats.org/presentationml/2006/main">
+  <p:cSld>
+    <p:spTree>
+      <p:nvGrpSpPr>
+        <p:cNvPr id="1" name=""/>
+        <p:cNvGrpSpPr/>
+        <p:nvPr/>
+      </p:nvGrpSpPr>
+      <p:grpSpPr>
+        <a:xfrm>
+          <a:off x="0" y="0"/>
+          <a:ext cx="0" cy="0"/>
+          <a:chOff x="0" y="0"/>
+          <a:chExt cx="0" cy="0"/>
+        </a:xfrm>
+      </p:grpSpPr>
+      <p:sp>
+        <p:nvSpPr>
+          <p:cNvPr id="17410" name="Title 1"/>
+          <p:cNvSpPr>
+            <a:spLocks noGrp="1"/>
+          </p:cNvSpPr>
+          <p:nvPr>
+            <p:ph type="title"/>
+          </p:nvPr>
+        </p:nvSpPr>
+        <p:spPr/>
+        <p:txBody>
+          <a:bodyPr/>
+          <a:lstStyle/>
+          <a:p>
+            <a:r>
+              <a:rPr lang="en-US" dirty="0"/>
+              <a:t>Homework: Written</a:t>
+            </a:r>
+          </a:p>
+        </p:txBody>
+      </p:sp>
+      <p:sp>
+        <p:nvSpPr>
+          <p:cNvPr id="17411" name="Content Placeholder 2"/>
+          <p:cNvSpPr>
+            <a:spLocks noGrp="1"/>
+          </p:cNvSpPr>
+          <p:nvPr>
+            <p:ph sz="quarter" idx="1"/>
+          </p:nvPr>
+        </p:nvSpPr>
+        <p:spPr/>
+        <p:txBody>
+          <a:bodyPr/>
+          <a:lstStyle/>
+          <a:p>
+            <a:r>
+              <a:rPr lang="en-US" dirty="0"/>
+              <a:t>These assignments must be typeset in </a:t>
+            </a:r>
+            <a:r>
+              <a:rPr lang="en-US" dirty="0" err="1"/>
+              <a:t>LaTeX</a:t>
+            </a:r>
+            <a:endParaRPr lang="en-US" dirty="0"/>
+          </a:p>
+          <a:p>
+            <a:endParaRPr lang="en-US" dirty="0"/>
+          </a:p>
+          <a:p>
+            <a:r>
+              <a:rPr lang="en-US" dirty="0"/>
+              <a:t>I will provide a couple tutorials, guides, and templates when the first assignment is given out</a:t>
+            </a:r>
+          </a:p>
+          <a:p>
+            <a:endParaRPr lang="en-US" dirty="0"/>
+          </a:p>
+          <a:p>
+            <a:r>
+              <a:rPr lang="en-US" dirty="0"/>
+              <a:t>You may not embed images of text or formulas!</a:t>
+            </a:r>
+          </a:p>
+          <a:p>
+            <a:endParaRPr lang="en-US" dirty="0"/>
+          </a:p>
+        </p:txBody>
+      </p:sp>
+      <p:sp>
+        <p:nvSpPr>
+          <p:cNvPr id="4" name="Slide Number Placeholder 3"/>
+          <p:cNvSpPr>
+            <a:spLocks noGrp="1"/>
+          </p:cNvSpPr>
+          <p:nvPr>
+            <p:ph type="sldNum" sz="quarter" idx="12"/>
+          </p:nvPr>
+        </p:nvSpPr>
+        <p:spPr/>
+        <p:txBody>
+          <a:bodyPr/>
+          <a:lstStyle/>
+          <a:p>
+            <a:fld id="{F26D9103-0C5C-48AC-B68E-3ED2C1647047}" type="slidenum">
+              <a:rPr lang="en-US" smtClean="0"/>
+              <a:pPr/>
+              <a:t>25</a:t>
+            </a:fld>
+            <a:endParaRPr lang="en-US"/>
+          </a:p>
+        </p:txBody>
+      </p:sp>
+    </p:spTree>
+  </p:cSld>
+  <p:clrMapOvr>
+    <a:masterClrMapping/>
+  </p:clrMapOvr>
+</p:sld>
+</file>
+
+<file path=ppt/slides/slide26.xml><?xml version="1.0" encoding="utf-8"?>
+<p:sld xmlns:a="http://schemas.openxmlformats.org/drawingml/2006/main" xmlns:r="http://schemas.openxmlformats.org/officeDocument/2006/relationships" xmlns:p="http://schemas.openxmlformats.org/presentationml/2006/main">
+  <p:cSld>
+    <p:spTree>
+      <p:nvGrpSpPr>
+        <p:cNvPr id="1" name=""/>
+        <p:cNvGrpSpPr/>
+        <p:nvPr/>
+      </p:nvGrpSpPr>
+      <p:grpSpPr>
+        <a:xfrm>
+          <a:off x="0" y="0"/>
+          <a:ext cx="0" cy="0"/>
+          <a:chOff x="0" y="0"/>
+          <a:chExt cx="0" cy="0"/>
+        </a:xfrm>
+      </p:grpSpPr>
+      <p:sp>
+        <p:nvSpPr>
+          <p:cNvPr id="18434" name="Title 1"/>
+          <p:cNvSpPr>
+            <a:spLocks noGrp="1"/>
+          </p:cNvSpPr>
+          <p:nvPr>
+            <p:ph type="title"/>
+          </p:nvPr>
+        </p:nvSpPr>
+        <p:spPr/>
+        <p:txBody>
+          <a:bodyPr/>
+          <a:lstStyle/>
+          <a:p>
+            <a:r>
+              <a:rPr lang="en-US"/>
+              <a:t>Working in groups</a:t>
+            </a:r>
+          </a:p>
+        </p:txBody>
+      </p:sp>
+      <p:sp>
+        <p:nvSpPr>
+          <p:cNvPr id="18435" name="Content Placeholder 2"/>
+          <p:cNvSpPr>
+            <a:spLocks noGrp="1"/>
+          </p:cNvSpPr>
+          <p:nvPr>
+            <p:ph sz="quarter" idx="1"/>
+          </p:nvPr>
+        </p:nvSpPr>
+        <p:spPr/>
+        <p:txBody>
+          <a:bodyPr>
+            <a:normAutofit/>
+          </a:bodyPr>
+          <a:lstStyle/>
+          <a:p>
+            <a:r>
+              <a:rPr lang="en-US" dirty="0"/>
+              <a:t>For the </a:t>
+            </a:r>
+            <a:r>
+              <a:rPr lang="en-US" dirty="0" err="1"/>
+              <a:t>homeworks</a:t>
+            </a:r>
+            <a:r>
+              <a:rPr lang="en-US" dirty="0"/>
+              <a:t>, you may work together in groups of 3 or less to discuss the algorithmic aspects ONLY</a:t>
+            </a:r>
+          </a:p>
+          <a:p>
+            <a:pPr lvl="1"/>
+            <a:r>
+              <a:rPr lang="en-US" dirty="0"/>
+              <a:t>State who you worked with (in code comments)</a:t>
+            </a:r>
+          </a:p>
+          <a:p>
+            <a:pPr lvl="1"/>
+            <a:r>
+              <a:rPr lang="en-US" dirty="0"/>
+              <a:t>No looking at another person’s code, or ANY code online!!</a:t>
+            </a:r>
+          </a:p>
+          <a:p>
+            <a:r>
+              <a:rPr lang="en-US" dirty="0"/>
+              <a:t>For the written homeworks, you may work together in groups of 3 or less, but you MUST:</a:t>
+            </a:r>
+          </a:p>
+          <a:p>
+            <a:pPr lvl="1"/>
+            <a:r>
+              <a:rPr lang="en-US" dirty="0"/>
+              <a:t>State who you worked with</a:t>
+            </a:r>
+          </a:p>
+          <a:p>
+            <a:pPr lvl="1"/>
+            <a:r>
+              <a:rPr lang="en-US" dirty="0"/>
+              <a:t>Type up your own assignment!</a:t>
+            </a:r>
+          </a:p>
+        </p:txBody>
+      </p:sp>
+      <p:sp>
+        <p:nvSpPr>
+          <p:cNvPr id="4" name="Slide Number Placeholder 3"/>
+          <p:cNvSpPr>
+            <a:spLocks noGrp="1"/>
+          </p:cNvSpPr>
+          <p:nvPr>
+            <p:ph type="sldNum" sz="quarter" idx="12"/>
+          </p:nvPr>
+        </p:nvSpPr>
+        <p:spPr/>
+        <p:txBody>
+          <a:bodyPr/>
+          <a:lstStyle/>
+          <a:p>
+            <a:fld id="{F26D9103-0C5C-48AC-B68E-3ED2C1647047}" type="slidenum">
+              <a:rPr lang="en-US" smtClean="0"/>
+              <a:pPr/>
+              <a:t>26</a:t>
+            </a:fld>
+            <a:endParaRPr lang="en-US" dirty="0"/>
+          </a:p>
+        </p:txBody>
+      </p:sp>
+    </p:spTree>
+  </p:cSld>
+  <p:clrMapOvr>
+    <a:masterClrMapping/>
+  </p:clrMapOvr>
+</p:sld>
+</file>
+
+<file path=ppt/slides/slide27.xml><?xml version="1.0" encoding="utf-8"?>
 <p:sld xmlns:a="http://schemas.openxmlformats.org/drawingml/2006/main" xmlns:r="http://schemas.openxmlformats.org/officeDocument/2006/relationships" xmlns:p="http://schemas.openxmlformats.org/presentationml/2006/main">
   <p:cSld>
     <p:spTree>
@@ -7298,1004 +8475,6 @@
 </p:sld>
 </file>
 
-<file path=ppt/slides/slide21.xml><?xml version="1.0" encoding="utf-8"?>
-<p:sld xmlns:a="http://schemas.openxmlformats.org/drawingml/2006/main" xmlns:r="http://schemas.openxmlformats.org/officeDocument/2006/relationships" xmlns:p="http://schemas.openxmlformats.org/presentationml/2006/main">
-  <p:cSld>
-    <p:spTree>
-      <p:nvGrpSpPr>
-        <p:cNvPr id="1" name=""/>
-        <p:cNvGrpSpPr/>
-        <p:nvPr/>
-      </p:nvGrpSpPr>
-      <p:grpSpPr>
-        <a:xfrm>
-          <a:off x="0" y="0"/>
-          <a:ext cx="0" cy="0"/>
-          <a:chOff x="0" y="0"/>
-          <a:chExt cx="0" cy="0"/>
-        </a:xfrm>
-      </p:grpSpPr>
-      <p:sp>
-        <p:nvSpPr>
-          <p:cNvPr id="18434" name="Title 1"/>
-          <p:cNvSpPr>
-            <a:spLocks noGrp="1"/>
-          </p:cNvSpPr>
-          <p:nvPr>
-            <p:ph type="title"/>
-          </p:nvPr>
-        </p:nvSpPr>
-        <p:spPr/>
-        <p:txBody>
-          <a:bodyPr/>
-          <a:lstStyle/>
-          <a:p>
-            <a:r>
-              <a:rPr lang="en-US" dirty="0"/>
-              <a:t>Grading Overview</a:t>
-            </a:r>
-          </a:p>
-        </p:txBody>
-      </p:sp>
-      <p:sp>
-        <p:nvSpPr>
-          <p:cNvPr id="4" name="Slide Number Placeholder 3"/>
-          <p:cNvSpPr>
-            <a:spLocks noGrp="1"/>
-          </p:cNvSpPr>
-          <p:nvPr>
-            <p:ph type="sldNum" sz="quarter" idx="12"/>
-          </p:nvPr>
-        </p:nvSpPr>
-        <p:spPr/>
-        <p:txBody>
-          <a:bodyPr/>
-          <a:lstStyle/>
-          <a:p>
-            <a:fld id="{F26D9103-0C5C-48AC-B68E-3ED2C1647047}" type="slidenum">
-              <a:rPr lang="en-US" smtClean="0"/>
-              <a:pPr/>
-              <a:t>21</a:t>
-            </a:fld>
-            <a:endParaRPr lang="en-US" dirty="0"/>
-          </a:p>
-        </p:txBody>
-      </p:sp>
-      <p:sp>
-        <p:nvSpPr>
-          <p:cNvPr id="3" name="Content Placeholder 2">
-            <a:extLst>
-              <a:ext uri="{FF2B5EF4-FFF2-40B4-BE49-F238E27FC236}">
-                <a16:creationId xmlns:a16="http://schemas.microsoft.com/office/drawing/2014/main" id="{267DFEF5-BEAA-974F-B91B-2D8B6E94C721}"/>
-              </a:ext>
-            </a:extLst>
-          </p:cNvPr>
-          <p:cNvSpPr>
-            <a:spLocks noGrp="1"/>
-          </p:cNvSpPr>
-          <p:nvPr>
-            <p:ph sz="quarter" idx="1"/>
-          </p:nvPr>
-        </p:nvSpPr>
-        <p:spPr/>
-        <p:txBody>
-          <a:bodyPr/>
-          <a:lstStyle/>
-          <a:p>
-            <a:r>
-              <a:rPr lang="en-US" dirty="0"/>
-              <a:t>Let’s look at how grades work on course website </a:t>
-            </a:r>
-            <a:r>
-              <a:rPr lang="en-US" dirty="0">
-                <a:sym typeface="Wingdings" pitchFamily="2" charset="2"/>
-              </a:rPr>
-              <a:t></a:t>
-            </a:r>
-          </a:p>
-          <a:p>
-            <a:endParaRPr lang="en-US" dirty="0">
-              <a:sym typeface="Wingdings" pitchFamily="2" charset="2"/>
-            </a:endParaRPr>
-          </a:p>
-          <a:p>
-            <a:r>
-              <a:rPr lang="en-US" dirty="0">
-                <a:sym typeface="Wingdings" pitchFamily="2" charset="2"/>
-              </a:rPr>
-              <a:t>Summary:</a:t>
-            </a:r>
-          </a:p>
-          <a:p>
-            <a:pPr lvl="1"/>
-            <a:r>
-              <a:rPr lang="en-US" dirty="0">
-                <a:sym typeface="Wingdings" pitchFamily="2" charset="2"/>
-              </a:rPr>
-              <a:t>Count how many </a:t>
-            </a:r>
-            <a:r>
-              <a:rPr lang="en-US" dirty="0" err="1">
-                <a:sym typeface="Wingdings" pitchFamily="2" charset="2"/>
-              </a:rPr>
-              <a:t>homeworks</a:t>
-            </a:r>
-            <a:r>
-              <a:rPr lang="en-US" dirty="0">
-                <a:sym typeface="Wingdings" pitchFamily="2" charset="2"/>
-              </a:rPr>
-              <a:t> / quizzes you’ve mastered, satisfied, etc.</a:t>
-            </a:r>
-          </a:p>
-          <a:p>
-            <a:pPr lvl="1"/>
-            <a:r>
-              <a:rPr lang="en-US" dirty="0">
-                <a:sym typeface="Wingdings" pitchFamily="2" charset="2"/>
-              </a:rPr>
-              <a:t>Look up the HIGHEST LETTER GRADE row on the table that for which you satisfy or exceed the requirements.</a:t>
-            </a:r>
-          </a:p>
-          <a:p>
-            <a:pPr lvl="2"/>
-            <a:r>
-              <a:rPr lang="en-US" dirty="0">
-                <a:sym typeface="Wingdings" pitchFamily="2" charset="2"/>
-              </a:rPr>
-              <a:t>That is your final letter grade for the course.</a:t>
-            </a:r>
-            <a:endParaRPr lang="en-US" dirty="0"/>
-          </a:p>
-        </p:txBody>
-      </p:sp>
-    </p:spTree>
-    <p:extLst>
-      <p:ext uri="{BB962C8B-B14F-4D97-AF65-F5344CB8AC3E}">
-        <p14:creationId xmlns:p14="http://schemas.microsoft.com/office/powerpoint/2010/main" val="4277655406"/>
-      </p:ext>
-    </p:extLst>
-  </p:cSld>
-  <p:clrMapOvr>
-    <a:masterClrMapping/>
-  </p:clrMapOvr>
-</p:sld>
-</file>
-
-<file path=ppt/slides/slide22.xml><?xml version="1.0" encoding="utf-8"?>
-<p:sld xmlns:a="http://schemas.openxmlformats.org/drawingml/2006/main" xmlns:r="http://schemas.openxmlformats.org/officeDocument/2006/relationships" xmlns:p="http://schemas.openxmlformats.org/presentationml/2006/main">
-  <p:cSld>
-    <p:spTree>
-      <p:nvGrpSpPr>
-        <p:cNvPr id="1" name=""/>
-        <p:cNvGrpSpPr/>
-        <p:nvPr/>
-      </p:nvGrpSpPr>
-      <p:grpSpPr>
-        <a:xfrm>
-          <a:off x="0" y="0"/>
-          <a:ext cx="0" cy="0"/>
-          <a:chOff x="0" y="0"/>
-          <a:chExt cx="0" cy="0"/>
-        </a:xfrm>
-      </p:grpSpPr>
-      <p:sp>
-        <p:nvSpPr>
-          <p:cNvPr id="2" name="Title 1">
-            <a:extLst>
-              <a:ext uri="{FF2B5EF4-FFF2-40B4-BE49-F238E27FC236}">
-                <a16:creationId xmlns:a16="http://schemas.microsoft.com/office/drawing/2014/main" id="{B6C21D28-983F-964A-89CC-AC9573CD4242}"/>
-              </a:ext>
-            </a:extLst>
-          </p:cNvPr>
-          <p:cNvSpPr>
-            <a:spLocks noGrp="1"/>
-          </p:cNvSpPr>
-          <p:nvPr>
-            <p:ph type="title"/>
-          </p:nvPr>
-        </p:nvSpPr>
-        <p:spPr/>
-        <p:txBody>
-          <a:bodyPr/>
-          <a:lstStyle/>
-          <a:p>
-            <a:endParaRPr lang="en-US" dirty="0"/>
-          </a:p>
-        </p:txBody>
-      </p:sp>
-      <p:sp>
-        <p:nvSpPr>
-          <p:cNvPr id="3" name="Slide Number Placeholder 2">
-            <a:extLst>
-              <a:ext uri="{FF2B5EF4-FFF2-40B4-BE49-F238E27FC236}">
-                <a16:creationId xmlns:a16="http://schemas.microsoft.com/office/drawing/2014/main" id="{30C00481-393E-2147-853E-98B0BCF84021}"/>
-              </a:ext>
-            </a:extLst>
-          </p:cNvPr>
-          <p:cNvSpPr>
-            <a:spLocks noGrp="1"/>
-          </p:cNvSpPr>
-          <p:nvPr>
-            <p:ph type="sldNum" sz="quarter" idx="12"/>
-          </p:nvPr>
-        </p:nvSpPr>
-        <p:spPr/>
-        <p:txBody>
-          <a:bodyPr/>
-          <a:lstStyle/>
-          <a:p>
-            <a:fld id="{F26D9103-0C5C-48AC-B68E-3ED2C1647047}" type="slidenum">
-              <a:rPr lang="en-US" smtClean="0"/>
-              <a:pPr/>
-              <a:t>22</a:t>
-            </a:fld>
-            <a:endParaRPr lang="en-US"/>
-          </a:p>
-        </p:txBody>
-      </p:sp>
-      <p:sp>
-        <p:nvSpPr>
-          <p:cNvPr id="4" name="Content Placeholder 3">
-            <a:extLst>
-              <a:ext uri="{FF2B5EF4-FFF2-40B4-BE49-F238E27FC236}">
-                <a16:creationId xmlns:a16="http://schemas.microsoft.com/office/drawing/2014/main" id="{2E5AB323-BB33-934A-B444-E5392B7C9676}"/>
-              </a:ext>
-            </a:extLst>
-          </p:cNvPr>
-          <p:cNvSpPr>
-            <a:spLocks noGrp="1"/>
-          </p:cNvSpPr>
-          <p:nvPr>
-            <p:ph sz="quarter" idx="1"/>
-          </p:nvPr>
-        </p:nvSpPr>
-        <p:spPr/>
-        <p:txBody>
-          <a:bodyPr/>
-          <a:lstStyle/>
-          <a:p>
-            <a:endParaRPr lang="en-US"/>
-          </a:p>
-        </p:txBody>
-      </p:sp>
-    </p:spTree>
-    <p:extLst>
-      <p:ext uri="{BB962C8B-B14F-4D97-AF65-F5344CB8AC3E}">
-        <p14:creationId xmlns:p14="http://schemas.microsoft.com/office/powerpoint/2010/main" val="50215907"/>
-      </p:ext>
-    </p:extLst>
-  </p:cSld>
-  <p:clrMapOvr>
-    <a:masterClrMapping/>
-  </p:clrMapOvr>
-</p:sld>
-</file>
-
-<file path=ppt/slides/slide23.xml><?xml version="1.0" encoding="utf-8"?>
-<p:sld xmlns:a="http://schemas.openxmlformats.org/drawingml/2006/main" xmlns:r="http://schemas.openxmlformats.org/officeDocument/2006/relationships" xmlns:p="http://schemas.openxmlformats.org/presentationml/2006/main">
-  <p:cSld>
-    <p:spTree>
-      <p:nvGrpSpPr>
-        <p:cNvPr id="1" name=""/>
-        <p:cNvGrpSpPr/>
-        <p:nvPr/>
-      </p:nvGrpSpPr>
-      <p:grpSpPr>
-        <a:xfrm>
-          <a:off x="0" y="0"/>
-          <a:ext cx="0" cy="0"/>
-          <a:chOff x="0" y="0"/>
-          <a:chExt cx="0" cy="0"/>
-        </a:xfrm>
-      </p:grpSpPr>
-      <p:sp>
-        <p:nvSpPr>
-          <p:cNvPr id="21506" name="Rectangle 2"/>
-          <p:cNvSpPr>
-            <a:spLocks noGrp="1" noChangeArrowheads="1"/>
-          </p:cNvSpPr>
-          <p:nvPr>
-            <p:ph type="title"/>
-            <p:custDataLst>
-              <p:tags r:id="rId1"/>
-            </p:custDataLst>
-          </p:nvPr>
-        </p:nvSpPr>
-        <p:spPr/>
-        <p:txBody>
-          <a:bodyPr/>
-          <a:lstStyle/>
-          <a:p>
-            <a:r>
-              <a:rPr lang="en-US" dirty="0"/>
-              <a:t>What you know already from CS2150</a:t>
-            </a:r>
-          </a:p>
-        </p:txBody>
-      </p:sp>
-      <p:sp>
-        <p:nvSpPr>
-          <p:cNvPr id="4" name="Slide Number Placeholder 3"/>
-          <p:cNvSpPr>
-            <a:spLocks noGrp="1"/>
-          </p:cNvSpPr>
-          <p:nvPr>
-            <p:ph type="sldNum" sz="quarter" idx="12"/>
-          </p:nvPr>
-        </p:nvSpPr>
-        <p:spPr/>
-        <p:txBody>
-          <a:bodyPr/>
-          <a:lstStyle/>
-          <a:p>
-            <a:fld id="{F26D9103-0C5C-48AC-B68E-3ED2C1647047}" type="slidenum">
-              <a:rPr lang="en-US" smtClean="0"/>
-              <a:pPr/>
-              <a:t>23</a:t>
-            </a:fld>
-            <a:endParaRPr lang="en-US"/>
-          </a:p>
-        </p:txBody>
-      </p:sp>
-      <p:sp>
-        <p:nvSpPr>
-          <p:cNvPr id="21507" name="Rectangle 3"/>
-          <p:cNvSpPr>
-            <a:spLocks noGrp="1" noChangeArrowheads="1"/>
-          </p:cNvSpPr>
-          <p:nvPr>
-            <p:ph sz="quarter" idx="1"/>
-            <p:custDataLst>
-              <p:tags r:id="rId2"/>
-            </p:custDataLst>
-          </p:nvPr>
-        </p:nvSpPr>
-        <p:spPr/>
-        <p:txBody>
-          <a:bodyPr/>
-          <a:lstStyle/>
-          <a:p>
-            <a:r>
-              <a:rPr lang="en-US" dirty="0"/>
-              <a:t>Definition of an algorithm</a:t>
-            </a:r>
-          </a:p>
-          <a:p>
-            <a:r>
-              <a:rPr lang="en-US" dirty="0"/>
-              <a:t>Definition of algorithm “complexity”</a:t>
-            </a:r>
-          </a:p>
-          <a:p>
-            <a:r>
-              <a:rPr lang="en-US" dirty="0"/>
-              <a:t>Measuring worst-case complexity</a:t>
-            </a:r>
-          </a:p>
-          <a:p>
-            <a:r>
-              <a:rPr lang="en-US" dirty="0"/>
-              <a:t>Cost as a function of input size</a:t>
-            </a:r>
-          </a:p>
-          <a:p>
-            <a:r>
-              <a:rPr lang="en-US" dirty="0"/>
-              <a:t>Asymptotic rate of growth: Big-Oh, Big-Theta</a:t>
-            </a:r>
-          </a:p>
-          <a:p>
-            <a:r>
-              <a:rPr lang="en-US" dirty="0"/>
-              <a:t>Relative ordering of rates of growth</a:t>
-            </a:r>
-          </a:p>
-          <a:p>
-            <a:r>
-              <a:rPr lang="en-US" dirty="0"/>
-              <a:t>Analyzing an algorithm's cost:</a:t>
-            </a:r>
-          </a:p>
-          <a:p>
-            <a:pPr lvl="1"/>
-            <a:r>
-              <a:rPr lang="en-US" dirty="0"/>
-              <a:t>sequences, loops, if/else, functions, recursion</a:t>
-            </a:r>
-          </a:p>
-          <a:p>
-            <a:r>
-              <a:rPr lang="en-US" dirty="0"/>
-              <a:t>Focus on counting one particular statement or operation; don’t count all statements</a:t>
-            </a:r>
-          </a:p>
-        </p:txBody>
-      </p:sp>
-    </p:spTree>
-  </p:cSld>
-  <p:clrMapOvr>
-    <a:masterClrMapping/>
-  </p:clrMapOvr>
-</p:sld>
-</file>
-
-<file path=ppt/slides/slide24.xml><?xml version="1.0" encoding="utf-8"?>
-<p:sld xmlns:a="http://schemas.openxmlformats.org/drawingml/2006/main" xmlns:r="http://schemas.openxmlformats.org/officeDocument/2006/relationships" xmlns:p="http://schemas.openxmlformats.org/presentationml/2006/main">
-  <p:cSld>
-    <p:spTree>
-      <p:nvGrpSpPr>
-        <p:cNvPr id="1" name=""/>
-        <p:cNvGrpSpPr/>
-        <p:nvPr/>
-      </p:nvGrpSpPr>
-      <p:grpSpPr>
-        <a:xfrm>
-          <a:off x="0" y="0"/>
-          <a:ext cx="0" cy="0"/>
-          <a:chOff x="0" y="0"/>
-          <a:chExt cx="0" cy="0"/>
-        </a:xfrm>
-      </p:grpSpPr>
-      <p:sp>
-        <p:nvSpPr>
-          <p:cNvPr id="22530" name="Rectangle 2"/>
-          <p:cNvSpPr>
-            <a:spLocks noGrp="1" noChangeArrowheads="1"/>
-          </p:cNvSpPr>
-          <p:nvPr>
-            <p:ph type="title"/>
-            <p:custDataLst>
-              <p:tags r:id="rId1"/>
-            </p:custDataLst>
-          </p:nvPr>
-        </p:nvSpPr>
-        <p:spPr>
-          <a:xfrm>
-            <a:off x="457200" y="152400"/>
-            <a:ext cx="8686800" cy="990600"/>
-          </a:xfrm>
-        </p:spPr>
-        <p:txBody>
-          <a:bodyPr>
-            <a:normAutofit/>
-          </a:bodyPr>
-          <a:lstStyle/>
-          <a:p>
-            <a:r>
-              <a:rPr lang="en-US" dirty="0"/>
-              <a:t>What you know already from CS2150</a:t>
-            </a:r>
-          </a:p>
-        </p:txBody>
-      </p:sp>
-      <p:sp>
-        <p:nvSpPr>
-          <p:cNvPr id="4" name="Slide Number Placeholder 3"/>
-          <p:cNvSpPr>
-            <a:spLocks noGrp="1"/>
-          </p:cNvSpPr>
-          <p:nvPr>
-            <p:ph type="sldNum" sz="quarter" idx="12"/>
-          </p:nvPr>
-        </p:nvSpPr>
-        <p:spPr/>
-        <p:txBody>
-          <a:bodyPr/>
-          <a:lstStyle/>
-          <a:p>
-            <a:fld id="{F26D9103-0C5C-48AC-B68E-3ED2C1647047}" type="slidenum">
-              <a:rPr lang="en-US" smtClean="0"/>
-              <a:pPr/>
-              <a:t>24</a:t>
-            </a:fld>
-            <a:endParaRPr lang="en-US"/>
-          </a:p>
-        </p:txBody>
-      </p:sp>
-      <p:sp>
-        <p:nvSpPr>
-          <p:cNvPr id="22531" name="Rectangle 3"/>
-          <p:cNvSpPr>
-            <a:spLocks noGrp="1" noChangeArrowheads="1"/>
-          </p:cNvSpPr>
-          <p:nvPr>
-            <p:ph sz="quarter" idx="1"/>
-            <p:custDataLst>
-              <p:tags r:id="rId2"/>
-            </p:custDataLst>
-          </p:nvPr>
-        </p:nvSpPr>
-        <p:spPr/>
-        <p:txBody>
-          <a:bodyPr/>
-          <a:lstStyle/>
-          <a:p>
-            <a:r>
-              <a:rPr lang="en-US" dirty="0"/>
-              <a:t>Problems and their solutions:</a:t>
-            </a:r>
-          </a:p>
-          <a:p>
-            <a:pPr lvl="1"/>
-            <a:r>
-              <a:rPr lang="en-US" dirty="0"/>
-              <a:t>Linear data structures vs. tree data structures</a:t>
-            </a:r>
-          </a:p>
-          <a:p>
-            <a:pPr lvl="1"/>
-            <a:r>
-              <a:rPr lang="en-US" dirty="0"/>
-              <a:t>Searching: linear/sequential search, binary search (?), hashing</a:t>
-            </a:r>
-          </a:p>
-          <a:p>
-            <a:pPr lvl="1"/>
-            <a:r>
-              <a:rPr lang="en-US" dirty="0"/>
-              <a:t>Sorting:  quicksort, </a:t>
-            </a:r>
-            <a:r>
-              <a:rPr lang="en-US" dirty="0" err="1"/>
-              <a:t>mergesort</a:t>
-            </a:r>
-            <a:r>
-              <a:rPr lang="en-US" dirty="0"/>
-              <a:t> in CS2110 (?)</a:t>
-            </a:r>
-          </a:p>
-          <a:p>
-            <a:pPr lvl="1"/>
-            <a:r>
-              <a:rPr lang="en-US" dirty="0"/>
-              <a:t>Priority Queue ADT and Heap Implementation</a:t>
-            </a:r>
-          </a:p>
-        </p:txBody>
-      </p:sp>
-    </p:spTree>
-  </p:cSld>
-  <p:clrMapOvr>
-    <a:masterClrMapping/>
-  </p:clrMapOvr>
-</p:sld>
-</file>
-
-<file path=ppt/slides/slide25.xml><?xml version="1.0" encoding="utf-8"?>
-<p:sld xmlns:a="http://schemas.openxmlformats.org/drawingml/2006/main" xmlns:r="http://schemas.openxmlformats.org/officeDocument/2006/relationships" xmlns:p="http://schemas.openxmlformats.org/presentationml/2006/main">
-  <p:cSld>
-    <p:spTree>
-      <p:nvGrpSpPr>
-        <p:cNvPr id="1" name=""/>
-        <p:cNvGrpSpPr/>
-        <p:nvPr/>
-      </p:nvGrpSpPr>
-      <p:grpSpPr>
-        <a:xfrm>
-          <a:off x="0" y="0"/>
-          <a:ext cx="0" cy="0"/>
-          <a:chOff x="0" y="0"/>
-          <a:chExt cx="0" cy="0"/>
-        </a:xfrm>
-      </p:grpSpPr>
-      <p:sp>
-        <p:nvSpPr>
-          <p:cNvPr id="23554" name="Rectangle 2"/>
-          <p:cNvSpPr>
-            <a:spLocks noGrp="1" noChangeArrowheads="1"/>
-          </p:cNvSpPr>
-          <p:nvPr>
-            <p:ph type="title"/>
-            <p:custDataLst>
-              <p:tags r:id="rId1"/>
-            </p:custDataLst>
-          </p:nvPr>
-        </p:nvSpPr>
-        <p:spPr>
-          <a:xfrm>
-            <a:off x="457200" y="152400"/>
-            <a:ext cx="8686800" cy="990600"/>
-          </a:xfrm>
-        </p:spPr>
-        <p:txBody>
-          <a:bodyPr>
-            <a:normAutofit fontScale="90000"/>
-          </a:bodyPr>
-          <a:lstStyle/>
-          <a:p>
-            <a:r>
-              <a:rPr lang="en-US" dirty="0"/>
-              <a:t>What you know already from all your courses</a:t>
-            </a:r>
-          </a:p>
-        </p:txBody>
-      </p:sp>
-      <p:sp>
-        <p:nvSpPr>
-          <p:cNvPr id="4" name="Slide Number Placeholder 3"/>
-          <p:cNvSpPr>
-            <a:spLocks noGrp="1"/>
-          </p:cNvSpPr>
-          <p:nvPr>
-            <p:ph type="sldNum" sz="quarter" idx="12"/>
-          </p:nvPr>
-        </p:nvSpPr>
-        <p:spPr/>
-        <p:txBody>
-          <a:bodyPr/>
-          <a:lstStyle/>
-          <a:p>
-            <a:fld id="{F26D9103-0C5C-48AC-B68E-3ED2C1647047}" type="slidenum">
-              <a:rPr lang="en-US" smtClean="0"/>
-              <a:pPr/>
-              <a:t>25</a:t>
-            </a:fld>
-            <a:endParaRPr lang="en-US"/>
-          </a:p>
-        </p:txBody>
-      </p:sp>
-      <p:sp>
-        <p:nvSpPr>
-          <p:cNvPr id="23555" name="Rectangle 3"/>
-          <p:cNvSpPr>
-            <a:spLocks noGrp="1" noChangeArrowheads="1"/>
-          </p:cNvSpPr>
-          <p:nvPr>
-            <p:ph sz="quarter" idx="1"/>
-            <p:custDataLst>
-              <p:tags r:id="rId2"/>
-            </p:custDataLst>
-          </p:nvPr>
-        </p:nvSpPr>
-        <p:spPr/>
-        <p:txBody>
-          <a:bodyPr/>
-          <a:lstStyle/>
-          <a:p>
-            <a:r>
-              <a:rPr lang="en-US" dirty="0"/>
-              <a:t>Examples of Algorithm design methods:</a:t>
-            </a:r>
-          </a:p>
-          <a:p>
-            <a:pPr lvl="1"/>
-            <a:r>
-              <a:rPr lang="en-US" dirty="0"/>
-              <a:t>Divide and Conquer (quicksort, </a:t>
-            </a:r>
-            <a:r>
-              <a:rPr lang="en-US" dirty="0" err="1"/>
-              <a:t>mergesort</a:t>
-            </a:r>
-            <a:r>
-              <a:rPr lang="en-US" dirty="0"/>
-              <a:t>)</a:t>
-            </a:r>
-          </a:p>
-          <a:p>
-            <a:pPr lvl="1"/>
-            <a:r>
-              <a:rPr lang="en-US" dirty="0"/>
-              <a:t>Greedy (though you didn’t call it this)</a:t>
-            </a:r>
-          </a:p>
-          <a:p>
-            <a:pPr lvl="1"/>
-            <a:r>
-              <a:rPr lang="en-US" dirty="0"/>
-              <a:t>Dynamic programming (</a:t>
-            </a:r>
-            <a:r>
-              <a:rPr lang="en-US" dirty="0" err="1"/>
-              <a:t>fibonacci</a:t>
-            </a:r>
-            <a:r>
-              <a:rPr lang="en-US" dirty="0"/>
-              <a:t> numbers, Floyd-</a:t>
-            </a:r>
-            <a:r>
-              <a:rPr lang="en-US" dirty="0" err="1"/>
-              <a:t>Warshall</a:t>
-            </a:r>
-            <a:r>
-              <a:rPr lang="en-US" dirty="0"/>
-              <a:t>)</a:t>
-            </a:r>
-          </a:p>
-          <a:p>
-            <a:pPr lvl="1"/>
-            <a:r>
-              <a:rPr lang="en-US" dirty="0"/>
-              <a:t>NP-complete (traveling salesperson. Have you seen this?)</a:t>
-            </a:r>
-          </a:p>
-          <a:p>
-            <a:pPr lvl="1"/>
-            <a:endParaRPr lang="en-US" dirty="0"/>
-          </a:p>
-        </p:txBody>
-      </p:sp>
-    </p:spTree>
-  </p:cSld>
-  <p:clrMapOvr>
-    <a:masterClrMapping/>
-  </p:clrMapOvr>
-</p:sld>
-</file>
-
-<file path=ppt/slides/slide26.xml><?xml version="1.0" encoding="utf-8"?>
-<p:sld xmlns:a="http://schemas.openxmlformats.org/drawingml/2006/main" xmlns:r="http://schemas.openxmlformats.org/officeDocument/2006/relationships" xmlns:p="http://schemas.openxmlformats.org/presentationml/2006/main">
-  <p:cSld>
-    <p:spTree>
-      <p:nvGrpSpPr>
-        <p:cNvPr id="1" name=""/>
-        <p:cNvGrpSpPr/>
-        <p:nvPr/>
-      </p:nvGrpSpPr>
-      <p:grpSpPr>
-        <a:xfrm>
-          <a:off x="0" y="0"/>
-          <a:ext cx="0" cy="0"/>
-          <a:chOff x="0" y="0"/>
-          <a:chExt cx="0" cy="0"/>
-        </a:xfrm>
-      </p:grpSpPr>
-      <p:sp>
-        <p:nvSpPr>
-          <p:cNvPr id="24578" name="Rectangle 2"/>
-          <p:cNvSpPr>
-            <a:spLocks noGrp="1" noChangeArrowheads="1"/>
-          </p:cNvSpPr>
-          <p:nvPr>
-            <p:ph type="title"/>
-            <p:custDataLst>
-              <p:tags r:id="rId1"/>
-            </p:custDataLst>
-          </p:nvPr>
-        </p:nvSpPr>
-        <p:spPr/>
-        <p:txBody>
-          <a:bodyPr>
-            <a:normAutofit fontScale="90000"/>
-          </a:bodyPr>
-          <a:lstStyle/>
-          <a:p>
-            <a:r>
-              <a:rPr lang="en-US"/>
-              <a:t>What you know already from Discrete Math and Theory of Computation…</a:t>
-            </a:r>
-          </a:p>
-        </p:txBody>
-      </p:sp>
-      <p:sp>
-        <p:nvSpPr>
-          <p:cNvPr id="4" name="Slide Number Placeholder 3"/>
-          <p:cNvSpPr>
-            <a:spLocks noGrp="1"/>
-          </p:cNvSpPr>
-          <p:nvPr>
-            <p:ph type="sldNum" sz="quarter" idx="12"/>
-          </p:nvPr>
-        </p:nvSpPr>
-        <p:spPr/>
-        <p:txBody>
-          <a:bodyPr/>
-          <a:lstStyle/>
-          <a:p>
-            <a:fld id="{F26D9103-0C5C-48AC-B68E-3ED2C1647047}" type="slidenum">
-              <a:rPr lang="en-US" smtClean="0"/>
-              <a:pPr/>
-              <a:t>26</a:t>
-            </a:fld>
-            <a:endParaRPr lang="en-US"/>
-          </a:p>
-        </p:txBody>
-      </p:sp>
-      <p:sp>
-        <p:nvSpPr>
-          <p:cNvPr id="24579" name="Rectangle 3"/>
-          <p:cNvSpPr>
-            <a:spLocks noGrp="1" noChangeArrowheads="1"/>
-          </p:cNvSpPr>
-          <p:nvPr>
-            <p:ph sz="quarter" idx="1"/>
-            <p:custDataLst>
-              <p:tags r:id="rId2"/>
-            </p:custDataLst>
-          </p:nvPr>
-        </p:nvSpPr>
-        <p:spPr/>
-        <p:txBody>
-          <a:bodyPr>
-            <a:normAutofit fontScale="92500" lnSpcReduction="10000"/>
-          </a:bodyPr>
-          <a:lstStyle/>
-          <a:p>
-            <a:r>
-              <a:rPr lang="en-US" dirty="0"/>
-              <a:t>From CS2102:</a:t>
-            </a:r>
-          </a:p>
-          <a:p>
-            <a:pPr lvl="1"/>
-            <a:r>
-              <a:rPr lang="en-US" dirty="0"/>
-              <a:t>Proofs: induction, contradiction</a:t>
-            </a:r>
-          </a:p>
-          <a:p>
-            <a:pPr lvl="2"/>
-            <a:r>
-              <a:rPr lang="en-US" dirty="0"/>
-              <a:t>If you are uncomfortable with these two, review them NOW!</a:t>
-            </a:r>
-          </a:p>
-          <a:p>
-            <a:pPr lvl="1"/>
-            <a:r>
-              <a:rPr lang="en-US" dirty="0"/>
-              <a:t>Counting, probability, </a:t>
-            </a:r>
-            <a:r>
-              <a:rPr lang="en-US" dirty="0" err="1"/>
-              <a:t>combinatorics</a:t>
-            </a:r>
-            <a:r>
-              <a:rPr lang="en-US" dirty="0"/>
-              <a:t>, permutations</a:t>
-            </a:r>
-          </a:p>
-          <a:p>
-            <a:endParaRPr lang="en-US" dirty="0"/>
-          </a:p>
-          <a:p>
-            <a:r>
-              <a:rPr lang="en-US" dirty="0"/>
-              <a:t>From some earlier math class:</a:t>
-            </a:r>
-          </a:p>
-          <a:p>
-            <a:pPr lvl="1"/>
-            <a:r>
-              <a:rPr lang="en-US" dirty="0"/>
-              <a:t>Exponents, logarithms, limits, differentiation on polynomials and other simple functions</a:t>
-            </a:r>
-          </a:p>
-          <a:p>
-            <a:endParaRPr lang="en-US" dirty="0"/>
-          </a:p>
-          <a:p>
-            <a:r>
-              <a:rPr lang="en-US" dirty="0"/>
-              <a:t>From CS3102 (if you have taken it)</a:t>
-            </a:r>
-          </a:p>
-          <a:p>
-            <a:pPr lvl="1"/>
-            <a:r>
-              <a:rPr lang="en-US" dirty="0"/>
-              <a:t>Maturity in mathematics and computing theory</a:t>
-            </a:r>
-          </a:p>
-          <a:p>
-            <a:pPr lvl="1"/>
-            <a:r>
-              <a:rPr lang="en-US" dirty="0"/>
-              <a:t>Ability to do proofs</a:t>
-            </a:r>
-          </a:p>
-          <a:p>
-            <a:pPr lvl="1"/>
-            <a:r>
-              <a:rPr lang="en-US" dirty="0"/>
-              <a:t>Abstract models of computation, such as Turing machines</a:t>
-            </a:r>
-          </a:p>
-          <a:p>
-            <a:pPr lvl="1"/>
-            <a:endParaRPr lang="en-US" dirty="0"/>
-          </a:p>
-        </p:txBody>
-      </p:sp>
-    </p:spTree>
-  </p:cSld>
-  <p:clrMapOvr>
-    <a:masterClrMapping/>
-  </p:clrMapOvr>
-</p:sld>
-</file>
-
-<file path=ppt/slides/slide27.xml><?xml version="1.0" encoding="utf-8"?>
-<p:sld xmlns:a="http://schemas.openxmlformats.org/drawingml/2006/main" xmlns:r="http://schemas.openxmlformats.org/officeDocument/2006/relationships" xmlns:p="http://schemas.openxmlformats.org/presentationml/2006/main">
-  <p:cSld>
-    <p:spTree>
-      <p:nvGrpSpPr>
-        <p:cNvPr id="1" name=""/>
-        <p:cNvGrpSpPr/>
-        <p:nvPr/>
-      </p:nvGrpSpPr>
-      <p:grpSpPr>
-        <a:xfrm>
-          <a:off x="0" y="0"/>
-          <a:ext cx="0" cy="0"/>
-          <a:chOff x="0" y="0"/>
-          <a:chExt cx="0" cy="0"/>
-        </a:xfrm>
-      </p:grpSpPr>
-      <p:sp>
-        <p:nvSpPr>
-          <p:cNvPr id="2" name="Title 1"/>
-          <p:cNvSpPr>
-            <a:spLocks noGrp="1"/>
-          </p:cNvSpPr>
-          <p:nvPr>
-            <p:ph type="title"/>
-          </p:nvPr>
-        </p:nvSpPr>
-        <p:spPr/>
-        <p:txBody>
-          <a:bodyPr/>
-          <a:lstStyle/>
-          <a:p>
-            <a:r>
-              <a:rPr lang="en-US"/>
-              <a:t>Questions?  Concerns?  Wrath to vent?</a:t>
-            </a:r>
-            <a:endParaRPr lang="en-US" dirty="0"/>
-          </a:p>
-        </p:txBody>
-      </p:sp>
-      <p:sp>
-        <p:nvSpPr>
-          <p:cNvPr id="4" name="Slide Number Placeholder 3"/>
-          <p:cNvSpPr>
-            <a:spLocks noGrp="1"/>
-          </p:cNvSpPr>
-          <p:nvPr>
-            <p:ph type="sldNum" sz="quarter" idx="12"/>
-          </p:nvPr>
-        </p:nvSpPr>
-        <p:spPr/>
-        <p:txBody>
-          <a:bodyPr/>
-          <a:lstStyle/>
-          <a:p>
-            <a:fld id="{F26D9103-0C5C-48AC-B68E-3ED2C1647047}" type="slidenum">
-              <a:rPr lang="en-US" smtClean="0"/>
-              <a:pPr/>
-              <a:t>27</a:t>
-            </a:fld>
-            <a:endParaRPr lang="en-US"/>
-          </a:p>
-        </p:txBody>
-      </p:sp>
-      <p:sp>
-        <p:nvSpPr>
-          <p:cNvPr id="7" name="Content Placeholder 6"/>
-          <p:cNvSpPr>
-            <a:spLocks noGrp="1"/>
-          </p:cNvSpPr>
-          <p:nvPr>
-            <p:ph sz="quarter" idx="1"/>
-          </p:nvPr>
-        </p:nvSpPr>
-        <p:spPr/>
-        <p:txBody>
-          <a:bodyPr/>
-          <a:lstStyle/>
-          <a:p>
-            <a:endParaRPr lang="en-US"/>
-          </a:p>
-        </p:txBody>
-      </p:sp>
-    </p:spTree>
-  </p:cSld>
-  <p:clrMapOvr>
-    <a:masterClrMapping/>
-  </p:clrMapOvr>
-</p:sld>
-</file>
-
 <file path=ppt/slides/slide28.xml><?xml version="1.0" encoding="utf-8"?>
 <p:sld xmlns:a="http://schemas.openxmlformats.org/drawingml/2006/main" xmlns:r="http://schemas.openxmlformats.org/officeDocument/2006/relationships" xmlns:p="http://schemas.openxmlformats.org/presentationml/2006/main">
   <p:cSld>
@@ -8315,48 +8494,32 @@
       </p:grpSpPr>
       <p:sp>
         <p:nvSpPr>
-          <p:cNvPr id="5" name="Title 4"/>
-          <p:cNvSpPr>
-            <a:spLocks noGrp="1"/>
+          <p:cNvPr id="21506" name="Rectangle 2"/>
+          <p:cNvSpPr>
+            <a:spLocks noGrp="1" noChangeArrowheads="1"/>
           </p:cNvSpPr>
           <p:nvPr>
             <p:ph type="title"/>
-          </p:nvPr>
-        </p:nvSpPr>
-        <p:spPr/>
-        <p:txBody>
-          <a:bodyPr/>
-          <a:lstStyle/>
-          <a:p>
-            <a:r>
-              <a:rPr lang="en-US" dirty="0"/>
-              <a:t>A first algorithm: making change</a:t>
-            </a:r>
-          </a:p>
-        </p:txBody>
-      </p:sp>
-      <p:sp>
-        <p:nvSpPr>
-          <p:cNvPr id="6" name="Text Placeholder 5"/>
-          <p:cNvSpPr>
-            <a:spLocks noGrp="1"/>
-          </p:cNvSpPr>
-          <p:nvPr>
-            <p:ph type="body" idx="1"/>
-          </p:nvPr>
-        </p:nvSpPr>
-        <p:spPr/>
-        <p:txBody>
-          <a:bodyPr/>
-          <a:lstStyle/>
-          <a:p>
-            <a:endParaRPr lang="en-US"/>
-          </a:p>
-        </p:txBody>
-      </p:sp>
-      <p:sp>
-        <p:nvSpPr>
-          <p:cNvPr id="3" name="Slide Number Placeholder 2"/>
+            <p:custDataLst>
+              <p:tags r:id="rId1"/>
+            </p:custDataLst>
+          </p:nvPr>
+        </p:nvSpPr>
+        <p:spPr/>
+        <p:txBody>
+          <a:bodyPr/>
+          <a:lstStyle/>
+          <a:p>
+            <a:r>
+              <a:rPr lang="en-US" dirty="0"/>
+              <a:t>What you know already from CS2150</a:t>
+            </a:r>
+          </a:p>
+        </p:txBody>
+      </p:sp>
+      <p:sp>
+        <p:nvSpPr>
+          <p:cNvPr id="4" name="Slide Number Placeholder 3"/>
           <p:cNvSpPr>
             <a:spLocks noGrp="1"/>
           </p:cNvSpPr>
@@ -8375,6 +8538,80 @@
               <a:t>28</a:t>
             </a:fld>
             <a:endParaRPr lang="en-US"/>
+          </a:p>
+        </p:txBody>
+      </p:sp>
+      <p:sp>
+        <p:nvSpPr>
+          <p:cNvPr id="21507" name="Rectangle 3"/>
+          <p:cNvSpPr>
+            <a:spLocks noGrp="1" noChangeArrowheads="1"/>
+          </p:cNvSpPr>
+          <p:nvPr>
+            <p:ph sz="quarter" idx="1"/>
+            <p:custDataLst>
+              <p:tags r:id="rId2"/>
+            </p:custDataLst>
+          </p:nvPr>
+        </p:nvSpPr>
+        <p:spPr/>
+        <p:txBody>
+          <a:bodyPr/>
+          <a:lstStyle/>
+          <a:p>
+            <a:r>
+              <a:rPr lang="en-US" dirty="0"/>
+              <a:t>Definition of an algorithm</a:t>
+            </a:r>
+          </a:p>
+          <a:p>
+            <a:r>
+              <a:rPr lang="en-US" dirty="0"/>
+              <a:t>Definition of algorithm “complexity”</a:t>
+            </a:r>
+          </a:p>
+          <a:p>
+            <a:r>
+              <a:rPr lang="en-US" dirty="0"/>
+              <a:t>Measuring worst-case complexity</a:t>
+            </a:r>
+          </a:p>
+          <a:p>
+            <a:r>
+              <a:rPr lang="en-US" dirty="0"/>
+              <a:t>Cost as a function of input size</a:t>
+            </a:r>
+          </a:p>
+          <a:p>
+            <a:r>
+              <a:rPr lang="en-US" dirty="0"/>
+              <a:t>Asymptotic rate of growth: Big-Oh, Big-Theta</a:t>
+            </a:r>
+          </a:p>
+          <a:p>
+            <a:r>
+              <a:rPr lang="en-US" dirty="0"/>
+              <a:t>Relative ordering of rates of growth</a:t>
+            </a:r>
+          </a:p>
+          <a:p>
+            <a:r>
+              <a:rPr lang="en-US" dirty="0"/>
+              <a:t>Analyzing an algorithm's cost:</a:t>
+            </a:r>
+          </a:p>
+          <a:p>
+            <a:pPr lvl="1"/>
+            <a:r>
+              <a:rPr lang="en-US" dirty="0"/>
+              <a:t>sequences, loops, if/else, functions, recursion</a:t>
+            </a:r>
+          </a:p>
+          <a:p>
+            <a:r>
+              <a:rPr lang="en-US" dirty="0"/>
+              <a:t>Focus on counting one particular statement or operation; don’t count all statements</a:t>
+            </a:r>
           </a:p>
         </p:txBody>
       </p:sp>
@@ -8405,7 +8642,7 @@
       </p:grpSpPr>
       <p:sp>
         <p:nvSpPr>
-          <p:cNvPr id="30722" name="Rectangle 2"/>
+          <p:cNvPr id="22530" name="Rectangle 2"/>
           <p:cNvSpPr>
             <a:spLocks noGrp="1" noChangeArrowheads="1"/>
           </p:cNvSpPr>
@@ -8416,14 +8653,21 @@
             </p:custDataLst>
           </p:nvPr>
         </p:nvSpPr>
-        <p:spPr/>
-        <p:txBody>
-          <a:bodyPr/>
-          <a:lstStyle/>
-          <a:p>
-            <a:r>
-              <a:rPr lang="en-US"/>
-              <a:t>OK… But What’s It Really All About?</a:t>
+        <p:spPr>
+          <a:xfrm>
+            <a:off x="457200" y="152400"/>
+            <a:ext cx="8686800" cy="990600"/>
+          </a:xfrm>
+        </p:spPr>
+        <p:txBody>
+          <a:bodyPr>
+            <a:normAutofit/>
+          </a:bodyPr>
+          <a:lstStyle/>
+          <a:p>
+            <a:r>
+              <a:rPr lang="en-US" dirty="0"/>
+              <a:t>What you know already from CS2150</a:t>
             </a:r>
           </a:p>
         </p:txBody>
@@ -8454,7 +8698,7 @@
       </p:sp>
       <p:sp>
         <p:nvSpPr>
-          <p:cNvPr id="30723" name="Rectangle 3"/>
+          <p:cNvPr id="22531" name="Rectangle 3"/>
           <p:cNvSpPr>
             <a:spLocks noGrp="1" noChangeArrowheads="1"/>
           </p:cNvSpPr>
@@ -8471,70 +8715,44 @@
           <a:lstStyle/>
           <a:p>
             <a:r>
-              <a:rPr lang="en-US"/>
-              <a:t>Let’s illustrate some ideas you’ll see throughout the course</a:t>
-            </a:r>
-          </a:p>
-          <a:p>
-            <a:pPr lvl="1"/>
-            <a:r>
-              <a:rPr lang="en-US"/>
-              <a:t>Using one example</a:t>
-            </a:r>
-          </a:p>
-          <a:p>
-            <a:r>
-              <a:rPr lang="en-US"/>
-              <a:t>Concepts:</a:t>
-            </a:r>
-          </a:p>
-          <a:p>
-            <a:pPr lvl="1"/>
-            <a:r>
-              <a:rPr lang="en-US"/>
-              <a:t>Describing an algorithm</a:t>
-            </a:r>
-          </a:p>
-          <a:p>
-            <a:pPr lvl="1"/>
-            <a:r>
-              <a:rPr lang="en-US"/>
-              <a:t>Measuring algorithm efficiency</a:t>
-            </a:r>
-          </a:p>
-          <a:p>
-            <a:pPr lvl="1"/>
-            <a:r>
-              <a:rPr lang="en-US"/>
-              <a:t>Families or types of problems</a:t>
-            </a:r>
-          </a:p>
-          <a:p>
-            <a:pPr lvl="1"/>
-            <a:r>
-              <a:rPr lang="en-US"/>
-              <a:t>Algorithm design strategies</a:t>
-            </a:r>
-          </a:p>
-          <a:p>
-            <a:pPr lvl="2"/>
-            <a:r>
-              <a:rPr lang="en-US"/>
-              <a:t>Alternative strategies</a:t>
-            </a:r>
-          </a:p>
-          <a:p>
-            <a:pPr lvl="1"/>
-            <a:r>
-              <a:rPr lang="en-US"/>
-              <a:t>Lower bounds and optimal algorithms</a:t>
-            </a:r>
-          </a:p>
-          <a:p>
-            <a:pPr lvl="1"/>
-            <a:r>
-              <a:rPr lang="en-US"/>
-              <a:t>Problems that seem very hard</a:t>
+              <a:rPr lang="en-US" dirty="0"/>
+              <a:t>Problems and their solutions:</a:t>
+            </a:r>
+          </a:p>
+          <a:p>
+            <a:pPr lvl="1"/>
+            <a:r>
+              <a:rPr lang="en-US" dirty="0"/>
+              <a:t>Linear data structures vs. tree data structures</a:t>
+            </a:r>
+          </a:p>
+          <a:p>
+            <a:pPr lvl="1"/>
+            <a:r>
+              <a:rPr lang="en-US" dirty="0"/>
+              <a:t>Searching: linear/sequential search, binary search (?), hashing</a:t>
+            </a:r>
+          </a:p>
+          <a:p>
+            <a:pPr lvl="1"/>
+            <a:r>
+              <a:rPr lang="en-US" dirty="0"/>
+              <a:t>Sorting:  quicksort, </a:t>
+            </a:r>
+            <a:r>
+              <a:rPr lang="en-US" dirty="0" err="1"/>
+              <a:t>mergesort</a:t>
+            </a:r>
+            <a:r>
+              <a:rPr lang="en-US" dirty="0"/>
+              <a:t> in CS2110 (?)</a:t>
+            </a:r>
+          </a:p>
+          <a:p>
+            <a:pPr lvl="1"/>
+            <a:r>
+              <a:rPr lang="en-US" dirty="0"/>
+              <a:t>Priority Queue ADT and Heap Implementation</a:t>
             </a:r>
           </a:p>
         </p:txBody>
@@ -8649,7 +8867,7 @@
             <a:pPr lvl="1"/>
             <a:r>
               <a:rPr lang="en-US" dirty="0"/>
-              <a:t>Graduates (?):</a:t>
+              <a:t>Graduates (1):</a:t>
             </a:r>
           </a:p>
           <a:p>
@@ -8670,7 +8888,7 @@
             <a:pPr lvl="2"/>
             <a:r>
               <a:rPr lang="en-US" dirty="0"/>
-              <a:t>We should have plenty of undergraduate support!</a:t>
+              <a:t>We should have enough undergraduate support!</a:t>
             </a:r>
           </a:p>
           <a:p>
@@ -8744,7 +8962,7 @@
 </file>
 
 <file path=ppt/slides/slide30.xml><?xml version="1.0" encoding="utf-8"?>
-<p:sld xmlns:a="http://schemas.openxmlformats.org/drawingml/2006/main" xmlns:r="http://schemas.openxmlformats.org/officeDocument/2006/relationships" xmlns:p="http://schemas.openxmlformats.org/presentationml/2006/main" showMasterPhAnim="0">
+<p:sld xmlns:a="http://schemas.openxmlformats.org/drawingml/2006/main" xmlns:r="http://schemas.openxmlformats.org/officeDocument/2006/relationships" xmlns:p="http://schemas.openxmlformats.org/presentationml/2006/main">
   <p:cSld>
     <p:spTree>
       <p:nvGrpSpPr>
@@ -8762,7 +8980,7 @@
       </p:grpSpPr>
       <p:sp>
         <p:nvSpPr>
-          <p:cNvPr id="31746" name="Rectangle 2"/>
+          <p:cNvPr id="23554" name="Rectangle 2"/>
           <p:cNvSpPr>
             <a:spLocks noGrp="1" noChangeArrowheads="1"/>
           </p:cNvSpPr>
@@ -8773,7 +8991,12 @@
             </p:custDataLst>
           </p:nvPr>
         </p:nvSpPr>
-        <p:spPr/>
+        <p:spPr>
+          <a:xfrm>
+            <a:off x="457200" y="152400"/>
+            <a:ext cx="8686800" cy="990600"/>
+          </a:xfrm>
+        </p:spPr>
         <p:txBody>
           <a:bodyPr>
             <a:normAutofit fontScale="90000"/>
@@ -8781,8 +9004,8 @@
           <a:lstStyle/>
           <a:p>
             <a:r>
-              <a:rPr lang="en-US"/>
-              <a:t>Everyone Already Knows Many Algorithms! </a:t>
+              <a:rPr lang="en-US" dirty="0"/>
+              <a:t>What you know already from all your courses</a:t>
             </a:r>
           </a:p>
         </p:txBody>
@@ -8813,7 +9036,7 @@
       </p:sp>
       <p:sp>
         <p:nvSpPr>
-          <p:cNvPr id="316419" name="Rectangle 3"/>
+          <p:cNvPr id="23555" name="Rectangle 3"/>
           <p:cNvSpPr>
             <a:spLocks noGrp="1" noChangeArrowheads="1"/>
           </p:cNvSpPr>
@@ -8830,36 +9053,65 @@
           <a:lstStyle/>
           <a:p>
             <a:r>
-              <a:rPr lang="en-US"/>
-              <a:t>Worked retail? You know how to make change!</a:t>
-            </a:r>
-          </a:p>
-          <a:p>
-            <a:r>
-              <a:rPr lang="en-US"/>
-              <a:t>Example:</a:t>
-            </a:r>
-          </a:p>
-          <a:p>
-            <a:pPr lvl="1"/>
-            <a:r>
-              <a:rPr lang="en-US"/>
-              <a:t>My item costs $4.37.  I give you a five dollar bill.  What do you give me in change?</a:t>
-            </a:r>
-          </a:p>
-          <a:p>
-            <a:pPr lvl="1"/>
-            <a:r>
-              <a:rPr lang="en-US"/>
-              <a:t>Answer: two quarters, a dime, three pennies</a:t>
-            </a:r>
-          </a:p>
-          <a:p>
-            <a:pPr lvl="1"/>
-            <a:r>
-              <a:rPr lang="en-US"/>
-              <a:t>Why? How do we figure that out?</a:t>
-            </a:r>
+              <a:rPr lang="en-US" dirty="0"/>
+              <a:t>Examples of Algorithm design methods:</a:t>
+            </a:r>
+          </a:p>
+          <a:p>
+            <a:pPr lvl="1"/>
+            <a:r>
+              <a:rPr lang="en-US" dirty="0"/>
+              <a:t>Divide and Conquer (quicksort, </a:t>
+            </a:r>
+            <a:r>
+              <a:rPr lang="en-US" dirty="0" err="1"/>
+              <a:t>mergesort</a:t>
+            </a:r>
+            <a:r>
+              <a:rPr lang="en-US" dirty="0"/>
+              <a:t>)</a:t>
+            </a:r>
+          </a:p>
+          <a:p>
+            <a:pPr lvl="1"/>
+            <a:r>
+              <a:rPr lang="en-US" dirty="0"/>
+              <a:t>Greedy (though you didn’t call it this)</a:t>
+            </a:r>
+          </a:p>
+          <a:p>
+            <a:pPr lvl="1"/>
+            <a:r>
+              <a:rPr lang="en-US" dirty="0"/>
+              <a:t>Dynamic programming (</a:t>
+            </a:r>
+            <a:r>
+              <a:rPr lang="en-US" dirty="0" err="1"/>
+              <a:t>fibonacci</a:t>
+            </a:r>
+            <a:r>
+              <a:rPr lang="en-US" dirty="0"/>
+              <a:t> numbers, Floyd-</a:t>
+            </a:r>
+            <a:r>
+              <a:rPr lang="en-US" dirty="0" err="1"/>
+              <a:t>Warshall</a:t>
+            </a:r>
+            <a:r>
+              <a:rPr lang="en-US" dirty="0"/>
+              <a:t>)</a:t>
+            </a:r>
+          </a:p>
+          <a:p>
+            <a:pPr lvl="1"/>
+            <a:r>
+              <a:rPr lang="en-US" dirty="0"/>
+              <a:t>NP-complete (traveling salesperson. Have you seen this?)</a:t>
+            </a:r>
+          </a:p>
+          <a:p>
+            <a:pPr lvl="1"/>
+            <a:endParaRPr lang="en-US" dirty="0"/>
           </a:p>
         </p:txBody>
       </p:sp>
@@ -8890,7 +9142,7 @@
       </p:grpSpPr>
       <p:sp>
         <p:nvSpPr>
-          <p:cNvPr id="32770" name="Rectangle 2"/>
+          <p:cNvPr id="24578" name="Rectangle 2"/>
           <p:cNvSpPr>
             <a:spLocks noGrp="1" noChangeArrowheads="1"/>
           </p:cNvSpPr>
@@ -8903,12 +9155,14 @@
         </p:nvSpPr>
         <p:spPr/>
         <p:txBody>
-          <a:bodyPr/>
+          <a:bodyPr>
+            <a:normAutofit fontScale="90000"/>
+          </a:bodyPr>
           <a:lstStyle/>
           <a:p>
             <a:r>
               <a:rPr lang="en-US"/>
-              <a:t>Making Change</a:t>
+              <a:t>What you know already from Discrete Math and Theory of Computation…</a:t>
             </a:r>
           </a:p>
         </p:txBody>
@@ -8939,7 +9193,7 @@
       </p:sp>
       <p:sp>
         <p:nvSpPr>
-          <p:cNvPr id="32771" name="Rectangle 3"/>
+          <p:cNvPr id="24579" name="Rectangle 3"/>
           <p:cNvSpPr>
             <a:spLocks noGrp="1" noChangeArrowheads="1"/>
           </p:cNvSpPr>
@@ -8953,76 +9207,93 @@
         <p:spPr/>
         <p:txBody>
           <a:bodyPr>
-            <a:normAutofit lnSpcReduction="10000"/>
+            <a:normAutofit fontScale="92500" lnSpcReduction="10000"/>
           </a:bodyPr>
           <a:lstStyle/>
           <a:p>
             <a:r>
-              <a:rPr lang="en-US"/>
-              <a:t>The problem: </a:t>
-            </a:r>
-          </a:p>
-          <a:p>
-            <a:pPr lvl="1"/>
-            <a:r>
-              <a:rPr lang="en-US"/>
-              <a:t>Give back the right amount of change, and…</a:t>
-            </a:r>
-          </a:p>
-          <a:p>
-            <a:pPr lvl="1"/>
-            <a:r>
-              <a:rPr lang="en-US"/>
-              <a:t>Return the fewest number of coins!</a:t>
-            </a:r>
-          </a:p>
-          <a:p>
-            <a:r>
-              <a:rPr lang="en-US"/>
-              <a:t>Inputs: the dollar-amount to return</a:t>
-            </a:r>
-          </a:p>
-          <a:p>
-            <a:pPr lvl="1"/>
-            <a:r>
-              <a:rPr lang="en-US"/>
-              <a:t>Also, the set of possible coins. (Do we have half-dollars?  That affects the answer we give.)</a:t>
-            </a:r>
-          </a:p>
-          <a:p>
-            <a:r>
-              <a:rPr lang="en-US"/>
-              <a:t>Output: a set of coins</a:t>
-            </a:r>
-          </a:p>
-          <a:p>
-            <a:endParaRPr lang="en-US"/>
-          </a:p>
-          <a:p>
-            <a:r>
-              <a:rPr lang="en-US"/>
-              <a:t>Note this problem statement is simply a transformation</a:t>
-            </a:r>
-          </a:p>
-          <a:p>
-            <a:pPr lvl="1"/>
-            <a:r>
-              <a:rPr lang="en-US"/>
-              <a:t>Given input, generate output with certain properties</a:t>
-            </a:r>
-          </a:p>
-          <a:p>
-            <a:pPr lvl="1"/>
-            <a:r>
-              <a:rPr lang="en-US"/>
-              <a:t>No statement about how to do it.</a:t>
-            </a:r>
-          </a:p>
-          <a:p>
-            <a:r>
-              <a:rPr lang="en-US"/>
-              <a:t>Can you describe the algorithm you use?</a:t>
-            </a:r>
+              <a:rPr lang="en-US" dirty="0"/>
+              <a:t>From CS2102:</a:t>
+            </a:r>
+          </a:p>
+          <a:p>
+            <a:pPr lvl="1"/>
+            <a:r>
+              <a:rPr lang="en-US" dirty="0"/>
+              <a:t>Proofs: induction, contradiction</a:t>
+            </a:r>
+          </a:p>
+          <a:p>
+            <a:pPr lvl="2"/>
+            <a:r>
+              <a:rPr lang="en-US" dirty="0"/>
+              <a:t>If you are uncomfortable with these two, review them NOW!</a:t>
+            </a:r>
+          </a:p>
+          <a:p>
+            <a:pPr lvl="1"/>
+            <a:r>
+              <a:rPr lang="en-US" dirty="0"/>
+              <a:t>Counting, probability, </a:t>
+            </a:r>
+            <a:r>
+              <a:rPr lang="en-US" dirty="0" err="1"/>
+              <a:t>combinatorics</a:t>
+            </a:r>
+            <a:r>
+              <a:rPr lang="en-US" dirty="0"/>
+              <a:t>, permutations</a:t>
+            </a:r>
+          </a:p>
+          <a:p>
+            <a:endParaRPr lang="en-US" dirty="0"/>
+          </a:p>
+          <a:p>
+            <a:r>
+              <a:rPr lang="en-US" dirty="0"/>
+              <a:t>From some earlier math class:</a:t>
+            </a:r>
+          </a:p>
+          <a:p>
+            <a:pPr lvl="1"/>
+            <a:r>
+              <a:rPr lang="en-US" dirty="0"/>
+              <a:t>Exponents, logarithms, limits, differentiation on polynomials and other simple functions</a:t>
+            </a:r>
+          </a:p>
+          <a:p>
+            <a:endParaRPr lang="en-US" dirty="0"/>
+          </a:p>
+          <a:p>
+            <a:r>
+              <a:rPr lang="en-US" dirty="0"/>
+              <a:t>From CS3102 (if you have taken it)</a:t>
+            </a:r>
+          </a:p>
+          <a:p>
+            <a:pPr lvl="1"/>
+            <a:r>
+              <a:rPr lang="en-US" dirty="0"/>
+              <a:t>Maturity in mathematics and computing theory</a:t>
+            </a:r>
+          </a:p>
+          <a:p>
+            <a:pPr lvl="1"/>
+            <a:r>
+              <a:rPr lang="en-US" dirty="0"/>
+              <a:t>Ability to do proofs</a:t>
+            </a:r>
+          </a:p>
+          <a:p>
+            <a:pPr lvl="1"/>
+            <a:r>
+              <a:rPr lang="en-US" dirty="0"/>
+              <a:t>Abstract models of computation, such as Turing machines</a:t>
+            </a:r>
+          </a:p>
+          <a:p>
+            <a:pPr lvl="1"/>
+            <a:endParaRPr lang="en-US" dirty="0"/>
           </a:p>
         </p:txBody>
       </p:sp>
@@ -9035,7 +9306,7 @@
 </file>
 
 <file path=ppt/slides/slide32.xml><?xml version="1.0" encoding="utf-8"?>
-<p:sld xmlns:a="http://schemas.openxmlformats.org/drawingml/2006/main" xmlns:r="http://schemas.openxmlformats.org/officeDocument/2006/relationships" xmlns:p="http://schemas.openxmlformats.org/presentationml/2006/main" showMasterPhAnim="0">
+<p:sld xmlns:a="http://schemas.openxmlformats.org/drawingml/2006/main" xmlns:r="http://schemas.openxmlformats.org/officeDocument/2006/relationships" xmlns:p="http://schemas.openxmlformats.org/presentationml/2006/main">
   <p:cSld>
     <p:spTree>
       <p:nvGrpSpPr>
@@ -9053,15 +9324,12 @@
       </p:grpSpPr>
       <p:sp>
         <p:nvSpPr>
-          <p:cNvPr id="33794" name="Rectangle 2"/>
-          <p:cNvSpPr>
-            <a:spLocks noGrp="1" noChangeArrowheads="1"/>
+          <p:cNvPr id="2" name="Title 1"/>
+          <p:cNvSpPr>
+            <a:spLocks noGrp="1"/>
           </p:cNvSpPr>
           <p:nvPr>
             <p:ph type="title"/>
-            <p:custDataLst>
-              <p:tags r:id="rId1"/>
-            </p:custDataLst>
           </p:nvPr>
         </p:nvSpPr>
         <p:spPr/>
@@ -9071,8 +9339,9 @@
           <a:p>
             <a:r>
               <a:rPr lang="en-US"/>
-              <a:t>A Change Algorithm</a:t>
-            </a:r>
+              <a:t>Questions?  Concerns?  Wrath to vent?</a:t>
+            </a:r>
+            <a:endParaRPr lang="en-US" dirty="0"/>
           </a:p>
         </p:txBody>
       </p:sp>
@@ -9102,80 +9371,20 @@
       </p:sp>
       <p:sp>
         <p:nvSpPr>
-          <p:cNvPr id="318467" name="Rectangle 3"/>
-          <p:cNvSpPr>
-            <a:spLocks noGrp="1" noChangeArrowheads="1"/>
+          <p:cNvPr id="7" name="Content Placeholder 6"/>
+          <p:cNvSpPr>
+            <a:spLocks noGrp="1"/>
           </p:cNvSpPr>
           <p:nvPr>
             <p:ph sz="quarter" idx="1"/>
-            <p:custDataLst>
-              <p:tags r:id="rId2"/>
-            </p:custDataLst>
-          </p:nvPr>
-        </p:nvSpPr>
-        <p:spPr/>
-        <p:txBody>
-          <a:bodyPr/>
-          <a:lstStyle/>
-          <a:p>
-            <a:pPr marL="514350" indent="-514350">
-              <a:buFont typeface="+mj-lt"/>
-              <a:buAutoNum type="arabicPeriod"/>
-            </a:pPr>
-            <a:r>
-              <a:rPr lang="en-US" dirty="0"/>
-              <a:t>Consider the largest coin</a:t>
-            </a:r>
-          </a:p>
-          <a:p>
-            <a:pPr marL="514350" indent="-514350">
-              <a:buFont typeface="+mj-lt"/>
-              <a:buAutoNum type="arabicPeriod"/>
-            </a:pPr>
-            <a:r>
-              <a:rPr lang="en-US" dirty="0"/>
-              <a:t>How many go into the amount left?</a:t>
-            </a:r>
-          </a:p>
-          <a:p>
-            <a:pPr marL="514350" indent="-514350">
-              <a:buFont typeface="+mj-lt"/>
-              <a:buAutoNum type="arabicPeriod"/>
-            </a:pPr>
-            <a:r>
-              <a:rPr lang="en-US" dirty="0"/>
-              <a:t>Add that many of that coin to the output</a:t>
-            </a:r>
-          </a:p>
-          <a:p>
-            <a:pPr marL="514350" indent="-514350">
-              <a:buFont typeface="+mj-lt"/>
-              <a:buAutoNum type="arabicPeriod"/>
-            </a:pPr>
-            <a:r>
-              <a:rPr lang="en-US" dirty="0"/>
-              <a:t>Subtract the amount for those coins from the amount left to return</a:t>
-            </a:r>
-          </a:p>
-          <a:p>
-            <a:pPr marL="514350" indent="-514350">
-              <a:buFont typeface="+mj-lt"/>
-              <a:buAutoNum type="arabicPeriod"/>
-            </a:pPr>
-            <a:r>
-              <a:rPr lang="en-US" dirty="0"/>
-              <a:t>If the amount left is zero, done!</a:t>
-            </a:r>
-          </a:p>
-          <a:p>
-            <a:pPr marL="514350" indent="-514350">
-              <a:buFont typeface="+mj-lt"/>
-              <a:buAutoNum type="arabicPeriod"/>
-            </a:pPr>
-            <a:r>
-              <a:rPr lang="en-US" dirty="0"/>
-              <a:t>If not, consider next largest coin, and go back to Step 2</a:t>
-            </a:r>
+          </p:nvPr>
+        </p:nvSpPr>
+        <p:spPr/>
+        <p:txBody>
+          <a:bodyPr/>
+          <a:lstStyle/>
+          <a:p>
+            <a:endParaRPr lang="en-US"/>
           </a:p>
         </p:txBody>
       </p:sp>
@@ -9206,9 +9415,9 @@
       </p:grpSpPr>
       <p:sp>
         <p:nvSpPr>
-          <p:cNvPr id="34818" name="Rectangle 2"/>
-          <p:cNvSpPr>
-            <a:spLocks noGrp="1" noChangeArrowheads="1"/>
+          <p:cNvPr id="5" name="Title 4"/>
+          <p:cNvSpPr>
+            <a:spLocks noGrp="1"/>
           </p:cNvSpPr>
           <p:nvPr>
             <p:ph type="title"/>
@@ -9220,15 +9429,34 @@
           <a:lstStyle/>
           <a:p>
             <a:r>
-              <a:rPr lang="en-US"/>
-              <a:t>Is this a “good” algorithm?</a:t>
-            </a:r>
-          </a:p>
-        </p:txBody>
-      </p:sp>
-      <p:sp>
-        <p:nvSpPr>
-          <p:cNvPr id="4" name="Slide Number Placeholder 3"/>
+              <a:rPr lang="en-US" dirty="0"/>
+              <a:t>A first algorithm: making change</a:t>
+            </a:r>
+          </a:p>
+        </p:txBody>
+      </p:sp>
+      <p:sp>
+        <p:nvSpPr>
+          <p:cNvPr id="6" name="Text Placeholder 5"/>
+          <p:cNvSpPr>
+            <a:spLocks noGrp="1"/>
+          </p:cNvSpPr>
+          <p:nvPr>
+            <p:ph type="body" idx="1"/>
+          </p:nvPr>
+        </p:nvSpPr>
+        <p:spPr/>
+        <p:txBody>
+          <a:bodyPr/>
+          <a:lstStyle/>
+          <a:p>
+            <a:endParaRPr lang="en-US"/>
+          </a:p>
+        </p:txBody>
+      </p:sp>
+      <p:sp>
+        <p:nvSpPr>
+          <p:cNvPr id="3" name="Slide Number Placeholder 2"/>
           <p:cNvSpPr>
             <a:spLocks noGrp="1"/>
           </p:cNvSpPr>
@@ -9245,6 +9473,682 @@
               <a:rPr lang="en-US" smtClean="0"/>
               <a:pPr/>
               <a:t>33</a:t>
+            </a:fld>
+            <a:endParaRPr lang="en-US"/>
+          </a:p>
+        </p:txBody>
+      </p:sp>
+    </p:spTree>
+  </p:cSld>
+  <p:clrMapOvr>
+    <a:masterClrMapping/>
+  </p:clrMapOvr>
+</p:sld>
+</file>
+
+<file path=ppt/slides/slide34.xml><?xml version="1.0" encoding="utf-8"?>
+<p:sld xmlns:a="http://schemas.openxmlformats.org/drawingml/2006/main" xmlns:r="http://schemas.openxmlformats.org/officeDocument/2006/relationships" xmlns:p="http://schemas.openxmlformats.org/presentationml/2006/main">
+  <p:cSld>
+    <p:spTree>
+      <p:nvGrpSpPr>
+        <p:cNvPr id="1" name=""/>
+        <p:cNvGrpSpPr/>
+        <p:nvPr/>
+      </p:nvGrpSpPr>
+      <p:grpSpPr>
+        <a:xfrm>
+          <a:off x="0" y="0"/>
+          <a:ext cx="0" cy="0"/>
+          <a:chOff x="0" y="0"/>
+          <a:chExt cx="0" cy="0"/>
+        </a:xfrm>
+      </p:grpSpPr>
+      <p:sp>
+        <p:nvSpPr>
+          <p:cNvPr id="30722" name="Rectangle 2"/>
+          <p:cNvSpPr>
+            <a:spLocks noGrp="1" noChangeArrowheads="1"/>
+          </p:cNvSpPr>
+          <p:nvPr>
+            <p:ph type="title"/>
+            <p:custDataLst>
+              <p:tags r:id="rId1"/>
+            </p:custDataLst>
+          </p:nvPr>
+        </p:nvSpPr>
+        <p:spPr/>
+        <p:txBody>
+          <a:bodyPr/>
+          <a:lstStyle/>
+          <a:p>
+            <a:r>
+              <a:rPr lang="en-US"/>
+              <a:t>OK… But What’s It Really All About?</a:t>
+            </a:r>
+          </a:p>
+        </p:txBody>
+      </p:sp>
+      <p:sp>
+        <p:nvSpPr>
+          <p:cNvPr id="4" name="Slide Number Placeholder 3"/>
+          <p:cNvSpPr>
+            <a:spLocks noGrp="1"/>
+          </p:cNvSpPr>
+          <p:nvPr>
+            <p:ph type="sldNum" sz="quarter" idx="12"/>
+          </p:nvPr>
+        </p:nvSpPr>
+        <p:spPr/>
+        <p:txBody>
+          <a:bodyPr/>
+          <a:lstStyle/>
+          <a:p>
+            <a:fld id="{F26D9103-0C5C-48AC-B68E-3ED2C1647047}" type="slidenum">
+              <a:rPr lang="en-US" smtClean="0"/>
+              <a:pPr/>
+              <a:t>34</a:t>
+            </a:fld>
+            <a:endParaRPr lang="en-US"/>
+          </a:p>
+        </p:txBody>
+      </p:sp>
+      <p:sp>
+        <p:nvSpPr>
+          <p:cNvPr id="30723" name="Rectangle 3"/>
+          <p:cNvSpPr>
+            <a:spLocks noGrp="1" noChangeArrowheads="1"/>
+          </p:cNvSpPr>
+          <p:nvPr>
+            <p:ph sz="quarter" idx="1"/>
+            <p:custDataLst>
+              <p:tags r:id="rId2"/>
+            </p:custDataLst>
+          </p:nvPr>
+        </p:nvSpPr>
+        <p:spPr/>
+        <p:txBody>
+          <a:bodyPr/>
+          <a:lstStyle/>
+          <a:p>
+            <a:r>
+              <a:rPr lang="en-US"/>
+              <a:t>Let’s illustrate some ideas you’ll see throughout the course</a:t>
+            </a:r>
+          </a:p>
+          <a:p>
+            <a:pPr lvl="1"/>
+            <a:r>
+              <a:rPr lang="en-US"/>
+              <a:t>Using one example</a:t>
+            </a:r>
+          </a:p>
+          <a:p>
+            <a:r>
+              <a:rPr lang="en-US"/>
+              <a:t>Concepts:</a:t>
+            </a:r>
+          </a:p>
+          <a:p>
+            <a:pPr lvl="1"/>
+            <a:r>
+              <a:rPr lang="en-US"/>
+              <a:t>Describing an algorithm</a:t>
+            </a:r>
+          </a:p>
+          <a:p>
+            <a:pPr lvl="1"/>
+            <a:r>
+              <a:rPr lang="en-US"/>
+              <a:t>Measuring algorithm efficiency</a:t>
+            </a:r>
+          </a:p>
+          <a:p>
+            <a:pPr lvl="1"/>
+            <a:r>
+              <a:rPr lang="en-US"/>
+              <a:t>Families or types of problems</a:t>
+            </a:r>
+          </a:p>
+          <a:p>
+            <a:pPr lvl="1"/>
+            <a:r>
+              <a:rPr lang="en-US"/>
+              <a:t>Algorithm design strategies</a:t>
+            </a:r>
+          </a:p>
+          <a:p>
+            <a:pPr lvl="2"/>
+            <a:r>
+              <a:rPr lang="en-US"/>
+              <a:t>Alternative strategies</a:t>
+            </a:r>
+          </a:p>
+          <a:p>
+            <a:pPr lvl="1"/>
+            <a:r>
+              <a:rPr lang="en-US"/>
+              <a:t>Lower bounds and optimal algorithms</a:t>
+            </a:r>
+          </a:p>
+          <a:p>
+            <a:pPr lvl="1"/>
+            <a:r>
+              <a:rPr lang="en-US"/>
+              <a:t>Problems that seem very hard</a:t>
+            </a:r>
+          </a:p>
+        </p:txBody>
+      </p:sp>
+    </p:spTree>
+  </p:cSld>
+  <p:clrMapOvr>
+    <a:masterClrMapping/>
+  </p:clrMapOvr>
+</p:sld>
+</file>
+
+<file path=ppt/slides/slide35.xml><?xml version="1.0" encoding="utf-8"?>
+<p:sld xmlns:a="http://schemas.openxmlformats.org/drawingml/2006/main" xmlns:r="http://schemas.openxmlformats.org/officeDocument/2006/relationships" xmlns:p="http://schemas.openxmlformats.org/presentationml/2006/main" showMasterPhAnim="0">
+  <p:cSld>
+    <p:spTree>
+      <p:nvGrpSpPr>
+        <p:cNvPr id="1" name=""/>
+        <p:cNvGrpSpPr/>
+        <p:nvPr/>
+      </p:nvGrpSpPr>
+      <p:grpSpPr>
+        <a:xfrm>
+          <a:off x="0" y="0"/>
+          <a:ext cx="0" cy="0"/>
+          <a:chOff x="0" y="0"/>
+          <a:chExt cx="0" cy="0"/>
+        </a:xfrm>
+      </p:grpSpPr>
+      <p:sp>
+        <p:nvSpPr>
+          <p:cNvPr id="31746" name="Rectangle 2"/>
+          <p:cNvSpPr>
+            <a:spLocks noGrp="1" noChangeArrowheads="1"/>
+          </p:cNvSpPr>
+          <p:nvPr>
+            <p:ph type="title"/>
+            <p:custDataLst>
+              <p:tags r:id="rId1"/>
+            </p:custDataLst>
+          </p:nvPr>
+        </p:nvSpPr>
+        <p:spPr/>
+        <p:txBody>
+          <a:bodyPr>
+            <a:normAutofit fontScale="90000"/>
+          </a:bodyPr>
+          <a:lstStyle/>
+          <a:p>
+            <a:r>
+              <a:rPr lang="en-US"/>
+              <a:t>Everyone Already Knows Many Algorithms! </a:t>
+            </a:r>
+          </a:p>
+        </p:txBody>
+      </p:sp>
+      <p:sp>
+        <p:nvSpPr>
+          <p:cNvPr id="4" name="Slide Number Placeholder 3"/>
+          <p:cNvSpPr>
+            <a:spLocks noGrp="1"/>
+          </p:cNvSpPr>
+          <p:nvPr>
+            <p:ph type="sldNum" sz="quarter" idx="12"/>
+          </p:nvPr>
+        </p:nvSpPr>
+        <p:spPr/>
+        <p:txBody>
+          <a:bodyPr/>
+          <a:lstStyle/>
+          <a:p>
+            <a:fld id="{F26D9103-0C5C-48AC-B68E-3ED2C1647047}" type="slidenum">
+              <a:rPr lang="en-US" smtClean="0"/>
+              <a:pPr/>
+              <a:t>35</a:t>
+            </a:fld>
+            <a:endParaRPr lang="en-US"/>
+          </a:p>
+        </p:txBody>
+      </p:sp>
+      <p:sp>
+        <p:nvSpPr>
+          <p:cNvPr id="316419" name="Rectangle 3"/>
+          <p:cNvSpPr>
+            <a:spLocks noGrp="1" noChangeArrowheads="1"/>
+          </p:cNvSpPr>
+          <p:nvPr>
+            <p:ph sz="quarter" idx="1"/>
+            <p:custDataLst>
+              <p:tags r:id="rId2"/>
+            </p:custDataLst>
+          </p:nvPr>
+        </p:nvSpPr>
+        <p:spPr/>
+        <p:txBody>
+          <a:bodyPr/>
+          <a:lstStyle/>
+          <a:p>
+            <a:r>
+              <a:rPr lang="en-US"/>
+              <a:t>Worked retail? You know how to make change!</a:t>
+            </a:r>
+          </a:p>
+          <a:p>
+            <a:r>
+              <a:rPr lang="en-US"/>
+              <a:t>Example:</a:t>
+            </a:r>
+          </a:p>
+          <a:p>
+            <a:pPr lvl="1"/>
+            <a:r>
+              <a:rPr lang="en-US"/>
+              <a:t>My item costs $4.37.  I give you a five dollar bill.  What do you give me in change?</a:t>
+            </a:r>
+          </a:p>
+          <a:p>
+            <a:pPr lvl="1"/>
+            <a:r>
+              <a:rPr lang="en-US"/>
+              <a:t>Answer: two quarters, a dime, three pennies</a:t>
+            </a:r>
+          </a:p>
+          <a:p>
+            <a:pPr lvl="1"/>
+            <a:r>
+              <a:rPr lang="en-US"/>
+              <a:t>Why? How do we figure that out?</a:t>
+            </a:r>
+          </a:p>
+        </p:txBody>
+      </p:sp>
+    </p:spTree>
+  </p:cSld>
+  <p:clrMapOvr>
+    <a:masterClrMapping/>
+  </p:clrMapOvr>
+</p:sld>
+</file>
+
+<file path=ppt/slides/slide36.xml><?xml version="1.0" encoding="utf-8"?>
+<p:sld xmlns:a="http://schemas.openxmlformats.org/drawingml/2006/main" xmlns:r="http://schemas.openxmlformats.org/officeDocument/2006/relationships" xmlns:p="http://schemas.openxmlformats.org/presentationml/2006/main">
+  <p:cSld>
+    <p:spTree>
+      <p:nvGrpSpPr>
+        <p:cNvPr id="1" name=""/>
+        <p:cNvGrpSpPr/>
+        <p:nvPr/>
+      </p:nvGrpSpPr>
+      <p:grpSpPr>
+        <a:xfrm>
+          <a:off x="0" y="0"/>
+          <a:ext cx="0" cy="0"/>
+          <a:chOff x="0" y="0"/>
+          <a:chExt cx="0" cy="0"/>
+        </a:xfrm>
+      </p:grpSpPr>
+      <p:sp>
+        <p:nvSpPr>
+          <p:cNvPr id="32770" name="Rectangle 2"/>
+          <p:cNvSpPr>
+            <a:spLocks noGrp="1" noChangeArrowheads="1"/>
+          </p:cNvSpPr>
+          <p:nvPr>
+            <p:ph type="title"/>
+            <p:custDataLst>
+              <p:tags r:id="rId1"/>
+            </p:custDataLst>
+          </p:nvPr>
+        </p:nvSpPr>
+        <p:spPr/>
+        <p:txBody>
+          <a:bodyPr/>
+          <a:lstStyle/>
+          <a:p>
+            <a:r>
+              <a:rPr lang="en-US"/>
+              <a:t>Making Change</a:t>
+            </a:r>
+          </a:p>
+        </p:txBody>
+      </p:sp>
+      <p:sp>
+        <p:nvSpPr>
+          <p:cNvPr id="4" name="Slide Number Placeholder 3"/>
+          <p:cNvSpPr>
+            <a:spLocks noGrp="1"/>
+          </p:cNvSpPr>
+          <p:nvPr>
+            <p:ph type="sldNum" sz="quarter" idx="12"/>
+          </p:nvPr>
+        </p:nvSpPr>
+        <p:spPr/>
+        <p:txBody>
+          <a:bodyPr/>
+          <a:lstStyle/>
+          <a:p>
+            <a:fld id="{F26D9103-0C5C-48AC-B68E-3ED2C1647047}" type="slidenum">
+              <a:rPr lang="en-US" smtClean="0"/>
+              <a:pPr/>
+              <a:t>36</a:t>
+            </a:fld>
+            <a:endParaRPr lang="en-US"/>
+          </a:p>
+        </p:txBody>
+      </p:sp>
+      <p:sp>
+        <p:nvSpPr>
+          <p:cNvPr id="32771" name="Rectangle 3"/>
+          <p:cNvSpPr>
+            <a:spLocks noGrp="1" noChangeArrowheads="1"/>
+          </p:cNvSpPr>
+          <p:nvPr>
+            <p:ph sz="quarter" idx="1"/>
+            <p:custDataLst>
+              <p:tags r:id="rId2"/>
+            </p:custDataLst>
+          </p:nvPr>
+        </p:nvSpPr>
+        <p:spPr/>
+        <p:txBody>
+          <a:bodyPr>
+            <a:normAutofit lnSpcReduction="10000"/>
+          </a:bodyPr>
+          <a:lstStyle/>
+          <a:p>
+            <a:r>
+              <a:rPr lang="en-US"/>
+              <a:t>The problem: </a:t>
+            </a:r>
+          </a:p>
+          <a:p>
+            <a:pPr lvl="1"/>
+            <a:r>
+              <a:rPr lang="en-US"/>
+              <a:t>Give back the right amount of change, and…</a:t>
+            </a:r>
+          </a:p>
+          <a:p>
+            <a:pPr lvl="1"/>
+            <a:r>
+              <a:rPr lang="en-US"/>
+              <a:t>Return the fewest number of coins!</a:t>
+            </a:r>
+          </a:p>
+          <a:p>
+            <a:r>
+              <a:rPr lang="en-US"/>
+              <a:t>Inputs: the dollar-amount to return</a:t>
+            </a:r>
+          </a:p>
+          <a:p>
+            <a:pPr lvl="1"/>
+            <a:r>
+              <a:rPr lang="en-US"/>
+              <a:t>Also, the set of possible coins. (Do we have half-dollars?  That affects the answer we give.)</a:t>
+            </a:r>
+          </a:p>
+          <a:p>
+            <a:r>
+              <a:rPr lang="en-US"/>
+              <a:t>Output: a set of coins</a:t>
+            </a:r>
+          </a:p>
+          <a:p>
+            <a:endParaRPr lang="en-US"/>
+          </a:p>
+          <a:p>
+            <a:r>
+              <a:rPr lang="en-US"/>
+              <a:t>Note this problem statement is simply a transformation</a:t>
+            </a:r>
+          </a:p>
+          <a:p>
+            <a:pPr lvl="1"/>
+            <a:r>
+              <a:rPr lang="en-US"/>
+              <a:t>Given input, generate output with certain properties</a:t>
+            </a:r>
+          </a:p>
+          <a:p>
+            <a:pPr lvl="1"/>
+            <a:r>
+              <a:rPr lang="en-US"/>
+              <a:t>No statement about how to do it.</a:t>
+            </a:r>
+          </a:p>
+          <a:p>
+            <a:r>
+              <a:rPr lang="en-US"/>
+              <a:t>Can you describe the algorithm you use?</a:t>
+            </a:r>
+          </a:p>
+        </p:txBody>
+      </p:sp>
+    </p:spTree>
+  </p:cSld>
+  <p:clrMapOvr>
+    <a:masterClrMapping/>
+  </p:clrMapOvr>
+</p:sld>
+</file>
+
+<file path=ppt/slides/slide37.xml><?xml version="1.0" encoding="utf-8"?>
+<p:sld xmlns:a="http://schemas.openxmlformats.org/drawingml/2006/main" xmlns:r="http://schemas.openxmlformats.org/officeDocument/2006/relationships" xmlns:p="http://schemas.openxmlformats.org/presentationml/2006/main" showMasterPhAnim="0">
+  <p:cSld>
+    <p:spTree>
+      <p:nvGrpSpPr>
+        <p:cNvPr id="1" name=""/>
+        <p:cNvGrpSpPr/>
+        <p:nvPr/>
+      </p:nvGrpSpPr>
+      <p:grpSpPr>
+        <a:xfrm>
+          <a:off x="0" y="0"/>
+          <a:ext cx="0" cy="0"/>
+          <a:chOff x="0" y="0"/>
+          <a:chExt cx="0" cy="0"/>
+        </a:xfrm>
+      </p:grpSpPr>
+      <p:sp>
+        <p:nvSpPr>
+          <p:cNvPr id="33794" name="Rectangle 2"/>
+          <p:cNvSpPr>
+            <a:spLocks noGrp="1" noChangeArrowheads="1"/>
+          </p:cNvSpPr>
+          <p:nvPr>
+            <p:ph type="title"/>
+            <p:custDataLst>
+              <p:tags r:id="rId1"/>
+            </p:custDataLst>
+          </p:nvPr>
+        </p:nvSpPr>
+        <p:spPr/>
+        <p:txBody>
+          <a:bodyPr/>
+          <a:lstStyle/>
+          <a:p>
+            <a:r>
+              <a:rPr lang="en-US"/>
+              <a:t>A Change Algorithm</a:t>
+            </a:r>
+          </a:p>
+        </p:txBody>
+      </p:sp>
+      <p:sp>
+        <p:nvSpPr>
+          <p:cNvPr id="4" name="Slide Number Placeholder 3"/>
+          <p:cNvSpPr>
+            <a:spLocks noGrp="1"/>
+          </p:cNvSpPr>
+          <p:nvPr>
+            <p:ph type="sldNum" sz="quarter" idx="12"/>
+          </p:nvPr>
+        </p:nvSpPr>
+        <p:spPr/>
+        <p:txBody>
+          <a:bodyPr/>
+          <a:lstStyle/>
+          <a:p>
+            <a:fld id="{F26D9103-0C5C-48AC-B68E-3ED2C1647047}" type="slidenum">
+              <a:rPr lang="en-US" smtClean="0"/>
+              <a:pPr/>
+              <a:t>37</a:t>
+            </a:fld>
+            <a:endParaRPr lang="en-US"/>
+          </a:p>
+        </p:txBody>
+      </p:sp>
+      <p:sp>
+        <p:nvSpPr>
+          <p:cNvPr id="318467" name="Rectangle 3"/>
+          <p:cNvSpPr>
+            <a:spLocks noGrp="1" noChangeArrowheads="1"/>
+          </p:cNvSpPr>
+          <p:nvPr>
+            <p:ph sz="quarter" idx="1"/>
+            <p:custDataLst>
+              <p:tags r:id="rId2"/>
+            </p:custDataLst>
+          </p:nvPr>
+        </p:nvSpPr>
+        <p:spPr/>
+        <p:txBody>
+          <a:bodyPr/>
+          <a:lstStyle/>
+          <a:p>
+            <a:pPr marL="514350" indent="-514350">
+              <a:buFont typeface="+mj-lt"/>
+              <a:buAutoNum type="arabicPeriod"/>
+            </a:pPr>
+            <a:r>
+              <a:rPr lang="en-US" dirty="0"/>
+              <a:t>Consider the largest coin</a:t>
+            </a:r>
+          </a:p>
+          <a:p>
+            <a:pPr marL="514350" indent="-514350">
+              <a:buFont typeface="+mj-lt"/>
+              <a:buAutoNum type="arabicPeriod"/>
+            </a:pPr>
+            <a:r>
+              <a:rPr lang="en-US" dirty="0"/>
+              <a:t>How many go into the amount left?</a:t>
+            </a:r>
+          </a:p>
+          <a:p>
+            <a:pPr marL="514350" indent="-514350">
+              <a:buFont typeface="+mj-lt"/>
+              <a:buAutoNum type="arabicPeriod"/>
+            </a:pPr>
+            <a:r>
+              <a:rPr lang="en-US" dirty="0"/>
+              <a:t>Add that many of that coin to the output</a:t>
+            </a:r>
+          </a:p>
+          <a:p>
+            <a:pPr marL="514350" indent="-514350">
+              <a:buFont typeface="+mj-lt"/>
+              <a:buAutoNum type="arabicPeriod"/>
+            </a:pPr>
+            <a:r>
+              <a:rPr lang="en-US" dirty="0"/>
+              <a:t>Subtract the amount for those coins from the amount left to return</a:t>
+            </a:r>
+          </a:p>
+          <a:p>
+            <a:pPr marL="514350" indent="-514350">
+              <a:buFont typeface="+mj-lt"/>
+              <a:buAutoNum type="arabicPeriod"/>
+            </a:pPr>
+            <a:r>
+              <a:rPr lang="en-US" dirty="0"/>
+              <a:t>If the amount left is zero, done!</a:t>
+            </a:r>
+          </a:p>
+          <a:p>
+            <a:pPr marL="514350" indent="-514350">
+              <a:buFont typeface="+mj-lt"/>
+              <a:buAutoNum type="arabicPeriod"/>
+            </a:pPr>
+            <a:r>
+              <a:rPr lang="en-US" dirty="0"/>
+              <a:t>If not, consider next largest coin, and go back to Step 2</a:t>
+            </a:r>
+          </a:p>
+        </p:txBody>
+      </p:sp>
+    </p:spTree>
+  </p:cSld>
+  <p:clrMapOvr>
+    <a:masterClrMapping/>
+  </p:clrMapOvr>
+</p:sld>
+</file>
+
+<file path=ppt/slides/slide38.xml><?xml version="1.0" encoding="utf-8"?>
+<p:sld xmlns:a="http://schemas.openxmlformats.org/drawingml/2006/main" xmlns:r="http://schemas.openxmlformats.org/officeDocument/2006/relationships" xmlns:p="http://schemas.openxmlformats.org/presentationml/2006/main">
+  <p:cSld>
+    <p:spTree>
+      <p:nvGrpSpPr>
+        <p:cNvPr id="1" name=""/>
+        <p:cNvGrpSpPr/>
+        <p:nvPr/>
+      </p:nvGrpSpPr>
+      <p:grpSpPr>
+        <a:xfrm>
+          <a:off x="0" y="0"/>
+          <a:ext cx="0" cy="0"/>
+          <a:chOff x="0" y="0"/>
+          <a:chExt cx="0" cy="0"/>
+        </a:xfrm>
+      </p:grpSpPr>
+      <p:sp>
+        <p:nvSpPr>
+          <p:cNvPr id="34818" name="Rectangle 2"/>
+          <p:cNvSpPr>
+            <a:spLocks noGrp="1" noChangeArrowheads="1"/>
+          </p:cNvSpPr>
+          <p:nvPr>
+            <p:ph type="title"/>
+          </p:nvPr>
+        </p:nvSpPr>
+        <p:spPr/>
+        <p:txBody>
+          <a:bodyPr/>
+          <a:lstStyle/>
+          <a:p>
+            <a:r>
+              <a:rPr lang="en-US"/>
+              <a:t>Is this a “good” algorithm?</a:t>
+            </a:r>
+          </a:p>
+        </p:txBody>
+      </p:sp>
+      <p:sp>
+        <p:nvSpPr>
+          <p:cNvPr id="4" name="Slide Number Placeholder 3"/>
+          <p:cNvSpPr>
+            <a:spLocks noGrp="1"/>
+          </p:cNvSpPr>
+          <p:nvPr>
+            <p:ph type="sldNum" sz="quarter" idx="12"/>
+          </p:nvPr>
+        </p:nvSpPr>
+        <p:spPr/>
+        <p:txBody>
+          <a:bodyPr/>
+          <a:lstStyle/>
+          <a:p>
+            <a:fld id="{F26D9103-0C5C-48AC-B68E-3ED2C1647047}" type="slidenum">
+              <a:rPr lang="en-US" smtClean="0"/>
+              <a:pPr/>
+              <a:t>38</a:t>
             </a:fld>
             <a:endParaRPr lang="en-US"/>
           </a:p>
@@ -9516,7 +10420,7 @@
 </p:sld>
 </file>
 
-<file path=ppt/slides/slide34.xml><?xml version="1.0" encoding="utf-8"?>
+<file path=ppt/slides/slide39.xml><?xml version="1.0" encoding="utf-8"?>
 <p:sld xmlns:a="http://schemas.openxmlformats.org/drawingml/2006/main" xmlns:r="http://schemas.openxmlformats.org/officeDocument/2006/relationships" xmlns:p="http://schemas.openxmlformats.org/presentationml/2006/main">
   <p:cSld>
     <p:spTree>
@@ -9573,7 +10477,7 @@
             <a:fld id="{F26D9103-0C5C-48AC-B68E-3ED2C1647047}" type="slidenum">
               <a:rPr lang="en-US" smtClean="0"/>
               <a:pPr/>
-              <a:t>34</a:t>
+              <a:t>39</a:t>
             </a:fld>
             <a:endParaRPr lang="en-US"/>
           </a:p>
@@ -9823,7 +10727,7 @@
 </p:sld>
 </file>
 
-<file path=ppt/slides/slide35.xml><?xml version="1.0" encoding="utf-8"?>
+<file path=ppt/slides/slide4.xml><?xml version="1.0" encoding="utf-8"?>
 <p:sld xmlns:a="http://schemas.openxmlformats.org/drawingml/2006/main" xmlns:r="http://schemas.openxmlformats.org/officeDocument/2006/relationships" xmlns:p="http://schemas.openxmlformats.org/presentationml/2006/main">
   <p:cSld>
     <p:spTree>
@@ -9842,32 +10746,41 @@
       </p:grpSpPr>
       <p:sp>
         <p:nvSpPr>
-          <p:cNvPr id="36866" name="Rectangle 2"/>
-          <p:cNvSpPr>
-            <a:spLocks noGrp="1" noChangeArrowheads="1"/>
+          <p:cNvPr id="2" name="Title 1">
+            <a:extLst>
+              <a:ext uri="{FF2B5EF4-FFF2-40B4-BE49-F238E27FC236}">
+                <a16:creationId xmlns:a16="http://schemas.microsoft.com/office/drawing/2014/main" id="{D4C714F9-F01E-7B4D-8EB0-3B151FAE663D}"/>
+              </a:ext>
+            </a:extLst>
+          </p:cNvPr>
+          <p:cNvSpPr>
+            <a:spLocks noGrp="1"/>
           </p:cNvSpPr>
           <p:nvPr>
             <p:ph type="title"/>
-            <p:custDataLst>
-              <p:tags r:id="rId1"/>
-            </p:custDataLst>
-          </p:nvPr>
-        </p:nvSpPr>
-        <p:spPr/>
-        <p:txBody>
-          <a:bodyPr/>
-          <a:lstStyle/>
-          <a:p>
-            <a:r>
-              <a:rPr lang="en-US"/>
-              <a:t>You’re Being Greedy!</a:t>
-            </a:r>
-          </a:p>
-        </p:txBody>
-      </p:sp>
-      <p:sp>
-        <p:nvSpPr>
-          <p:cNvPr id="4" name="Slide Number Placeholder 3"/>
+          </p:nvPr>
+        </p:nvSpPr>
+        <p:spPr/>
+        <p:txBody>
+          <a:bodyPr/>
+          <a:lstStyle/>
+          <a:p>
+            <a:r>
+              <a:rPr lang="en-US" dirty="0"/>
+              <a:t>Discord</a:t>
+            </a:r>
+          </a:p>
+        </p:txBody>
+      </p:sp>
+      <p:sp>
+        <p:nvSpPr>
+          <p:cNvPr id="3" name="Slide Number Placeholder 2">
+            <a:extLst>
+              <a:ext uri="{FF2B5EF4-FFF2-40B4-BE49-F238E27FC236}">
+                <a16:creationId xmlns:a16="http://schemas.microsoft.com/office/drawing/2014/main" id="{4409C9D4-846F-D543-85FE-C390EBACF5F4}"/>
+              </a:ext>
+            </a:extLst>
+          </p:cNvPr>
           <p:cNvSpPr>
             <a:spLocks noGrp="1"/>
           </p:cNvSpPr>
@@ -9883,7 +10796,7 @@
             <a:fld id="{F26D9103-0C5C-48AC-B68E-3ED2C1647047}" type="slidenum">
               <a:rPr lang="en-US" smtClean="0"/>
               <a:pPr/>
-              <a:t>35</a:t>
+              <a:t>4</a:t>
             </a:fld>
             <a:endParaRPr lang="en-US"/>
           </a:p>
@@ -9891,58 +10804,57 @@
       </p:sp>
       <p:sp>
         <p:nvSpPr>
-          <p:cNvPr id="36867" name="Rectangle 3"/>
-          <p:cNvSpPr>
-            <a:spLocks noGrp="1" noChangeArrowheads="1"/>
+          <p:cNvPr id="4" name="Content Placeholder 3">
+            <a:extLst>
+              <a:ext uri="{FF2B5EF4-FFF2-40B4-BE49-F238E27FC236}">
+                <a16:creationId xmlns:a16="http://schemas.microsoft.com/office/drawing/2014/main" id="{930851DE-8B7D-3A4B-A735-7873D3097E8B}"/>
+              </a:ext>
+            </a:extLst>
+          </p:cNvPr>
+          <p:cNvSpPr>
+            <a:spLocks noGrp="1"/>
           </p:cNvSpPr>
           <p:nvPr>
             <p:ph sz="quarter" idx="1"/>
-            <p:custDataLst>
-              <p:tags r:id="rId2"/>
-            </p:custDataLst>
-          </p:nvPr>
-        </p:nvSpPr>
-        <p:spPr/>
-        <p:txBody>
-          <a:bodyPr>
-            <a:normAutofit fontScale="92500"/>
-          </a:bodyPr>
-          <a:lstStyle/>
-          <a:p>
-            <a:r>
-              <a:rPr lang="en-US" dirty="0"/>
-              <a:t>This algorithm is an example of a family of algorithms called </a:t>
-            </a:r>
-            <a:r>
-              <a:rPr lang="en-US" i="1" dirty="0"/>
-              <a:t>greedy algorithms</a:t>
-            </a:r>
-          </a:p>
-          <a:p>
-            <a:r>
-              <a:rPr lang="en-US" dirty="0"/>
-              <a:t>Suitable for optimization problems</a:t>
-            </a:r>
-          </a:p>
-          <a:p>
-            <a:pPr lvl="1"/>
-            <a:r>
-              <a:rPr lang="en-US" dirty="0"/>
-              <a:t>There are many </a:t>
-            </a:r>
-            <a:r>
-              <a:rPr lang="en-US" i="1" dirty="0"/>
-              <a:t>feasible answers </a:t>
-            </a:r>
-            <a:r>
-              <a:rPr lang="en-US" dirty="0"/>
-              <a:t>that add up to the right amount, but one is optimal or best (fewest coins)</a:t>
-            </a:r>
-          </a:p>
-          <a:p>
-            <a:r>
-              <a:rPr lang="en-US" dirty="0"/>
-              <a:t>Immediately greedy: at each step, choose what looks best now.  No “look-ahead” into the future!</a:t>
+          </p:nvPr>
+        </p:nvSpPr>
+        <p:spPr/>
+        <p:txBody>
+          <a:bodyPr/>
+          <a:lstStyle/>
+          <a:p>
+            <a:r>
+              <a:rPr lang="en-US" dirty="0"/>
+              <a:t>Most of our course communication will happen on Discord.</a:t>
+            </a:r>
+          </a:p>
+          <a:p>
+            <a:pPr lvl="1"/>
+            <a:r>
+              <a:rPr lang="en-US" dirty="0"/>
+              <a:t>Class announcements</a:t>
+            </a:r>
+          </a:p>
+          <a:p>
+            <a:pPr lvl="1"/>
+            <a:r>
+              <a:rPr lang="en-US" dirty="0"/>
+              <a:t>Office Hours</a:t>
+            </a:r>
+          </a:p>
+          <a:p>
+            <a:pPr lvl="1"/>
+            <a:r>
+              <a:rPr lang="en-US" dirty="0"/>
+              <a:t>General Q&amp;A with </a:t>
+            </a:r>
+            <a:r>
+              <a:rPr lang="en-US" dirty="0" err="1"/>
+              <a:t>Tas</a:t>
+            </a:r>
+            <a:r>
+              <a:rPr lang="en-US" dirty="0"/>
+              <a:t>, etc. (We will use piazza too)</a:t>
             </a:r>
           </a:p>
           <a:p>
@@ -9951,30 +10863,24 @@
           <a:p>
             <a:r>
               <a:rPr lang="en-US" dirty="0"/>
-              <a:t>What’s an optimization problem?</a:t>
-            </a:r>
-          </a:p>
-          <a:p>
-            <a:pPr lvl="1"/>
-            <a:r>
-              <a:rPr lang="en-US" dirty="0"/>
-              <a:t>Some subset or combination of values satisfies problem constraints (feasible solutions)</a:t>
-            </a:r>
-          </a:p>
-          <a:p>
-            <a:pPr lvl="1"/>
-            <a:r>
-              <a:rPr lang="en-US" dirty="0"/>
-              <a:t>But, a way of comparing these.  One is best: the optimal solution</a:t>
-            </a:r>
-          </a:p>
-          <a:p>
-            <a:pPr lvl="1"/>
-            <a:endParaRPr lang="en-US" dirty="0"/>
+              <a:t>Please join ASAP!</a:t>
+            </a:r>
+          </a:p>
+          <a:p>
+            <a:pPr lvl="1"/>
+            <a:r>
+              <a:rPr lang="en-US" dirty="0"/>
+              <a:t>&lt;INSERT LINK HERE&gt;</a:t>
+            </a:r>
           </a:p>
         </p:txBody>
       </p:sp>
     </p:spTree>
+    <p:extLst>
+      <p:ext uri="{BB962C8B-B14F-4D97-AF65-F5344CB8AC3E}">
+        <p14:creationId xmlns:p14="http://schemas.microsoft.com/office/powerpoint/2010/main" val="1060944959"/>
+      </p:ext>
+    </p:extLst>
   </p:cSld>
   <p:clrMapOvr>
     <a:masterClrMapping/>
@@ -9982,7 +10888,7 @@
 </p:sld>
 </file>
 
-<file path=ppt/slides/slide36.xml><?xml version="1.0" encoding="utf-8"?>
+<file path=ppt/slides/slide40.xml><?xml version="1.0" encoding="utf-8"?>
 <p:sld xmlns:a="http://schemas.openxmlformats.org/drawingml/2006/main" xmlns:r="http://schemas.openxmlformats.org/officeDocument/2006/relationships" xmlns:p="http://schemas.openxmlformats.org/presentationml/2006/main">
   <p:cSld>
     <p:spTree>
@@ -10001,7 +10907,7 @@
       </p:grpSpPr>
       <p:sp>
         <p:nvSpPr>
-          <p:cNvPr id="37890" name="Rectangle 2"/>
+          <p:cNvPr id="36866" name="Rectangle 2"/>
           <p:cNvSpPr>
             <a:spLocks noGrp="1" noChangeArrowheads="1"/>
           </p:cNvSpPr>
@@ -10019,7 +10925,7 @@
           <a:p>
             <a:r>
               <a:rPr lang="en-US"/>
-              <a:t>Does Greed Pay Off?</a:t>
+              <a:t>You’re Being Greedy!</a:t>
             </a:r>
           </a:p>
         </p:txBody>
@@ -10042,7 +10948,166 @@
             <a:fld id="{F26D9103-0C5C-48AC-B68E-3ED2C1647047}" type="slidenum">
               <a:rPr lang="en-US" smtClean="0"/>
               <a:pPr/>
-              <a:t>36</a:t>
+              <a:t>40</a:t>
+            </a:fld>
+            <a:endParaRPr lang="en-US"/>
+          </a:p>
+        </p:txBody>
+      </p:sp>
+      <p:sp>
+        <p:nvSpPr>
+          <p:cNvPr id="36867" name="Rectangle 3"/>
+          <p:cNvSpPr>
+            <a:spLocks noGrp="1" noChangeArrowheads="1"/>
+          </p:cNvSpPr>
+          <p:nvPr>
+            <p:ph sz="quarter" idx="1"/>
+            <p:custDataLst>
+              <p:tags r:id="rId2"/>
+            </p:custDataLst>
+          </p:nvPr>
+        </p:nvSpPr>
+        <p:spPr/>
+        <p:txBody>
+          <a:bodyPr>
+            <a:normAutofit fontScale="92500"/>
+          </a:bodyPr>
+          <a:lstStyle/>
+          <a:p>
+            <a:r>
+              <a:rPr lang="en-US" dirty="0"/>
+              <a:t>This algorithm is an example of a family of algorithms called </a:t>
+            </a:r>
+            <a:r>
+              <a:rPr lang="en-US" i="1" dirty="0"/>
+              <a:t>greedy algorithms</a:t>
+            </a:r>
+          </a:p>
+          <a:p>
+            <a:r>
+              <a:rPr lang="en-US" dirty="0"/>
+              <a:t>Suitable for optimization problems</a:t>
+            </a:r>
+          </a:p>
+          <a:p>
+            <a:pPr lvl="1"/>
+            <a:r>
+              <a:rPr lang="en-US" dirty="0"/>
+              <a:t>There are many </a:t>
+            </a:r>
+            <a:r>
+              <a:rPr lang="en-US" i="1" dirty="0"/>
+              <a:t>feasible answers </a:t>
+            </a:r>
+            <a:r>
+              <a:rPr lang="en-US" dirty="0"/>
+              <a:t>that add up to the right amount, but one is optimal or best (fewest coins)</a:t>
+            </a:r>
+          </a:p>
+          <a:p>
+            <a:r>
+              <a:rPr lang="en-US" dirty="0"/>
+              <a:t>Immediately greedy: at each step, choose what looks best now.  No “look-ahead” into the future!</a:t>
+            </a:r>
+          </a:p>
+          <a:p>
+            <a:endParaRPr lang="en-US" dirty="0"/>
+          </a:p>
+          <a:p>
+            <a:r>
+              <a:rPr lang="en-US" dirty="0"/>
+              <a:t>What’s an optimization problem?</a:t>
+            </a:r>
+          </a:p>
+          <a:p>
+            <a:pPr lvl="1"/>
+            <a:r>
+              <a:rPr lang="en-US" dirty="0"/>
+              <a:t>Some subset or combination of values satisfies problem constraints (feasible solutions)</a:t>
+            </a:r>
+          </a:p>
+          <a:p>
+            <a:pPr lvl="1"/>
+            <a:r>
+              <a:rPr lang="en-US" dirty="0"/>
+              <a:t>But, a way of comparing these.  One is best: the optimal solution</a:t>
+            </a:r>
+          </a:p>
+          <a:p>
+            <a:pPr lvl="1"/>
+            <a:endParaRPr lang="en-US" dirty="0"/>
+          </a:p>
+        </p:txBody>
+      </p:sp>
+    </p:spTree>
+  </p:cSld>
+  <p:clrMapOvr>
+    <a:masterClrMapping/>
+  </p:clrMapOvr>
+</p:sld>
+</file>
+
+<file path=ppt/slides/slide41.xml><?xml version="1.0" encoding="utf-8"?>
+<p:sld xmlns:a="http://schemas.openxmlformats.org/drawingml/2006/main" xmlns:r="http://schemas.openxmlformats.org/officeDocument/2006/relationships" xmlns:p="http://schemas.openxmlformats.org/presentationml/2006/main">
+  <p:cSld>
+    <p:spTree>
+      <p:nvGrpSpPr>
+        <p:cNvPr id="1" name=""/>
+        <p:cNvGrpSpPr/>
+        <p:nvPr/>
+      </p:nvGrpSpPr>
+      <p:grpSpPr>
+        <a:xfrm>
+          <a:off x="0" y="0"/>
+          <a:ext cx="0" cy="0"/>
+          <a:chOff x="0" y="0"/>
+          <a:chExt cx="0" cy="0"/>
+        </a:xfrm>
+      </p:grpSpPr>
+      <p:sp>
+        <p:nvSpPr>
+          <p:cNvPr id="37890" name="Rectangle 2"/>
+          <p:cNvSpPr>
+            <a:spLocks noGrp="1" noChangeArrowheads="1"/>
+          </p:cNvSpPr>
+          <p:nvPr>
+            <p:ph type="title"/>
+            <p:custDataLst>
+              <p:tags r:id="rId1"/>
+            </p:custDataLst>
+          </p:nvPr>
+        </p:nvSpPr>
+        <p:spPr/>
+        <p:txBody>
+          <a:bodyPr/>
+          <a:lstStyle/>
+          <a:p>
+            <a:r>
+              <a:rPr lang="en-US"/>
+              <a:t>Does Greed Pay Off?</a:t>
+            </a:r>
+          </a:p>
+        </p:txBody>
+      </p:sp>
+      <p:sp>
+        <p:nvSpPr>
+          <p:cNvPr id="4" name="Slide Number Placeholder 3"/>
+          <p:cNvSpPr>
+            <a:spLocks noGrp="1"/>
+          </p:cNvSpPr>
+          <p:nvPr>
+            <p:ph type="sldNum" sz="quarter" idx="12"/>
+          </p:nvPr>
+        </p:nvSpPr>
+        <p:spPr/>
+        <p:txBody>
+          <a:bodyPr/>
+          <a:lstStyle/>
+          <a:p>
+            <a:fld id="{F26D9103-0C5C-48AC-B68E-3ED2C1647047}" type="slidenum">
+              <a:rPr lang="en-US" smtClean="0"/>
+              <a:pPr/>
+              <a:t>41</a:t>
             </a:fld>
             <a:endParaRPr lang="en-US"/>
           </a:p>
@@ -10574,7 +11639,7 @@
 </p:sld>
 </file>
 
-<file path=ppt/slides/slide37.xml><?xml version="1.0" encoding="utf-8"?>
+<file path=ppt/slides/slide42.xml><?xml version="1.0" encoding="utf-8"?>
 <p:sld xmlns:a="http://schemas.openxmlformats.org/drawingml/2006/main" xmlns:r="http://schemas.openxmlformats.org/officeDocument/2006/relationships" xmlns:p="http://schemas.openxmlformats.org/presentationml/2006/main">
   <p:cSld>
     <p:spTree>
@@ -10631,7 +11696,7 @@
             <a:fld id="{F26D9103-0C5C-48AC-B68E-3ED2C1647047}" type="slidenum">
               <a:rPr lang="en-US" smtClean="0"/>
               <a:pPr/>
-              <a:t>37</a:t>
+              <a:t>42</a:t>
             </a:fld>
             <a:endParaRPr lang="en-US"/>
           </a:p>
@@ -10727,7 +11792,7 @@
 </p:sld>
 </file>
 
-<file path=ppt/slides/slide38.xml><?xml version="1.0" encoding="utf-8"?>
+<file path=ppt/slides/slide43.xml><?xml version="1.0" encoding="utf-8"?>
 <p:sld xmlns:a="http://schemas.openxmlformats.org/drawingml/2006/main" xmlns:r="http://schemas.openxmlformats.org/officeDocument/2006/relationships" xmlns:p="http://schemas.openxmlformats.org/presentationml/2006/main">
   <p:cSld>
     <p:spTree>
@@ -10891,7 +11956,7 @@
             <a:fld id="{F26D9103-0C5C-48AC-B68E-3ED2C1647047}" type="slidenum">
               <a:rPr lang="en-US" smtClean="0"/>
               <a:pPr/>
-              <a:t>38</a:t>
+              <a:t>43</a:t>
             </a:fld>
             <a:endParaRPr lang="en-US"/>
           </a:p>
@@ -10905,7 +11970,7 @@
 </p:sld>
 </file>
 
-<file path=ppt/slides/slide39.xml><?xml version="1.0" encoding="utf-8"?>
+<file path=ppt/slides/slide44.xml><?xml version="1.0" encoding="utf-8"?>
 <p:sld xmlns:a="http://schemas.openxmlformats.org/drawingml/2006/main" xmlns:r="http://schemas.openxmlformats.org/officeDocument/2006/relationships" xmlns:p="http://schemas.openxmlformats.org/presentationml/2006/main">
   <p:cSld>
     <p:spTree>
@@ -10965,7 +12030,7 @@
             <a:fld id="{F26D9103-0C5C-48AC-B68E-3ED2C1647047}" type="slidenum">
               <a:rPr lang="en-US" smtClean="0"/>
               <a:pPr/>
-              <a:t>39</a:t>
+              <a:t>44</a:t>
             </a:fld>
             <a:endParaRPr lang="en-US"/>
           </a:p>
@@ -11365,7 +12430,7 @@
 </p:sld>
 </file>
 
-<file path=ppt/slides/slide4.xml><?xml version="1.0" encoding="utf-8"?>
+<file path=ppt/slides/slide45.xml><?xml version="1.0" encoding="utf-8"?>
 <p:sld xmlns:a="http://schemas.openxmlformats.org/drawingml/2006/main" xmlns:r="http://schemas.openxmlformats.org/officeDocument/2006/relationships" xmlns:p="http://schemas.openxmlformats.org/presentationml/2006/main">
   <p:cSld>
     <p:spTree>
@@ -11384,13 +12449,7 @@
       </p:grpSpPr>
       <p:sp>
         <p:nvSpPr>
-          <p:cNvPr id="2" name="Title 1">
-            <a:extLst>
-              <a:ext uri="{FF2B5EF4-FFF2-40B4-BE49-F238E27FC236}">
-                <a16:creationId xmlns:a16="http://schemas.microsoft.com/office/drawing/2014/main" id="{D4C714F9-F01E-7B4D-8EB0-3B151FAE663D}"/>
-              </a:ext>
-            </a:extLst>
-          </p:cNvPr>
+          <p:cNvPr id="41986" name="Title 1"/>
           <p:cNvSpPr>
             <a:spLocks noGrp="1"/>
           </p:cNvSpPr>
@@ -11404,21 +12463,183 @@
           <a:lstStyle/>
           <a:p>
             <a:r>
-              <a:rPr lang="en-US" dirty="0"/>
-              <a:t>Discord</a:t>
-            </a:r>
-          </a:p>
-        </p:txBody>
-      </p:sp>
-      <p:sp>
-        <p:nvSpPr>
-          <p:cNvPr id="3" name="Slide Number Placeholder 2">
-            <a:extLst>
-              <a:ext uri="{FF2B5EF4-FFF2-40B4-BE49-F238E27FC236}">
-                <a16:creationId xmlns:a16="http://schemas.microsoft.com/office/drawing/2014/main" id="{4409C9D4-846F-D543-85FE-C390EBACF5F4}"/>
-              </a:ext>
-            </a:extLst>
-          </p:cNvPr>
+              <a:rPr lang="en-US"/>
+              <a:t>Change solution (brute-force)</a:t>
+            </a:r>
+          </a:p>
+        </p:txBody>
+      </p:sp>
+      <p:sp>
+        <p:nvSpPr>
+          <p:cNvPr id="3" name="Content Placeholder 2"/>
+          <p:cNvSpPr>
+            <a:spLocks noGrp="1"/>
+          </p:cNvSpPr>
+          <p:nvPr>
+            <p:ph sz="quarter" idx="1"/>
+          </p:nvPr>
+        </p:nvSpPr>
+        <p:spPr>
+          <a:xfrm>
+            <a:off x="457200" y="1219200"/>
+            <a:ext cx="8229600" cy="5410200"/>
+          </a:xfrm>
+        </p:spPr>
+        <p:txBody>
+          <a:bodyPr>
+            <a:normAutofit/>
+          </a:bodyPr>
+          <a:lstStyle/>
+          <a:p>
+            <a:pPr>
+              <a:lnSpc>
+                <a:spcPct val="90000"/>
+              </a:lnSpc>
+              <a:defRPr/>
+            </a:pPr>
+            <a:r>
+              <a:rPr lang="en-US" sz="2400" b="1" dirty="0">
+                <a:solidFill>
+                  <a:schemeClr val="bg1">
+                    <a:lumMod val="75000"/>
+                  </a:schemeClr>
+                </a:solidFill>
+              </a:rPr>
+              <a:t>Problem description:</a:t>
+            </a:r>
+            <a:r>
+              <a:rPr lang="en-US" sz="2400" dirty="0">
+                <a:solidFill>
+                  <a:schemeClr val="bg1">
+                    <a:lumMod val="75000"/>
+                  </a:schemeClr>
+                </a:solidFill>
+              </a:rPr>
+              <a:t> providing coin change of a given amount in the fewest number of coins</a:t>
+            </a:r>
+          </a:p>
+          <a:p>
+            <a:pPr>
+              <a:lnSpc>
+                <a:spcPct val="90000"/>
+              </a:lnSpc>
+              <a:defRPr/>
+            </a:pPr>
+            <a:r>
+              <a:rPr lang="en-US" sz="2400" b="1" dirty="0">
+                <a:solidFill>
+                  <a:schemeClr val="bg1">
+                    <a:lumMod val="75000"/>
+                  </a:schemeClr>
+                </a:solidFill>
+              </a:rPr>
+              <a:t>Inputs:</a:t>
+            </a:r>
+            <a:r>
+              <a:rPr lang="en-US" sz="2400" dirty="0">
+                <a:solidFill>
+                  <a:schemeClr val="bg1">
+                    <a:lumMod val="75000"/>
+                  </a:schemeClr>
+                </a:solidFill>
+              </a:rPr>
+              <a:t> the dollar-amount to return.  Perhaps the possible set of coins, if it is non-obvious.</a:t>
+            </a:r>
+          </a:p>
+          <a:p>
+            <a:pPr>
+              <a:lnSpc>
+                <a:spcPct val="90000"/>
+              </a:lnSpc>
+              <a:defRPr/>
+            </a:pPr>
+            <a:r>
+              <a:rPr lang="en-US" sz="2400" b="1" dirty="0">
+                <a:solidFill>
+                  <a:schemeClr val="bg1">
+                    <a:lumMod val="75000"/>
+                  </a:schemeClr>
+                </a:solidFill>
+              </a:rPr>
+              <a:t>Output:</a:t>
+            </a:r>
+            <a:r>
+              <a:rPr lang="en-US" sz="2400" dirty="0">
+                <a:solidFill>
+                  <a:schemeClr val="bg1">
+                    <a:lumMod val="75000"/>
+                  </a:schemeClr>
+                </a:solidFill>
+              </a:rPr>
+              <a:t> a set of coins that obtains the desired amount of change in the fewest number of coins</a:t>
+            </a:r>
+          </a:p>
+          <a:p>
+            <a:pPr>
+              <a:lnSpc>
+                <a:spcPct val="90000"/>
+              </a:lnSpc>
+              <a:defRPr/>
+            </a:pPr>
+            <a:r>
+              <a:rPr lang="en-US" sz="2400" b="1" dirty="0">
+                <a:solidFill>
+                  <a:schemeClr val="bg1">
+                    <a:lumMod val="75000"/>
+                  </a:schemeClr>
+                </a:solidFill>
+              </a:rPr>
+              <a:t>Assumptions:</a:t>
+            </a:r>
+            <a:r>
+              <a:rPr lang="en-US" sz="2400" dirty="0">
+                <a:solidFill>
+                  <a:schemeClr val="bg1">
+                    <a:lumMod val="75000"/>
+                  </a:schemeClr>
+                </a:solidFill>
+              </a:rPr>
+              <a:t> If the coins are not stated, then they are the standard quarter, dime, nickel, and penny.  All inputs are non-negative, and dollar amounts are ignored.</a:t>
+            </a:r>
+          </a:p>
+          <a:p>
+            <a:pPr>
+              <a:lnSpc>
+                <a:spcPct val="90000"/>
+              </a:lnSpc>
+              <a:defRPr/>
+            </a:pPr>
+            <a:r>
+              <a:rPr lang="en-US" sz="2400" b="1" dirty="0"/>
+              <a:t>Strategy:</a:t>
+            </a:r>
+            <a:r>
+              <a:rPr lang="en-US" sz="2400" dirty="0"/>
+              <a:t> a brute-force algorithm that considers every possibility and picks the one with the fewest number of coins</a:t>
+            </a:r>
+          </a:p>
+          <a:p>
+            <a:pPr>
+              <a:lnSpc>
+                <a:spcPct val="90000"/>
+              </a:lnSpc>
+              <a:defRPr/>
+            </a:pPr>
+            <a:r>
+              <a:rPr lang="en-US" sz="2400" b="1" dirty="0"/>
+              <a:t>Description:</a:t>
+            </a:r>
+            <a:r>
+              <a:rPr lang="en-US" sz="2400" dirty="0"/>
+              <a:t> Consider every possible combination of coins that add to the given amount (done via a depth-first search).  Return the one with the fewest number of coins.</a:t>
+            </a:r>
+            <a:endParaRPr lang="en-US" dirty="0"/>
+          </a:p>
+        </p:txBody>
+      </p:sp>
+      <p:sp>
+        <p:nvSpPr>
+          <p:cNvPr id="4" name="Slide Number Placeholder 3"/>
           <p:cNvSpPr>
             <a:spLocks noGrp="1"/>
           </p:cNvSpPr>
@@ -11434,99 +12655,13 @@
             <a:fld id="{F26D9103-0C5C-48AC-B68E-3ED2C1647047}" type="slidenum">
               <a:rPr lang="en-US" smtClean="0"/>
               <a:pPr/>
-              <a:t>4</a:t>
+              <a:t>45</a:t>
             </a:fld>
             <a:endParaRPr lang="en-US"/>
           </a:p>
         </p:txBody>
       </p:sp>
-      <p:sp>
-        <p:nvSpPr>
-          <p:cNvPr id="4" name="Content Placeholder 3">
-            <a:extLst>
-              <a:ext uri="{FF2B5EF4-FFF2-40B4-BE49-F238E27FC236}">
-                <a16:creationId xmlns:a16="http://schemas.microsoft.com/office/drawing/2014/main" id="{930851DE-8B7D-3A4B-A735-7873D3097E8B}"/>
-              </a:ext>
-            </a:extLst>
-          </p:cNvPr>
-          <p:cNvSpPr>
-            <a:spLocks noGrp="1"/>
-          </p:cNvSpPr>
-          <p:nvPr>
-            <p:ph sz="quarter" idx="1"/>
-          </p:nvPr>
-        </p:nvSpPr>
-        <p:spPr/>
-        <p:txBody>
-          <a:bodyPr/>
-          <a:lstStyle/>
-          <a:p>
-            <a:r>
-              <a:rPr lang="en-US" dirty="0"/>
-              <a:t>Most of our course communication will happen on Discord.</a:t>
-            </a:r>
-          </a:p>
-          <a:p>
-            <a:pPr lvl="1"/>
-            <a:r>
-              <a:rPr lang="en-US" dirty="0"/>
-              <a:t>Class announcements</a:t>
-            </a:r>
-          </a:p>
-          <a:p>
-            <a:pPr lvl="1"/>
-            <a:r>
-              <a:rPr lang="en-US" dirty="0"/>
-              <a:t>Office Hours</a:t>
-            </a:r>
-          </a:p>
-          <a:p>
-            <a:pPr lvl="1"/>
-            <a:r>
-              <a:rPr lang="en-US" dirty="0"/>
-              <a:t>General Q&amp;A with </a:t>
-            </a:r>
-            <a:r>
-              <a:rPr lang="en-US" dirty="0" err="1"/>
-              <a:t>Tas</a:t>
-            </a:r>
-            <a:r>
-              <a:rPr lang="en-US" dirty="0"/>
-              <a:t>, etc. (We will use piazza too)</a:t>
-            </a:r>
-          </a:p>
-          <a:p>
-            <a:endParaRPr lang="en-US" dirty="0"/>
-          </a:p>
-          <a:p>
-            <a:r>
-              <a:rPr lang="en-US" dirty="0"/>
-              <a:t>Please join ASAP!</a:t>
-            </a:r>
-          </a:p>
-          <a:p>
-            <a:pPr lvl="1"/>
-            <a:r>
-              <a:rPr lang="en-US" dirty="0"/>
-              <a:t>https://</a:t>
-            </a:r>
-            <a:r>
-              <a:rPr lang="en-US" dirty="0" err="1"/>
-              <a:t>discord.gg</a:t>
-            </a:r>
-            <a:r>
-              <a:rPr lang="en-US" dirty="0"/>
-              <a:t>/ycPkfQK9</a:t>
-            </a:r>
-          </a:p>
-        </p:txBody>
-      </p:sp>
     </p:spTree>
-    <p:extLst>
-      <p:ext uri="{BB962C8B-B14F-4D97-AF65-F5344CB8AC3E}">
-        <p14:creationId xmlns:p14="http://schemas.microsoft.com/office/powerpoint/2010/main" val="1060944959"/>
-      </p:ext>
-    </p:extLst>
   </p:cSld>
   <p:clrMapOvr>
     <a:masterClrMapping/>
@@ -11534,7 +12669,7 @@
 </p:sld>
 </file>
 
-<file path=ppt/slides/slide40.xml><?xml version="1.0" encoding="utf-8"?>
+<file path=ppt/slides/slide46.xml><?xml version="1.0" encoding="utf-8"?>
 <p:sld xmlns:a="http://schemas.openxmlformats.org/drawingml/2006/main" xmlns:r="http://schemas.openxmlformats.org/officeDocument/2006/relationships" xmlns:p="http://schemas.openxmlformats.org/presentationml/2006/main">
   <p:cSld>
     <p:spTree>
@@ -11553,7 +12688,7 @@
       </p:grpSpPr>
       <p:sp>
         <p:nvSpPr>
-          <p:cNvPr id="41986" name="Title 1"/>
+          <p:cNvPr id="5" name="Title 4"/>
           <p:cNvSpPr>
             <a:spLocks noGrp="1"/>
           </p:cNvSpPr>
@@ -11567,183 +12702,34 @@
           <a:lstStyle/>
           <a:p>
             <a:r>
-              <a:rPr lang="en-US"/>
-              <a:t>Change solution (brute-force)</a:t>
-            </a:r>
-          </a:p>
-        </p:txBody>
-      </p:sp>
-      <p:sp>
-        <p:nvSpPr>
-          <p:cNvPr id="3" name="Content Placeholder 2"/>
-          <p:cNvSpPr>
-            <a:spLocks noGrp="1"/>
-          </p:cNvSpPr>
-          <p:nvPr>
-            <p:ph sz="quarter" idx="1"/>
-          </p:nvPr>
-        </p:nvSpPr>
-        <p:spPr>
-          <a:xfrm>
-            <a:off x="457200" y="1219200"/>
-            <a:ext cx="8229600" cy="5410200"/>
-          </a:xfrm>
-        </p:spPr>
-        <p:txBody>
-          <a:bodyPr>
-            <a:normAutofit/>
-          </a:bodyPr>
-          <a:lstStyle/>
-          <a:p>
-            <a:pPr>
-              <a:lnSpc>
-                <a:spcPct val="90000"/>
-              </a:lnSpc>
-              <a:defRPr/>
-            </a:pPr>
-            <a:r>
-              <a:rPr lang="en-US" sz="2400" b="1" dirty="0">
-                <a:solidFill>
-                  <a:schemeClr val="bg1">
-                    <a:lumMod val="75000"/>
-                  </a:schemeClr>
-                </a:solidFill>
-              </a:rPr>
-              <a:t>Problem description:</a:t>
-            </a:r>
-            <a:r>
-              <a:rPr lang="en-US" sz="2400" dirty="0">
-                <a:solidFill>
-                  <a:schemeClr val="bg1">
-                    <a:lumMod val="75000"/>
-                  </a:schemeClr>
-                </a:solidFill>
-              </a:rPr>
-              <a:t> providing coin change of a given amount in the fewest number of coins</a:t>
-            </a:r>
-          </a:p>
-          <a:p>
-            <a:pPr>
-              <a:lnSpc>
-                <a:spcPct val="90000"/>
-              </a:lnSpc>
-              <a:defRPr/>
-            </a:pPr>
-            <a:r>
-              <a:rPr lang="en-US" sz="2400" b="1" dirty="0">
-                <a:solidFill>
-                  <a:schemeClr val="bg1">
-                    <a:lumMod val="75000"/>
-                  </a:schemeClr>
-                </a:solidFill>
-              </a:rPr>
-              <a:t>Inputs:</a:t>
-            </a:r>
-            <a:r>
-              <a:rPr lang="en-US" sz="2400" dirty="0">
-                <a:solidFill>
-                  <a:schemeClr val="bg1">
-                    <a:lumMod val="75000"/>
-                  </a:schemeClr>
-                </a:solidFill>
-              </a:rPr>
-              <a:t> the dollar-amount to return.  Perhaps the possible set of coins, if it is non-obvious.</a:t>
-            </a:r>
-          </a:p>
-          <a:p>
-            <a:pPr>
-              <a:lnSpc>
-                <a:spcPct val="90000"/>
-              </a:lnSpc>
-              <a:defRPr/>
-            </a:pPr>
-            <a:r>
-              <a:rPr lang="en-US" sz="2400" b="1" dirty="0">
-                <a:solidFill>
-                  <a:schemeClr val="bg1">
-                    <a:lumMod val="75000"/>
-                  </a:schemeClr>
-                </a:solidFill>
-              </a:rPr>
-              <a:t>Output:</a:t>
-            </a:r>
-            <a:r>
-              <a:rPr lang="en-US" sz="2400" dirty="0">
-                <a:solidFill>
-                  <a:schemeClr val="bg1">
-                    <a:lumMod val="75000"/>
-                  </a:schemeClr>
-                </a:solidFill>
-              </a:rPr>
-              <a:t> a set of coins that obtains the desired amount of change in the fewest number of coins</a:t>
-            </a:r>
-          </a:p>
-          <a:p>
-            <a:pPr>
-              <a:lnSpc>
-                <a:spcPct val="90000"/>
-              </a:lnSpc>
-              <a:defRPr/>
-            </a:pPr>
-            <a:r>
-              <a:rPr lang="en-US" sz="2400" b="1" dirty="0">
-                <a:solidFill>
-                  <a:schemeClr val="bg1">
-                    <a:lumMod val="75000"/>
-                  </a:schemeClr>
-                </a:solidFill>
-              </a:rPr>
-              <a:t>Assumptions:</a:t>
-            </a:r>
-            <a:r>
-              <a:rPr lang="en-US" sz="2400" dirty="0">
-                <a:solidFill>
-                  <a:schemeClr val="bg1">
-                    <a:lumMod val="75000"/>
-                  </a:schemeClr>
-                </a:solidFill>
-              </a:rPr>
-              <a:t> If the coins are not stated, then they are the standard quarter, dime, nickel, and penny.  All inputs are non-negative, and dollar amounts are ignored.</a:t>
-            </a:r>
-          </a:p>
-          <a:p>
-            <a:pPr>
-              <a:lnSpc>
-                <a:spcPct val="90000"/>
-              </a:lnSpc>
-              <a:defRPr/>
-            </a:pPr>
-            <a:r>
-              <a:rPr lang="en-US" sz="2400" b="1" dirty="0"/>
-              <a:t>Strategy:</a:t>
-            </a:r>
-            <a:r>
-              <a:rPr lang="en-US" sz="2400" dirty="0"/>
-              <a:t> a brute-force algorithm that considers every possibility and picks the one with the fewest number of coins</a:t>
-            </a:r>
-          </a:p>
-          <a:p>
-            <a:pPr>
-              <a:lnSpc>
-                <a:spcPct val="90000"/>
-              </a:lnSpc>
-              <a:defRPr/>
-            </a:pPr>
-            <a:r>
-              <a:rPr lang="en-US" sz="2400" b="1" dirty="0"/>
-              <a:t>Description:</a:t>
-            </a:r>
-            <a:r>
-              <a:rPr lang="en-US" sz="2400" dirty="0"/>
-              <a:t> Consider every possible combination of coins that add to the given amount (done via a depth-first search).  Return the one with the fewest number of coins.</a:t>
-            </a:r>
-            <a:endParaRPr lang="en-US" dirty="0"/>
-          </a:p>
-        </p:txBody>
-      </p:sp>
-      <p:sp>
-        <p:nvSpPr>
-          <p:cNvPr id="4" name="Slide Number Placeholder 3"/>
+              <a:rPr lang="en-US" dirty="0"/>
+              <a:t>Motivating problems</a:t>
+            </a:r>
+          </a:p>
+        </p:txBody>
+      </p:sp>
+      <p:sp>
+        <p:nvSpPr>
+          <p:cNvPr id="6" name="Text Placeholder 5"/>
+          <p:cNvSpPr>
+            <a:spLocks noGrp="1"/>
+          </p:cNvSpPr>
+          <p:nvPr>
+            <p:ph type="body" idx="1"/>
+          </p:nvPr>
+        </p:nvSpPr>
+        <p:spPr/>
+        <p:txBody>
+          <a:bodyPr/>
+          <a:lstStyle/>
+          <a:p>
+            <a:endParaRPr lang="en-US"/>
+          </a:p>
+        </p:txBody>
+      </p:sp>
+      <p:sp>
+        <p:nvSpPr>
+          <p:cNvPr id="3" name="Slide Number Placeholder 2"/>
           <p:cNvSpPr>
             <a:spLocks noGrp="1"/>
           </p:cNvSpPr>
@@ -11759,7 +12745,7 @@
             <a:fld id="{F26D9103-0C5C-48AC-B68E-3ED2C1647047}" type="slidenum">
               <a:rPr lang="en-US" smtClean="0"/>
               <a:pPr/>
-              <a:t>40</a:t>
+              <a:t>46</a:t>
             </a:fld>
             <a:endParaRPr lang="en-US"/>
           </a:p>
@@ -11773,97 +12759,7 @@
 </p:sld>
 </file>
 
-<file path=ppt/slides/slide41.xml><?xml version="1.0" encoding="utf-8"?>
-<p:sld xmlns:a="http://schemas.openxmlformats.org/drawingml/2006/main" xmlns:r="http://schemas.openxmlformats.org/officeDocument/2006/relationships" xmlns:p="http://schemas.openxmlformats.org/presentationml/2006/main">
-  <p:cSld>
-    <p:spTree>
-      <p:nvGrpSpPr>
-        <p:cNvPr id="1" name=""/>
-        <p:cNvGrpSpPr/>
-        <p:nvPr/>
-      </p:nvGrpSpPr>
-      <p:grpSpPr>
-        <a:xfrm>
-          <a:off x="0" y="0"/>
-          <a:ext cx="0" cy="0"/>
-          <a:chOff x="0" y="0"/>
-          <a:chExt cx="0" cy="0"/>
-        </a:xfrm>
-      </p:grpSpPr>
-      <p:sp>
-        <p:nvSpPr>
-          <p:cNvPr id="5" name="Title 4"/>
-          <p:cNvSpPr>
-            <a:spLocks noGrp="1"/>
-          </p:cNvSpPr>
-          <p:nvPr>
-            <p:ph type="title"/>
-          </p:nvPr>
-        </p:nvSpPr>
-        <p:spPr/>
-        <p:txBody>
-          <a:bodyPr/>
-          <a:lstStyle/>
-          <a:p>
-            <a:r>
-              <a:rPr lang="en-US" dirty="0"/>
-              <a:t>Motivating problems</a:t>
-            </a:r>
-          </a:p>
-        </p:txBody>
-      </p:sp>
-      <p:sp>
-        <p:nvSpPr>
-          <p:cNvPr id="6" name="Text Placeholder 5"/>
-          <p:cNvSpPr>
-            <a:spLocks noGrp="1"/>
-          </p:cNvSpPr>
-          <p:nvPr>
-            <p:ph type="body" idx="1"/>
-          </p:nvPr>
-        </p:nvSpPr>
-        <p:spPr/>
-        <p:txBody>
-          <a:bodyPr/>
-          <a:lstStyle/>
-          <a:p>
-            <a:endParaRPr lang="en-US"/>
-          </a:p>
-        </p:txBody>
-      </p:sp>
-      <p:sp>
-        <p:nvSpPr>
-          <p:cNvPr id="3" name="Slide Number Placeholder 2"/>
-          <p:cNvSpPr>
-            <a:spLocks noGrp="1"/>
-          </p:cNvSpPr>
-          <p:nvPr>
-            <p:ph type="sldNum" sz="quarter" idx="12"/>
-          </p:nvPr>
-        </p:nvSpPr>
-        <p:spPr/>
-        <p:txBody>
-          <a:bodyPr/>
-          <a:lstStyle/>
-          <a:p>
-            <a:fld id="{F26D9103-0C5C-48AC-B68E-3ED2C1647047}" type="slidenum">
-              <a:rPr lang="en-US" smtClean="0"/>
-              <a:pPr/>
-              <a:t>41</a:t>
-            </a:fld>
-            <a:endParaRPr lang="en-US"/>
-          </a:p>
-        </p:txBody>
-      </p:sp>
-    </p:spTree>
-  </p:cSld>
-  <p:clrMapOvr>
-    <a:masterClrMapping/>
-  </p:clrMapOvr>
-</p:sld>
-</file>
-
-<file path=ppt/slides/slide42.xml><?xml version="1.0" encoding="utf-8"?>
+<file path=ppt/slides/slide47.xml><?xml version="1.0" encoding="utf-8"?>
 <p:sld xmlns:a="http://schemas.openxmlformats.org/drawingml/2006/main" xmlns:r="http://schemas.openxmlformats.org/officeDocument/2006/relationships" xmlns:p="http://schemas.openxmlformats.org/presentationml/2006/main">
   <p:cSld>
     <p:spTree>
@@ -12019,7 +12915,7 @@
             <a:fld id="{F26D9103-0C5C-48AC-B68E-3ED2C1647047}" type="slidenum">
               <a:rPr lang="en-US" smtClean="0"/>
               <a:pPr/>
-              <a:t>42</a:t>
+              <a:t>47</a:t>
             </a:fld>
             <a:endParaRPr lang="en-US"/>
           </a:p>
@@ -12033,7 +12929,7 @@
 </p:sld>
 </file>
 
-<file path=ppt/slides/slide43.xml><?xml version="1.0" encoding="utf-8"?>
+<file path=ppt/slides/slide48.xml><?xml version="1.0" encoding="utf-8"?>
 <p:sld xmlns:a="http://schemas.openxmlformats.org/drawingml/2006/main" xmlns:r="http://schemas.openxmlformats.org/officeDocument/2006/relationships" xmlns:p="http://schemas.openxmlformats.org/presentationml/2006/main">
   <p:cSld>
     <p:spTree>
@@ -12181,7 +13077,7 @@
             <a:fld id="{F26D9103-0C5C-48AC-B68E-3ED2C1647047}" type="slidenum">
               <a:rPr lang="en-US" smtClean="0"/>
               <a:pPr/>
-              <a:t>43</a:t>
+              <a:t>48</a:t>
             </a:fld>
             <a:endParaRPr lang="en-US"/>
           </a:p>
@@ -12195,7 +13091,7 @@
 </p:sld>
 </file>
 
-<file path=ppt/slides/slide44.xml><?xml version="1.0" encoding="utf-8"?>
+<file path=ppt/slides/slide49.xml><?xml version="1.0" encoding="utf-8"?>
 <p:sld xmlns:a="http://schemas.openxmlformats.org/drawingml/2006/main" xmlns:r="http://schemas.openxmlformats.org/officeDocument/2006/relationships" xmlns:p="http://schemas.openxmlformats.org/presentationml/2006/main">
   <p:cSld>
     <p:spTree>
@@ -12436,585 +13332,7 @@
             <a:fld id="{F26D9103-0C5C-48AC-B68E-3ED2C1647047}" type="slidenum">
               <a:rPr lang="en-US" smtClean="0"/>
               <a:pPr/>
-              <a:t>44</a:t>
-            </a:fld>
-            <a:endParaRPr lang="en-US"/>
-          </a:p>
-        </p:txBody>
-      </p:sp>
-    </p:spTree>
-  </p:cSld>
-  <p:clrMapOvr>
-    <a:masterClrMapping/>
-  </p:clrMapOvr>
-</p:sld>
-</file>
-
-<file path=ppt/slides/slide45.xml><?xml version="1.0" encoding="utf-8"?>
-<p:sld xmlns:a="http://schemas.openxmlformats.org/drawingml/2006/main" xmlns:r="http://schemas.openxmlformats.org/officeDocument/2006/relationships" xmlns:p="http://schemas.openxmlformats.org/presentationml/2006/main">
-  <p:cSld>
-    <p:spTree>
-      <p:nvGrpSpPr>
-        <p:cNvPr id="1" name=""/>
-        <p:cNvGrpSpPr/>
-        <p:nvPr/>
-      </p:nvGrpSpPr>
-      <p:grpSpPr>
-        <a:xfrm>
-          <a:off x="0" y="0"/>
-          <a:ext cx="0" cy="0"/>
-          <a:chOff x="0" y="0"/>
-          <a:chExt cx="0" cy="0"/>
-        </a:xfrm>
-      </p:grpSpPr>
-      <p:sp>
-        <p:nvSpPr>
-          <p:cNvPr id="2" name="Title 1"/>
-          <p:cNvSpPr>
-            <a:spLocks noGrp="1"/>
-          </p:cNvSpPr>
-          <p:nvPr>
-            <p:ph type="title"/>
-          </p:nvPr>
-        </p:nvSpPr>
-        <p:spPr/>
-        <p:txBody>
-          <a:bodyPr/>
-          <a:lstStyle/>
-          <a:p>
-            <a:r>
-              <a:rPr lang="en-US" dirty="0"/>
-              <a:t>Motivating problem: Sorting</a:t>
-            </a:r>
-          </a:p>
-        </p:txBody>
-      </p:sp>
-      <p:sp>
-        <p:nvSpPr>
-          <p:cNvPr id="3" name="Slide Number Placeholder 2"/>
-          <p:cNvSpPr>
-            <a:spLocks noGrp="1"/>
-          </p:cNvSpPr>
-          <p:nvPr>
-            <p:ph type="sldNum" sz="quarter" idx="12"/>
-          </p:nvPr>
-        </p:nvSpPr>
-        <p:spPr/>
-        <p:txBody>
-          <a:bodyPr/>
-          <a:lstStyle/>
-          <a:p>
-            <a:fld id="{F26D9103-0C5C-48AC-B68E-3ED2C1647047}" type="slidenum">
-              <a:rPr lang="en-US" smtClean="0"/>
-              <a:pPr/>
-              <a:t>45</a:t>
-            </a:fld>
-            <a:endParaRPr lang="en-US"/>
-          </a:p>
-        </p:txBody>
-      </p:sp>
-      <p:sp>
-        <p:nvSpPr>
-          <p:cNvPr id="4" name="Content Placeholder 3"/>
-          <p:cNvSpPr>
-            <a:spLocks noGrp="1"/>
-          </p:cNvSpPr>
-          <p:nvPr>
-            <p:ph sz="quarter" idx="1"/>
-          </p:nvPr>
-        </p:nvSpPr>
-        <p:spPr/>
-        <p:txBody>
-          <a:bodyPr/>
-          <a:lstStyle/>
-          <a:p>
-            <a:r>
-              <a:rPr lang="en-US" dirty="0"/>
-              <a:t>How do you implement a general-purpose sort that is as efficient as possible in both space and time, and is </a:t>
-            </a:r>
-            <a:r>
-              <a:rPr lang="en-US" i="1" dirty="0"/>
-              <a:t>stable</a:t>
-            </a:r>
-            <a:r>
-              <a:rPr lang="en-US" dirty="0"/>
-              <a:t>?</a:t>
-            </a:r>
-          </a:p>
-          <a:p>
-            <a:r>
-              <a:rPr lang="en-US" dirty="0"/>
-              <a:t>One solution is merge-sort</a:t>
-            </a:r>
-          </a:p>
-          <a:p>
-            <a:pPr lvl="1" algn="l"/>
-            <a:r>
-              <a:rPr lang="en-US" dirty="0"/>
-              <a:t>We’ll see later why </a:t>
-            </a:r>
-            <a:r>
-              <a:rPr lang="en-US" dirty="0" err="1"/>
-              <a:t>quicksort</a:t>
-            </a:r>
-            <a:r>
-              <a:rPr lang="en-US" dirty="0"/>
-              <a:t>, </a:t>
-            </a:r>
-            <a:br>
-              <a:rPr lang="en-US" dirty="0"/>
-            </a:br>
-            <a:r>
-              <a:rPr lang="en-US" dirty="0" err="1"/>
-              <a:t>heapsort</a:t>
-            </a:r>
-            <a:r>
-              <a:rPr lang="en-US" dirty="0"/>
-              <a:t>, and radix sort are </a:t>
-            </a:r>
-            <a:br>
-              <a:rPr lang="en-US" dirty="0"/>
-            </a:br>
-            <a:r>
-              <a:rPr lang="en-US" dirty="0"/>
-              <a:t>not sufficient</a:t>
-            </a:r>
-          </a:p>
-          <a:p>
-            <a:pPr algn="l"/>
-            <a:r>
-              <a:rPr lang="en-US" dirty="0"/>
-              <a:t>This is an application </a:t>
-            </a:r>
-            <a:br>
-              <a:rPr lang="en-US" dirty="0"/>
-            </a:br>
-            <a:r>
-              <a:rPr lang="en-US" dirty="0"/>
-              <a:t>of both </a:t>
-            </a:r>
-            <a:r>
-              <a:rPr lang="en-US" i="1" dirty="0"/>
-              <a:t>sorting</a:t>
-            </a:r>
-            <a:r>
-              <a:rPr lang="en-US" dirty="0"/>
-              <a:t> and </a:t>
-            </a:r>
-            <a:br>
-              <a:rPr lang="en-US" dirty="0"/>
-            </a:br>
-            <a:r>
-              <a:rPr lang="en-US" i="1" dirty="0"/>
-              <a:t>divide and conquer</a:t>
-            </a:r>
-            <a:endParaRPr lang="en-US" dirty="0"/>
-          </a:p>
-        </p:txBody>
-      </p:sp>
-      <p:pic>
-        <p:nvPicPr>
-          <p:cNvPr id="5" name="Picture 4" descr="500px-Merge_sort_algorithm_diagram.svg.png"/>
-          <p:cNvPicPr>
-            <a:picLocks noChangeAspect="1"/>
-          </p:cNvPicPr>
-          <p:nvPr/>
-        </p:nvPicPr>
-        <p:blipFill>
-          <a:blip r:embed="rId2">
-            <a:clrChange>
-              <a:clrFrom>
-                <a:srgbClr val="FFFFFF"/>
-              </a:clrFrom>
-              <a:clrTo>
-                <a:srgbClr val="FFFFFF">
-                  <a:alpha val="0"/>
-                </a:srgbClr>
-              </a:clrTo>
-            </a:clrChange>
-          </a:blip>
-          <a:stretch>
-            <a:fillRect/>
-          </a:stretch>
-        </p:blipFill>
-        <p:spPr>
-          <a:xfrm>
-            <a:off x="4152900" y="2133600"/>
-            <a:ext cx="4762500" cy="4581525"/>
-          </a:xfrm>
-          <a:prstGeom prst="rect">
-            <a:avLst/>
-          </a:prstGeom>
-        </p:spPr>
-      </p:pic>
-    </p:spTree>
-  </p:cSld>
-  <p:clrMapOvr>
-    <a:masterClrMapping/>
-  </p:clrMapOvr>
-</p:sld>
-</file>
-
-<file path=ppt/slides/slide46.xml><?xml version="1.0" encoding="utf-8"?>
-<p:sld xmlns:a="http://schemas.openxmlformats.org/drawingml/2006/main" xmlns:r="http://schemas.openxmlformats.org/officeDocument/2006/relationships" xmlns:p="http://schemas.openxmlformats.org/presentationml/2006/main">
-  <p:cSld>
-    <p:spTree>
-      <p:nvGrpSpPr>
-        <p:cNvPr id="1" name=""/>
-        <p:cNvGrpSpPr/>
-        <p:nvPr/>
-      </p:nvGrpSpPr>
-      <p:grpSpPr>
-        <a:xfrm>
-          <a:off x="0" y="0"/>
-          <a:ext cx="0" cy="0"/>
-          <a:chOff x="0" y="0"/>
-          <a:chExt cx="0" cy="0"/>
-        </a:xfrm>
-      </p:grpSpPr>
-      <p:sp>
-        <p:nvSpPr>
-          <p:cNvPr id="2" name="Title 1"/>
-          <p:cNvSpPr>
-            <a:spLocks noGrp="1"/>
-          </p:cNvSpPr>
-          <p:nvPr>
-            <p:ph type="title"/>
-          </p:nvPr>
-        </p:nvSpPr>
-        <p:spPr/>
-        <p:txBody>
-          <a:bodyPr/>
-          <a:lstStyle/>
-          <a:p>
-            <a:r>
-              <a:rPr lang="en-US" dirty="0"/>
-              <a:t>Motivating problem: Independent set</a:t>
-            </a:r>
-          </a:p>
-        </p:txBody>
-      </p:sp>
-      <p:sp>
-        <p:nvSpPr>
-          <p:cNvPr id="3" name="Content Placeholder 2"/>
-          <p:cNvSpPr>
-            <a:spLocks noGrp="1"/>
-          </p:cNvSpPr>
-          <p:nvPr>
-            <p:ph sz="quarter" idx="1"/>
-          </p:nvPr>
-        </p:nvSpPr>
-        <p:spPr/>
-        <p:txBody>
-          <a:bodyPr/>
-          <a:lstStyle/>
-          <a:p>
-            <a:r>
-              <a:rPr lang="en-US" dirty="0"/>
-              <a:t>Independent set</a:t>
-            </a:r>
-          </a:p>
-          <a:p>
-            <a:pPr lvl="1"/>
-            <a:r>
-              <a:rPr lang="en-US" dirty="0"/>
-              <a:t>Given a graph </a:t>
-            </a:r>
-            <a:r>
-              <a:rPr lang="en-US" i="1" dirty="0"/>
-              <a:t>G</a:t>
-            </a:r>
-            <a:r>
-              <a:rPr lang="en-US" dirty="0"/>
-              <a:t>, find the maximum size subset </a:t>
-            </a:r>
-            <a:r>
-              <a:rPr lang="en-US" i="1" dirty="0"/>
-              <a:t>X</a:t>
-            </a:r>
-            <a:r>
-              <a:rPr lang="en-US" dirty="0"/>
-              <a:t> of </a:t>
-            </a:r>
-            <a:r>
-              <a:rPr lang="en-US" i="1" dirty="0"/>
-              <a:t>G</a:t>
-            </a:r>
-            <a:r>
-              <a:rPr lang="en-US" dirty="0"/>
-              <a:t> such that no two nodes in </a:t>
-            </a:r>
-            <a:r>
-              <a:rPr lang="en-US" i="1" dirty="0"/>
-              <a:t>X</a:t>
-            </a:r>
-            <a:r>
-              <a:rPr lang="en-US" dirty="0"/>
-              <a:t> are connected to each other</a:t>
-            </a:r>
-          </a:p>
-          <a:p>
-            <a:pPr lvl="1" algn="l"/>
-            <a:r>
-              <a:rPr lang="en-US" dirty="0"/>
-              <a:t>This is a </a:t>
-            </a:r>
-            <a:r>
-              <a:rPr lang="en-US" i="1" dirty="0"/>
-              <a:t>NP-complete</a:t>
-            </a:r>
-            <a:r>
-              <a:rPr lang="en-US" dirty="0"/>
-              <a:t> </a:t>
-            </a:r>
-            <a:br>
-              <a:rPr lang="en-US" dirty="0"/>
-            </a:br>
-            <a:r>
-              <a:rPr lang="en-US" dirty="0"/>
-              <a:t>problem</a:t>
-            </a:r>
-          </a:p>
-          <a:p>
-            <a:pPr lvl="1" algn="l"/>
-            <a:r>
-              <a:rPr lang="en-US" dirty="0"/>
-              <a:t>You’ve seen TSP (travelling </a:t>
-            </a:r>
-            <a:br>
-              <a:rPr lang="en-US" dirty="0"/>
-            </a:br>
-            <a:r>
-              <a:rPr lang="en-US" dirty="0"/>
-              <a:t>salesperson problem) in CS </a:t>
-            </a:r>
-            <a:br>
-              <a:rPr lang="en-US" dirty="0"/>
-            </a:br>
-            <a:r>
-              <a:rPr lang="en-US" dirty="0"/>
-              <a:t>2150, which is a </a:t>
-            </a:r>
-            <a:br>
-              <a:rPr lang="en-US" dirty="0"/>
-            </a:br>
-            <a:r>
-              <a:rPr lang="en-US" dirty="0"/>
-              <a:t>NP-complete problem</a:t>
-            </a:r>
-          </a:p>
-        </p:txBody>
-      </p:sp>
-      <p:pic>
-        <p:nvPicPr>
-          <p:cNvPr id="4" name="Picture 2" descr="C:\WINDOWS\Desktop\Oh_type\kleinberg_GIF_01to10\kleinberg_01F06.gif"/>
-          <p:cNvPicPr preferRelativeResize="0">
-            <a:picLocks noChangeAspect="1" noChangeArrowheads="1"/>
-          </p:cNvPicPr>
-          <p:nvPr>
-            <p:custDataLst>
-              <p:tags r:id="rId1"/>
-            </p:custDataLst>
-          </p:nvPr>
-        </p:nvPicPr>
-        <p:blipFill>
-          <a:blip r:embed="rId3"/>
-          <a:srcRect l="6671" t="9150" r="4827" b="28105"/>
-          <a:stretch>
-            <a:fillRect/>
-          </a:stretch>
-        </p:blipFill>
-        <p:spPr bwMode="auto">
-          <a:xfrm>
-            <a:off x="4495800" y="2895600"/>
-            <a:ext cx="4191000" cy="3657600"/>
-          </a:xfrm>
-          <a:prstGeom prst="rect">
-            <a:avLst/>
-          </a:prstGeom>
-          <a:noFill/>
-          <a:ln w="9525">
-            <a:noFill/>
-            <a:miter lim="800000"/>
-            <a:headEnd/>
-            <a:tailEnd/>
-          </a:ln>
-          <a:effectLst/>
-        </p:spPr>
-      </p:pic>
-      <p:sp>
-        <p:nvSpPr>
-          <p:cNvPr id="5" name="Slide Number Placeholder 4"/>
-          <p:cNvSpPr>
-            <a:spLocks noGrp="1"/>
-          </p:cNvSpPr>
-          <p:nvPr>
-            <p:ph type="sldNum" sz="quarter" idx="12"/>
-          </p:nvPr>
-        </p:nvSpPr>
-        <p:spPr/>
-        <p:txBody>
-          <a:bodyPr/>
-          <a:lstStyle/>
-          <a:p>
-            <a:fld id="{F26D9103-0C5C-48AC-B68E-3ED2C1647047}" type="slidenum">
-              <a:rPr lang="en-US" smtClean="0"/>
-              <a:pPr/>
-              <a:t>46</a:t>
-            </a:fld>
-            <a:endParaRPr lang="en-US"/>
-          </a:p>
-        </p:txBody>
-      </p:sp>
-    </p:spTree>
-  </p:cSld>
-  <p:clrMapOvr>
-    <a:masterClrMapping/>
-  </p:clrMapOvr>
-</p:sld>
-</file>
-
-<file path=ppt/slides/slide47.xml><?xml version="1.0" encoding="utf-8"?>
-<p:sld xmlns:a="http://schemas.openxmlformats.org/drawingml/2006/main" xmlns:r="http://schemas.openxmlformats.org/officeDocument/2006/relationships" xmlns:p="http://schemas.openxmlformats.org/presentationml/2006/main">
-  <p:cSld>
-    <p:spTree>
-      <p:nvGrpSpPr>
-        <p:cNvPr id="1" name=""/>
-        <p:cNvGrpSpPr/>
-        <p:nvPr/>
-      </p:nvGrpSpPr>
-      <p:grpSpPr>
-        <a:xfrm>
-          <a:off x="0" y="0"/>
-          <a:ext cx="0" cy="0"/>
-          <a:chOff x="0" y="0"/>
-          <a:chExt cx="0" cy="0"/>
-        </a:xfrm>
-      </p:grpSpPr>
-      <p:sp>
-        <p:nvSpPr>
-          <p:cNvPr id="2" name="Title 1"/>
-          <p:cNvSpPr>
-            <a:spLocks noGrp="1"/>
-          </p:cNvSpPr>
-          <p:nvPr>
-            <p:ph type="title"/>
-          </p:nvPr>
-        </p:nvSpPr>
-        <p:spPr/>
-        <p:txBody>
-          <a:bodyPr>
-            <a:normAutofit fontScale="90000"/>
-          </a:bodyPr>
-          <a:lstStyle/>
-          <a:p>
-            <a:r>
-              <a:rPr lang="en-US" dirty="0"/>
-              <a:t>Motivating problem: Competitive facility location</a:t>
-            </a:r>
-          </a:p>
-        </p:txBody>
-      </p:sp>
-      <p:sp>
-        <p:nvSpPr>
-          <p:cNvPr id="3" name="Content Placeholder 2"/>
-          <p:cNvSpPr>
-            <a:spLocks noGrp="1"/>
-          </p:cNvSpPr>
-          <p:nvPr>
-            <p:ph sz="quarter" idx="1"/>
-          </p:nvPr>
-        </p:nvSpPr>
-        <p:spPr/>
-        <p:txBody>
-          <a:bodyPr/>
-          <a:lstStyle/>
-          <a:p>
-            <a:r>
-              <a:rPr lang="en-US" dirty="0"/>
-              <a:t>Competitive facility location</a:t>
-            </a:r>
-          </a:p>
-          <a:p>
-            <a:pPr lvl="1"/>
-            <a:r>
-              <a:rPr lang="en-US" dirty="0"/>
-              <a:t>Consider a graph G, where two ‘players’ choose nodes in alternating order.  No two nodes can be chosen (by either side) if a connecting node is already chosen.  Choose the winning strategy for your player.</a:t>
-            </a:r>
-          </a:p>
-          <a:p>
-            <a:pPr lvl="1"/>
-            <a:r>
-              <a:rPr lang="en-US" dirty="0"/>
-              <a:t>This is a </a:t>
-            </a:r>
-            <a:r>
-              <a:rPr lang="en-US" i="1" dirty="0"/>
-              <a:t>PSPACE problem</a:t>
-            </a:r>
-            <a:r>
-              <a:rPr lang="en-US" dirty="0"/>
-              <a:t>, which are harder than NP-complete problems</a:t>
-            </a:r>
-          </a:p>
-        </p:txBody>
-      </p:sp>
-      <p:pic>
-        <p:nvPicPr>
-          <p:cNvPr id="4" name="Picture 2" descr="C:\WINDOWS\Desktop\Oh_type\kleinberg_GIF_01to10\kleinberg_01F07.gif"/>
-          <p:cNvPicPr preferRelativeResize="0">
-            <a:picLocks noChangeAspect="1" noChangeArrowheads="1"/>
-          </p:cNvPicPr>
-          <p:nvPr>
-            <p:custDataLst>
-              <p:tags r:id="rId1"/>
-            </p:custDataLst>
-          </p:nvPr>
-        </p:nvPicPr>
-        <p:blipFill>
-          <a:blip r:embed="rId3"/>
-          <a:srcRect b="37527"/>
-          <a:stretch>
-            <a:fillRect/>
-          </a:stretch>
-        </p:blipFill>
-        <p:spPr bwMode="auto">
-          <a:xfrm>
-            <a:off x="533400" y="4800600"/>
-            <a:ext cx="7772400" cy="914400"/>
-          </a:xfrm>
-          <a:prstGeom prst="rect">
-            <a:avLst/>
-          </a:prstGeom>
-          <a:noFill/>
-          <a:ln w="9525">
-            <a:noFill/>
-            <a:miter lim="800000"/>
-            <a:headEnd/>
-            <a:tailEnd/>
-          </a:ln>
-          <a:effectLst/>
-        </p:spPr>
-      </p:pic>
-      <p:sp>
-        <p:nvSpPr>
-          <p:cNvPr id="5" name="Slide Number Placeholder 4"/>
-          <p:cNvSpPr>
-            <a:spLocks noGrp="1"/>
-          </p:cNvSpPr>
-          <p:nvPr>
-            <p:ph type="sldNum" sz="quarter" idx="12"/>
-          </p:nvPr>
-        </p:nvSpPr>
-        <p:spPr/>
-        <p:txBody>
-          <a:bodyPr/>
-          <a:lstStyle/>
-          <a:p>
-            <a:fld id="{F26D9103-0C5C-48AC-B68E-3ED2C1647047}" type="slidenum">
-              <a:rPr lang="en-US" smtClean="0"/>
-              <a:pPr/>
-              <a:t>47</a:t>
+              <a:t>49</a:t>
             </a:fld>
             <a:endParaRPr lang="en-US"/>
           </a:p>
@@ -13455,6 +13773,584 @@
 </p:sld>
 </file>
 
+<file path=ppt/slides/slide50.xml><?xml version="1.0" encoding="utf-8"?>
+<p:sld xmlns:a="http://schemas.openxmlformats.org/drawingml/2006/main" xmlns:r="http://schemas.openxmlformats.org/officeDocument/2006/relationships" xmlns:p="http://schemas.openxmlformats.org/presentationml/2006/main">
+  <p:cSld>
+    <p:spTree>
+      <p:nvGrpSpPr>
+        <p:cNvPr id="1" name=""/>
+        <p:cNvGrpSpPr/>
+        <p:nvPr/>
+      </p:nvGrpSpPr>
+      <p:grpSpPr>
+        <a:xfrm>
+          <a:off x="0" y="0"/>
+          <a:ext cx="0" cy="0"/>
+          <a:chOff x="0" y="0"/>
+          <a:chExt cx="0" cy="0"/>
+        </a:xfrm>
+      </p:grpSpPr>
+      <p:sp>
+        <p:nvSpPr>
+          <p:cNvPr id="2" name="Title 1"/>
+          <p:cNvSpPr>
+            <a:spLocks noGrp="1"/>
+          </p:cNvSpPr>
+          <p:nvPr>
+            <p:ph type="title"/>
+          </p:nvPr>
+        </p:nvSpPr>
+        <p:spPr/>
+        <p:txBody>
+          <a:bodyPr/>
+          <a:lstStyle/>
+          <a:p>
+            <a:r>
+              <a:rPr lang="en-US" dirty="0"/>
+              <a:t>Motivating problem: Sorting</a:t>
+            </a:r>
+          </a:p>
+        </p:txBody>
+      </p:sp>
+      <p:sp>
+        <p:nvSpPr>
+          <p:cNvPr id="3" name="Slide Number Placeholder 2"/>
+          <p:cNvSpPr>
+            <a:spLocks noGrp="1"/>
+          </p:cNvSpPr>
+          <p:nvPr>
+            <p:ph type="sldNum" sz="quarter" idx="12"/>
+          </p:nvPr>
+        </p:nvSpPr>
+        <p:spPr/>
+        <p:txBody>
+          <a:bodyPr/>
+          <a:lstStyle/>
+          <a:p>
+            <a:fld id="{F26D9103-0C5C-48AC-B68E-3ED2C1647047}" type="slidenum">
+              <a:rPr lang="en-US" smtClean="0"/>
+              <a:pPr/>
+              <a:t>50</a:t>
+            </a:fld>
+            <a:endParaRPr lang="en-US"/>
+          </a:p>
+        </p:txBody>
+      </p:sp>
+      <p:sp>
+        <p:nvSpPr>
+          <p:cNvPr id="4" name="Content Placeholder 3"/>
+          <p:cNvSpPr>
+            <a:spLocks noGrp="1"/>
+          </p:cNvSpPr>
+          <p:nvPr>
+            <p:ph sz="quarter" idx="1"/>
+          </p:nvPr>
+        </p:nvSpPr>
+        <p:spPr/>
+        <p:txBody>
+          <a:bodyPr/>
+          <a:lstStyle/>
+          <a:p>
+            <a:r>
+              <a:rPr lang="en-US" dirty="0"/>
+              <a:t>How do you implement a general-purpose sort that is as efficient as possible in both space and time, and is </a:t>
+            </a:r>
+            <a:r>
+              <a:rPr lang="en-US" i="1" dirty="0"/>
+              <a:t>stable</a:t>
+            </a:r>
+            <a:r>
+              <a:rPr lang="en-US" dirty="0"/>
+              <a:t>?</a:t>
+            </a:r>
+          </a:p>
+          <a:p>
+            <a:r>
+              <a:rPr lang="en-US" dirty="0"/>
+              <a:t>One solution is merge-sort</a:t>
+            </a:r>
+          </a:p>
+          <a:p>
+            <a:pPr lvl="1" algn="l"/>
+            <a:r>
+              <a:rPr lang="en-US" dirty="0"/>
+              <a:t>We’ll see later why </a:t>
+            </a:r>
+            <a:r>
+              <a:rPr lang="en-US" dirty="0" err="1"/>
+              <a:t>quicksort</a:t>
+            </a:r>
+            <a:r>
+              <a:rPr lang="en-US" dirty="0"/>
+              <a:t>, </a:t>
+            </a:r>
+            <a:br>
+              <a:rPr lang="en-US" dirty="0"/>
+            </a:br>
+            <a:r>
+              <a:rPr lang="en-US" dirty="0" err="1"/>
+              <a:t>heapsort</a:t>
+            </a:r>
+            <a:r>
+              <a:rPr lang="en-US" dirty="0"/>
+              <a:t>, and radix sort are </a:t>
+            </a:r>
+            <a:br>
+              <a:rPr lang="en-US" dirty="0"/>
+            </a:br>
+            <a:r>
+              <a:rPr lang="en-US" dirty="0"/>
+              <a:t>not sufficient</a:t>
+            </a:r>
+          </a:p>
+          <a:p>
+            <a:pPr algn="l"/>
+            <a:r>
+              <a:rPr lang="en-US" dirty="0"/>
+              <a:t>This is an application </a:t>
+            </a:r>
+            <a:br>
+              <a:rPr lang="en-US" dirty="0"/>
+            </a:br>
+            <a:r>
+              <a:rPr lang="en-US" dirty="0"/>
+              <a:t>of both </a:t>
+            </a:r>
+            <a:r>
+              <a:rPr lang="en-US" i="1" dirty="0"/>
+              <a:t>sorting</a:t>
+            </a:r>
+            <a:r>
+              <a:rPr lang="en-US" dirty="0"/>
+              <a:t> and </a:t>
+            </a:r>
+            <a:br>
+              <a:rPr lang="en-US" dirty="0"/>
+            </a:br>
+            <a:r>
+              <a:rPr lang="en-US" i="1" dirty="0"/>
+              <a:t>divide and conquer</a:t>
+            </a:r>
+            <a:endParaRPr lang="en-US" dirty="0"/>
+          </a:p>
+        </p:txBody>
+      </p:sp>
+      <p:pic>
+        <p:nvPicPr>
+          <p:cNvPr id="5" name="Picture 4" descr="500px-Merge_sort_algorithm_diagram.svg.png"/>
+          <p:cNvPicPr>
+            <a:picLocks noChangeAspect="1"/>
+          </p:cNvPicPr>
+          <p:nvPr/>
+        </p:nvPicPr>
+        <p:blipFill>
+          <a:blip r:embed="rId2">
+            <a:clrChange>
+              <a:clrFrom>
+                <a:srgbClr val="FFFFFF"/>
+              </a:clrFrom>
+              <a:clrTo>
+                <a:srgbClr val="FFFFFF">
+                  <a:alpha val="0"/>
+                </a:srgbClr>
+              </a:clrTo>
+            </a:clrChange>
+          </a:blip>
+          <a:stretch>
+            <a:fillRect/>
+          </a:stretch>
+        </p:blipFill>
+        <p:spPr>
+          <a:xfrm>
+            <a:off x="4152900" y="2133600"/>
+            <a:ext cx="4762500" cy="4581525"/>
+          </a:xfrm>
+          <a:prstGeom prst="rect">
+            <a:avLst/>
+          </a:prstGeom>
+        </p:spPr>
+      </p:pic>
+    </p:spTree>
+  </p:cSld>
+  <p:clrMapOvr>
+    <a:masterClrMapping/>
+  </p:clrMapOvr>
+</p:sld>
+</file>
+
+<file path=ppt/slides/slide51.xml><?xml version="1.0" encoding="utf-8"?>
+<p:sld xmlns:a="http://schemas.openxmlformats.org/drawingml/2006/main" xmlns:r="http://schemas.openxmlformats.org/officeDocument/2006/relationships" xmlns:p="http://schemas.openxmlformats.org/presentationml/2006/main">
+  <p:cSld>
+    <p:spTree>
+      <p:nvGrpSpPr>
+        <p:cNvPr id="1" name=""/>
+        <p:cNvGrpSpPr/>
+        <p:nvPr/>
+      </p:nvGrpSpPr>
+      <p:grpSpPr>
+        <a:xfrm>
+          <a:off x="0" y="0"/>
+          <a:ext cx="0" cy="0"/>
+          <a:chOff x="0" y="0"/>
+          <a:chExt cx="0" cy="0"/>
+        </a:xfrm>
+      </p:grpSpPr>
+      <p:sp>
+        <p:nvSpPr>
+          <p:cNvPr id="2" name="Title 1"/>
+          <p:cNvSpPr>
+            <a:spLocks noGrp="1"/>
+          </p:cNvSpPr>
+          <p:nvPr>
+            <p:ph type="title"/>
+          </p:nvPr>
+        </p:nvSpPr>
+        <p:spPr/>
+        <p:txBody>
+          <a:bodyPr/>
+          <a:lstStyle/>
+          <a:p>
+            <a:r>
+              <a:rPr lang="en-US" dirty="0"/>
+              <a:t>Motivating problem: Independent set</a:t>
+            </a:r>
+          </a:p>
+        </p:txBody>
+      </p:sp>
+      <p:sp>
+        <p:nvSpPr>
+          <p:cNvPr id="3" name="Content Placeholder 2"/>
+          <p:cNvSpPr>
+            <a:spLocks noGrp="1"/>
+          </p:cNvSpPr>
+          <p:nvPr>
+            <p:ph sz="quarter" idx="1"/>
+          </p:nvPr>
+        </p:nvSpPr>
+        <p:spPr/>
+        <p:txBody>
+          <a:bodyPr/>
+          <a:lstStyle/>
+          <a:p>
+            <a:r>
+              <a:rPr lang="en-US" dirty="0"/>
+              <a:t>Independent set</a:t>
+            </a:r>
+          </a:p>
+          <a:p>
+            <a:pPr lvl="1"/>
+            <a:r>
+              <a:rPr lang="en-US" dirty="0"/>
+              <a:t>Given a graph </a:t>
+            </a:r>
+            <a:r>
+              <a:rPr lang="en-US" i="1" dirty="0"/>
+              <a:t>G</a:t>
+            </a:r>
+            <a:r>
+              <a:rPr lang="en-US" dirty="0"/>
+              <a:t>, find the maximum size subset </a:t>
+            </a:r>
+            <a:r>
+              <a:rPr lang="en-US" i="1" dirty="0"/>
+              <a:t>X</a:t>
+            </a:r>
+            <a:r>
+              <a:rPr lang="en-US" dirty="0"/>
+              <a:t> of </a:t>
+            </a:r>
+            <a:r>
+              <a:rPr lang="en-US" i="1" dirty="0"/>
+              <a:t>G</a:t>
+            </a:r>
+            <a:r>
+              <a:rPr lang="en-US" dirty="0"/>
+              <a:t> such that no two nodes in </a:t>
+            </a:r>
+            <a:r>
+              <a:rPr lang="en-US" i="1" dirty="0"/>
+              <a:t>X</a:t>
+            </a:r>
+            <a:r>
+              <a:rPr lang="en-US" dirty="0"/>
+              <a:t> are connected to each other</a:t>
+            </a:r>
+          </a:p>
+          <a:p>
+            <a:pPr lvl="1" algn="l"/>
+            <a:r>
+              <a:rPr lang="en-US" dirty="0"/>
+              <a:t>This is a </a:t>
+            </a:r>
+            <a:r>
+              <a:rPr lang="en-US" i="1" dirty="0"/>
+              <a:t>NP-complete</a:t>
+            </a:r>
+            <a:r>
+              <a:rPr lang="en-US" dirty="0"/>
+              <a:t> </a:t>
+            </a:r>
+            <a:br>
+              <a:rPr lang="en-US" dirty="0"/>
+            </a:br>
+            <a:r>
+              <a:rPr lang="en-US" dirty="0"/>
+              <a:t>problem</a:t>
+            </a:r>
+          </a:p>
+          <a:p>
+            <a:pPr lvl="1" algn="l"/>
+            <a:r>
+              <a:rPr lang="en-US" dirty="0"/>
+              <a:t>You’ve seen TSP (travelling </a:t>
+            </a:r>
+            <a:br>
+              <a:rPr lang="en-US" dirty="0"/>
+            </a:br>
+            <a:r>
+              <a:rPr lang="en-US" dirty="0"/>
+              <a:t>salesperson problem) in CS </a:t>
+            </a:r>
+            <a:br>
+              <a:rPr lang="en-US" dirty="0"/>
+            </a:br>
+            <a:r>
+              <a:rPr lang="en-US" dirty="0"/>
+              <a:t>2150, which is a </a:t>
+            </a:r>
+            <a:br>
+              <a:rPr lang="en-US" dirty="0"/>
+            </a:br>
+            <a:r>
+              <a:rPr lang="en-US" dirty="0"/>
+              <a:t>NP-complete problem</a:t>
+            </a:r>
+          </a:p>
+        </p:txBody>
+      </p:sp>
+      <p:pic>
+        <p:nvPicPr>
+          <p:cNvPr id="4" name="Picture 2" descr="C:\WINDOWS\Desktop\Oh_type\kleinberg_GIF_01to10\kleinberg_01F06.gif"/>
+          <p:cNvPicPr preferRelativeResize="0">
+            <a:picLocks noChangeAspect="1" noChangeArrowheads="1"/>
+          </p:cNvPicPr>
+          <p:nvPr>
+            <p:custDataLst>
+              <p:tags r:id="rId1"/>
+            </p:custDataLst>
+          </p:nvPr>
+        </p:nvPicPr>
+        <p:blipFill>
+          <a:blip r:embed="rId3"/>
+          <a:srcRect l="6671" t="9150" r="4827" b="28105"/>
+          <a:stretch>
+            <a:fillRect/>
+          </a:stretch>
+        </p:blipFill>
+        <p:spPr bwMode="auto">
+          <a:xfrm>
+            <a:off x="4495800" y="2895600"/>
+            <a:ext cx="4191000" cy="3657600"/>
+          </a:xfrm>
+          <a:prstGeom prst="rect">
+            <a:avLst/>
+          </a:prstGeom>
+          <a:noFill/>
+          <a:ln w="9525">
+            <a:noFill/>
+            <a:miter lim="800000"/>
+            <a:headEnd/>
+            <a:tailEnd/>
+          </a:ln>
+          <a:effectLst/>
+        </p:spPr>
+      </p:pic>
+      <p:sp>
+        <p:nvSpPr>
+          <p:cNvPr id="5" name="Slide Number Placeholder 4"/>
+          <p:cNvSpPr>
+            <a:spLocks noGrp="1"/>
+          </p:cNvSpPr>
+          <p:nvPr>
+            <p:ph type="sldNum" sz="quarter" idx="12"/>
+          </p:nvPr>
+        </p:nvSpPr>
+        <p:spPr/>
+        <p:txBody>
+          <a:bodyPr/>
+          <a:lstStyle/>
+          <a:p>
+            <a:fld id="{F26D9103-0C5C-48AC-B68E-3ED2C1647047}" type="slidenum">
+              <a:rPr lang="en-US" smtClean="0"/>
+              <a:pPr/>
+              <a:t>51</a:t>
+            </a:fld>
+            <a:endParaRPr lang="en-US"/>
+          </a:p>
+        </p:txBody>
+      </p:sp>
+    </p:spTree>
+  </p:cSld>
+  <p:clrMapOvr>
+    <a:masterClrMapping/>
+  </p:clrMapOvr>
+</p:sld>
+</file>
+
+<file path=ppt/slides/slide52.xml><?xml version="1.0" encoding="utf-8"?>
+<p:sld xmlns:a="http://schemas.openxmlformats.org/drawingml/2006/main" xmlns:r="http://schemas.openxmlformats.org/officeDocument/2006/relationships" xmlns:p="http://schemas.openxmlformats.org/presentationml/2006/main">
+  <p:cSld>
+    <p:spTree>
+      <p:nvGrpSpPr>
+        <p:cNvPr id="1" name=""/>
+        <p:cNvGrpSpPr/>
+        <p:nvPr/>
+      </p:nvGrpSpPr>
+      <p:grpSpPr>
+        <a:xfrm>
+          <a:off x="0" y="0"/>
+          <a:ext cx="0" cy="0"/>
+          <a:chOff x="0" y="0"/>
+          <a:chExt cx="0" cy="0"/>
+        </a:xfrm>
+      </p:grpSpPr>
+      <p:sp>
+        <p:nvSpPr>
+          <p:cNvPr id="2" name="Title 1"/>
+          <p:cNvSpPr>
+            <a:spLocks noGrp="1"/>
+          </p:cNvSpPr>
+          <p:nvPr>
+            <p:ph type="title"/>
+          </p:nvPr>
+        </p:nvSpPr>
+        <p:spPr/>
+        <p:txBody>
+          <a:bodyPr>
+            <a:normAutofit fontScale="90000"/>
+          </a:bodyPr>
+          <a:lstStyle/>
+          <a:p>
+            <a:r>
+              <a:rPr lang="en-US" dirty="0"/>
+              <a:t>Motivating problem: Competitive facility location</a:t>
+            </a:r>
+          </a:p>
+        </p:txBody>
+      </p:sp>
+      <p:sp>
+        <p:nvSpPr>
+          <p:cNvPr id="3" name="Content Placeholder 2"/>
+          <p:cNvSpPr>
+            <a:spLocks noGrp="1"/>
+          </p:cNvSpPr>
+          <p:nvPr>
+            <p:ph sz="quarter" idx="1"/>
+          </p:nvPr>
+        </p:nvSpPr>
+        <p:spPr/>
+        <p:txBody>
+          <a:bodyPr/>
+          <a:lstStyle/>
+          <a:p>
+            <a:r>
+              <a:rPr lang="en-US" dirty="0"/>
+              <a:t>Competitive facility location</a:t>
+            </a:r>
+          </a:p>
+          <a:p>
+            <a:pPr lvl="1"/>
+            <a:r>
+              <a:rPr lang="en-US" dirty="0"/>
+              <a:t>Consider a graph G, where two ‘players’ choose nodes in alternating order.  No two nodes can be chosen (by either side) if a connecting node is already chosen.  Choose the winning strategy for your player.</a:t>
+            </a:r>
+          </a:p>
+          <a:p>
+            <a:pPr lvl="1"/>
+            <a:r>
+              <a:rPr lang="en-US" dirty="0"/>
+              <a:t>This is a </a:t>
+            </a:r>
+            <a:r>
+              <a:rPr lang="en-US" i="1" dirty="0"/>
+              <a:t>PSPACE problem</a:t>
+            </a:r>
+            <a:r>
+              <a:rPr lang="en-US" dirty="0"/>
+              <a:t>, which are harder than NP-complete problems</a:t>
+            </a:r>
+          </a:p>
+        </p:txBody>
+      </p:sp>
+      <p:pic>
+        <p:nvPicPr>
+          <p:cNvPr id="4" name="Picture 2" descr="C:\WINDOWS\Desktop\Oh_type\kleinberg_GIF_01to10\kleinberg_01F07.gif"/>
+          <p:cNvPicPr preferRelativeResize="0">
+            <a:picLocks noChangeAspect="1" noChangeArrowheads="1"/>
+          </p:cNvPicPr>
+          <p:nvPr>
+            <p:custDataLst>
+              <p:tags r:id="rId1"/>
+            </p:custDataLst>
+          </p:nvPr>
+        </p:nvPicPr>
+        <p:blipFill>
+          <a:blip r:embed="rId3"/>
+          <a:srcRect b="37527"/>
+          <a:stretch>
+            <a:fillRect/>
+          </a:stretch>
+        </p:blipFill>
+        <p:spPr bwMode="auto">
+          <a:xfrm>
+            <a:off x="533400" y="4800600"/>
+            <a:ext cx="7772400" cy="914400"/>
+          </a:xfrm>
+          <a:prstGeom prst="rect">
+            <a:avLst/>
+          </a:prstGeom>
+          <a:noFill/>
+          <a:ln w="9525">
+            <a:noFill/>
+            <a:miter lim="800000"/>
+            <a:headEnd/>
+            <a:tailEnd/>
+          </a:ln>
+          <a:effectLst/>
+        </p:spPr>
+      </p:pic>
+      <p:sp>
+        <p:nvSpPr>
+          <p:cNvPr id="5" name="Slide Number Placeholder 4"/>
+          <p:cNvSpPr>
+            <a:spLocks noGrp="1"/>
+          </p:cNvSpPr>
+          <p:nvPr>
+            <p:ph type="sldNum" sz="quarter" idx="12"/>
+          </p:nvPr>
+        </p:nvSpPr>
+        <p:spPr/>
+        <p:txBody>
+          <a:bodyPr/>
+          <a:lstStyle/>
+          <a:p>
+            <a:fld id="{F26D9103-0C5C-48AC-B68E-3ED2C1647047}" type="slidenum">
+              <a:rPr lang="en-US" smtClean="0"/>
+              <a:pPr/>
+              <a:t>52</a:t>
+            </a:fld>
+            <a:endParaRPr lang="en-US"/>
+          </a:p>
+        </p:txBody>
+      </p:sp>
+    </p:spTree>
+  </p:cSld>
+  <p:clrMapOvr>
+    <a:masterClrMapping/>
+  </p:clrMapOvr>
+</p:sld>
+</file>
+
 <file path=ppt/slides/slide6.xml><?xml version="1.0" encoding="utf-8"?>
 <p:sld xmlns:a="http://schemas.openxmlformats.org/drawingml/2006/main" xmlns:r="http://schemas.openxmlformats.org/officeDocument/2006/relationships" xmlns:p="http://schemas.openxmlformats.org/presentationml/2006/main">
   <p:cSld>
@@ -14132,19 +15028,36 @@
           </a:xfrm>
         </p:spPr>
         <p:txBody>
-          <a:bodyPr/>
-          <a:lstStyle/>
-          <a:p>
-            <a:r>
-              <a:rPr lang="en-US" dirty="0"/>
-              <a:t>Going to try a half asynchronous, half synchronous model</a:t>
-            </a:r>
-          </a:p>
-          <a:p>
-            <a:pPr lvl="1"/>
-            <a:r>
-              <a:rPr lang="en-US" dirty="0"/>
-              <a:t>And see how it goes. Could change, but likely not.</a:t>
+          <a:bodyPr>
+            <a:normAutofit/>
+          </a:bodyPr>
+          <a:lstStyle/>
+          <a:p>
+            <a:r>
+              <a:rPr lang="en-US" dirty="0"/>
+              <a:t>Back to traditional, in-person lectures.</a:t>
+            </a:r>
+          </a:p>
+          <a:p>
+            <a:pPr lvl="1"/>
+            <a:r>
+              <a:rPr lang="en-US" dirty="0"/>
+              <a:t>12:30 - 1:45 pm @ Olsson Hall 120 (</a:t>
+            </a:r>
+            <a:r>
+              <a:rPr lang="en-US" dirty="0" err="1"/>
+              <a:t>Floryan</a:t>
+            </a:r>
+            <a:r>
+              <a:rPr lang="en-US" dirty="0"/>
+              <a:t>)</a:t>
+            </a:r>
+          </a:p>
+          <a:p>
+            <a:pPr lvl="1"/>
+            <a:r>
+              <a:rPr lang="en-US" dirty="0"/>
+              <a:t>2:00 - 3:15 pm @ Gilmer Hall 390 (Horton)</a:t>
             </a:r>
           </a:p>
           <a:p>
@@ -14154,21 +15067,7 @@
           <a:p>
             <a:r>
               <a:rPr lang="en-US" dirty="0"/>
-              <a:t>First half of each lecture is recorded ahead of time. You can either:</a:t>
-            </a:r>
-          </a:p>
-          <a:p>
-            <a:pPr lvl="1"/>
-            <a:r>
-              <a:rPr lang="en-US" dirty="0"/>
-              <a:t>Watch it ahead of time at your leisure</a:t>
-            </a:r>
-          </a:p>
-          <a:p>
-            <a:pPr lvl="1"/>
-            <a:r>
-              <a:rPr lang="en-US" dirty="0"/>
-              <a:t>Watch it during the first 35-45 mins of lecture</a:t>
+              <a:t>At least one of the two lectures (maybe both) will be recorded and posted on Collab -&gt; Lecture Recordings</a:t>
             </a:r>
           </a:p>
           <a:p>
@@ -14177,22 +15076,14 @@
           <a:p>
             <a:r>
               <a:rPr lang="en-US" dirty="0"/>
-              <a:t>Then, we meet up on zoom to:</a:t>
-            </a:r>
-          </a:p>
-          <a:p>
-            <a:pPr lvl="1"/>
-            <a:r>
-              <a:rPr lang="en-US" dirty="0"/>
-              <a:t>Go over extra examples</a:t>
-            </a:r>
-          </a:p>
-          <a:p>
-            <a:pPr lvl="1"/>
-            <a:r>
-              <a:rPr lang="en-US" dirty="0"/>
-              <a:t>Answer questions, do proofs, etc.</a:t>
-            </a:r>
+              <a:t>Lectures will cover course topics, example problems, proofs, etc.</a:t>
+            </a:r>
+          </a:p>
+          <a:p>
+            <a:endParaRPr lang="en-US" dirty="0"/>
+          </a:p>
+          <a:p>
+            <a:endParaRPr lang="en-US" dirty="0"/>
           </a:p>
         </p:txBody>
       </p:sp>
@@ -14228,13 +15119,7 @@
       </p:grpSpPr>
       <p:sp>
         <p:nvSpPr>
-          <p:cNvPr id="2" name="Title 1">
-            <a:extLst>
-              <a:ext uri="{FF2B5EF4-FFF2-40B4-BE49-F238E27FC236}">
-                <a16:creationId xmlns:a16="http://schemas.microsoft.com/office/drawing/2014/main" id="{D4C714F9-F01E-7B4D-8EB0-3B151FAE663D}"/>
-              </a:ext>
-            </a:extLst>
-          </p:cNvPr>
+          <p:cNvPr id="2" name="Title 1"/>
           <p:cNvSpPr>
             <a:spLocks noGrp="1"/>
           </p:cNvSpPr>
@@ -14244,25 +15129,21 @@
         </p:nvSpPr>
         <p:spPr/>
         <p:txBody>
-          <a:bodyPr/>
-          <a:lstStyle/>
-          <a:p>
-            <a:r>
-              <a:rPr lang="en-US" dirty="0"/>
-              <a:t>Lectures, example</a:t>
-            </a:r>
-          </a:p>
-        </p:txBody>
-      </p:sp>
-      <p:sp>
-        <p:nvSpPr>
-          <p:cNvPr id="3" name="Slide Number Placeholder 2">
-            <a:extLst>
-              <a:ext uri="{FF2B5EF4-FFF2-40B4-BE49-F238E27FC236}">
-                <a16:creationId xmlns:a16="http://schemas.microsoft.com/office/drawing/2014/main" id="{4409C9D4-846F-D543-85FE-C390EBACF5F4}"/>
-              </a:ext>
-            </a:extLst>
-          </p:cNvPr>
+          <a:bodyPr>
+            <a:normAutofit/>
+          </a:bodyPr>
+          <a:lstStyle/>
+          <a:p>
+            <a:r>
+              <a:rPr lang="en-US" dirty="0"/>
+              <a:t>Modules</a:t>
+            </a:r>
+          </a:p>
+        </p:txBody>
+      </p:sp>
+      <p:sp>
+        <p:nvSpPr>
+          <p:cNvPr id="4" name="Slide Number Placeholder 3"/>
           <p:cNvSpPr>
             <a:spLocks noGrp="1"/>
           </p:cNvSpPr>
@@ -14286,13 +15167,7 @@
       </p:sp>
       <p:sp>
         <p:nvSpPr>
-          <p:cNvPr id="4" name="Content Placeholder 3">
-            <a:extLst>
-              <a:ext uri="{FF2B5EF4-FFF2-40B4-BE49-F238E27FC236}">
-                <a16:creationId xmlns:a16="http://schemas.microsoft.com/office/drawing/2014/main" id="{930851DE-8B7D-3A4B-A735-7873D3097E8B}"/>
-              </a:ext>
-            </a:extLst>
-          </p:cNvPr>
+          <p:cNvPr id="3" name="Content Placeholder 2"/>
           <p:cNvSpPr>
             <a:spLocks noGrp="1"/>
           </p:cNvSpPr>
@@ -14308,78 +15183,94 @@
           <a:lstStyle/>
           <a:p>
             <a:r>
-              <a:rPr lang="en-US" dirty="0"/>
-              <a:t>So…say class is from 11-12:15</a:t>
-            </a:r>
-          </a:p>
-          <a:p>
-            <a:endParaRPr lang="en-US" dirty="0"/>
-          </a:p>
-          <a:p>
-            <a:r>
-              <a:rPr lang="en-US" dirty="0"/>
-              <a:t>You DO NOT need to show up from 11-11:30</a:t>
-            </a:r>
-          </a:p>
-          <a:p>
-            <a:pPr lvl="1"/>
-            <a:r>
-              <a:rPr lang="en-US" dirty="0"/>
-              <a:t>Either watch recording from 11-11:30</a:t>
-            </a:r>
-          </a:p>
-          <a:p>
-            <a:pPr lvl="1"/>
-            <a:r>
-              <a:rPr lang="en-US" dirty="0"/>
-              <a:t>Or watch it ahead of time</a:t>
-            </a:r>
-          </a:p>
-          <a:p>
-            <a:pPr lvl="1"/>
-            <a:endParaRPr lang="en-US" dirty="0"/>
-          </a:p>
-          <a:p>
-            <a:r>
-              <a:rPr lang="en-US" dirty="0"/>
-              <a:t>Get on Zoom at 11:35</a:t>
-            </a:r>
-          </a:p>
-          <a:p>
-            <a:pPr lvl="1"/>
-            <a:r>
-              <a:rPr lang="en-US" dirty="0"/>
-              <a:t>40 mins of live lecture</a:t>
-            </a:r>
-          </a:p>
-          <a:p>
-            <a:pPr lvl="1"/>
-            <a:r>
-              <a:rPr lang="en-US" dirty="0"/>
-              <a:t>For follow-up, examples, etc.</a:t>
-            </a:r>
-          </a:p>
-          <a:p>
-            <a:pPr lvl="1"/>
-            <a:endParaRPr lang="en-US" dirty="0"/>
-          </a:p>
-          <a:p>
-            <a:endParaRPr lang="en-US" dirty="0"/>
-          </a:p>
-          <a:p>
-            <a:endParaRPr lang="en-US" dirty="0"/>
-          </a:p>
-          <a:p>
-            <a:endParaRPr lang="en-US" dirty="0"/>
+              <a:rPr lang="en-US" i="1" dirty="0"/>
+              <a:t>The course is divided into 10 modules</a:t>
+            </a:r>
+          </a:p>
+          <a:p>
+            <a:pPr lvl="1"/>
+            <a:r>
+              <a:rPr lang="en-US" i="1" dirty="0"/>
+              <a:t>Div. &amp; Con.: Insertion Sort, </a:t>
+            </a:r>
+            <a:r>
+              <a:rPr lang="en-US" i="1" dirty="0" err="1"/>
+              <a:t>Mergesort</a:t>
+            </a:r>
+            <a:r>
+              <a:rPr lang="en-US" i="1" dirty="0"/>
+              <a:t>, Quicksort</a:t>
+            </a:r>
+          </a:p>
+          <a:p>
+            <a:pPr lvl="1"/>
+            <a:r>
+              <a:rPr lang="en-US" i="1" dirty="0"/>
+              <a:t>Div. &amp; Con.: Recurrence Relations</a:t>
+            </a:r>
+          </a:p>
+          <a:p>
+            <a:pPr lvl="1"/>
+            <a:r>
+              <a:rPr lang="en-US" i="1" dirty="0"/>
+              <a:t>Div. &amp; Con.: Advanced Topics</a:t>
+            </a:r>
+          </a:p>
+          <a:p>
+            <a:pPr lvl="1"/>
+            <a:r>
+              <a:rPr lang="en-US" i="1" dirty="0"/>
+              <a:t>Graphs: BFS &amp; DFS</a:t>
+            </a:r>
+          </a:p>
+          <a:p>
+            <a:pPr lvl="1"/>
+            <a:r>
+              <a:rPr lang="en-US" i="1" dirty="0"/>
+              <a:t>Graphs: Kruskal’s and Find-Union</a:t>
+            </a:r>
+          </a:p>
+          <a:p>
+            <a:pPr lvl="1"/>
+            <a:r>
+              <a:rPr lang="en-US" i="1" dirty="0"/>
+              <a:t>Graphs: Prim’s &amp; Dijkstra’s</a:t>
+            </a:r>
+          </a:p>
+          <a:p>
+            <a:pPr lvl="1"/>
+            <a:r>
+              <a:rPr lang="en-US" i="1" dirty="0"/>
+              <a:t>Greedy Algorithms</a:t>
+            </a:r>
+          </a:p>
+          <a:p>
+            <a:pPr lvl="1"/>
+            <a:r>
+              <a:rPr lang="en-US" i="1" dirty="0"/>
+              <a:t>Dynamic Programming</a:t>
+            </a:r>
+          </a:p>
+          <a:p>
+            <a:pPr lvl="1"/>
+            <a:r>
+              <a:rPr lang="en-US" i="1" dirty="0"/>
+              <a:t>Network Flow and Ford-Fulkerson</a:t>
+            </a:r>
+          </a:p>
+          <a:p>
+            <a:pPr lvl="1"/>
+            <a:r>
+              <a:rPr lang="en-US" i="1" dirty="0"/>
+              <a:t>Bi-Partite Matching &amp; Reductions</a:t>
+            </a:r>
+          </a:p>
+          <a:p>
+            <a:endParaRPr lang="en-US" i="1" dirty="0"/>
           </a:p>
         </p:txBody>
       </p:sp>
     </p:spTree>
-    <p:extLst>
-      <p:ext uri="{BB962C8B-B14F-4D97-AF65-F5344CB8AC3E}">
-        <p14:creationId xmlns:p14="http://schemas.microsoft.com/office/powerpoint/2010/main" val="3315982312"/>
-      </p:ext>
-    </p:extLst>
   </p:cSld>
   <p:clrMapOvr>
     <a:masterClrMapping/>

--- a/slides/courseintroduction.pptx
+++ b/slides/courseintroduction.pptx
@@ -237,6 +237,74 @@
 </p:presentation>
 </file>
 
+<file path=ppt/commentAuthors.xml><?xml version="1.0" encoding="utf-8"?>
+<p:cmAuthorLst xmlns:a="http://schemas.openxmlformats.org/drawingml/2006/main" xmlns:r="http://schemas.openxmlformats.org/officeDocument/2006/relationships" xmlns:p="http://schemas.openxmlformats.org/presentationml/2006/main">
+  <p:cmAuthor id="1" name="Horton, Tom (tbh3f)" initials="HT(" lastIdx="5" clrIdx="0">
+    <p:extLst>
+      <p:ext uri="{19B8F6BF-5375-455C-9EA6-DF929625EA0E}">
+        <p15:presenceInfo xmlns:p15="http://schemas.microsoft.com/office/powerpoint/2012/main" userId="S::tbh3f@virginia.edu::db589c69-5451-4833-9298-0c009cd53272" providerId="AD"/>
+      </p:ext>
+    </p:extLst>
+  </p:cmAuthor>
+</p:cmAuthorLst>
+</file>
+
+<file path=ppt/comments/comment1.xml><?xml version="1.0" encoding="utf-8"?>
+<p:cmLst xmlns:a="http://schemas.openxmlformats.org/drawingml/2006/main" xmlns:r="http://schemas.openxmlformats.org/officeDocument/2006/relationships" xmlns:p="http://schemas.openxmlformats.org/presentationml/2006/main">
+  <p:cm authorId="1" dt="2021-08-23T10:41:17.927" idx="2">
+    <p:pos x="5003" y="1299"/>
+    <p:text>"minimum needed" sounds less positive than I think we mean.  It's not D-level, it's competency, right?</p:text>
+    <p:extLst>
+      <p:ext uri="{C676402C-5697-4E1C-873F-D02D1690AC5C}">
+        <p15:threadingInfo xmlns:p15="http://schemas.microsoft.com/office/powerpoint/2012/main" timeZoneBias="240"/>
+      </p:ext>
+    </p:extLst>
+  </p:cm>
+</p:cmLst>
+</file>
+
+<file path=ppt/comments/comment2.xml><?xml version="1.0" encoding="utf-8"?>
+<p:cmLst xmlns:a="http://schemas.openxmlformats.org/drawingml/2006/main" xmlns:r="http://schemas.openxmlformats.org/officeDocument/2006/relationships" xmlns:p="http://schemas.openxmlformats.org/presentationml/2006/main">
+  <p:cm authorId="1" dt="2021-08-23T10:53:49.505" idx="3">
+    <p:pos x="5466" y="1604"/>
+    <p:text>This seems like what we did last term, and not quite what we'll do this time.</p:text>
+    <p:extLst>
+      <p:ext uri="{C676402C-5697-4E1C-873F-D02D1690AC5C}">
+        <p15:threadingInfo xmlns:p15="http://schemas.microsoft.com/office/powerpoint/2012/main" timeZoneBias="240"/>
+      </p:ext>
+    </p:extLst>
+  </p:cm>
+</p:cmLst>
+</file>
+
+<file path=ppt/comments/comment3.xml><?xml version="1.0" encoding="utf-8"?>
+<p:cmLst xmlns:a="http://schemas.openxmlformats.org/drawingml/2006/main" xmlns:r="http://schemas.openxmlformats.org/officeDocument/2006/relationships" xmlns:p="http://schemas.openxmlformats.org/presentationml/2006/main">
+  <p:cm authorId="1" dt="2021-08-23T10:57:42.629" idx="4">
+    <p:pos x="5008" y="793"/>
+    <p:text>Do we want to link to department grading policy website?</p:text>
+    <p:extLst>
+      <p:ext uri="{C676402C-5697-4E1C-873F-D02D1690AC5C}">
+        <p15:threadingInfo xmlns:p15="http://schemas.microsoft.com/office/powerpoint/2012/main" timeZoneBias="240"/>
+      </p:ext>
+    </p:extLst>
+  </p:cm>
+</p:cmLst>
+</file>
+
+<file path=ppt/comments/comment4.xml><?xml version="1.0" encoding="utf-8"?>
+<p:cmLst xmlns:a="http://schemas.openxmlformats.org/drawingml/2006/main" xmlns:r="http://schemas.openxmlformats.org/officeDocument/2006/relationships" xmlns:p="http://schemas.openxmlformats.org/presentationml/2006/main">
+  <p:cm authorId="1" dt="2021-08-23T10:58:54.617" idx="5">
+    <p:pos x="2744" y="379"/>
+    <p:text>Again, some of what's here differs from what we discussed, I think!</p:text>
+    <p:extLst>
+      <p:ext uri="{C676402C-5697-4E1C-873F-D02D1690AC5C}">
+        <p15:threadingInfo xmlns:p15="http://schemas.microsoft.com/office/powerpoint/2012/main" timeZoneBias="240"/>
+      </p:ext>
+    </p:extLst>
+  </p:cm>
+</p:cmLst>
+</file>
+
 <file path=ppt/handoutMasters/handoutMaster1.xml><?xml version="1.0" encoding="utf-8"?>
 <p:handoutMaster xmlns:a="http://schemas.openxmlformats.org/drawingml/2006/main" xmlns:r="http://schemas.openxmlformats.org/officeDocument/2006/relationships" xmlns:p="http://schemas.openxmlformats.org/presentationml/2006/main">
   <p:cSld>
@@ -1412,7 +1480,7 @@
             <a:fld id="{E4886CB5-510A-4EF6-9466-BC7A8F0DDE87}" type="datetime1">
               <a:rPr lang="en-US" smtClean="0"/>
               <a:pPr/>
-              <a:t>8/18/21</a:t>
+              <a:t>8/23/21</a:t>
             </a:fld>
             <a:endParaRPr lang="en-US"/>
           </a:p>
@@ -1772,7 +1840,7 @@
             <a:fld id="{9B297853-24B4-4D05-83E4-0AD2E86C55E5}" type="datetime1">
               <a:rPr lang="en-US" smtClean="0"/>
               <a:pPr/>
-              <a:t>8/18/21</a:t>
+              <a:t>8/23/21</a:t>
             </a:fld>
             <a:endParaRPr lang="en-US"/>
           </a:p>
@@ -1948,7 +2016,7 @@
             <a:fld id="{01FCDD9E-5768-4705-9537-0C020B1BB310}" type="datetime1">
               <a:rPr lang="en-US" smtClean="0"/>
               <a:pPr/>
-              <a:t>8/18/21</a:t>
+              <a:t>8/23/21</a:t>
             </a:fld>
             <a:endParaRPr lang="en-US"/>
           </a:p>
@@ -2184,7 +2252,7 @@
             <a:fld id="{4257C27E-59C2-41CA-9776-94955CBEE440}" type="datetime1">
               <a:rPr lang="en-US" smtClean="0"/>
               <a:pPr/>
-              <a:t>8/18/21</a:t>
+              <a:t>8/23/21</a:t>
             </a:fld>
             <a:endParaRPr lang="en-US"/>
           </a:p>
@@ -2470,7 +2538,7 @@
             <a:fld id="{03180747-A137-49C6-9C74-AB7EE86F4904}" type="datetime1">
               <a:rPr lang="en-US" smtClean="0"/>
               <a:pPr/>
-              <a:t>8/18/21</a:t>
+              <a:t>8/23/21</a:t>
             </a:fld>
             <a:endParaRPr lang="en-US"/>
           </a:p>
@@ -2691,7 +2759,7 @@
             <a:fld id="{EBBA31D9-ADC1-480D-86A8-1EAFB6A86A35}" type="datetime1">
               <a:rPr lang="en-US" smtClean="0"/>
               <a:pPr/>
-              <a:t>8/18/21</a:t>
+              <a:t>8/23/21</a:t>
             </a:fld>
             <a:endParaRPr lang="en-US"/>
           </a:p>
@@ -3044,7 +3112,7 @@
             <a:fld id="{80AAE9AE-3B2F-4DEA-8C41-BDDF4CDF6F40}" type="datetime1">
               <a:rPr lang="en-US" smtClean="0"/>
               <a:pPr/>
-              <a:t>8/18/21</a:t>
+              <a:t>8/23/21</a:t>
             </a:fld>
             <a:endParaRPr lang="en-US"/>
           </a:p>
@@ -3277,7 +3345,7 @@
             <a:fld id="{48252F7F-E8FE-413B-8521-D4ED924C6DE5}" type="datetime1">
               <a:rPr lang="en-US" smtClean="0"/>
               <a:pPr/>
-              <a:t>8/18/21</a:t>
+              <a:t>8/23/21</a:t>
             </a:fld>
             <a:endParaRPr lang="en-US"/>
           </a:p>
@@ -3419,7 +3487,7 @@
             <a:fld id="{2FF1B124-70E3-4E4A-90E2-6B55DB7659B3}" type="datetime1">
               <a:rPr lang="en-US" smtClean="0"/>
               <a:pPr/>
-              <a:t>8/18/21</a:t>
+              <a:t>8/23/21</a:t>
             </a:fld>
             <a:endParaRPr lang="en-US"/>
           </a:p>
@@ -3697,7 +3765,7 @@
             <a:fld id="{4EBF4C98-3CD6-4C87-BD40-5718C2628835}" type="datetime1">
               <a:rPr lang="en-US" smtClean="0"/>
               <a:pPr/>
-              <a:t>8/18/21</a:t>
+              <a:t>8/23/21</a:t>
             </a:fld>
             <a:endParaRPr lang="en-US"/>
           </a:p>
@@ -4105,7 +4173,7 @@
             <a:fld id="{6D6408A8-6B1B-4CDA-875E-7BEECDBA31DF}" type="datetime1">
               <a:rPr lang="en-US" smtClean="0"/>
               <a:pPr/>
-              <a:t>8/18/21</a:t>
+              <a:t>8/23/21</a:t>
             </a:fld>
             <a:endParaRPr lang="en-US"/>
           </a:p>
@@ -4443,7 +4511,7 @@
             <a:fld id="{C55AAF07-D2F5-4B3C-B443-40DE8C337A77}" type="datetime1">
               <a:rPr lang="en-US" smtClean="0"/>
               <a:pPr/>
-              <a:t>8/18/21</a:t>
+              <a:t>8/23/21</a:t>
             </a:fld>
             <a:endParaRPr lang="en-US"/>
           </a:p>
@@ -6408,15 +6476,7 @@
           <a:p>
             <a:r>
               <a:rPr lang="en-US" dirty="0"/>
-              <a:t>On a programming </a:t>
-            </a:r>
-            <a:r>
-              <a:rPr lang="en-US" dirty="0" err="1"/>
-              <a:t>hw</a:t>
-            </a:r>
-            <a:r>
-              <a:rPr lang="en-US" dirty="0"/>
-              <a:t>, a pass might mean:</a:t>
+              <a:t>On a programming HW, a pass might mean:</a:t>
             </a:r>
           </a:p>
           <a:p>
@@ -6756,6 +6816,13 @@
             </a:r>
           </a:p>
           <a:p>
+            <a:pPr lvl="2"/>
+            <a:r>
+              <a:rPr lang="en-US" sz="1800" dirty="0"/>
+              <a:t>Remember: you get 3 attempts at Quizzes 1-8 and 2 attempts for Quizzes 9-10</a:t>
+            </a:r>
+          </a:p>
+          <a:p>
             <a:pPr lvl="1"/>
             <a:endParaRPr lang="en-US" sz="2100" dirty="0"/>
           </a:p>
@@ -6776,7 +6843,7 @@
             <a:pPr lvl="2"/>
             <a:r>
               <a:rPr lang="en-US" sz="1800" dirty="0"/>
-              <a:t>If we want to succeed, you need to try to hit these recommended deadlines</a:t>
+              <a:t>If you want to succeed, you need to try to hit these recommended deadlines</a:t>
             </a:r>
           </a:p>
           <a:p>
@@ -7814,7 +7881,7 @@
           <a:lstStyle/>
           <a:p>
             <a:r>
-              <a:rPr lang="en-US"/>
+              <a:rPr lang="en-US" dirty="0"/>
               <a:t>Working in groups</a:t>
             </a:r>
           </a:p>
@@ -8927,6 +8994,13 @@
               <a:t> to Piazza NOT email to instructors!</a:t>
             </a:r>
           </a:p>
+          <a:p>
+            <a:pPr lvl="2"/>
+            <a:r>
+              <a:rPr lang="en-US" dirty="0"/>
+              <a:t>Piazza preferred to Discord for most questions on HW, course policies</a:t>
+            </a:r>
+          </a:p>
         </p:txBody>
       </p:sp>
       <p:sp>
@@ -10846,15 +10920,21 @@
             <a:pPr lvl="1"/>
             <a:r>
               <a:rPr lang="en-US" dirty="0"/>
-              <a:t>General Q&amp;A with </a:t>
-            </a:r>
-            <a:r>
-              <a:rPr lang="en-US" dirty="0" err="1"/>
-              <a:t>Tas</a:t>
-            </a:r>
-            <a:r>
-              <a:rPr lang="en-US" dirty="0"/>
-              <a:t>, etc. (We will use piazza too)</a:t>
+              <a:t>General Q&amp;A with TAs, etc. (We will use Piazza too)</a:t>
+            </a:r>
+          </a:p>
+          <a:p>
+            <a:pPr lvl="2"/>
+            <a:r>
+              <a:rPr lang="en-US" dirty="0"/>
+              <a:t>Piazza: If you want instructors (and TAs) to see it</a:t>
+            </a:r>
+          </a:p>
+          <a:p>
+            <a:pPr lvl="2"/>
+            <a:r>
+              <a:rPr lang="en-US" dirty="0"/>
+              <a:t>Piazza: If someone else might search for this later</a:t>
             </a:r>
           </a:p>
           <a:p>
@@ -15071,6 +15151,13 @@
             </a:r>
           </a:p>
           <a:p>
+            <a:pPr lvl="1"/>
+            <a:r>
+              <a:rPr lang="en-US" dirty="0"/>
+              <a:t>Using Panopto, so not broadcast live (but auto-captioned)</a:t>
+            </a:r>
+          </a:p>
+          <a:p>
             <a:endParaRPr lang="en-US" dirty="0"/>
           </a:p>
           <a:p>
@@ -15191,7 +15278,7 @@
             <a:pPr lvl="1"/>
             <a:r>
               <a:rPr lang="en-US" i="1" dirty="0"/>
-              <a:t>Div. &amp; Con.: Insertion Sort, </a:t>
+              <a:t>Div. &amp; Conquer: Insertion Sort, </a:t>
             </a:r>
             <a:r>
               <a:rPr lang="en-US" i="1" dirty="0" err="1"/>
@@ -15206,21 +15293,21 @@
             <a:pPr lvl="1"/>
             <a:r>
               <a:rPr lang="en-US" i="1" dirty="0"/>
-              <a:t>Div. &amp; Con.: Recurrence Relations</a:t>
+              <a:t>Div. &amp; Conquer: Recurrence Relations</a:t>
             </a:r>
           </a:p>
           <a:p>
             <a:pPr lvl="1"/>
             <a:r>
               <a:rPr lang="en-US" i="1" dirty="0"/>
-              <a:t>Div. &amp; Con.: Advanced Topics</a:t>
+              <a:t>Div. &amp; Conquer: Advanced Topics</a:t>
             </a:r>
           </a:p>
           <a:p>
             <a:pPr lvl="1"/>
             <a:r>
               <a:rPr lang="en-US" i="1" dirty="0"/>
-              <a:t>Graphs: BFS &amp; DFS</a:t>
+              <a:t>Graphs: Breadth-first Search (BFS) &amp; Depth Search (DFS)</a:t>
             </a:r>
           </a:p>
           <a:p>

--- a/slides/courseintroduction.pptx
+++ b/slides/courseintroduction.pptx
@@ -15278,7 +15278,7 @@
             <a:pPr lvl="1"/>
             <a:r>
               <a:rPr lang="en-US" i="1" dirty="0"/>
-              <a:t>Div. &amp; Conquer: Insertion Sort, </a:t>
+              <a:t>Divide &amp; Conquer: Insertion Sort, </a:t>
             </a:r>
             <a:r>
               <a:rPr lang="en-US" i="1" dirty="0" err="1"/>
@@ -15293,14 +15293,14 @@
             <a:pPr lvl="1"/>
             <a:r>
               <a:rPr lang="en-US" i="1" dirty="0"/>
-              <a:t>Div. &amp; Conquer: Recurrence Relations</a:t>
+              <a:t>Divide &amp; Conquer: Recurrence Relations</a:t>
             </a:r>
           </a:p>
           <a:p>
             <a:pPr lvl="1"/>
             <a:r>
               <a:rPr lang="en-US" i="1" dirty="0"/>
-              <a:t>Div. &amp; Conquer: Advanced Topics</a:t>
+              <a:t>Divide &amp; Conquer: Advanced Topics</a:t>
             </a:r>
           </a:p>
           <a:p>

--- a/slides/courseintroduction.pptx
+++ b/slides/courseintroduction.pptx
@@ -5,10 +5,10 @@
     <p:sldMasterId id="2147483728" r:id="rId1"/>
   </p:sldMasterIdLst>
   <p:notesMasterIdLst>
-    <p:notesMasterId r:id="rId54"/>
+    <p:notesMasterId r:id="rId56"/>
   </p:notesMasterIdLst>
   <p:handoutMasterIdLst>
-    <p:handoutMasterId r:id="rId55"/>
+    <p:handoutMasterId r:id="rId57"/>
   </p:handoutMasterIdLst>
   <p:sldIdLst>
     <p:sldId id="447" r:id="rId2"/>
@@ -32,42 +32,44 @@
     <p:sldId id="492" r:id="rId20"/>
     <p:sldId id="491" r:id="rId21"/>
     <p:sldId id="493" r:id="rId22"/>
-    <p:sldId id="496" r:id="rId23"/>
-    <p:sldId id="471" r:id="rId24"/>
-    <p:sldId id="485" r:id="rId25"/>
-    <p:sldId id="463" r:id="rId26"/>
-    <p:sldId id="464" r:id="rId27"/>
-    <p:sldId id="263" r:id="rId28"/>
-    <p:sldId id="396" r:id="rId29"/>
-    <p:sldId id="397" r:id="rId30"/>
-    <p:sldId id="399" r:id="rId31"/>
-    <p:sldId id="400" r:id="rId32"/>
-    <p:sldId id="475" r:id="rId33"/>
-    <p:sldId id="482" r:id="rId34"/>
-    <p:sldId id="441" r:id="rId35"/>
-    <p:sldId id="435" r:id="rId36"/>
-    <p:sldId id="436" r:id="rId37"/>
-    <p:sldId id="437" r:id="rId38"/>
-    <p:sldId id="456" r:id="rId39"/>
-    <p:sldId id="457" r:id="rId40"/>
-    <p:sldId id="454" r:id="rId41"/>
-    <p:sldId id="455" r:id="rId42"/>
-    <p:sldId id="465" r:id="rId43"/>
-    <p:sldId id="466" r:id="rId44"/>
-    <p:sldId id="434" r:id="rId45"/>
-    <p:sldId id="467" r:id="rId46"/>
-    <p:sldId id="483" r:id="rId47"/>
-    <p:sldId id="476" r:id="rId48"/>
-    <p:sldId id="477" r:id="rId49"/>
-    <p:sldId id="478" r:id="rId50"/>
-    <p:sldId id="481" r:id="rId51"/>
-    <p:sldId id="479" r:id="rId52"/>
-    <p:sldId id="480" r:id="rId53"/>
+    <p:sldId id="503" r:id="rId23"/>
+    <p:sldId id="496" r:id="rId24"/>
+    <p:sldId id="471" r:id="rId25"/>
+    <p:sldId id="485" r:id="rId26"/>
+    <p:sldId id="463" r:id="rId27"/>
+    <p:sldId id="502" r:id="rId28"/>
+    <p:sldId id="464" r:id="rId29"/>
+    <p:sldId id="263" r:id="rId30"/>
+    <p:sldId id="396" r:id="rId31"/>
+    <p:sldId id="397" r:id="rId32"/>
+    <p:sldId id="399" r:id="rId33"/>
+    <p:sldId id="400" r:id="rId34"/>
+    <p:sldId id="475" r:id="rId35"/>
+    <p:sldId id="482" r:id="rId36"/>
+    <p:sldId id="441" r:id="rId37"/>
+    <p:sldId id="435" r:id="rId38"/>
+    <p:sldId id="436" r:id="rId39"/>
+    <p:sldId id="437" r:id="rId40"/>
+    <p:sldId id="456" r:id="rId41"/>
+    <p:sldId id="457" r:id="rId42"/>
+    <p:sldId id="454" r:id="rId43"/>
+    <p:sldId id="455" r:id="rId44"/>
+    <p:sldId id="465" r:id="rId45"/>
+    <p:sldId id="466" r:id="rId46"/>
+    <p:sldId id="434" r:id="rId47"/>
+    <p:sldId id="467" r:id="rId48"/>
+    <p:sldId id="483" r:id="rId49"/>
+    <p:sldId id="476" r:id="rId50"/>
+    <p:sldId id="477" r:id="rId51"/>
+    <p:sldId id="478" r:id="rId52"/>
+    <p:sldId id="481" r:id="rId53"/>
+    <p:sldId id="479" r:id="rId54"/>
+    <p:sldId id="480" r:id="rId55"/>
   </p:sldIdLst>
   <p:sldSz cx="9144000" cy="6858000" type="screen4x3"/>
   <p:notesSz cx="7315200" cy="9601200"/>
   <p:custDataLst>
-    <p:tags r:id="rId56"/>
+    <p:tags r:id="rId58"/>
   </p:custDataLst>
   <p:defaultTextStyle>
     <a:defPPr>
@@ -249,62 +251,6 @@
 </p:cmAuthorLst>
 </file>
 
-<file path=ppt/comments/comment1.xml><?xml version="1.0" encoding="utf-8"?>
-<p:cmLst xmlns:a="http://schemas.openxmlformats.org/drawingml/2006/main" xmlns:r="http://schemas.openxmlformats.org/officeDocument/2006/relationships" xmlns:p="http://schemas.openxmlformats.org/presentationml/2006/main">
-  <p:cm authorId="1" dt="2021-08-23T10:41:17.927" idx="2">
-    <p:pos x="5003" y="1299"/>
-    <p:text>"minimum needed" sounds less positive than I think we mean.  It's not D-level, it's competency, right?</p:text>
-    <p:extLst>
-      <p:ext uri="{C676402C-5697-4E1C-873F-D02D1690AC5C}">
-        <p15:threadingInfo xmlns:p15="http://schemas.microsoft.com/office/powerpoint/2012/main" timeZoneBias="240"/>
-      </p:ext>
-    </p:extLst>
-  </p:cm>
-</p:cmLst>
-</file>
-
-<file path=ppt/comments/comment2.xml><?xml version="1.0" encoding="utf-8"?>
-<p:cmLst xmlns:a="http://schemas.openxmlformats.org/drawingml/2006/main" xmlns:r="http://schemas.openxmlformats.org/officeDocument/2006/relationships" xmlns:p="http://schemas.openxmlformats.org/presentationml/2006/main">
-  <p:cm authorId="1" dt="2021-08-23T10:53:49.505" idx="3">
-    <p:pos x="5466" y="1604"/>
-    <p:text>This seems like what we did last term, and not quite what we'll do this time.</p:text>
-    <p:extLst>
-      <p:ext uri="{C676402C-5697-4E1C-873F-D02D1690AC5C}">
-        <p15:threadingInfo xmlns:p15="http://schemas.microsoft.com/office/powerpoint/2012/main" timeZoneBias="240"/>
-      </p:ext>
-    </p:extLst>
-  </p:cm>
-</p:cmLst>
-</file>
-
-<file path=ppt/comments/comment3.xml><?xml version="1.0" encoding="utf-8"?>
-<p:cmLst xmlns:a="http://schemas.openxmlformats.org/drawingml/2006/main" xmlns:r="http://schemas.openxmlformats.org/officeDocument/2006/relationships" xmlns:p="http://schemas.openxmlformats.org/presentationml/2006/main">
-  <p:cm authorId="1" dt="2021-08-23T10:57:42.629" idx="4">
-    <p:pos x="5008" y="793"/>
-    <p:text>Do we want to link to department grading policy website?</p:text>
-    <p:extLst>
-      <p:ext uri="{C676402C-5697-4E1C-873F-D02D1690AC5C}">
-        <p15:threadingInfo xmlns:p15="http://schemas.microsoft.com/office/powerpoint/2012/main" timeZoneBias="240"/>
-      </p:ext>
-    </p:extLst>
-  </p:cm>
-</p:cmLst>
-</file>
-
-<file path=ppt/comments/comment4.xml><?xml version="1.0" encoding="utf-8"?>
-<p:cmLst xmlns:a="http://schemas.openxmlformats.org/drawingml/2006/main" xmlns:r="http://schemas.openxmlformats.org/officeDocument/2006/relationships" xmlns:p="http://schemas.openxmlformats.org/presentationml/2006/main">
-  <p:cm authorId="1" dt="2021-08-23T10:58:54.617" idx="5">
-    <p:pos x="2744" y="379"/>
-    <p:text>Again, some of what's here differs from what we discussed, I think!</p:text>
-    <p:extLst>
-      <p:ext uri="{C676402C-5697-4E1C-873F-D02D1690AC5C}">
-        <p15:threadingInfo xmlns:p15="http://schemas.microsoft.com/office/powerpoint/2012/main" timeZoneBias="240"/>
-      </p:ext>
-    </p:extLst>
-  </p:cm>
-</p:cmLst>
-</file>
-
 <file path=ppt/handoutMasters/handoutMaster1.xml><?xml version="1.0" encoding="utf-8"?>
 <p:handoutMaster xmlns:a="http://schemas.openxmlformats.org/drawingml/2006/main" xmlns:r="http://schemas.openxmlformats.org/officeDocument/2006/relationships" xmlns:p="http://schemas.openxmlformats.org/presentationml/2006/main">
   <p:cSld>
@@ -1120,7 +1066,7 @@
             <a:fld id="{3A6D2E47-C92D-4534-9BB8-6325B253624D}" type="slidenum">
               <a:rPr lang="en-US" smtClean="0"/>
               <a:pPr/>
-              <a:t>37</a:t>
+              <a:t>39</a:t>
             </a:fld>
             <a:endParaRPr lang="en-US"/>
           </a:p>
@@ -1223,7 +1169,7 @@
             <a:fld id="{0E1F8137-5628-489C-8F34-1267C6EC6E68}" type="slidenum">
               <a:rPr lang="en-US" smtClean="0"/>
               <a:pPr/>
-              <a:t>41</a:t>
+              <a:t>43</a:t>
             </a:fld>
             <a:endParaRPr lang="en-US"/>
           </a:p>
@@ -5448,7 +5394,9 @@
         </p:nvSpPr>
         <p:spPr/>
         <p:txBody>
-          <a:bodyPr/>
+          <a:bodyPr>
+            <a:normAutofit lnSpcReduction="10000"/>
+          </a:bodyPr>
           <a:lstStyle/>
           <a:p>
             <a:r>
@@ -5510,6 +5458,15 @@
           <a:p>
             <a:pPr lvl="1"/>
             <a:endParaRPr lang="en-US" dirty="0"/>
+          </a:p>
+          <a:p>
+            <a:pPr marL="274320" lvl="1" indent="0">
+              <a:buNone/>
+            </a:pPr>
+            <a:r>
+              <a:rPr lang="en-US" dirty="0"/>
+              <a:t>Note: it’s naturally harder to do a lot of quizzes in a 75-minute class period, so don’t get yourself into a bad situation!</a:t>
+            </a:r>
           </a:p>
         </p:txBody>
       </p:sp>
@@ -5641,7 +5598,7 @@
             </a:r>
             <a:r>
               <a:rPr lang="en-US" dirty="0"/>
-              <a:t>: You know the minimum needed to pass this module</a:t>
+              <a:t>: You clearly demonstrate competence for this module</a:t>
             </a:r>
           </a:p>
           <a:p>
@@ -5652,7 +5609,7 @@
             </a:r>
             <a:r>
               <a:rPr lang="en-US" dirty="0"/>
-              <a:t>: You did VERY well on this topic.</a:t>
+              <a:t>: You did VERY well on this quiz</a:t>
             </a:r>
           </a:p>
           <a:p>
@@ -5992,7 +5949,7 @@
             <a:pPr lvl="1" algn="l"/>
             <a:r>
               <a:rPr lang="en-US" dirty="0"/>
-              <a:t>This means if you’ve already passed every quiz, you do not need to take the final exam.</a:t>
+              <a:t>This means if you’ve already passed every quiz, you do not need to do anything during the final exam period</a:t>
             </a:r>
           </a:p>
           <a:p>
@@ -6138,7 +6095,7 @@
         <p:spPr/>
         <p:txBody>
           <a:bodyPr>
-            <a:normAutofit/>
+            <a:normAutofit lnSpcReduction="10000"/>
           </a:bodyPr>
           <a:lstStyle/>
           <a:p>
@@ -6166,17 +6123,24 @@
             </a:r>
           </a:p>
           <a:p>
-            <a:pPr lvl="1"/>
-            <a:r>
-              <a:rPr lang="en-US" dirty="0"/>
-              <a:t>Homework will specify the problem, input, and output specs. That is it. Sometimes a target runtime will be given</a:t>
-            </a:r>
-          </a:p>
-          <a:p>
-            <a:pPr lvl="1"/>
-            <a:r>
-              <a:rPr lang="en-US" dirty="0"/>
-              <a:t>Must also submit a written summary of your approach, and description of runtime complexity</a:t>
+            <a:pPr lvl="1" algn="l"/>
+            <a:r>
+              <a:rPr lang="en-US" dirty="0"/>
+              <a:t>Homework will specify the problem, input, and output specs.</a:t>
+            </a:r>
+          </a:p>
+          <a:p>
+            <a:pPr lvl="1" algn="l"/>
+            <a:r>
+              <a:rPr lang="en-US" dirty="0"/>
+              <a:t>Some will be graded solely on passing test-cases and/or meeting  a target runtime.</a:t>
+            </a:r>
+          </a:p>
+          <a:p>
+            <a:pPr lvl="1" algn="l"/>
+            <a:r>
+              <a:rPr lang="en-US" dirty="0"/>
+              <a:t>Some will require you to measure run-times and answer questions. </a:t>
             </a:r>
           </a:p>
           <a:p>
@@ -6598,7 +6562,7 @@
         <p:spPr/>
         <p:txBody>
           <a:bodyPr>
-            <a:normAutofit lnSpcReduction="10000"/>
+            <a:normAutofit/>
           </a:bodyPr>
           <a:lstStyle/>
           <a:p>
@@ -6685,7 +6649,7 @@
             </a:r>
             <a:r>
               <a:rPr lang="en-US" dirty="0"/>
-              <a:t>by showing that work is “mostly” there, a heuristic being that the assignment would be “passing” in a traditional course (~65% or so)</a:t>
+              <a:t>by showing that work is “mostly” there.</a:t>
             </a:r>
           </a:p>
           <a:p>
@@ -6857,7 +6821,7 @@
             <a:pPr lvl="1"/>
             <a:r>
               <a:rPr lang="en-US" sz="2100" dirty="0"/>
-              <a:t>All homework is due on the last day of class (Tue. Dec. 7)</a:t>
+              <a:t>All homework is due Fri., Dec. 3 (except perhaps the last HW)</a:t>
             </a:r>
           </a:p>
         </p:txBody>
@@ -7315,7 +7279,13 @@
       </p:grpSpPr>
       <p:sp>
         <p:nvSpPr>
-          <p:cNvPr id="18434" name="Title 1"/>
+          <p:cNvPr id="2" name="Title 1">
+            <a:extLst>
+              <a:ext uri="{FF2B5EF4-FFF2-40B4-BE49-F238E27FC236}">
+                <a16:creationId xmlns:a16="http://schemas.microsoft.com/office/drawing/2014/main" id="{324987E6-993E-C345-86B8-6A4B9215AC87}"/>
+              </a:ext>
+            </a:extLst>
+          </p:cNvPr>
           <p:cNvSpPr>
             <a:spLocks noGrp="1"/>
           </p:cNvSpPr>
@@ -7330,39 +7300,20 @@
           <a:p>
             <a:r>
               <a:rPr lang="en-US" dirty="0"/>
-              <a:t>Office Hours</a:t>
-            </a:r>
-          </a:p>
-        </p:txBody>
-      </p:sp>
-      <p:sp>
-        <p:nvSpPr>
-          <p:cNvPr id="18435" name="Content Placeholder 2"/>
-          <p:cNvSpPr>
-            <a:spLocks noGrp="1"/>
-          </p:cNvSpPr>
-          <p:nvPr>
-            <p:ph sz="quarter" idx="1"/>
-          </p:nvPr>
-        </p:nvSpPr>
-        <p:spPr/>
-        <p:txBody>
-          <a:bodyPr>
-            <a:normAutofit/>
-          </a:bodyPr>
-          <a:lstStyle/>
-          <a:p>
-            <a:pPr algn="l"/>
-            <a:r>
-              <a:rPr lang="en-US" dirty="0"/>
-              <a:t>Let’s discuss office hours by looking at the course website.</a:t>
-            </a:r>
-          </a:p>
-        </p:txBody>
-      </p:sp>
-      <p:sp>
-        <p:nvSpPr>
-          <p:cNvPr id="4" name="Slide Number Placeholder 3"/>
+              <a:t>Why this Approach to Grades?</a:t>
+            </a:r>
+          </a:p>
+        </p:txBody>
+      </p:sp>
+      <p:sp>
+        <p:nvSpPr>
+          <p:cNvPr id="3" name="Slide Number Placeholder 2">
+            <a:extLst>
+              <a:ext uri="{FF2B5EF4-FFF2-40B4-BE49-F238E27FC236}">
+                <a16:creationId xmlns:a16="http://schemas.microsoft.com/office/drawing/2014/main" id="{2941460C-3A6B-524D-83DE-E340AA1F668A}"/>
+              </a:ext>
+            </a:extLst>
+          </p:cNvPr>
           <p:cNvSpPr>
             <a:spLocks noGrp="1"/>
           </p:cNvSpPr>
@@ -7380,6 +7331,103 @@
               <a:pPr/>
               <a:t>22</a:t>
             </a:fld>
+            <a:endParaRPr lang="en-US"/>
+          </a:p>
+        </p:txBody>
+      </p:sp>
+      <p:sp>
+        <p:nvSpPr>
+          <p:cNvPr id="4" name="Content Placeholder 3">
+            <a:extLst>
+              <a:ext uri="{FF2B5EF4-FFF2-40B4-BE49-F238E27FC236}">
+                <a16:creationId xmlns:a16="http://schemas.microsoft.com/office/drawing/2014/main" id="{07F83741-1407-9D48-9F5C-8F49508EF74B}"/>
+              </a:ext>
+            </a:extLst>
+          </p:cNvPr>
+          <p:cNvSpPr>
+            <a:spLocks noGrp="1"/>
+          </p:cNvSpPr>
+          <p:nvPr>
+            <p:ph sz="quarter" idx="1"/>
+          </p:nvPr>
+        </p:nvSpPr>
+        <p:spPr/>
+        <p:txBody>
+          <a:bodyPr/>
+          <a:lstStyle/>
+          <a:p>
+            <a:pPr marL="0" indent="0" algn="l">
+              <a:buNone/>
+            </a:pPr>
+            <a:r>
+              <a:rPr lang="en-US" dirty="0"/>
+              <a:t>It’s a good match of CS department policy on course letter grades: </a:t>
+            </a:r>
+            <a:r>
+              <a:rPr lang="en-US" sz="2000" dirty="0">
+                <a:hlinkClick r:id="rId2"/>
+              </a:rPr>
+              <a:t>http://ugrads.cs.virginia.edu/grading-guidelines.html</a:t>
+            </a:r>
+            <a:r>
+              <a:rPr lang="en-US" sz="2000" dirty="0"/>
+              <a:t> </a:t>
+            </a:r>
+            <a:endParaRPr lang="en-US" dirty="0"/>
+          </a:p>
+          <a:p>
+            <a:pPr marL="0" indent="0" algn="l">
+              <a:buNone/>
+            </a:pPr>
+            <a:r>
+              <a:rPr lang="en-US" b="1" dirty="0"/>
+              <a:t>We Think These Are Benefits:</a:t>
+            </a:r>
+          </a:p>
+          <a:p>
+            <a:pPr algn="l"/>
+            <a:r>
+              <a:rPr lang="en-US" dirty="0"/>
+              <a:t>It values competence in a breadth of modules</a:t>
+            </a:r>
+          </a:p>
+          <a:p>
+            <a:pPr algn="l"/>
+            <a:r>
+              <a:rPr lang="en-US" dirty="0"/>
+              <a:t>Lower stress from HWs: practice, explore, tinker,…</a:t>
+            </a:r>
+          </a:p>
+          <a:p>
+            <a:pPr algn="l"/>
+            <a:r>
+              <a:rPr lang="en-US" dirty="0"/>
+              <a:t>Lower stress because you can repeat quizzes</a:t>
+            </a:r>
+          </a:p>
+          <a:p>
+            <a:pPr lvl="1" algn="l"/>
+            <a:r>
+              <a:rPr lang="en-US" dirty="0"/>
+              <a:t>Many quizzes, more chances to take</a:t>
+            </a:r>
+          </a:p>
+          <a:p>
+            <a:pPr algn="l"/>
+            <a:r>
+              <a:rPr lang="en-US" dirty="0"/>
+              <a:t>“Visible:” You know what you’ve earned so far, can predict scores on future modules to see where you might end up</a:t>
+            </a:r>
+          </a:p>
+          <a:p>
+            <a:pPr algn="l"/>
+            <a:r>
+              <a:rPr lang="en-US" dirty="0"/>
+              <a:t>Small grading changes have correspondingly small impacts on final grade</a:t>
+            </a:r>
+          </a:p>
+          <a:p>
+            <a:pPr algn="l"/>
             <a:endParaRPr lang="en-US" dirty="0"/>
           </a:p>
         </p:txBody>
@@ -7387,7 +7435,7 @@
     </p:spTree>
     <p:extLst>
       <p:ext uri="{BB962C8B-B14F-4D97-AF65-F5344CB8AC3E}">
-        <p14:creationId xmlns:p14="http://schemas.microsoft.com/office/powerpoint/2010/main" val="914414979"/>
+        <p14:creationId xmlns:p14="http://schemas.microsoft.com/office/powerpoint/2010/main" val="3332915286"/>
       </p:ext>
     </p:extLst>
   </p:cSld>
@@ -7416,7 +7464,7 @@
       </p:grpSpPr>
       <p:sp>
         <p:nvSpPr>
-          <p:cNvPr id="16386" name="Title 1"/>
+          <p:cNvPr id="18434" name="Title 1"/>
           <p:cNvSpPr>
             <a:spLocks noGrp="1"/>
           </p:cNvSpPr>
@@ -7431,14 +7479,14 @@
           <a:p>
             <a:r>
               <a:rPr lang="en-US" dirty="0"/>
-              <a:t>Homework: Programming Hints</a:t>
-            </a:r>
-          </a:p>
-        </p:txBody>
-      </p:sp>
-      <p:sp>
-        <p:nvSpPr>
-          <p:cNvPr id="16387" name="Content Placeholder 2"/>
+              <a:t>Office Hours</a:t>
+            </a:r>
+          </a:p>
+        </p:txBody>
+      </p:sp>
+      <p:sp>
+        <p:nvSpPr>
+          <p:cNvPr id="18435" name="Content Placeholder 2"/>
           <p:cNvSpPr>
             <a:spLocks noGrp="1"/>
           </p:cNvSpPr>
@@ -7449,109 +7497,14 @@
         <p:spPr/>
         <p:txBody>
           <a:bodyPr>
-            <a:normAutofit lnSpcReduction="10000"/>
+            <a:normAutofit/>
           </a:bodyPr>
           <a:lstStyle/>
           <a:p>
-            <a:r>
-              <a:rPr lang="en-US" dirty="0"/>
-              <a:t>Understand the problem!</a:t>
-            </a:r>
-          </a:p>
-          <a:p>
-            <a:r>
-              <a:rPr lang="en-US" dirty="0"/>
-              <a:t>Consider all boundary cases</a:t>
-            </a:r>
-          </a:p>
-          <a:p>
-            <a:r>
-              <a:rPr lang="en-US" dirty="0"/>
-              <a:t>Use pre-existing library code</a:t>
-            </a:r>
-          </a:p>
-          <a:p>
-            <a:pPr lvl="1"/>
-            <a:r>
-              <a:rPr lang="en-US" dirty="0"/>
-              <a:t>Number formatting: </a:t>
-            </a:r>
-            <a:r>
-              <a:rPr lang="en-US" dirty="0" err="1"/>
-              <a:t>NumberFormat</a:t>
-            </a:r>
-            <a:r>
-              <a:rPr lang="en-US" dirty="0"/>
-              <a:t> in Java, </a:t>
-            </a:r>
-            <a:r>
-              <a:rPr lang="en-US" dirty="0" err="1"/>
-              <a:t>printf</a:t>
-            </a:r>
-            <a:r>
-              <a:rPr lang="en-US" dirty="0"/>
-              <a:t>() in C/C++</a:t>
-            </a:r>
-          </a:p>
-          <a:p>
-            <a:pPr lvl="1"/>
-            <a:r>
-              <a:rPr lang="en-US" dirty="0"/>
-              <a:t>Input: Scanner in Java, </a:t>
-            </a:r>
-            <a:r>
-              <a:rPr lang="en-US" dirty="0" err="1"/>
-              <a:t>scanf</a:t>
-            </a:r>
-            <a:r>
-              <a:rPr lang="en-US" dirty="0"/>
-              <a:t>() in C, </a:t>
-            </a:r>
-            <a:r>
-              <a:rPr lang="en-US" dirty="0" err="1"/>
-              <a:t>cin</a:t>
-            </a:r>
-            <a:r>
-              <a:rPr lang="en-US" dirty="0"/>
-              <a:t> in C++</a:t>
-            </a:r>
-          </a:p>
-          <a:p>
-            <a:r>
-              <a:rPr lang="en-US" dirty="0"/>
-              <a:t>Know how to handle floating point numbers</a:t>
-            </a:r>
-          </a:p>
-          <a:p>
-            <a:pPr lvl="1"/>
-            <a:r>
-              <a:rPr lang="en-US" dirty="0"/>
-              <a:t>Understand float/double precision issues</a:t>
-            </a:r>
-          </a:p>
-          <a:p>
-            <a:pPr lvl="1"/>
-            <a:r>
-              <a:rPr lang="en-US" dirty="0"/>
-              <a:t>Rounding, floating-point mod</a:t>
-            </a:r>
-          </a:p>
-          <a:p>
-            <a:r>
-              <a:rPr lang="en-US" dirty="0"/>
-              <a:t>Make sure it works for the provided test cases</a:t>
-            </a:r>
-          </a:p>
-          <a:p>
-            <a:r>
-              <a:rPr lang="en-US" dirty="0"/>
-              <a:t>Then write some of your own</a:t>
-            </a:r>
-          </a:p>
-          <a:p>
-            <a:r>
-              <a:rPr lang="en-US" dirty="0"/>
-              <a:t>Make sure you read the language specific details for submission!!!</a:t>
+            <a:pPr algn="l"/>
+            <a:r>
+              <a:rPr lang="en-US" dirty="0"/>
+              <a:t>Let’s discuss office hours by looking at the course website.</a:t>
             </a:r>
           </a:p>
         </p:txBody>
@@ -7576,11 +7529,16 @@
               <a:pPr/>
               <a:t>23</a:t>
             </a:fld>
-            <a:endParaRPr lang="en-US"/>
+            <a:endParaRPr lang="en-US" dirty="0"/>
           </a:p>
         </p:txBody>
       </p:sp>
     </p:spTree>
+    <p:extLst>
+      <p:ext uri="{BB962C8B-B14F-4D97-AF65-F5344CB8AC3E}">
+        <p14:creationId xmlns:p14="http://schemas.microsoft.com/office/powerpoint/2010/main" val="914414979"/>
+      </p:ext>
+    </p:extLst>
   </p:cSld>
   <p:clrMapOvr>
     <a:masterClrMapping/>
@@ -7607,7 +7565,7 @@
       </p:grpSpPr>
       <p:sp>
         <p:nvSpPr>
-          <p:cNvPr id="2" name="Title 1"/>
+          <p:cNvPr id="16386" name="Title 1"/>
           <p:cNvSpPr>
             <a:spLocks noGrp="1"/>
           </p:cNvSpPr>
@@ -7622,14 +7580,134 @@
           <a:p>
             <a:r>
               <a:rPr lang="en-US" dirty="0"/>
-              <a:t>Homework: Programming FAQ</a:t>
-            </a:r>
-          </a:p>
-        </p:txBody>
-      </p:sp>
-      <p:sp>
-        <p:nvSpPr>
-          <p:cNvPr id="3" name="Slide Number Placeholder 2"/>
+              <a:t>Homework: Programming Hints</a:t>
+            </a:r>
+          </a:p>
+        </p:txBody>
+      </p:sp>
+      <p:sp>
+        <p:nvSpPr>
+          <p:cNvPr id="16387" name="Content Placeholder 2"/>
+          <p:cNvSpPr>
+            <a:spLocks noGrp="1"/>
+          </p:cNvSpPr>
+          <p:nvPr>
+            <p:ph sz="quarter" idx="1"/>
+          </p:nvPr>
+        </p:nvSpPr>
+        <p:spPr/>
+        <p:txBody>
+          <a:bodyPr>
+            <a:normAutofit lnSpcReduction="10000"/>
+          </a:bodyPr>
+          <a:lstStyle/>
+          <a:p>
+            <a:r>
+              <a:rPr lang="en-US" dirty="0"/>
+              <a:t>Understand the problem!</a:t>
+            </a:r>
+          </a:p>
+          <a:p>
+            <a:r>
+              <a:rPr lang="en-US" dirty="0"/>
+              <a:t>Consider all boundary cases</a:t>
+            </a:r>
+          </a:p>
+          <a:p>
+            <a:r>
+              <a:rPr lang="en-US" dirty="0"/>
+              <a:t>Use pre-existing library code</a:t>
+            </a:r>
+          </a:p>
+          <a:p>
+            <a:pPr lvl="1"/>
+            <a:r>
+              <a:rPr lang="en-US" dirty="0"/>
+              <a:t>Number formatting: </a:t>
+            </a:r>
+            <a:r>
+              <a:rPr lang="en-US" dirty="0" err="1"/>
+              <a:t>NumberFormat</a:t>
+            </a:r>
+            <a:r>
+              <a:rPr lang="en-US" dirty="0"/>
+              <a:t> in Java, </a:t>
+            </a:r>
+            <a:r>
+              <a:rPr lang="en-US" dirty="0" err="1"/>
+              <a:t>printf</a:t>
+            </a:r>
+            <a:r>
+              <a:rPr lang="en-US" dirty="0"/>
+              <a:t>() in C/C++</a:t>
+            </a:r>
+          </a:p>
+          <a:p>
+            <a:pPr lvl="1"/>
+            <a:r>
+              <a:rPr lang="en-US" dirty="0"/>
+              <a:t>Input: Scanner in Java, </a:t>
+            </a:r>
+            <a:r>
+              <a:rPr lang="en-US" dirty="0" err="1"/>
+              <a:t>scanf</a:t>
+            </a:r>
+            <a:r>
+              <a:rPr lang="en-US" dirty="0"/>
+              <a:t>() in C, </a:t>
+            </a:r>
+            <a:r>
+              <a:rPr lang="en-US" dirty="0" err="1"/>
+              <a:t>cin</a:t>
+            </a:r>
+            <a:r>
+              <a:rPr lang="en-US" dirty="0"/>
+              <a:t> in C++</a:t>
+            </a:r>
+          </a:p>
+          <a:p>
+            <a:r>
+              <a:rPr lang="en-US" dirty="0"/>
+              <a:t>Know how to handle floating point numbers</a:t>
+            </a:r>
+          </a:p>
+          <a:p>
+            <a:pPr lvl="1"/>
+            <a:r>
+              <a:rPr lang="en-US" dirty="0"/>
+              <a:t>Understand float/double precision issues</a:t>
+            </a:r>
+          </a:p>
+          <a:p>
+            <a:pPr lvl="1"/>
+            <a:r>
+              <a:rPr lang="en-US" dirty="0"/>
+              <a:t>Rounding, floating-point mod</a:t>
+            </a:r>
+          </a:p>
+          <a:p>
+            <a:r>
+              <a:rPr lang="en-US" dirty="0"/>
+              <a:t>Make sure it works for the provided test cases</a:t>
+            </a:r>
+          </a:p>
+          <a:p>
+            <a:r>
+              <a:rPr lang="en-US" dirty="0"/>
+              <a:t>Then write some of your own</a:t>
+            </a:r>
+          </a:p>
+          <a:p>
+            <a:r>
+              <a:rPr lang="en-US" dirty="0"/>
+              <a:t>Make sure you read the language specific details for submission!!!</a:t>
+            </a:r>
+          </a:p>
+        </p:txBody>
+      </p:sp>
+      <p:sp>
+        <p:nvSpPr>
+          <p:cNvPr id="4" name="Slide Number Placeholder 3"/>
           <p:cNvSpPr>
             <a:spLocks noGrp="1"/>
           </p:cNvSpPr>
@@ -7651,77 +7729,7 @@
           </a:p>
         </p:txBody>
       </p:sp>
-      <p:sp>
-        <p:nvSpPr>
-          <p:cNvPr id="4" name="Content Placeholder 3"/>
-          <p:cNvSpPr>
-            <a:spLocks noGrp="1"/>
-          </p:cNvSpPr>
-          <p:nvPr>
-            <p:ph sz="quarter" idx="1"/>
-          </p:nvPr>
-        </p:nvSpPr>
-        <p:spPr/>
-        <p:txBody>
-          <a:bodyPr>
-            <a:normAutofit fontScale="92500"/>
-          </a:bodyPr>
-          <a:lstStyle/>
-          <a:p>
-            <a:r>
-              <a:rPr lang="en-US" dirty="0"/>
-              <a:t>Do I need to write my own sorting methods.</a:t>
-            </a:r>
-          </a:p>
-          <a:p>
-            <a:pPr lvl="1"/>
-            <a:r>
-              <a:rPr lang="en-US" dirty="0"/>
-              <a:t>No, unless the point of that assignment is to write sorting methods, you can use libraries for this.</a:t>
-            </a:r>
-          </a:p>
-          <a:p>
-            <a:pPr lvl="1"/>
-            <a:endParaRPr lang="en-US" dirty="0"/>
-          </a:p>
-          <a:p>
-            <a:r>
-              <a:rPr lang="en-US" dirty="0"/>
-              <a:t>Can I get the test cases from submission server?</a:t>
-            </a:r>
-          </a:p>
-          <a:p>
-            <a:pPr lvl="1"/>
-            <a:r>
-              <a:rPr lang="en-US" dirty="0"/>
-              <a:t>No, part of the point is to work on brainstorming cases your code is missing without being told. Submission server will give limited feedback on purpose!</a:t>
-            </a:r>
-          </a:p>
-          <a:p>
-            <a:pPr lvl="1"/>
-            <a:endParaRPr lang="en-US" dirty="0"/>
-          </a:p>
-          <a:p>
-            <a:r>
-              <a:rPr lang="en-US" dirty="0"/>
-              <a:t>Will you help me debug my code?</a:t>
-            </a:r>
-          </a:p>
-          <a:p>
-            <a:pPr lvl="1"/>
-            <a:r>
-              <a:rPr lang="en-US" dirty="0"/>
-              <a:t>No, we won’t. You need to learn how to do this on your own. I’m happy to give you advice on how to approach your debugging problems, but I will not sit down and debug code with you.</a:t>
-            </a:r>
-          </a:p>
-        </p:txBody>
-      </p:sp>
     </p:spTree>
-    <p:extLst>
-      <p:ext uri="{BB962C8B-B14F-4D97-AF65-F5344CB8AC3E}">
-        <p14:creationId xmlns:p14="http://schemas.microsoft.com/office/powerpoint/2010/main" val="1749701482"/>
-      </p:ext>
-    </p:extLst>
   </p:cSld>
   <p:clrMapOvr>
     <a:masterClrMapping/>
@@ -7748,7 +7756,7 @@
       </p:grpSpPr>
       <p:sp>
         <p:nvSpPr>
-          <p:cNvPr id="17410" name="Title 1"/>
+          <p:cNvPr id="2" name="Title 1"/>
           <p:cNvSpPr>
             <a:spLocks noGrp="1"/>
           </p:cNvSpPr>
@@ -7763,62 +7771,14 @@
           <a:p>
             <a:r>
               <a:rPr lang="en-US" dirty="0"/>
-              <a:t>Homework: Written</a:t>
-            </a:r>
-          </a:p>
-        </p:txBody>
-      </p:sp>
-      <p:sp>
-        <p:nvSpPr>
-          <p:cNvPr id="17411" name="Content Placeholder 2"/>
-          <p:cNvSpPr>
-            <a:spLocks noGrp="1"/>
-          </p:cNvSpPr>
-          <p:nvPr>
-            <p:ph sz="quarter" idx="1"/>
-          </p:nvPr>
-        </p:nvSpPr>
-        <p:spPr/>
-        <p:txBody>
-          <a:bodyPr/>
-          <a:lstStyle/>
-          <a:p>
-            <a:r>
-              <a:rPr lang="en-US" dirty="0"/>
-              <a:t>These assignments must be typeset in </a:t>
-            </a:r>
-            <a:r>
-              <a:rPr lang="en-US" dirty="0" err="1"/>
-              <a:t>LaTeX</a:t>
-            </a:r>
-            <a:endParaRPr lang="en-US" dirty="0"/>
-          </a:p>
-          <a:p>
-            <a:endParaRPr lang="en-US" dirty="0"/>
-          </a:p>
-          <a:p>
-            <a:r>
-              <a:rPr lang="en-US" dirty="0"/>
-              <a:t>I will provide a couple tutorials, guides, and templates when the first assignment is given out</a:t>
-            </a:r>
-          </a:p>
-          <a:p>
-            <a:endParaRPr lang="en-US" dirty="0"/>
-          </a:p>
-          <a:p>
-            <a:r>
-              <a:rPr lang="en-US" dirty="0"/>
-              <a:t>You may not embed images of text or formulas!</a:t>
-            </a:r>
-          </a:p>
-          <a:p>
-            <a:endParaRPr lang="en-US" dirty="0"/>
-          </a:p>
-        </p:txBody>
-      </p:sp>
-      <p:sp>
-        <p:nvSpPr>
-          <p:cNvPr id="4" name="Slide Number Placeholder 3"/>
+              <a:t>Homework: Programming FAQ</a:t>
+            </a:r>
+          </a:p>
+        </p:txBody>
+      </p:sp>
+      <p:sp>
+        <p:nvSpPr>
+          <p:cNvPr id="3" name="Slide Number Placeholder 2"/>
           <p:cNvSpPr>
             <a:spLocks noGrp="1"/>
           </p:cNvSpPr>
@@ -7840,7 +7800,77 @@
           </a:p>
         </p:txBody>
       </p:sp>
+      <p:sp>
+        <p:nvSpPr>
+          <p:cNvPr id="4" name="Content Placeholder 3"/>
+          <p:cNvSpPr>
+            <a:spLocks noGrp="1"/>
+          </p:cNvSpPr>
+          <p:nvPr>
+            <p:ph sz="quarter" idx="1"/>
+          </p:nvPr>
+        </p:nvSpPr>
+        <p:spPr/>
+        <p:txBody>
+          <a:bodyPr>
+            <a:normAutofit fontScale="92500"/>
+          </a:bodyPr>
+          <a:lstStyle/>
+          <a:p>
+            <a:r>
+              <a:rPr lang="en-US" dirty="0"/>
+              <a:t>Do I need to write my own sorting methods.</a:t>
+            </a:r>
+          </a:p>
+          <a:p>
+            <a:pPr lvl="1"/>
+            <a:r>
+              <a:rPr lang="en-US" dirty="0"/>
+              <a:t>No, unless the point of that assignment is to write sorting methods, you can use libraries for this.</a:t>
+            </a:r>
+          </a:p>
+          <a:p>
+            <a:pPr lvl="1"/>
+            <a:endParaRPr lang="en-US" dirty="0"/>
+          </a:p>
+          <a:p>
+            <a:r>
+              <a:rPr lang="en-US" dirty="0"/>
+              <a:t>Can I get the test cases from submission server?</a:t>
+            </a:r>
+          </a:p>
+          <a:p>
+            <a:pPr lvl="1"/>
+            <a:r>
+              <a:rPr lang="en-US" dirty="0"/>
+              <a:t>No, part of the point is to work on brainstorming cases your code is missing without being told. Submission server will give limited feedback on purpose!</a:t>
+            </a:r>
+          </a:p>
+          <a:p>
+            <a:pPr lvl="1"/>
+            <a:endParaRPr lang="en-US" dirty="0"/>
+          </a:p>
+          <a:p>
+            <a:r>
+              <a:rPr lang="en-US" dirty="0"/>
+              <a:t>Will you help me debug my code?</a:t>
+            </a:r>
+          </a:p>
+          <a:p>
+            <a:pPr lvl="1"/>
+            <a:r>
+              <a:rPr lang="en-US" dirty="0"/>
+              <a:t>No, we won’t. You need to learn how to do this on your own. I’m happy to give you advice on how to approach your debugging problems, but I will not sit down and debug code with you.</a:t>
+            </a:r>
+          </a:p>
+        </p:txBody>
+      </p:sp>
     </p:spTree>
+    <p:extLst>
+      <p:ext uri="{BB962C8B-B14F-4D97-AF65-F5344CB8AC3E}">
+        <p14:creationId xmlns:p14="http://schemas.microsoft.com/office/powerpoint/2010/main" val="1749701482"/>
+      </p:ext>
+    </p:extLst>
   </p:cSld>
   <p:clrMapOvr>
     <a:masterClrMapping/>
@@ -7867,7 +7897,7 @@
       </p:grpSpPr>
       <p:sp>
         <p:nvSpPr>
-          <p:cNvPr id="18434" name="Title 1"/>
+          <p:cNvPr id="17410" name="Title 1"/>
           <p:cNvSpPr>
             <a:spLocks noGrp="1"/>
           </p:cNvSpPr>
@@ -7882,14 +7912,14 @@
           <a:p>
             <a:r>
               <a:rPr lang="en-US" dirty="0"/>
-              <a:t>Working in groups</a:t>
-            </a:r>
-          </a:p>
-        </p:txBody>
-      </p:sp>
-      <p:sp>
-        <p:nvSpPr>
-          <p:cNvPr id="18435" name="Content Placeholder 2"/>
+              <a:t>Homework: Written</a:t>
+            </a:r>
+          </a:p>
+        </p:txBody>
+      </p:sp>
+      <p:sp>
+        <p:nvSpPr>
+          <p:cNvPr id="17411" name="Content Placeholder 2"/>
           <p:cNvSpPr>
             <a:spLocks noGrp="1"/>
           </p:cNvSpPr>
@@ -7899,57 +7929,39 @@
         </p:nvSpPr>
         <p:spPr/>
         <p:txBody>
-          <a:bodyPr>
-            <a:normAutofit/>
-          </a:bodyPr>
-          <a:lstStyle/>
-          <a:p>
-            <a:r>
-              <a:rPr lang="en-US" dirty="0"/>
-              <a:t>For the </a:t>
+          <a:bodyPr/>
+          <a:lstStyle/>
+          <a:p>
+            <a:r>
+              <a:rPr lang="en-US" dirty="0"/>
+              <a:t>These assignments must be typeset in </a:t>
             </a:r>
             <a:r>
               <a:rPr lang="en-US" dirty="0" err="1"/>
-              <a:t>homeworks</a:t>
-            </a:r>
-            <a:r>
-              <a:rPr lang="en-US" dirty="0"/>
-              <a:t>, you may work together in groups of 3 or less to discuss the algorithmic aspects ONLY</a:t>
-            </a:r>
-          </a:p>
-          <a:p>
-            <a:pPr lvl="1"/>
-            <a:r>
-              <a:rPr lang="en-US" dirty="0"/>
-              <a:t>State who you worked with (in code comments)</a:t>
-            </a:r>
-          </a:p>
-          <a:p>
-            <a:pPr lvl="1"/>
-            <a:r>
-              <a:rPr lang="en-US" dirty="0"/>
-              <a:t>No looking at another person’s code, or ANY code online!!</a:t>
-            </a:r>
-          </a:p>
-          <a:p>
-            <a:r>
-              <a:rPr lang="en-US" dirty="0"/>
-              <a:t>For the written homeworks, you may work together in groups of 3 or less, but you MUST:</a:t>
-            </a:r>
-          </a:p>
-          <a:p>
-            <a:pPr lvl="1"/>
-            <a:r>
-              <a:rPr lang="en-US" dirty="0"/>
-              <a:t>State who you worked with</a:t>
-            </a:r>
-          </a:p>
-          <a:p>
-            <a:pPr lvl="1"/>
-            <a:r>
-              <a:rPr lang="en-US" dirty="0"/>
-              <a:t>Type up your own assignment!</a:t>
-            </a:r>
+              <a:t>LaTeX</a:t>
+            </a:r>
+            <a:endParaRPr lang="en-US" dirty="0"/>
+          </a:p>
+          <a:p>
+            <a:endParaRPr lang="en-US" dirty="0"/>
+          </a:p>
+          <a:p>
+            <a:r>
+              <a:rPr lang="en-US" dirty="0"/>
+              <a:t>I will provide a couple tutorials, guides, and templates when the first assignment is given out</a:t>
+            </a:r>
+          </a:p>
+          <a:p>
+            <a:endParaRPr lang="en-US" dirty="0"/>
+          </a:p>
+          <a:p>
+            <a:r>
+              <a:rPr lang="en-US" dirty="0"/>
+              <a:t>You may not embed images of text or formulas!</a:t>
+            </a:r>
+          </a:p>
+          <a:p>
+            <a:endParaRPr lang="en-US" dirty="0"/>
           </a:p>
         </p:txBody>
       </p:sp>
@@ -7973,7 +7985,7 @@
               <a:pPr/>
               <a:t>26</a:t>
             </a:fld>
-            <a:endParaRPr lang="en-US" dirty="0"/>
+            <a:endParaRPr lang="en-US"/>
           </a:p>
         </p:txBody>
       </p:sp>
@@ -7986,6 +7998,359 @@
 </file>
 
 <file path=ppt/slides/slide27.xml><?xml version="1.0" encoding="utf-8"?>
+<p:sld xmlns:a="http://schemas.openxmlformats.org/drawingml/2006/main" xmlns:r="http://schemas.openxmlformats.org/officeDocument/2006/relationships" xmlns:p="http://schemas.openxmlformats.org/presentationml/2006/main">
+  <p:cSld>
+    <p:spTree>
+      <p:nvGrpSpPr>
+        <p:cNvPr id="1" name=""/>
+        <p:cNvGrpSpPr/>
+        <p:nvPr/>
+      </p:nvGrpSpPr>
+      <p:grpSpPr>
+        <a:xfrm>
+          <a:off x="0" y="0"/>
+          <a:ext cx="0" cy="0"/>
+          <a:chOff x="0" y="0"/>
+          <a:chExt cx="0" cy="0"/>
+        </a:xfrm>
+      </p:grpSpPr>
+      <p:sp>
+        <p:nvSpPr>
+          <p:cNvPr id="2" name="Title 1">
+            <a:extLst>
+              <a:ext uri="{FF2B5EF4-FFF2-40B4-BE49-F238E27FC236}">
+                <a16:creationId xmlns:a16="http://schemas.microsoft.com/office/drawing/2014/main" id="{8E5DC06E-652D-CD40-8782-E878E11BC092}"/>
+              </a:ext>
+            </a:extLst>
+          </p:cNvPr>
+          <p:cNvSpPr>
+            <a:spLocks noGrp="1"/>
+          </p:cNvSpPr>
+          <p:nvPr>
+            <p:ph type="title"/>
+          </p:nvPr>
+        </p:nvSpPr>
+        <p:spPr/>
+        <p:txBody>
+          <a:bodyPr/>
+          <a:lstStyle/>
+          <a:p>
+            <a:r>
+              <a:rPr lang="en-US" dirty="0"/>
+              <a:t>Use of Online Code Etc.</a:t>
+            </a:r>
+          </a:p>
+        </p:txBody>
+      </p:sp>
+      <p:sp>
+        <p:nvSpPr>
+          <p:cNvPr id="3" name="Slide Number Placeholder 2">
+            <a:extLst>
+              <a:ext uri="{FF2B5EF4-FFF2-40B4-BE49-F238E27FC236}">
+                <a16:creationId xmlns:a16="http://schemas.microsoft.com/office/drawing/2014/main" id="{56136DFE-FBB4-E24C-ABB6-77FCF4FCA26D}"/>
+              </a:ext>
+            </a:extLst>
+          </p:cNvPr>
+          <p:cNvSpPr>
+            <a:spLocks noGrp="1"/>
+          </p:cNvSpPr>
+          <p:nvPr>
+            <p:ph type="sldNum" sz="quarter" idx="12"/>
+          </p:nvPr>
+        </p:nvSpPr>
+        <p:spPr/>
+        <p:txBody>
+          <a:bodyPr/>
+          <a:lstStyle/>
+          <a:p>
+            <a:fld id="{F26D9103-0C5C-48AC-B68E-3ED2C1647047}" type="slidenum">
+              <a:rPr lang="en-US" smtClean="0"/>
+              <a:pPr/>
+              <a:t>27</a:t>
+            </a:fld>
+            <a:endParaRPr lang="en-US"/>
+          </a:p>
+        </p:txBody>
+      </p:sp>
+      <p:sp>
+        <p:nvSpPr>
+          <p:cNvPr id="4" name="Content Placeholder 3">
+            <a:extLst>
+              <a:ext uri="{FF2B5EF4-FFF2-40B4-BE49-F238E27FC236}">
+                <a16:creationId xmlns:a16="http://schemas.microsoft.com/office/drawing/2014/main" id="{8C2A69A9-9079-244C-BEAE-11CF7ACAB26E}"/>
+              </a:ext>
+            </a:extLst>
+          </p:cNvPr>
+          <p:cNvSpPr>
+            <a:spLocks noGrp="1"/>
+          </p:cNvSpPr>
+          <p:nvPr>
+            <p:ph sz="quarter" idx="1"/>
+          </p:nvPr>
+        </p:nvSpPr>
+        <p:spPr/>
+        <p:txBody>
+          <a:bodyPr>
+            <a:normAutofit fontScale="92500" lnSpcReduction="10000"/>
+          </a:bodyPr>
+          <a:lstStyle/>
+          <a:p>
+            <a:r>
+              <a:rPr lang="en-US" u="sng" dirty="0"/>
+              <a:t>Studying</a:t>
+            </a:r>
+            <a:r>
+              <a:rPr lang="en-US" dirty="0"/>
+              <a:t> code online is permitted </a:t>
+            </a:r>
+            <a:r>
+              <a:rPr lang="en-US" u="sng" dirty="0"/>
+              <a:t>but only</a:t>
+            </a:r>
+            <a:r>
+              <a:rPr lang="en-US" dirty="0"/>
+              <a:t> for getting ideas</a:t>
+            </a:r>
+          </a:p>
+          <a:p>
+            <a:r>
+              <a:rPr lang="en-US" dirty="0"/>
+              <a:t>Copying or reusing code from an online source violates the pledge</a:t>
+            </a:r>
+          </a:p>
+          <a:p>
+            <a:pPr lvl="1"/>
+            <a:r>
+              <a:rPr lang="en-US" dirty="0"/>
+              <a:t>You must cite sources of any online code you use in this way in a comment in your source file(s)</a:t>
+            </a:r>
+          </a:p>
+          <a:p>
+            <a:pPr lvl="1"/>
+            <a:endParaRPr lang="en-US" dirty="0"/>
+          </a:p>
+          <a:p>
+            <a:r>
+              <a:rPr lang="en-US" dirty="0"/>
+              <a:t>Remember:  the purpose of the homework is</a:t>
+            </a:r>
+          </a:p>
+          <a:p>
+            <a:pPr lvl="1"/>
+            <a:r>
+              <a:rPr lang="en-US" dirty="0"/>
+              <a:t>To </a:t>
+            </a:r>
+            <a:r>
+              <a:rPr lang="en-US" b="1" i="1" u="sng" dirty="0"/>
+              <a:t>practice</a:t>
+            </a:r>
+            <a:r>
+              <a:rPr lang="en-US" dirty="0"/>
+              <a:t> in an environment that is lower-stress</a:t>
+            </a:r>
+          </a:p>
+          <a:p>
+            <a:pPr lvl="1"/>
+            <a:r>
+              <a:rPr lang="en-US" dirty="0"/>
+              <a:t>To </a:t>
+            </a:r>
+            <a:r>
+              <a:rPr lang="en-US" b="1" i="1" u="sng" dirty="0"/>
+              <a:t>push yourself </a:t>
+            </a:r>
+            <a:r>
+              <a:rPr lang="en-US" dirty="0"/>
+              <a:t>to solve algorithms problems to prepare you for the quizzes, NOT just to get a grade.</a:t>
+            </a:r>
+          </a:p>
+          <a:p>
+            <a:pPr lvl="1"/>
+            <a:r>
+              <a:rPr lang="en-US" dirty="0"/>
+              <a:t>To </a:t>
+            </a:r>
+            <a:r>
+              <a:rPr lang="en-US" b="1" i="1" u="sng" dirty="0"/>
+              <a:t>tinker and experiment </a:t>
+            </a:r>
+            <a:r>
+              <a:rPr lang="en-US" dirty="0"/>
+              <a:t>with your code (e.g., what happens if I slightly change the base case on this algorithm)</a:t>
+            </a:r>
+          </a:p>
+          <a:p>
+            <a:pPr lvl="1"/>
+            <a:r>
+              <a:rPr lang="en-US" dirty="0"/>
+              <a:t>To focus on </a:t>
+            </a:r>
+            <a:r>
+              <a:rPr lang="en-US" b="1" i="1" u="sng" dirty="0"/>
+              <a:t>attempting to solve problems yourself </a:t>
+            </a:r>
+            <a:r>
+              <a:rPr lang="en-US" dirty="0"/>
+              <a:t>before asking others for assistance.</a:t>
+            </a:r>
+          </a:p>
+          <a:p>
+            <a:endParaRPr lang="en-US" dirty="0"/>
+          </a:p>
+        </p:txBody>
+      </p:sp>
+    </p:spTree>
+    <p:extLst>
+      <p:ext uri="{BB962C8B-B14F-4D97-AF65-F5344CB8AC3E}">
+        <p14:creationId xmlns:p14="http://schemas.microsoft.com/office/powerpoint/2010/main" val="2238925923"/>
+      </p:ext>
+    </p:extLst>
+  </p:cSld>
+  <p:clrMapOvr>
+    <a:masterClrMapping/>
+  </p:clrMapOvr>
+</p:sld>
+</file>
+
+<file path=ppt/slides/slide28.xml><?xml version="1.0" encoding="utf-8"?>
+<p:sld xmlns:a="http://schemas.openxmlformats.org/drawingml/2006/main" xmlns:r="http://schemas.openxmlformats.org/officeDocument/2006/relationships" xmlns:p="http://schemas.openxmlformats.org/presentationml/2006/main">
+  <p:cSld>
+    <p:spTree>
+      <p:nvGrpSpPr>
+        <p:cNvPr id="1" name=""/>
+        <p:cNvGrpSpPr/>
+        <p:nvPr/>
+      </p:nvGrpSpPr>
+      <p:grpSpPr>
+        <a:xfrm>
+          <a:off x="0" y="0"/>
+          <a:ext cx="0" cy="0"/>
+          <a:chOff x="0" y="0"/>
+          <a:chExt cx="0" cy="0"/>
+        </a:xfrm>
+      </p:grpSpPr>
+      <p:sp>
+        <p:nvSpPr>
+          <p:cNvPr id="18434" name="Title 1"/>
+          <p:cNvSpPr>
+            <a:spLocks noGrp="1"/>
+          </p:cNvSpPr>
+          <p:nvPr>
+            <p:ph type="title"/>
+          </p:nvPr>
+        </p:nvSpPr>
+        <p:spPr/>
+        <p:txBody>
+          <a:bodyPr/>
+          <a:lstStyle/>
+          <a:p>
+            <a:r>
+              <a:rPr lang="en-US" dirty="0"/>
+              <a:t>Working in groups</a:t>
+            </a:r>
+          </a:p>
+        </p:txBody>
+      </p:sp>
+      <p:sp>
+        <p:nvSpPr>
+          <p:cNvPr id="18435" name="Content Placeholder 2"/>
+          <p:cNvSpPr>
+            <a:spLocks noGrp="1"/>
+          </p:cNvSpPr>
+          <p:nvPr>
+            <p:ph sz="quarter" idx="1"/>
+          </p:nvPr>
+        </p:nvSpPr>
+        <p:spPr/>
+        <p:txBody>
+          <a:bodyPr>
+            <a:normAutofit/>
+          </a:bodyPr>
+          <a:lstStyle/>
+          <a:p>
+            <a:r>
+              <a:rPr lang="en-US" dirty="0"/>
+              <a:t>For the </a:t>
+            </a:r>
+            <a:r>
+              <a:rPr lang="en-US" dirty="0" err="1"/>
+              <a:t>homeworks</a:t>
+            </a:r>
+            <a:r>
+              <a:rPr lang="en-US" dirty="0"/>
+              <a:t>, you may work together in groups of 3 or less to discuss the algorithmic aspects ONLY</a:t>
+            </a:r>
+          </a:p>
+          <a:p>
+            <a:pPr lvl="1"/>
+            <a:r>
+              <a:rPr lang="en-US" dirty="0"/>
+              <a:t>State who you worked with (in code comments)</a:t>
+            </a:r>
+          </a:p>
+          <a:p>
+            <a:pPr lvl="1"/>
+            <a:r>
+              <a:rPr lang="en-US" dirty="0"/>
+              <a:t>Do not look at or copy another student’s code!</a:t>
+            </a:r>
+          </a:p>
+          <a:p>
+            <a:r>
+              <a:rPr lang="en-US" dirty="0"/>
+              <a:t>For the written homeworks, you may work together in groups of 3 or less, but you MUST:</a:t>
+            </a:r>
+          </a:p>
+          <a:p>
+            <a:pPr lvl="1"/>
+            <a:r>
+              <a:rPr lang="en-US" dirty="0"/>
+              <a:t>State who you worked with</a:t>
+            </a:r>
+          </a:p>
+          <a:p>
+            <a:pPr lvl="1"/>
+            <a:r>
+              <a:rPr lang="en-US" dirty="0"/>
+              <a:t>Type up your own assignment!</a:t>
+            </a:r>
+          </a:p>
+        </p:txBody>
+      </p:sp>
+      <p:sp>
+        <p:nvSpPr>
+          <p:cNvPr id="4" name="Slide Number Placeholder 3"/>
+          <p:cNvSpPr>
+            <a:spLocks noGrp="1"/>
+          </p:cNvSpPr>
+          <p:nvPr>
+            <p:ph type="sldNum" sz="quarter" idx="12"/>
+          </p:nvPr>
+        </p:nvSpPr>
+        <p:spPr/>
+        <p:txBody>
+          <a:bodyPr/>
+          <a:lstStyle/>
+          <a:p>
+            <a:fld id="{F26D9103-0C5C-48AC-B68E-3ED2C1647047}" type="slidenum">
+              <a:rPr lang="en-US" smtClean="0"/>
+              <a:pPr/>
+              <a:t>28</a:t>
+            </a:fld>
+            <a:endParaRPr lang="en-US" dirty="0"/>
+          </a:p>
+        </p:txBody>
+      </p:sp>
+    </p:spTree>
+  </p:cSld>
+  <p:clrMapOvr>
+    <a:masterClrMapping/>
+  </p:clrMapOvr>
+</p:sld>
+</file>
+
+<file path=ppt/slides/slide29.xml><?xml version="1.0" encoding="utf-8"?>
 <p:sld xmlns:a="http://schemas.openxmlformats.org/drawingml/2006/main" xmlns:r="http://schemas.openxmlformats.org/officeDocument/2006/relationships" xmlns:p="http://schemas.openxmlformats.org/presentationml/2006/main">
   <p:cSld>
     <p:spTree>
@@ -8542,296 +8907,6 @@
 </p:sld>
 </file>
 
-<file path=ppt/slides/slide28.xml><?xml version="1.0" encoding="utf-8"?>
-<p:sld xmlns:a="http://schemas.openxmlformats.org/drawingml/2006/main" xmlns:r="http://schemas.openxmlformats.org/officeDocument/2006/relationships" xmlns:p="http://schemas.openxmlformats.org/presentationml/2006/main">
-  <p:cSld>
-    <p:spTree>
-      <p:nvGrpSpPr>
-        <p:cNvPr id="1" name=""/>
-        <p:cNvGrpSpPr/>
-        <p:nvPr/>
-      </p:nvGrpSpPr>
-      <p:grpSpPr>
-        <a:xfrm>
-          <a:off x="0" y="0"/>
-          <a:ext cx="0" cy="0"/>
-          <a:chOff x="0" y="0"/>
-          <a:chExt cx="0" cy="0"/>
-        </a:xfrm>
-      </p:grpSpPr>
-      <p:sp>
-        <p:nvSpPr>
-          <p:cNvPr id="21506" name="Rectangle 2"/>
-          <p:cNvSpPr>
-            <a:spLocks noGrp="1" noChangeArrowheads="1"/>
-          </p:cNvSpPr>
-          <p:nvPr>
-            <p:ph type="title"/>
-            <p:custDataLst>
-              <p:tags r:id="rId1"/>
-            </p:custDataLst>
-          </p:nvPr>
-        </p:nvSpPr>
-        <p:spPr/>
-        <p:txBody>
-          <a:bodyPr/>
-          <a:lstStyle/>
-          <a:p>
-            <a:r>
-              <a:rPr lang="en-US" dirty="0"/>
-              <a:t>What you know already from CS2150</a:t>
-            </a:r>
-          </a:p>
-        </p:txBody>
-      </p:sp>
-      <p:sp>
-        <p:nvSpPr>
-          <p:cNvPr id="4" name="Slide Number Placeholder 3"/>
-          <p:cNvSpPr>
-            <a:spLocks noGrp="1"/>
-          </p:cNvSpPr>
-          <p:nvPr>
-            <p:ph type="sldNum" sz="quarter" idx="12"/>
-          </p:nvPr>
-        </p:nvSpPr>
-        <p:spPr/>
-        <p:txBody>
-          <a:bodyPr/>
-          <a:lstStyle/>
-          <a:p>
-            <a:fld id="{F26D9103-0C5C-48AC-B68E-3ED2C1647047}" type="slidenum">
-              <a:rPr lang="en-US" smtClean="0"/>
-              <a:pPr/>
-              <a:t>28</a:t>
-            </a:fld>
-            <a:endParaRPr lang="en-US"/>
-          </a:p>
-        </p:txBody>
-      </p:sp>
-      <p:sp>
-        <p:nvSpPr>
-          <p:cNvPr id="21507" name="Rectangle 3"/>
-          <p:cNvSpPr>
-            <a:spLocks noGrp="1" noChangeArrowheads="1"/>
-          </p:cNvSpPr>
-          <p:nvPr>
-            <p:ph sz="quarter" idx="1"/>
-            <p:custDataLst>
-              <p:tags r:id="rId2"/>
-            </p:custDataLst>
-          </p:nvPr>
-        </p:nvSpPr>
-        <p:spPr/>
-        <p:txBody>
-          <a:bodyPr/>
-          <a:lstStyle/>
-          <a:p>
-            <a:r>
-              <a:rPr lang="en-US" dirty="0"/>
-              <a:t>Definition of an algorithm</a:t>
-            </a:r>
-          </a:p>
-          <a:p>
-            <a:r>
-              <a:rPr lang="en-US" dirty="0"/>
-              <a:t>Definition of algorithm “complexity”</a:t>
-            </a:r>
-          </a:p>
-          <a:p>
-            <a:r>
-              <a:rPr lang="en-US" dirty="0"/>
-              <a:t>Measuring worst-case complexity</a:t>
-            </a:r>
-          </a:p>
-          <a:p>
-            <a:r>
-              <a:rPr lang="en-US" dirty="0"/>
-              <a:t>Cost as a function of input size</a:t>
-            </a:r>
-          </a:p>
-          <a:p>
-            <a:r>
-              <a:rPr lang="en-US" dirty="0"/>
-              <a:t>Asymptotic rate of growth: Big-Oh, Big-Theta</a:t>
-            </a:r>
-          </a:p>
-          <a:p>
-            <a:r>
-              <a:rPr lang="en-US" dirty="0"/>
-              <a:t>Relative ordering of rates of growth</a:t>
-            </a:r>
-          </a:p>
-          <a:p>
-            <a:r>
-              <a:rPr lang="en-US" dirty="0"/>
-              <a:t>Analyzing an algorithm's cost:</a:t>
-            </a:r>
-          </a:p>
-          <a:p>
-            <a:pPr lvl="1"/>
-            <a:r>
-              <a:rPr lang="en-US" dirty="0"/>
-              <a:t>sequences, loops, if/else, functions, recursion</a:t>
-            </a:r>
-          </a:p>
-          <a:p>
-            <a:r>
-              <a:rPr lang="en-US" dirty="0"/>
-              <a:t>Focus on counting one particular statement or operation; don’t count all statements</a:t>
-            </a:r>
-          </a:p>
-        </p:txBody>
-      </p:sp>
-    </p:spTree>
-  </p:cSld>
-  <p:clrMapOvr>
-    <a:masterClrMapping/>
-  </p:clrMapOvr>
-</p:sld>
-</file>
-
-<file path=ppt/slides/slide29.xml><?xml version="1.0" encoding="utf-8"?>
-<p:sld xmlns:a="http://schemas.openxmlformats.org/drawingml/2006/main" xmlns:r="http://schemas.openxmlformats.org/officeDocument/2006/relationships" xmlns:p="http://schemas.openxmlformats.org/presentationml/2006/main">
-  <p:cSld>
-    <p:spTree>
-      <p:nvGrpSpPr>
-        <p:cNvPr id="1" name=""/>
-        <p:cNvGrpSpPr/>
-        <p:nvPr/>
-      </p:nvGrpSpPr>
-      <p:grpSpPr>
-        <a:xfrm>
-          <a:off x="0" y="0"/>
-          <a:ext cx="0" cy="0"/>
-          <a:chOff x="0" y="0"/>
-          <a:chExt cx="0" cy="0"/>
-        </a:xfrm>
-      </p:grpSpPr>
-      <p:sp>
-        <p:nvSpPr>
-          <p:cNvPr id="22530" name="Rectangle 2"/>
-          <p:cNvSpPr>
-            <a:spLocks noGrp="1" noChangeArrowheads="1"/>
-          </p:cNvSpPr>
-          <p:nvPr>
-            <p:ph type="title"/>
-            <p:custDataLst>
-              <p:tags r:id="rId1"/>
-            </p:custDataLst>
-          </p:nvPr>
-        </p:nvSpPr>
-        <p:spPr>
-          <a:xfrm>
-            <a:off x="457200" y="152400"/>
-            <a:ext cx="8686800" cy="990600"/>
-          </a:xfrm>
-        </p:spPr>
-        <p:txBody>
-          <a:bodyPr>
-            <a:normAutofit/>
-          </a:bodyPr>
-          <a:lstStyle/>
-          <a:p>
-            <a:r>
-              <a:rPr lang="en-US" dirty="0"/>
-              <a:t>What you know already from CS2150</a:t>
-            </a:r>
-          </a:p>
-        </p:txBody>
-      </p:sp>
-      <p:sp>
-        <p:nvSpPr>
-          <p:cNvPr id="4" name="Slide Number Placeholder 3"/>
-          <p:cNvSpPr>
-            <a:spLocks noGrp="1"/>
-          </p:cNvSpPr>
-          <p:nvPr>
-            <p:ph type="sldNum" sz="quarter" idx="12"/>
-          </p:nvPr>
-        </p:nvSpPr>
-        <p:spPr/>
-        <p:txBody>
-          <a:bodyPr/>
-          <a:lstStyle/>
-          <a:p>
-            <a:fld id="{F26D9103-0C5C-48AC-B68E-3ED2C1647047}" type="slidenum">
-              <a:rPr lang="en-US" smtClean="0"/>
-              <a:pPr/>
-              <a:t>29</a:t>
-            </a:fld>
-            <a:endParaRPr lang="en-US"/>
-          </a:p>
-        </p:txBody>
-      </p:sp>
-      <p:sp>
-        <p:nvSpPr>
-          <p:cNvPr id="22531" name="Rectangle 3"/>
-          <p:cNvSpPr>
-            <a:spLocks noGrp="1" noChangeArrowheads="1"/>
-          </p:cNvSpPr>
-          <p:nvPr>
-            <p:ph sz="quarter" idx="1"/>
-            <p:custDataLst>
-              <p:tags r:id="rId2"/>
-            </p:custDataLst>
-          </p:nvPr>
-        </p:nvSpPr>
-        <p:spPr/>
-        <p:txBody>
-          <a:bodyPr/>
-          <a:lstStyle/>
-          <a:p>
-            <a:r>
-              <a:rPr lang="en-US" dirty="0"/>
-              <a:t>Problems and their solutions:</a:t>
-            </a:r>
-          </a:p>
-          <a:p>
-            <a:pPr lvl="1"/>
-            <a:r>
-              <a:rPr lang="en-US" dirty="0"/>
-              <a:t>Linear data structures vs. tree data structures</a:t>
-            </a:r>
-          </a:p>
-          <a:p>
-            <a:pPr lvl="1"/>
-            <a:r>
-              <a:rPr lang="en-US" dirty="0"/>
-              <a:t>Searching: linear/sequential search, binary search (?), hashing</a:t>
-            </a:r>
-          </a:p>
-          <a:p>
-            <a:pPr lvl="1"/>
-            <a:r>
-              <a:rPr lang="en-US" dirty="0"/>
-              <a:t>Sorting:  quicksort, </a:t>
-            </a:r>
-            <a:r>
-              <a:rPr lang="en-US" dirty="0" err="1"/>
-              <a:t>mergesort</a:t>
-            </a:r>
-            <a:r>
-              <a:rPr lang="en-US" dirty="0"/>
-              <a:t> in CS2110 (?)</a:t>
-            </a:r>
-          </a:p>
-          <a:p>
-            <a:pPr lvl="1"/>
-            <a:r>
-              <a:rPr lang="en-US" dirty="0"/>
-              <a:t>Priority Queue ADT and Heap Implementation</a:t>
-            </a:r>
-          </a:p>
-        </p:txBody>
-      </p:sp>
-    </p:spTree>
-  </p:cSld>
-  <p:clrMapOvr>
-    <a:masterClrMapping/>
-  </p:clrMapOvr>
-</p:sld>
-</file>
-
 <file path=ppt/slides/slide3.xml><?xml version="1.0" encoding="utf-8"?>
 <p:sld xmlns:a="http://schemas.openxmlformats.org/drawingml/2006/main" xmlns:r="http://schemas.openxmlformats.org/officeDocument/2006/relationships" xmlns:p="http://schemas.openxmlformats.org/presentationml/2006/main">
   <p:cSld>
@@ -8976,29 +9051,14 @@
             <a:pPr lvl="1"/>
             <a:r>
               <a:rPr lang="en-US" dirty="0"/>
-              <a:t>Also, we’ll use Piazza for questions</a:t>
+              <a:t>Also, we’ll use Piazza for questions and Discord for office hours</a:t>
             </a:r>
           </a:p>
           <a:p>
             <a:pPr lvl="2"/>
             <a:r>
               <a:rPr lang="en-US" dirty="0"/>
-              <a:t>Post all questions about HW, topics, </a:t>
-            </a:r>
-            <a:r>
-              <a:rPr lang="en-US" dirty="0" err="1"/>
-              <a:t>etc</a:t>
-            </a:r>
-            <a:r>
-              <a:rPr lang="en-US" dirty="0"/>
-              <a:t> to Piazza NOT email to instructors!</a:t>
-            </a:r>
-          </a:p>
-          <a:p>
-            <a:pPr lvl="2"/>
-            <a:r>
-              <a:rPr lang="en-US" dirty="0"/>
-              <a:t>Piazza preferred to Discord for most questions on HW, course policies</a:t>
+              <a:t>Post all questions about HW, topics, etc. to Piazza NOT email to instructors!</a:t>
             </a:r>
           </a:p>
         </p:txBody>
@@ -9054,7 +9114,7 @@
       </p:grpSpPr>
       <p:sp>
         <p:nvSpPr>
-          <p:cNvPr id="23554" name="Rectangle 2"/>
+          <p:cNvPr id="21506" name="Rectangle 2"/>
           <p:cNvSpPr>
             <a:spLocks noGrp="1" noChangeArrowheads="1"/>
           </p:cNvSpPr>
@@ -9065,21 +9125,14 @@
             </p:custDataLst>
           </p:nvPr>
         </p:nvSpPr>
-        <p:spPr>
-          <a:xfrm>
-            <a:off x="457200" y="152400"/>
-            <a:ext cx="8686800" cy="990600"/>
-          </a:xfrm>
-        </p:spPr>
-        <p:txBody>
-          <a:bodyPr>
-            <a:normAutofit fontScale="90000"/>
-          </a:bodyPr>
-          <a:lstStyle/>
-          <a:p>
-            <a:r>
-              <a:rPr lang="en-US" dirty="0"/>
-              <a:t>What you know already from all your courses</a:t>
+        <p:spPr/>
+        <p:txBody>
+          <a:bodyPr/>
+          <a:lstStyle/>
+          <a:p>
+            <a:r>
+              <a:rPr lang="en-US" dirty="0"/>
+              <a:t>What you know already from CS2150</a:t>
             </a:r>
           </a:p>
         </p:txBody>
@@ -9110,7 +9163,7 @@
       </p:sp>
       <p:sp>
         <p:nvSpPr>
-          <p:cNvPr id="23555" name="Rectangle 3"/>
+          <p:cNvPr id="21507" name="Rectangle 3"/>
           <p:cNvSpPr>
             <a:spLocks noGrp="1" noChangeArrowheads="1"/>
           </p:cNvSpPr>
@@ -9128,64 +9181,57 @@
           <a:p>
             <a:r>
               <a:rPr lang="en-US" dirty="0"/>
-              <a:t>Examples of Algorithm design methods:</a:t>
-            </a:r>
-          </a:p>
-          <a:p>
-            <a:pPr lvl="1"/>
-            <a:r>
-              <a:rPr lang="en-US" dirty="0"/>
-              <a:t>Divide and Conquer (quicksort, </a:t>
-            </a:r>
-            <a:r>
-              <a:rPr lang="en-US" dirty="0" err="1"/>
-              <a:t>mergesort</a:t>
-            </a:r>
-            <a:r>
-              <a:rPr lang="en-US" dirty="0"/>
-              <a:t>)</a:t>
-            </a:r>
-          </a:p>
-          <a:p>
-            <a:pPr lvl="1"/>
-            <a:r>
-              <a:rPr lang="en-US" dirty="0"/>
-              <a:t>Greedy (though you didn’t call it this)</a:t>
-            </a:r>
-          </a:p>
-          <a:p>
-            <a:pPr lvl="1"/>
-            <a:r>
-              <a:rPr lang="en-US" dirty="0"/>
-              <a:t>Dynamic programming (</a:t>
-            </a:r>
-            <a:r>
-              <a:rPr lang="en-US" dirty="0" err="1"/>
-              <a:t>fibonacci</a:t>
-            </a:r>
-            <a:r>
-              <a:rPr lang="en-US" dirty="0"/>
-              <a:t> numbers, Floyd-</a:t>
-            </a:r>
-            <a:r>
-              <a:rPr lang="en-US" dirty="0" err="1"/>
-              <a:t>Warshall</a:t>
-            </a:r>
-            <a:r>
-              <a:rPr lang="en-US" dirty="0"/>
-              <a:t>)</a:t>
-            </a:r>
-          </a:p>
-          <a:p>
-            <a:pPr lvl="1"/>
-            <a:r>
-              <a:rPr lang="en-US" dirty="0"/>
-              <a:t>NP-complete (traveling salesperson. Have you seen this?)</a:t>
-            </a:r>
-          </a:p>
-          <a:p>
-            <a:pPr lvl="1"/>
-            <a:endParaRPr lang="en-US" dirty="0"/>
+              <a:t>Definition of an algorithm</a:t>
+            </a:r>
+          </a:p>
+          <a:p>
+            <a:r>
+              <a:rPr lang="en-US" dirty="0"/>
+              <a:t>Definition of algorithm “complexity”</a:t>
+            </a:r>
+          </a:p>
+          <a:p>
+            <a:r>
+              <a:rPr lang="en-US" dirty="0"/>
+              <a:t>Measuring worst-case complexity</a:t>
+            </a:r>
+          </a:p>
+          <a:p>
+            <a:r>
+              <a:rPr lang="en-US" dirty="0"/>
+              <a:t>Cost as a function of input size</a:t>
+            </a:r>
+          </a:p>
+          <a:p>
+            <a:r>
+              <a:rPr lang="en-US" dirty="0"/>
+              <a:t>Asymptotic rate of growth: Big-Oh, Big-Theta</a:t>
+            </a:r>
+          </a:p>
+          <a:p>
+            <a:r>
+              <a:rPr lang="en-US" dirty="0"/>
+              <a:t>Relative ordering of rates of growth</a:t>
+            </a:r>
+          </a:p>
+          <a:p>
+            <a:r>
+              <a:rPr lang="en-US" dirty="0"/>
+              <a:t>Analyzing an algorithm's cost:</a:t>
+            </a:r>
+          </a:p>
+          <a:p>
+            <a:pPr lvl="1"/>
+            <a:r>
+              <a:rPr lang="en-US" dirty="0"/>
+              <a:t>sequences, loops, if/else, functions, recursion</a:t>
+            </a:r>
+          </a:p>
+          <a:p>
+            <a:r>
+              <a:rPr lang="en-US" dirty="0"/>
+              <a:t>Focus on counting one particular statement or operation; don’t count all statements</a:t>
+            </a:r>
           </a:p>
         </p:txBody>
       </p:sp>
@@ -9216,7 +9262,7 @@
       </p:grpSpPr>
       <p:sp>
         <p:nvSpPr>
-          <p:cNvPr id="24578" name="Rectangle 2"/>
+          <p:cNvPr id="22530" name="Rectangle 2"/>
           <p:cNvSpPr>
             <a:spLocks noGrp="1" noChangeArrowheads="1"/>
           </p:cNvSpPr>
@@ -9227,16 +9273,21 @@
             </p:custDataLst>
           </p:nvPr>
         </p:nvSpPr>
-        <p:spPr/>
+        <p:spPr>
+          <a:xfrm>
+            <a:off x="457200" y="152400"/>
+            <a:ext cx="8686800" cy="990600"/>
+          </a:xfrm>
+        </p:spPr>
         <p:txBody>
           <a:bodyPr>
-            <a:normAutofit fontScale="90000"/>
+            <a:normAutofit/>
           </a:bodyPr>
           <a:lstStyle/>
           <a:p>
             <a:r>
-              <a:rPr lang="en-US"/>
-              <a:t>What you know already from Discrete Math and Theory of Computation…</a:t>
+              <a:rPr lang="en-US" dirty="0"/>
+              <a:t>What you know already from CS2150</a:t>
             </a:r>
           </a:p>
         </p:txBody>
@@ -9267,7 +9318,7 @@
       </p:sp>
       <p:sp>
         <p:nvSpPr>
-          <p:cNvPr id="24579" name="Rectangle 3"/>
+          <p:cNvPr id="22531" name="Rectangle 3"/>
           <p:cNvSpPr>
             <a:spLocks noGrp="1" noChangeArrowheads="1"/>
           </p:cNvSpPr>
@@ -9280,94 +9331,49 @@
         </p:nvSpPr>
         <p:spPr/>
         <p:txBody>
-          <a:bodyPr>
-            <a:normAutofit fontScale="92500" lnSpcReduction="10000"/>
-          </a:bodyPr>
-          <a:lstStyle/>
-          <a:p>
-            <a:r>
-              <a:rPr lang="en-US" dirty="0"/>
-              <a:t>From CS2102:</a:t>
-            </a:r>
-          </a:p>
-          <a:p>
-            <a:pPr lvl="1"/>
-            <a:r>
-              <a:rPr lang="en-US" dirty="0"/>
-              <a:t>Proofs: induction, contradiction</a:t>
-            </a:r>
-          </a:p>
-          <a:p>
-            <a:pPr lvl="2"/>
-            <a:r>
-              <a:rPr lang="en-US" dirty="0"/>
-              <a:t>If you are uncomfortable with these two, review them NOW!</a:t>
-            </a:r>
-          </a:p>
-          <a:p>
-            <a:pPr lvl="1"/>
-            <a:r>
-              <a:rPr lang="en-US" dirty="0"/>
-              <a:t>Counting, probability, </a:t>
+          <a:bodyPr/>
+          <a:lstStyle/>
+          <a:p>
+            <a:r>
+              <a:rPr lang="en-US" dirty="0"/>
+              <a:t>Problems and their solutions:</a:t>
+            </a:r>
+          </a:p>
+          <a:p>
+            <a:pPr lvl="1"/>
+            <a:r>
+              <a:rPr lang="en-US" dirty="0"/>
+              <a:t>Linear data structures vs. tree data structures</a:t>
+            </a:r>
+          </a:p>
+          <a:p>
+            <a:pPr lvl="1"/>
+            <a:r>
+              <a:rPr lang="en-US" dirty="0"/>
+              <a:t>Searching: linear/sequential search, binary search (?), hashing</a:t>
+            </a:r>
+          </a:p>
+          <a:p>
+            <a:pPr lvl="1"/>
+            <a:r>
+              <a:rPr lang="en-US" dirty="0"/>
+              <a:t>Sorting:  quicksort, </a:t>
             </a:r>
             <a:r>
               <a:rPr lang="en-US" dirty="0" err="1"/>
-              <a:t>combinatorics</a:t>
-            </a:r>
-            <a:r>
-              <a:rPr lang="en-US" dirty="0"/>
-              <a:t>, permutations</a:t>
-            </a:r>
-          </a:p>
-          <a:p>
-            <a:endParaRPr lang="en-US" dirty="0"/>
-          </a:p>
-          <a:p>
-            <a:r>
-              <a:rPr lang="en-US" dirty="0"/>
-              <a:t>From some earlier math class:</a:t>
-            </a:r>
-          </a:p>
-          <a:p>
-            <a:pPr lvl="1"/>
-            <a:r>
-              <a:rPr lang="en-US" dirty="0"/>
-              <a:t>Exponents, logarithms, limits, differentiation on polynomials and other simple functions</a:t>
-            </a:r>
-          </a:p>
-          <a:p>
-            <a:endParaRPr lang="en-US" dirty="0"/>
-          </a:p>
-          <a:p>
-            <a:r>
-              <a:rPr lang="en-US" dirty="0"/>
-              <a:t>From CS3102 (if you have taken it)</a:t>
-            </a:r>
-          </a:p>
-          <a:p>
-            <a:pPr lvl="1"/>
-            <a:r>
-              <a:rPr lang="en-US" dirty="0"/>
-              <a:t>Maturity in mathematics and computing theory</a:t>
-            </a:r>
-          </a:p>
-          <a:p>
-            <a:pPr lvl="1"/>
-            <a:r>
-              <a:rPr lang="en-US" dirty="0"/>
-              <a:t>Ability to do proofs</a:t>
-            </a:r>
-          </a:p>
-          <a:p>
-            <a:pPr lvl="1"/>
-            <a:r>
-              <a:rPr lang="en-US" dirty="0"/>
-              <a:t>Abstract models of computation, such as Turing machines</a:t>
-            </a:r>
-          </a:p>
-          <a:p>
-            <a:pPr lvl="1"/>
-            <a:endParaRPr lang="en-US" dirty="0"/>
+              <a:t>mergesort</a:t>
+            </a:r>
+            <a:r>
+              <a:rPr lang="en-US" dirty="0"/>
+              <a:t> in CS2110 (?)</a:t>
+            </a:r>
+          </a:p>
+          <a:p>
+            <a:pPr lvl="1"/>
+            <a:r>
+              <a:rPr lang="en-US" dirty="0"/>
+              <a:t>Priority Queue ADT and Heap Implementation</a:t>
+            </a:r>
           </a:p>
         </p:txBody>
       </p:sp>
@@ -9398,24 +9404,33 @@
       </p:grpSpPr>
       <p:sp>
         <p:nvSpPr>
-          <p:cNvPr id="2" name="Title 1"/>
-          <p:cNvSpPr>
-            <a:spLocks noGrp="1"/>
+          <p:cNvPr id="23554" name="Rectangle 2"/>
+          <p:cNvSpPr>
+            <a:spLocks noGrp="1" noChangeArrowheads="1"/>
           </p:cNvSpPr>
           <p:nvPr>
             <p:ph type="title"/>
-          </p:nvPr>
-        </p:nvSpPr>
-        <p:spPr/>
-        <p:txBody>
-          <a:bodyPr/>
-          <a:lstStyle/>
-          <a:p>
-            <a:r>
-              <a:rPr lang="en-US"/>
-              <a:t>Questions?  Concerns?  Wrath to vent?</a:t>
-            </a:r>
-            <a:endParaRPr lang="en-US" dirty="0"/>
+            <p:custDataLst>
+              <p:tags r:id="rId1"/>
+            </p:custDataLst>
+          </p:nvPr>
+        </p:nvSpPr>
+        <p:spPr>
+          <a:xfrm>
+            <a:off x="457200" y="152400"/>
+            <a:ext cx="8686800" cy="990600"/>
+          </a:xfrm>
+        </p:spPr>
+        <p:txBody>
+          <a:bodyPr>
+            <a:normAutofit fontScale="90000"/>
+          </a:bodyPr>
+          <a:lstStyle/>
+          <a:p>
+            <a:r>
+              <a:rPr lang="en-US" dirty="0"/>
+              <a:t>What you know already from all your courses</a:t>
+            </a:r>
           </a:p>
         </p:txBody>
       </p:sp>
@@ -9445,20 +9460,82 @@
       </p:sp>
       <p:sp>
         <p:nvSpPr>
-          <p:cNvPr id="7" name="Content Placeholder 6"/>
-          <p:cNvSpPr>
-            <a:spLocks noGrp="1"/>
+          <p:cNvPr id="23555" name="Rectangle 3"/>
+          <p:cNvSpPr>
+            <a:spLocks noGrp="1" noChangeArrowheads="1"/>
           </p:cNvSpPr>
           <p:nvPr>
             <p:ph sz="quarter" idx="1"/>
-          </p:nvPr>
-        </p:nvSpPr>
-        <p:spPr/>
-        <p:txBody>
-          <a:bodyPr/>
-          <a:lstStyle/>
-          <a:p>
-            <a:endParaRPr lang="en-US"/>
+            <p:custDataLst>
+              <p:tags r:id="rId2"/>
+            </p:custDataLst>
+          </p:nvPr>
+        </p:nvSpPr>
+        <p:spPr/>
+        <p:txBody>
+          <a:bodyPr/>
+          <a:lstStyle/>
+          <a:p>
+            <a:r>
+              <a:rPr lang="en-US" dirty="0"/>
+              <a:t>Examples of Algorithm design methods:</a:t>
+            </a:r>
+          </a:p>
+          <a:p>
+            <a:pPr lvl="1"/>
+            <a:r>
+              <a:rPr lang="en-US" dirty="0"/>
+              <a:t>Divide and Conquer (quicksort, </a:t>
+            </a:r>
+            <a:r>
+              <a:rPr lang="en-US" dirty="0" err="1"/>
+              <a:t>mergesort</a:t>
+            </a:r>
+            <a:r>
+              <a:rPr lang="en-US" dirty="0"/>
+              <a:t>)</a:t>
+            </a:r>
+          </a:p>
+          <a:p>
+            <a:pPr lvl="1"/>
+            <a:r>
+              <a:rPr lang="en-US" dirty="0"/>
+              <a:t>Greedy (though you didn’t call it this)</a:t>
+            </a:r>
+          </a:p>
+          <a:p>
+            <a:pPr lvl="1"/>
+            <a:r>
+              <a:rPr lang="en-US" dirty="0"/>
+              <a:t>Dynamic programming (</a:t>
+            </a:r>
+            <a:r>
+              <a:rPr lang="en-US" dirty="0" err="1"/>
+              <a:t>fibonacci</a:t>
+            </a:r>
+            <a:r>
+              <a:rPr lang="en-US" dirty="0"/>
+              <a:t> numbers, Floyd-</a:t>
+            </a:r>
+            <a:r>
+              <a:rPr lang="en-US" dirty="0" err="1"/>
+              <a:t>Warshall</a:t>
+            </a:r>
+            <a:r>
+              <a:rPr lang="en-US" dirty="0"/>
+              <a:t>)</a:t>
+            </a:r>
+          </a:p>
+          <a:p>
+            <a:pPr lvl="1"/>
+            <a:r>
+              <a:rPr lang="en-US" dirty="0"/>
+              <a:t>NP-complete (traveling salesperson. Have you seen this?)</a:t>
+            </a:r>
+          </a:p>
+          <a:p>
+            <a:pPr lvl="1"/>
+            <a:endParaRPr lang="en-US" dirty="0"/>
           </a:p>
         </p:txBody>
       </p:sp>
@@ -9489,48 +9566,34 @@
       </p:grpSpPr>
       <p:sp>
         <p:nvSpPr>
-          <p:cNvPr id="5" name="Title 4"/>
-          <p:cNvSpPr>
-            <a:spLocks noGrp="1"/>
+          <p:cNvPr id="24578" name="Rectangle 2"/>
+          <p:cNvSpPr>
+            <a:spLocks noGrp="1" noChangeArrowheads="1"/>
           </p:cNvSpPr>
           <p:nvPr>
             <p:ph type="title"/>
-          </p:nvPr>
-        </p:nvSpPr>
-        <p:spPr/>
-        <p:txBody>
-          <a:bodyPr/>
-          <a:lstStyle/>
-          <a:p>
-            <a:r>
-              <a:rPr lang="en-US" dirty="0"/>
-              <a:t>A first algorithm: making change</a:t>
-            </a:r>
-          </a:p>
-        </p:txBody>
-      </p:sp>
-      <p:sp>
-        <p:nvSpPr>
-          <p:cNvPr id="6" name="Text Placeholder 5"/>
-          <p:cNvSpPr>
-            <a:spLocks noGrp="1"/>
-          </p:cNvSpPr>
-          <p:nvPr>
-            <p:ph type="body" idx="1"/>
-          </p:nvPr>
-        </p:nvSpPr>
-        <p:spPr/>
-        <p:txBody>
-          <a:bodyPr/>
-          <a:lstStyle/>
-          <a:p>
-            <a:endParaRPr lang="en-US"/>
-          </a:p>
-        </p:txBody>
-      </p:sp>
-      <p:sp>
-        <p:nvSpPr>
-          <p:cNvPr id="3" name="Slide Number Placeholder 2"/>
+            <p:custDataLst>
+              <p:tags r:id="rId1"/>
+            </p:custDataLst>
+          </p:nvPr>
+        </p:nvSpPr>
+        <p:spPr/>
+        <p:txBody>
+          <a:bodyPr>
+            <a:normAutofit fontScale="90000"/>
+          </a:bodyPr>
+          <a:lstStyle/>
+          <a:p>
+            <a:r>
+              <a:rPr lang="en-US"/>
+              <a:t>What you know already from Discrete Math and Theory of Computation…</a:t>
+            </a:r>
+          </a:p>
+        </p:txBody>
+      </p:sp>
+      <p:sp>
+        <p:nvSpPr>
+          <p:cNvPr id="4" name="Slide Number Placeholder 3"/>
           <p:cNvSpPr>
             <a:spLocks noGrp="1"/>
           </p:cNvSpPr>
@@ -9549,6 +9612,112 @@
               <a:t>33</a:t>
             </a:fld>
             <a:endParaRPr lang="en-US"/>
+          </a:p>
+        </p:txBody>
+      </p:sp>
+      <p:sp>
+        <p:nvSpPr>
+          <p:cNvPr id="24579" name="Rectangle 3"/>
+          <p:cNvSpPr>
+            <a:spLocks noGrp="1" noChangeArrowheads="1"/>
+          </p:cNvSpPr>
+          <p:nvPr>
+            <p:ph sz="quarter" idx="1"/>
+            <p:custDataLst>
+              <p:tags r:id="rId2"/>
+            </p:custDataLst>
+          </p:nvPr>
+        </p:nvSpPr>
+        <p:spPr/>
+        <p:txBody>
+          <a:bodyPr>
+            <a:normAutofit fontScale="92500" lnSpcReduction="10000"/>
+          </a:bodyPr>
+          <a:lstStyle/>
+          <a:p>
+            <a:r>
+              <a:rPr lang="en-US" dirty="0"/>
+              <a:t>From CS2102:</a:t>
+            </a:r>
+          </a:p>
+          <a:p>
+            <a:pPr lvl="1"/>
+            <a:r>
+              <a:rPr lang="en-US" dirty="0"/>
+              <a:t>Proofs: induction, contradiction</a:t>
+            </a:r>
+          </a:p>
+          <a:p>
+            <a:pPr lvl="2"/>
+            <a:r>
+              <a:rPr lang="en-US" dirty="0"/>
+              <a:t>If you are uncomfortable with these two, review them NOW!</a:t>
+            </a:r>
+          </a:p>
+          <a:p>
+            <a:pPr lvl="1"/>
+            <a:r>
+              <a:rPr lang="en-US" dirty="0"/>
+              <a:t>Counting, probability, </a:t>
+            </a:r>
+            <a:r>
+              <a:rPr lang="en-US" dirty="0" err="1"/>
+              <a:t>combinatorics</a:t>
+            </a:r>
+            <a:r>
+              <a:rPr lang="en-US" dirty="0"/>
+              <a:t>, permutations</a:t>
+            </a:r>
+          </a:p>
+          <a:p>
+            <a:endParaRPr lang="en-US" dirty="0"/>
+          </a:p>
+          <a:p>
+            <a:r>
+              <a:rPr lang="en-US" dirty="0"/>
+              <a:t>From some earlier math class:</a:t>
+            </a:r>
+          </a:p>
+          <a:p>
+            <a:pPr lvl="1"/>
+            <a:r>
+              <a:rPr lang="en-US" dirty="0"/>
+              <a:t>Exponents, logarithms, limits, differentiation on polynomials and other simple functions</a:t>
+            </a:r>
+          </a:p>
+          <a:p>
+            <a:endParaRPr lang="en-US" dirty="0"/>
+          </a:p>
+          <a:p>
+            <a:r>
+              <a:rPr lang="en-US" dirty="0"/>
+              <a:t>From CS3102 (if you have taken it)</a:t>
+            </a:r>
+          </a:p>
+          <a:p>
+            <a:pPr lvl="1"/>
+            <a:r>
+              <a:rPr lang="en-US" dirty="0"/>
+              <a:t>Maturity in mathematics and computing theory</a:t>
+            </a:r>
+          </a:p>
+          <a:p>
+            <a:pPr lvl="1"/>
+            <a:r>
+              <a:rPr lang="en-US" dirty="0"/>
+              <a:t>Ability to do proofs</a:t>
+            </a:r>
+          </a:p>
+          <a:p>
+            <a:pPr lvl="1"/>
+            <a:r>
+              <a:rPr lang="en-US" dirty="0"/>
+              <a:t>Abstract models of computation, such as Turing machines</a:t>
+            </a:r>
+          </a:p>
+          <a:p>
+            <a:pPr lvl="1"/>
+            <a:endParaRPr lang="en-US" dirty="0"/>
           </a:p>
         </p:txBody>
       </p:sp>
@@ -9579,15 +9748,12 @@
       </p:grpSpPr>
       <p:sp>
         <p:nvSpPr>
-          <p:cNvPr id="30722" name="Rectangle 2"/>
-          <p:cNvSpPr>
-            <a:spLocks noGrp="1" noChangeArrowheads="1"/>
+          <p:cNvPr id="2" name="Title 1"/>
+          <p:cNvSpPr>
+            <a:spLocks noGrp="1"/>
           </p:cNvSpPr>
           <p:nvPr>
             <p:ph type="title"/>
-            <p:custDataLst>
-              <p:tags r:id="rId1"/>
-            </p:custDataLst>
           </p:nvPr>
         </p:nvSpPr>
         <p:spPr/>
@@ -9597,8 +9763,9 @@
           <a:p>
             <a:r>
               <a:rPr lang="en-US"/>
-              <a:t>OK… But What’s It Really All About?</a:t>
-            </a:r>
+              <a:t>Questions?  Concerns?  Wrath to vent?</a:t>
+            </a:r>
+            <a:endParaRPr lang="en-US" dirty="0"/>
           </a:p>
         </p:txBody>
       </p:sp>
@@ -9628,88 +9795,20 @@
       </p:sp>
       <p:sp>
         <p:nvSpPr>
-          <p:cNvPr id="30723" name="Rectangle 3"/>
-          <p:cNvSpPr>
-            <a:spLocks noGrp="1" noChangeArrowheads="1"/>
+          <p:cNvPr id="7" name="Content Placeholder 6"/>
+          <p:cNvSpPr>
+            <a:spLocks noGrp="1"/>
           </p:cNvSpPr>
           <p:nvPr>
             <p:ph sz="quarter" idx="1"/>
-            <p:custDataLst>
-              <p:tags r:id="rId2"/>
-            </p:custDataLst>
-          </p:nvPr>
-        </p:nvSpPr>
-        <p:spPr/>
-        <p:txBody>
-          <a:bodyPr/>
-          <a:lstStyle/>
-          <a:p>
-            <a:r>
-              <a:rPr lang="en-US"/>
-              <a:t>Let’s illustrate some ideas you’ll see throughout the course</a:t>
-            </a:r>
-          </a:p>
-          <a:p>
-            <a:pPr lvl="1"/>
-            <a:r>
-              <a:rPr lang="en-US"/>
-              <a:t>Using one example</a:t>
-            </a:r>
-          </a:p>
-          <a:p>
-            <a:r>
-              <a:rPr lang="en-US"/>
-              <a:t>Concepts:</a:t>
-            </a:r>
-          </a:p>
-          <a:p>
-            <a:pPr lvl="1"/>
-            <a:r>
-              <a:rPr lang="en-US"/>
-              <a:t>Describing an algorithm</a:t>
-            </a:r>
-          </a:p>
-          <a:p>
-            <a:pPr lvl="1"/>
-            <a:r>
-              <a:rPr lang="en-US"/>
-              <a:t>Measuring algorithm efficiency</a:t>
-            </a:r>
-          </a:p>
-          <a:p>
-            <a:pPr lvl="1"/>
-            <a:r>
-              <a:rPr lang="en-US"/>
-              <a:t>Families or types of problems</a:t>
-            </a:r>
-          </a:p>
-          <a:p>
-            <a:pPr lvl="1"/>
-            <a:r>
-              <a:rPr lang="en-US"/>
-              <a:t>Algorithm design strategies</a:t>
-            </a:r>
-          </a:p>
-          <a:p>
-            <a:pPr lvl="2"/>
-            <a:r>
-              <a:rPr lang="en-US"/>
-              <a:t>Alternative strategies</a:t>
-            </a:r>
-          </a:p>
-          <a:p>
-            <a:pPr lvl="1"/>
-            <a:r>
-              <a:rPr lang="en-US"/>
-              <a:t>Lower bounds and optimal algorithms</a:t>
-            </a:r>
-          </a:p>
-          <a:p>
-            <a:pPr lvl="1"/>
-            <a:r>
-              <a:rPr lang="en-US"/>
-              <a:t>Problems that seem very hard</a:t>
-            </a:r>
+          </p:nvPr>
+        </p:nvSpPr>
+        <p:spPr/>
+        <p:txBody>
+          <a:bodyPr/>
+          <a:lstStyle/>
+          <a:p>
+            <a:endParaRPr lang="en-US"/>
           </a:p>
         </p:txBody>
       </p:sp>
@@ -9722,7 +9821,7 @@
 </file>
 
 <file path=ppt/slides/slide35.xml><?xml version="1.0" encoding="utf-8"?>
-<p:sld xmlns:a="http://schemas.openxmlformats.org/drawingml/2006/main" xmlns:r="http://schemas.openxmlformats.org/officeDocument/2006/relationships" xmlns:p="http://schemas.openxmlformats.org/presentationml/2006/main" showMasterPhAnim="0">
+<p:sld xmlns:a="http://schemas.openxmlformats.org/drawingml/2006/main" xmlns:r="http://schemas.openxmlformats.org/officeDocument/2006/relationships" xmlns:p="http://schemas.openxmlformats.org/presentationml/2006/main">
   <p:cSld>
     <p:spTree>
       <p:nvGrpSpPr>
@@ -9740,34 +9839,48 @@
       </p:grpSpPr>
       <p:sp>
         <p:nvSpPr>
-          <p:cNvPr id="31746" name="Rectangle 2"/>
-          <p:cNvSpPr>
-            <a:spLocks noGrp="1" noChangeArrowheads="1"/>
+          <p:cNvPr id="5" name="Title 4"/>
+          <p:cNvSpPr>
+            <a:spLocks noGrp="1"/>
           </p:cNvSpPr>
           <p:nvPr>
             <p:ph type="title"/>
-            <p:custDataLst>
-              <p:tags r:id="rId1"/>
-            </p:custDataLst>
-          </p:nvPr>
-        </p:nvSpPr>
-        <p:spPr/>
-        <p:txBody>
-          <a:bodyPr>
-            <a:normAutofit fontScale="90000"/>
-          </a:bodyPr>
-          <a:lstStyle/>
-          <a:p>
-            <a:r>
-              <a:rPr lang="en-US"/>
-              <a:t>Everyone Already Knows Many Algorithms! </a:t>
-            </a:r>
-          </a:p>
-        </p:txBody>
-      </p:sp>
-      <p:sp>
-        <p:nvSpPr>
-          <p:cNvPr id="4" name="Slide Number Placeholder 3"/>
+          </p:nvPr>
+        </p:nvSpPr>
+        <p:spPr/>
+        <p:txBody>
+          <a:bodyPr/>
+          <a:lstStyle/>
+          <a:p>
+            <a:r>
+              <a:rPr lang="en-US" dirty="0"/>
+              <a:t>A first algorithm: making change</a:t>
+            </a:r>
+          </a:p>
+        </p:txBody>
+      </p:sp>
+      <p:sp>
+        <p:nvSpPr>
+          <p:cNvPr id="6" name="Text Placeholder 5"/>
+          <p:cNvSpPr>
+            <a:spLocks noGrp="1"/>
+          </p:cNvSpPr>
+          <p:nvPr>
+            <p:ph type="body" idx="1"/>
+          </p:nvPr>
+        </p:nvSpPr>
+        <p:spPr/>
+        <p:txBody>
+          <a:bodyPr/>
+          <a:lstStyle/>
+          <a:p>
+            <a:endParaRPr lang="en-US"/>
+          </a:p>
+        </p:txBody>
+      </p:sp>
+      <p:sp>
+        <p:nvSpPr>
+          <p:cNvPr id="3" name="Slide Number Placeholder 2"/>
           <p:cNvSpPr>
             <a:spLocks noGrp="1"/>
           </p:cNvSpPr>
@@ -9786,58 +9899,6 @@
               <a:t>35</a:t>
             </a:fld>
             <a:endParaRPr lang="en-US"/>
-          </a:p>
-        </p:txBody>
-      </p:sp>
-      <p:sp>
-        <p:nvSpPr>
-          <p:cNvPr id="316419" name="Rectangle 3"/>
-          <p:cNvSpPr>
-            <a:spLocks noGrp="1" noChangeArrowheads="1"/>
-          </p:cNvSpPr>
-          <p:nvPr>
-            <p:ph sz="quarter" idx="1"/>
-            <p:custDataLst>
-              <p:tags r:id="rId2"/>
-            </p:custDataLst>
-          </p:nvPr>
-        </p:nvSpPr>
-        <p:spPr/>
-        <p:txBody>
-          <a:bodyPr/>
-          <a:lstStyle/>
-          <a:p>
-            <a:r>
-              <a:rPr lang="en-US"/>
-              <a:t>Worked retail? You know how to make change!</a:t>
-            </a:r>
-          </a:p>
-          <a:p>
-            <a:r>
-              <a:rPr lang="en-US"/>
-              <a:t>Example:</a:t>
-            </a:r>
-          </a:p>
-          <a:p>
-            <a:pPr lvl="1"/>
-            <a:r>
-              <a:rPr lang="en-US"/>
-              <a:t>My item costs $4.37.  I give you a five dollar bill.  What do you give me in change?</a:t>
-            </a:r>
-          </a:p>
-          <a:p>
-            <a:pPr lvl="1"/>
-            <a:r>
-              <a:rPr lang="en-US"/>
-              <a:t>Answer: two quarters, a dime, three pennies</a:t>
-            </a:r>
-          </a:p>
-          <a:p>
-            <a:pPr lvl="1"/>
-            <a:r>
-              <a:rPr lang="en-US"/>
-              <a:t>Why? How do we figure that out?</a:t>
-            </a:r>
           </a:p>
         </p:txBody>
       </p:sp>
@@ -9868,7 +9929,7 @@
       </p:grpSpPr>
       <p:sp>
         <p:nvSpPr>
-          <p:cNvPr id="32770" name="Rectangle 2"/>
+          <p:cNvPr id="30722" name="Rectangle 2"/>
           <p:cNvSpPr>
             <a:spLocks noGrp="1" noChangeArrowheads="1"/>
           </p:cNvSpPr>
@@ -9886,7 +9947,7 @@
           <a:p>
             <a:r>
               <a:rPr lang="en-US"/>
-              <a:t>Making Change</a:t>
+              <a:t>OK… But What’s It Really All About?</a:t>
             </a:r>
           </a:p>
         </p:txBody>
@@ -9917,7 +9978,7 @@
       </p:sp>
       <p:sp>
         <p:nvSpPr>
-          <p:cNvPr id="32771" name="Rectangle 3"/>
+          <p:cNvPr id="30723" name="Rectangle 3"/>
           <p:cNvSpPr>
             <a:spLocks noGrp="1" noChangeArrowheads="1"/>
           </p:cNvSpPr>
@@ -9930,76 +9991,74 @@
         </p:nvSpPr>
         <p:spPr/>
         <p:txBody>
-          <a:bodyPr>
-            <a:normAutofit lnSpcReduction="10000"/>
-          </a:bodyPr>
+          <a:bodyPr/>
           <a:lstStyle/>
           <a:p>
             <a:r>
               <a:rPr lang="en-US"/>
-              <a:t>The problem: </a:t>
+              <a:t>Let’s illustrate some ideas you’ll see throughout the course</a:t>
             </a:r>
           </a:p>
           <a:p>
             <a:pPr lvl="1"/>
             <a:r>
               <a:rPr lang="en-US"/>
-              <a:t>Give back the right amount of change, and…</a:t>
-            </a:r>
-          </a:p>
-          <a:p>
-            <a:pPr lvl="1"/>
+              <a:t>Using one example</a:t>
+            </a:r>
+          </a:p>
+          <a:p>
             <a:r>
               <a:rPr lang="en-US"/>
-              <a:t>Return the fewest number of coins!</a:t>
-            </a:r>
-          </a:p>
-          <a:p>
+              <a:t>Concepts:</a:t>
+            </a:r>
+          </a:p>
+          <a:p>
+            <a:pPr lvl="1"/>
             <a:r>
               <a:rPr lang="en-US"/>
-              <a:t>Inputs: the dollar-amount to return</a:t>
+              <a:t>Describing an algorithm</a:t>
             </a:r>
           </a:p>
           <a:p>
             <a:pPr lvl="1"/>
             <a:r>
               <a:rPr lang="en-US"/>
-              <a:t>Also, the set of possible coins. (Do we have half-dollars?  That affects the answer we give.)</a:t>
-            </a:r>
-          </a:p>
-          <a:p>
+              <a:t>Measuring algorithm efficiency</a:t>
+            </a:r>
+          </a:p>
+          <a:p>
+            <a:pPr lvl="1"/>
             <a:r>
               <a:rPr lang="en-US"/>
-              <a:t>Output: a set of coins</a:t>
-            </a:r>
-          </a:p>
-          <a:p>
-            <a:endParaRPr lang="en-US"/>
-          </a:p>
-          <a:p>
+              <a:t>Families or types of problems</a:t>
+            </a:r>
+          </a:p>
+          <a:p>
+            <a:pPr lvl="1"/>
             <a:r>
               <a:rPr lang="en-US"/>
-              <a:t>Note this problem statement is simply a transformation</a:t>
-            </a:r>
-          </a:p>
-          <a:p>
-            <a:pPr lvl="1"/>
+              <a:t>Algorithm design strategies</a:t>
+            </a:r>
+          </a:p>
+          <a:p>
+            <a:pPr lvl="2"/>
             <a:r>
               <a:rPr lang="en-US"/>
-              <a:t>Given input, generate output with certain properties</a:t>
+              <a:t>Alternative strategies</a:t>
             </a:r>
           </a:p>
           <a:p>
             <a:pPr lvl="1"/>
             <a:r>
               <a:rPr lang="en-US"/>
-              <a:t>No statement about how to do it.</a:t>
-            </a:r>
-          </a:p>
-          <a:p>
+              <a:t>Lower bounds and optimal algorithms</a:t>
+            </a:r>
+          </a:p>
+          <a:p>
+            <a:pPr lvl="1"/>
             <a:r>
               <a:rPr lang="en-US"/>
-              <a:t>Can you describe the algorithm you use?</a:t>
+              <a:t>Problems that seem very hard</a:t>
             </a:r>
           </a:p>
         </p:txBody>
@@ -10031,7 +10090,7 @@
       </p:grpSpPr>
       <p:sp>
         <p:nvSpPr>
-          <p:cNvPr id="33794" name="Rectangle 2"/>
+          <p:cNvPr id="31746" name="Rectangle 2"/>
           <p:cNvSpPr>
             <a:spLocks noGrp="1" noChangeArrowheads="1"/>
           </p:cNvSpPr>
@@ -10044,12 +10103,14 @@
         </p:nvSpPr>
         <p:spPr/>
         <p:txBody>
-          <a:bodyPr/>
+          <a:bodyPr>
+            <a:normAutofit fontScale="90000"/>
+          </a:bodyPr>
           <a:lstStyle/>
           <a:p>
             <a:r>
               <a:rPr lang="en-US"/>
-              <a:t>A Change Algorithm</a:t>
+              <a:t>Everyone Already Knows Many Algorithms! </a:t>
             </a:r>
           </a:p>
         </p:txBody>
@@ -10080,7 +10141,7 @@
       </p:sp>
       <p:sp>
         <p:nvSpPr>
-          <p:cNvPr id="318467" name="Rectangle 3"/>
+          <p:cNvPr id="316419" name="Rectangle 3"/>
           <p:cNvSpPr>
             <a:spLocks noGrp="1" noChangeArrowheads="1"/>
           </p:cNvSpPr>
@@ -10096,63 +10157,36 @@
           <a:bodyPr/>
           <a:lstStyle/>
           <a:p>
-            <a:pPr marL="514350" indent="-514350">
-              <a:buFont typeface="+mj-lt"/>
-              <a:buAutoNum type="arabicPeriod"/>
-            </a:pPr>
-            <a:r>
-              <a:rPr lang="en-US" dirty="0"/>
-              <a:t>Consider the largest coin</a:t>
-            </a:r>
-          </a:p>
-          <a:p>
-            <a:pPr marL="514350" indent="-514350">
-              <a:buFont typeface="+mj-lt"/>
-              <a:buAutoNum type="arabicPeriod"/>
-            </a:pPr>
-            <a:r>
-              <a:rPr lang="en-US" dirty="0"/>
-              <a:t>How many go into the amount left?</a:t>
-            </a:r>
-          </a:p>
-          <a:p>
-            <a:pPr marL="514350" indent="-514350">
-              <a:buFont typeface="+mj-lt"/>
-              <a:buAutoNum type="arabicPeriod"/>
-            </a:pPr>
-            <a:r>
-              <a:rPr lang="en-US" dirty="0"/>
-              <a:t>Add that many of that coin to the output</a:t>
-            </a:r>
-          </a:p>
-          <a:p>
-            <a:pPr marL="514350" indent="-514350">
-              <a:buFont typeface="+mj-lt"/>
-              <a:buAutoNum type="arabicPeriod"/>
-            </a:pPr>
-            <a:r>
-              <a:rPr lang="en-US" dirty="0"/>
-              <a:t>Subtract the amount for those coins from the amount left to return</a:t>
-            </a:r>
-          </a:p>
-          <a:p>
-            <a:pPr marL="514350" indent="-514350">
-              <a:buFont typeface="+mj-lt"/>
-              <a:buAutoNum type="arabicPeriod"/>
-            </a:pPr>
-            <a:r>
-              <a:rPr lang="en-US" dirty="0"/>
-              <a:t>If the amount left is zero, done!</a:t>
-            </a:r>
-          </a:p>
-          <a:p>
-            <a:pPr marL="514350" indent="-514350">
-              <a:buFont typeface="+mj-lt"/>
-              <a:buAutoNum type="arabicPeriod"/>
-            </a:pPr>
-            <a:r>
-              <a:rPr lang="en-US" dirty="0"/>
-              <a:t>If not, consider next largest coin, and go back to Step 2</a:t>
+            <a:r>
+              <a:rPr lang="en-US"/>
+              <a:t>Worked retail? You know how to make change!</a:t>
+            </a:r>
+          </a:p>
+          <a:p>
+            <a:r>
+              <a:rPr lang="en-US"/>
+              <a:t>Example:</a:t>
+            </a:r>
+          </a:p>
+          <a:p>
+            <a:pPr lvl="1"/>
+            <a:r>
+              <a:rPr lang="en-US"/>
+              <a:t>My item costs $4.37.  I give you a five dollar bill.  What do you give me in change?</a:t>
+            </a:r>
+          </a:p>
+          <a:p>
+            <a:pPr lvl="1"/>
+            <a:r>
+              <a:rPr lang="en-US"/>
+              <a:t>Answer: two quarters, a dime, three pennies</a:t>
+            </a:r>
+          </a:p>
+          <a:p>
+            <a:pPr lvl="1"/>
+            <a:r>
+              <a:rPr lang="en-US"/>
+              <a:t>Why? How do we figure that out?</a:t>
             </a:r>
           </a:p>
         </p:txBody>
@@ -10184,12 +10218,15 @@
       </p:grpSpPr>
       <p:sp>
         <p:nvSpPr>
-          <p:cNvPr id="34818" name="Rectangle 2"/>
+          <p:cNvPr id="32770" name="Rectangle 2"/>
           <p:cNvSpPr>
             <a:spLocks noGrp="1" noChangeArrowheads="1"/>
           </p:cNvSpPr>
           <p:nvPr>
             <p:ph type="title"/>
+            <p:custDataLst>
+              <p:tags r:id="rId1"/>
+            </p:custDataLst>
           </p:nvPr>
         </p:nvSpPr>
         <p:spPr/>
@@ -10199,7 +10236,7 @@
           <a:p>
             <a:r>
               <a:rPr lang="en-US"/>
-              <a:t>Is this a “good” algorithm?</a:t>
+              <a:t>Making Change</a:t>
             </a:r>
           </a:p>
         </p:txBody>
@@ -10223,6 +10260,492 @@
               <a:rPr lang="en-US" smtClean="0"/>
               <a:pPr/>
               <a:t>38</a:t>
+            </a:fld>
+            <a:endParaRPr lang="en-US"/>
+          </a:p>
+        </p:txBody>
+      </p:sp>
+      <p:sp>
+        <p:nvSpPr>
+          <p:cNvPr id="32771" name="Rectangle 3"/>
+          <p:cNvSpPr>
+            <a:spLocks noGrp="1" noChangeArrowheads="1"/>
+          </p:cNvSpPr>
+          <p:nvPr>
+            <p:ph sz="quarter" idx="1"/>
+            <p:custDataLst>
+              <p:tags r:id="rId2"/>
+            </p:custDataLst>
+          </p:nvPr>
+        </p:nvSpPr>
+        <p:spPr/>
+        <p:txBody>
+          <a:bodyPr>
+            <a:normAutofit lnSpcReduction="10000"/>
+          </a:bodyPr>
+          <a:lstStyle/>
+          <a:p>
+            <a:r>
+              <a:rPr lang="en-US"/>
+              <a:t>The problem: </a:t>
+            </a:r>
+          </a:p>
+          <a:p>
+            <a:pPr lvl="1"/>
+            <a:r>
+              <a:rPr lang="en-US"/>
+              <a:t>Give back the right amount of change, and…</a:t>
+            </a:r>
+          </a:p>
+          <a:p>
+            <a:pPr lvl="1"/>
+            <a:r>
+              <a:rPr lang="en-US"/>
+              <a:t>Return the fewest number of coins!</a:t>
+            </a:r>
+          </a:p>
+          <a:p>
+            <a:r>
+              <a:rPr lang="en-US"/>
+              <a:t>Inputs: the dollar-amount to return</a:t>
+            </a:r>
+          </a:p>
+          <a:p>
+            <a:pPr lvl="1"/>
+            <a:r>
+              <a:rPr lang="en-US"/>
+              <a:t>Also, the set of possible coins. (Do we have half-dollars?  That affects the answer we give.)</a:t>
+            </a:r>
+          </a:p>
+          <a:p>
+            <a:r>
+              <a:rPr lang="en-US"/>
+              <a:t>Output: a set of coins</a:t>
+            </a:r>
+          </a:p>
+          <a:p>
+            <a:endParaRPr lang="en-US"/>
+          </a:p>
+          <a:p>
+            <a:r>
+              <a:rPr lang="en-US"/>
+              <a:t>Note this problem statement is simply a transformation</a:t>
+            </a:r>
+          </a:p>
+          <a:p>
+            <a:pPr lvl="1"/>
+            <a:r>
+              <a:rPr lang="en-US"/>
+              <a:t>Given input, generate output with certain properties</a:t>
+            </a:r>
+          </a:p>
+          <a:p>
+            <a:pPr lvl="1"/>
+            <a:r>
+              <a:rPr lang="en-US"/>
+              <a:t>No statement about how to do it.</a:t>
+            </a:r>
+          </a:p>
+          <a:p>
+            <a:r>
+              <a:rPr lang="en-US"/>
+              <a:t>Can you describe the algorithm you use?</a:t>
+            </a:r>
+          </a:p>
+        </p:txBody>
+      </p:sp>
+    </p:spTree>
+  </p:cSld>
+  <p:clrMapOvr>
+    <a:masterClrMapping/>
+  </p:clrMapOvr>
+</p:sld>
+</file>
+
+<file path=ppt/slides/slide39.xml><?xml version="1.0" encoding="utf-8"?>
+<p:sld xmlns:a="http://schemas.openxmlformats.org/drawingml/2006/main" xmlns:r="http://schemas.openxmlformats.org/officeDocument/2006/relationships" xmlns:p="http://schemas.openxmlformats.org/presentationml/2006/main" showMasterPhAnim="0">
+  <p:cSld>
+    <p:spTree>
+      <p:nvGrpSpPr>
+        <p:cNvPr id="1" name=""/>
+        <p:cNvGrpSpPr/>
+        <p:nvPr/>
+      </p:nvGrpSpPr>
+      <p:grpSpPr>
+        <a:xfrm>
+          <a:off x="0" y="0"/>
+          <a:ext cx="0" cy="0"/>
+          <a:chOff x="0" y="0"/>
+          <a:chExt cx="0" cy="0"/>
+        </a:xfrm>
+      </p:grpSpPr>
+      <p:sp>
+        <p:nvSpPr>
+          <p:cNvPr id="33794" name="Rectangle 2"/>
+          <p:cNvSpPr>
+            <a:spLocks noGrp="1" noChangeArrowheads="1"/>
+          </p:cNvSpPr>
+          <p:nvPr>
+            <p:ph type="title"/>
+            <p:custDataLst>
+              <p:tags r:id="rId1"/>
+            </p:custDataLst>
+          </p:nvPr>
+        </p:nvSpPr>
+        <p:spPr/>
+        <p:txBody>
+          <a:bodyPr/>
+          <a:lstStyle/>
+          <a:p>
+            <a:r>
+              <a:rPr lang="en-US"/>
+              <a:t>A Change Algorithm</a:t>
+            </a:r>
+          </a:p>
+        </p:txBody>
+      </p:sp>
+      <p:sp>
+        <p:nvSpPr>
+          <p:cNvPr id="4" name="Slide Number Placeholder 3"/>
+          <p:cNvSpPr>
+            <a:spLocks noGrp="1"/>
+          </p:cNvSpPr>
+          <p:nvPr>
+            <p:ph type="sldNum" sz="quarter" idx="12"/>
+          </p:nvPr>
+        </p:nvSpPr>
+        <p:spPr/>
+        <p:txBody>
+          <a:bodyPr/>
+          <a:lstStyle/>
+          <a:p>
+            <a:fld id="{F26D9103-0C5C-48AC-B68E-3ED2C1647047}" type="slidenum">
+              <a:rPr lang="en-US" smtClean="0"/>
+              <a:pPr/>
+              <a:t>39</a:t>
+            </a:fld>
+            <a:endParaRPr lang="en-US"/>
+          </a:p>
+        </p:txBody>
+      </p:sp>
+      <p:sp>
+        <p:nvSpPr>
+          <p:cNvPr id="318467" name="Rectangle 3"/>
+          <p:cNvSpPr>
+            <a:spLocks noGrp="1" noChangeArrowheads="1"/>
+          </p:cNvSpPr>
+          <p:nvPr>
+            <p:ph sz="quarter" idx="1"/>
+            <p:custDataLst>
+              <p:tags r:id="rId2"/>
+            </p:custDataLst>
+          </p:nvPr>
+        </p:nvSpPr>
+        <p:spPr/>
+        <p:txBody>
+          <a:bodyPr/>
+          <a:lstStyle/>
+          <a:p>
+            <a:pPr marL="514350" indent="-514350">
+              <a:buFont typeface="+mj-lt"/>
+              <a:buAutoNum type="arabicPeriod"/>
+            </a:pPr>
+            <a:r>
+              <a:rPr lang="en-US" dirty="0"/>
+              <a:t>Consider the largest coin</a:t>
+            </a:r>
+          </a:p>
+          <a:p>
+            <a:pPr marL="514350" indent="-514350">
+              <a:buFont typeface="+mj-lt"/>
+              <a:buAutoNum type="arabicPeriod"/>
+            </a:pPr>
+            <a:r>
+              <a:rPr lang="en-US" dirty="0"/>
+              <a:t>How many go into the amount left?</a:t>
+            </a:r>
+          </a:p>
+          <a:p>
+            <a:pPr marL="514350" indent="-514350">
+              <a:buFont typeface="+mj-lt"/>
+              <a:buAutoNum type="arabicPeriod"/>
+            </a:pPr>
+            <a:r>
+              <a:rPr lang="en-US" dirty="0"/>
+              <a:t>Add that many of that coin to the output</a:t>
+            </a:r>
+          </a:p>
+          <a:p>
+            <a:pPr marL="514350" indent="-514350">
+              <a:buFont typeface="+mj-lt"/>
+              <a:buAutoNum type="arabicPeriod"/>
+            </a:pPr>
+            <a:r>
+              <a:rPr lang="en-US" dirty="0"/>
+              <a:t>Subtract the amount for those coins from the amount left to return</a:t>
+            </a:r>
+          </a:p>
+          <a:p>
+            <a:pPr marL="514350" indent="-514350">
+              <a:buFont typeface="+mj-lt"/>
+              <a:buAutoNum type="arabicPeriod"/>
+            </a:pPr>
+            <a:r>
+              <a:rPr lang="en-US" dirty="0"/>
+              <a:t>If the amount left is zero, done!</a:t>
+            </a:r>
+          </a:p>
+          <a:p>
+            <a:pPr marL="514350" indent="-514350">
+              <a:buFont typeface="+mj-lt"/>
+              <a:buAutoNum type="arabicPeriod"/>
+            </a:pPr>
+            <a:r>
+              <a:rPr lang="en-US" dirty="0"/>
+              <a:t>If not, consider next largest coin, and go back to Step 2</a:t>
+            </a:r>
+          </a:p>
+        </p:txBody>
+      </p:sp>
+    </p:spTree>
+  </p:cSld>
+  <p:clrMapOvr>
+    <a:masterClrMapping/>
+  </p:clrMapOvr>
+</p:sld>
+</file>
+
+<file path=ppt/slides/slide4.xml><?xml version="1.0" encoding="utf-8"?>
+<p:sld xmlns:a="http://schemas.openxmlformats.org/drawingml/2006/main" xmlns:r="http://schemas.openxmlformats.org/officeDocument/2006/relationships" xmlns:p="http://schemas.openxmlformats.org/presentationml/2006/main">
+  <p:cSld>
+    <p:spTree>
+      <p:nvGrpSpPr>
+        <p:cNvPr id="1" name=""/>
+        <p:cNvGrpSpPr/>
+        <p:nvPr/>
+      </p:nvGrpSpPr>
+      <p:grpSpPr>
+        <a:xfrm>
+          <a:off x="0" y="0"/>
+          <a:ext cx="0" cy="0"/>
+          <a:chOff x="0" y="0"/>
+          <a:chExt cx="0" cy="0"/>
+        </a:xfrm>
+      </p:grpSpPr>
+      <p:sp>
+        <p:nvSpPr>
+          <p:cNvPr id="2" name="Title 1">
+            <a:extLst>
+              <a:ext uri="{FF2B5EF4-FFF2-40B4-BE49-F238E27FC236}">
+                <a16:creationId xmlns:a16="http://schemas.microsoft.com/office/drawing/2014/main" id="{D4C714F9-F01E-7B4D-8EB0-3B151FAE663D}"/>
+              </a:ext>
+            </a:extLst>
+          </p:cNvPr>
+          <p:cNvSpPr>
+            <a:spLocks noGrp="1"/>
+          </p:cNvSpPr>
+          <p:nvPr>
+            <p:ph type="title"/>
+          </p:nvPr>
+        </p:nvSpPr>
+        <p:spPr/>
+        <p:txBody>
+          <a:bodyPr/>
+          <a:lstStyle/>
+          <a:p>
+            <a:r>
+              <a:rPr lang="en-US" dirty="0"/>
+              <a:t>Discord</a:t>
+            </a:r>
+          </a:p>
+        </p:txBody>
+      </p:sp>
+      <p:sp>
+        <p:nvSpPr>
+          <p:cNvPr id="3" name="Slide Number Placeholder 2">
+            <a:extLst>
+              <a:ext uri="{FF2B5EF4-FFF2-40B4-BE49-F238E27FC236}">
+                <a16:creationId xmlns:a16="http://schemas.microsoft.com/office/drawing/2014/main" id="{4409C9D4-846F-D543-85FE-C390EBACF5F4}"/>
+              </a:ext>
+            </a:extLst>
+          </p:cNvPr>
+          <p:cNvSpPr>
+            <a:spLocks noGrp="1"/>
+          </p:cNvSpPr>
+          <p:nvPr>
+            <p:ph type="sldNum" sz="quarter" idx="12"/>
+          </p:nvPr>
+        </p:nvSpPr>
+        <p:spPr/>
+        <p:txBody>
+          <a:bodyPr/>
+          <a:lstStyle/>
+          <a:p>
+            <a:fld id="{F26D9103-0C5C-48AC-B68E-3ED2C1647047}" type="slidenum">
+              <a:rPr lang="en-US" smtClean="0"/>
+              <a:pPr/>
+              <a:t>4</a:t>
+            </a:fld>
+            <a:endParaRPr lang="en-US"/>
+          </a:p>
+        </p:txBody>
+      </p:sp>
+      <p:sp>
+        <p:nvSpPr>
+          <p:cNvPr id="4" name="Content Placeholder 3">
+            <a:extLst>
+              <a:ext uri="{FF2B5EF4-FFF2-40B4-BE49-F238E27FC236}">
+                <a16:creationId xmlns:a16="http://schemas.microsoft.com/office/drawing/2014/main" id="{930851DE-8B7D-3A4B-A735-7873D3097E8B}"/>
+              </a:ext>
+            </a:extLst>
+          </p:cNvPr>
+          <p:cNvSpPr>
+            <a:spLocks noGrp="1"/>
+          </p:cNvSpPr>
+          <p:nvPr>
+            <p:ph sz="quarter" idx="1"/>
+          </p:nvPr>
+        </p:nvSpPr>
+        <p:spPr/>
+        <p:txBody>
+          <a:bodyPr/>
+          <a:lstStyle/>
+          <a:p>
+            <a:r>
+              <a:rPr lang="en-US" dirty="0"/>
+              <a:t>Much of our course communication will happen on Discord.</a:t>
+            </a:r>
+          </a:p>
+          <a:p>
+            <a:pPr lvl="1"/>
+            <a:r>
+              <a:rPr lang="en-US" dirty="0"/>
+              <a:t>Class announcements</a:t>
+            </a:r>
+          </a:p>
+          <a:p>
+            <a:pPr lvl="1"/>
+            <a:r>
+              <a:rPr lang="en-US" dirty="0"/>
+              <a:t>Office Hours</a:t>
+            </a:r>
+          </a:p>
+          <a:p>
+            <a:pPr lvl="1"/>
+            <a:r>
+              <a:rPr lang="en-US" dirty="0"/>
+              <a:t>General Q&amp;A with TAs, etc. (We will use Piazza too)</a:t>
+            </a:r>
+          </a:p>
+          <a:p>
+            <a:pPr lvl="2"/>
+            <a:r>
+              <a:rPr lang="en-US" dirty="0"/>
+              <a:t>If you want instructors to see it, use Piazza</a:t>
+            </a:r>
+          </a:p>
+          <a:p>
+            <a:pPr lvl="2"/>
+            <a:r>
+              <a:rPr lang="en-US" dirty="0"/>
+              <a:t>If someone else might search for this later, use Piazza</a:t>
+            </a:r>
+          </a:p>
+          <a:p>
+            <a:endParaRPr lang="en-US" dirty="0"/>
+          </a:p>
+          <a:p>
+            <a:r>
+              <a:rPr lang="en-US" dirty="0"/>
+              <a:t>Please join ASAP!</a:t>
+            </a:r>
+          </a:p>
+          <a:p>
+            <a:pPr lvl="1"/>
+            <a:r>
+              <a:rPr lang="en-US" dirty="0">
+                <a:hlinkClick r:id="rId2"/>
+              </a:rPr>
+              <a:t>https://discord.gg/GqqakWbs</a:t>
+            </a:r>
+            <a:r>
+              <a:rPr lang="en-US" dirty="0"/>
+              <a:t> (expires end of first week or so)</a:t>
+            </a:r>
+          </a:p>
+        </p:txBody>
+      </p:sp>
+    </p:spTree>
+    <p:extLst>
+      <p:ext uri="{BB962C8B-B14F-4D97-AF65-F5344CB8AC3E}">
+        <p14:creationId xmlns:p14="http://schemas.microsoft.com/office/powerpoint/2010/main" val="1060944959"/>
+      </p:ext>
+    </p:extLst>
+  </p:cSld>
+  <p:clrMapOvr>
+    <a:masterClrMapping/>
+  </p:clrMapOvr>
+</p:sld>
+</file>
+
+<file path=ppt/slides/slide40.xml><?xml version="1.0" encoding="utf-8"?>
+<p:sld xmlns:a="http://schemas.openxmlformats.org/drawingml/2006/main" xmlns:r="http://schemas.openxmlformats.org/officeDocument/2006/relationships" xmlns:p="http://schemas.openxmlformats.org/presentationml/2006/main">
+  <p:cSld>
+    <p:spTree>
+      <p:nvGrpSpPr>
+        <p:cNvPr id="1" name=""/>
+        <p:cNvGrpSpPr/>
+        <p:nvPr/>
+      </p:nvGrpSpPr>
+      <p:grpSpPr>
+        <a:xfrm>
+          <a:off x="0" y="0"/>
+          <a:ext cx="0" cy="0"/>
+          <a:chOff x="0" y="0"/>
+          <a:chExt cx="0" cy="0"/>
+        </a:xfrm>
+      </p:grpSpPr>
+      <p:sp>
+        <p:nvSpPr>
+          <p:cNvPr id="34818" name="Rectangle 2"/>
+          <p:cNvSpPr>
+            <a:spLocks noGrp="1" noChangeArrowheads="1"/>
+          </p:cNvSpPr>
+          <p:nvPr>
+            <p:ph type="title"/>
+          </p:nvPr>
+        </p:nvSpPr>
+        <p:spPr/>
+        <p:txBody>
+          <a:bodyPr/>
+          <a:lstStyle/>
+          <a:p>
+            <a:r>
+              <a:rPr lang="en-US"/>
+              <a:t>Is this a “good” algorithm?</a:t>
+            </a:r>
+          </a:p>
+        </p:txBody>
+      </p:sp>
+      <p:sp>
+        <p:nvSpPr>
+          <p:cNvPr id="4" name="Slide Number Placeholder 3"/>
+          <p:cNvSpPr>
+            <a:spLocks noGrp="1"/>
+          </p:cNvSpPr>
+          <p:nvPr>
+            <p:ph type="sldNum" sz="quarter" idx="12"/>
+          </p:nvPr>
+        </p:nvSpPr>
+        <p:spPr/>
+        <p:txBody>
+          <a:bodyPr/>
+          <a:lstStyle/>
+          <a:p>
+            <a:fld id="{F26D9103-0C5C-48AC-B68E-3ED2C1647047}" type="slidenum">
+              <a:rPr lang="en-US" smtClean="0"/>
+              <a:pPr/>
+              <a:t>40</a:t>
             </a:fld>
             <a:endParaRPr lang="en-US"/>
           </a:p>
@@ -10494,7 +11017,7 @@
 </p:sld>
 </file>
 
-<file path=ppt/slides/slide39.xml><?xml version="1.0" encoding="utf-8"?>
+<file path=ppt/slides/slide41.xml><?xml version="1.0" encoding="utf-8"?>
 <p:sld xmlns:a="http://schemas.openxmlformats.org/drawingml/2006/main" xmlns:r="http://schemas.openxmlformats.org/officeDocument/2006/relationships" xmlns:p="http://schemas.openxmlformats.org/presentationml/2006/main">
   <p:cSld>
     <p:spTree>
@@ -10551,7 +11074,7 @@
             <a:fld id="{F26D9103-0C5C-48AC-B68E-3ED2C1647047}" type="slidenum">
               <a:rPr lang="en-US" smtClean="0"/>
               <a:pPr/>
-              <a:t>39</a:t>
+              <a:t>41</a:t>
             </a:fld>
             <a:endParaRPr lang="en-US"/>
           </a:p>
@@ -10801,7 +11324,7 @@
 </p:sld>
 </file>
 
-<file path=ppt/slides/slide4.xml><?xml version="1.0" encoding="utf-8"?>
+<file path=ppt/slides/slide42.xml><?xml version="1.0" encoding="utf-8"?>
 <p:sld xmlns:a="http://schemas.openxmlformats.org/drawingml/2006/main" xmlns:r="http://schemas.openxmlformats.org/officeDocument/2006/relationships" xmlns:p="http://schemas.openxmlformats.org/presentationml/2006/main">
   <p:cSld>
     <p:spTree>
@@ -10820,41 +11343,32 @@
       </p:grpSpPr>
       <p:sp>
         <p:nvSpPr>
-          <p:cNvPr id="2" name="Title 1">
-            <a:extLst>
-              <a:ext uri="{FF2B5EF4-FFF2-40B4-BE49-F238E27FC236}">
-                <a16:creationId xmlns:a16="http://schemas.microsoft.com/office/drawing/2014/main" id="{D4C714F9-F01E-7B4D-8EB0-3B151FAE663D}"/>
-              </a:ext>
-            </a:extLst>
-          </p:cNvPr>
-          <p:cNvSpPr>
-            <a:spLocks noGrp="1"/>
+          <p:cNvPr id="36866" name="Rectangle 2"/>
+          <p:cNvSpPr>
+            <a:spLocks noGrp="1" noChangeArrowheads="1"/>
           </p:cNvSpPr>
           <p:nvPr>
             <p:ph type="title"/>
-          </p:nvPr>
-        </p:nvSpPr>
-        <p:spPr/>
-        <p:txBody>
-          <a:bodyPr/>
-          <a:lstStyle/>
-          <a:p>
-            <a:r>
-              <a:rPr lang="en-US" dirty="0"/>
-              <a:t>Discord</a:t>
-            </a:r>
-          </a:p>
-        </p:txBody>
-      </p:sp>
-      <p:sp>
-        <p:nvSpPr>
-          <p:cNvPr id="3" name="Slide Number Placeholder 2">
-            <a:extLst>
-              <a:ext uri="{FF2B5EF4-FFF2-40B4-BE49-F238E27FC236}">
-                <a16:creationId xmlns:a16="http://schemas.microsoft.com/office/drawing/2014/main" id="{4409C9D4-846F-D543-85FE-C390EBACF5F4}"/>
-              </a:ext>
-            </a:extLst>
-          </p:cNvPr>
+            <p:custDataLst>
+              <p:tags r:id="rId1"/>
+            </p:custDataLst>
+          </p:nvPr>
+        </p:nvSpPr>
+        <p:spPr/>
+        <p:txBody>
+          <a:bodyPr/>
+          <a:lstStyle/>
+          <a:p>
+            <a:r>
+              <a:rPr lang="en-US"/>
+              <a:t>You’re Being Greedy!</a:t>
+            </a:r>
+          </a:p>
+        </p:txBody>
+      </p:sp>
+      <p:sp>
+        <p:nvSpPr>
+          <p:cNvPr id="4" name="Slide Number Placeholder 3"/>
           <p:cNvSpPr>
             <a:spLocks noGrp="1"/>
           </p:cNvSpPr>
@@ -10870,7 +11384,7 @@
             <a:fld id="{F26D9103-0C5C-48AC-B68E-3ED2C1647047}" type="slidenum">
               <a:rPr lang="en-US" smtClean="0"/>
               <a:pPr/>
-              <a:t>4</a:t>
+              <a:t>42</a:t>
             </a:fld>
             <a:endParaRPr lang="en-US"/>
           </a:p>
@@ -10878,63 +11392,58 @@
       </p:sp>
       <p:sp>
         <p:nvSpPr>
-          <p:cNvPr id="4" name="Content Placeholder 3">
-            <a:extLst>
-              <a:ext uri="{FF2B5EF4-FFF2-40B4-BE49-F238E27FC236}">
-                <a16:creationId xmlns:a16="http://schemas.microsoft.com/office/drawing/2014/main" id="{930851DE-8B7D-3A4B-A735-7873D3097E8B}"/>
-              </a:ext>
-            </a:extLst>
-          </p:cNvPr>
-          <p:cNvSpPr>
-            <a:spLocks noGrp="1"/>
+          <p:cNvPr id="36867" name="Rectangle 3"/>
+          <p:cNvSpPr>
+            <a:spLocks noGrp="1" noChangeArrowheads="1"/>
           </p:cNvSpPr>
           <p:nvPr>
             <p:ph sz="quarter" idx="1"/>
-          </p:nvPr>
-        </p:nvSpPr>
-        <p:spPr/>
-        <p:txBody>
-          <a:bodyPr/>
-          <a:lstStyle/>
-          <a:p>
-            <a:r>
-              <a:rPr lang="en-US" dirty="0"/>
-              <a:t>Most of our course communication will happen on Discord.</a:t>
-            </a:r>
-          </a:p>
-          <a:p>
-            <a:pPr lvl="1"/>
-            <a:r>
-              <a:rPr lang="en-US" dirty="0"/>
-              <a:t>Class announcements</a:t>
-            </a:r>
-          </a:p>
-          <a:p>
-            <a:pPr lvl="1"/>
-            <a:r>
-              <a:rPr lang="en-US" dirty="0"/>
-              <a:t>Office Hours</a:t>
-            </a:r>
-          </a:p>
-          <a:p>
-            <a:pPr lvl="1"/>
-            <a:r>
-              <a:rPr lang="en-US" dirty="0"/>
-              <a:t>General Q&amp;A with TAs, etc. (We will use Piazza too)</a:t>
-            </a:r>
-          </a:p>
-          <a:p>
-            <a:pPr lvl="2"/>
-            <a:r>
-              <a:rPr lang="en-US" dirty="0"/>
-              <a:t>Piazza: If you want instructors (and TAs) to see it</a:t>
-            </a:r>
-          </a:p>
-          <a:p>
-            <a:pPr lvl="2"/>
-            <a:r>
-              <a:rPr lang="en-US" dirty="0"/>
-              <a:t>Piazza: If someone else might search for this later</a:t>
+            <p:custDataLst>
+              <p:tags r:id="rId2"/>
+            </p:custDataLst>
+          </p:nvPr>
+        </p:nvSpPr>
+        <p:spPr/>
+        <p:txBody>
+          <a:bodyPr>
+            <a:normAutofit fontScale="92500"/>
+          </a:bodyPr>
+          <a:lstStyle/>
+          <a:p>
+            <a:r>
+              <a:rPr lang="en-US" dirty="0"/>
+              <a:t>This algorithm is an example of a family of algorithms called </a:t>
+            </a:r>
+            <a:r>
+              <a:rPr lang="en-US" i="1" dirty="0"/>
+              <a:t>greedy algorithms</a:t>
+            </a:r>
+          </a:p>
+          <a:p>
+            <a:r>
+              <a:rPr lang="en-US" dirty="0"/>
+              <a:t>Suitable for optimization problems</a:t>
+            </a:r>
+          </a:p>
+          <a:p>
+            <a:pPr lvl="1"/>
+            <a:r>
+              <a:rPr lang="en-US" dirty="0"/>
+              <a:t>There are many </a:t>
+            </a:r>
+            <a:r>
+              <a:rPr lang="en-US" i="1" dirty="0"/>
+              <a:t>feasible answers </a:t>
+            </a:r>
+            <a:r>
+              <a:rPr lang="en-US" dirty="0"/>
+              <a:t>that add up to the right amount, but one is optimal or best (fewest coins)</a:t>
+            </a:r>
+          </a:p>
+          <a:p>
+            <a:r>
+              <a:rPr lang="en-US" dirty="0"/>
+              <a:t>Immediately greedy: at each step, choose what looks best now.  No “look-ahead” into the future!</a:t>
             </a:r>
           </a:p>
           <a:p>
@@ -10943,24 +11452,30 @@
           <a:p>
             <a:r>
               <a:rPr lang="en-US" dirty="0"/>
-              <a:t>Please join ASAP!</a:t>
-            </a:r>
-          </a:p>
-          <a:p>
-            <a:pPr lvl="1"/>
-            <a:r>
-              <a:rPr lang="en-US" dirty="0"/>
-              <a:t>&lt;INSERT LINK HERE&gt;</a:t>
-            </a:r>
+              <a:t>What’s an optimization problem?</a:t>
+            </a:r>
+          </a:p>
+          <a:p>
+            <a:pPr lvl="1"/>
+            <a:r>
+              <a:rPr lang="en-US" dirty="0"/>
+              <a:t>Some subset or combination of values satisfies problem constraints (feasible solutions)</a:t>
+            </a:r>
+          </a:p>
+          <a:p>
+            <a:pPr lvl="1"/>
+            <a:r>
+              <a:rPr lang="en-US" dirty="0"/>
+              <a:t>But, a way of comparing these.  One is best: the optimal solution</a:t>
+            </a:r>
+          </a:p>
+          <a:p>
+            <a:pPr lvl="1"/>
+            <a:endParaRPr lang="en-US" dirty="0"/>
           </a:p>
         </p:txBody>
       </p:sp>
     </p:spTree>
-    <p:extLst>
-      <p:ext uri="{BB962C8B-B14F-4D97-AF65-F5344CB8AC3E}">
-        <p14:creationId xmlns:p14="http://schemas.microsoft.com/office/powerpoint/2010/main" val="1060944959"/>
-      </p:ext>
-    </p:extLst>
   </p:cSld>
   <p:clrMapOvr>
     <a:masterClrMapping/>
@@ -10968,7 +11483,7 @@
 </p:sld>
 </file>
 
-<file path=ppt/slides/slide40.xml><?xml version="1.0" encoding="utf-8"?>
+<file path=ppt/slides/slide43.xml><?xml version="1.0" encoding="utf-8"?>
 <p:sld xmlns:a="http://schemas.openxmlformats.org/drawingml/2006/main" xmlns:r="http://schemas.openxmlformats.org/officeDocument/2006/relationships" xmlns:p="http://schemas.openxmlformats.org/presentationml/2006/main">
   <p:cSld>
     <p:spTree>
@@ -10987,7 +11502,7 @@
       </p:grpSpPr>
       <p:sp>
         <p:nvSpPr>
-          <p:cNvPr id="36866" name="Rectangle 2"/>
+          <p:cNvPr id="37890" name="Rectangle 2"/>
           <p:cNvSpPr>
             <a:spLocks noGrp="1" noChangeArrowheads="1"/>
           </p:cNvSpPr>
@@ -11005,7 +11520,7 @@
           <a:p>
             <a:r>
               <a:rPr lang="en-US"/>
-              <a:t>You’re Being Greedy!</a:t>
+              <a:t>Does Greed Pay Off?</a:t>
             </a:r>
           </a:p>
         </p:txBody>
@@ -11028,166 +11543,7 @@
             <a:fld id="{F26D9103-0C5C-48AC-B68E-3ED2C1647047}" type="slidenum">
               <a:rPr lang="en-US" smtClean="0"/>
               <a:pPr/>
-              <a:t>40</a:t>
-            </a:fld>
-            <a:endParaRPr lang="en-US"/>
-          </a:p>
-        </p:txBody>
-      </p:sp>
-      <p:sp>
-        <p:nvSpPr>
-          <p:cNvPr id="36867" name="Rectangle 3"/>
-          <p:cNvSpPr>
-            <a:spLocks noGrp="1" noChangeArrowheads="1"/>
-          </p:cNvSpPr>
-          <p:nvPr>
-            <p:ph sz="quarter" idx="1"/>
-            <p:custDataLst>
-              <p:tags r:id="rId2"/>
-            </p:custDataLst>
-          </p:nvPr>
-        </p:nvSpPr>
-        <p:spPr/>
-        <p:txBody>
-          <a:bodyPr>
-            <a:normAutofit fontScale="92500"/>
-          </a:bodyPr>
-          <a:lstStyle/>
-          <a:p>
-            <a:r>
-              <a:rPr lang="en-US" dirty="0"/>
-              <a:t>This algorithm is an example of a family of algorithms called </a:t>
-            </a:r>
-            <a:r>
-              <a:rPr lang="en-US" i="1" dirty="0"/>
-              <a:t>greedy algorithms</a:t>
-            </a:r>
-          </a:p>
-          <a:p>
-            <a:r>
-              <a:rPr lang="en-US" dirty="0"/>
-              <a:t>Suitable for optimization problems</a:t>
-            </a:r>
-          </a:p>
-          <a:p>
-            <a:pPr lvl="1"/>
-            <a:r>
-              <a:rPr lang="en-US" dirty="0"/>
-              <a:t>There are many </a:t>
-            </a:r>
-            <a:r>
-              <a:rPr lang="en-US" i="1" dirty="0"/>
-              <a:t>feasible answers </a:t>
-            </a:r>
-            <a:r>
-              <a:rPr lang="en-US" dirty="0"/>
-              <a:t>that add up to the right amount, but one is optimal or best (fewest coins)</a:t>
-            </a:r>
-          </a:p>
-          <a:p>
-            <a:r>
-              <a:rPr lang="en-US" dirty="0"/>
-              <a:t>Immediately greedy: at each step, choose what looks best now.  No “look-ahead” into the future!</a:t>
-            </a:r>
-          </a:p>
-          <a:p>
-            <a:endParaRPr lang="en-US" dirty="0"/>
-          </a:p>
-          <a:p>
-            <a:r>
-              <a:rPr lang="en-US" dirty="0"/>
-              <a:t>What’s an optimization problem?</a:t>
-            </a:r>
-          </a:p>
-          <a:p>
-            <a:pPr lvl="1"/>
-            <a:r>
-              <a:rPr lang="en-US" dirty="0"/>
-              <a:t>Some subset or combination of values satisfies problem constraints (feasible solutions)</a:t>
-            </a:r>
-          </a:p>
-          <a:p>
-            <a:pPr lvl="1"/>
-            <a:r>
-              <a:rPr lang="en-US" dirty="0"/>
-              <a:t>But, a way of comparing these.  One is best: the optimal solution</a:t>
-            </a:r>
-          </a:p>
-          <a:p>
-            <a:pPr lvl="1"/>
-            <a:endParaRPr lang="en-US" dirty="0"/>
-          </a:p>
-        </p:txBody>
-      </p:sp>
-    </p:spTree>
-  </p:cSld>
-  <p:clrMapOvr>
-    <a:masterClrMapping/>
-  </p:clrMapOvr>
-</p:sld>
-</file>
-
-<file path=ppt/slides/slide41.xml><?xml version="1.0" encoding="utf-8"?>
-<p:sld xmlns:a="http://schemas.openxmlformats.org/drawingml/2006/main" xmlns:r="http://schemas.openxmlformats.org/officeDocument/2006/relationships" xmlns:p="http://schemas.openxmlformats.org/presentationml/2006/main">
-  <p:cSld>
-    <p:spTree>
-      <p:nvGrpSpPr>
-        <p:cNvPr id="1" name=""/>
-        <p:cNvGrpSpPr/>
-        <p:nvPr/>
-      </p:nvGrpSpPr>
-      <p:grpSpPr>
-        <a:xfrm>
-          <a:off x="0" y="0"/>
-          <a:ext cx="0" cy="0"/>
-          <a:chOff x="0" y="0"/>
-          <a:chExt cx="0" cy="0"/>
-        </a:xfrm>
-      </p:grpSpPr>
-      <p:sp>
-        <p:nvSpPr>
-          <p:cNvPr id="37890" name="Rectangle 2"/>
-          <p:cNvSpPr>
-            <a:spLocks noGrp="1" noChangeArrowheads="1"/>
-          </p:cNvSpPr>
-          <p:nvPr>
-            <p:ph type="title"/>
-            <p:custDataLst>
-              <p:tags r:id="rId1"/>
-            </p:custDataLst>
-          </p:nvPr>
-        </p:nvSpPr>
-        <p:spPr/>
-        <p:txBody>
-          <a:bodyPr/>
-          <a:lstStyle/>
-          <a:p>
-            <a:r>
-              <a:rPr lang="en-US"/>
-              <a:t>Does Greed Pay Off?</a:t>
-            </a:r>
-          </a:p>
-        </p:txBody>
-      </p:sp>
-      <p:sp>
-        <p:nvSpPr>
-          <p:cNvPr id="4" name="Slide Number Placeholder 3"/>
-          <p:cNvSpPr>
-            <a:spLocks noGrp="1"/>
-          </p:cNvSpPr>
-          <p:nvPr>
-            <p:ph type="sldNum" sz="quarter" idx="12"/>
-          </p:nvPr>
-        </p:nvSpPr>
-        <p:spPr/>
-        <p:txBody>
-          <a:bodyPr/>
-          <a:lstStyle/>
-          <a:p>
-            <a:fld id="{F26D9103-0C5C-48AC-B68E-3ED2C1647047}" type="slidenum">
-              <a:rPr lang="en-US" smtClean="0"/>
-              <a:pPr/>
-              <a:t>41</a:t>
+              <a:t>43</a:t>
             </a:fld>
             <a:endParaRPr lang="en-US"/>
           </a:p>
@@ -11719,337 +12075,6 @@
 </p:sld>
 </file>
 
-<file path=ppt/slides/slide42.xml><?xml version="1.0" encoding="utf-8"?>
-<p:sld xmlns:a="http://schemas.openxmlformats.org/drawingml/2006/main" xmlns:r="http://schemas.openxmlformats.org/officeDocument/2006/relationships" xmlns:p="http://schemas.openxmlformats.org/presentationml/2006/main">
-  <p:cSld>
-    <p:spTree>
-      <p:nvGrpSpPr>
-        <p:cNvPr id="1" name=""/>
-        <p:cNvGrpSpPr/>
-        <p:nvPr/>
-      </p:nvGrpSpPr>
-      <p:grpSpPr>
-        <a:xfrm>
-          <a:off x="0" y="0"/>
-          <a:ext cx="0" cy="0"/>
-          <a:chOff x="0" y="0"/>
-          <a:chExt cx="0" cy="0"/>
-        </a:xfrm>
-      </p:grpSpPr>
-      <p:sp>
-        <p:nvSpPr>
-          <p:cNvPr id="38914" name="Title 1"/>
-          <p:cNvSpPr>
-            <a:spLocks noGrp="1"/>
-          </p:cNvSpPr>
-          <p:nvPr>
-            <p:ph type="title"/>
-          </p:nvPr>
-        </p:nvSpPr>
-        <p:spPr/>
-        <p:txBody>
-          <a:bodyPr/>
-          <a:lstStyle/>
-          <a:p>
-            <a:r>
-              <a:rPr lang="en-US"/>
-              <a:t>Formal algorithmic description</a:t>
-            </a:r>
-          </a:p>
-        </p:txBody>
-      </p:sp>
-      <p:sp>
-        <p:nvSpPr>
-          <p:cNvPr id="4" name="Slide Number Placeholder 3"/>
-          <p:cNvSpPr>
-            <a:spLocks noGrp="1"/>
-          </p:cNvSpPr>
-          <p:nvPr>
-            <p:ph type="sldNum" sz="quarter" idx="12"/>
-          </p:nvPr>
-        </p:nvSpPr>
-        <p:spPr/>
-        <p:txBody>
-          <a:bodyPr/>
-          <a:lstStyle/>
-          <a:p>
-            <a:fld id="{F26D9103-0C5C-48AC-B68E-3ED2C1647047}" type="slidenum">
-              <a:rPr lang="en-US" smtClean="0"/>
-              <a:pPr/>
-              <a:t>42</a:t>
-            </a:fld>
-            <a:endParaRPr lang="en-US"/>
-          </a:p>
-        </p:txBody>
-      </p:sp>
-      <p:sp>
-        <p:nvSpPr>
-          <p:cNvPr id="38915" name="Content Placeholder 2"/>
-          <p:cNvSpPr>
-            <a:spLocks noGrp="1"/>
-          </p:cNvSpPr>
-          <p:nvPr>
-            <p:ph sz="quarter" idx="1"/>
-          </p:nvPr>
-        </p:nvSpPr>
-        <p:spPr/>
-        <p:txBody>
-          <a:bodyPr/>
-          <a:lstStyle/>
-          <a:p>
-            <a:r>
-              <a:rPr lang="en-US" i="1" dirty="0"/>
-              <a:t>All</a:t>
-            </a:r>
-            <a:r>
-              <a:rPr lang="en-US" dirty="0"/>
-              <a:t> algorithms in this course must have the following components:</a:t>
-            </a:r>
-          </a:p>
-          <a:p>
-            <a:pPr lvl="1"/>
-            <a:r>
-              <a:rPr lang="en-US" dirty="0"/>
-              <a:t>Problem description (1 line max)</a:t>
-            </a:r>
-          </a:p>
-          <a:p>
-            <a:pPr lvl="1"/>
-            <a:r>
-              <a:rPr lang="en-US" dirty="0"/>
-              <a:t>Inputs</a:t>
-            </a:r>
-          </a:p>
-          <a:p>
-            <a:pPr lvl="1"/>
-            <a:r>
-              <a:rPr lang="en-US" dirty="0"/>
-              <a:t>Outputs</a:t>
-            </a:r>
-          </a:p>
-          <a:p>
-            <a:pPr lvl="1"/>
-            <a:r>
-              <a:rPr lang="en-US" dirty="0"/>
-              <a:t>Assumptions</a:t>
-            </a:r>
-          </a:p>
-          <a:p>
-            <a:pPr lvl="1"/>
-            <a:r>
-              <a:rPr lang="en-US" dirty="0"/>
-              <a:t>Strategy overview</a:t>
-            </a:r>
-          </a:p>
-          <a:p>
-            <a:pPr lvl="2"/>
-            <a:r>
-              <a:rPr lang="en-US" dirty="0"/>
-              <a:t>1 or 2 sentences outlining the basic strategy, including the name of the method you are going to use for the algorithm</a:t>
-            </a:r>
-          </a:p>
-          <a:p>
-            <a:pPr lvl="1"/>
-            <a:r>
-              <a:rPr lang="en-US" dirty="0"/>
-              <a:t>Algorithm description</a:t>
-            </a:r>
-          </a:p>
-          <a:p>
-            <a:pPr lvl="2"/>
-            <a:r>
-              <a:rPr lang="en-US" dirty="0"/>
-              <a:t>If listed in English (as opposed to pseudo-code), then it should be listed in steps</a:t>
-            </a:r>
-          </a:p>
-        </p:txBody>
-      </p:sp>
-    </p:spTree>
-  </p:cSld>
-  <p:clrMapOvr>
-    <a:masterClrMapping/>
-  </p:clrMapOvr>
-</p:sld>
-</file>
-
-<file path=ppt/slides/slide43.xml><?xml version="1.0" encoding="utf-8"?>
-<p:sld xmlns:a="http://schemas.openxmlformats.org/drawingml/2006/main" xmlns:r="http://schemas.openxmlformats.org/officeDocument/2006/relationships" xmlns:p="http://schemas.openxmlformats.org/presentationml/2006/main">
-  <p:cSld>
-    <p:spTree>
-      <p:nvGrpSpPr>
-        <p:cNvPr id="1" name=""/>
-        <p:cNvGrpSpPr/>
-        <p:nvPr/>
-      </p:nvGrpSpPr>
-      <p:grpSpPr>
-        <a:xfrm>
-          <a:off x="0" y="0"/>
-          <a:ext cx="0" cy="0"/>
-          <a:chOff x="0" y="0"/>
-          <a:chExt cx="0" cy="0"/>
-        </a:xfrm>
-      </p:grpSpPr>
-      <p:sp>
-        <p:nvSpPr>
-          <p:cNvPr id="39938" name="Title 1"/>
-          <p:cNvSpPr>
-            <a:spLocks noGrp="1"/>
-          </p:cNvSpPr>
-          <p:nvPr>
-            <p:ph type="title"/>
-          </p:nvPr>
-        </p:nvSpPr>
-        <p:spPr/>
-        <p:txBody>
-          <a:bodyPr/>
-          <a:lstStyle/>
-          <a:p>
-            <a:r>
-              <a:rPr lang="en-US"/>
-              <a:t>Change solution (greedy)</a:t>
-            </a:r>
-          </a:p>
-        </p:txBody>
-      </p:sp>
-      <p:sp>
-        <p:nvSpPr>
-          <p:cNvPr id="39939" name="Content Placeholder 2"/>
-          <p:cNvSpPr>
-            <a:spLocks noGrp="1"/>
-          </p:cNvSpPr>
-          <p:nvPr>
-            <p:ph sz="quarter" idx="1"/>
-          </p:nvPr>
-        </p:nvSpPr>
-        <p:spPr/>
-        <p:txBody>
-          <a:bodyPr/>
-          <a:lstStyle/>
-          <a:p>
-            <a:pPr>
-              <a:lnSpc>
-                <a:spcPct val="90000"/>
-              </a:lnSpc>
-            </a:pPr>
-            <a:r>
-              <a:rPr lang="en-US" sz="2400" b="1"/>
-              <a:t>Problem description:</a:t>
-            </a:r>
-            <a:r>
-              <a:rPr lang="en-US" sz="2400"/>
-              <a:t> providing coin change of a given amount in the fewest number of coins</a:t>
-            </a:r>
-          </a:p>
-          <a:p>
-            <a:pPr>
-              <a:lnSpc>
-                <a:spcPct val="90000"/>
-              </a:lnSpc>
-            </a:pPr>
-            <a:r>
-              <a:rPr lang="en-US" sz="2400" b="1"/>
-              <a:t>Inputs:</a:t>
-            </a:r>
-            <a:r>
-              <a:rPr lang="en-US" sz="2400"/>
-              <a:t> the dollar-amount to return.  Perhaps the possible set of coins, if it is non-obvious.</a:t>
-            </a:r>
-          </a:p>
-          <a:p>
-            <a:pPr>
-              <a:lnSpc>
-                <a:spcPct val="90000"/>
-              </a:lnSpc>
-            </a:pPr>
-            <a:r>
-              <a:rPr lang="en-US" sz="2400" b="1"/>
-              <a:t>Output:</a:t>
-            </a:r>
-            <a:r>
-              <a:rPr lang="en-US" sz="2400"/>
-              <a:t> a set of coins that obtains the desired amount of change in the fewest number of coins</a:t>
-            </a:r>
-          </a:p>
-          <a:p>
-            <a:pPr>
-              <a:lnSpc>
-                <a:spcPct val="90000"/>
-              </a:lnSpc>
-            </a:pPr>
-            <a:r>
-              <a:rPr lang="en-US" sz="2400" b="1"/>
-              <a:t>Assumptions:</a:t>
-            </a:r>
-            <a:r>
-              <a:rPr lang="en-US" sz="2400"/>
-              <a:t> If the coins are not stated, then they are the standard quarter, dime, nickel, and penny.  All inputs are non-negative, and dollar amounts are ignored.</a:t>
-            </a:r>
-          </a:p>
-          <a:p>
-            <a:pPr>
-              <a:lnSpc>
-                <a:spcPct val="90000"/>
-              </a:lnSpc>
-            </a:pPr>
-            <a:r>
-              <a:rPr lang="en-US" sz="2400" b="1"/>
-              <a:t>Strategy:</a:t>
-            </a:r>
-            <a:r>
-              <a:rPr lang="en-US" sz="2400"/>
-              <a:t> a greedy algorithm that uses the largest coins first</a:t>
-            </a:r>
-          </a:p>
-          <a:p>
-            <a:pPr>
-              <a:lnSpc>
-                <a:spcPct val="90000"/>
-              </a:lnSpc>
-            </a:pPr>
-            <a:r>
-              <a:rPr lang="en-US" sz="2400" b="1"/>
-              <a:t>Description:</a:t>
-            </a:r>
-            <a:r>
-              <a:rPr lang="en-US" sz="2400"/>
-              <a:t> Issue the largest coin (quarters) until the amount left is less than the amount of a quarter ($0.25).  Repeat with decreasing coin sizes (dimes, nickels, pennies).</a:t>
-            </a:r>
-            <a:endParaRPr lang="en-US"/>
-          </a:p>
-        </p:txBody>
-      </p:sp>
-      <p:sp>
-        <p:nvSpPr>
-          <p:cNvPr id="4" name="Slide Number Placeholder 3"/>
-          <p:cNvSpPr>
-            <a:spLocks noGrp="1"/>
-          </p:cNvSpPr>
-          <p:nvPr>
-            <p:ph type="sldNum" sz="quarter" idx="12"/>
-          </p:nvPr>
-        </p:nvSpPr>
-        <p:spPr/>
-        <p:txBody>
-          <a:bodyPr/>
-          <a:lstStyle/>
-          <a:p>
-            <a:fld id="{F26D9103-0C5C-48AC-B68E-3ED2C1647047}" type="slidenum">
-              <a:rPr lang="en-US" smtClean="0"/>
-              <a:pPr/>
-              <a:t>43</a:t>
-            </a:fld>
-            <a:endParaRPr lang="en-US"/>
-          </a:p>
-        </p:txBody>
-      </p:sp>
-    </p:spTree>
-  </p:cSld>
-  <p:clrMapOvr>
-    <a:masterClrMapping/>
-  </p:clrMapOvr>
-</p:sld>
-</file>
-
 <file path=ppt/slides/slide44.xml><?xml version="1.0" encoding="utf-8"?>
 <p:sld xmlns:a="http://schemas.openxmlformats.org/drawingml/2006/main" xmlns:r="http://schemas.openxmlformats.org/officeDocument/2006/relationships" xmlns:p="http://schemas.openxmlformats.org/presentationml/2006/main">
   <p:cSld>
@@ -12069,6 +12094,337 @@
       </p:grpSpPr>
       <p:sp>
         <p:nvSpPr>
+          <p:cNvPr id="38914" name="Title 1"/>
+          <p:cNvSpPr>
+            <a:spLocks noGrp="1"/>
+          </p:cNvSpPr>
+          <p:nvPr>
+            <p:ph type="title"/>
+          </p:nvPr>
+        </p:nvSpPr>
+        <p:spPr/>
+        <p:txBody>
+          <a:bodyPr/>
+          <a:lstStyle/>
+          <a:p>
+            <a:r>
+              <a:rPr lang="en-US"/>
+              <a:t>Formal algorithmic description</a:t>
+            </a:r>
+          </a:p>
+        </p:txBody>
+      </p:sp>
+      <p:sp>
+        <p:nvSpPr>
+          <p:cNvPr id="4" name="Slide Number Placeholder 3"/>
+          <p:cNvSpPr>
+            <a:spLocks noGrp="1"/>
+          </p:cNvSpPr>
+          <p:nvPr>
+            <p:ph type="sldNum" sz="quarter" idx="12"/>
+          </p:nvPr>
+        </p:nvSpPr>
+        <p:spPr/>
+        <p:txBody>
+          <a:bodyPr/>
+          <a:lstStyle/>
+          <a:p>
+            <a:fld id="{F26D9103-0C5C-48AC-B68E-3ED2C1647047}" type="slidenum">
+              <a:rPr lang="en-US" smtClean="0"/>
+              <a:pPr/>
+              <a:t>44</a:t>
+            </a:fld>
+            <a:endParaRPr lang="en-US"/>
+          </a:p>
+        </p:txBody>
+      </p:sp>
+      <p:sp>
+        <p:nvSpPr>
+          <p:cNvPr id="38915" name="Content Placeholder 2"/>
+          <p:cNvSpPr>
+            <a:spLocks noGrp="1"/>
+          </p:cNvSpPr>
+          <p:nvPr>
+            <p:ph sz="quarter" idx="1"/>
+          </p:nvPr>
+        </p:nvSpPr>
+        <p:spPr/>
+        <p:txBody>
+          <a:bodyPr/>
+          <a:lstStyle/>
+          <a:p>
+            <a:r>
+              <a:rPr lang="en-US" i="1" dirty="0"/>
+              <a:t>All</a:t>
+            </a:r>
+            <a:r>
+              <a:rPr lang="en-US" dirty="0"/>
+              <a:t> algorithms in this course must have the following components:</a:t>
+            </a:r>
+          </a:p>
+          <a:p>
+            <a:pPr lvl="1"/>
+            <a:r>
+              <a:rPr lang="en-US" dirty="0"/>
+              <a:t>Problem description (1 line max)</a:t>
+            </a:r>
+          </a:p>
+          <a:p>
+            <a:pPr lvl="1"/>
+            <a:r>
+              <a:rPr lang="en-US" dirty="0"/>
+              <a:t>Inputs</a:t>
+            </a:r>
+          </a:p>
+          <a:p>
+            <a:pPr lvl="1"/>
+            <a:r>
+              <a:rPr lang="en-US" dirty="0"/>
+              <a:t>Outputs</a:t>
+            </a:r>
+          </a:p>
+          <a:p>
+            <a:pPr lvl="1"/>
+            <a:r>
+              <a:rPr lang="en-US" dirty="0"/>
+              <a:t>Assumptions</a:t>
+            </a:r>
+          </a:p>
+          <a:p>
+            <a:pPr lvl="1"/>
+            <a:r>
+              <a:rPr lang="en-US" dirty="0"/>
+              <a:t>Strategy overview</a:t>
+            </a:r>
+          </a:p>
+          <a:p>
+            <a:pPr lvl="2"/>
+            <a:r>
+              <a:rPr lang="en-US" dirty="0"/>
+              <a:t>1 or 2 sentences outlining the basic strategy, including the name of the method you are going to use for the algorithm</a:t>
+            </a:r>
+          </a:p>
+          <a:p>
+            <a:pPr lvl="1"/>
+            <a:r>
+              <a:rPr lang="en-US" dirty="0"/>
+              <a:t>Algorithm description</a:t>
+            </a:r>
+          </a:p>
+          <a:p>
+            <a:pPr lvl="2"/>
+            <a:r>
+              <a:rPr lang="en-US" dirty="0"/>
+              <a:t>If listed in English (as opposed to pseudo-code), then it should be listed in steps</a:t>
+            </a:r>
+          </a:p>
+        </p:txBody>
+      </p:sp>
+    </p:spTree>
+  </p:cSld>
+  <p:clrMapOvr>
+    <a:masterClrMapping/>
+  </p:clrMapOvr>
+</p:sld>
+</file>
+
+<file path=ppt/slides/slide45.xml><?xml version="1.0" encoding="utf-8"?>
+<p:sld xmlns:a="http://schemas.openxmlformats.org/drawingml/2006/main" xmlns:r="http://schemas.openxmlformats.org/officeDocument/2006/relationships" xmlns:p="http://schemas.openxmlformats.org/presentationml/2006/main">
+  <p:cSld>
+    <p:spTree>
+      <p:nvGrpSpPr>
+        <p:cNvPr id="1" name=""/>
+        <p:cNvGrpSpPr/>
+        <p:nvPr/>
+      </p:nvGrpSpPr>
+      <p:grpSpPr>
+        <a:xfrm>
+          <a:off x="0" y="0"/>
+          <a:ext cx="0" cy="0"/>
+          <a:chOff x="0" y="0"/>
+          <a:chExt cx="0" cy="0"/>
+        </a:xfrm>
+      </p:grpSpPr>
+      <p:sp>
+        <p:nvSpPr>
+          <p:cNvPr id="39938" name="Title 1"/>
+          <p:cNvSpPr>
+            <a:spLocks noGrp="1"/>
+          </p:cNvSpPr>
+          <p:nvPr>
+            <p:ph type="title"/>
+          </p:nvPr>
+        </p:nvSpPr>
+        <p:spPr/>
+        <p:txBody>
+          <a:bodyPr/>
+          <a:lstStyle/>
+          <a:p>
+            <a:r>
+              <a:rPr lang="en-US"/>
+              <a:t>Change solution (greedy)</a:t>
+            </a:r>
+          </a:p>
+        </p:txBody>
+      </p:sp>
+      <p:sp>
+        <p:nvSpPr>
+          <p:cNvPr id="39939" name="Content Placeholder 2"/>
+          <p:cNvSpPr>
+            <a:spLocks noGrp="1"/>
+          </p:cNvSpPr>
+          <p:nvPr>
+            <p:ph sz="quarter" idx="1"/>
+          </p:nvPr>
+        </p:nvSpPr>
+        <p:spPr/>
+        <p:txBody>
+          <a:bodyPr/>
+          <a:lstStyle/>
+          <a:p>
+            <a:pPr>
+              <a:lnSpc>
+                <a:spcPct val="90000"/>
+              </a:lnSpc>
+            </a:pPr>
+            <a:r>
+              <a:rPr lang="en-US" sz="2400" b="1"/>
+              <a:t>Problem description:</a:t>
+            </a:r>
+            <a:r>
+              <a:rPr lang="en-US" sz="2400"/>
+              <a:t> providing coin change of a given amount in the fewest number of coins</a:t>
+            </a:r>
+          </a:p>
+          <a:p>
+            <a:pPr>
+              <a:lnSpc>
+                <a:spcPct val="90000"/>
+              </a:lnSpc>
+            </a:pPr>
+            <a:r>
+              <a:rPr lang="en-US" sz="2400" b="1"/>
+              <a:t>Inputs:</a:t>
+            </a:r>
+            <a:r>
+              <a:rPr lang="en-US" sz="2400"/>
+              <a:t> the dollar-amount to return.  Perhaps the possible set of coins, if it is non-obvious.</a:t>
+            </a:r>
+          </a:p>
+          <a:p>
+            <a:pPr>
+              <a:lnSpc>
+                <a:spcPct val="90000"/>
+              </a:lnSpc>
+            </a:pPr>
+            <a:r>
+              <a:rPr lang="en-US" sz="2400" b="1"/>
+              <a:t>Output:</a:t>
+            </a:r>
+            <a:r>
+              <a:rPr lang="en-US" sz="2400"/>
+              <a:t> a set of coins that obtains the desired amount of change in the fewest number of coins</a:t>
+            </a:r>
+          </a:p>
+          <a:p>
+            <a:pPr>
+              <a:lnSpc>
+                <a:spcPct val="90000"/>
+              </a:lnSpc>
+            </a:pPr>
+            <a:r>
+              <a:rPr lang="en-US" sz="2400" b="1"/>
+              <a:t>Assumptions:</a:t>
+            </a:r>
+            <a:r>
+              <a:rPr lang="en-US" sz="2400"/>
+              <a:t> If the coins are not stated, then they are the standard quarter, dime, nickel, and penny.  All inputs are non-negative, and dollar amounts are ignored.</a:t>
+            </a:r>
+          </a:p>
+          <a:p>
+            <a:pPr>
+              <a:lnSpc>
+                <a:spcPct val="90000"/>
+              </a:lnSpc>
+            </a:pPr>
+            <a:r>
+              <a:rPr lang="en-US" sz="2400" b="1"/>
+              <a:t>Strategy:</a:t>
+            </a:r>
+            <a:r>
+              <a:rPr lang="en-US" sz="2400"/>
+              <a:t> a greedy algorithm that uses the largest coins first</a:t>
+            </a:r>
+          </a:p>
+          <a:p>
+            <a:pPr>
+              <a:lnSpc>
+                <a:spcPct val="90000"/>
+              </a:lnSpc>
+            </a:pPr>
+            <a:r>
+              <a:rPr lang="en-US" sz="2400" b="1"/>
+              <a:t>Description:</a:t>
+            </a:r>
+            <a:r>
+              <a:rPr lang="en-US" sz="2400"/>
+              <a:t> Issue the largest coin (quarters) until the amount left is less than the amount of a quarter ($0.25).  Repeat with decreasing coin sizes (dimes, nickels, pennies).</a:t>
+            </a:r>
+            <a:endParaRPr lang="en-US"/>
+          </a:p>
+        </p:txBody>
+      </p:sp>
+      <p:sp>
+        <p:nvSpPr>
+          <p:cNvPr id="4" name="Slide Number Placeholder 3"/>
+          <p:cNvSpPr>
+            <a:spLocks noGrp="1"/>
+          </p:cNvSpPr>
+          <p:nvPr>
+            <p:ph type="sldNum" sz="quarter" idx="12"/>
+          </p:nvPr>
+        </p:nvSpPr>
+        <p:spPr/>
+        <p:txBody>
+          <a:bodyPr/>
+          <a:lstStyle/>
+          <a:p>
+            <a:fld id="{F26D9103-0C5C-48AC-B68E-3ED2C1647047}" type="slidenum">
+              <a:rPr lang="en-US" smtClean="0"/>
+              <a:pPr/>
+              <a:t>45</a:t>
+            </a:fld>
+            <a:endParaRPr lang="en-US"/>
+          </a:p>
+        </p:txBody>
+      </p:sp>
+    </p:spTree>
+  </p:cSld>
+  <p:clrMapOvr>
+    <a:masterClrMapping/>
+  </p:clrMapOvr>
+</p:sld>
+</file>
+
+<file path=ppt/slides/slide46.xml><?xml version="1.0" encoding="utf-8"?>
+<p:sld xmlns:a="http://schemas.openxmlformats.org/drawingml/2006/main" xmlns:r="http://schemas.openxmlformats.org/officeDocument/2006/relationships" xmlns:p="http://schemas.openxmlformats.org/presentationml/2006/main">
+  <p:cSld>
+    <p:spTree>
+      <p:nvGrpSpPr>
+        <p:cNvPr id="1" name=""/>
+        <p:cNvGrpSpPr/>
+        <p:nvPr/>
+      </p:nvGrpSpPr>
+      <p:grpSpPr>
+        <a:xfrm>
+          <a:off x="0" y="0"/>
+          <a:ext cx="0" cy="0"/>
+          <a:chOff x="0" y="0"/>
+          <a:chExt cx="0" cy="0"/>
+        </a:xfrm>
+      </p:grpSpPr>
+      <p:sp>
+        <p:nvSpPr>
           <p:cNvPr id="40962" name="Rectangle 2"/>
           <p:cNvSpPr>
             <a:spLocks noGrp="1" noChangeArrowheads="1"/>
@@ -12110,7 +12466,7 @@
             <a:fld id="{F26D9103-0C5C-48AC-B68E-3ED2C1647047}" type="slidenum">
               <a:rPr lang="en-US" smtClean="0"/>
               <a:pPr/>
-              <a:t>44</a:t>
+              <a:t>46</a:t>
             </a:fld>
             <a:endParaRPr lang="en-US"/>
           </a:p>
@@ -12510,335 +12866,6 @@
 </p:sld>
 </file>
 
-<file path=ppt/slides/slide45.xml><?xml version="1.0" encoding="utf-8"?>
-<p:sld xmlns:a="http://schemas.openxmlformats.org/drawingml/2006/main" xmlns:r="http://schemas.openxmlformats.org/officeDocument/2006/relationships" xmlns:p="http://schemas.openxmlformats.org/presentationml/2006/main">
-  <p:cSld>
-    <p:spTree>
-      <p:nvGrpSpPr>
-        <p:cNvPr id="1" name=""/>
-        <p:cNvGrpSpPr/>
-        <p:nvPr/>
-      </p:nvGrpSpPr>
-      <p:grpSpPr>
-        <a:xfrm>
-          <a:off x="0" y="0"/>
-          <a:ext cx="0" cy="0"/>
-          <a:chOff x="0" y="0"/>
-          <a:chExt cx="0" cy="0"/>
-        </a:xfrm>
-      </p:grpSpPr>
-      <p:sp>
-        <p:nvSpPr>
-          <p:cNvPr id="41986" name="Title 1"/>
-          <p:cNvSpPr>
-            <a:spLocks noGrp="1"/>
-          </p:cNvSpPr>
-          <p:nvPr>
-            <p:ph type="title"/>
-          </p:nvPr>
-        </p:nvSpPr>
-        <p:spPr/>
-        <p:txBody>
-          <a:bodyPr/>
-          <a:lstStyle/>
-          <a:p>
-            <a:r>
-              <a:rPr lang="en-US"/>
-              <a:t>Change solution (brute-force)</a:t>
-            </a:r>
-          </a:p>
-        </p:txBody>
-      </p:sp>
-      <p:sp>
-        <p:nvSpPr>
-          <p:cNvPr id="3" name="Content Placeholder 2"/>
-          <p:cNvSpPr>
-            <a:spLocks noGrp="1"/>
-          </p:cNvSpPr>
-          <p:nvPr>
-            <p:ph sz="quarter" idx="1"/>
-          </p:nvPr>
-        </p:nvSpPr>
-        <p:spPr>
-          <a:xfrm>
-            <a:off x="457200" y="1219200"/>
-            <a:ext cx="8229600" cy="5410200"/>
-          </a:xfrm>
-        </p:spPr>
-        <p:txBody>
-          <a:bodyPr>
-            <a:normAutofit/>
-          </a:bodyPr>
-          <a:lstStyle/>
-          <a:p>
-            <a:pPr>
-              <a:lnSpc>
-                <a:spcPct val="90000"/>
-              </a:lnSpc>
-              <a:defRPr/>
-            </a:pPr>
-            <a:r>
-              <a:rPr lang="en-US" sz="2400" b="1" dirty="0">
-                <a:solidFill>
-                  <a:schemeClr val="bg1">
-                    <a:lumMod val="75000"/>
-                  </a:schemeClr>
-                </a:solidFill>
-              </a:rPr>
-              <a:t>Problem description:</a:t>
-            </a:r>
-            <a:r>
-              <a:rPr lang="en-US" sz="2400" dirty="0">
-                <a:solidFill>
-                  <a:schemeClr val="bg1">
-                    <a:lumMod val="75000"/>
-                  </a:schemeClr>
-                </a:solidFill>
-              </a:rPr>
-              <a:t> providing coin change of a given amount in the fewest number of coins</a:t>
-            </a:r>
-          </a:p>
-          <a:p>
-            <a:pPr>
-              <a:lnSpc>
-                <a:spcPct val="90000"/>
-              </a:lnSpc>
-              <a:defRPr/>
-            </a:pPr>
-            <a:r>
-              <a:rPr lang="en-US" sz="2400" b="1" dirty="0">
-                <a:solidFill>
-                  <a:schemeClr val="bg1">
-                    <a:lumMod val="75000"/>
-                  </a:schemeClr>
-                </a:solidFill>
-              </a:rPr>
-              <a:t>Inputs:</a:t>
-            </a:r>
-            <a:r>
-              <a:rPr lang="en-US" sz="2400" dirty="0">
-                <a:solidFill>
-                  <a:schemeClr val="bg1">
-                    <a:lumMod val="75000"/>
-                  </a:schemeClr>
-                </a:solidFill>
-              </a:rPr>
-              <a:t> the dollar-amount to return.  Perhaps the possible set of coins, if it is non-obvious.</a:t>
-            </a:r>
-          </a:p>
-          <a:p>
-            <a:pPr>
-              <a:lnSpc>
-                <a:spcPct val="90000"/>
-              </a:lnSpc>
-              <a:defRPr/>
-            </a:pPr>
-            <a:r>
-              <a:rPr lang="en-US" sz="2400" b="1" dirty="0">
-                <a:solidFill>
-                  <a:schemeClr val="bg1">
-                    <a:lumMod val="75000"/>
-                  </a:schemeClr>
-                </a:solidFill>
-              </a:rPr>
-              <a:t>Output:</a:t>
-            </a:r>
-            <a:r>
-              <a:rPr lang="en-US" sz="2400" dirty="0">
-                <a:solidFill>
-                  <a:schemeClr val="bg1">
-                    <a:lumMod val="75000"/>
-                  </a:schemeClr>
-                </a:solidFill>
-              </a:rPr>
-              <a:t> a set of coins that obtains the desired amount of change in the fewest number of coins</a:t>
-            </a:r>
-          </a:p>
-          <a:p>
-            <a:pPr>
-              <a:lnSpc>
-                <a:spcPct val="90000"/>
-              </a:lnSpc>
-              <a:defRPr/>
-            </a:pPr>
-            <a:r>
-              <a:rPr lang="en-US" sz="2400" b="1" dirty="0">
-                <a:solidFill>
-                  <a:schemeClr val="bg1">
-                    <a:lumMod val="75000"/>
-                  </a:schemeClr>
-                </a:solidFill>
-              </a:rPr>
-              <a:t>Assumptions:</a:t>
-            </a:r>
-            <a:r>
-              <a:rPr lang="en-US" sz="2400" dirty="0">
-                <a:solidFill>
-                  <a:schemeClr val="bg1">
-                    <a:lumMod val="75000"/>
-                  </a:schemeClr>
-                </a:solidFill>
-              </a:rPr>
-              <a:t> If the coins are not stated, then they are the standard quarter, dime, nickel, and penny.  All inputs are non-negative, and dollar amounts are ignored.</a:t>
-            </a:r>
-          </a:p>
-          <a:p>
-            <a:pPr>
-              <a:lnSpc>
-                <a:spcPct val="90000"/>
-              </a:lnSpc>
-              <a:defRPr/>
-            </a:pPr>
-            <a:r>
-              <a:rPr lang="en-US" sz="2400" b="1" dirty="0"/>
-              <a:t>Strategy:</a:t>
-            </a:r>
-            <a:r>
-              <a:rPr lang="en-US" sz="2400" dirty="0"/>
-              <a:t> a brute-force algorithm that considers every possibility and picks the one with the fewest number of coins</a:t>
-            </a:r>
-          </a:p>
-          <a:p>
-            <a:pPr>
-              <a:lnSpc>
-                <a:spcPct val="90000"/>
-              </a:lnSpc>
-              <a:defRPr/>
-            </a:pPr>
-            <a:r>
-              <a:rPr lang="en-US" sz="2400" b="1" dirty="0"/>
-              <a:t>Description:</a:t>
-            </a:r>
-            <a:r>
-              <a:rPr lang="en-US" sz="2400" dirty="0"/>
-              <a:t> Consider every possible combination of coins that add to the given amount (done via a depth-first search).  Return the one with the fewest number of coins.</a:t>
-            </a:r>
-            <a:endParaRPr lang="en-US" dirty="0"/>
-          </a:p>
-        </p:txBody>
-      </p:sp>
-      <p:sp>
-        <p:nvSpPr>
-          <p:cNvPr id="4" name="Slide Number Placeholder 3"/>
-          <p:cNvSpPr>
-            <a:spLocks noGrp="1"/>
-          </p:cNvSpPr>
-          <p:nvPr>
-            <p:ph type="sldNum" sz="quarter" idx="12"/>
-          </p:nvPr>
-        </p:nvSpPr>
-        <p:spPr/>
-        <p:txBody>
-          <a:bodyPr/>
-          <a:lstStyle/>
-          <a:p>
-            <a:fld id="{F26D9103-0C5C-48AC-B68E-3ED2C1647047}" type="slidenum">
-              <a:rPr lang="en-US" smtClean="0"/>
-              <a:pPr/>
-              <a:t>45</a:t>
-            </a:fld>
-            <a:endParaRPr lang="en-US"/>
-          </a:p>
-        </p:txBody>
-      </p:sp>
-    </p:spTree>
-  </p:cSld>
-  <p:clrMapOvr>
-    <a:masterClrMapping/>
-  </p:clrMapOvr>
-</p:sld>
-</file>
-
-<file path=ppt/slides/slide46.xml><?xml version="1.0" encoding="utf-8"?>
-<p:sld xmlns:a="http://schemas.openxmlformats.org/drawingml/2006/main" xmlns:r="http://schemas.openxmlformats.org/officeDocument/2006/relationships" xmlns:p="http://schemas.openxmlformats.org/presentationml/2006/main">
-  <p:cSld>
-    <p:spTree>
-      <p:nvGrpSpPr>
-        <p:cNvPr id="1" name=""/>
-        <p:cNvGrpSpPr/>
-        <p:nvPr/>
-      </p:nvGrpSpPr>
-      <p:grpSpPr>
-        <a:xfrm>
-          <a:off x="0" y="0"/>
-          <a:ext cx="0" cy="0"/>
-          <a:chOff x="0" y="0"/>
-          <a:chExt cx="0" cy="0"/>
-        </a:xfrm>
-      </p:grpSpPr>
-      <p:sp>
-        <p:nvSpPr>
-          <p:cNvPr id="5" name="Title 4"/>
-          <p:cNvSpPr>
-            <a:spLocks noGrp="1"/>
-          </p:cNvSpPr>
-          <p:nvPr>
-            <p:ph type="title"/>
-          </p:nvPr>
-        </p:nvSpPr>
-        <p:spPr/>
-        <p:txBody>
-          <a:bodyPr/>
-          <a:lstStyle/>
-          <a:p>
-            <a:r>
-              <a:rPr lang="en-US" dirty="0"/>
-              <a:t>Motivating problems</a:t>
-            </a:r>
-          </a:p>
-        </p:txBody>
-      </p:sp>
-      <p:sp>
-        <p:nvSpPr>
-          <p:cNvPr id="6" name="Text Placeholder 5"/>
-          <p:cNvSpPr>
-            <a:spLocks noGrp="1"/>
-          </p:cNvSpPr>
-          <p:nvPr>
-            <p:ph type="body" idx="1"/>
-          </p:nvPr>
-        </p:nvSpPr>
-        <p:spPr/>
-        <p:txBody>
-          <a:bodyPr/>
-          <a:lstStyle/>
-          <a:p>
-            <a:endParaRPr lang="en-US"/>
-          </a:p>
-        </p:txBody>
-      </p:sp>
-      <p:sp>
-        <p:nvSpPr>
-          <p:cNvPr id="3" name="Slide Number Placeholder 2"/>
-          <p:cNvSpPr>
-            <a:spLocks noGrp="1"/>
-          </p:cNvSpPr>
-          <p:nvPr>
-            <p:ph type="sldNum" sz="quarter" idx="12"/>
-          </p:nvPr>
-        </p:nvSpPr>
-        <p:spPr/>
-        <p:txBody>
-          <a:bodyPr/>
-          <a:lstStyle/>
-          <a:p>
-            <a:fld id="{F26D9103-0C5C-48AC-B68E-3ED2C1647047}" type="slidenum">
-              <a:rPr lang="en-US" smtClean="0"/>
-              <a:pPr/>
-              <a:t>46</a:t>
-            </a:fld>
-            <a:endParaRPr lang="en-US"/>
-          </a:p>
-        </p:txBody>
-      </p:sp>
-    </p:spTree>
-  </p:cSld>
-  <p:clrMapOvr>
-    <a:masterClrMapping/>
-  </p:clrMapOvr>
-</p:sld>
-</file>
-
 <file path=ppt/slides/slide47.xml><?xml version="1.0" encoding="utf-8"?>
 <p:sld xmlns:a="http://schemas.openxmlformats.org/drawingml/2006/main" xmlns:r="http://schemas.openxmlformats.org/officeDocument/2006/relationships" xmlns:p="http://schemas.openxmlformats.org/presentationml/2006/main">
   <p:cSld>
@@ -12858,7 +12885,7 @@
       </p:grpSpPr>
       <p:sp>
         <p:nvSpPr>
-          <p:cNvPr id="2" name="Title 1"/>
+          <p:cNvPr id="41986" name="Title 1"/>
           <p:cNvSpPr>
             <a:spLocks noGrp="1"/>
           </p:cNvSpPr>
@@ -12872,8 +12899,8 @@
           <a:lstStyle/>
           <a:p>
             <a:r>
-              <a:rPr lang="en-US" dirty="0"/>
-              <a:t>Motivating problem: Interval scheduling</a:t>
+              <a:rPr lang="en-US"/>
+              <a:t>Change solution (brute-force)</a:t>
             </a:r>
           </a:p>
         </p:txBody>
@@ -12888,98 +12915,167 @@
             <p:ph sz="quarter" idx="1"/>
           </p:nvPr>
         </p:nvSpPr>
-        <p:spPr/>
-        <p:txBody>
-          <a:bodyPr/>
-          <a:lstStyle/>
-          <a:p>
-            <a:r>
-              <a:rPr lang="en-US" dirty="0"/>
-              <a:t>Interval scheduling</a:t>
-            </a:r>
-          </a:p>
-          <a:p>
-            <a:pPr lvl="1"/>
-            <a:r>
-              <a:rPr lang="en-US" dirty="0"/>
-              <a:t>Given a series of requests, each with a start time and end time, maximize the number of requests scheduled</a:t>
-            </a:r>
-          </a:p>
-          <a:p>
-            <a:pPr lvl="1"/>
-            <a:r>
-              <a:rPr lang="en-US" dirty="0"/>
-              <a:t>This is solved by a </a:t>
-            </a:r>
-            <a:r>
-              <a:rPr lang="en-US" i="1" dirty="0"/>
-              <a:t>greedy </a:t>
-            </a:r>
-            <a:r>
-              <a:rPr lang="en-US" dirty="0"/>
-              <a:t>algorithm</a:t>
-            </a:r>
-          </a:p>
-          <a:p>
-            <a:pPr lvl="1"/>
-            <a:r>
-              <a:rPr lang="en-US" dirty="0"/>
-              <a:t>Most of the CS 2150 algorithms you’ve seen are greedy algorithms: </a:t>
-            </a:r>
-            <a:r>
-              <a:rPr lang="en-US" dirty="0" err="1"/>
-              <a:t>Dijkstra’s</a:t>
-            </a:r>
-            <a:r>
-              <a:rPr lang="en-US" dirty="0"/>
-              <a:t> shortest path, both MST algorithms, etc.</a:t>
-            </a:r>
-          </a:p>
-          <a:p>
+        <p:spPr>
+          <a:xfrm>
+            <a:off x="457200" y="1219200"/>
+            <a:ext cx="8229600" cy="5410200"/>
+          </a:xfrm>
+        </p:spPr>
+        <p:txBody>
+          <a:bodyPr>
+            <a:normAutofit/>
+          </a:bodyPr>
+          <a:lstStyle/>
+          <a:p>
+            <a:pPr>
+              <a:lnSpc>
+                <a:spcPct val="90000"/>
+              </a:lnSpc>
+              <a:defRPr/>
+            </a:pPr>
+            <a:r>
+              <a:rPr lang="en-US" sz="2400" b="1" dirty="0">
+                <a:solidFill>
+                  <a:schemeClr val="bg1">
+                    <a:lumMod val="75000"/>
+                  </a:schemeClr>
+                </a:solidFill>
+              </a:rPr>
+              <a:t>Problem description:</a:t>
+            </a:r>
+            <a:r>
+              <a:rPr lang="en-US" sz="2400" dirty="0">
+                <a:solidFill>
+                  <a:schemeClr val="bg1">
+                    <a:lumMod val="75000"/>
+                  </a:schemeClr>
+                </a:solidFill>
+              </a:rPr>
+              <a:t> providing coin change of a given amount in the fewest number of coins</a:t>
+            </a:r>
+          </a:p>
+          <a:p>
+            <a:pPr>
+              <a:lnSpc>
+                <a:spcPct val="90000"/>
+              </a:lnSpc>
+              <a:defRPr/>
+            </a:pPr>
+            <a:r>
+              <a:rPr lang="en-US" sz="2400" b="1" dirty="0">
+                <a:solidFill>
+                  <a:schemeClr val="bg1">
+                    <a:lumMod val="75000"/>
+                  </a:schemeClr>
+                </a:solidFill>
+              </a:rPr>
+              <a:t>Inputs:</a:t>
+            </a:r>
+            <a:r>
+              <a:rPr lang="en-US" sz="2400" dirty="0">
+                <a:solidFill>
+                  <a:schemeClr val="bg1">
+                    <a:lumMod val="75000"/>
+                  </a:schemeClr>
+                </a:solidFill>
+              </a:rPr>
+              <a:t> the dollar-amount to return.  Perhaps the possible set of coins, if it is non-obvious.</a:t>
+            </a:r>
+          </a:p>
+          <a:p>
+            <a:pPr>
+              <a:lnSpc>
+                <a:spcPct val="90000"/>
+              </a:lnSpc>
+              <a:defRPr/>
+            </a:pPr>
+            <a:r>
+              <a:rPr lang="en-US" sz="2400" b="1" dirty="0">
+                <a:solidFill>
+                  <a:schemeClr val="bg1">
+                    <a:lumMod val="75000"/>
+                  </a:schemeClr>
+                </a:solidFill>
+              </a:rPr>
+              <a:t>Output:</a:t>
+            </a:r>
+            <a:r>
+              <a:rPr lang="en-US" sz="2400" dirty="0">
+                <a:solidFill>
+                  <a:schemeClr val="bg1">
+                    <a:lumMod val="75000"/>
+                  </a:schemeClr>
+                </a:solidFill>
+              </a:rPr>
+              <a:t> a set of coins that obtains the desired amount of change in the fewest number of coins</a:t>
+            </a:r>
+          </a:p>
+          <a:p>
+            <a:pPr>
+              <a:lnSpc>
+                <a:spcPct val="90000"/>
+              </a:lnSpc>
+              <a:defRPr/>
+            </a:pPr>
+            <a:r>
+              <a:rPr lang="en-US" sz="2400" b="1" dirty="0">
+                <a:solidFill>
+                  <a:schemeClr val="bg1">
+                    <a:lumMod val="75000"/>
+                  </a:schemeClr>
+                </a:solidFill>
+              </a:rPr>
+              <a:t>Assumptions:</a:t>
+            </a:r>
+            <a:r>
+              <a:rPr lang="en-US" sz="2400" dirty="0">
+                <a:solidFill>
+                  <a:schemeClr val="bg1">
+                    <a:lumMod val="75000"/>
+                  </a:schemeClr>
+                </a:solidFill>
+              </a:rPr>
+              <a:t> If the coins are not stated, then they are the standard quarter, dime, nickel, and penny.  All inputs are non-negative, and dollar amounts are ignored.</a:t>
+            </a:r>
+          </a:p>
+          <a:p>
+            <a:pPr>
+              <a:lnSpc>
+                <a:spcPct val="90000"/>
+              </a:lnSpc>
+              <a:defRPr/>
+            </a:pPr>
+            <a:r>
+              <a:rPr lang="en-US" sz="2400" b="1" dirty="0"/>
+              <a:t>Strategy:</a:t>
+            </a:r>
+            <a:r>
+              <a:rPr lang="en-US" sz="2400" dirty="0"/>
+              <a:t> a brute-force algorithm that considers every possibility and picks the one with the fewest number of coins</a:t>
+            </a:r>
+          </a:p>
+          <a:p>
+            <a:pPr>
+              <a:lnSpc>
+                <a:spcPct val="90000"/>
+              </a:lnSpc>
+              <a:defRPr/>
+            </a:pPr>
+            <a:r>
+              <a:rPr lang="en-US" sz="2400" b="1" dirty="0"/>
+              <a:t>Description:</a:t>
+            </a:r>
+            <a:r>
+              <a:rPr lang="en-US" sz="2400" dirty="0"/>
+              <a:t> Consider every possible combination of coins that add to the given amount (done via a depth-first search).  Return the one with the fewest number of coins.</a:t>
+            </a:r>
             <a:endParaRPr lang="en-US" dirty="0"/>
           </a:p>
         </p:txBody>
       </p:sp>
-      <p:pic>
-        <p:nvPicPr>
-          <p:cNvPr id="4" name="Picture 2" descr="C:\WINDOWS\Desktop\Oh_type\kleinberg_GIF_01to10\kleinberg_01F04.gif"/>
-          <p:cNvPicPr preferRelativeResize="0">
-            <a:picLocks noChangeAspect="1" noChangeArrowheads="1"/>
-          </p:cNvPicPr>
-          <p:nvPr>
-            <p:custDataLst>
-              <p:tags r:id="rId1"/>
-            </p:custDataLst>
-          </p:nvPr>
-        </p:nvPicPr>
-        <p:blipFill>
-          <a:blip r:embed="rId3"/>
-          <a:srcRect b="21358"/>
-          <a:stretch>
-            <a:fillRect/>
-          </a:stretch>
-        </p:blipFill>
-        <p:spPr bwMode="auto">
-          <a:xfrm>
-            <a:off x="685800" y="3962400"/>
-            <a:ext cx="7772400" cy="2133600"/>
-          </a:xfrm>
-          <a:prstGeom prst="rect">
-            <a:avLst/>
-          </a:prstGeom>
-          <a:noFill/>
-          <a:ln w="9525">
-            <a:noFill/>
-            <a:miter lim="800000"/>
-            <a:headEnd/>
-            <a:tailEnd/>
-          </a:ln>
-          <a:effectLst/>
-        </p:spPr>
-      </p:pic>
-      <p:sp>
-        <p:nvSpPr>
-          <p:cNvPr id="5" name="Slide Number Placeholder 4"/>
+      <p:sp>
+        <p:nvSpPr>
+          <p:cNvPr id="4" name="Slide Number Placeholder 3"/>
           <p:cNvSpPr>
             <a:spLocks noGrp="1"/>
           </p:cNvSpPr>
@@ -13028,7 +13124,7 @@
       </p:grpSpPr>
       <p:sp>
         <p:nvSpPr>
-          <p:cNvPr id="2" name="Title 1"/>
+          <p:cNvPr id="5" name="Title 4"/>
           <p:cNvSpPr>
             <a:spLocks noGrp="1"/>
           </p:cNvSpPr>
@@ -13036,112 +13132,40 @@
             <p:ph type="title"/>
           </p:nvPr>
         </p:nvSpPr>
-        <p:spPr>
-          <a:xfrm>
-            <a:off x="381000" y="457200"/>
-            <a:ext cx="8763000" cy="685800"/>
-          </a:xfrm>
-        </p:spPr>
-        <p:txBody>
-          <a:bodyPr>
-            <a:normAutofit fontScale="90000"/>
-          </a:bodyPr>
-          <a:lstStyle/>
-          <a:p>
-            <a:r>
-              <a:rPr lang="en-US" dirty="0"/>
-              <a:t>Motivating problem: Weighted interval scheduling</a:t>
-            </a:r>
-          </a:p>
-        </p:txBody>
-      </p:sp>
-      <p:sp>
-        <p:nvSpPr>
-          <p:cNvPr id="3" name="Content Placeholder 2"/>
-          <p:cNvSpPr>
-            <a:spLocks noGrp="1"/>
-          </p:cNvSpPr>
-          <p:nvPr>
-            <p:ph sz="quarter" idx="1"/>
-          </p:nvPr>
-        </p:nvSpPr>
-        <p:spPr/>
-        <p:txBody>
-          <a:bodyPr/>
-          <a:lstStyle/>
-          <a:p>
-            <a:r>
-              <a:rPr lang="en-US" dirty="0"/>
-              <a:t>Weighted interval scheduling</a:t>
-            </a:r>
-          </a:p>
-          <a:p>
-            <a:pPr lvl="1"/>
-            <a:r>
-              <a:rPr lang="en-US" dirty="0"/>
-              <a:t>Same as the regular interval scheduling, but in addition each request has a cost associated with it</a:t>
-            </a:r>
-          </a:p>
-          <a:p>
-            <a:pPr lvl="1"/>
-            <a:r>
-              <a:rPr lang="en-US" dirty="0"/>
-              <a:t>The goal is to maximize the cost from scheduling the items</a:t>
-            </a:r>
-          </a:p>
-          <a:p>
-            <a:pPr lvl="1"/>
-            <a:r>
-              <a:rPr lang="en-US" dirty="0"/>
-              <a:t>This is solved by </a:t>
-            </a:r>
-            <a:r>
-              <a:rPr lang="en-US" i="1" dirty="0"/>
-              <a:t>dynamic programming</a:t>
-            </a:r>
-          </a:p>
-        </p:txBody>
-      </p:sp>
-      <p:pic>
-        <p:nvPicPr>
-          <p:cNvPr id="5" name="Picture 2" descr="C:\WINDOWS\Desktop\Oh_type\kleinberg_GIF_01to10\kleinberg_01F04.gif"/>
-          <p:cNvPicPr preferRelativeResize="0">
-            <a:picLocks noChangeAspect="1" noChangeArrowheads="1"/>
-          </p:cNvPicPr>
-          <p:nvPr>
-            <p:custDataLst>
-              <p:tags r:id="rId1"/>
-            </p:custDataLst>
-          </p:nvPr>
-        </p:nvPicPr>
-        <p:blipFill>
-          <a:blip r:embed="rId3"/>
-          <a:srcRect b="21358"/>
-          <a:stretch>
-            <a:fillRect/>
-          </a:stretch>
-        </p:blipFill>
-        <p:spPr bwMode="auto">
-          <a:xfrm>
-            <a:off x="685800" y="3962400"/>
-            <a:ext cx="7772400" cy="2133600"/>
-          </a:xfrm>
-          <a:prstGeom prst="rect">
-            <a:avLst/>
-          </a:prstGeom>
-          <a:noFill/>
-          <a:ln w="9525">
-            <a:noFill/>
-            <a:miter lim="800000"/>
-            <a:headEnd/>
-            <a:tailEnd/>
-          </a:ln>
-          <a:effectLst/>
-        </p:spPr>
-      </p:pic>
-      <p:sp>
-        <p:nvSpPr>
-          <p:cNvPr id="6" name="Slide Number Placeholder 5"/>
+        <p:spPr/>
+        <p:txBody>
+          <a:bodyPr/>
+          <a:lstStyle/>
+          <a:p>
+            <a:r>
+              <a:rPr lang="en-US" dirty="0"/>
+              <a:t>Motivating problems</a:t>
+            </a:r>
+          </a:p>
+        </p:txBody>
+      </p:sp>
+      <p:sp>
+        <p:nvSpPr>
+          <p:cNvPr id="6" name="Text Placeholder 5"/>
+          <p:cNvSpPr>
+            <a:spLocks noGrp="1"/>
+          </p:cNvSpPr>
+          <p:nvPr>
+            <p:ph type="body" idx="1"/>
+          </p:nvPr>
+        </p:nvSpPr>
+        <p:spPr/>
+        <p:txBody>
+          <a:bodyPr/>
+          <a:lstStyle/>
+          <a:p>
+            <a:endParaRPr lang="en-US"/>
+          </a:p>
+        </p:txBody>
+      </p:sp>
+      <p:sp>
+        <p:nvSpPr>
+          <p:cNvPr id="3" name="Slide Number Placeholder 2"/>
           <p:cNvSpPr>
             <a:spLocks noGrp="1"/>
           </p:cNvSpPr>
@@ -13205,7 +13229,7 @@
           <a:p>
             <a:r>
               <a:rPr lang="en-US" dirty="0"/>
-              <a:t>Motivating problem: Bipartite matching</a:t>
+              <a:t>Motivating problem: Interval scheduling</a:t>
             </a:r>
           </a:p>
         </p:txBody>
@@ -13227,128 +13251,54 @@
           <a:p>
             <a:r>
               <a:rPr lang="en-US" dirty="0"/>
-              <a:t>Bipartite matching</a:t>
-            </a:r>
-          </a:p>
-          <a:p>
-            <a:pPr lvl="1"/>
-            <a:r>
-              <a:rPr lang="en-US" dirty="0"/>
-              <a:t>Given a graph </a:t>
+              <a:t>Interval scheduling</a:t>
+            </a:r>
+          </a:p>
+          <a:p>
+            <a:pPr lvl="1"/>
+            <a:r>
+              <a:rPr lang="en-US" dirty="0"/>
+              <a:t>Given a series of requests, each with a start time and end time, maximize the number of requests scheduled</a:t>
+            </a:r>
+          </a:p>
+          <a:p>
+            <a:pPr lvl="1"/>
+            <a:r>
+              <a:rPr lang="en-US" dirty="0"/>
+              <a:t>This is solved by a </a:t>
             </a:r>
             <a:r>
               <a:rPr lang="en-US" i="1" dirty="0"/>
-              <a:t>G</a:t>
-            </a:r>
-            <a:r>
-              <a:rPr lang="en-US" dirty="0"/>
-              <a:t>, find the maximum sub-graph of </a:t>
-            </a:r>
-            <a:r>
-              <a:rPr lang="en-US" i="1" dirty="0"/>
-              <a:t>G</a:t>
-            </a:r>
-            <a:r>
-              <a:rPr lang="en-US" dirty="0"/>
-              <a:t> that partitions </a:t>
-            </a:r>
-            <a:r>
-              <a:rPr lang="en-US" i="1" dirty="0"/>
-              <a:t>G</a:t>
-            </a:r>
-            <a:r>
-              <a:rPr lang="en-US" dirty="0"/>
-              <a:t> into sets </a:t>
-            </a:r>
-            <a:r>
-              <a:rPr lang="en-US" i="1" dirty="0"/>
-              <a:t>X</a:t>
-            </a:r>
-            <a:r>
-              <a:rPr lang="en-US" dirty="0"/>
-              <a:t> and </a:t>
-            </a:r>
-            <a:r>
-              <a:rPr lang="en-US" i="1" dirty="0"/>
-              <a:t>Y</a:t>
-            </a:r>
-            <a:r>
-              <a:rPr lang="en-US" dirty="0"/>
-              <a:t> such that no node from </a:t>
-            </a:r>
-            <a:r>
-              <a:rPr lang="en-US" i="1" dirty="0"/>
-              <a:t>X</a:t>
-            </a:r>
-            <a:r>
-              <a:rPr lang="en-US" dirty="0"/>
-              <a:t> is connected to a node in </a:t>
-            </a:r>
-            <a:r>
-              <a:rPr lang="en-US" i="1" dirty="0"/>
-              <a:t>Y</a:t>
-            </a:r>
-            <a:r>
-              <a:rPr lang="en-US" dirty="0"/>
-              <a:t>, and vise-versa</a:t>
-            </a:r>
-          </a:p>
-          <a:p>
-            <a:pPr lvl="1" algn="l"/>
-            <a:r>
-              <a:rPr lang="en-US" dirty="0"/>
-              <a:t>Example: given a series of requests, and </a:t>
-            </a:r>
-            <a:br>
-              <a:rPr lang="en-US" dirty="0"/>
-            </a:br>
-            <a:r>
-              <a:rPr lang="en-US" dirty="0"/>
-              <a:t>entities that can handle each request </a:t>
-            </a:r>
-            <a:br>
-              <a:rPr lang="en-US" dirty="0"/>
-            </a:br>
-            <a:r>
-              <a:rPr lang="en-US" dirty="0"/>
-              <a:t>(such people, computers, etc.), find the </a:t>
-            </a:r>
-            <a:br>
-              <a:rPr lang="en-US" dirty="0"/>
-            </a:br>
-            <a:r>
-              <a:rPr lang="en-US" dirty="0"/>
-              <a:t>optimal matching of requests to entities</a:t>
-            </a:r>
-          </a:p>
-          <a:p>
-            <a:pPr lvl="1" algn="l"/>
-            <a:r>
-              <a:rPr lang="en-US" dirty="0"/>
-              <a:t>This is a </a:t>
-            </a:r>
-            <a:r>
-              <a:rPr lang="en-US" i="1" dirty="0"/>
-              <a:t>network flow </a:t>
-            </a:r>
-            <a:r>
-              <a:rPr lang="en-US" dirty="0"/>
-              <a:t>problem</a:t>
-            </a:r>
-          </a:p>
-          <a:p>
-            <a:pPr lvl="1"/>
+              <a:t>greedy </a:t>
+            </a:r>
+            <a:r>
+              <a:rPr lang="en-US" dirty="0"/>
+              <a:t>algorithm</a:t>
+            </a:r>
+          </a:p>
+          <a:p>
+            <a:pPr lvl="1"/>
+            <a:r>
+              <a:rPr lang="en-US" dirty="0"/>
+              <a:t>Most of the CS 2150 algorithms you’ve seen are greedy algorithms: </a:t>
+            </a:r>
+            <a:r>
+              <a:rPr lang="en-US" dirty="0" err="1"/>
+              <a:t>Dijkstra’s</a:t>
+            </a:r>
+            <a:r>
+              <a:rPr lang="en-US" dirty="0"/>
+              <a:t> shortest path, both MST algorithms, etc.</a:t>
+            </a:r>
+          </a:p>
+          <a:p>
             <a:endParaRPr lang="en-US" dirty="0"/>
-          </a:p>
-          <a:p>
-            <a:pPr lvl="1"/>
-            <a:endParaRPr lang="en-US" dirty="0" err="1"/>
           </a:p>
         </p:txBody>
       </p:sp>
       <p:pic>
         <p:nvPicPr>
-          <p:cNvPr id="4" name="Picture 2" descr="C:\WINDOWS\Desktop\Oh_type\kleinberg_GIF_01to10\kleinberg_01F05.gif"/>
+          <p:cNvPr id="4" name="Picture 2" descr="C:\WINDOWS\Desktop\Oh_type\kleinberg_GIF_01to10\kleinberg_01F04.gif"/>
           <p:cNvPicPr preferRelativeResize="0">
             <a:picLocks noChangeAspect="1" noChangeArrowheads="1"/>
           </p:cNvPicPr>
@@ -13359,27 +13309,16 @@
           </p:nvPr>
         </p:nvPicPr>
         <p:blipFill>
-          <a:blip r:embed="rId3">
-            <a:clrChange>
-              <a:clrFrom>
-                <a:srgbClr val="FFFFFF"/>
-              </a:clrFrom>
-              <a:clrTo>
-                <a:srgbClr val="FFFFFF">
-                  <a:alpha val="0"/>
-                </a:srgbClr>
-              </a:clrTo>
-            </a:clrChange>
-          </a:blip>
-          <a:srcRect t="5229" b="17647"/>
+          <a:blip r:embed="rId3"/>
+          <a:srcRect b="21358"/>
           <a:stretch>
             <a:fillRect/>
           </a:stretch>
         </p:blipFill>
         <p:spPr bwMode="auto">
           <a:xfrm>
-            <a:off x="5394406" y="3124200"/>
-            <a:ext cx="3749594" cy="3581400"/>
+            <a:off x="685800" y="3962400"/>
+            <a:ext cx="7772400" cy="2133600"/>
           </a:xfrm>
           <a:prstGeom prst="rect">
             <a:avLst/>
@@ -13880,21 +13819,112 @@
             <p:ph type="title"/>
           </p:nvPr>
         </p:nvSpPr>
-        <p:spPr/>
-        <p:txBody>
-          <a:bodyPr/>
-          <a:lstStyle/>
-          <a:p>
-            <a:r>
-              <a:rPr lang="en-US" dirty="0"/>
-              <a:t>Motivating problem: Sorting</a:t>
-            </a:r>
-          </a:p>
-        </p:txBody>
-      </p:sp>
-      <p:sp>
-        <p:nvSpPr>
-          <p:cNvPr id="3" name="Slide Number Placeholder 2"/>
+        <p:spPr>
+          <a:xfrm>
+            <a:off x="381000" y="457200"/>
+            <a:ext cx="8763000" cy="685800"/>
+          </a:xfrm>
+        </p:spPr>
+        <p:txBody>
+          <a:bodyPr>
+            <a:normAutofit fontScale="90000"/>
+          </a:bodyPr>
+          <a:lstStyle/>
+          <a:p>
+            <a:r>
+              <a:rPr lang="en-US" dirty="0"/>
+              <a:t>Motivating problem: Weighted interval scheduling</a:t>
+            </a:r>
+          </a:p>
+        </p:txBody>
+      </p:sp>
+      <p:sp>
+        <p:nvSpPr>
+          <p:cNvPr id="3" name="Content Placeholder 2"/>
+          <p:cNvSpPr>
+            <a:spLocks noGrp="1"/>
+          </p:cNvSpPr>
+          <p:nvPr>
+            <p:ph sz="quarter" idx="1"/>
+          </p:nvPr>
+        </p:nvSpPr>
+        <p:spPr/>
+        <p:txBody>
+          <a:bodyPr/>
+          <a:lstStyle/>
+          <a:p>
+            <a:r>
+              <a:rPr lang="en-US" dirty="0"/>
+              <a:t>Weighted interval scheduling</a:t>
+            </a:r>
+          </a:p>
+          <a:p>
+            <a:pPr lvl="1"/>
+            <a:r>
+              <a:rPr lang="en-US" dirty="0"/>
+              <a:t>Same as the regular interval scheduling, but in addition each request has a cost associated with it</a:t>
+            </a:r>
+          </a:p>
+          <a:p>
+            <a:pPr lvl="1"/>
+            <a:r>
+              <a:rPr lang="en-US" dirty="0"/>
+              <a:t>The goal is to maximize the cost from scheduling the items</a:t>
+            </a:r>
+          </a:p>
+          <a:p>
+            <a:pPr lvl="1"/>
+            <a:r>
+              <a:rPr lang="en-US" dirty="0"/>
+              <a:t>This is solved by </a:t>
+            </a:r>
+            <a:r>
+              <a:rPr lang="en-US" i="1" dirty="0"/>
+              <a:t>dynamic programming</a:t>
+            </a:r>
+          </a:p>
+        </p:txBody>
+      </p:sp>
+      <p:pic>
+        <p:nvPicPr>
+          <p:cNvPr id="5" name="Picture 2" descr="C:\WINDOWS\Desktop\Oh_type\kleinberg_GIF_01to10\kleinberg_01F04.gif"/>
+          <p:cNvPicPr preferRelativeResize="0">
+            <a:picLocks noChangeAspect="1" noChangeArrowheads="1"/>
+          </p:cNvPicPr>
+          <p:nvPr>
+            <p:custDataLst>
+              <p:tags r:id="rId1"/>
+            </p:custDataLst>
+          </p:nvPr>
+        </p:nvPicPr>
+        <p:blipFill>
+          <a:blip r:embed="rId3"/>
+          <a:srcRect b="21358"/>
+          <a:stretch>
+            <a:fillRect/>
+          </a:stretch>
+        </p:blipFill>
+        <p:spPr bwMode="auto">
+          <a:xfrm>
+            <a:off x="685800" y="3962400"/>
+            <a:ext cx="7772400" cy="2133600"/>
+          </a:xfrm>
+          <a:prstGeom prst="rect">
+            <a:avLst/>
+          </a:prstGeom>
+          <a:noFill/>
+          <a:ln w="9525">
+            <a:noFill/>
+            <a:miter lim="800000"/>
+            <a:headEnd/>
+            <a:tailEnd/>
+          </a:ln>
+          <a:effectLst/>
+        </p:spPr>
+      </p:pic>
+      <p:sp>
+        <p:nvSpPr>
+          <p:cNvPr id="6" name="Slide Number Placeholder 5"/>
           <p:cNvSpPr>
             <a:spLocks noGrp="1"/>
           </p:cNvSpPr>
@@ -13911,6 +13941,332 @@
               <a:rPr lang="en-US" smtClean="0"/>
               <a:pPr/>
               <a:t>50</a:t>
+            </a:fld>
+            <a:endParaRPr lang="en-US"/>
+          </a:p>
+        </p:txBody>
+      </p:sp>
+    </p:spTree>
+  </p:cSld>
+  <p:clrMapOvr>
+    <a:masterClrMapping/>
+  </p:clrMapOvr>
+</p:sld>
+</file>
+
+<file path=ppt/slides/slide51.xml><?xml version="1.0" encoding="utf-8"?>
+<p:sld xmlns:a="http://schemas.openxmlformats.org/drawingml/2006/main" xmlns:r="http://schemas.openxmlformats.org/officeDocument/2006/relationships" xmlns:p="http://schemas.openxmlformats.org/presentationml/2006/main">
+  <p:cSld>
+    <p:spTree>
+      <p:nvGrpSpPr>
+        <p:cNvPr id="1" name=""/>
+        <p:cNvGrpSpPr/>
+        <p:nvPr/>
+      </p:nvGrpSpPr>
+      <p:grpSpPr>
+        <a:xfrm>
+          <a:off x="0" y="0"/>
+          <a:ext cx="0" cy="0"/>
+          <a:chOff x="0" y="0"/>
+          <a:chExt cx="0" cy="0"/>
+        </a:xfrm>
+      </p:grpSpPr>
+      <p:sp>
+        <p:nvSpPr>
+          <p:cNvPr id="2" name="Title 1"/>
+          <p:cNvSpPr>
+            <a:spLocks noGrp="1"/>
+          </p:cNvSpPr>
+          <p:nvPr>
+            <p:ph type="title"/>
+          </p:nvPr>
+        </p:nvSpPr>
+        <p:spPr/>
+        <p:txBody>
+          <a:bodyPr/>
+          <a:lstStyle/>
+          <a:p>
+            <a:r>
+              <a:rPr lang="en-US" dirty="0"/>
+              <a:t>Motivating problem: Bipartite matching</a:t>
+            </a:r>
+          </a:p>
+        </p:txBody>
+      </p:sp>
+      <p:sp>
+        <p:nvSpPr>
+          <p:cNvPr id="3" name="Content Placeholder 2"/>
+          <p:cNvSpPr>
+            <a:spLocks noGrp="1"/>
+          </p:cNvSpPr>
+          <p:nvPr>
+            <p:ph sz="quarter" idx="1"/>
+          </p:nvPr>
+        </p:nvSpPr>
+        <p:spPr/>
+        <p:txBody>
+          <a:bodyPr/>
+          <a:lstStyle/>
+          <a:p>
+            <a:r>
+              <a:rPr lang="en-US" dirty="0"/>
+              <a:t>Bipartite matching</a:t>
+            </a:r>
+          </a:p>
+          <a:p>
+            <a:pPr lvl="1"/>
+            <a:r>
+              <a:rPr lang="en-US" dirty="0"/>
+              <a:t>Given a graph </a:t>
+            </a:r>
+            <a:r>
+              <a:rPr lang="en-US" i="1" dirty="0"/>
+              <a:t>G</a:t>
+            </a:r>
+            <a:r>
+              <a:rPr lang="en-US" dirty="0"/>
+              <a:t>, find the maximum sub-graph of </a:t>
+            </a:r>
+            <a:r>
+              <a:rPr lang="en-US" i="1" dirty="0"/>
+              <a:t>G</a:t>
+            </a:r>
+            <a:r>
+              <a:rPr lang="en-US" dirty="0"/>
+              <a:t> that partitions </a:t>
+            </a:r>
+            <a:r>
+              <a:rPr lang="en-US" i="1" dirty="0"/>
+              <a:t>G</a:t>
+            </a:r>
+            <a:r>
+              <a:rPr lang="en-US" dirty="0"/>
+              <a:t> into sets </a:t>
+            </a:r>
+            <a:r>
+              <a:rPr lang="en-US" i="1" dirty="0"/>
+              <a:t>X</a:t>
+            </a:r>
+            <a:r>
+              <a:rPr lang="en-US" dirty="0"/>
+              <a:t> and </a:t>
+            </a:r>
+            <a:r>
+              <a:rPr lang="en-US" i="1" dirty="0"/>
+              <a:t>Y</a:t>
+            </a:r>
+            <a:r>
+              <a:rPr lang="en-US" dirty="0"/>
+              <a:t> such that no node from </a:t>
+            </a:r>
+            <a:r>
+              <a:rPr lang="en-US" i="1" dirty="0"/>
+              <a:t>X</a:t>
+            </a:r>
+            <a:r>
+              <a:rPr lang="en-US" dirty="0"/>
+              <a:t> is connected to a node in </a:t>
+            </a:r>
+            <a:r>
+              <a:rPr lang="en-US" i="1" dirty="0"/>
+              <a:t>Y</a:t>
+            </a:r>
+            <a:r>
+              <a:rPr lang="en-US" dirty="0"/>
+              <a:t>, and vise-versa</a:t>
+            </a:r>
+          </a:p>
+          <a:p>
+            <a:pPr lvl="1" algn="l"/>
+            <a:r>
+              <a:rPr lang="en-US" dirty="0"/>
+              <a:t>Example: given a series of requests, and </a:t>
+            </a:r>
+            <a:br>
+              <a:rPr lang="en-US" dirty="0"/>
+            </a:br>
+            <a:r>
+              <a:rPr lang="en-US" dirty="0"/>
+              <a:t>entities that can handle each request </a:t>
+            </a:r>
+            <a:br>
+              <a:rPr lang="en-US" dirty="0"/>
+            </a:br>
+            <a:r>
+              <a:rPr lang="en-US" dirty="0"/>
+              <a:t>(such people, computers, etc.), find the </a:t>
+            </a:r>
+            <a:br>
+              <a:rPr lang="en-US" dirty="0"/>
+            </a:br>
+            <a:r>
+              <a:rPr lang="en-US" dirty="0"/>
+              <a:t>optimal matching of requests to entities</a:t>
+            </a:r>
+          </a:p>
+          <a:p>
+            <a:pPr lvl="1" algn="l"/>
+            <a:r>
+              <a:rPr lang="en-US" dirty="0"/>
+              <a:t>This is a </a:t>
+            </a:r>
+            <a:r>
+              <a:rPr lang="en-US" i="1" dirty="0"/>
+              <a:t>network flow </a:t>
+            </a:r>
+            <a:r>
+              <a:rPr lang="en-US" dirty="0"/>
+              <a:t>problem</a:t>
+            </a:r>
+          </a:p>
+          <a:p>
+            <a:pPr lvl="1"/>
+            <a:endParaRPr lang="en-US" dirty="0"/>
+          </a:p>
+          <a:p>
+            <a:pPr lvl="1"/>
+            <a:endParaRPr lang="en-US" dirty="0" err="1"/>
+          </a:p>
+        </p:txBody>
+      </p:sp>
+      <p:pic>
+        <p:nvPicPr>
+          <p:cNvPr id="4" name="Picture 2" descr="C:\WINDOWS\Desktop\Oh_type\kleinberg_GIF_01to10\kleinberg_01F05.gif"/>
+          <p:cNvPicPr preferRelativeResize="0">
+            <a:picLocks noChangeAspect="1" noChangeArrowheads="1"/>
+          </p:cNvPicPr>
+          <p:nvPr>
+            <p:custDataLst>
+              <p:tags r:id="rId1"/>
+            </p:custDataLst>
+          </p:nvPr>
+        </p:nvPicPr>
+        <p:blipFill>
+          <a:blip r:embed="rId3">
+            <a:clrChange>
+              <a:clrFrom>
+                <a:srgbClr val="FFFFFF"/>
+              </a:clrFrom>
+              <a:clrTo>
+                <a:srgbClr val="FFFFFF">
+                  <a:alpha val="0"/>
+                </a:srgbClr>
+              </a:clrTo>
+            </a:clrChange>
+          </a:blip>
+          <a:srcRect t="5229" b="17647"/>
+          <a:stretch>
+            <a:fillRect/>
+          </a:stretch>
+        </p:blipFill>
+        <p:spPr bwMode="auto">
+          <a:xfrm>
+            <a:off x="5394406" y="3124200"/>
+            <a:ext cx="3749594" cy="3581400"/>
+          </a:xfrm>
+          <a:prstGeom prst="rect">
+            <a:avLst/>
+          </a:prstGeom>
+          <a:noFill/>
+          <a:ln w="9525">
+            <a:noFill/>
+            <a:miter lim="800000"/>
+            <a:headEnd/>
+            <a:tailEnd/>
+          </a:ln>
+          <a:effectLst/>
+        </p:spPr>
+      </p:pic>
+      <p:sp>
+        <p:nvSpPr>
+          <p:cNvPr id="5" name="Slide Number Placeholder 4"/>
+          <p:cNvSpPr>
+            <a:spLocks noGrp="1"/>
+          </p:cNvSpPr>
+          <p:nvPr>
+            <p:ph type="sldNum" sz="quarter" idx="12"/>
+          </p:nvPr>
+        </p:nvSpPr>
+        <p:spPr/>
+        <p:txBody>
+          <a:bodyPr/>
+          <a:lstStyle/>
+          <a:p>
+            <a:fld id="{F26D9103-0C5C-48AC-B68E-3ED2C1647047}" type="slidenum">
+              <a:rPr lang="en-US" smtClean="0"/>
+              <a:pPr/>
+              <a:t>51</a:t>
+            </a:fld>
+            <a:endParaRPr lang="en-US"/>
+          </a:p>
+        </p:txBody>
+      </p:sp>
+    </p:spTree>
+  </p:cSld>
+  <p:clrMapOvr>
+    <a:masterClrMapping/>
+  </p:clrMapOvr>
+</p:sld>
+</file>
+
+<file path=ppt/slides/slide52.xml><?xml version="1.0" encoding="utf-8"?>
+<p:sld xmlns:a="http://schemas.openxmlformats.org/drawingml/2006/main" xmlns:r="http://schemas.openxmlformats.org/officeDocument/2006/relationships" xmlns:p="http://schemas.openxmlformats.org/presentationml/2006/main">
+  <p:cSld>
+    <p:spTree>
+      <p:nvGrpSpPr>
+        <p:cNvPr id="1" name=""/>
+        <p:cNvGrpSpPr/>
+        <p:nvPr/>
+      </p:nvGrpSpPr>
+      <p:grpSpPr>
+        <a:xfrm>
+          <a:off x="0" y="0"/>
+          <a:ext cx="0" cy="0"/>
+          <a:chOff x="0" y="0"/>
+          <a:chExt cx="0" cy="0"/>
+        </a:xfrm>
+      </p:grpSpPr>
+      <p:sp>
+        <p:nvSpPr>
+          <p:cNvPr id="2" name="Title 1"/>
+          <p:cNvSpPr>
+            <a:spLocks noGrp="1"/>
+          </p:cNvSpPr>
+          <p:nvPr>
+            <p:ph type="title"/>
+          </p:nvPr>
+        </p:nvSpPr>
+        <p:spPr/>
+        <p:txBody>
+          <a:bodyPr/>
+          <a:lstStyle/>
+          <a:p>
+            <a:r>
+              <a:rPr lang="en-US" dirty="0"/>
+              <a:t>Motivating problem: Sorting</a:t>
+            </a:r>
+          </a:p>
+        </p:txBody>
+      </p:sp>
+      <p:sp>
+        <p:nvSpPr>
+          <p:cNvPr id="3" name="Slide Number Placeholder 2"/>
+          <p:cNvSpPr>
+            <a:spLocks noGrp="1"/>
+          </p:cNvSpPr>
+          <p:nvPr>
+            <p:ph type="sldNum" sz="quarter" idx="12"/>
+          </p:nvPr>
+        </p:nvSpPr>
+        <p:spPr/>
+        <p:txBody>
+          <a:bodyPr/>
+          <a:lstStyle/>
+          <a:p>
+            <a:fld id="{F26D9103-0C5C-48AC-B68E-3ED2C1647047}" type="slidenum">
+              <a:rPr lang="en-US" smtClean="0"/>
+              <a:pPr/>
+              <a:t>52</a:t>
             </a:fld>
             <a:endParaRPr lang="en-US"/>
           </a:p>
@@ -14058,7 +14414,7 @@
 </p:sld>
 </file>
 
-<file path=ppt/slides/slide51.xml><?xml version="1.0" encoding="utf-8"?>
+<file path=ppt/slides/slide53.xml><?xml version="1.0" encoding="utf-8"?>
 <p:sld xmlns:a="http://schemas.openxmlformats.org/drawingml/2006/main" xmlns:r="http://schemas.openxmlformats.org/officeDocument/2006/relationships" xmlns:p="http://schemas.openxmlformats.org/presentationml/2006/main">
   <p:cSld>
     <p:spTree>
@@ -14263,7 +14619,7 @@
             <a:fld id="{F26D9103-0C5C-48AC-B68E-3ED2C1647047}" type="slidenum">
               <a:rPr lang="en-US" smtClean="0"/>
               <a:pPr/>
-              <a:t>51</a:t>
+              <a:t>53</a:t>
             </a:fld>
             <a:endParaRPr lang="en-US"/>
           </a:p>
@@ -14277,7 +14633,7 @@
 </p:sld>
 </file>
 
-<file path=ppt/slides/slide52.xml><?xml version="1.0" encoding="utf-8"?>
+<file path=ppt/slides/slide54.xml><?xml version="1.0" encoding="utf-8"?>
 <p:sld xmlns:a="http://schemas.openxmlformats.org/drawingml/2006/main" xmlns:r="http://schemas.openxmlformats.org/officeDocument/2006/relationships" xmlns:p="http://schemas.openxmlformats.org/presentationml/2006/main">
   <p:cSld>
     <p:spTree>
@@ -14417,7 +14773,7 @@
             <a:fld id="{F26D9103-0C5C-48AC-B68E-3ED2C1647047}" type="slidenum">
               <a:rPr lang="en-US" smtClean="0"/>
               <a:pPr/>
-              <a:t>52</a:t>
+              <a:t>54</a:t>
             </a:fld>
             <a:endParaRPr lang="en-US"/>
           </a:p>
@@ -15154,10 +15510,11 @@
             <a:pPr lvl="1"/>
             <a:r>
               <a:rPr lang="en-US" dirty="0"/>
-              <a:t>Using Panopto, so not broadcast live (but auto-captioned)</a:t>
-            </a:r>
-          </a:p>
-          <a:p>
+              <a:t>Using Panopto, so no live broadcast</a:t>
+            </a:r>
+          </a:p>
+          <a:p>
+            <a:pPr lvl="1"/>
             <a:endParaRPr lang="en-US" dirty="0"/>
           </a:p>
           <a:p>

--- a/slides/courseintroduction.pptx
+++ b/slides/courseintroduction.pptx
@@ -5742,7 +5742,7 @@
         <p:spPr/>
         <p:txBody>
           <a:bodyPr>
-            <a:normAutofit fontScale="92500" lnSpcReduction="10000"/>
+            <a:normAutofit fontScale="92500" lnSpcReduction="20000"/>
           </a:bodyPr>
           <a:lstStyle/>
           <a:p>
@@ -5813,7 +5813,18 @@
             </a:r>
             <a:r>
               <a:rPr lang="en-US" dirty="0"/>
-              <a:t> will attempt modules 4-5 for the first time</a:t>
+              <a:t> SHOULD retry module 3 (to pass it)</a:t>
+            </a:r>
+          </a:p>
+          <a:p>
+            <a:pPr lvl="1"/>
+            <a:r>
+              <a:rPr lang="en-US" dirty="0" err="1"/>
+              <a:t>Floryan</a:t>
+            </a:r>
+            <a:r>
+              <a:rPr lang="en-US" dirty="0"/>
+              <a:t> will attempt modules 4-5 for the first time also if he has time</a:t>
             </a:r>
           </a:p>
           <a:p>
@@ -8279,7 +8290,7 @@
             </a:r>
             <a:r>
               <a:rPr lang="en-US" dirty="0"/>
-              <a:t>, you may work together in groups of 3 or less to discuss the algorithmic aspects ONLY</a:t>
+              <a:t>, you may work together in groups of 5 or less to discuss the algorithmic aspects ONLY</a:t>
             </a:r>
           </a:p>
           <a:p>
@@ -8299,7 +8310,7 @@
           <a:p>
             <a:r>
               <a:rPr lang="en-US" dirty="0"/>
-              <a:t>For the written homeworks, you may work together in groups of 3 or less, but you MUST:</a:t>
+              <a:t>For the written homeworks, you may work together in groups of 5 or less, but you MUST:</a:t>
             </a:r>
           </a:p>
           <a:p>
@@ -8420,7 +8431,7 @@
             <a:pPr lvl="1"/>
             <a:r>
               <a:rPr lang="en-US" dirty="0"/>
-              <a:t>But only within your groups of up to 3 per assignment (you + 2 more)</a:t>
+              <a:t>But only within your groups of up to 5 per assignment (you + 4 more)</a:t>
             </a:r>
           </a:p>
           <a:p>
